--- a/ProjectPresentation/EntityAnnotation.pptx
+++ b/ProjectPresentation/EntityAnnotation.pptx
@@ -5,13 +5,21 @@
     <p:sldMasterId id="2147483660" r:id="rId1"/>
   </p:sldMasterIdLst>
   <p:notesMasterIdLst>
-    <p:notesMasterId r:id="rId6"/>
+    <p:notesMasterId r:id="rId14"/>
   </p:notesMasterIdLst>
   <p:sldIdLst>
     <p:sldId id="259" r:id="rId2"/>
     <p:sldId id="284" r:id="rId3"/>
     <p:sldId id="258" r:id="rId4"/>
     <p:sldId id="283" r:id="rId5"/>
+    <p:sldId id="290" r:id="rId6"/>
+    <p:sldId id="286" r:id="rId7"/>
+    <p:sldId id="291" r:id="rId8"/>
+    <p:sldId id="285" r:id="rId9"/>
+    <p:sldId id="289" r:id="rId10"/>
+    <p:sldId id="292" r:id="rId11"/>
+    <p:sldId id="287" r:id="rId12"/>
+    <p:sldId id="288" r:id="rId13"/>
   </p:sldIdLst>
   <p:sldSz cx="12192000" cy="6858000"/>
   <p:notesSz cx="6858000" cy="9144000"/>
@@ -112,7 +120,7 @@
   </p:defaultTextStyle>
   <p:extLst>
     <p:ext uri="{EFAFB233-063F-42B5-8137-9DF3F51BA10A}">
-      <p15:sldGuideLst xmlns:p15="http://schemas.microsoft.com/office/powerpoint/2012/main"/>
+      <p15:sldGuideLst xmlns:p15="http://schemas.microsoft.com/office/powerpoint/2012/main" xmlns=""/>
     </p:ext>
   </p:extLst>
 </p:presentation>
@@ -200,7 +208,7 @@
           <a:p>
             <a:fld id="{A8D8494C-AE34-42CB-89A1-EF65868C4C6A}" type="datetimeFigureOut">
               <a:rPr lang="en-GB" smtClean="0"/>
-              <a:t>02/12/2016</a:t>
+              <a:t>03/12/2016</a:t>
             </a:fld>
             <a:endParaRPr lang="en-GB"/>
           </a:p>
@@ -359,7 +367,7 @@
           <a:p>
             <a:fld id="{6B56D088-27D1-433A-A9A9-E30AD3E13E16}" type="slidenum">
               <a:rPr lang="en-GB" smtClean="0"/>
-              <a:t>‹Nr.›</a:t>
+              <a:t>‹#›</a:t>
             </a:fld>
             <a:endParaRPr lang="en-GB"/>
           </a:p>
@@ -1312,13 +1320,8 @@
             </a:pPr>
             <a:r>
               <a:rPr lang="en-US" dirty="0"/>
-              <a:t>Result returned to CE </a:t>
-            </a:r>
-            <a:r>
-              <a:rPr lang="en-US"/>
-              <a:t>and visualized</a:t>
-            </a:r>
-            <a:endParaRPr lang="en-US" dirty="0"/>
+              <a:t>Result returned to CE and visualized</a:t>
+            </a:r>
           </a:p>
           <a:p>
             <a:endParaRPr lang="de-DE" dirty="0"/>
@@ -1352,6 +1355,290 @@
     <p:extLst>
       <p:ext uri="{BB962C8B-B14F-4D97-AF65-F5344CB8AC3E}">
         <p14:creationId xmlns:p14="http://schemas.microsoft.com/office/powerpoint/2010/main" val="852633847"/>
+      </p:ext>
+    </p:extLst>
+  </p:cSld>
+  <p:clrMapOvr>
+    <a:masterClrMapping/>
+  </p:clrMapOvr>
+</p:notes>
+</file>
+
+<file path=ppt/notesSlides/notesSlide5.xml><?xml version="1.0" encoding="utf-8"?>
+<p:notes xmlns:a="http://schemas.openxmlformats.org/drawingml/2006/main" xmlns:r="http://schemas.openxmlformats.org/officeDocument/2006/relationships" xmlns:p="http://schemas.openxmlformats.org/presentationml/2006/main">
+  <p:cSld>
+    <p:spTree>
+      <p:nvGrpSpPr>
+        <p:cNvPr id="1" name=""/>
+        <p:cNvGrpSpPr/>
+        <p:nvPr/>
+      </p:nvGrpSpPr>
+      <p:grpSpPr>
+        <a:xfrm>
+          <a:off x="0" y="0"/>
+          <a:ext cx="0" cy="0"/>
+          <a:chOff x="0" y="0"/>
+          <a:chExt cx="0" cy="0"/>
+        </a:xfrm>
+      </p:grpSpPr>
+      <p:sp>
+        <p:nvSpPr>
+          <p:cNvPr id="2" name="Slide Image Placeholder 1"/>
+          <p:cNvSpPr>
+            <a:spLocks noGrp="1" noRot="1" noChangeAspect="1"/>
+          </p:cNvSpPr>
+          <p:nvPr>
+            <p:ph type="sldImg"/>
+          </p:nvPr>
+        </p:nvSpPr>
+        <p:spPr/>
+      </p:sp>
+      <p:sp>
+        <p:nvSpPr>
+          <p:cNvPr id="3" name="Notes Placeholder 2"/>
+          <p:cNvSpPr>
+            <a:spLocks noGrp="1"/>
+          </p:cNvSpPr>
+          <p:nvPr>
+            <p:ph type="body" idx="1"/>
+          </p:nvPr>
+        </p:nvSpPr>
+        <p:spPr/>
+        <p:txBody>
+          <a:bodyPr/>
+          <a:lstStyle/>
+          <a:p>
+            <a:r>
+              <a:rPr lang="en-GB" dirty="0" smtClean="0"/>
+              <a:t>Demo script:</a:t>
+            </a:r>
+          </a:p>
+          <a:p>
+            <a:r>
+              <a:rPr lang="en-GB" dirty="0" smtClean="0"/>
+              <a:t>User</a:t>
+            </a:r>
+            <a:r>
+              <a:rPr lang="en-GB" baseline="0" dirty="0" smtClean="0"/>
+              <a:t> visits his favourite website (Spiegel, </a:t>
+            </a:r>
+            <a:r>
+              <a:rPr lang="en-GB" baseline="0" dirty="0" err="1" smtClean="0"/>
+              <a:t>bbc</a:t>
+            </a:r>
+            <a:r>
+              <a:rPr lang="en-GB" baseline="0" dirty="0" smtClean="0"/>
+              <a:t>, CNN)</a:t>
+            </a:r>
+          </a:p>
+          <a:p>
+            <a:r>
+              <a:rPr lang="en-GB" baseline="0" dirty="0" smtClean="0"/>
+              <a:t>Reads an article about foreign politics: Trump is filling </a:t>
+            </a:r>
+            <a:r>
+              <a:rPr lang="en-GB" baseline="0" smtClean="0"/>
+              <a:t>his cabinet (example: http://www.bbc.com/news/world-us-canada-38168382) </a:t>
+            </a:r>
+            <a:endParaRPr lang="en-GB" baseline="0" dirty="0" smtClean="0"/>
+          </a:p>
+          <a:p>
+            <a:r>
+              <a:rPr lang="en-GB" baseline="0" dirty="0" smtClean="0"/>
+              <a:t>Now Trump obviously he knows, but who is this other person that is mentioned here? </a:t>
+            </a:r>
+          </a:p>
+          <a:p>
+            <a:pPr marL="171450" indent="-171450">
+              <a:buFont typeface="Wingdings" pitchFamily="2" charset="2"/>
+              <a:buChar char="è"/>
+            </a:pPr>
+            <a:r>
+              <a:rPr lang="en-GB" baseline="0" dirty="0" smtClean="0">
+                <a:sym typeface="Wingdings" panose="05000000000000000000" pitchFamily="2" charset="2"/>
+              </a:rPr>
+              <a:t>Select the text and click the button!</a:t>
+            </a:r>
+          </a:p>
+          <a:p>
+            <a:pPr marL="0" indent="0">
+              <a:buFont typeface="Wingdings" pitchFamily="2" charset="2"/>
+              <a:buNone/>
+            </a:pPr>
+            <a:r>
+              <a:rPr lang="en-GB" baseline="0" dirty="0" smtClean="0">
+                <a:sym typeface="Wingdings" panose="05000000000000000000" pitchFamily="2" charset="2"/>
+              </a:rPr>
+              <a:t>View information about the named entities that were found:</a:t>
+            </a:r>
+          </a:p>
+          <a:p>
+            <a:pPr marL="171450" indent="-171450">
+              <a:buFont typeface="Wingdings" pitchFamily="2" charset="2"/>
+              <a:buChar char="è"/>
+            </a:pPr>
+            <a:r>
+              <a:rPr lang="en-GB" baseline="0" dirty="0" smtClean="0">
+                <a:sym typeface="Wingdings" panose="05000000000000000000" pitchFamily="2" charset="2"/>
+              </a:rPr>
+              <a:t>Information about Trump (there seems to be a lot) and the other person</a:t>
+            </a:r>
+          </a:p>
+          <a:p>
+            <a:pPr marL="171450" indent="-171450">
+              <a:buFont typeface="Wingdings" pitchFamily="2" charset="2"/>
+              <a:buChar char="è"/>
+            </a:pPr>
+            <a:r>
+              <a:rPr lang="en-GB" baseline="0" dirty="0" smtClean="0">
+                <a:sym typeface="Wingdings" panose="05000000000000000000" pitchFamily="2" charset="2"/>
+              </a:rPr>
+              <a:t>Now this is useful, but what connects Trump to this person? View visualization</a:t>
+            </a:r>
+          </a:p>
+          <a:p>
+            <a:pPr marL="171450" indent="-171450">
+              <a:buFont typeface="Wingdings" pitchFamily="2" charset="2"/>
+              <a:buChar char="è"/>
+            </a:pPr>
+            <a:endParaRPr lang="de-DE" dirty="0"/>
+          </a:p>
+        </p:txBody>
+      </p:sp>
+      <p:sp>
+        <p:nvSpPr>
+          <p:cNvPr id="4" name="Slide Number Placeholder 3"/>
+          <p:cNvSpPr>
+            <a:spLocks noGrp="1"/>
+          </p:cNvSpPr>
+          <p:nvPr>
+            <p:ph type="sldNum" sz="quarter" idx="10"/>
+          </p:nvPr>
+        </p:nvSpPr>
+        <p:spPr/>
+        <p:txBody>
+          <a:bodyPr/>
+          <a:lstStyle/>
+          <a:p>
+            <a:fld id="{6B56D088-27D1-433A-A9A9-E30AD3E13E16}" type="slidenum">
+              <a:rPr lang="en-GB" smtClean="0"/>
+              <a:t>7</a:t>
+            </a:fld>
+            <a:endParaRPr lang="en-GB"/>
+          </a:p>
+        </p:txBody>
+      </p:sp>
+    </p:spTree>
+    <p:extLst>
+      <p:ext uri="{BB962C8B-B14F-4D97-AF65-F5344CB8AC3E}">
+        <p14:creationId xmlns:p14="http://schemas.microsoft.com/office/powerpoint/2010/main" val="2749297725"/>
+      </p:ext>
+    </p:extLst>
+  </p:cSld>
+  <p:clrMapOvr>
+    <a:masterClrMapping/>
+  </p:clrMapOvr>
+</p:notes>
+</file>
+
+<file path=ppt/notesSlides/notesSlide6.xml><?xml version="1.0" encoding="utf-8"?>
+<p:notes xmlns:a="http://schemas.openxmlformats.org/drawingml/2006/main" xmlns:r="http://schemas.openxmlformats.org/officeDocument/2006/relationships" xmlns:p="http://schemas.openxmlformats.org/presentationml/2006/main">
+  <p:cSld>
+    <p:spTree>
+      <p:nvGrpSpPr>
+        <p:cNvPr id="1" name=""/>
+        <p:cNvGrpSpPr/>
+        <p:nvPr/>
+      </p:nvGrpSpPr>
+      <p:grpSpPr>
+        <a:xfrm>
+          <a:off x="0" y="0"/>
+          <a:ext cx="0" cy="0"/>
+          <a:chOff x="0" y="0"/>
+          <a:chExt cx="0" cy="0"/>
+        </a:xfrm>
+      </p:grpSpPr>
+      <p:sp>
+        <p:nvSpPr>
+          <p:cNvPr id="2" name="Slide Image Placeholder 1"/>
+          <p:cNvSpPr>
+            <a:spLocks noGrp="1" noRot="1" noChangeAspect="1"/>
+          </p:cNvSpPr>
+          <p:nvPr>
+            <p:ph type="sldImg"/>
+          </p:nvPr>
+        </p:nvSpPr>
+        <p:spPr/>
+      </p:sp>
+      <p:sp>
+        <p:nvSpPr>
+          <p:cNvPr id="3" name="Notes Placeholder 2"/>
+          <p:cNvSpPr>
+            <a:spLocks noGrp="1"/>
+          </p:cNvSpPr>
+          <p:nvPr>
+            <p:ph type="body" idx="1"/>
+          </p:nvPr>
+        </p:nvSpPr>
+        <p:spPr/>
+        <p:txBody>
+          <a:bodyPr/>
+          <a:lstStyle/>
+          <a:p>
+            <a:r>
+              <a:rPr lang="en-GB" dirty="0" smtClean="0"/>
+              <a:t>On the technical side: architecture is extensible, as in new sources can</a:t>
+            </a:r>
+            <a:r>
+              <a:rPr lang="en-GB" baseline="0" dirty="0" smtClean="0"/>
+              <a:t> easily be added</a:t>
+            </a:r>
+          </a:p>
+          <a:p>
+            <a:r>
+              <a:rPr lang="en-GB" dirty="0" smtClean="0"/>
+              <a:t>Chrome</a:t>
+            </a:r>
+            <a:r>
+              <a:rPr lang="en-GB" baseline="0" dirty="0" smtClean="0"/>
+              <a:t> extension gets pretty much everything from the server, so this would not need any updates</a:t>
+            </a:r>
+          </a:p>
+          <a:p>
+            <a:endParaRPr lang="en-GB" baseline="0" dirty="0" smtClean="0"/>
+          </a:p>
+          <a:p>
+            <a:endParaRPr lang="de-DE" dirty="0"/>
+          </a:p>
+        </p:txBody>
+      </p:sp>
+      <p:sp>
+        <p:nvSpPr>
+          <p:cNvPr id="4" name="Slide Number Placeholder 3"/>
+          <p:cNvSpPr>
+            <a:spLocks noGrp="1"/>
+          </p:cNvSpPr>
+          <p:nvPr>
+            <p:ph type="sldNum" sz="quarter" idx="10"/>
+          </p:nvPr>
+        </p:nvSpPr>
+        <p:spPr/>
+        <p:txBody>
+          <a:bodyPr/>
+          <a:lstStyle/>
+          <a:p>
+            <a:fld id="{6B56D088-27D1-433A-A9A9-E30AD3E13E16}" type="slidenum">
+              <a:rPr lang="en-GB" smtClean="0"/>
+              <a:t>8</a:t>
+            </a:fld>
+            <a:endParaRPr lang="en-GB"/>
+          </a:p>
+        </p:txBody>
+      </p:sp>
+    </p:spTree>
+    <p:extLst>
+      <p:ext uri="{BB962C8B-B14F-4D97-AF65-F5344CB8AC3E}">
+        <p14:creationId xmlns:p14="http://schemas.microsoft.com/office/powerpoint/2010/main" val="3473345627"/>
       </p:ext>
     </p:extLst>
   </p:cSld>
@@ -1550,7 +1837,7 @@
           <a:p>
             <a:fld id="{06103CAB-27D4-4953-BA7C-39BAE24E605E}" type="datetime1">
               <a:rPr lang="en-GB" smtClean="0"/>
-              <a:t>02/12/2016</a:t>
+              <a:t>03/12/2016</a:t>
             </a:fld>
             <a:endParaRPr lang="en-GB"/>
           </a:p>
@@ -1600,7 +1887,7 @@
           <a:p>
             <a:fld id="{2921BF44-F096-42DF-ADC3-B535522D2EE1}" type="slidenum">
               <a:rPr lang="en-GB" smtClean="0"/>
-              <a:t>‹Nr.›</a:t>
+              <a:t>‹#›</a:t>
             </a:fld>
             <a:endParaRPr lang="en-GB"/>
           </a:p>
@@ -1849,7 +2136,7 @@
           <a:p>
             <a:fld id="{3A8A6690-9EF3-4749-8403-602024AB73D2}" type="datetime1">
               <a:rPr lang="en-GB" smtClean="0"/>
-              <a:t>02/12/2016</a:t>
+              <a:t>03/12/2016</a:t>
             </a:fld>
             <a:endParaRPr lang="en-GB"/>
           </a:p>
@@ -1894,7 +2181,7 @@
           <a:p>
             <a:fld id="{2921BF44-F096-42DF-ADC3-B535522D2EE1}" type="slidenum">
               <a:rPr lang="en-GB" smtClean="0"/>
-              <a:t>‹Nr.›</a:t>
+              <a:t>‹#›</a:t>
             </a:fld>
             <a:endParaRPr lang="en-GB"/>
           </a:p>
@@ -2100,7 +2387,7 @@
           <a:p>
             <a:fld id="{89DB5E8A-75A3-4867-94E4-590D730EBB1E}" type="datetime1">
               <a:rPr lang="en-GB" smtClean="0"/>
-              <a:t>02/12/2016</a:t>
+              <a:t>03/12/2016</a:t>
             </a:fld>
             <a:endParaRPr lang="en-GB"/>
           </a:p>
@@ -2145,7 +2432,7 @@
           <a:p>
             <a:fld id="{2921BF44-F096-42DF-ADC3-B535522D2EE1}" type="slidenum">
               <a:rPr lang="en-GB" smtClean="0"/>
-              <a:t>‹Nr.›</a:t>
+              <a:t>‹#›</a:t>
             </a:fld>
             <a:endParaRPr lang="en-GB"/>
           </a:p>
@@ -2643,7 +2930,7 @@
           <a:p>
             <a:fld id="{56CC3CC1-5D48-4D8E-A506-FE00E1BA1FC1}" type="datetime1">
               <a:rPr lang="en-GB" smtClean="0"/>
-              <a:t>02/12/2016</a:t>
+              <a:t>03/12/2016</a:t>
             </a:fld>
             <a:endParaRPr lang="en-GB"/>
           </a:p>
@@ -2688,7 +2975,7 @@
           <a:p>
             <a:fld id="{2921BF44-F096-42DF-ADC3-B535522D2EE1}" type="slidenum">
               <a:rPr lang="en-GB" smtClean="0"/>
-              <a:t>‹Nr.›</a:t>
+              <a:t>‹#›</a:t>
             </a:fld>
             <a:endParaRPr lang="en-GB"/>
           </a:p>
@@ -2894,7 +3181,7 @@
           <a:p>
             <a:fld id="{E47C6652-7282-41FA-AD47-BB58E05EBCB1}" type="datetime1">
               <a:rPr lang="en-GB" smtClean="0"/>
-              <a:t>02/12/2016</a:t>
+              <a:t>03/12/2016</a:t>
             </a:fld>
             <a:endParaRPr lang="en-GB"/>
           </a:p>
@@ -2939,7 +3226,7 @@
           <a:p>
             <a:fld id="{2921BF44-F096-42DF-ADC3-B535522D2EE1}" type="slidenum">
               <a:rPr lang="en-GB" smtClean="0"/>
-              <a:t>‹Nr.›</a:t>
+              <a:t>‹#›</a:t>
             </a:fld>
             <a:endParaRPr lang="en-GB"/>
           </a:p>
@@ -3429,7 +3716,7 @@
           <a:p>
             <a:fld id="{9575253B-D946-4B16-A4D6-EDCC8FBA3639}" type="datetime1">
               <a:rPr lang="en-GB" smtClean="0"/>
-              <a:t>02/12/2016</a:t>
+              <a:t>03/12/2016</a:t>
             </a:fld>
             <a:endParaRPr lang="en-GB"/>
           </a:p>
@@ -3474,7 +3761,7 @@
           <a:p>
             <a:fld id="{2921BF44-F096-42DF-ADC3-B535522D2EE1}" type="slidenum">
               <a:rPr lang="en-GB" smtClean="0"/>
-              <a:t>‹Nr.›</a:t>
+              <a:t>‹#›</a:t>
             </a:fld>
             <a:endParaRPr lang="en-GB"/>
           </a:p>
@@ -3729,7 +4016,7 @@
           <a:p>
             <a:fld id="{05A78B47-D74F-482E-AC4D-924E1F9C02E1}" type="datetime1">
               <a:rPr lang="en-GB" smtClean="0"/>
-              <a:t>02/12/2016</a:t>
+              <a:t>03/12/2016</a:t>
             </a:fld>
             <a:endParaRPr lang="en-GB"/>
           </a:p>
@@ -3774,7 +4061,7 @@
           <a:p>
             <a:fld id="{2921BF44-F096-42DF-ADC3-B535522D2EE1}" type="slidenum">
               <a:rPr lang="en-GB" smtClean="0"/>
-              <a:t>‹Nr.›</a:t>
+              <a:t>‹#›</a:t>
             </a:fld>
             <a:endParaRPr lang="en-GB"/>
           </a:p>
@@ -3906,7 +4193,7 @@
           <a:p>
             <a:fld id="{9D054574-8D06-4B14-A4E3-883F870E467D}" type="datetime1">
               <a:rPr lang="en-GB" smtClean="0"/>
-              <a:t>02/12/2016</a:t>
+              <a:t>03/12/2016</a:t>
             </a:fld>
             <a:endParaRPr lang="en-GB"/>
           </a:p>
@@ -3951,7 +4238,7 @@
           <a:p>
             <a:fld id="{2921BF44-F096-42DF-ADC3-B535522D2EE1}" type="slidenum">
               <a:rPr lang="en-GB" smtClean="0"/>
-              <a:t>‹Nr.›</a:t>
+              <a:t>‹#›</a:t>
             </a:fld>
             <a:endParaRPr lang="en-GB"/>
           </a:p>
@@ -4089,7 +4376,7 @@
           <a:p>
             <a:fld id="{99CF02F4-EBA5-433C-B12C-1A26A76C696F}" type="datetime1">
               <a:rPr lang="en-GB" smtClean="0"/>
-              <a:t>02/12/2016</a:t>
+              <a:t>03/12/2016</a:t>
             </a:fld>
             <a:endParaRPr lang="en-GB"/>
           </a:p>
@@ -4134,7 +4421,7 @@
           <a:p>
             <a:fld id="{2921BF44-F096-42DF-ADC3-B535522D2EE1}" type="slidenum">
               <a:rPr lang="en-GB" smtClean="0"/>
-              <a:t>‹Nr.›</a:t>
+              <a:t>‹#›</a:t>
             </a:fld>
             <a:endParaRPr lang="en-GB"/>
           </a:p>
@@ -4281,7 +4568,7 @@
           <a:p>
             <a:fld id="{F7FB45E5-CEA6-436A-9116-67114B66AE83}" type="datetime1">
               <a:rPr lang="en-GB" smtClean="0"/>
-              <a:t>02/12/2016</a:t>
+              <a:t>03/12/2016</a:t>
             </a:fld>
             <a:endParaRPr lang="en-GB"/>
           </a:p>
@@ -4341,7 +4628,7 @@
             <a:fld id="{2921BF44-F096-42DF-ADC3-B535522D2EE1}" type="slidenum">
               <a:rPr lang="en-GB" smtClean="0"/>
               <a:pPr/>
-              <a:t>‹Nr.›</a:t>
+              <a:t>‹#›</a:t>
             </a:fld>
             <a:endParaRPr lang="en-GB" dirty="0"/>
           </a:p>
@@ -4545,7 +4832,7 @@
           <a:p>
             <a:fld id="{58772DC2-CC95-4628-A2C3-DBCC8B67E0EE}" type="datetime1">
               <a:rPr lang="en-GB" smtClean="0"/>
-              <a:t>02/12/2016</a:t>
+              <a:t>03/12/2016</a:t>
             </a:fld>
             <a:endParaRPr lang="en-GB"/>
           </a:p>
@@ -4590,7 +4877,7 @@
           <a:p>
             <a:fld id="{2921BF44-F096-42DF-ADC3-B535522D2EE1}" type="slidenum">
               <a:rPr lang="en-GB" smtClean="0"/>
-              <a:t>‹Nr.›</a:t>
+              <a:t>‹#›</a:t>
             </a:fld>
             <a:endParaRPr lang="en-GB"/>
           </a:p>
@@ -4845,7 +5132,7 @@
           <a:p>
             <a:fld id="{85706B20-101B-4EF1-A005-17BBB9B97973}" type="datetime1">
               <a:rPr lang="en-GB" smtClean="0"/>
-              <a:t>02/12/2016</a:t>
+              <a:t>03/12/2016</a:t>
             </a:fld>
             <a:endParaRPr lang="en-GB"/>
           </a:p>
@@ -4890,7 +5177,7 @@
           <a:p>
             <a:fld id="{2921BF44-F096-42DF-ADC3-B535522D2EE1}" type="slidenum">
               <a:rPr lang="en-GB" smtClean="0"/>
-              <a:t>‹Nr.›</a:t>
+              <a:t>‹#›</a:t>
             </a:fld>
             <a:endParaRPr lang="en-GB"/>
           </a:p>
@@ -5290,7 +5577,7 @@
           <a:p>
             <a:fld id="{73A24D18-03FA-444B-A6E8-081CE70D1F1D}" type="datetime1">
               <a:rPr lang="en-GB" smtClean="0"/>
-              <a:t>02/12/2016</a:t>
+              <a:t>03/12/2016</a:t>
             </a:fld>
             <a:endParaRPr lang="en-GB"/>
           </a:p>
@@ -5335,7 +5622,7 @@
           <a:p>
             <a:fld id="{2921BF44-F096-42DF-ADC3-B535522D2EE1}" type="slidenum">
               <a:rPr lang="en-GB" smtClean="0"/>
-              <a:t>‹Nr.›</a:t>
+              <a:t>‹#›</a:t>
             </a:fld>
             <a:endParaRPr lang="en-GB"/>
           </a:p>
@@ -5411,7 +5698,7 @@
           <a:p>
             <a:fld id="{5A5D0278-C667-458C-BF50-C38C35F84025}" type="datetime1">
               <a:rPr lang="en-GB" smtClean="0"/>
-              <a:t>02/12/2016</a:t>
+              <a:t>03/12/2016</a:t>
             </a:fld>
             <a:endParaRPr lang="en-GB"/>
           </a:p>
@@ -5456,7 +5743,7 @@
           <a:p>
             <a:fld id="{2921BF44-F096-42DF-ADC3-B535522D2EE1}" type="slidenum">
               <a:rPr lang="en-GB" smtClean="0"/>
-              <a:t>‹Nr.›</a:t>
+              <a:t>‹#›</a:t>
             </a:fld>
             <a:endParaRPr lang="en-GB"/>
           </a:p>
@@ -5509,7 +5796,7 @@
           <a:p>
             <a:fld id="{7779FF95-CD9F-49D0-9692-6F86CB53E266}" type="datetime1">
               <a:rPr lang="en-GB" smtClean="0"/>
-              <a:t>02/12/2016</a:t>
+              <a:t>03/12/2016</a:t>
             </a:fld>
             <a:endParaRPr lang="en-GB"/>
           </a:p>
@@ -5554,7 +5841,7 @@
           <a:p>
             <a:fld id="{2921BF44-F096-42DF-ADC3-B535522D2EE1}" type="slidenum">
               <a:rPr lang="en-GB" smtClean="0"/>
-              <a:t>‹Nr.›</a:t>
+              <a:t>‹#›</a:t>
             </a:fld>
             <a:endParaRPr lang="en-GB"/>
           </a:p>
@@ -5795,7 +6082,7 @@
           <a:p>
             <a:fld id="{6FF6C31A-CCBC-47C9-B55B-D6E279E5509C}" type="datetime1">
               <a:rPr lang="en-GB" smtClean="0"/>
-              <a:t>02/12/2016</a:t>
+              <a:t>03/12/2016</a:t>
             </a:fld>
             <a:endParaRPr lang="en-GB"/>
           </a:p>
@@ -5840,7 +6127,7 @@
           <a:p>
             <a:fld id="{2921BF44-F096-42DF-ADC3-B535522D2EE1}" type="slidenum">
               <a:rPr lang="en-GB" smtClean="0"/>
-              <a:t>‹Nr.›</a:t>
+              <a:t>‹#›</a:t>
             </a:fld>
             <a:endParaRPr lang="en-GB"/>
           </a:p>
@@ -6089,7 +6376,7 @@
           <a:p>
             <a:fld id="{23E1B9F4-BB56-4914-9BD8-B56AC1531316}" type="datetime1">
               <a:rPr lang="en-GB" smtClean="0"/>
-              <a:t>02/12/2016</a:t>
+              <a:t>03/12/2016</a:t>
             </a:fld>
             <a:endParaRPr lang="en-GB"/>
           </a:p>
@@ -6134,7 +6421,7 @@
           <a:p>
             <a:fld id="{2921BF44-F096-42DF-ADC3-B535522D2EE1}" type="slidenum">
               <a:rPr lang="en-GB" smtClean="0"/>
-              <a:t>‹Nr.›</a:t>
+              <a:t>‹#›</a:t>
             </a:fld>
             <a:endParaRPr lang="en-GB"/>
           </a:p>
@@ -6306,7 +6593,7 @@
           <a:p>
             <a:fld id="{B80DFA59-A6D8-4F35-B196-6C06090E1566}" type="datetime1">
               <a:rPr lang="en-GB" smtClean="0"/>
-              <a:t>02/12/2016</a:t>
+              <a:t>03/12/2016</a:t>
             </a:fld>
             <a:endParaRPr lang="en-GB"/>
           </a:p>
@@ -6387,7 +6674,7 @@
           <a:p>
             <a:fld id="{2921BF44-F096-42DF-ADC3-B535522D2EE1}" type="slidenum">
               <a:rPr lang="en-GB" smtClean="0"/>
-              <a:t>‹Nr.›</a:t>
+              <a:t>‹#›</a:t>
             </a:fld>
             <a:endParaRPr lang="en-GB"/>
           </a:p>
@@ -6861,20 +7148,12 @@
               <a:t>Information </a:t>
             </a:r>
             <a:r>
-              <a:rPr lang="de-DE" dirty="0" err="1"/>
-              <a:t>need</a:t>
+              <a:rPr lang="de-DE" dirty="0" smtClean="0"/>
+              <a:t>needs </a:t>
             </a:r>
             <a:r>
               <a:rPr lang="de-DE" dirty="0"/>
-              <a:t> </a:t>
-            </a:r>
-            <a:r>
-              <a:rPr lang="de-DE" dirty="0" err="1"/>
-              <a:t>context</a:t>
-            </a:r>
-            <a:r>
-              <a:rPr lang="de-DE" dirty="0"/>
-              <a:t>…</a:t>
+              <a:t>context…</a:t>
             </a:r>
           </a:p>
         </p:txBody>
@@ -7276,6 +7555,604 @@
 </p:sld>
 </file>
 
+<file path=ppt/slides/slide10.xml><?xml version="1.0" encoding="utf-8"?>
+<p:sld xmlns:a="http://schemas.openxmlformats.org/drawingml/2006/main" xmlns:r="http://schemas.openxmlformats.org/officeDocument/2006/relationships" xmlns:p="http://schemas.openxmlformats.org/presentationml/2006/main">
+  <p:cSld>
+    <p:spTree>
+      <p:nvGrpSpPr>
+        <p:cNvPr id="1" name=""/>
+        <p:cNvGrpSpPr/>
+        <p:nvPr/>
+      </p:nvGrpSpPr>
+      <p:grpSpPr>
+        <a:xfrm>
+          <a:off x="0" y="0"/>
+          <a:ext cx="0" cy="0"/>
+          <a:chOff x="0" y="0"/>
+          <a:chExt cx="0" cy="0"/>
+        </a:xfrm>
+      </p:grpSpPr>
+      <p:sp>
+        <p:nvSpPr>
+          <p:cNvPr id="2" name="Title 1"/>
+          <p:cNvSpPr>
+            <a:spLocks noGrp="1"/>
+          </p:cNvSpPr>
+          <p:nvPr>
+            <p:ph type="title"/>
+          </p:nvPr>
+        </p:nvSpPr>
+        <p:spPr/>
+        <p:txBody>
+          <a:bodyPr/>
+          <a:lstStyle/>
+          <a:p>
+            <a:r>
+              <a:rPr lang="en-GB" dirty="0" smtClean="0"/>
+              <a:t>Architecture</a:t>
+            </a:r>
+            <a:endParaRPr lang="de-DE" dirty="0"/>
+          </a:p>
+        </p:txBody>
+      </p:sp>
+      <p:sp>
+        <p:nvSpPr>
+          <p:cNvPr id="4" name="Slide Number Placeholder 3"/>
+          <p:cNvSpPr>
+            <a:spLocks noGrp="1"/>
+          </p:cNvSpPr>
+          <p:nvPr>
+            <p:ph type="sldNum" sz="quarter" idx="12"/>
+          </p:nvPr>
+        </p:nvSpPr>
+        <p:spPr/>
+        <p:txBody>
+          <a:bodyPr/>
+          <a:lstStyle/>
+          <a:p>
+            <a:fld id="{2921BF44-F096-42DF-ADC3-B535522D2EE1}" type="slidenum">
+              <a:rPr lang="en-GB" smtClean="0"/>
+              <a:pPr/>
+              <a:t>10</a:t>
+            </a:fld>
+            <a:endParaRPr lang="en-GB" dirty="0"/>
+          </a:p>
+        </p:txBody>
+      </p:sp>
+      <p:pic>
+        <p:nvPicPr>
+          <p:cNvPr id="3074" name="Picture 2" descr="C:\Users\Oliver\workspace java local\SemanticWebTechnologies\ProjectReport\img\Architecture_v2.png"/>
+          <p:cNvPicPr>
+            <a:picLocks noChangeAspect="1" noChangeArrowheads="1"/>
+          </p:cNvPicPr>
+          <p:nvPr/>
+        </p:nvPicPr>
+        <p:blipFill>
+          <a:blip r:embed="rId2">
+            <a:extLst>
+              <a:ext uri="{28A0092B-C50C-407E-A947-70E740481C1C}">
+                <a14:useLocalDpi xmlns:a14="http://schemas.microsoft.com/office/drawing/2010/main" val="0"/>
+              </a:ext>
+            </a:extLst>
+          </a:blip>
+          <a:srcRect/>
+          <a:stretch>
+            <a:fillRect/>
+          </a:stretch>
+        </p:blipFill>
+        <p:spPr bwMode="auto">
+          <a:xfrm>
+            <a:off x="3545897" y="1469914"/>
+            <a:ext cx="5100205" cy="5222875"/>
+          </a:xfrm>
+          <a:prstGeom prst="rect">
+            <a:avLst/>
+          </a:prstGeom>
+          <a:noFill/>
+          <a:extLst>
+            <a:ext uri="{909E8E84-426E-40DD-AFC4-6F175D3DCCD1}">
+              <a14:hiddenFill xmlns:a14="http://schemas.microsoft.com/office/drawing/2010/main">
+                <a:solidFill>
+                  <a:srgbClr val="FFFFFF"/>
+                </a:solidFill>
+              </a14:hiddenFill>
+            </a:ext>
+          </a:extLst>
+        </p:spPr>
+      </p:pic>
+    </p:spTree>
+    <p:extLst>
+      <p:ext uri="{BB962C8B-B14F-4D97-AF65-F5344CB8AC3E}">
+        <p14:creationId xmlns:p14="http://schemas.microsoft.com/office/powerpoint/2010/main" val="4193449090"/>
+      </p:ext>
+    </p:extLst>
+  </p:cSld>
+  <p:clrMapOvr>
+    <a:masterClrMapping/>
+  </p:clrMapOvr>
+</p:sld>
+</file>
+
+<file path=ppt/slides/slide11.xml><?xml version="1.0" encoding="utf-8"?>
+<p:sld xmlns:a="http://schemas.openxmlformats.org/drawingml/2006/main" xmlns:r="http://schemas.openxmlformats.org/officeDocument/2006/relationships" xmlns:p="http://schemas.openxmlformats.org/presentationml/2006/main" show="0">
+  <p:cSld>
+    <p:spTree>
+      <p:nvGrpSpPr>
+        <p:cNvPr id="1" name=""/>
+        <p:cNvGrpSpPr/>
+        <p:nvPr/>
+      </p:nvGrpSpPr>
+      <p:grpSpPr>
+        <a:xfrm>
+          <a:off x="0" y="0"/>
+          <a:ext cx="0" cy="0"/>
+          <a:chOff x="0" y="0"/>
+          <a:chExt cx="0" cy="0"/>
+        </a:xfrm>
+      </p:grpSpPr>
+      <p:sp>
+        <p:nvSpPr>
+          <p:cNvPr id="2" name="Title 1"/>
+          <p:cNvSpPr>
+            <a:spLocks noGrp="1"/>
+          </p:cNvSpPr>
+          <p:nvPr>
+            <p:ph type="title"/>
+          </p:nvPr>
+        </p:nvSpPr>
+        <p:spPr/>
+        <p:txBody>
+          <a:bodyPr/>
+          <a:lstStyle/>
+          <a:p>
+            <a:r>
+              <a:rPr lang="en-GB" dirty="0" smtClean="0"/>
+              <a:t>Server: REST API (1)</a:t>
+            </a:r>
+            <a:endParaRPr lang="de-DE" dirty="0"/>
+          </a:p>
+        </p:txBody>
+      </p:sp>
+      <p:sp>
+        <p:nvSpPr>
+          <p:cNvPr id="5" name="Content Placeholder 4"/>
+          <p:cNvSpPr>
+            <a:spLocks noGrp="1"/>
+          </p:cNvSpPr>
+          <p:nvPr>
+            <p:ph sz="half" idx="1"/>
+          </p:nvPr>
+        </p:nvSpPr>
+        <p:spPr/>
+        <p:txBody>
+          <a:bodyPr anchor="t">
+            <a:normAutofit/>
+          </a:bodyPr>
+          <a:lstStyle/>
+          <a:p>
+            <a:pPr marL="0" indent="0">
+              <a:buNone/>
+            </a:pPr>
+            <a:r>
+              <a:rPr lang="de-DE" dirty="0"/>
+              <a:t>POST </a:t>
+            </a:r>
+            <a:r>
+              <a:rPr lang="de-DE" dirty="0">
+                <a:hlinkClick r:id="rId2"/>
+              </a:rPr>
+              <a:t>https://</a:t>
+            </a:r>
+            <a:r>
+              <a:rPr lang="de-DE" dirty="0" smtClean="0">
+                <a:hlinkClick r:id="rId2"/>
+              </a:rPr>
+              <a:t>localhost:8443/RetrieveTriples</a:t>
+            </a:r>
+            <a:r>
+              <a:rPr lang="de-DE" dirty="0"/>
+              <a:t/>
+            </a:r>
+            <a:br>
+              <a:rPr lang="de-DE" dirty="0"/>
+            </a:br>
+            <a:r>
+              <a:rPr lang="de-DE" dirty="0" smtClean="0"/>
+              <a:t>Request </a:t>
+            </a:r>
+            <a:r>
+              <a:rPr lang="de-DE" dirty="0"/>
+              <a:t>body: </a:t>
+            </a:r>
+          </a:p>
+          <a:p>
+            <a:pPr marL="0" indent="0">
+              <a:buNone/>
+            </a:pPr>
+            <a:endParaRPr lang="en-GB" dirty="0" smtClean="0"/>
+          </a:p>
+          <a:p>
+            <a:pPr marL="0" indent="0">
+              <a:buNone/>
+            </a:pPr>
+            <a:endParaRPr lang="de-DE" dirty="0"/>
+          </a:p>
+        </p:txBody>
+      </p:sp>
+      <p:sp>
+        <p:nvSpPr>
+          <p:cNvPr id="8" name="Content Placeholder 7"/>
+          <p:cNvSpPr>
+            <a:spLocks noGrp="1"/>
+          </p:cNvSpPr>
+          <p:nvPr>
+            <p:ph sz="half" idx="2"/>
+          </p:nvPr>
+        </p:nvSpPr>
+        <p:spPr/>
+        <p:txBody>
+          <a:bodyPr anchor="t">
+            <a:normAutofit/>
+          </a:bodyPr>
+          <a:lstStyle/>
+          <a:p>
+            <a:pPr marL="0" indent="0">
+              <a:buNone/>
+            </a:pPr>
+            <a:r>
+              <a:rPr lang="en-GB" dirty="0" smtClean="0"/>
+              <a:t/>
+            </a:r>
+            <a:br>
+              <a:rPr lang="en-GB" dirty="0" smtClean="0"/>
+            </a:br>
+            <a:r>
+              <a:rPr lang="en-GB" dirty="0" smtClean="0"/>
+              <a:t>Response body:</a:t>
+            </a:r>
+            <a:endParaRPr lang="de-DE" dirty="0"/>
+          </a:p>
+        </p:txBody>
+      </p:sp>
+      <p:sp>
+        <p:nvSpPr>
+          <p:cNvPr id="4" name="Slide Number Placeholder 3"/>
+          <p:cNvSpPr>
+            <a:spLocks noGrp="1"/>
+          </p:cNvSpPr>
+          <p:nvPr>
+            <p:ph type="sldNum" sz="quarter" idx="12"/>
+          </p:nvPr>
+        </p:nvSpPr>
+        <p:spPr/>
+        <p:txBody>
+          <a:bodyPr/>
+          <a:lstStyle/>
+          <a:p>
+            <a:fld id="{2921BF44-F096-42DF-ADC3-B535522D2EE1}" type="slidenum">
+              <a:rPr lang="en-GB" smtClean="0"/>
+              <a:pPr/>
+              <a:t>11</a:t>
+            </a:fld>
+            <a:endParaRPr lang="en-GB" dirty="0"/>
+          </a:p>
+        </p:txBody>
+      </p:sp>
+      <p:pic>
+        <p:nvPicPr>
+          <p:cNvPr id="1026" name="Picture 2"/>
+          <p:cNvPicPr>
+            <a:picLocks noChangeAspect="1" noChangeArrowheads="1"/>
+          </p:cNvPicPr>
+          <p:nvPr/>
+        </p:nvPicPr>
+        <p:blipFill>
+          <a:blip r:embed="rId3">
+            <a:extLst>
+              <a:ext uri="{28A0092B-C50C-407E-A947-70E740481C1C}">
+                <a14:useLocalDpi xmlns:a14="http://schemas.microsoft.com/office/drawing/2010/main" val="0"/>
+              </a:ext>
+            </a:extLst>
+          </a:blip>
+          <a:srcRect/>
+          <a:stretch>
+            <a:fillRect/>
+          </a:stretch>
+        </p:blipFill>
+        <p:spPr bwMode="auto">
+          <a:xfrm>
+            <a:off x="6622597" y="3352207"/>
+            <a:ext cx="4495441" cy="2779939"/>
+          </a:xfrm>
+          <a:prstGeom prst="rect">
+            <a:avLst/>
+          </a:prstGeom>
+          <a:noFill/>
+          <a:ln>
+            <a:noFill/>
+          </a:ln>
+          <a:extLst>
+            <a:ext uri="{909E8E84-426E-40DD-AFC4-6F175D3DCCD1}">
+              <a14:hiddenFill xmlns:a14="http://schemas.microsoft.com/office/drawing/2010/main">
+                <a:solidFill>
+                  <a:schemeClr val="accent1"/>
+                </a:solidFill>
+              </a14:hiddenFill>
+            </a:ext>
+            <a:ext uri="{91240B29-F687-4F45-9708-019B960494DF}">
+              <a14:hiddenLine xmlns:a14="http://schemas.microsoft.com/office/drawing/2010/main" w="9525">
+                <a:solidFill>
+                  <a:schemeClr val="tx1"/>
+                </a:solidFill>
+                <a:miter lim="800000"/>
+                <a:headEnd/>
+                <a:tailEnd/>
+              </a14:hiddenLine>
+            </a:ext>
+          </a:extLst>
+        </p:spPr>
+      </p:pic>
+      <p:pic>
+        <p:nvPicPr>
+          <p:cNvPr id="1027" name="Picture 3"/>
+          <p:cNvPicPr>
+            <a:picLocks noChangeAspect="1" noChangeArrowheads="1"/>
+          </p:cNvPicPr>
+          <p:nvPr/>
+        </p:nvPicPr>
+        <p:blipFill>
+          <a:blip r:embed="rId4">
+            <a:extLst>
+              <a:ext uri="{28A0092B-C50C-407E-A947-70E740481C1C}">
+                <a14:useLocalDpi xmlns:a14="http://schemas.microsoft.com/office/drawing/2010/main" val="0"/>
+              </a:ext>
+            </a:extLst>
+          </a:blip>
+          <a:srcRect/>
+          <a:stretch>
+            <a:fillRect/>
+          </a:stretch>
+        </p:blipFill>
+        <p:spPr bwMode="auto">
+          <a:xfrm>
+            <a:off x="1602921" y="3352207"/>
+            <a:ext cx="4438650" cy="1157909"/>
+          </a:xfrm>
+          <a:prstGeom prst="rect">
+            <a:avLst/>
+          </a:prstGeom>
+          <a:noFill/>
+          <a:ln>
+            <a:noFill/>
+          </a:ln>
+          <a:extLst>
+            <a:ext uri="{909E8E84-426E-40DD-AFC4-6F175D3DCCD1}">
+              <a14:hiddenFill xmlns:a14="http://schemas.microsoft.com/office/drawing/2010/main">
+                <a:solidFill>
+                  <a:schemeClr val="accent1"/>
+                </a:solidFill>
+              </a14:hiddenFill>
+            </a:ext>
+            <a:ext uri="{91240B29-F687-4F45-9708-019B960494DF}">
+              <a14:hiddenLine xmlns:a14="http://schemas.microsoft.com/office/drawing/2010/main" w="9525">
+                <a:solidFill>
+                  <a:schemeClr val="tx1"/>
+                </a:solidFill>
+                <a:miter lim="800000"/>
+                <a:headEnd/>
+                <a:tailEnd/>
+              </a14:hiddenLine>
+            </a:ext>
+          </a:extLst>
+        </p:spPr>
+      </p:pic>
+    </p:spTree>
+    <p:extLst>
+      <p:ext uri="{BB962C8B-B14F-4D97-AF65-F5344CB8AC3E}">
+        <p14:creationId xmlns:p14="http://schemas.microsoft.com/office/powerpoint/2010/main" val="4076463865"/>
+      </p:ext>
+    </p:extLst>
+  </p:cSld>
+  <p:clrMapOvr>
+    <a:masterClrMapping/>
+  </p:clrMapOvr>
+  <mc:AlternateContent xmlns:mc="http://schemas.openxmlformats.org/markup-compatibility/2006">
+    <mc:Choice xmlns:p14="http://schemas.microsoft.com/office/powerpoint/2010/main" Requires="p14">
+      <p:transition spd="slow" p14:dur="2000"/>
+    </mc:Choice>
+    <mc:Fallback>
+      <p:transition spd="slow"/>
+    </mc:Fallback>
+  </mc:AlternateContent>
+</p:sld>
+</file>
+
+<file path=ppt/slides/slide12.xml><?xml version="1.0" encoding="utf-8"?>
+<p:sld xmlns:a="http://schemas.openxmlformats.org/drawingml/2006/main" xmlns:r="http://schemas.openxmlformats.org/officeDocument/2006/relationships" xmlns:p="http://schemas.openxmlformats.org/presentationml/2006/main" show="0">
+  <p:cSld>
+    <p:spTree>
+      <p:nvGrpSpPr>
+        <p:cNvPr id="1" name=""/>
+        <p:cNvGrpSpPr/>
+        <p:nvPr/>
+      </p:nvGrpSpPr>
+      <p:grpSpPr>
+        <a:xfrm>
+          <a:off x="0" y="0"/>
+          <a:ext cx="0" cy="0"/>
+          <a:chOff x="0" y="0"/>
+          <a:chExt cx="0" cy="0"/>
+        </a:xfrm>
+      </p:grpSpPr>
+      <p:sp>
+        <p:nvSpPr>
+          <p:cNvPr id="2" name="Title 1"/>
+          <p:cNvSpPr>
+            <a:spLocks noGrp="1"/>
+          </p:cNvSpPr>
+          <p:nvPr>
+            <p:ph type="title"/>
+          </p:nvPr>
+        </p:nvSpPr>
+        <p:spPr/>
+        <p:txBody>
+          <a:bodyPr/>
+          <a:lstStyle/>
+          <a:p>
+            <a:r>
+              <a:rPr lang="en-GB" dirty="0" smtClean="0"/>
+              <a:t>Server: REST API (2)</a:t>
+            </a:r>
+            <a:endParaRPr lang="de-DE" dirty="0"/>
+          </a:p>
+        </p:txBody>
+      </p:sp>
+      <p:sp>
+        <p:nvSpPr>
+          <p:cNvPr id="5" name="Content Placeholder 4"/>
+          <p:cNvSpPr>
+            <a:spLocks noGrp="1"/>
+          </p:cNvSpPr>
+          <p:nvPr>
+            <p:ph idx="1"/>
+          </p:nvPr>
+        </p:nvSpPr>
+        <p:spPr/>
+        <p:txBody>
+          <a:bodyPr anchor="t">
+            <a:normAutofit/>
+          </a:bodyPr>
+          <a:lstStyle/>
+          <a:p>
+            <a:pPr marL="0" indent="0">
+              <a:buNone/>
+            </a:pPr>
+            <a:r>
+              <a:rPr lang="de-DE" dirty="0"/>
+              <a:t>GET https://localhost:8443/RetrieveAvailableProperties</a:t>
+            </a:r>
+            <a:br>
+              <a:rPr lang="de-DE" dirty="0"/>
+            </a:br>
+            <a:r>
+              <a:rPr lang="de-DE" dirty="0" smtClean="0"/>
+              <a:t>Response body:</a:t>
+            </a:r>
+            <a:endParaRPr lang="de-DE" dirty="0"/>
+          </a:p>
+          <a:p>
+            <a:pPr marL="0" indent="0">
+              <a:buNone/>
+            </a:pPr>
+            <a:endParaRPr lang="en-GB" dirty="0" smtClean="0"/>
+          </a:p>
+          <a:p>
+            <a:pPr marL="0" indent="0">
+              <a:buNone/>
+            </a:pPr>
+            <a:endParaRPr lang="de-DE" dirty="0"/>
+          </a:p>
+        </p:txBody>
+      </p:sp>
+      <p:sp>
+        <p:nvSpPr>
+          <p:cNvPr id="4" name="Slide Number Placeholder 3"/>
+          <p:cNvSpPr>
+            <a:spLocks noGrp="1"/>
+          </p:cNvSpPr>
+          <p:nvPr>
+            <p:ph type="sldNum" sz="quarter" idx="12"/>
+          </p:nvPr>
+        </p:nvSpPr>
+        <p:spPr/>
+        <p:txBody>
+          <a:bodyPr/>
+          <a:lstStyle/>
+          <a:p>
+            <a:fld id="{2921BF44-F096-42DF-ADC3-B535522D2EE1}" type="slidenum">
+              <a:rPr lang="en-GB" smtClean="0"/>
+              <a:pPr/>
+              <a:t>12</a:t>
+            </a:fld>
+            <a:endParaRPr lang="en-GB" dirty="0"/>
+          </a:p>
+        </p:txBody>
+      </p:sp>
+      <p:pic>
+        <p:nvPicPr>
+          <p:cNvPr id="2050" name="Picture 2"/>
+          <p:cNvPicPr>
+            <a:picLocks noChangeAspect="1" noChangeArrowheads="1"/>
+          </p:cNvPicPr>
+          <p:nvPr/>
+        </p:nvPicPr>
+        <p:blipFill>
+          <a:blip r:embed="rId2">
+            <a:extLst>
+              <a:ext uri="{28A0092B-C50C-407E-A947-70E740481C1C}">
+                <a14:useLocalDpi xmlns:a14="http://schemas.microsoft.com/office/drawing/2010/main" val="0"/>
+              </a:ext>
+            </a:extLst>
+          </a:blip>
+          <a:srcRect/>
+          <a:stretch>
+            <a:fillRect/>
+          </a:stretch>
+        </p:blipFill>
+        <p:spPr bwMode="auto">
+          <a:xfrm>
+            <a:off x="1050472" y="2797629"/>
+            <a:ext cx="3259616" cy="3757613"/>
+          </a:xfrm>
+          <a:prstGeom prst="rect">
+            <a:avLst/>
+          </a:prstGeom>
+          <a:noFill/>
+          <a:ln>
+            <a:noFill/>
+          </a:ln>
+          <a:extLst>
+            <a:ext uri="{909E8E84-426E-40DD-AFC4-6F175D3DCCD1}">
+              <a14:hiddenFill xmlns:a14="http://schemas.microsoft.com/office/drawing/2010/main">
+                <a:solidFill>
+                  <a:schemeClr val="accent1"/>
+                </a:solidFill>
+              </a14:hiddenFill>
+            </a:ext>
+            <a:ext uri="{91240B29-F687-4F45-9708-019B960494DF}">
+              <a14:hiddenLine xmlns:a14="http://schemas.microsoft.com/office/drawing/2010/main" w="9525">
+                <a:solidFill>
+                  <a:schemeClr val="tx1"/>
+                </a:solidFill>
+                <a:miter lim="800000"/>
+                <a:headEnd/>
+                <a:tailEnd/>
+              </a14:hiddenLine>
+            </a:ext>
+          </a:extLst>
+        </p:spPr>
+      </p:pic>
+    </p:spTree>
+    <p:extLst>
+      <p:ext uri="{BB962C8B-B14F-4D97-AF65-F5344CB8AC3E}">
+        <p14:creationId xmlns:p14="http://schemas.microsoft.com/office/powerpoint/2010/main" val="3916729773"/>
+      </p:ext>
+    </p:extLst>
+  </p:cSld>
+  <p:clrMapOvr>
+    <a:masterClrMapping/>
+  </p:clrMapOvr>
+  <mc:AlternateContent xmlns:mc="http://schemas.openxmlformats.org/markup-compatibility/2006">
+    <mc:Choice xmlns:p14="http://schemas.microsoft.com/office/powerpoint/2010/main" Requires="p14">
+      <p:transition spd="slow" p14:dur="2000"/>
+    </mc:Choice>
+    <mc:Fallback>
+      <p:transition spd="slow"/>
+    </mc:Fallback>
+  </mc:AlternateContent>
+</p:sld>
+</file>
+
 <file path=ppt/slides/slide2.xml><?xml version="1.0" encoding="utf-8"?>
 <p:sld xmlns:a="http://schemas.openxmlformats.org/drawingml/2006/main" xmlns:r="http://schemas.openxmlformats.org/officeDocument/2006/relationships" xmlns:p="http://schemas.openxmlformats.org/presentationml/2006/main">
   <p:cSld>
@@ -7672,7 +8549,7 @@
                 <a14:useLocalDpi xmlns:a14="http://schemas.microsoft.com/office/drawing/2010/main" val="0"/>
               </a:ext>
               <a:ext uri="{96DAC541-7B7A-43D3-8B79-37D633B846F1}">
-                <asvg:svgBlip xmlns:asvg="http://schemas.microsoft.com/office/drawing/2016/SVG/main" r:embed="rId7"/>
+                <asvg:svgBlip xmlns:asvg="http://schemas.microsoft.com/office/drawing/2016/SVG/main" xmlns="" r:embed="rId7"/>
               </a:ext>
             </a:extLst>
           </a:blip>
@@ -7699,13 +8576,13 @@
           <p:nvPr/>
         </p:nvPicPr>
         <p:blipFill>
-          <a:blip r:embed="rId8">
+          <a:blip r:embed="rId8" cstate="print">
             <a:extLst>
               <a:ext uri="{28A0092B-C50C-407E-A947-70E740481C1C}">
                 <a14:useLocalDpi xmlns:a14="http://schemas.microsoft.com/office/drawing/2010/main" val="0"/>
               </a:ext>
               <a:ext uri="{96DAC541-7B7A-43D3-8B79-37D633B846F1}">
-                <asvg:svgBlip xmlns:asvg="http://schemas.microsoft.com/office/drawing/2016/SVG/main" r:embed="rId9"/>
+                <asvg:svgBlip xmlns:asvg="http://schemas.microsoft.com/office/drawing/2016/SVG/main" xmlns="" r:embed="rId9"/>
               </a:ext>
             </a:extLst>
           </a:blip>
@@ -7880,8 +8757,28 @@
               <a:buAutoNum type="arabicPeriod"/>
             </a:pPr>
             <a:r>
+              <a:rPr lang="en-US" dirty="0" smtClean="0"/>
+              <a:t>Server</a:t>
+            </a:r>
+          </a:p>
+          <a:p>
+            <a:pPr marL="914400" lvl="1" indent="-457200">
+              <a:buClr>
+                <a:schemeClr val="accent1">
+                  <a:lumMod val="50000"/>
+                </a:schemeClr>
+              </a:buClr>
+              <a:buSzPct val="125000"/>
+              <a:buFont typeface="+mj-lt"/>
+              <a:buAutoNum type="arabicPeriod"/>
+            </a:pPr>
+            <a:r>
+              <a:rPr lang="en-US" dirty="0" smtClean="0"/>
+              <a:t>Chrome </a:t>
+            </a:r>
+            <a:r>
               <a:rPr lang="en-US" dirty="0"/>
-              <a:t>Chrome Extension</a:t>
+              <a:t>Extension</a:t>
             </a:r>
           </a:p>
           <a:p>
@@ -7931,6 +8828,14 @@
   <p:clrMapOvr>
     <a:masterClrMapping/>
   </p:clrMapOvr>
+  <mc:AlternateContent xmlns:mc="http://schemas.openxmlformats.org/markup-compatibility/2006">
+    <mc:Choice xmlns:p14="http://schemas.microsoft.com/office/powerpoint/2010/main" Requires="p14">
+      <p:transition spd="slow" p14:dur="2000"/>
+    </mc:Choice>
+    <mc:Fallback>
+      <p:transition spd="slow"/>
+    </mc:Fallback>
+  </mc:AlternateContent>
 </p:sld>
 </file>
 
@@ -8389,13 +9294,13 @@
           <p:nvPr/>
         </p:nvPicPr>
         <p:blipFill>
-          <a:blip r:embed="rId7">
+          <a:blip r:embed="rId7" cstate="print">
             <a:extLst>
               <a:ext uri="{28A0092B-C50C-407E-A947-70E740481C1C}">
                 <a14:useLocalDpi xmlns:a14="http://schemas.microsoft.com/office/drawing/2010/main" val="0"/>
               </a:ext>
               <a:ext uri="{96DAC541-7B7A-43D3-8B79-37D633B846F1}">
-                <asvg:svgBlip xmlns:asvg="http://schemas.microsoft.com/office/drawing/2016/SVG/main" r:embed="rId8"/>
+                <asvg:svgBlip xmlns:asvg="http://schemas.microsoft.com/office/drawing/2016/SVG/main" xmlns="" r:embed="rId8"/>
               </a:ext>
             </a:extLst>
           </a:blip>
@@ -8422,13 +9327,13 @@
           <p:nvPr/>
         </p:nvPicPr>
         <p:blipFill>
-          <a:blip r:embed="rId9">
+          <a:blip r:embed="rId9" cstate="print">
             <a:extLst>
               <a:ext uri="{28A0092B-C50C-407E-A947-70E740481C1C}">
                 <a14:useLocalDpi xmlns:a14="http://schemas.microsoft.com/office/drawing/2010/main" val="0"/>
               </a:ext>
               <a:ext uri="{96DAC541-7B7A-43D3-8B79-37D633B846F1}">
-                <asvg:svgBlip xmlns:asvg="http://schemas.microsoft.com/office/drawing/2016/SVG/main" r:embed="rId10"/>
+                <asvg:svgBlip xmlns:asvg="http://schemas.microsoft.com/office/drawing/2016/SVG/main" xmlns="" r:embed="rId10"/>
               </a:ext>
             </a:extLst>
           </a:blip>
@@ -8540,7 +9445,7 @@
           <p:nvPr/>
         </p:nvPicPr>
         <p:blipFill>
-          <a:blip r:embed="rId4" cstate="print">
+          <a:blip r:embed="rId11" cstate="print">
             <a:extLst>
               <a:ext uri="{28A0092B-C50C-407E-A947-70E740481C1C}">
                 <a14:useLocalDpi xmlns:a14="http://schemas.microsoft.com/office/drawing/2010/main" val="0"/>
@@ -8570,13 +9475,13 @@
           <p:nvPr/>
         </p:nvPicPr>
         <p:blipFill>
-          <a:blip r:embed="rId9">
+          <a:blip r:embed="rId12" cstate="print">
             <a:extLst>
               <a:ext uri="{28A0092B-C50C-407E-A947-70E740481C1C}">
                 <a14:useLocalDpi xmlns:a14="http://schemas.microsoft.com/office/drawing/2010/main" val="0"/>
               </a:ext>
               <a:ext uri="{96DAC541-7B7A-43D3-8B79-37D633B846F1}">
-                <asvg:svgBlip xmlns:asvg="http://schemas.microsoft.com/office/drawing/2016/SVG/main" r:embed="rId10"/>
+                <asvg:svgBlip xmlns:asvg="http://schemas.microsoft.com/office/drawing/2016/SVG/main" xmlns="" r:embed="rId10"/>
               </a:ext>
             </a:extLst>
           </a:blip>
@@ -8603,11 +9508,11 @@
           <p:nvPr/>
         </p:nvPicPr>
         <p:blipFill>
-          <a:blip r:embed="rId5" cstate="print">
+          <a:blip r:embed="rId13" cstate="print">
             <a:extLst>
               <a:ext uri="{BEBA8EAE-BF5A-486C-A8C5-ECC9F3942E4B}">
                 <a14:imgProps xmlns:a14="http://schemas.microsoft.com/office/drawing/2010/main">
-                  <a14:imgLayer r:embed="rId6">
+                  <a14:imgLayer r:embed="rId14">
                     <a14:imgEffect>
                       <a14:backgroundRemoval t="9425" b="94089" l="0" r="100000">
                         <a14:foregroundMark x1="5272" y1="63419" x2="5272" y2="63419"/>
@@ -9062,7 +9967,7 @@
           <p:nvPr/>
         </p:nvPicPr>
         <p:blipFill>
-          <a:blip r:embed="rId11">
+          <a:blip r:embed="rId15">
             <a:extLst>
               <a:ext uri="{28A0092B-C50C-407E-A947-70E740481C1C}">
                 <a14:useLocalDpi xmlns:a14="http://schemas.microsoft.com/office/drawing/2010/main" val="0"/>
@@ -9137,13 +10042,13 @@
           <p:nvPr/>
         </p:nvPicPr>
         <p:blipFill>
-          <a:blip r:embed="rId12">
+          <a:blip r:embed="rId16">
             <a:extLst>
               <a:ext uri="{28A0092B-C50C-407E-A947-70E740481C1C}">
                 <a14:useLocalDpi xmlns:a14="http://schemas.microsoft.com/office/drawing/2010/main" val="0"/>
               </a:ext>
               <a:ext uri="{96DAC541-7B7A-43D3-8B79-37D633B846F1}">
-                <asvg:svgBlip xmlns:asvg="http://schemas.microsoft.com/office/drawing/2016/SVG/main" r:embed="rId13"/>
+                <asvg:svgBlip xmlns:asvg="http://schemas.microsoft.com/office/drawing/2016/SVG/main" xmlns="" r:embed="rId17"/>
               </a:ext>
             </a:extLst>
           </a:blip>
@@ -9170,13 +10075,13 @@
           <p:nvPr/>
         </p:nvPicPr>
         <p:blipFill>
-          <a:blip r:embed="rId14">
+          <a:blip r:embed="rId18" cstate="print">
             <a:extLst>
               <a:ext uri="{28A0092B-C50C-407E-A947-70E740481C1C}">
                 <a14:useLocalDpi xmlns:a14="http://schemas.microsoft.com/office/drawing/2010/main" val="0"/>
               </a:ext>
               <a:ext uri="{96DAC541-7B7A-43D3-8B79-37D633B846F1}">
-                <asvg:svgBlip xmlns:asvg="http://schemas.microsoft.com/office/drawing/2016/SVG/main" r:embed="rId15"/>
+                <asvg:svgBlip xmlns:asvg="http://schemas.microsoft.com/office/drawing/2016/SVG/main" xmlns="" r:embed="rId19"/>
               </a:ext>
             </a:extLst>
           </a:blip>
@@ -9203,13 +10108,13 @@
           <p:nvPr/>
         </p:nvPicPr>
         <p:blipFill>
-          <a:blip r:embed="rId16">
+          <a:blip r:embed="rId20" cstate="print">
             <a:extLst>
               <a:ext uri="{28A0092B-C50C-407E-A947-70E740481C1C}">
                 <a14:useLocalDpi xmlns:a14="http://schemas.microsoft.com/office/drawing/2010/main" val="0"/>
               </a:ext>
               <a:ext uri="{96DAC541-7B7A-43D3-8B79-37D633B846F1}">
-                <asvg:svgBlip xmlns:asvg="http://schemas.microsoft.com/office/drawing/2016/SVG/main" r:embed="rId17"/>
+                <asvg:svgBlip xmlns:asvg="http://schemas.microsoft.com/office/drawing/2016/SVG/main" xmlns="" r:embed="rId21"/>
               </a:ext>
             </a:extLst>
           </a:blip>
@@ -10211,6 +11116,643 @@
 </p:sld>
 </file>
 
+<file path=ppt/slides/slide5.xml><?xml version="1.0" encoding="utf-8"?>
+<p:sld xmlns:a="http://schemas.openxmlformats.org/drawingml/2006/main" xmlns:r="http://schemas.openxmlformats.org/officeDocument/2006/relationships" xmlns:p="http://schemas.openxmlformats.org/presentationml/2006/main">
+  <p:cSld>
+    <p:spTree>
+      <p:nvGrpSpPr>
+        <p:cNvPr id="1" name=""/>
+        <p:cNvGrpSpPr/>
+        <p:nvPr/>
+      </p:nvGrpSpPr>
+      <p:grpSpPr>
+        <a:xfrm>
+          <a:off x="0" y="0"/>
+          <a:ext cx="0" cy="0"/>
+          <a:chOff x="0" y="0"/>
+          <a:chExt cx="0" cy="0"/>
+        </a:xfrm>
+      </p:grpSpPr>
+      <p:sp>
+        <p:nvSpPr>
+          <p:cNvPr id="2" name="Title 1"/>
+          <p:cNvSpPr>
+            <a:spLocks noGrp="1"/>
+          </p:cNvSpPr>
+          <p:nvPr>
+            <p:ph type="title"/>
+          </p:nvPr>
+        </p:nvSpPr>
+        <p:spPr/>
+        <p:txBody>
+          <a:bodyPr/>
+          <a:lstStyle/>
+          <a:p>
+            <a:r>
+              <a:rPr lang="en-GB" dirty="0" smtClean="0"/>
+              <a:t>Server: REST API</a:t>
+            </a:r>
+            <a:endParaRPr lang="de-DE" dirty="0"/>
+          </a:p>
+        </p:txBody>
+      </p:sp>
+      <p:sp>
+        <p:nvSpPr>
+          <p:cNvPr id="5" name="Content Placeholder 4"/>
+          <p:cNvSpPr>
+            <a:spLocks noGrp="1"/>
+          </p:cNvSpPr>
+          <p:nvPr>
+            <p:ph sz="half" idx="1"/>
+          </p:nvPr>
+        </p:nvSpPr>
+        <p:spPr/>
+        <p:txBody>
+          <a:bodyPr anchor="t">
+            <a:normAutofit/>
+          </a:bodyPr>
+          <a:lstStyle/>
+          <a:p>
+            <a:pPr marL="0" indent="0">
+              <a:buNone/>
+            </a:pPr>
+            <a:r>
+              <a:rPr lang="de-DE" sz="1600" dirty="0" smtClean="0"/>
+              <a:t>POST </a:t>
+            </a:r>
+            <a:r>
+              <a:rPr lang="de-DE" sz="1600" dirty="0">
+                <a:hlinkClick r:id="rId2"/>
+              </a:rPr>
+              <a:t>https://</a:t>
+            </a:r>
+            <a:r>
+              <a:rPr lang="de-DE" sz="1600" dirty="0" smtClean="0">
+                <a:hlinkClick r:id="rId2"/>
+              </a:rPr>
+              <a:t>localhost:8443/RetrieveTriples</a:t>
+            </a:r>
+            <a:endParaRPr lang="de-DE" sz="1600" dirty="0" smtClean="0"/>
+          </a:p>
+          <a:p>
+            <a:pPr marL="342900" indent="-342900">
+              <a:buFont typeface="+mj-lt"/>
+              <a:buAutoNum type="arabicPeriod"/>
+            </a:pPr>
+            <a:r>
+              <a:rPr lang="en-GB" sz="1600" dirty="0" smtClean="0"/>
+              <a:t>Retrieves named entities</a:t>
+            </a:r>
+          </a:p>
+          <a:p>
+            <a:pPr lvl="1"/>
+            <a:r>
+              <a:rPr lang="en-GB" sz="1400" dirty="0" smtClean="0"/>
+              <a:t>Type, URI and properties</a:t>
+            </a:r>
+          </a:p>
+          <a:p>
+            <a:pPr marL="342900" indent="-342900">
+              <a:buFont typeface="+mj-lt"/>
+              <a:buAutoNum type="arabicPeriod"/>
+            </a:pPr>
+            <a:r>
+              <a:rPr lang="en-GB" sz="1600" dirty="0" smtClean="0"/>
+              <a:t>Retrieves context triples (connections between entities)</a:t>
+            </a:r>
+            <a:endParaRPr lang="de-DE" sz="1600" dirty="0" smtClean="0"/>
+          </a:p>
+        </p:txBody>
+      </p:sp>
+      <p:sp>
+        <p:nvSpPr>
+          <p:cNvPr id="6" name="Content Placeholder 5"/>
+          <p:cNvSpPr>
+            <a:spLocks noGrp="1"/>
+          </p:cNvSpPr>
+          <p:nvPr>
+            <p:ph sz="half" idx="2"/>
+          </p:nvPr>
+        </p:nvSpPr>
+        <p:spPr/>
+        <p:txBody>
+          <a:bodyPr anchor="t"/>
+          <a:lstStyle/>
+          <a:p>
+            <a:pPr marL="0" indent="0">
+              <a:buNone/>
+            </a:pPr>
+            <a:r>
+              <a:rPr lang="de-DE" sz="1600" dirty="0"/>
+              <a:t>GET </a:t>
+            </a:r>
+            <a:r>
+              <a:rPr lang="de-DE" sz="1600" dirty="0">
+                <a:hlinkClick r:id="rId3"/>
+              </a:rPr>
+              <a:t>https://</a:t>
+            </a:r>
+            <a:r>
+              <a:rPr lang="de-DE" sz="1600" dirty="0" smtClean="0">
+                <a:hlinkClick r:id="rId3"/>
+              </a:rPr>
+              <a:t>localhost:8443/RetrieveAvailableProperties</a:t>
+            </a:r>
+            <a:endParaRPr lang="de-DE" sz="1600" dirty="0" smtClean="0"/>
+          </a:p>
+          <a:p>
+            <a:pPr marL="342900" indent="-342900">
+              <a:buFont typeface="+mj-lt"/>
+              <a:buAutoNum type="arabicPeriod"/>
+            </a:pPr>
+            <a:r>
+              <a:rPr lang="en-GB" sz="1600" dirty="0" smtClean="0"/>
+              <a:t>Retrieves available properties per entity type</a:t>
+            </a:r>
+          </a:p>
+          <a:p>
+            <a:pPr lvl="1"/>
+            <a:r>
+              <a:rPr lang="en-GB" sz="1400" dirty="0" smtClean="0"/>
+              <a:t>URI and label</a:t>
+            </a:r>
+            <a:endParaRPr lang="de-DE" sz="1400" dirty="0"/>
+          </a:p>
+        </p:txBody>
+      </p:sp>
+      <p:sp>
+        <p:nvSpPr>
+          <p:cNvPr id="4" name="Slide Number Placeholder 3"/>
+          <p:cNvSpPr>
+            <a:spLocks noGrp="1"/>
+          </p:cNvSpPr>
+          <p:nvPr>
+            <p:ph type="sldNum" sz="quarter" idx="12"/>
+          </p:nvPr>
+        </p:nvSpPr>
+        <p:spPr/>
+        <p:txBody>
+          <a:bodyPr/>
+          <a:lstStyle/>
+          <a:p>
+            <a:fld id="{2921BF44-F096-42DF-ADC3-B535522D2EE1}" type="slidenum">
+              <a:rPr lang="en-GB" smtClean="0"/>
+              <a:pPr/>
+              <a:t>5</a:t>
+            </a:fld>
+            <a:endParaRPr lang="en-GB" dirty="0"/>
+          </a:p>
+        </p:txBody>
+      </p:sp>
+    </p:spTree>
+    <p:extLst>
+      <p:ext uri="{BB962C8B-B14F-4D97-AF65-F5344CB8AC3E}">
+        <p14:creationId xmlns:p14="http://schemas.microsoft.com/office/powerpoint/2010/main" val="1969511338"/>
+      </p:ext>
+    </p:extLst>
+  </p:cSld>
+  <p:clrMapOvr>
+    <a:masterClrMapping/>
+  </p:clrMapOvr>
+</p:sld>
+</file>
+
+<file path=ppt/slides/slide6.xml><?xml version="1.0" encoding="utf-8"?>
+<p:sld xmlns:a="http://schemas.openxmlformats.org/drawingml/2006/main" xmlns:r="http://schemas.openxmlformats.org/officeDocument/2006/relationships" xmlns:p="http://schemas.openxmlformats.org/presentationml/2006/main">
+  <p:cSld>
+    <p:spTree>
+      <p:nvGrpSpPr>
+        <p:cNvPr id="1" name=""/>
+        <p:cNvGrpSpPr/>
+        <p:nvPr/>
+      </p:nvGrpSpPr>
+      <p:grpSpPr>
+        <a:xfrm>
+          <a:off x="0" y="0"/>
+          <a:ext cx="0" cy="0"/>
+          <a:chOff x="0" y="0"/>
+          <a:chExt cx="0" cy="0"/>
+        </a:xfrm>
+      </p:grpSpPr>
+      <p:sp>
+        <p:nvSpPr>
+          <p:cNvPr id="2" name="Title 1"/>
+          <p:cNvSpPr>
+            <a:spLocks noGrp="1"/>
+          </p:cNvSpPr>
+          <p:nvPr>
+            <p:ph type="title"/>
+          </p:nvPr>
+        </p:nvSpPr>
+        <p:spPr/>
+        <p:txBody>
+          <a:bodyPr/>
+          <a:lstStyle/>
+          <a:p>
+            <a:r>
+              <a:rPr lang="en-GB" dirty="0" smtClean="0"/>
+              <a:t>Chrome extension</a:t>
+            </a:r>
+            <a:endParaRPr lang="de-DE" dirty="0"/>
+          </a:p>
+        </p:txBody>
+      </p:sp>
+      <p:sp>
+        <p:nvSpPr>
+          <p:cNvPr id="3" name="Content Placeholder 2"/>
+          <p:cNvSpPr>
+            <a:spLocks noGrp="1"/>
+          </p:cNvSpPr>
+          <p:nvPr>
+            <p:ph idx="1"/>
+          </p:nvPr>
+        </p:nvSpPr>
+        <p:spPr/>
+        <p:txBody>
+          <a:bodyPr anchor="t"/>
+          <a:lstStyle/>
+          <a:p>
+            <a:r>
+              <a:rPr lang="en-GB" dirty="0" smtClean="0"/>
+              <a:t>Background script on websites</a:t>
+            </a:r>
+          </a:p>
+          <a:p>
+            <a:r>
+              <a:rPr lang="en-GB" dirty="0" smtClean="0"/>
+              <a:t>Injects HTML and JavaScript</a:t>
+            </a:r>
+          </a:p>
+          <a:p>
+            <a:r>
+              <a:rPr lang="en-GB" dirty="0" smtClean="0"/>
+              <a:t>Handles communication with server</a:t>
+            </a:r>
+            <a:endParaRPr lang="de-DE" dirty="0"/>
+          </a:p>
+        </p:txBody>
+      </p:sp>
+      <p:sp>
+        <p:nvSpPr>
+          <p:cNvPr id="4" name="Slide Number Placeholder 3"/>
+          <p:cNvSpPr>
+            <a:spLocks noGrp="1"/>
+          </p:cNvSpPr>
+          <p:nvPr>
+            <p:ph type="sldNum" sz="quarter" idx="12"/>
+          </p:nvPr>
+        </p:nvSpPr>
+        <p:spPr/>
+        <p:txBody>
+          <a:bodyPr/>
+          <a:lstStyle/>
+          <a:p>
+            <a:fld id="{2921BF44-F096-42DF-ADC3-B535522D2EE1}" type="slidenum">
+              <a:rPr lang="en-GB" smtClean="0"/>
+              <a:pPr/>
+              <a:t>6</a:t>
+            </a:fld>
+            <a:endParaRPr lang="en-GB" dirty="0"/>
+          </a:p>
+        </p:txBody>
+      </p:sp>
+    </p:spTree>
+    <p:extLst>
+      <p:ext uri="{BB962C8B-B14F-4D97-AF65-F5344CB8AC3E}">
+        <p14:creationId xmlns:p14="http://schemas.microsoft.com/office/powerpoint/2010/main" val="1563711952"/>
+      </p:ext>
+    </p:extLst>
+  </p:cSld>
+  <p:clrMapOvr>
+    <a:masterClrMapping/>
+  </p:clrMapOvr>
+</p:sld>
+</file>
+
+<file path=ppt/slides/slide7.xml><?xml version="1.0" encoding="utf-8"?>
+<p:sld xmlns:a="http://schemas.openxmlformats.org/drawingml/2006/main" xmlns:r="http://schemas.openxmlformats.org/officeDocument/2006/relationships" xmlns:p="http://schemas.openxmlformats.org/presentationml/2006/main">
+  <p:cSld>
+    <p:spTree>
+      <p:nvGrpSpPr>
+        <p:cNvPr id="1" name=""/>
+        <p:cNvGrpSpPr/>
+        <p:nvPr/>
+      </p:nvGrpSpPr>
+      <p:grpSpPr>
+        <a:xfrm>
+          <a:off x="0" y="0"/>
+          <a:ext cx="0" cy="0"/>
+          <a:chOff x="0" y="0"/>
+          <a:chExt cx="0" cy="0"/>
+        </a:xfrm>
+      </p:grpSpPr>
+      <p:sp>
+        <p:nvSpPr>
+          <p:cNvPr id="5" name="Title 4"/>
+          <p:cNvSpPr>
+            <a:spLocks noGrp="1"/>
+          </p:cNvSpPr>
+          <p:nvPr>
+            <p:ph type="ctrTitle"/>
+          </p:nvPr>
+        </p:nvSpPr>
+        <p:spPr>
+          <a:xfrm>
+            <a:off x="1687430" y="2098525"/>
+            <a:ext cx="8574622" cy="2616199"/>
+          </a:xfrm>
+        </p:spPr>
+        <p:txBody>
+          <a:bodyPr anchor="ctr"/>
+          <a:lstStyle/>
+          <a:p>
+            <a:pPr algn="ctr"/>
+            <a:r>
+              <a:rPr lang="en-GB" dirty="0" smtClean="0"/>
+              <a:t>Demo</a:t>
+            </a:r>
+            <a:endParaRPr lang="de-DE" dirty="0"/>
+          </a:p>
+        </p:txBody>
+      </p:sp>
+      <p:sp>
+        <p:nvSpPr>
+          <p:cNvPr id="4" name="Slide Number Placeholder 3"/>
+          <p:cNvSpPr>
+            <a:spLocks noGrp="1"/>
+          </p:cNvSpPr>
+          <p:nvPr>
+            <p:ph type="sldNum" sz="quarter" idx="12"/>
+          </p:nvPr>
+        </p:nvSpPr>
+        <p:spPr/>
+        <p:txBody>
+          <a:bodyPr/>
+          <a:lstStyle/>
+          <a:p>
+            <a:fld id="{2921BF44-F096-42DF-ADC3-B535522D2EE1}" type="slidenum">
+              <a:rPr lang="en-GB" smtClean="0"/>
+              <a:pPr/>
+              <a:t>7</a:t>
+            </a:fld>
+            <a:endParaRPr lang="en-GB" dirty="0"/>
+          </a:p>
+        </p:txBody>
+      </p:sp>
+    </p:spTree>
+    <p:extLst>
+      <p:ext uri="{BB962C8B-B14F-4D97-AF65-F5344CB8AC3E}">
+        <p14:creationId xmlns:p14="http://schemas.microsoft.com/office/powerpoint/2010/main" val="2827875898"/>
+      </p:ext>
+    </p:extLst>
+  </p:cSld>
+  <p:clrMapOvr>
+    <a:masterClrMapping/>
+  </p:clrMapOvr>
+</p:sld>
+</file>
+
+<file path=ppt/slides/slide8.xml><?xml version="1.0" encoding="utf-8"?>
+<p:sld xmlns:a="http://schemas.openxmlformats.org/drawingml/2006/main" xmlns:r="http://schemas.openxmlformats.org/officeDocument/2006/relationships" xmlns:p="http://schemas.openxmlformats.org/presentationml/2006/main">
+  <p:cSld>
+    <p:spTree>
+      <p:nvGrpSpPr>
+        <p:cNvPr id="1" name=""/>
+        <p:cNvGrpSpPr/>
+        <p:nvPr/>
+      </p:nvGrpSpPr>
+      <p:grpSpPr>
+        <a:xfrm>
+          <a:off x="0" y="0"/>
+          <a:ext cx="0" cy="0"/>
+          <a:chOff x="0" y="0"/>
+          <a:chExt cx="0" cy="0"/>
+        </a:xfrm>
+      </p:grpSpPr>
+      <p:sp>
+        <p:nvSpPr>
+          <p:cNvPr id="2" name="Title 1"/>
+          <p:cNvSpPr>
+            <a:spLocks noGrp="1"/>
+          </p:cNvSpPr>
+          <p:nvPr>
+            <p:ph type="title"/>
+          </p:nvPr>
+        </p:nvSpPr>
+        <p:spPr/>
+        <p:txBody>
+          <a:bodyPr/>
+          <a:lstStyle/>
+          <a:p>
+            <a:r>
+              <a:rPr lang="en-GB" dirty="0" smtClean="0"/>
+              <a:t>Conclusion</a:t>
+            </a:r>
+            <a:endParaRPr lang="de-DE" dirty="0"/>
+          </a:p>
+        </p:txBody>
+      </p:sp>
+      <p:sp>
+        <p:nvSpPr>
+          <p:cNvPr id="3" name="Content Placeholder 2"/>
+          <p:cNvSpPr>
+            <a:spLocks noGrp="1"/>
+          </p:cNvSpPr>
+          <p:nvPr>
+            <p:ph idx="1"/>
+          </p:nvPr>
+        </p:nvSpPr>
+        <p:spPr/>
+        <p:txBody>
+          <a:bodyPr anchor="t">
+            <a:normAutofit/>
+          </a:bodyPr>
+          <a:lstStyle/>
+          <a:p>
+            <a:r>
+              <a:rPr lang="en-GB" dirty="0"/>
+              <a:t>Extensible </a:t>
+            </a:r>
+            <a:r>
+              <a:rPr lang="en-GB" dirty="0" smtClean="0"/>
+              <a:t>architecture</a:t>
+            </a:r>
+          </a:p>
+          <a:p>
+            <a:r>
+              <a:rPr lang="en-GB" dirty="0" smtClean="0"/>
+              <a:t>Easily consumable application</a:t>
+            </a:r>
+          </a:p>
+          <a:p>
+            <a:pPr lvl="1"/>
+            <a:r>
+              <a:rPr lang="en-GB" dirty="0" smtClean="0"/>
+              <a:t>Retrieves additional information about entities</a:t>
+            </a:r>
+          </a:p>
+          <a:p>
+            <a:pPr lvl="1"/>
+            <a:r>
+              <a:rPr lang="en-GB" dirty="0" smtClean="0"/>
+              <a:t>Visualizes connections between entities</a:t>
+            </a:r>
+          </a:p>
+          <a:p>
+            <a:pPr marL="0" indent="0">
+              <a:buNone/>
+            </a:pPr>
+            <a:r>
+              <a:rPr lang="en-GB" dirty="0" smtClean="0">
+                <a:sym typeface="Wingdings" panose="05000000000000000000" pitchFamily="2" charset="2"/>
+              </a:rPr>
+              <a:t> </a:t>
+            </a:r>
+            <a:r>
+              <a:rPr lang="en-GB" dirty="0" smtClean="0"/>
+              <a:t>User saves time: No Wikipedia lookups </a:t>
+            </a:r>
+            <a:r>
+              <a:rPr lang="en-GB" dirty="0" err="1" smtClean="0"/>
+              <a:t>neccessary</a:t>
+            </a:r>
+            <a:endParaRPr lang="en-GB" dirty="0" smtClean="0"/>
+          </a:p>
+        </p:txBody>
+      </p:sp>
+      <p:sp>
+        <p:nvSpPr>
+          <p:cNvPr id="4" name="Slide Number Placeholder 3"/>
+          <p:cNvSpPr>
+            <a:spLocks noGrp="1"/>
+          </p:cNvSpPr>
+          <p:nvPr>
+            <p:ph type="sldNum" sz="quarter" idx="12"/>
+          </p:nvPr>
+        </p:nvSpPr>
+        <p:spPr/>
+        <p:txBody>
+          <a:bodyPr/>
+          <a:lstStyle/>
+          <a:p>
+            <a:fld id="{2921BF44-F096-42DF-ADC3-B535522D2EE1}" type="slidenum">
+              <a:rPr lang="en-GB" smtClean="0"/>
+              <a:pPr/>
+              <a:t>8</a:t>
+            </a:fld>
+            <a:endParaRPr lang="en-GB" dirty="0"/>
+          </a:p>
+        </p:txBody>
+      </p:sp>
+    </p:spTree>
+    <p:extLst>
+      <p:ext uri="{BB962C8B-B14F-4D97-AF65-F5344CB8AC3E}">
+        <p14:creationId xmlns:p14="http://schemas.microsoft.com/office/powerpoint/2010/main" val="2861008330"/>
+      </p:ext>
+    </p:extLst>
+  </p:cSld>
+  <p:clrMapOvr>
+    <a:masterClrMapping/>
+  </p:clrMapOvr>
+</p:sld>
+</file>
+
+<file path=ppt/slides/slide9.xml><?xml version="1.0" encoding="utf-8"?>
+<p:sld xmlns:a="http://schemas.openxmlformats.org/drawingml/2006/main" xmlns:r="http://schemas.openxmlformats.org/officeDocument/2006/relationships" xmlns:p="http://schemas.openxmlformats.org/presentationml/2006/main">
+  <p:cSld>
+    <p:spTree>
+      <p:nvGrpSpPr>
+        <p:cNvPr id="1" name=""/>
+        <p:cNvGrpSpPr/>
+        <p:nvPr/>
+      </p:nvGrpSpPr>
+      <p:grpSpPr>
+        <a:xfrm>
+          <a:off x="0" y="0"/>
+          <a:ext cx="0" cy="0"/>
+          <a:chOff x="0" y="0"/>
+          <a:chExt cx="0" cy="0"/>
+        </a:xfrm>
+      </p:grpSpPr>
+      <p:sp>
+        <p:nvSpPr>
+          <p:cNvPr id="2" name="Title 1"/>
+          <p:cNvSpPr>
+            <a:spLocks noGrp="1"/>
+          </p:cNvSpPr>
+          <p:nvPr>
+            <p:ph type="title"/>
+          </p:nvPr>
+        </p:nvSpPr>
+        <p:spPr/>
+        <p:txBody>
+          <a:bodyPr/>
+          <a:lstStyle/>
+          <a:p>
+            <a:r>
+              <a:rPr lang="en-GB" dirty="0" smtClean="0"/>
+              <a:t>Backup</a:t>
+            </a:r>
+            <a:endParaRPr lang="de-DE" dirty="0"/>
+          </a:p>
+        </p:txBody>
+      </p:sp>
+      <p:sp>
+        <p:nvSpPr>
+          <p:cNvPr id="3" name="Content Placeholder 2"/>
+          <p:cNvSpPr>
+            <a:spLocks noGrp="1"/>
+          </p:cNvSpPr>
+          <p:nvPr>
+            <p:ph idx="1"/>
+          </p:nvPr>
+        </p:nvSpPr>
+        <p:spPr/>
+        <p:txBody>
+          <a:bodyPr/>
+          <a:lstStyle/>
+          <a:p>
+            <a:endParaRPr lang="de-DE"/>
+          </a:p>
+        </p:txBody>
+      </p:sp>
+      <p:sp>
+        <p:nvSpPr>
+          <p:cNvPr id="4" name="Slide Number Placeholder 3"/>
+          <p:cNvSpPr>
+            <a:spLocks noGrp="1"/>
+          </p:cNvSpPr>
+          <p:nvPr>
+            <p:ph type="sldNum" sz="quarter" idx="12"/>
+          </p:nvPr>
+        </p:nvSpPr>
+        <p:spPr/>
+        <p:txBody>
+          <a:bodyPr/>
+          <a:lstStyle/>
+          <a:p>
+            <a:fld id="{2921BF44-F096-42DF-ADC3-B535522D2EE1}" type="slidenum">
+              <a:rPr lang="en-GB" smtClean="0"/>
+              <a:pPr/>
+              <a:t>9</a:t>
+            </a:fld>
+            <a:endParaRPr lang="en-GB" dirty="0"/>
+          </a:p>
+        </p:txBody>
+      </p:sp>
+    </p:spTree>
+    <p:extLst>
+      <p:ext uri="{BB962C8B-B14F-4D97-AF65-F5344CB8AC3E}">
+        <p14:creationId xmlns:p14="http://schemas.microsoft.com/office/powerpoint/2010/main" val="333537589"/>
+      </p:ext>
+    </p:extLst>
+  </p:cSld>
+  <p:clrMapOvr>
+    <a:masterClrMapping/>
+  </p:clrMapOvr>
+</p:sld>
+</file>
+
 <file path=ppt/theme/theme1.xml><?xml version="1.0" encoding="utf-8"?>
 <a:theme xmlns:a="http://schemas.openxmlformats.org/drawingml/2006/main" name="Parallax">
   <a:themeElements>
@@ -10461,7 +12003,7 @@
   <a:extraClrSchemeLst/>
   <a:extLst>
     <a:ext uri="{05A4C25C-085E-4340-85A3-A5531E510DB2}">
-      <thm15:themeFamily xmlns:thm15="http://schemas.microsoft.com/office/thememl/2012/main" name="Parallax" id="{3388167B-A2EB-4685-9635-1831D9AEF8C4}" vid="{4F7A876A-7598-49CA-AFC8-8EDA2551E4A7}"/>
+      <thm15:themeFamily xmlns:thm15="http://schemas.microsoft.com/office/thememl/2012/main" xmlns="" name="Parallax" id="{3388167B-A2EB-4685-9635-1831D9AEF8C4}" vid="{4F7A876A-7598-49CA-AFC8-8EDA2551E4A7}"/>
     </a:ext>
   </a:extLst>
 </a:theme>
@@ -10722,7 +12264,7 @@
   <a:extraClrSchemeLst/>
   <a:extLst>
     <a:ext uri="{05A4C25C-085E-4340-85A3-A5531E510DB2}">
-      <thm15:themeFamily xmlns:thm15="http://schemas.microsoft.com/office/thememl/2012/main" name="Office Theme" id="{62F939B6-93AF-4DB8-9C6B-D6C7DFDC589F}" vid="{4A3C46E8-61CC-4603-A589-7422A47A8E4A}"/>
+      <thm15:themeFamily xmlns:thm15="http://schemas.microsoft.com/office/thememl/2012/main" xmlns="" name="Office Theme" id="{62F939B6-93AF-4DB8-9C6B-D6C7DFDC589F}" vid="{4A3C46E8-61CC-4603-A589-7422A47A8E4A}"/>
     </a:ext>
   </a:extLst>
 </a:theme>

--- a/ProjectPresentation/EntityAnnotation.pptx
+++ b/ProjectPresentation/EntityAnnotation.pptx
@@ -5,21 +5,22 @@
     <p:sldMasterId id="2147483660" r:id="rId1"/>
   </p:sldMasterIdLst>
   <p:notesMasterIdLst>
-    <p:notesMasterId r:id="rId14"/>
+    <p:notesMasterId r:id="rId15"/>
   </p:notesMasterIdLst>
   <p:sldIdLst>
     <p:sldId id="259" r:id="rId2"/>
     <p:sldId id="284" r:id="rId3"/>
-    <p:sldId id="258" r:id="rId4"/>
-    <p:sldId id="283" r:id="rId5"/>
+    <p:sldId id="283" r:id="rId4"/>
+    <p:sldId id="293" r:id="rId5"/>
     <p:sldId id="290" r:id="rId6"/>
     <p:sldId id="286" r:id="rId7"/>
-    <p:sldId id="291" r:id="rId8"/>
-    <p:sldId id="285" r:id="rId9"/>
+    <p:sldId id="285" r:id="rId8"/>
+    <p:sldId id="291" r:id="rId9"/>
     <p:sldId id="289" r:id="rId10"/>
-    <p:sldId id="292" r:id="rId11"/>
-    <p:sldId id="287" r:id="rId12"/>
-    <p:sldId id="288" r:id="rId13"/>
+    <p:sldId id="258" r:id="rId11"/>
+    <p:sldId id="292" r:id="rId12"/>
+    <p:sldId id="287" r:id="rId13"/>
+    <p:sldId id="288" r:id="rId14"/>
   </p:sldIdLst>
   <p:sldSz cx="12192000" cy="6858000"/>
   <p:notesSz cx="6858000" cy="9144000"/>
@@ -120,7 +121,18 @@
   </p:defaultTextStyle>
   <p:extLst>
     <p:ext uri="{EFAFB233-063F-42B5-8137-9DF3F51BA10A}">
-      <p15:sldGuideLst xmlns:p15="http://schemas.microsoft.com/office/powerpoint/2012/main" xmlns=""/>
+      <p15:sldGuideLst xmlns:p15="http://schemas.microsoft.com/office/powerpoint/2012/main">
+        <p15:guide id="1" orient="horz" pos="2160">
+          <p15:clr>
+            <a:srgbClr val="A4A3A4"/>
+          </p15:clr>
+        </p15:guide>
+        <p15:guide id="2" pos="3840">
+          <p15:clr>
+            <a:srgbClr val="A4A3A4"/>
+          </p15:clr>
+        </p15:guide>
+      </p15:sldGuideLst>
     </p:ext>
   </p:extLst>
 </p:presentation>
@@ -208,7 +220,7 @@
           <a:p>
             <a:fld id="{A8D8494C-AE34-42CB-89A1-EF65868C4C6A}" type="datetimeFigureOut">
               <a:rPr lang="en-GB" smtClean="0"/>
-              <a:t>03/12/2016</a:t>
+              <a:t>05/12/2016</a:t>
             </a:fld>
             <a:endParaRPr lang="en-GB"/>
           </a:p>
@@ -367,7 +379,7 @@
           <a:p>
             <a:fld id="{6B56D088-27D1-433A-A9A9-E30AD3E13E16}" type="slidenum">
               <a:rPr lang="en-GB" smtClean="0"/>
-              <a:t>‹#›</a:t>
+              <a:t>‹Nr.›</a:t>
             </a:fld>
             <a:endParaRPr lang="en-GB"/>
           </a:p>
@@ -1174,7 +1186,73 @@
           <a:bodyPr/>
           <a:lstStyle/>
           <a:p>
-            <a:endParaRPr lang="en-GB" dirty="0"/>
+            <a:pPr marL="457200" indent="-457200">
+              <a:buFont typeface="+mj-lt"/>
+              <a:buAutoNum type="arabicPeriod"/>
+            </a:pPr>
+            <a:r>
+              <a:rPr lang="en-US" dirty="0"/>
+              <a:t>Chrome Extension with Config sends text</a:t>
+            </a:r>
+          </a:p>
+          <a:p>
+            <a:pPr marL="457200" indent="-457200">
+              <a:buFont typeface="+mj-lt"/>
+              <a:buAutoNum type="arabicPeriod"/>
+            </a:pPr>
+            <a:r>
+              <a:rPr lang="en-US" dirty="0"/>
+              <a:t>NER identifies </a:t>
+            </a:r>
+            <a:r>
+              <a:rPr lang="en-US" dirty="0" err="1"/>
+              <a:t>entites</a:t>
+            </a:r>
+            <a:r>
+              <a:rPr lang="en-US" dirty="0"/>
+              <a:t> in text</a:t>
+            </a:r>
+          </a:p>
+          <a:p>
+            <a:pPr marL="457200" indent="-457200">
+              <a:buFont typeface="+mj-lt"/>
+              <a:buAutoNum type="arabicPeriod"/>
+            </a:pPr>
+            <a:r>
+              <a:rPr lang="en-US" dirty="0"/>
+              <a:t>Sources are queried and processed -&gt; consolidated in local context model</a:t>
+            </a:r>
+          </a:p>
+          <a:p>
+            <a:pPr marL="457200" indent="-457200">
+              <a:buFont typeface="+mj-lt"/>
+              <a:buAutoNum type="arabicPeriod"/>
+            </a:pPr>
+            <a:r>
+              <a:rPr lang="en-US" dirty="0"/>
+              <a:t>In context </a:t>
+            </a:r>
+            <a:r>
+              <a:rPr lang="en-US" dirty="0" err="1"/>
+              <a:t>releveant</a:t>
+            </a:r>
+            <a:r>
+              <a:rPr lang="en-US" dirty="0"/>
+              <a:t> information are collected</a:t>
+            </a:r>
+          </a:p>
+          <a:p>
+            <a:pPr marL="457200" indent="-457200">
+              <a:buFont typeface="+mj-lt"/>
+              <a:buAutoNum type="arabicPeriod"/>
+            </a:pPr>
+            <a:r>
+              <a:rPr lang="en-US" dirty="0"/>
+              <a:t>Result returned to CE and visualized</a:t>
+            </a:r>
+          </a:p>
+          <a:p>
+            <a:endParaRPr lang="de-DE" dirty="0"/>
           </a:p>
         </p:txBody>
       </p:sp>
@@ -1204,7 +1282,7 @@
     </p:spTree>
     <p:extLst>
       <p:ext uri="{BB962C8B-B14F-4D97-AF65-F5344CB8AC3E}">
-        <p14:creationId xmlns:p14="http://schemas.microsoft.com/office/powerpoint/2010/main" val="1496811619"/>
+        <p14:creationId xmlns:p14="http://schemas.microsoft.com/office/powerpoint/2010/main" val="852633847"/>
       </p:ext>
     </p:extLst>
   </p:cSld>
@@ -1264,7 +1342,7 @@
             </a:pPr>
             <a:r>
               <a:rPr lang="en-US" dirty="0"/>
-              <a:t>Chrome Extension with Config sends text</a:t>
+              <a:t>Reg-ex search in sources for entities, and there context: Direct and in-direct relations of first order</a:t>
             </a:r>
           </a:p>
           <a:p>
@@ -1274,15 +1352,7 @@
             </a:pPr>
             <a:r>
               <a:rPr lang="en-US" dirty="0"/>
-              <a:t>NER identifies </a:t>
-            </a:r>
-            <a:r>
-              <a:rPr lang="en-US" dirty="0" err="1"/>
-              <a:t>entites</a:t>
-            </a:r>
-            <a:r>
-              <a:rPr lang="en-US" dirty="0"/>
-              <a:t> in text</a:t>
+              <a:t>Apply logic to identify most relevant URIs and store locally</a:t>
             </a:r>
           </a:p>
           <a:p>
@@ -1292,7 +1362,7 @@
             </a:pPr>
             <a:r>
               <a:rPr lang="en-US" dirty="0"/>
-              <a:t>Sources are queried and processed -&gt; consolidated in local context model</a:t>
+              <a:t>Load of custom OWL specifying the properties across sources</a:t>
             </a:r>
           </a:p>
           <a:p>
@@ -1302,15 +1372,7 @@
             </a:pPr>
             <a:r>
               <a:rPr lang="en-US" dirty="0"/>
-              <a:t>In context </a:t>
-            </a:r>
-            <a:r>
-              <a:rPr lang="en-US" dirty="0" err="1"/>
-              <a:t>releveant</a:t>
-            </a:r>
-            <a:r>
-              <a:rPr lang="en-US" dirty="0"/>
-              <a:t> information are collected</a:t>
+              <a:t>Combine via reasoner to inference model</a:t>
             </a:r>
           </a:p>
           <a:p>
@@ -1320,8 +1382,15 @@
             </a:pPr>
             <a:r>
               <a:rPr lang="en-US" dirty="0"/>
-              <a:t>Result returned to CE and visualized</a:t>
-            </a:r>
+              <a:t>Use custom property selection to filter the relevant properties + context -&gt; return</a:t>
+            </a:r>
+          </a:p>
+          <a:p>
+            <a:pPr marL="457200" indent="-457200">
+              <a:buFont typeface="+mj-lt"/>
+              <a:buAutoNum type="arabicPeriod"/>
+            </a:pPr>
+            <a:endParaRPr lang="en-US" dirty="0"/>
           </a:p>
           <a:p>
             <a:endParaRPr lang="de-DE" dirty="0"/>
@@ -1354,7 +1423,7 @@
     </p:spTree>
     <p:extLst>
       <p:ext uri="{BB962C8B-B14F-4D97-AF65-F5344CB8AC3E}">
-        <p14:creationId xmlns:p14="http://schemas.microsoft.com/office/powerpoint/2010/main" val="852633847"/>
+        <p14:creationId xmlns:p14="http://schemas.microsoft.com/office/powerpoint/2010/main" val="1557227268"/>
       </p:ext>
     </p:extLst>
   </p:cSld>
@@ -1409,98 +1478,28 @@
           <a:lstStyle/>
           <a:p>
             <a:r>
-              <a:rPr lang="en-GB" dirty="0" smtClean="0"/>
-              <a:t>Demo script:</a:t>
-            </a:r>
-          </a:p>
-          <a:p>
-            <a:r>
-              <a:rPr lang="en-GB" dirty="0" smtClean="0"/>
-              <a:t>User</a:t>
-            </a:r>
-            <a:r>
-              <a:rPr lang="en-GB" baseline="0" dirty="0" smtClean="0"/>
-              <a:t> visits his favourite website (Spiegel, </a:t>
-            </a:r>
-            <a:r>
-              <a:rPr lang="en-GB" baseline="0" dirty="0" err="1" smtClean="0"/>
-              <a:t>bbc</a:t>
-            </a:r>
-            <a:r>
-              <a:rPr lang="en-GB" baseline="0" dirty="0" smtClean="0"/>
-              <a:t>, CNN)</a:t>
-            </a:r>
-          </a:p>
-          <a:p>
-            <a:r>
-              <a:rPr lang="en-GB" baseline="0" dirty="0" smtClean="0"/>
-              <a:t>Reads an article about foreign politics: Trump is filling </a:t>
-            </a:r>
-            <a:r>
-              <a:rPr lang="en-GB" baseline="0" smtClean="0"/>
-              <a:t>his cabinet (example: http://www.bbc.com/news/world-us-canada-38168382) </a:t>
-            </a:r>
-            <a:endParaRPr lang="en-GB" baseline="0" dirty="0" smtClean="0"/>
-          </a:p>
-          <a:p>
-            <a:r>
-              <a:rPr lang="en-GB" baseline="0" dirty="0" smtClean="0"/>
-              <a:t>Now Trump obviously he knows, but who is this other person that is mentioned here? </a:t>
-            </a:r>
-          </a:p>
-          <a:p>
-            <a:pPr marL="171450" indent="-171450">
-              <a:buFont typeface="Wingdings" pitchFamily="2" charset="2"/>
-              <a:buChar char="è"/>
-            </a:pPr>
-            <a:r>
-              <a:rPr lang="en-GB" baseline="0" dirty="0" smtClean="0">
-                <a:sym typeface="Wingdings" panose="05000000000000000000" pitchFamily="2" charset="2"/>
-              </a:rPr>
-              <a:t>Select the text and click the button!</a:t>
-            </a:r>
-          </a:p>
-          <a:p>
-            <a:pPr marL="0" indent="0">
-              <a:buFont typeface="Wingdings" pitchFamily="2" charset="2"/>
-              <a:buNone/>
-            </a:pPr>
-            <a:r>
-              <a:rPr lang="en-GB" baseline="0" dirty="0" smtClean="0">
-                <a:sym typeface="Wingdings" panose="05000000000000000000" pitchFamily="2" charset="2"/>
-              </a:rPr>
-              <a:t>View information about the named entities that were found:</a:t>
-            </a:r>
-          </a:p>
-          <a:p>
-            <a:pPr marL="171450" indent="-171450">
-              <a:buFont typeface="Wingdings" pitchFamily="2" charset="2"/>
-              <a:buChar char="è"/>
-            </a:pPr>
-            <a:r>
-              <a:rPr lang="en-GB" baseline="0" dirty="0" smtClean="0">
-                <a:sym typeface="Wingdings" panose="05000000000000000000" pitchFamily="2" charset="2"/>
-              </a:rPr>
-              <a:t>Information about Trump (there seems to be a lot) and the other person</a:t>
-            </a:r>
-          </a:p>
-          <a:p>
-            <a:pPr marL="171450" indent="-171450">
-              <a:buFont typeface="Wingdings" pitchFamily="2" charset="2"/>
-              <a:buChar char="è"/>
-            </a:pPr>
-            <a:r>
-              <a:rPr lang="en-GB" baseline="0" dirty="0" smtClean="0">
-                <a:sym typeface="Wingdings" panose="05000000000000000000" pitchFamily="2" charset="2"/>
-              </a:rPr>
-              <a:t>Now this is useful, but what connects Trump to this person? View visualization</a:t>
-            </a:r>
-          </a:p>
-          <a:p>
-            <a:pPr marL="171450" indent="-171450">
-              <a:buFont typeface="Wingdings" pitchFamily="2" charset="2"/>
-              <a:buChar char="è"/>
-            </a:pPr>
+              <a:rPr lang="en-GB" dirty="0"/>
+              <a:t>On the technical side: architecture is extensible, as in new sources can</a:t>
+            </a:r>
+            <a:r>
+              <a:rPr lang="en-GB" baseline="0" dirty="0"/>
+              <a:t> easily be added</a:t>
+            </a:r>
+          </a:p>
+          <a:p>
+            <a:r>
+              <a:rPr lang="en-GB" dirty="0"/>
+              <a:t>Chrome</a:t>
+            </a:r>
+            <a:r>
+              <a:rPr lang="en-GB" baseline="0" dirty="0"/>
+              <a:t> extension gets pretty much everything from the server, so this would not need any updates</a:t>
+            </a:r>
+          </a:p>
+          <a:p>
+            <a:endParaRPr lang="en-GB" baseline="0" dirty="0"/>
+          </a:p>
+          <a:p>
             <a:endParaRPr lang="de-DE" dirty="0"/>
           </a:p>
         </p:txBody>
@@ -1531,7 +1530,7 @@
     </p:spTree>
     <p:extLst>
       <p:ext uri="{BB962C8B-B14F-4D97-AF65-F5344CB8AC3E}">
-        <p14:creationId xmlns:p14="http://schemas.microsoft.com/office/powerpoint/2010/main" val="2749297725"/>
+        <p14:creationId xmlns:p14="http://schemas.microsoft.com/office/powerpoint/2010/main" val="3473345627"/>
       </p:ext>
     </p:extLst>
   </p:cSld>
@@ -1586,28 +1585,98 @@
           <a:lstStyle/>
           <a:p>
             <a:r>
-              <a:rPr lang="en-GB" dirty="0" smtClean="0"/>
-              <a:t>On the technical side: architecture is extensible, as in new sources can</a:t>
-            </a:r>
-            <a:r>
-              <a:rPr lang="en-GB" baseline="0" dirty="0" smtClean="0"/>
-              <a:t> easily be added</a:t>
-            </a:r>
-          </a:p>
-          <a:p>
-            <a:r>
-              <a:rPr lang="en-GB" dirty="0" smtClean="0"/>
-              <a:t>Chrome</a:t>
-            </a:r>
-            <a:r>
-              <a:rPr lang="en-GB" baseline="0" dirty="0" smtClean="0"/>
-              <a:t> extension gets pretty much everything from the server, so this would not need any updates</a:t>
-            </a:r>
-          </a:p>
-          <a:p>
-            <a:endParaRPr lang="en-GB" baseline="0" dirty="0" smtClean="0"/>
-          </a:p>
-          <a:p>
+              <a:rPr lang="en-GB" dirty="0"/>
+              <a:t>Demo script:</a:t>
+            </a:r>
+          </a:p>
+          <a:p>
+            <a:r>
+              <a:rPr lang="en-GB" dirty="0"/>
+              <a:t>User</a:t>
+            </a:r>
+            <a:r>
+              <a:rPr lang="en-GB" baseline="0" dirty="0"/>
+              <a:t> visits his favourite website (Spiegel, </a:t>
+            </a:r>
+            <a:r>
+              <a:rPr lang="en-GB" baseline="0" dirty="0" err="1"/>
+              <a:t>bbc</a:t>
+            </a:r>
+            <a:r>
+              <a:rPr lang="en-GB" baseline="0" dirty="0"/>
+              <a:t>, CNN)</a:t>
+            </a:r>
+          </a:p>
+          <a:p>
+            <a:r>
+              <a:rPr lang="en-GB" baseline="0" dirty="0"/>
+              <a:t>Reads an article about foreign politics: Trump is filling </a:t>
+            </a:r>
+            <a:r>
+              <a:rPr lang="en-GB" baseline="0"/>
+              <a:t>his cabinet (example: http://www.bbc.com/news/world-us-canada-38168382) </a:t>
+            </a:r>
+            <a:endParaRPr lang="en-GB" baseline="0" dirty="0"/>
+          </a:p>
+          <a:p>
+            <a:r>
+              <a:rPr lang="en-GB" baseline="0" dirty="0"/>
+              <a:t>Now Trump obviously he knows, but who is this other person that is mentioned here? </a:t>
+            </a:r>
+          </a:p>
+          <a:p>
+            <a:pPr marL="171450" indent="-171450">
+              <a:buFont typeface="Wingdings" pitchFamily="2" charset="2"/>
+              <a:buChar char="è"/>
+            </a:pPr>
+            <a:r>
+              <a:rPr lang="en-GB" baseline="0" dirty="0">
+                <a:sym typeface="Wingdings" panose="05000000000000000000" pitchFamily="2" charset="2"/>
+              </a:rPr>
+              <a:t>Select the text and click the button!</a:t>
+            </a:r>
+          </a:p>
+          <a:p>
+            <a:pPr marL="0" indent="0">
+              <a:buFont typeface="Wingdings" pitchFamily="2" charset="2"/>
+              <a:buNone/>
+            </a:pPr>
+            <a:r>
+              <a:rPr lang="en-GB" baseline="0" dirty="0">
+                <a:sym typeface="Wingdings" panose="05000000000000000000" pitchFamily="2" charset="2"/>
+              </a:rPr>
+              <a:t>View information about the named entities that were found:</a:t>
+            </a:r>
+          </a:p>
+          <a:p>
+            <a:pPr marL="171450" indent="-171450">
+              <a:buFont typeface="Wingdings" pitchFamily="2" charset="2"/>
+              <a:buChar char="è"/>
+            </a:pPr>
+            <a:r>
+              <a:rPr lang="en-GB" baseline="0" dirty="0">
+                <a:sym typeface="Wingdings" panose="05000000000000000000" pitchFamily="2" charset="2"/>
+              </a:rPr>
+              <a:t>Information about Trump (there seems to be a lot) and the other person</a:t>
+            </a:r>
+          </a:p>
+          <a:p>
+            <a:pPr marL="171450" indent="-171450">
+              <a:buFont typeface="Wingdings" pitchFamily="2" charset="2"/>
+              <a:buChar char="è"/>
+            </a:pPr>
+            <a:r>
+              <a:rPr lang="en-GB" baseline="0" dirty="0">
+                <a:sym typeface="Wingdings" panose="05000000000000000000" pitchFamily="2" charset="2"/>
+              </a:rPr>
+              <a:t>Now this is useful, but what connects Trump to this person? View visualization</a:t>
+            </a:r>
+          </a:p>
+          <a:p>
+            <a:pPr marL="171450" indent="-171450">
+              <a:buFont typeface="Wingdings" pitchFamily="2" charset="2"/>
+              <a:buChar char="è"/>
+            </a:pPr>
             <a:endParaRPr lang="de-DE" dirty="0"/>
           </a:p>
         </p:txBody>
@@ -1638,7 +1707,91 @@
     </p:spTree>
     <p:extLst>
       <p:ext uri="{BB962C8B-B14F-4D97-AF65-F5344CB8AC3E}">
-        <p14:creationId xmlns:p14="http://schemas.microsoft.com/office/powerpoint/2010/main" val="3473345627"/>
+        <p14:creationId xmlns:p14="http://schemas.microsoft.com/office/powerpoint/2010/main" val="2749297725"/>
+      </p:ext>
+    </p:extLst>
+  </p:cSld>
+  <p:clrMapOvr>
+    <a:masterClrMapping/>
+  </p:clrMapOvr>
+</p:notes>
+</file>
+
+<file path=ppt/notesSlides/notesSlide7.xml><?xml version="1.0" encoding="utf-8"?>
+<p:notes xmlns:a="http://schemas.openxmlformats.org/drawingml/2006/main" xmlns:r="http://schemas.openxmlformats.org/officeDocument/2006/relationships" xmlns:p="http://schemas.openxmlformats.org/presentationml/2006/main">
+  <p:cSld>
+    <p:spTree>
+      <p:nvGrpSpPr>
+        <p:cNvPr id="1" name=""/>
+        <p:cNvGrpSpPr/>
+        <p:nvPr/>
+      </p:nvGrpSpPr>
+      <p:grpSpPr>
+        <a:xfrm>
+          <a:off x="0" y="0"/>
+          <a:ext cx="0" cy="0"/>
+          <a:chOff x="0" y="0"/>
+          <a:chExt cx="0" cy="0"/>
+        </a:xfrm>
+      </p:grpSpPr>
+      <p:sp>
+        <p:nvSpPr>
+          <p:cNvPr id="2" name="Folienbildplatzhalter 1"/>
+          <p:cNvSpPr>
+            <a:spLocks noGrp="1" noRot="1" noChangeAspect="1"/>
+          </p:cNvSpPr>
+          <p:nvPr>
+            <p:ph type="sldImg"/>
+          </p:nvPr>
+        </p:nvSpPr>
+        <p:spPr/>
+      </p:sp>
+      <p:sp>
+        <p:nvSpPr>
+          <p:cNvPr id="3" name="Notizenplatzhalter 2"/>
+          <p:cNvSpPr>
+            <a:spLocks noGrp="1"/>
+          </p:cNvSpPr>
+          <p:nvPr>
+            <p:ph type="body" idx="1"/>
+          </p:nvPr>
+        </p:nvSpPr>
+        <p:spPr/>
+        <p:txBody>
+          <a:bodyPr/>
+          <a:lstStyle/>
+          <a:p>
+            <a:endParaRPr lang="en-GB" dirty="0"/>
+          </a:p>
+        </p:txBody>
+      </p:sp>
+      <p:sp>
+        <p:nvSpPr>
+          <p:cNvPr id="4" name="Foliennummernplatzhalter 3"/>
+          <p:cNvSpPr>
+            <a:spLocks noGrp="1"/>
+          </p:cNvSpPr>
+          <p:nvPr>
+            <p:ph type="sldNum" sz="quarter" idx="10"/>
+          </p:nvPr>
+        </p:nvSpPr>
+        <p:spPr/>
+        <p:txBody>
+          <a:bodyPr/>
+          <a:lstStyle/>
+          <a:p>
+            <a:fld id="{6B56D088-27D1-433A-A9A9-E30AD3E13E16}" type="slidenum">
+              <a:rPr lang="en-GB" smtClean="0"/>
+              <a:t>10</a:t>
+            </a:fld>
+            <a:endParaRPr lang="en-GB"/>
+          </a:p>
+        </p:txBody>
+      </p:sp>
+    </p:spTree>
+    <p:extLst>
+      <p:ext uri="{BB962C8B-B14F-4D97-AF65-F5344CB8AC3E}">
+        <p14:creationId xmlns:p14="http://schemas.microsoft.com/office/powerpoint/2010/main" val="1496811619"/>
       </p:ext>
     </p:extLst>
   </p:cSld>
@@ -1837,7 +1990,7 @@
           <a:p>
             <a:fld id="{06103CAB-27D4-4953-BA7C-39BAE24E605E}" type="datetime1">
               <a:rPr lang="en-GB" smtClean="0"/>
-              <a:t>03/12/2016</a:t>
+              <a:t>05/12/2016</a:t>
             </a:fld>
             <a:endParaRPr lang="en-GB"/>
           </a:p>
@@ -1887,7 +2040,7 @@
           <a:p>
             <a:fld id="{2921BF44-F096-42DF-ADC3-B535522D2EE1}" type="slidenum">
               <a:rPr lang="en-GB" smtClean="0"/>
-              <a:t>‹#›</a:t>
+              <a:t>‹Nr.›</a:t>
             </a:fld>
             <a:endParaRPr lang="en-GB"/>
           </a:p>
@@ -2136,7 +2289,7 @@
           <a:p>
             <a:fld id="{3A8A6690-9EF3-4749-8403-602024AB73D2}" type="datetime1">
               <a:rPr lang="en-GB" smtClean="0"/>
-              <a:t>03/12/2016</a:t>
+              <a:t>05/12/2016</a:t>
             </a:fld>
             <a:endParaRPr lang="en-GB"/>
           </a:p>
@@ -2181,7 +2334,7 @@
           <a:p>
             <a:fld id="{2921BF44-F096-42DF-ADC3-B535522D2EE1}" type="slidenum">
               <a:rPr lang="en-GB" smtClean="0"/>
-              <a:t>‹#›</a:t>
+              <a:t>‹Nr.›</a:t>
             </a:fld>
             <a:endParaRPr lang="en-GB"/>
           </a:p>
@@ -2387,7 +2540,7 @@
           <a:p>
             <a:fld id="{89DB5E8A-75A3-4867-94E4-590D730EBB1E}" type="datetime1">
               <a:rPr lang="en-GB" smtClean="0"/>
-              <a:t>03/12/2016</a:t>
+              <a:t>05/12/2016</a:t>
             </a:fld>
             <a:endParaRPr lang="en-GB"/>
           </a:p>
@@ -2432,7 +2585,7 @@
           <a:p>
             <a:fld id="{2921BF44-F096-42DF-ADC3-B535522D2EE1}" type="slidenum">
               <a:rPr lang="en-GB" smtClean="0"/>
-              <a:t>‹#›</a:t>
+              <a:t>‹Nr.›</a:t>
             </a:fld>
             <a:endParaRPr lang="en-GB"/>
           </a:p>
@@ -2930,7 +3083,7 @@
           <a:p>
             <a:fld id="{56CC3CC1-5D48-4D8E-A506-FE00E1BA1FC1}" type="datetime1">
               <a:rPr lang="en-GB" smtClean="0"/>
-              <a:t>03/12/2016</a:t>
+              <a:t>05/12/2016</a:t>
             </a:fld>
             <a:endParaRPr lang="en-GB"/>
           </a:p>
@@ -2975,7 +3128,7 @@
           <a:p>
             <a:fld id="{2921BF44-F096-42DF-ADC3-B535522D2EE1}" type="slidenum">
               <a:rPr lang="en-GB" smtClean="0"/>
-              <a:t>‹#›</a:t>
+              <a:t>‹Nr.›</a:t>
             </a:fld>
             <a:endParaRPr lang="en-GB"/>
           </a:p>
@@ -3181,7 +3334,7 @@
           <a:p>
             <a:fld id="{E47C6652-7282-41FA-AD47-BB58E05EBCB1}" type="datetime1">
               <a:rPr lang="en-GB" smtClean="0"/>
-              <a:t>03/12/2016</a:t>
+              <a:t>05/12/2016</a:t>
             </a:fld>
             <a:endParaRPr lang="en-GB"/>
           </a:p>
@@ -3226,7 +3379,7 @@
           <a:p>
             <a:fld id="{2921BF44-F096-42DF-ADC3-B535522D2EE1}" type="slidenum">
               <a:rPr lang="en-GB" smtClean="0"/>
-              <a:t>‹#›</a:t>
+              <a:t>‹Nr.›</a:t>
             </a:fld>
             <a:endParaRPr lang="en-GB"/>
           </a:p>
@@ -3716,7 +3869,7 @@
           <a:p>
             <a:fld id="{9575253B-D946-4B16-A4D6-EDCC8FBA3639}" type="datetime1">
               <a:rPr lang="en-GB" smtClean="0"/>
-              <a:t>03/12/2016</a:t>
+              <a:t>05/12/2016</a:t>
             </a:fld>
             <a:endParaRPr lang="en-GB"/>
           </a:p>
@@ -3761,7 +3914,7 @@
           <a:p>
             <a:fld id="{2921BF44-F096-42DF-ADC3-B535522D2EE1}" type="slidenum">
               <a:rPr lang="en-GB" smtClean="0"/>
-              <a:t>‹#›</a:t>
+              <a:t>‹Nr.›</a:t>
             </a:fld>
             <a:endParaRPr lang="en-GB"/>
           </a:p>
@@ -4016,7 +4169,7 @@
           <a:p>
             <a:fld id="{05A78B47-D74F-482E-AC4D-924E1F9C02E1}" type="datetime1">
               <a:rPr lang="en-GB" smtClean="0"/>
-              <a:t>03/12/2016</a:t>
+              <a:t>05/12/2016</a:t>
             </a:fld>
             <a:endParaRPr lang="en-GB"/>
           </a:p>
@@ -4061,7 +4214,7 @@
           <a:p>
             <a:fld id="{2921BF44-F096-42DF-ADC3-B535522D2EE1}" type="slidenum">
               <a:rPr lang="en-GB" smtClean="0"/>
-              <a:t>‹#›</a:t>
+              <a:t>‹Nr.›</a:t>
             </a:fld>
             <a:endParaRPr lang="en-GB"/>
           </a:p>
@@ -4193,7 +4346,7 @@
           <a:p>
             <a:fld id="{9D054574-8D06-4B14-A4E3-883F870E467D}" type="datetime1">
               <a:rPr lang="en-GB" smtClean="0"/>
-              <a:t>03/12/2016</a:t>
+              <a:t>05/12/2016</a:t>
             </a:fld>
             <a:endParaRPr lang="en-GB"/>
           </a:p>
@@ -4238,7 +4391,7 @@
           <a:p>
             <a:fld id="{2921BF44-F096-42DF-ADC3-B535522D2EE1}" type="slidenum">
               <a:rPr lang="en-GB" smtClean="0"/>
-              <a:t>‹#›</a:t>
+              <a:t>‹Nr.›</a:t>
             </a:fld>
             <a:endParaRPr lang="en-GB"/>
           </a:p>
@@ -4376,7 +4529,7 @@
           <a:p>
             <a:fld id="{99CF02F4-EBA5-433C-B12C-1A26A76C696F}" type="datetime1">
               <a:rPr lang="en-GB" smtClean="0"/>
-              <a:t>03/12/2016</a:t>
+              <a:t>05/12/2016</a:t>
             </a:fld>
             <a:endParaRPr lang="en-GB"/>
           </a:p>
@@ -4421,7 +4574,7 @@
           <a:p>
             <a:fld id="{2921BF44-F096-42DF-ADC3-B535522D2EE1}" type="slidenum">
               <a:rPr lang="en-GB" smtClean="0"/>
-              <a:t>‹#›</a:t>
+              <a:t>‹Nr.›</a:t>
             </a:fld>
             <a:endParaRPr lang="en-GB"/>
           </a:p>
@@ -4568,7 +4721,7 @@
           <a:p>
             <a:fld id="{F7FB45E5-CEA6-436A-9116-67114B66AE83}" type="datetime1">
               <a:rPr lang="en-GB" smtClean="0"/>
-              <a:t>03/12/2016</a:t>
+              <a:t>05/12/2016</a:t>
             </a:fld>
             <a:endParaRPr lang="en-GB"/>
           </a:p>
@@ -4628,7 +4781,7 @@
             <a:fld id="{2921BF44-F096-42DF-ADC3-B535522D2EE1}" type="slidenum">
               <a:rPr lang="en-GB" smtClean="0"/>
               <a:pPr/>
-              <a:t>‹#›</a:t>
+              <a:t>‹Nr.›</a:t>
             </a:fld>
             <a:endParaRPr lang="en-GB" dirty="0"/>
           </a:p>
@@ -4832,7 +4985,7 @@
           <a:p>
             <a:fld id="{58772DC2-CC95-4628-A2C3-DBCC8B67E0EE}" type="datetime1">
               <a:rPr lang="en-GB" smtClean="0"/>
-              <a:t>03/12/2016</a:t>
+              <a:t>05/12/2016</a:t>
             </a:fld>
             <a:endParaRPr lang="en-GB"/>
           </a:p>
@@ -4877,7 +5030,7 @@
           <a:p>
             <a:fld id="{2921BF44-F096-42DF-ADC3-B535522D2EE1}" type="slidenum">
               <a:rPr lang="en-GB" smtClean="0"/>
-              <a:t>‹#›</a:t>
+              <a:t>‹Nr.›</a:t>
             </a:fld>
             <a:endParaRPr lang="en-GB"/>
           </a:p>
@@ -5132,7 +5285,7 @@
           <a:p>
             <a:fld id="{85706B20-101B-4EF1-A005-17BBB9B97973}" type="datetime1">
               <a:rPr lang="en-GB" smtClean="0"/>
-              <a:t>03/12/2016</a:t>
+              <a:t>05/12/2016</a:t>
             </a:fld>
             <a:endParaRPr lang="en-GB"/>
           </a:p>
@@ -5177,7 +5330,7 @@
           <a:p>
             <a:fld id="{2921BF44-F096-42DF-ADC3-B535522D2EE1}" type="slidenum">
               <a:rPr lang="en-GB" smtClean="0"/>
-              <a:t>‹#›</a:t>
+              <a:t>‹Nr.›</a:t>
             </a:fld>
             <a:endParaRPr lang="en-GB"/>
           </a:p>
@@ -5577,7 +5730,7 @@
           <a:p>
             <a:fld id="{73A24D18-03FA-444B-A6E8-081CE70D1F1D}" type="datetime1">
               <a:rPr lang="en-GB" smtClean="0"/>
-              <a:t>03/12/2016</a:t>
+              <a:t>05/12/2016</a:t>
             </a:fld>
             <a:endParaRPr lang="en-GB"/>
           </a:p>
@@ -5622,7 +5775,7 @@
           <a:p>
             <a:fld id="{2921BF44-F096-42DF-ADC3-B535522D2EE1}" type="slidenum">
               <a:rPr lang="en-GB" smtClean="0"/>
-              <a:t>‹#›</a:t>
+              <a:t>‹Nr.›</a:t>
             </a:fld>
             <a:endParaRPr lang="en-GB"/>
           </a:p>
@@ -5698,7 +5851,7 @@
           <a:p>
             <a:fld id="{5A5D0278-C667-458C-BF50-C38C35F84025}" type="datetime1">
               <a:rPr lang="en-GB" smtClean="0"/>
-              <a:t>03/12/2016</a:t>
+              <a:t>05/12/2016</a:t>
             </a:fld>
             <a:endParaRPr lang="en-GB"/>
           </a:p>
@@ -5743,7 +5896,7 @@
           <a:p>
             <a:fld id="{2921BF44-F096-42DF-ADC3-B535522D2EE1}" type="slidenum">
               <a:rPr lang="en-GB" smtClean="0"/>
-              <a:t>‹#›</a:t>
+              <a:t>‹Nr.›</a:t>
             </a:fld>
             <a:endParaRPr lang="en-GB"/>
           </a:p>
@@ -5796,7 +5949,7 @@
           <a:p>
             <a:fld id="{7779FF95-CD9F-49D0-9692-6F86CB53E266}" type="datetime1">
               <a:rPr lang="en-GB" smtClean="0"/>
-              <a:t>03/12/2016</a:t>
+              <a:t>05/12/2016</a:t>
             </a:fld>
             <a:endParaRPr lang="en-GB"/>
           </a:p>
@@ -5841,7 +5994,7 @@
           <a:p>
             <a:fld id="{2921BF44-F096-42DF-ADC3-B535522D2EE1}" type="slidenum">
               <a:rPr lang="en-GB" smtClean="0"/>
-              <a:t>‹#›</a:t>
+              <a:t>‹Nr.›</a:t>
             </a:fld>
             <a:endParaRPr lang="en-GB"/>
           </a:p>
@@ -6082,7 +6235,7 @@
           <a:p>
             <a:fld id="{6FF6C31A-CCBC-47C9-B55B-D6E279E5509C}" type="datetime1">
               <a:rPr lang="en-GB" smtClean="0"/>
-              <a:t>03/12/2016</a:t>
+              <a:t>05/12/2016</a:t>
             </a:fld>
             <a:endParaRPr lang="en-GB"/>
           </a:p>
@@ -6127,7 +6280,7 @@
           <a:p>
             <a:fld id="{2921BF44-F096-42DF-ADC3-B535522D2EE1}" type="slidenum">
               <a:rPr lang="en-GB" smtClean="0"/>
-              <a:t>‹#›</a:t>
+              <a:t>‹Nr.›</a:t>
             </a:fld>
             <a:endParaRPr lang="en-GB"/>
           </a:p>
@@ -6376,7 +6529,7 @@
           <a:p>
             <a:fld id="{23E1B9F4-BB56-4914-9BD8-B56AC1531316}" type="datetime1">
               <a:rPr lang="en-GB" smtClean="0"/>
-              <a:t>03/12/2016</a:t>
+              <a:t>05/12/2016</a:t>
             </a:fld>
             <a:endParaRPr lang="en-GB"/>
           </a:p>
@@ -6421,7 +6574,7 @@
           <a:p>
             <a:fld id="{2921BF44-F096-42DF-ADC3-B535522D2EE1}" type="slidenum">
               <a:rPr lang="en-GB" smtClean="0"/>
-              <a:t>‹#›</a:t>
+              <a:t>‹Nr.›</a:t>
             </a:fld>
             <a:endParaRPr lang="en-GB"/>
           </a:p>
@@ -6593,7 +6746,7 @@
           <a:p>
             <a:fld id="{B80DFA59-A6D8-4F35-B196-6C06090E1566}" type="datetime1">
               <a:rPr lang="en-GB" smtClean="0"/>
-              <a:t>03/12/2016</a:t>
+              <a:t>05/12/2016</a:t>
             </a:fld>
             <a:endParaRPr lang="en-GB"/>
           </a:p>
@@ -6674,7 +6827,7 @@
           <a:p>
             <a:fld id="{2921BF44-F096-42DF-ADC3-B535522D2EE1}" type="slidenum">
               <a:rPr lang="en-GB" smtClean="0"/>
-              <a:t>‹#›</a:t>
+              <a:t>‹Nr.›</a:t>
             </a:fld>
             <a:endParaRPr lang="en-GB"/>
           </a:p>
@@ -7145,15 +7298,7 @@
           <a:p>
             <a:r>
               <a:rPr lang="de-DE" dirty="0"/>
-              <a:t>Information </a:t>
-            </a:r>
-            <a:r>
-              <a:rPr lang="de-DE" dirty="0" smtClean="0"/>
-              <a:t>needs </a:t>
-            </a:r>
-            <a:r>
-              <a:rPr lang="de-DE" dirty="0"/>
-              <a:t>context…</a:t>
+              <a:t>Information needs context…</a:t>
             </a:r>
           </a:p>
         </p:txBody>
@@ -7556,6 +7701,220 @@
 </file>
 
 <file path=ppt/slides/slide10.xml><?xml version="1.0" encoding="utf-8"?>
+<p:sld xmlns:a="http://schemas.openxmlformats.org/drawingml/2006/main" xmlns:r="http://schemas.openxmlformats.org/officeDocument/2006/relationships" xmlns:p="http://schemas.openxmlformats.org/presentationml/2006/main" show="0">
+  <p:cSld>
+    <p:spTree>
+      <p:nvGrpSpPr>
+        <p:cNvPr id="1" name=""/>
+        <p:cNvGrpSpPr/>
+        <p:nvPr/>
+      </p:nvGrpSpPr>
+      <p:grpSpPr>
+        <a:xfrm>
+          <a:off x="0" y="0"/>
+          <a:ext cx="0" cy="0"/>
+          <a:chOff x="0" y="0"/>
+          <a:chExt cx="0" cy="0"/>
+        </a:xfrm>
+      </p:grpSpPr>
+      <p:sp>
+        <p:nvSpPr>
+          <p:cNvPr id="4" name="Titel 3"/>
+          <p:cNvSpPr>
+            <a:spLocks noGrp="1"/>
+          </p:cNvSpPr>
+          <p:nvPr>
+            <p:ph type="title"/>
+          </p:nvPr>
+        </p:nvSpPr>
+        <p:spPr/>
+        <p:txBody>
+          <a:bodyPr/>
+          <a:lstStyle/>
+          <a:p>
+            <a:r>
+              <a:rPr lang="de-DE" dirty="0"/>
+              <a:t>Agenda</a:t>
+            </a:r>
+            <a:endParaRPr lang="en-GB" dirty="0"/>
+          </a:p>
+        </p:txBody>
+      </p:sp>
+      <p:sp>
+        <p:nvSpPr>
+          <p:cNvPr id="7" name="Foliennummernplatzhalter 6"/>
+          <p:cNvSpPr>
+            <a:spLocks noGrp="1"/>
+          </p:cNvSpPr>
+          <p:nvPr>
+            <p:ph type="sldNum" sz="quarter" idx="12"/>
+          </p:nvPr>
+        </p:nvSpPr>
+        <p:spPr/>
+        <p:txBody>
+          <a:bodyPr/>
+          <a:lstStyle/>
+          <a:p>
+            <a:fld id="{2921BF44-F096-42DF-ADC3-B535522D2EE1}" type="slidenum">
+              <a:rPr lang="en-GB" smtClean="0"/>
+              <a:t>10</a:t>
+            </a:fld>
+            <a:endParaRPr lang="en-GB"/>
+          </a:p>
+        </p:txBody>
+      </p:sp>
+      <p:sp>
+        <p:nvSpPr>
+          <p:cNvPr id="9" name="Inhaltsplatzhalter 4"/>
+          <p:cNvSpPr>
+            <a:spLocks noGrp="1"/>
+          </p:cNvSpPr>
+          <p:nvPr>
+            <p:ph idx="1"/>
+          </p:nvPr>
+        </p:nvSpPr>
+        <p:spPr>
+          <a:xfrm>
+            <a:off x="948906" y="1903562"/>
+            <a:ext cx="10127411" cy="3887638"/>
+          </a:xfrm>
+        </p:spPr>
+        <p:txBody>
+          <a:bodyPr>
+            <a:normAutofit/>
+          </a:bodyPr>
+          <a:lstStyle/>
+          <a:p>
+            <a:pPr marL="457200" indent="-457200">
+              <a:buClr>
+                <a:schemeClr val="accent1">
+                  <a:lumMod val="50000"/>
+                </a:schemeClr>
+              </a:buClr>
+              <a:buSzPct val="125000"/>
+              <a:buFont typeface="+mj-lt"/>
+              <a:buAutoNum type="arabicPeriod"/>
+            </a:pPr>
+            <a:r>
+              <a:rPr lang="en-US" dirty="0"/>
+              <a:t>Architecture</a:t>
+            </a:r>
+          </a:p>
+          <a:p>
+            <a:pPr marL="914400" lvl="1" indent="-457200">
+              <a:buClr>
+                <a:schemeClr val="accent1">
+                  <a:lumMod val="50000"/>
+                </a:schemeClr>
+              </a:buClr>
+              <a:buSzPct val="125000"/>
+              <a:buFont typeface="+mj-lt"/>
+              <a:buAutoNum type="arabicPeriod"/>
+            </a:pPr>
+            <a:r>
+              <a:rPr lang="en-US" dirty="0"/>
+              <a:t>Named Entity Recognition</a:t>
+            </a:r>
+          </a:p>
+          <a:p>
+            <a:pPr marL="914400" lvl="1" indent="-457200">
+              <a:buClr>
+                <a:schemeClr val="accent1">
+                  <a:lumMod val="50000"/>
+                </a:schemeClr>
+              </a:buClr>
+              <a:buSzPct val="125000"/>
+              <a:buFont typeface="+mj-lt"/>
+              <a:buAutoNum type="arabicPeriod"/>
+            </a:pPr>
+            <a:r>
+              <a:rPr lang="en-US" dirty="0"/>
+              <a:t>SPARQL Engine</a:t>
+            </a:r>
+          </a:p>
+          <a:p>
+            <a:pPr marL="914400" lvl="1" indent="-457200">
+              <a:buClr>
+                <a:schemeClr val="accent1">
+                  <a:lumMod val="50000"/>
+                </a:schemeClr>
+              </a:buClr>
+              <a:buSzPct val="125000"/>
+              <a:buFont typeface="+mj-lt"/>
+              <a:buAutoNum type="arabicPeriod"/>
+            </a:pPr>
+            <a:r>
+              <a:rPr lang="en-US" dirty="0"/>
+              <a:t>Server</a:t>
+            </a:r>
+          </a:p>
+          <a:p>
+            <a:pPr marL="914400" lvl="1" indent="-457200">
+              <a:buClr>
+                <a:schemeClr val="accent1">
+                  <a:lumMod val="50000"/>
+                </a:schemeClr>
+              </a:buClr>
+              <a:buSzPct val="125000"/>
+              <a:buFont typeface="+mj-lt"/>
+              <a:buAutoNum type="arabicPeriod"/>
+            </a:pPr>
+            <a:r>
+              <a:rPr lang="en-US" dirty="0"/>
+              <a:t>Chrome Extension</a:t>
+            </a:r>
+          </a:p>
+          <a:p>
+            <a:pPr marL="457200" indent="-457200">
+              <a:buClr>
+                <a:schemeClr val="accent1">
+                  <a:lumMod val="50000"/>
+                </a:schemeClr>
+              </a:buClr>
+              <a:buSzPct val="125000"/>
+              <a:buFont typeface="+mj-lt"/>
+              <a:buAutoNum type="arabicPeriod"/>
+            </a:pPr>
+            <a:r>
+              <a:rPr lang="en-US" dirty="0"/>
+              <a:t>Demo</a:t>
+            </a:r>
+          </a:p>
+          <a:p>
+            <a:pPr marL="457200" indent="-457200">
+              <a:buClr>
+                <a:schemeClr val="accent1">
+                  <a:lumMod val="50000"/>
+                </a:schemeClr>
+              </a:buClr>
+              <a:buSzPct val="125000"/>
+              <a:buFont typeface="+mj-lt"/>
+              <a:buAutoNum type="arabicPeriod"/>
+            </a:pPr>
+            <a:r>
+              <a:rPr lang="en-US" dirty="0"/>
+              <a:t>Conclusion</a:t>
+            </a:r>
+          </a:p>
+          <a:p>
+            <a:endParaRPr lang="en-GB" dirty="0"/>
+          </a:p>
+        </p:txBody>
+      </p:sp>
+    </p:spTree>
+    <p:extLst>
+      <p:ext uri="{BB962C8B-B14F-4D97-AF65-F5344CB8AC3E}">
+        <p14:creationId xmlns:p14="http://schemas.microsoft.com/office/powerpoint/2010/main" val="3397866905"/>
+      </p:ext>
+    </p:extLst>
+  </p:cSld>
+  <p:clrMapOvr>
+    <a:masterClrMapping/>
+  </p:clrMapOvr>
+</p:sld>
+</file>
+
+<file path=ppt/slides/slide11.xml><?xml version="1.0" encoding="utf-8"?>
 <p:sld xmlns:a="http://schemas.openxmlformats.org/drawingml/2006/main" xmlns:r="http://schemas.openxmlformats.org/officeDocument/2006/relationships" xmlns:p="http://schemas.openxmlformats.org/presentationml/2006/main">
   <p:cSld>
     <p:spTree>
@@ -7588,7 +7947,7 @@
           <a:lstStyle/>
           <a:p>
             <a:r>
-              <a:rPr lang="en-GB" dirty="0" smtClean="0"/>
+              <a:rPr lang="en-GB" dirty="0"/>
               <a:t>Architecture</a:t>
             </a:r>
             <a:endParaRPr lang="de-DE" dirty="0"/>
@@ -7613,7 +7972,7 @@
             <a:fld id="{2921BF44-F096-42DF-ADC3-B535522D2EE1}" type="slidenum">
               <a:rPr lang="en-GB" smtClean="0"/>
               <a:pPr/>
-              <a:t>10</a:t>
+              <a:t>11</a:t>
             </a:fld>
             <a:endParaRPr lang="en-GB" dirty="0"/>
           </a:p>
@@ -7673,7 +8032,7 @@
 </p:sld>
 </file>
 
-<file path=ppt/slides/slide11.xml><?xml version="1.0" encoding="utf-8"?>
+<file path=ppt/slides/slide12.xml><?xml version="1.0" encoding="utf-8"?>
 <p:sld xmlns:a="http://schemas.openxmlformats.org/drawingml/2006/main" xmlns:r="http://schemas.openxmlformats.org/officeDocument/2006/relationships" xmlns:p="http://schemas.openxmlformats.org/presentationml/2006/main" show="0">
   <p:cSld>
     <p:spTree>
@@ -7706,7 +8065,7 @@
           <a:lstStyle/>
           <a:p>
             <a:r>
-              <a:rPr lang="en-GB" dirty="0" smtClean="0"/>
+              <a:rPr lang="en-GB" dirty="0"/>
               <a:t>Server: REST API (1)</a:t>
             </a:r>
             <a:endParaRPr lang="de-DE" dirty="0"/>
@@ -7741,35 +8100,21 @@
               <a:rPr lang="de-DE" dirty="0">
                 <a:hlinkClick r:id="rId2"/>
               </a:rPr>
-              <a:t>https://</a:t>
-            </a:r>
-            <a:r>
-              <a:rPr lang="de-DE" dirty="0" smtClean="0">
-                <a:hlinkClick r:id="rId2"/>
-              </a:rPr>
-              <a:t>localhost:8443/RetrieveTriples</a:t>
-            </a:r>
-            <a:r>
-              <a:rPr lang="de-DE" dirty="0"/>
-              <a:t/>
+              <a:t>https://localhost:8443/RetrieveTriples</a:t>
             </a:r>
             <a:br>
               <a:rPr lang="de-DE" dirty="0"/>
             </a:br>
             <a:r>
-              <a:rPr lang="de-DE" dirty="0" smtClean="0"/>
-              <a:t>Request </a:t>
-            </a:r>
-            <a:r>
               <a:rPr lang="de-DE" dirty="0"/>
-              <a:t>body: </a:t>
+              <a:t>Request body: </a:t>
             </a:r>
           </a:p>
           <a:p>
             <a:pPr marL="0" indent="0">
               <a:buNone/>
             </a:pPr>
-            <a:endParaRPr lang="en-GB" dirty="0" smtClean="0"/>
+            <a:endParaRPr lang="en-GB" dirty="0"/>
           </a:p>
           <a:p>
             <a:pPr marL="0" indent="0">
@@ -7799,15 +8144,11 @@
             <a:pPr marL="0" indent="0">
               <a:buNone/>
             </a:pPr>
-            <a:r>
-              <a:rPr lang="en-GB" dirty="0" smtClean="0"/>
-              <a:t/>
-            </a:r>
             <a:br>
-              <a:rPr lang="en-GB" dirty="0" smtClean="0"/>
+              <a:rPr lang="en-GB" dirty="0"/>
             </a:br>
             <a:r>
-              <a:rPr lang="en-GB" dirty="0" smtClean="0"/>
+              <a:rPr lang="en-GB" dirty="0"/>
               <a:t>Response body:</a:t>
             </a:r>
             <a:endParaRPr lang="de-DE" dirty="0"/>
@@ -7832,7 +8173,7 @@
             <a:fld id="{2921BF44-F096-42DF-ADC3-B535522D2EE1}" type="slidenum">
               <a:rPr lang="en-GB" smtClean="0"/>
               <a:pPr/>
-              <a:t>11</a:t>
+              <a:t>12</a:t>
             </a:fld>
             <a:endParaRPr lang="en-GB" dirty="0"/>
           </a:p>
@@ -7956,18 +8297,10 @@
   <p:clrMapOvr>
     <a:masterClrMapping/>
   </p:clrMapOvr>
-  <mc:AlternateContent xmlns:mc="http://schemas.openxmlformats.org/markup-compatibility/2006">
-    <mc:Choice xmlns:p14="http://schemas.microsoft.com/office/powerpoint/2010/main" Requires="p14">
-      <p:transition spd="slow" p14:dur="2000"/>
-    </mc:Choice>
-    <mc:Fallback>
-      <p:transition spd="slow"/>
-    </mc:Fallback>
-  </mc:AlternateContent>
 </p:sld>
 </file>
 
-<file path=ppt/slides/slide12.xml><?xml version="1.0" encoding="utf-8"?>
+<file path=ppt/slides/slide13.xml><?xml version="1.0" encoding="utf-8"?>
 <p:sld xmlns:a="http://schemas.openxmlformats.org/drawingml/2006/main" xmlns:r="http://schemas.openxmlformats.org/officeDocument/2006/relationships" xmlns:p="http://schemas.openxmlformats.org/presentationml/2006/main" show="0">
   <p:cSld>
     <p:spTree>
@@ -8000,7 +8333,7 @@
           <a:lstStyle/>
           <a:p>
             <a:r>
-              <a:rPr lang="en-GB" dirty="0" smtClean="0"/>
+              <a:rPr lang="en-GB" dirty="0"/>
               <a:t>Server: REST API (2)</a:t>
             </a:r>
             <a:endParaRPr lang="de-DE" dirty="0"/>
@@ -8035,16 +8368,15 @@
               <a:rPr lang="de-DE" dirty="0"/>
             </a:br>
             <a:r>
-              <a:rPr lang="de-DE" dirty="0" smtClean="0"/>
+              <a:rPr lang="de-DE" dirty="0"/>
               <a:t>Response body:</a:t>
             </a:r>
-            <a:endParaRPr lang="de-DE" dirty="0"/>
           </a:p>
           <a:p>
             <a:pPr marL="0" indent="0">
               <a:buNone/>
             </a:pPr>
-            <a:endParaRPr lang="en-GB" dirty="0" smtClean="0"/>
+            <a:endParaRPr lang="en-GB" dirty="0"/>
           </a:p>
           <a:p>
             <a:pPr marL="0" indent="0">
@@ -8072,7 +8404,7 @@
             <a:fld id="{2921BF44-F096-42DF-ADC3-B535522D2EE1}" type="slidenum">
               <a:rPr lang="en-GB" smtClean="0"/>
               <a:pPr/>
-              <a:t>12</a:t>
+              <a:t>13</a:t>
             </a:fld>
             <a:endParaRPr lang="en-GB" dirty="0"/>
           </a:p>
@@ -8142,14 +8474,6 @@
   <p:clrMapOvr>
     <a:masterClrMapping/>
   </p:clrMapOvr>
-  <mc:AlternateContent xmlns:mc="http://schemas.openxmlformats.org/markup-compatibility/2006">
-    <mc:Choice xmlns:p14="http://schemas.microsoft.com/office/powerpoint/2010/main" Requires="p14">
-      <p:transition spd="slow" p14:dur="2000"/>
-    </mc:Choice>
-    <mc:Fallback>
-      <p:transition spd="slow"/>
-    </mc:Fallback>
-  </mc:AlternateContent>
 </p:sld>
 </file>
 
@@ -8549,7 +8873,7 @@
                 <a14:useLocalDpi xmlns:a14="http://schemas.microsoft.com/office/drawing/2010/main" val="0"/>
               </a:ext>
               <a:ext uri="{96DAC541-7B7A-43D3-8B79-37D633B846F1}">
-                <asvg:svgBlip xmlns:asvg="http://schemas.microsoft.com/office/drawing/2016/SVG/main" xmlns="" r:embed="rId7"/>
+                <asvg:svgBlip xmlns:asvg="http://schemas.microsoft.com/office/drawing/2016/SVG/main" r:embed="rId7"/>
               </a:ext>
             </a:extLst>
           </a:blip>
@@ -8582,7 +8906,7 @@
                 <a14:useLocalDpi xmlns:a14="http://schemas.microsoft.com/office/drawing/2010/main" val="0"/>
               </a:ext>
               <a:ext uri="{96DAC541-7B7A-43D3-8B79-37D633B846F1}">
-                <asvg:svgBlip xmlns:asvg="http://schemas.microsoft.com/office/drawing/2016/SVG/main" xmlns="" r:embed="rId9"/>
+                <asvg:svgBlip xmlns:asvg="http://schemas.microsoft.com/office/drawing/2016/SVG/main" r:embed="rId9"/>
               </a:ext>
             </a:extLst>
           </a:blip>
@@ -8614,232 +8938,6 @@
 </file>
 
 <file path=ppt/slides/slide3.xml><?xml version="1.0" encoding="utf-8"?>
-<p:sld xmlns:a="http://schemas.openxmlformats.org/drawingml/2006/main" xmlns:r="http://schemas.openxmlformats.org/officeDocument/2006/relationships" xmlns:p="http://schemas.openxmlformats.org/presentationml/2006/main" show="0">
-  <p:cSld>
-    <p:spTree>
-      <p:nvGrpSpPr>
-        <p:cNvPr id="1" name=""/>
-        <p:cNvGrpSpPr/>
-        <p:nvPr/>
-      </p:nvGrpSpPr>
-      <p:grpSpPr>
-        <a:xfrm>
-          <a:off x="0" y="0"/>
-          <a:ext cx="0" cy="0"/>
-          <a:chOff x="0" y="0"/>
-          <a:chExt cx="0" cy="0"/>
-        </a:xfrm>
-      </p:grpSpPr>
-      <p:sp>
-        <p:nvSpPr>
-          <p:cNvPr id="4" name="Titel 3"/>
-          <p:cNvSpPr>
-            <a:spLocks noGrp="1"/>
-          </p:cNvSpPr>
-          <p:nvPr>
-            <p:ph type="title"/>
-          </p:nvPr>
-        </p:nvSpPr>
-        <p:spPr/>
-        <p:txBody>
-          <a:bodyPr/>
-          <a:lstStyle/>
-          <a:p>
-            <a:r>
-              <a:rPr lang="de-DE" dirty="0"/>
-              <a:t>Agenda</a:t>
-            </a:r>
-            <a:endParaRPr lang="en-GB" dirty="0"/>
-          </a:p>
-        </p:txBody>
-      </p:sp>
-      <p:sp>
-        <p:nvSpPr>
-          <p:cNvPr id="7" name="Foliennummernplatzhalter 6"/>
-          <p:cNvSpPr>
-            <a:spLocks noGrp="1"/>
-          </p:cNvSpPr>
-          <p:nvPr>
-            <p:ph type="sldNum" sz="quarter" idx="12"/>
-          </p:nvPr>
-        </p:nvSpPr>
-        <p:spPr/>
-        <p:txBody>
-          <a:bodyPr/>
-          <a:lstStyle/>
-          <a:p>
-            <a:fld id="{2921BF44-F096-42DF-ADC3-B535522D2EE1}" type="slidenum">
-              <a:rPr lang="en-GB" smtClean="0"/>
-              <a:t>3</a:t>
-            </a:fld>
-            <a:endParaRPr lang="en-GB"/>
-          </a:p>
-        </p:txBody>
-      </p:sp>
-      <p:sp>
-        <p:nvSpPr>
-          <p:cNvPr id="9" name="Inhaltsplatzhalter 4"/>
-          <p:cNvSpPr>
-            <a:spLocks noGrp="1"/>
-          </p:cNvSpPr>
-          <p:nvPr>
-            <p:ph idx="1"/>
-          </p:nvPr>
-        </p:nvSpPr>
-        <p:spPr>
-          <a:xfrm>
-            <a:off x="948906" y="1903562"/>
-            <a:ext cx="10127411" cy="3887638"/>
-          </a:xfrm>
-        </p:spPr>
-        <p:txBody>
-          <a:bodyPr>
-            <a:normAutofit/>
-          </a:bodyPr>
-          <a:lstStyle/>
-          <a:p>
-            <a:pPr marL="457200" indent="-457200">
-              <a:buClr>
-                <a:schemeClr val="accent1">
-                  <a:lumMod val="50000"/>
-                </a:schemeClr>
-              </a:buClr>
-              <a:buSzPct val="125000"/>
-              <a:buFont typeface="+mj-lt"/>
-              <a:buAutoNum type="arabicPeriod"/>
-            </a:pPr>
-            <a:r>
-              <a:rPr lang="en-US" dirty="0"/>
-              <a:t>Architecture</a:t>
-            </a:r>
-          </a:p>
-          <a:p>
-            <a:pPr marL="914400" lvl="1" indent="-457200">
-              <a:buClr>
-                <a:schemeClr val="accent1">
-                  <a:lumMod val="50000"/>
-                </a:schemeClr>
-              </a:buClr>
-              <a:buSzPct val="125000"/>
-              <a:buFont typeface="+mj-lt"/>
-              <a:buAutoNum type="arabicPeriod"/>
-            </a:pPr>
-            <a:r>
-              <a:rPr lang="en-US" dirty="0"/>
-              <a:t>Named Entity Recognition</a:t>
-            </a:r>
-          </a:p>
-          <a:p>
-            <a:pPr marL="914400" lvl="1" indent="-457200">
-              <a:buClr>
-                <a:schemeClr val="accent1">
-                  <a:lumMod val="50000"/>
-                </a:schemeClr>
-              </a:buClr>
-              <a:buSzPct val="125000"/>
-              <a:buFont typeface="+mj-lt"/>
-              <a:buAutoNum type="arabicPeriod"/>
-            </a:pPr>
-            <a:r>
-              <a:rPr lang="en-US" dirty="0"/>
-              <a:t>SPARQL Engine</a:t>
-            </a:r>
-          </a:p>
-          <a:p>
-            <a:pPr marL="914400" lvl="1" indent="-457200">
-              <a:buClr>
-                <a:schemeClr val="accent1">
-                  <a:lumMod val="50000"/>
-                </a:schemeClr>
-              </a:buClr>
-              <a:buSzPct val="125000"/>
-              <a:buFont typeface="+mj-lt"/>
-              <a:buAutoNum type="arabicPeriod"/>
-            </a:pPr>
-            <a:r>
-              <a:rPr lang="en-US" dirty="0" smtClean="0"/>
-              <a:t>Server</a:t>
-            </a:r>
-          </a:p>
-          <a:p>
-            <a:pPr marL="914400" lvl="1" indent="-457200">
-              <a:buClr>
-                <a:schemeClr val="accent1">
-                  <a:lumMod val="50000"/>
-                </a:schemeClr>
-              </a:buClr>
-              <a:buSzPct val="125000"/>
-              <a:buFont typeface="+mj-lt"/>
-              <a:buAutoNum type="arabicPeriod"/>
-            </a:pPr>
-            <a:r>
-              <a:rPr lang="en-US" dirty="0" smtClean="0"/>
-              <a:t>Chrome </a:t>
-            </a:r>
-            <a:r>
-              <a:rPr lang="en-US" dirty="0"/>
-              <a:t>Extension</a:t>
-            </a:r>
-          </a:p>
-          <a:p>
-            <a:pPr marL="457200" indent="-457200">
-              <a:buClr>
-                <a:schemeClr val="accent1">
-                  <a:lumMod val="50000"/>
-                </a:schemeClr>
-              </a:buClr>
-              <a:buSzPct val="125000"/>
-              <a:buFont typeface="+mj-lt"/>
-              <a:buAutoNum type="arabicPeriod"/>
-            </a:pPr>
-            <a:r>
-              <a:rPr lang="en-US" dirty="0"/>
-              <a:t>Demo</a:t>
-            </a:r>
-          </a:p>
-          <a:p>
-            <a:pPr marL="457200" indent="-457200">
-              <a:buClr>
-                <a:schemeClr val="accent1">
-                  <a:lumMod val="50000"/>
-                </a:schemeClr>
-              </a:buClr>
-              <a:buSzPct val="125000"/>
-              <a:buFont typeface="+mj-lt"/>
-              <a:buAutoNum type="arabicPeriod"/>
-            </a:pPr>
-            <a:r>
-              <a:rPr lang="en-US" dirty="0"/>
-              <a:t>Conclusion</a:t>
-            </a:r>
-          </a:p>
-          <a:p>
-            <a:endParaRPr lang="en-GB" dirty="0"/>
-          </a:p>
-        </p:txBody>
-      </p:sp>
-    </p:spTree>
-    <p:extLst>
-      <p:ext uri="{BB962C8B-B14F-4D97-AF65-F5344CB8AC3E}">
-        <p14:creationId xmlns:p14="http://schemas.microsoft.com/office/powerpoint/2010/main" val="3397866905"/>
-      </p:ext>
-    </p:extLst>
-  </p:cSld>
-  <p:clrMapOvr>
-    <a:masterClrMapping/>
-  </p:clrMapOvr>
-  <mc:AlternateContent xmlns:mc="http://schemas.openxmlformats.org/markup-compatibility/2006">
-    <mc:Choice xmlns:p14="http://schemas.microsoft.com/office/powerpoint/2010/main" Requires="p14">
-      <p:transition spd="slow" p14:dur="2000"/>
-    </mc:Choice>
-    <mc:Fallback>
-      <p:transition spd="slow"/>
-    </mc:Fallback>
-  </mc:AlternateContent>
-</p:sld>
-</file>
-
-<file path=ppt/slides/slide4.xml><?xml version="1.0" encoding="utf-8"?>
 <p:sld xmlns:a="http://schemas.openxmlformats.org/drawingml/2006/main" xmlns:r="http://schemas.openxmlformats.org/officeDocument/2006/relationships" xmlns:p="http://schemas.openxmlformats.org/presentationml/2006/main">
   <p:cSld>
     <p:spTree>
@@ -8872,10 +8970,9 @@
           <a:lstStyle/>
           <a:p>
             <a:r>
-              <a:rPr lang="de-DE" dirty="0" err="1"/>
+              <a:rPr lang="en-US"/>
               <a:t>Architecture</a:t>
             </a:r>
-            <a:endParaRPr lang="en-US" dirty="0"/>
           </a:p>
         </p:txBody>
       </p:sp>
@@ -8896,42 +8993,12 @@
           <a:p>
             <a:fld id="{2921BF44-F096-42DF-ADC3-B535522D2EE1}" type="slidenum">
               <a:rPr lang="en-GB" smtClean="0"/>
-              <a:t>4</a:t>
+              <a:t>3</a:t>
             </a:fld>
             <a:endParaRPr lang="en-GB"/>
           </a:p>
         </p:txBody>
       </p:sp>
-      <p:pic>
-        <p:nvPicPr>
-          <p:cNvPr id="6" name="Grafik 5"/>
-          <p:cNvPicPr>
-            <a:picLocks noChangeAspect="1"/>
-          </p:cNvPicPr>
-          <p:nvPr/>
-        </p:nvPicPr>
-        <p:blipFill>
-          <a:blip r:embed="rId3" cstate="print">
-            <a:extLst>
-              <a:ext uri="{28A0092B-C50C-407E-A947-70E740481C1C}">
-                <a14:useLocalDpi xmlns:a14="http://schemas.microsoft.com/office/drawing/2010/main" val="0"/>
-              </a:ext>
-            </a:extLst>
-          </a:blip>
-          <a:stretch>
-            <a:fillRect/>
-          </a:stretch>
-        </p:blipFill>
-        <p:spPr>
-          <a:xfrm>
-            <a:off x="1799547" y="3301179"/>
-            <a:ext cx="787887" cy="787887"/>
-          </a:xfrm>
-          <a:prstGeom prst="rect">
-            <a:avLst/>
-          </a:prstGeom>
-        </p:spPr>
-      </p:pic>
       <p:pic>
         <p:nvPicPr>
           <p:cNvPr id="10" name="Grafik 9"/>
@@ -8941,7 +9008,7 @@
           <p:nvPr/>
         </p:nvPicPr>
         <p:blipFill>
-          <a:blip r:embed="rId4" cstate="print">
+          <a:blip r:embed="rId3" cstate="print">
             <a:extLst>
               <a:ext uri="{28A0092B-C50C-407E-A947-70E740481C1C}">
                 <a14:useLocalDpi xmlns:a14="http://schemas.microsoft.com/office/drawing/2010/main" val="0"/>
@@ -9137,11 +9204,11 @@
           <p:nvPr/>
         </p:nvPicPr>
         <p:blipFill>
-          <a:blip r:embed="rId5" cstate="print">
+          <a:blip r:embed="rId4" cstate="print">
             <a:extLst>
               <a:ext uri="{BEBA8EAE-BF5A-486C-A8C5-ECC9F3942E4B}">
                 <a14:imgProps xmlns:a14="http://schemas.microsoft.com/office/drawing/2010/main">
-                  <a14:imgLayer r:embed="rId6">
+                  <a14:imgLayer r:embed="rId5">
                     <a14:imgEffect>
                       <a14:backgroundRemoval t="9425" b="94089" l="0" r="100000">
                         <a14:foregroundMark x1="5272" y1="63419" x2="5272" y2="63419"/>
@@ -9294,13 +9361,13 @@
           <p:nvPr/>
         </p:nvPicPr>
         <p:blipFill>
-          <a:blip r:embed="rId7" cstate="print">
+          <a:blip r:embed="rId6" cstate="print">
             <a:extLst>
               <a:ext uri="{28A0092B-C50C-407E-A947-70E740481C1C}">
                 <a14:useLocalDpi xmlns:a14="http://schemas.microsoft.com/office/drawing/2010/main" val="0"/>
               </a:ext>
               <a:ext uri="{96DAC541-7B7A-43D3-8B79-37D633B846F1}">
-                <asvg:svgBlip xmlns:asvg="http://schemas.microsoft.com/office/drawing/2016/SVG/main" xmlns="" r:embed="rId8"/>
+                <asvg:svgBlip xmlns:asvg="http://schemas.microsoft.com/office/drawing/2016/SVG/main" r:embed="rId7"/>
               </a:ext>
             </a:extLst>
           </a:blip>
@@ -9327,13 +9394,13 @@
           <p:nvPr/>
         </p:nvPicPr>
         <p:blipFill>
-          <a:blip r:embed="rId9" cstate="print">
+          <a:blip r:embed="rId8" cstate="print">
             <a:extLst>
               <a:ext uri="{28A0092B-C50C-407E-A947-70E740481C1C}">
                 <a14:useLocalDpi xmlns:a14="http://schemas.microsoft.com/office/drawing/2010/main" val="0"/>
               </a:ext>
               <a:ext uri="{96DAC541-7B7A-43D3-8B79-37D633B846F1}">
-                <asvg:svgBlip xmlns:asvg="http://schemas.microsoft.com/office/drawing/2016/SVG/main" xmlns="" r:embed="rId10"/>
+                <asvg:svgBlip xmlns:asvg="http://schemas.microsoft.com/office/drawing/2016/SVG/main" r:embed="rId9"/>
               </a:ext>
             </a:extLst>
           </a:blip>
@@ -9356,7 +9423,6 @@
           <p:cNvPr id="21" name="Gewinkelte Verbindung 20"/>
           <p:cNvCxnSpPr>
             <a:cxnSpLocks/>
-            <a:stCxn id="6" idx="3"/>
             <a:endCxn id="36" idx="1"/>
           </p:cNvCxnSpPr>
           <p:nvPr/>
@@ -9445,7 +9511,7 @@
           <p:nvPr/>
         </p:nvPicPr>
         <p:blipFill>
-          <a:blip r:embed="rId11" cstate="print">
+          <a:blip r:embed="rId10" cstate="print">
             <a:extLst>
               <a:ext uri="{28A0092B-C50C-407E-A947-70E740481C1C}">
                 <a14:useLocalDpi xmlns:a14="http://schemas.microsoft.com/office/drawing/2010/main" val="0"/>
@@ -9475,13 +9541,13 @@
           <p:nvPr/>
         </p:nvPicPr>
         <p:blipFill>
-          <a:blip r:embed="rId12" cstate="print">
+          <a:blip r:embed="rId8" cstate="print">
             <a:extLst>
               <a:ext uri="{28A0092B-C50C-407E-A947-70E740481C1C}">
                 <a14:useLocalDpi xmlns:a14="http://schemas.microsoft.com/office/drawing/2010/main" val="0"/>
               </a:ext>
               <a:ext uri="{96DAC541-7B7A-43D3-8B79-37D633B846F1}">
-                <asvg:svgBlip xmlns:asvg="http://schemas.microsoft.com/office/drawing/2016/SVG/main" xmlns="" r:embed="rId10"/>
+                <asvg:svgBlip xmlns:asvg="http://schemas.microsoft.com/office/drawing/2016/SVG/main" r:embed="rId9"/>
               </a:ext>
             </a:extLst>
           </a:blip>
@@ -9508,11 +9574,11 @@
           <p:nvPr/>
         </p:nvPicPr>
         <p:blipFill>
-          <a:blip r:embed="rId13" cstate="print">
+          <a:blip r:embed="rId11" cstate="print">
             <a:extLst>
               <a:ext uri="{BEBA8EAE-BF5A-486C-A8C5-ECC9F3942E4B}">
                 <a14:imgProps xmlns:a14="http://schemas.microsoft.com/office/drawing/2010/main">
-                  <a14:imgLayer r:embed="rId14">
+                  <a14:imgLayer r:embed="rId12">
                     <a14:imgEffect>
                       <a14:backgroundRemoval t="9425" b="94089" l="0" r="100000">
                         <a14:foregroundMark x1="5272" y1="63419" x2="5272" y2="63419"/>
@@ -9752,7 +9818,7 @@
           <p:nvPr/>
         </p:nvPicPr>
         <p:blipFill>
-          <a:blip r:embed="rId4" cstate="print">
+          <a:blip r:embed="rId3" cstate="print">
             <a:extLst>
               <a:ext uri="{28A0092B-C50C-407E-A947-70E740481C1C}">
                 <a14:useLocalDpi xmlns:a14="http://schemas.microsoft.com/office/drawing/2010/main" val="0"/>
@@ -9811,7 +9877,7 @@
           <p:nvPr/>
         </p:nvPicPr>
         <p:blipFill>
-          <a:blip r:embed="rId4" cstate="print">
+          <a:blip r:embed="rId3" cstate="print">
             <a:extLst>
               <a:ext uri="{28A0092B-C50C-407E-A947-70E740481C1C}">
                 <a14:useLocalDpi xmlns:a14="http://schemas.microsoft.com/office/drawing/2010/main" val="0"/>
@@ -9938,7 +10004,7 @@
           <p:nvPr/>
         </p:nvPicPr>
         <p:blipFill rotWithShape="1">
-          <a:blip r:embed="rId3" cstate="print">
+          <a:blip r:embed="rId13" cstate="print">
             <a:extLst>
               <a:ext uri="{28A0092B-C50C-407E-A947-70E740481C1C}">
                 <a14:useLocalDpi xmlns:a14="http://schemas.microsoft.com/office/drawing/2010/main" val="0"/>
@@ -9967,7 +10033,7 @@
           <p:nvPr/>
         </p:nvPicPr>
         <p:blipFill>
-          <a:blip r:embed="rId15">
+          <a:blip r:embed="rId14">
             <a:extLst>
               <a:ext uri="{28A0092B-C50C-407E-A947-70E740481C1C}">
                 <a14:useLocalDpi xmlns:a14="http://schemas.microsoft.com/office/drawing/2010/main" val="0"/>
@@ -10042,13 +10108,13 @@
           <p:nvPr/>
         </p:nvPicPr>
         <p:blipFill>
-          <a:blip r:embed="rId16">
+          <a:blip r:embed="rId15">
             <a:extLst>
               <a:ext uri="{28A0092B-C50C-407E-A947-70E740481C1C}">
                 <a14:useLocalDpi xmlns:a14="http://schemas.microsoft.com/office/drawing/2010/main" val="0"/>
               </a:ext>
               <a:ext uri="{96DAC541-7B7A-43D3-8B79-37D633B846F1}">
-                <asvg:svgBlip xmlns:asvg="http://schemas.microsoft.com/office/drawing/2016/SVG/main" xmlns="" r:embed="rId17"/>
+                <asvg:svgBlip xmlns:asvg="http://schemas.microsoft.com/office/drawing/2016/SVG/main" r:embed="rId16"/>
               </a:ext>
             </a:extLst>
           </a:blip>
@@ -10075,13 +10141,13 @@
           <p:nvPr/>
         </p:nvPicPr>
         <p:blipFill>
-          <a:blip r:embed="rId18" cstate="print">
+          <a:blip r:embed="rId17" cstate="print">
             <a:extLst>
               <a:ext uri="{28A0092B-C50C-407E-A947-70E740481C1C}">
                 <a14:useLocalDpi xmlns:a14="http://schemas.microsoft.com/office/drawing/2010/main" val="0"/>
               </a:ext>
               <a:ext uri="{96DAC541-7B7A-43D3-8B79-37D633B846F1}">
-                <asvg:svgBlip xmlns:asvg="http://schemas.microsoft.com/office/drawing/2016/SVG/main" xmlns="" r:embed="rId19"/>
+                <asvg:svgBlip xmlns:asvg="http://schemas.microsoft.com/office/drawing/2016/SVG/main" r:embed="rId18"/>
               </a:ext>
             </a:extLst>
           </a:blip>
@@ -10108,13 +10174,13 @@
           <p:nvPr/>
         </p:nvPicPr>
         <p:blipFill>
-          <a:blip r:embed="rId20" cstate="print">
+          <a:blip r:embed="rId19" cstate="print">
             <a:extLst>
               <a:ext uri="{28A0092B-C50C-407E-A947-70E740481C1C}">
                 <a14:useLocalDpi xmlns:a14="http://schemas.microsoft.com/office/drawing/2010/main" val="0"/>
               </a:ext>
               <a:ext uri="{96DAC541-7B7A-43D3-8B79-37D633B846F1}">
-                <asvg:svgBlip xmlns:asvg="http://schemas.microsoft.com/office/drawing/2016/SVG/main" xmlns="" r:embed="rId21"/>
+                <asvg:svgBlip xmlns:asvg="http://schemas.microsoft.com/office/drawing/2016/SVG/main" r:embed="rId20"/>
               </a:ext>
             </a:extLst>
           </a:blip>
@@ -10173,6 +10239,72 @@
           </a:fontRef>
         </p:style>
       </p:cxnSp>
+      <p:pic>
+        <p:nvPicPr>
+          <p:cNvPr id="7" name="Grafik 6"/>
+          <p:cNvPicPr>
+            <a:picLocks noChangeAspect="1"/>
+          </p:cNvPicPr>
+          <p:nvPr/>
+        </p:nvPicPr>
+        <p:blipFill>
+          <a:blip r:embed="rId21"/>
+          <a:stretch>
+            <a:fillRect/>
+          </a:stretch>
+        </p:blipFill>
+        <p:spPr>
+          <a:xfrm>
+            <a:off x="1238251" y="4585594"/>
+            <a:ext cx="1159408" cy="735437"/>
+          </a:xfrm>
+          <a:prstGeom prst="rect">
+            <a:avLst/>
+          </a:prstGeom>
+        </p:spPr>
+      </p:pic>
+      <p:pic>
+        <p:nvPicPr>
+          <p:cNvPr id="39" name="Picture 4" descr="http://westwoodcivicclub.com/wp-content/uploads/2015/11/news-icon.png"/>
+          <p:cNvPicPr>
+            <a:picLocks noChangeAspect="1" noChangeArrowheads="1"/>
+          </p:cNvPicPr>
+          <p:nvPr/>
+        </p:nvPicPr>
+        <p:blipFill rotWithShape="1">
+          <a:blip r:embed="rId22" cstate="print">
+            <a:extLst>
+              <a:ext uri="{28A0092B-C50C-407E-A947-70E740481C1C}">
+                <a14:useLocalDpi xmlns:a14="http://schemas.microsoft.com/office/drawing/2010/main" val="0"/>
+              </a:ext>
+            </a:extLst>
+          </a:blip>
+          <a:srcRect l="5276" t="6248" r="6322" b="6114"/>
+          <a:stretch/>
+        </p:blipFill>
+        <p:spPr bwMode="auto">
+          <a:xfrm>
+            <a:off x="1744465" y="3306375"/>
+            <a:ext cx="724042" cy="717781"/>
+          </a:xfrm>
+          <a:prstGeom prst="rect">
+            <a:avLst/>
+          </a:prstGeom>
+          <a:noFill/>
+          <a:effectLst>
+            <a:softEdge rad="63500"/>
+          </a:effectLst>
+          <a:extLst>
+            <a:ext uri="{909E8E84-426E-40DD-AFC4-6F175D3DCCD1}">
+              <a14:hiddenFill xmlns:a14="http://schemas.microsoft.com/office/drawing/2010/main">
+                <a:solidFill>
+                  <a:srgbClr val="FFFFFF"/>
+                </a:solidFill>
+              </a14:hiddenFill>
+            </a:ext>
+          </a:extLst>
+        </p:spPr>
+      </p:pic>
     </p:spTree>
     <p:extLst>
       <p:ext uri="{BB962C8B-B14F-4D97-AF65-F5344CB8AC3E}">
@@ -11076,6 +11208,33 @@
                                   </p:childTnLst>
                                 </p:cTn>
                               </p:par>
+                              <p:par>
+                                <p:cTn id="73" presetID="1" presetClass="entr" presetSubtype="0" fill="hold" nodeType="withEffect">
+                                  <p:stCondLst>
+                                    <p:cond delay="0"/>
+                                  </p:stCondLst>
+                                  <p:childTnLst>
+                                    <p:set>
+                                      <p:cBhvr>
+                                        <p:cTn id="74" dur="1" fill="hold">
+                                          <p:stCondLst>
+                                            <p:cond delay="0"/>
+                                          </p:stCondLst>
+                                        </p:cTn>
+                                        <p:tgtEl>
+                                          <p:spTgt spid="7"/>
+                                        </p:tgtEl>
+                                        <p:attrNameLst>
+                                          <p:attrName>style.visibility</p:attrName>
+                                        </p:attrNameLst>
+                                      </p:cBhvr>
+                                      <p:to>
+                                        <p:strVal val="visible"/>
+                                      </p:to>
+                                    </p:set>
+                                  </p:childTnLst>
+                                </p:cTn>
+                              </p:par>
                             </p:childTnLst>
                           </p:cTn>
                         </p:par>
@@ -11116,6 +11275,2492 @@
 </p:sld>
 </file>
 
+<file path=ppt/slides/slide4.xml><?xml version="1.0" encoding="utf-8"?>
+<p:sld xmlns:a="http://schemas.openxmlformats.org/drawingml/2006/main" xmlns:r="http://schemas.openxmlformats.org/officeDocument/2006/relationships" xmlns:p="http://schemas.openxmlformats.org/presentationml/2006/main">
+  <p:cSld>
+    <p:spTree>
+      <p:nvGrpSpPr>
+        <p:cNvPr id="1" name=""/>
+        <p:cNvGrpSpPr/>
+        <p:nvPr/>
+      </p:nvGrpSpPr>
+      <p:grpSpPr>
+        <a:xfrm>
+          <a:off x="0" y="0"/>
+          <a:ext cx="0" cy="0"/>
+          <a:chOff x="0" y="0"/>
+          <a:chExt cx="0" cy="0"/>
+        </a:xfrm>
+      </p:grpSpPr>
+      <p:sp>
+        <p:nvSpPr>
+          <p:cNvPr id="207" name="Rechteck: abgerundete Ecken 206"/>
+          <p:cNvSpPr/>
+          <p:nvPr/>
+        </p:nvSpPr>
+        <p:spPr>
+          <a:xfrm>
+            <a:off x="2366857" y="2933435"/>
+            <a:ext cx="4960204" cy="2271917"/>
+          </a:xfrm>
+          <a:prstGeom prst="roundRect">
+            <a:avLst/>
+          </a:prstGeom>
+          <a:solidFill>
+            <a:schemeClr val="bg2"/>
+          </a:solidFill>
+          <a:ln>
+            <a:solidFill>
+              <a:schemeClr val="accent1"/>
+            </a:solidFill>
+          </a:ln>
+        </p:spPr>
+        <p:style>
+          <a:lnRef idx="2">
+            <a:schemeClr val="accent1">
+              <a:shade val="50000"/>
+            </a:schemeClr>
+          </a:lnRef>
+          <a:fillRef idx="1">
+            <a:schemeClr val="accent1"/>
+          </a:fillRef>
+          <a:effectRef idx="0">
+            <a:schemeClr val="accent1"/>
+          </a:effectRef>
+          <a:fontRef idx="minor">
+            <a:schemeClr val="lt1"/>
+          </a:fontRef>
+        </p:style>
+        <p:txBody>
+          <a:bodyPr rtlCol="0" anchor="t"/>
+          <a:lstStyle/>
+          <a:p>
+            <a:r>
+              <a:rPr lang="de-DE" dirty="0">
+                <a:solidFill>
+                  <a:schemeClr val="tx1"/>
+                </a:solidFill>
+              </a:rPr>
+              <a:t>Jena</a:t>
+            </a:r>
+          </a:p>
+        </p:txBody>
+      </p:sp>
+      <p:sp>
+        <p:nvSpPr>
+          <p:cNvPr id="2" name="Titel 1"/>
+          <p:cNvSpPr>
+            <a:spLocks noGrp="1"/>
+          </p:cNvSpPr>
+          <p:nvPr>
+            <p:ph type="title"/>
+          </p:nvPr>
+        </p:nvSpPr>
+        <p:spPr>
+          <a:xfrm>
+            <a:off x="948906" y="150963"/>
+            <a:ext cx="10127411" cy="1752599"/>
+          </a:xfrm>
+        </p:spPr>
+        <p:txBody>
+          <a:bodyPr/>
+          <a:lstStyle/>
+          <a:p>
+            <a:r>
+              <a:rPr lang="en-US" dirty="0"/>
+              <a:t>SPARQL Engine</a:t>
+            </a:r>
+          </a:p>
+        </p:txBody>
+      </p:sp>
+      <p:sp>
+        <p:nvSpPr>
+          <p:cNvPr id="5" name="Foliennummernplatzhalter 4"/>
+          <p:cNvSpPr>
+            <a:spLocks noGrp="1"/>
+          </p:cNvSpPr>
+          <p:nvPr>
+            <p:ph type="sldNum" sz="quarter" idx="12"/>
+          </p:nvPr>
+        </p:nvSpPr>
+        <p:spPr/>
+        <p:txBody>
+          <a:bodyPr/>
+          <a:lstStyle/>
+          <a:p>
+            <a:fld id="{2921BF44-F096-42DF-ADC3-B535522D2EE1}" type="slidenum">
+              <a:rPr lang="en-GB" smtClean="0"/>
+              <a:t>4</a:t>
+            </a:fld>
+            <a:endParaRPr lang="en-GB"/>
+          </a:p>
+        </p:txBody>
+      </p:sp>
+      <p:pic>
+        <p:nvPicPr>
+          <p:cNvPr id="10" name="Grafik 9"/>
+          <p:cNvPicPr>
+            <a:picLocks noChangeAspect="1"/>
+          </p:cNvPicPr>
+          <p:nvPr/>
+        </p:nvPicPr>
+        <p:blipFill>
+          <a:blip r:embed="rId3" cstate="print">
+            <a:extLst>
+              <a:ext uri="{28A0092B-C50C-407E-A947-70E740481C1C}">
+                <a14:useLocalDpi xmlns:a14="http://schemas.microsoft.com/office/drawing/2010/main" val="0"/>
+              </a:ext>
+            </a:extLst>
+          </a:blip>
+          <a:stretch>
+            <a:fillRect/>
+          </a:stretch>
+        </p:blipFill>
+        <p:spPr>
+          <a:xfrm>
+            <a:off x="10107851" y="2859385"/>
+            <a:ext cx="831423" cy="551484"/>
+          </a:xfrm>
+          <a:prstGeom prst="rect">
+            <a:avLst/>
+          </a:prstGeom>
+        </p:spPr>
+      </p:pic>
+      <p:sp>
+        <p:nvSpPr>
+          <p:cNvPr id="45" name="Rechteck: abgerundete Ecken 44"/>
+          <p:cNvSpPr/>
+          <p:nvPr/>
+        </p:nvSpPr>
+        <p:spPr>
+          <a:xfrm>
+            <a:off x="9817100" y="1977243"/>
+            <a:ext cx="1365250" cy="3772031"/>
+          </a:xfrm>
+          <a:prstGeom prst="roundRect">
+            <a:avLst/>
+          </a:prstGeom>
+          <a:noFill/>
+          <a:ln>
+            <a:solidFill>
+              <a:schemeClr val="accent1"/>
+            </a:solidFill>
+            <a:prstDash val="dash"/>
+          </a:ln>
+        </p:spPr>
+        <p:style>
+          <a:lnRef idx="2">
+            <a:schemeClr val="accent1">
+              <a:shade val="50000"/>
+            </a:schemeClr>
+          </a:lnRef>
+          <a:fillRef idx="1">
+            <a:schemeClr val="accent1"/>
+          </a:fillRef>
+          <a:effectRef idx="0">
+            <a:schemeClr val="accent1"/>
+          </a:effectRef>
+          <a:fontRef idx="minor">
+            <a:schemeClr val="lt1"/>
+          </a:fontRef>
+        </p:style>
+        <p:txBody>
+          <a:bodyPr rtlCol="0" anchor="t"/>
+          <a:lstStyle/>
+          <a:p>
+            <a:r>
+              <a:rPr lang="de-DE" dirty="0" err="1">
+                <a:solidFill>
+                  <a:schemeClr val="tx1"/>
+                </a:solidFill>
+              </a:rPr>
+              <a:t>Sources</a:t>
+            </a:r>
+            <a:endParaRPr lang="de-DE" dirty="0">
+              <a:solidFill>
+                <a:schemeClr val="tx1"/>
+              </a:solidFill>
+            </a:endParaRPr>
+          </a:p>
+        </p:txBody>
+      </p:sp>
+      <p:sp>
+        <p:nvSpPr>
+          <p:cNvPr id="73" name="Textfeld 72"/>
+          <p:cNvSpPr txBox="1"/>
+          <p:nvPr/>
+        </p:nvSpPr>
+        <p:spPr>
+          <a:xfrm>
+            <a:off x="10036088" y="2540737"/>
+            <a:ext cx="974947" cy="369332"/>
+          </a:xfrm>
+          <a:prstGeom prst="rect">
+            <a:avLst/>
+          </a:prstGeom>
+          <a:noFill/>
+        </p:spPr>
+        <p:txBody>
+          <a:bodyPr wrap="none" rtlCol="0">
+            <a:spAutoFit/>
+          </a:bodyPr>
+          <a:lstStyle/>
+          <a:p>
+            <a:r>
+              <a:rPr lang="de-DE" dirty="0" err="1"/>
+              <a:t>DBpedia</a:t>
+            </a:r>
+            <a:endParaRPr lang="de-DE" dirty="0"/>
+          </a:p>
+        </p:txBody>
+      </p:sp>
+      <p:pic>
+        <p:nvPicPr>
+          <p:cNvPr id="78" name="Grafik 77"/>
+          <p:cNvPicPr>
+            <a:picLocks noChangeAspect="1"/>
+          </p:cNvPicPr>
+          <p:nvPr/>
+        </p:nvPicPr>
+        <p:blipFill>
+          <a:blip r:embed="rId3" cstate="print">
+            <a:extLst>
+              <a:ext uri="{28A0092B-C50C-407E-A947-70E740481C1C}">
+                <a14:useLocalDpi xmlns:a14="http://schemas.microsoft.com/office/drawing/2010/main" val="0"/>
+              </a:ext>
+            </a:extLst>
+          </a:blip>
+          <a:stretch>
+            <a:fillRect/>
+          </a:stretch>
+        </p:blipFill>
+        <p:spPr>
+          <a:xfrm>
+            <a:off x="10107851" y="3727478"/>
+            <a:ext cx="831423" cy="551484"/>
+          </a:xfrm>
+          <a:prstGeom prst="rect">
+            <a:avLst/>
+          </a:prstGeom>
+        </p:spPr>
+      </p:pic>
+      <p:sp>
+        <p:nvSpPr>
+          <p:cNvPr id="79" name="Textfeld 78"/>
+          <p:cNvSpPr txBox="1"/>
+          <p:nvPr/>
+        </p:nvSpPr>
+        <p:spPr>
+          <a:xfrm>
+            <a:off x="10109760" y="3428866"/>
+            <a:ext cx="826316" cy="369332"/>
+          </a:xfrm>
+          <a:prstGeom prst="rect">
+            <a:avLst/>
+          </a:prstGeom>
+          <a:noFill/>
+        </p:spPr>
+        <p:txBody>
+          <a:bodyPr wrap="none" rtlCol="0">
+            <a:spAutoFit/>
+          </a:bodyPr>
+          <a:lstStyle/>
+          <a:p>
+            <a:r>
+              <a:rPr lang="de-DE" dirty="0"/>
+              <a:t>YAGO2</a:t>
+            </a:r>
+          </a:p>
+        </p:txBody>
+      </p:sp>
+      <p:pic>
+        <p:nvPicPr>
+          <p:cNvPr id="80" name="Grafik 79"/>
+          <p:cNvPicPr>
+            <a:picLocks noChangeAspect="1"/>
+          </p:cNvPicPr>
+          <p:nvPr/>
+        </p:nvPicPr>
+        <p:blipFill>
+          <a:blip r:embed="rId3" cstate="print">
+            <a:extLst>
+              <a:ext uri="{28A0092B-C50C-407E-A947-70E740481C1C}">
+                <a14:useLocalDpi xmlns:a14="http://schemas.microsoft.com/office/drawing/2010/main" val="0"/>
+              </a:ext>
+            </a:extLst>
+          </a:blip>
+          <a:stretch>
+            <a:fillRect/>
+          </a:stretch>
+        </p:blipFill>
+        <p:spPr>
+          <a:xfrm>
+            <a:off x="10107207" y="4653869"/>
+            <a:ext cx="831423" cy="551484"/>
+          </a:xfrm>
+          <a:prstGeom prst="rect">
+            <a:avLst/>
+          </a:prstGeom>
+        </p:spPr>
+      </p:pic>
+      <p:sp>
+        <p:nvSpPr>
+          <p:cNvPr id="81" name="Textfeld 80"/>
+          <p:cNvSpPr txBox="1"/>
+          <p:nvPr/>
+        </p:nvSpPr>
+        <p:spPr>
+          <a:xfrm>
+            <a:off x="10083309" y="4337260"/>
+            <a:ext cx="184731" cy="369332"/>
+          </a:xfrm>
+          <a:prstGeom prst="rect">
+            <a:avLst/>
+          </a:prstGeom>
+          <a:noFill/>
+        </p:spPr>
+        <p:txBody>
+          <a:bodyPr wrap="none" rtlCol="0">
+            <a:spAutoFit/>
+          </a:bodyPr>
+          <a:lstStyle/>
+          <a:p>
+            <a:endParaRPr lang="de-DE" dirty="0"/>
+          </a:p>
+        </p:txBody>
+      </p:sp>
+      <p:sp>
+        <p:nvSpPr>
+          <p:cNvPr id="85" name="Textfeld 84"/>
+          <p:cNvSpPr txBox="1"/>
+          <p:nvPr/>
+        </p:nvSpPr>
+        <p:spPr>
+          <a:xfrm>
+            <a:off x="10261000" y="4116649"/>
+            <a:ext cx="920190" cy="646331"/>
+          </a:xfrm>
+          <a:prstGeom prst="rect">
+            <a:avLst/>
+          </a:prstGeom>
+          <a:noFill/>
+        </p:spPr>
+        <p:txBody>
+          <a:bodyPr wrap="square" rtlCol="0">
+            <a:spAutoFit/>
+          </a:bodyPr>
+          <a:lstStyle/>
+          <a:p>
+            <a:r>
+              <a:rPr lang="de-DE" sz="3600" dirty="0"/>
+              <a:t>…</a:t>
+            </a:r>
+          </a:p>
+        </p:txBody>
+      </p:sp>
+      <p:sp>
+        <p:nvSpPr>
+          <p:cNvPr id="6" name="Textfeld 5"/>
+          <p:cNvSpPr txBox="1"/>
+          <p:nvPr/>
+        </p:nvSpPr>
+        <p:spPr>
+          <a:xfrm>
+            <a:off x="4271859" y="1785397"/>
+            <a:ext cx="755335" cy="584775"/>
+          </a:xfrm>
+          <a:prstGeom prst="rect">
+            <a:avLst/>
+          </a:prstGeom>
+          <a:noFill/>
+        </p:spPr>
+        <p:txBody>
+          <a:bodyPr wrap="none" rtlCol="0">
+            <a:spAutoFit/>
+          </a:bodyPr>
+          <a:lstStyle/>
+          <a:p>
+            <a:r>
+              <a:rPr lang="de-DE" sz="3200" b="1" dirty="0"/>
+              <a:t>(.*)</a:t>
+            </a:r>
+            <a:endParaRPr lang="de-DE" b="1" dirty="0"/>
+          </a:p>
+        </p:txBody>
+      </p:sp>
+      <p:grpSp>
+        <p:nvGrpSpPr>
+          <p:cNvPr id="8" name="Gruppieren 7"/>
+          <p:cNvGrpSpPr/>
+          <p:nvPr/>
+        </p:nvGrpSpPr>
+        <p:grpSpPr>
+          <a:xfrm>
+            <a:off x="7123861" y="2148357"/>
+            <a:ext cx="1656937" cy="577046"/>
+            <a:chOff x="5453811" y="2245815"/>
+            <a:chExt cx="1656937" cy="577046"/>
+          </a:xfrm>
+        </p:grpSpPr>
+        <p:sp>
+          <p:nvSpPr>
+            <p:cNvPr id="46" name="Rechteck: abgerundete Ecken 45"/>
+            <p:cNvSpPr/>
+            <p:nvPr/>
+          </p:nvSpPr>
+          <p:spPr>
+            <a:xfrm>
+              <a:off x="5657011" y="2372865"/>
+              <a:ext cx="1453737" cy="449996"/>
+            </a:xfrm>
+            <a:prstGeom prst="roundRect">
+              <a:avLst/>
+            </a:prstGeom>
+            <a:solidFill>
+              <a:schemeClr val="bg2"/>
+            </a:solidFill>
+            <a:ln>
+              <a:solidFill>
+                <a:schemeClr val="accent1"/>
+              </a:solidFill>
+            </a:ln>
+          </p:spPr>
+          <p:style>
+            <a:lnRef idx="2">
+              <a:schemeClr val="accent1">
+                <a:shade val="50000"/>
+              </a:schemeClr>
+            </a:lnRef>
+            <a:fillRef idx="1">
+              <a:schemeClr val="accent1"/>
+            </a:fillRef>
+            <a:effectRef idx="0">
+              <a:schemeClr val="accent1"/>
+            </a:effectRef>
+            <a:fontRef idx="minor">
+              <a:schemeClr val="lt1"/>
+            </a:fontRef>
+          </p:style>
+          <p:txBody>
+            <a:bodyPr rtlCol="0" anchor="t"/>
+            <a:lstStyle/>
+            <a:p>
+              <a:r>
+                <a:rPr lang="de-DE" dirty="0">
+                  <a:solidFill>
+                    <a:schemeClr val="tx1"/>
+                  </a:solidFill>
+                </a:rPr>
+                <a:t>Jena </a:t>
+              </a:r>
+              <a:r>
+                <a:rPr lang="de-DE" dirty="0" err="1">
+                  <a:solidFill>
+                    <a:schemeClr val="tx1"/>
+                  </a:solidFill>
+                </a:rPr>
+                <a:t>Queries</a:t>
+              </a:r>
+              <a:endParaRPr lang="de-DE" dirty="0">
+                <a:solidFill>
+                  <a:schemeClr val="tx1"/>
+                </a:solidFill>
+              </a:endParaRPr>
+            </a:p>
+          </p:txBody>
+        </p:sp>
+        <p:sp>
+          <p:nvSpPr>
+            <p:cNvPr id="40" name="Rechteck: abgerundete Ecken 39"/>
+            <p:cNvSpPr/>
+            <p:nvPr/>
+          </p:nvSpPr>
+          <p:spPr>
+            <a:xfrm>
+              <a:off x="5555411" y="2309340"/>
+              <a:ext cx="1453737" cy="449996"/>
+            </a:xfrm>
+            <a:prstGeom prst="roundRect">
+              <a:avLst/>
+            </a:prstGeom>
+            <a:solidFill>
+              <a:schemeClr val="bg2"/>
+            </a:solidFill>
+            <a:ln>
+              <a:solidFill>
+                <a:schemeClr val="accent1"/>
+              </a:solidFill>
+            </a:ln>
+          </p:spPr>
+          <p:style>
+            <a:lnRef idx="2">
+              <a:schemeClr val="accent1">
+                <a:shade val="50000"/>
+              </a:schemeClr>
+            </a:lnRef>
+            <a:fillRef idx="1">
+              <a:schemeClr val="accent1"/>
+            </a:fillRef>
+            <a:effectRef idx="0">
+              <a:schemeClr val="accent1"/>
+            </a:effectRef>
+            <a:fontRef idx="minor">
+              <a:schemeClr val="lt1"/>
+            </a:fontRef>
+          </p:style>
+          <p:txBody>
+            <a:bodyPr rtlCol="0" anchor="t"/>
+            <a:lstStyle/>
+            <a:p>
+              <a:r>
+                <a:rPr lang="de-DE" dirty="0">
+                  <a:solidFill>
+                    <a:schemeClr val="tx1"/>
+                  </a:solidFill>
+                </a:rPr>
+                <a:t>Jena </a:t>
+              </a:r>
+              <a:r>
+                <a:rPr lang="de-DE" dirty="0" err="1">
+                  <a:solidFill>
+                    <a:schemeClr val="tx1"/>
+                  </a:solidFill>
+                </a:rPr>
+                <a:t>Queries</a:t>
+              </a:r>
+              <a:endParaRPr lang="de-DE" dirty="0">
+                <a:solidFill>
+                  <a:schemeClr val="tx1"/>
+                </a:solidFill>
+              </a:endParaRPr>
+            </a:p>
+          </p:txBody>
+        </p:sp>
+        <p:sp>
+          <p:nvSpPr>
+            <p:cNvPr id="41" name="Rechteck: abgerundete Ecken 40"/>
+            <p:cNvSpPr/>
+            <p:nvPr/>
+          </p:nvSpPr>
+          <p:spPr>
+            <a:xfrm>
+              <a:off x="5453811" y="2245815"/>
+              <a:ext cx="1453737" cy="449996"/>
+            </a:xfrm>
+            <a:prstGeom prst="roundRect">
+              <a:avLst/>
+            </a:prstGeom>
+            <a:solidFill>
+              <a:schemeClr val="bg2"/>
+            </a:solidFill>
+            <a:ln>
+              <a:solidFill>
+                <a:schemeClr val="accent1"/>
+              </a:solidFill>
+            </a:ln>
+          </p:spPr>
+          <p:style>
+            <a:lnRef idx="2">
+              <a:schemeClr val="accent1">
+                <a:shade val="50000"/>
+              </a:schemeClr>
+            </a:lnRef>
+            <a:fillRef idx="1">
+              <a:schemeClr val="accent1"/>
+            </a:fillRef>
+            <a:effectRef idx="0">
+              <a:schemeClr val="accent1"/>
+            </a:effectRef>
+            <a:fontRef idx="minor">
+              <a:schemeClr val="lt1"/>
+            </a:fontRef>
+          </p:style>
+          <p:txBody>
+            <a:bodyPr rtlCol="0" anchor="t"/>
+            <a:lstStyle/>
+            <a:p>
+              <a:r>
+                <a:rPr lang="de-DE" dirty="0">
+                  <a:solidFill>
+                    <a:schemeClr val="tx1"/>
+                  </a:solidFill>
+                </a:rPr>
+                <a:t>Jena </a:t>
+              </a:r>
+              <a:r>
+                <a:rPr lang="de-DE" dirty="0" err="1">
+                  <a:solidFill>
+                    <a:schemeClr val="tx1"/>
+                  </a:solidFill>
+                </a:rPr>
+                <a:t>Queries</a:t>
+              </a:r>
+              <a:endParaRPr lang="de-DE" dirty="0">
+                <a:solidFill>
+                  <a:schemeClr val="tx1"/>
+                </a:solidFill>
+              </a:endParaRPr>
+            </a:p>
+          </p:txBody>
+        </p:sp>
+      </p:grpSp>
+      <p:grpSp>
+        <p:nvGrpSpPr>
+          <p:cNvPr id="11" name="Gruppieren 10"/>
+          <p:cNvGrpSpPr/>
+          <p:nvPr/>
+        </p:nvGrpSpPr>
+        <p:grpSpPr>
+          <a:xfrm>
+            <a:off x="975770" y="1784043"/>
+            <a:ext cx="1111278" cy="896146"/>
+            <a:chOff x="2194035" y="2009076"/>
+            <a:chExt cx="1111278" cy="896146"/>
+          </a:xfrm>
+        </p:grpSpPr>
+        <p:pic>
+          <p:nvPicPr>
+            <p:cNvPr id="43" name="Picture 4" descr="City hall building Free Icon"/>
+            <p:cNvPicPr>
+              <a:picLocks noChangeAspect="1" noChangeArrowheads="1"/>
+            </p:cNvPicPr>
+            <p:nvPr/>
+          </p:nvPicPr>
+          <p:blipFill>
+            <a:blip r:embed="rId4" cstate="print">
+              <a:extLst>
+                <a:ext uri="{BEBA8EAE-BF5A-486C-A8C5-ECC9F3942E4B}">
+                  <a14:imgProps xmlns:a14="http://schemas.microsoft.com/office/drawing/2010/main">
+                    <a14:imgLayer r:embed="rId5">
+                      <a14:imgEffect>
+                        <a14:backgroundRemoval t="9425" b="94089" l="0" r="100000">
+                          <a14:foregroundMark x1="5272" y1="63419" x2="5272" y2="63419"/>
+                          <a14:foregroundMark x1="40096" y1="85144" x2="40096" y2="85144"/>
+                          <a14:foregroundMark x1="87700" y1="79233" x2="87700" y2="79233"/>
+                        </a14:backgroundRemoval>
+                      </a14:imgEffect>
+                    </a14:imgLayer>
+                  </a14:imgProps>
+                </a:ext>
+                <a:ext uri="{28A0092B-C50C-407E-A947-70E740481C1C}">
+                  <a14:useLocalDpi xmlns:a14="http://schemas.microsoft.com/office/drawing/2010/main" val="0"/>
+                </a:ext>
+              </a:extLst>
+            </a:blip>
+            <a:srcRect/>
+            <a:stretch>
+              <a:fillRect/>
+            </a:stretch>
+          </p:blipFill>
+          <p:spPr bwMode="auto">
+            <a:xfrm>
+              <a:off x="2194035" y="2009076"/>
+              <a:ext cx="670936" cy="670936"/>
+            </a:xfrm>
+            <a:prstGeom prst="rect">
+              <a:avLst/>
+            </a:prstGeom>
+            <a:noFill/>
+          </p:spPr>
+        </p:pic>
+        <p:pic>
+          <p:nvPicPr>
+            <p:cNvPr id="44" name="Grafik 43" descr="Benutzer"/>
+            <p:cNvPicPr>
+              <a:picLocks noChangeAspect="1"/>
+            </p:cNvPicPr>
+            <p:nvPr/>
+          </p:nvPicPr>
+          <p:blipFill>
+            <a:blip r:embed="rId6" cstate="print">
+              <a:extLst>
+                <a:ext uri="{28A0092B-C50C-407E-A947-70E740481C1C}">
+                  <a14:useLocalDpi xmlns:a14="http://schemas.microsoft.com/office/drawing/2010/main" val="0"/>
+                </a:ext>
+                <a:ext uri="{96DAC541-7B7A-43D3-8B79-37D633B846F1}">
+                  <asvg:svgBlip xmlns:asvg="http://schemas.microsoft.com/office/drawing/2016/SVG/main" r:embed="rId7"/>
+                </a:ext>
+              </a:extLst>
+            </a:blip>
+            <a:stretch>
+              <a:fillRect/>
+            </a:stretch>
+          </p:blipFill>
+          <p:spPr>
+            <a:xfrm>
+              <a:off x="2694498" y="2294407"/>
+              <a:ext cx="610815" cy="610815"/>
+            </a:xfrm>
+            <a:prstGeom prst="rect">
+              <a:avLst/>
+            </a:prstGeom>
+          </p:spPr>
+        </p:pic>
+      </p:grpSp>
+      <p:cxnSp>
+        <p:nvCxnSpPr>
+          <p:cNvPr id="47" name="Gewinkelte Verbindung 20"/>
+          <p:cNvCxnSpPr>
+            <a:cxnSpLocks/>
+            <a:stCxn id="44" idx="3"/>
+            <a:endCxn id="41" idx="1"/>
+          </p:cNvCxnSpPr>
+          <p:nvPr/>
+        </p:nvCxnSpPr>
+        <p:spPr>
+          <a:xfrm flipV="1">
+            <a:off x="2087048" y="2373355"/>
+            <a:ext cx="5036813" cy="1427"/>
+          </a:xfrm>
+          <a:prstGeom prst="bentConnector3">
+            <a:avLst>
+              <a:gd name="adj1" fmla="val 50000"/>
+            </a:avLst>
+          </a:prstGeom>
+          <a:ln w="57150">
+            <a:solidFill>
+              <a:schemeClr val="accent1">
+                <a:lumMod val="50000"/>
+              </a:schemeClr>
+            </a:solidFill>
+            <a:tailEnd type="triangle"/>
+          </a:ln>
+        </p:spPr>
+        <p:style>
+          <a:lnRef idx="1">
+            <a:schemeClr val="accent1"/>
+          </a:lnRef>
+          <a:fillRef idx="0">
+            <a:schemeClr val="accent1"/>
+          </a:fillRef>
+          <a:effectRef idx="0">
+            <a:schemeClr val="accent1"/>
+          </a:effectRef>
+          <a:fontRef idx="minor">
+            <a:schemeClr val="tx1"/>
+          </a:fontRef>
+        </p:style>
+      </p:cxnSp>
+      <p:pic>
+        <p:nvPicPr>
+          <p:cNvPr id="63" name="Grafik 62" descr="Zahnräder"/>
+          <p:cNvPicPr>
+            <a:picLocks noChangeAspect="1"/>
+          </p:cNvPicPr>
+          <p:nvPr/>
+        </p:nvPicPr>
+        <p:blipFill>
+          <a:blip r:embed="rId8">
+            <a:extLst>
+              <a:ext uri="{28A0092B-C50C-407E-A947-70E740481C1C}">
+                <a14:useLocalDpi xmlns:a14="http://schemas.microsoft.com/office/drawing/2010/main" val="0"/>
+              </a:ext>
+              <a:ext uri="{96DAC541-7B7A-43D3-8B79-37D633B846F1}">
+                <asvg:svgBlip xmlns:asvg="http://schemas.microsoft.com/office/drawing/2016/SVG/main" r:embed="rId9"/>
+              </a:ext>
+            </a:extLst>
+          </a:blip>
+          <a:stretch>
+            <a:fillRect/>
+          </a:stretch>
+        </p:blipFill>
+        <p:spPr>
+          <a:xfrm>
+            <a:off x="7519976" y="3355842"/>
+            <a:ext cx="846279" cy="846279"/>
+          </a:xfrm>
+          <a:prstGeom prst="rect">
+            <a:avLst/>
+          </a:prstGeom>
+        </p:spPr>
+      </p:pic>
+      <p:cxnSp>
+        <p:nvCxnSpPr>
+          <p:cNvPr id="64" name="Gewinkelte Verbindung 20"/>
+          <p:cNvCxnSpPr>
+            <a:cxnSpLocks/>
+            <a:stCxn id="46" idx="2"/>
+            <a:endCxn id="63" idx="0"/>
+          </p:cNvCxnSpPr>
+          <p:nvPr/>
+        </p:nvCxnSpPr>
+        <p:spPr>
+          <a:xfrm rot="5400000">
+            <a:off x="7683304" y="2985215"/>
+            <a:ext cx="630439" cy="110814"/>
+          </a:xfrm>
+          <a:prstGeom prst="bentConnector3">
+            <a:avLst>
+              <a:gd name="adj1" fmla="val 50000"/>
+            </a:avLst>
+          </a:prstGeom>
+          <a:ln w="57150">
+            <a:solidFill>
+              <a:schemeClr val="accent1">
+                <a:lumMod val="50000"/>
+              </a:schemeClr>
+            </a:solidFill>
+            <a:tailEnd type="triangle"/>
+          </a:ln>
+        </p:spPr>
+        <p:style>
+          <a:lnRef idx="1">
+            <a:schemeClr val="accent1"/>
+          </a:lnRef>
+          <a:fillRef idx="0">
+            <a:schemeClr val="accent1"/>
+          </a:fillRef>
+          <a:effectRef idx="0">
+            <a:schemeClr val="accent1"/>
+          </a:effectRef>
+          <a:fontRef idx="minor">
+            <a:schemeClr val="tx1"/>
+          </a:fontRef>
+        </p:style>
+      </p:cxnSp>
+      <p:cxnSp>
+        <p:nvCxnSpPr>
+          <p:cNvPr id="69" name="Gewinkelte Verbindung 20"/>
+          <p:cNvCxnSpPr>
+            <a:cxnSpLocks/>
+            <a:stCxn id="40" idx="2"/>
+            <a:endCxn id="63" idx="0"/>
+          </p:cNvCxnSpPr>
+          <p:nvPr/>
+        </p:nvCxnSpPr>
+        <p:spPr>
+          <a:xfrm rot="5400000">
+            <a:off x="7600741" y="3004253"/>
+            <a:ext cx="693964" cy="9214"/>
+          </a:xfrm>
+          <a:prstGeom prst="bentConnector3">
+            <a:avLst>
+              <a:gd name="adj1" fmla="val 50000"/>
+            </a:avLst>
+          </a:prstGeom>
+          <a:ln w="57150">
+            <a:solidFill>
+              <a:schemeClr val="accent1">
+                <a:lumMod val="50000"/>
+              </a:schemeClr>
+            </a:solidFill>
+            <a:tailEnd type="triangle"/>
+          </a:ln>
+        </p:spPr>
+        <p:style>
+          <a:lnRef idx="1">
+            <a:schemeClr val="accent1"/>
+          </a:lnRef>
+          <a:fillRef idx="0">
+            <a:schemeClr val="accent1"/>
+          </a:fillRef>
+          <a:effectRef idx="0">
+            <a:schemeClr val="accent1"/>
+          </a:effectRef>
+          <a:fontRef idx="minor">
+            <a:schemeClr val="tx1"/>
+          </a:fontRef>
+        </p:style>
+      </p:cxnSp>
+      <p:cxnSp>
+        <p:nvCxnSpPr>
+          <p:cNvPr id="70" name="Gewinkelte Verbindung 20"/>
+          <p:cNvCxnSpPr>
+            <a:cxnSpLocks/>
+            <a:stCxn id="41" idx="2"/>
+            <a:endCxn id="63" idx="0"/>
+          </p:cNvCxnSpPr>
+          <p:nvPr/>
+        </p:nvCxnSpPr>
+        <p:spPr>
+          <a:xfrm rot="16200000" flipH="1">
+            <a:off x="7518179" y="2930904"/>
+            <a:ext cx="757489" cy="92386"/>
+          </a:xfrm>
+          <a:prstGeom prst="bentConnector3">
+            <a:avLst>
+              <a:gd name="adj1" fmla="val 50000"/>
+            </a:avLst>
+          </a:prstGeom>
+          <a:ln w="57150">
+            <a:solidFill>
+              <a:schemeClr val="accent1">
+                <a:lumMod val="50000"/>
+              </a:schemeClr>
+            </a:solidFill>
+            <a:tailEnd type="triangle"/>
+          </a:ln>
+        </p:spPr>
+        <p:style>
+          <a:lnRef idx="1">
+            <a:schemeClr val="accent1"/>
+          </a:lnRef>
+          <a:fillRef idx="0">
+            <a:schemeClr val="accent1"/>
+          </a:fillRef>
+          <a:effectRef idx="0">
+            <a:schemeClr val="accent1"/>
+          </a:effectRef>
+          <a:fontRef idx="minor">
+            <a:schemeClr val="tx1"/>
+          </a:fontRef>
+        </p:style>
+      </p:cxnSp>
+      <p:cxnSp>
+        <p:nvCxnSpPr>
+          <p:cNvPr id="74" name="Gerade Verbindung mit Pfeil 73"/>
+          <p:cNvCxnSpPr>
+            <a:cxnSpLocks/>
+            <a:stCxn id="10" idx="1"/>
+            <a:endCxn id="46" idx="3"/>
+          </p:cNvCxnSpPr>
+          <p:nvPr/>
+        </p:nvCxnSpPr>
+        <p:spPr>
+          <a:xfrm flipH="1" flipV="1">
+            <a:off x="8780798" y="2500405"/>
+            <a:ext cx="1327053" cy="634722"/>
+          </a:xfrm>
+          <a:prstGeom prst="straightConnector1">
+            <a:avLst/>
+          </a:prstGeom>
+          <a:ln w="57150">
+            <a:solidFill>
+              <a:schemeClr val="accent1">
+                <a:lumMod val="50000"/>
+              </a:schemeClr>
+            </a:solidFill>
+            <a:tailEnd type="triangle"/>
+          </a:ln>
+        </p:spPr>
+        <p:style>
+          <a:lnRef idx="1">
+            <a:schemeClr val="accent1"/>
+          </a:lnRef>
+          <a:fillRef idx="0">
+            <a:schemeClr val="accent1"/>
+          </a:fillRef>
+          <a:effectRef idx="0">
+            <a:schemeClr val="accent1"/>
+          </a:effectRef>
+          <a:fontRef idx="minor">
+            <a:schemeClr val="tx1"/>
+          </a:fontRef>
+        </p:style>
+      </p:cxnSp>
+      <p:cxnSp>
+        <p:nvCxnSpPr>
+          <p:cNvPr id="76" name="Gerade Verbindung mit Pfeil 75"/>
+          <p:cNvCxnSpPr>
+            <a:cxnSpLocks/>
+            <a:stCxn id="78" idx="1"/>
+            <a:endCxn id="40" idx="3"/>
+          </p:cNvCxnSpPr>
+          <p:nvPr/>
+        </p:nvCxnSpPr>
+        <p:spPr>
+          <a:xfrm flipH="1" flipV="1">
+            <a:off x="8679198" y="2436880"/>
+            <a:ext cx="1428653" cy="1566340"/>
+          </a:xfrm>
+          <a:prstGeom prst="straightConnector1">
+            <a:avLst/>
+          </a:prstGeom>
+          <a:ln w="57150">
+            <a:solidFill>
+              <a:schemeClr val="accent1">
+                <a:lumMod val="50000"/>
+              </a:schemeClr>
+            </a:solidFill>
+            <a:tailEnd type="triangle"/>
+          </a:ln>
+        </p:spPr>
+        <p:style>
+          <a:lnRef idx="1">
+            <a:schemeClr val="accent1"/>
+          </a:lnRef>
+          <a:fillRef idx="0">
+            <a:schemeClr val="accent1"/>
+          </a:fillRef>
+          <a:effectRef idx="0">
+            <a:schemeClr val="accent1"/>
+          </a:effectRef>
+          <a:fontRef idx="minor">
+            <a:schemeClr val="tx1"/>
+          </a:fontRef>
+        </p:style>
+      </p:cxnSp>
+      <p:cxnSp>
+        <p:nvCxnSpPr>
+          <p:cNvPr id="82" name="Gerade Verbindung mit Pfeil 81"/>
+          <p:cNvCxnSpPr>
+            <a:cxnSpLocks/>
+            <a:stCxn id="80" idx="1"/>
+            <a:endCxn id="41" idx="3"/>
+          </p:cNvCxnSpPr>
+          <p:nvPr/>
+        </p:nvCxnSpPr>
+        <p:spPr>
+          <a:xfrm flipH="1" flipV="1">
+            <a:off x="8577598" y="2373355"/>
+            <a:ext cx="1529609" cy="2556256"/>
+          </a:xfrm>
+          <a:prstGeom prst="straightConnector1">
+            <a:avLst/>
+          </a:prstGeom>
+          <a:ln w="57150">
+            <a:solidFill>
+              <a:schemeClr val="accent1">
+                <a:lumMod val="50000"/>
+              </a:schemeClr>
+            </a:solidFill>
+            <a:tailEnd type="triangle"/>
+          </a:ln>
+        </p:spPr>
+        <p:style>
+          <a:lnRef idx="1">
+            <a:schemeClr val="accent1"/>
+          </a:lnRef>
+          <a:fillRef idx="0">
+            <a:schemeClr val="accent1"/>
+          </a:fillRef>
+          <a:effectRef idx="0">
+            <a:schemeClr val="accent1"/>
+          </a:effectRef>
+          <a:fontRef idx="minor">
+            <a:schemeClr val="tx1"/>
+          </a:fontRef>
+        </p:style>
+      </p:cxnSp>
+      <p:grpSp>
+        <p:nvGrpSpPr>
+          <p:cNvPr id="77" name="Gruppieren 76"/>
+          <p:cNvGrpSpPr/>
+          <p:nvPr/>
+        </p:nvGrpSpPr>
+        <p:grpSpPr>
+          <a:xfrm>
+            <a:off x="992964" y="3234372"/>
+            <a:ext cx="1083786" cy="1083786"/>
+            <a:chOff x="1306727" y="4032727"/>
+            <a:chExt cx="1083786" cy="1083786"/>
+          </a:xfrm>
+        </p:grpSpPr>
+        <p:pic>
+          <p:nvPicPr>
+            <p:cNvPr id="65" name="Grafik 64" descr="Papier"/>
+            <p:cNvPicPr>
+              <a:picLocks noChangeAspect="1"/>
+            </p:cNvPicPr>
+            <p:nvPr/>
+          </p:nvPicPr>
+          <p:blipFill>
+            <a:blip r:embed="rId10">
+              <a:extLst>
+                <a:ext uri="{28A0092B-C50C-407E-A947-70E740481C1C}">
+                  <a14:useLocalDpi xmlns:a14="http://schemas.microsoft.com/office/drawing/2010/main" val="0"/>
+                </a:ext>
+                <a:ext uri="{96DAC541-7B7A-43D3-8B79-37D633B846F1}">
+                  <asvg:svgBlip xmlns:asvg="http://schemas.microsoft.com/office/drawing/2016/SVG/main" r:embed="rId11"/>
+                </a:ext>
+              </a:extLst>
+            </a:blip>
+            <a:stretch>
+              <a:fillRect/>
+            </a:stretch>
+          </p:blipFill>
+          <p:spPr>
+            <a:xfrm>
+              <a:off x="1306727" y="4032727"/>
+              <a:ext cx="1083786" cy="1083786"/>
+            </a:xfrm>
+            <a:prstGeom prst="rect">
+              <a:avLst/>
+            </a:prstGeom>
+          </p:spPr>
+        </p:pic>
+        <p:sp>
+          <p:nvSpPr>
+            <p:cNvPr id="75" name="Textfeld 74"/>
+            <p:cNvSpPr txBox="1"/>
+            <p:nvPr/>
+          </p:nvSpPr>
+          <p:spPr>
+            <a:xfrm>
+              <a:off x="1516784" y="4483309"/>
+              <a:ext cx="706721" cy="369332"/>
+            </a:xfrm>
+            <a:prstGeom prst="rect">
+              <a:avLst/>
+            </a:prstGeom>
+            <a:noFill/>
+          </p:spPr>
+          <p:txBody>
+            <a:bodyPr wrap="square" rtlCol="0">
+              <a:spAutoFit/>
+            </a:bodyPr>
+            <a:lstStyle/>
+            <a:p>
+              <a:r>
+                <a:rPr lang="de-DE" b="1" dirty="0"/>
+                <a:t>OWL</a:t>
+              </a:r>
+            </a:p>
+          </p:txBody>
+        </p:sp>
+      </p:grpSp>
+      <p:pic>
+        <p:nvPicPr>
+          <p:cNvPr id="92" name="Grafik 91"/>
+          <p:cNvPicPr>
+            <a:picLocks noChangeAspect="1"/>
+          </p:cNvPicPr>
+          <p:nvPr/>
+        </p:nvPicPr>
+        <p:blipFill>
+          <a:blip r:embed="rId12" cstate="print">
+            <a:extLst>
+              <a:ext uri="{28A0092B-C50C-407E-A947-70E740481C1C}">
+                <a14:useLocalDpi xmlns:a14="http://schemas.microsoft.com/office/drawing/2010/main" val="0"/>
+              </a:ext>
+            </a:extLst>
+          </a:blip>
+          <a:stretch>
+            <a:fillRect/>
+          </a:stretch>
+        </p:blipFill>
+        <p:spPr>
+          <a:xfrm>
+            <a:off x="2626970" y="3566847"/>
+            <a:ext cx="601448" cy="422019"/>
+          </a:xfrm>
+          <a:prstGeom prst="rect">
+            <a:avLst/>
+          </a:prstGeom>
+        </p:spPr>
+      </p:pic>
+      <p:cxnSp>
+        <p:nvCxnSpPr>
+          <p:cNvPr id="93" name="Gewinkelte Verbindung 20"/>
+          <p:cNvCxnSpPr>
+            <a:cxnSpLocks/>
+            <a:stCxn id="65" idx="3"/>
+            <a:endCxn id="92" idx="1"/>
+          </p:cNvCxnSpPr>
+          <p:nvPr/>
+        </p:nvCxnSpPr>
+        <p:spPr>
+          <a:xfrm>
+            <a:off x="2076750" y="3776265"/>
+            <a:ext cx="550220" cy="1592"/>
+          </a:xfrm>
+          <a:prstGeom prst="bentConnector3">
+            <a:avLst>
+              <a:gd name="adj1" fmla="val 50000"/>
+            </a:avLst>
+          </a:prstGeom>
+          <a:ln w="57150">
+            <a:solidFill>
+              <a:schemeClr val="accent1">
+                <a:lumMod val="50000"/>
+              </a:schemeClr>
+            </a:solidFill>
+            <a:tailEnd type="triangle"/>
+          </a:ln>
+        </p:spPr>
+        <p:style>
+          <a:lnRef idx="1">
+            <a:schemeClr val="accent1"/>
+          </a:lnRef>
+          <a:fillRef idx="0">
+            <a:schemeClr val="accent1"/>
+          </a:fillRef>
+          <a:effectRef idx="0">
+            <a:schemeClr val="accent1"/>
+          </a:effectRef>
+          <a:fontRef idx="minor">
+            <a:schemeClr val="tx1"/>
+          </a:fontRef>
+        </p:style>
+      </p:cxnSp>
+      <p:pic>
+        <p:nvPicPr>
+          <p:cNvPr id="114" name="Grafik 113"/>
+          <p:cNvPicPr>
+            <a:picLocks noChangeAspect="1"/>
+          </p:cNvPicPr>
+          <p:nvPr/>
+        </p:nvPicPr>
+        <p:blipFill>
+          <a:blip r:embed="rId13" cstate="print">
+            <a:extLst>
+              <a:ext uri="{28A0092B-C50C-407E-A947-70E740481C1C}">
+                <a14:useLocalDpi xmlns:a14="http://schemas.microsoft.com/office/drawing/2010/main" val="0"/>
+              </a:ext>
+            </a:extLst>
+          </a:blip>
+          <a:stretch>
+            <a:fillRect/>
+          </a:stretch>
+        </p:blipFill>
+        <p:spPr>
+          <a:xfrm>
+            <a:off x="5780711" y="3365013"/>
+            <a:ext cx="1277983" cy="827238"/>
+          </a:xfrm>
+          <a:prstGeom prst="rect">
+            <a:avLst/>
+          </a:prstGeom>
+        </p:spPr>
+      </p:pic>
+      <p:cxnSp>
+        <p:nvCxnSpPr>
+          <p:cNvPr id="115" name="Gewinkelte Verbindung 20"/>
+          <p:cNvCxnSpPr>
+            <a:cxnSpLocks/>
+            <a:stCxn id="63" idx="1"/>
+            <a:endCxn id="114" idx="3"/>
+          </p:cNvCxnSpPr>
+          <p:nvPr/>
+        </p:nvCxnSpPr>
+        <p:spPr>
+          <a:xfrm rot="10800000">
+            <a:off x="7058694" y="3778632"/>
+            <a:ext cx="461282" cy="350"/>
+          </a:xfrm>
+          <a:prstGeom prst="bentConnector3">
+            <a:avLst>
+              <a:gd name="adj1" fmla="val 50000"/>
+            </a:avLst>
+          </a:prstGeom>
+          <a:ln w="57150">
+            <a:solidFill>
+              <a:schemeClr val="accent1">
+                <a:lumMod val="50000"/>
+              </a:schemeClr>
+            </a:solidFill>
+            <a:tailEnd type="triangle"/>
+          </a:ln>
+        </p:spPr>
+        <p:style>
+          <a:lnRef idx="1">
+            <a:schemeClr val="accent1"/>
+          </a:lnRef>
+          <a:fillRef idx="0">
+            <a:schemeClr val="accent1"/>
+          </a:fillRef>
+          <a:effectRef idx="0">
+            <a:schemeClr val="accent1"/>
+          </a:effectRef>
+          <a:fontRef idx="minor">
+            <a:schemeClr val="tx1"/>
+          </a:fontRef>
+        </p:style>
+      </p:cxnSp>
+      <p:pic>
+        <p:nvPicPr>
+          <p:cNvPr id="120" name="Grafik 119"/>
+          <p:cNvPicPr>
+            <a:picLocks noChangeAspect="1"/>
+          </p:cNvPicPr>
+          <p:nvPr/>
+        </p:nvPicPr>
+        <p:blipFill>
+          <a:blip r:embed="rId12" cstate="print">
+            <a:duotone>
+              <a:schemeClr val="accent1">
+                <a:shade val="45000"/>
+                <a:satMod val="135000"/>
+              </a:schemeClr>
+              <a:prstClr val="white"/>
+            </a:duotone>
+            <a:extLst>
+              <a:ext uri="{28A0092B-C50C-407E-A947-70E740481C1C}">
+                <a14:useLocalDpi xmlns:a14="http://schemas.microsoft.com/office/drawing/2010/main" val="0"/>
+              </a:ext>
+            </a:extLst>
+          </a:blip>
+          <a:stretch>
+            <a:fillRect/>
+          </a:stretch>
+        </p:blipFill>
+        <p:spPr>
+          <a:xfrm>
+            <a:off x="3513963" y="3219203"/>
+            <a:ext cx="1917018" cy="1125328"/>
+          </a:xfrm>
+          <a:prstGeom prst="rect">
+            <a:avLst/>
+          </a:prstGeom>
+        </p:spPr>
+      </p:pic>
+      <p:pic>
+        <p:nvPicPr>
+          <p:cNvPr id="111" name="Grafik 110" descr="Kopf mit Zahnrädern"/>
+          <p:cNvPicPr>
+            <a:picLocks noChangeAspect="1"/>
+          </p:cNvPicPr>
+          <p:nvPr/>
+        </p:nvPicPr>
+        <p:blipFill>
+          <a:blip r:embed="rId14">
+            <a:extLst>
+              <a:ext uri="{28A0092B-C50C-407E-A947-70E740481C1C}">
+                <a14:useLocalDpi xmlns:a14="http://schemas.microsoft.com/office/drawing/2010/main" val="0"/>
+              </a:ext>
+              <a:ext uri="{96DAC541-7B7A-43D3-8B79-37D633B846F1}">
+                <asvg:svgBlip xmlns:asvg="http://schemas.microsoft.com/office/drawing/2016/SVG/main" r:embed="rId15"/>
+              </a:ext>
+            </a:extLst>
+          </a:blip>
+          <a:stretch>
+            <a:fillRect/>
+          </a:stretch>
+        </p:blipFill>
+        <p:spPr>
+          <a:xfrm>
+            <a:off x="4076314" y="3543348"/>
+            <a:ext cx="801131" cy="801131"/>
+          </a:xfrm>
+          <a:prstGeom prst="rect">
+            <a:avLst/>
+          </a:prstGeom>
+        </p:spPr>
+      </p:pic>
+      <p:cxnSp>
+        <p:nvCxnSpPr>
+          <p:cNvPr id="122" name="Gewinkelte Verbindung 20"/>
+          <p:cNvCxnSpPr>
+            <a:cxnSpLocks/>
+            <a:stCxn id="114" idx="1"/>
+            <a:endCxn id="120" idx="3"/>
+          </p:cNvCxnSpPr>
+          <p:nvPr/>
+        </p:nvCxnSpPr>
+        <p:spPr>
+          <a:xfrm rot="10800000" flipV="1">
+            <a:off x="5430981" y="3778631"/>
+            <a:ext cx="349730" cy="3235"/>
+          </a:xfrm>
+          <a:prstGeom prst="bentConnector3">
+            <a:avLst>
+              <a:gd name="adj1" fmla="val 50000"/>
+            </a:avLst>
+          </a:prstGeom>
+          <a:ln w="57150">
+            <a:solidFill>
+              <a:schemeClr val="accent1">
+                <a:lumMod val="50000"/>
+              </a:schemeClr>
+            </a:solidFill>
+            <a:tailEnd type="triangle"/>
+          </a:ln>
+        </p:spPr>
+        <p:style>
+          <a:lnRef idx="1">
+            <a:schemeClr val="accent1"/>
+          </a:lnRef>
+          <a:fillRef idx="0">
+            <a:schemeClr val="accent1"/>
+          </a:fillRef>
+          <a:effectRef idx="0">
+            <a:schemeClr val="accent1"/>
+          </a:effectRef>
+          <a:fontRef idx="minor">
+            <a:schemeClr val="tx1"/>
+          </a:fontRef>
+        </p:style>
+      </p:cxnSp>
+      <p:cxnSp>
+        <p:nvCxnSpPr>
+          <p:cNvPr id="147" name="Gerade Verbindung mit Pfeil 146"/>
+          <p:cNvCxnSpPr>
+            <a:cxnSpLocks/>
+            <a:stCxn id="92" idx="3"/>
+            <a:endCxn id="120" idx="1"/>
+          </p:cNvCxnSpPr>
+          <p:nvPr/>
+        </p:nvCxnSpPr>
+        <p:spPr>
+          <a:xfrm>
+            <a:off x="3228418" y="3777857"/>
+            <a:ext cx="285545" cy="4010"/>
+          </a:xfrm>
+          <a:prstGeom prst="straightConnector1">
+            <a:avLst/>
+          </a:prstGeom>
+          <a:ln w="57150">
+            <a:solidFill>
+              <a:schemeClr val="accent1">
+                <a:lumMod val="50000"/>
+              </a:schemeClr>
+            </a:solidFill>
+            <a:tailEnd type="triangle"/>
+          </a:ln>
+        </p:spPr>
+        <p:style>
+          <a:lnRef idx="1">
+            <a:schemeClr val="accent1"/>
+          </a:lnRef>
+          <a:fillRef idx="0">
+            <a:schemeClr val="accent1"/>
+          </a:fillRef>
+          <a:effectRef idx="0">
+            <a:schemeClr val="accent1"/>
+          </a:effectRef>
+          <a:fontRef idx="minor">
+            <a:schemeClr val="tx1"/>
+          </a:fontRef>
+        </p:style>
+      </p:cxnSp>
+      <p:cxnSp>
+        <p:nvCxnSpPr>
+          <p:cNvPr id="156" name="Gewinkelte Verbindung 20"/>
+          <p:cNvCxnSpPr>
+            <a:cxnSpLocks/>
+            <a:endCxn id="134" idx="0"/>
+          </p:cNvCxnSpPr>
+          <p:nvPr/>
+        </p:nvCxnSpPr>
+        <p:spPr>
+          <a:xfrm rot="5400000">
+            <a:off x="4159915" y="5225898"/>
+            <a:ext cx="592571" cy="1"/>
+          </a:xfrm>
+          <a:prstGeom prst="bentConnector3">
+            <a:avLst>
+              <a:gd name="adj1" fmla="val 50000"/>
+            </a:avLst>
+          </a:prstGeom>
+          <a:ln w="57150">
+            <a:solidFill>
+              <a:schemeClr val="accent1">
+                <a:lumMod val="50000"/>
+              </a:schemeClr>
+            </a:solidFill>
+            <a:tailEnd type="triangle"/>
+          </a:ln>
+        </p:spPr>
+        <p:style>
+          <a:lnRef idx="1">
+            <a:schemeClr val="accent1"/>
+          </a:lnRef>
+          <a:fillRef idx="0">
+            <a:schemeClr val="accent1"/>
+          </a:fillRef>
+          <a:effectRef idx="0">
+            <a:schemeClr val="accent1"/>
+          </a:effectRef>
+          <a:fontRef idx="minor">
+            <a:schemeClr val="tx1"/>
+          </a:fontRef>
+        </p:style>
+      </p:cxnSp>
+      <p:cxnSp>
+        <p:nvCxnSpPr>
+          <p:cNvPr id="203" name="Gerader Verbinder 202"/>
+          <p:cNvCxnSpPr/>
+          <p:nvPr/>
+        </p:nvCxnSpPr>
+        <p:spPr>
+          <a:xfrm>
+            <a:off x="2163607" y="1536071"/>
+            <a:ext cx="11586" cy="4815684"/>
+          </a:xfrm>
+          <a:prstGeom prst="line">
+            <a:avLst/>
+          </a:prstGeom>
+          <a:noFill/>
+          <a:ln>
+            <a:solidFill>
+              <a:schemeClr val="accent1"/>
+            </a:solidFill>
+            <a:prstDash val="dash"/>
+          </a:ln>
+        </p:spPr>
+        <p:style>
+          <a:lnRef idx="2">
+            <a:schemeClr val="accent1">
+              <a:shade val="50000"/>
+            </a:schemeClr>
+          </a:lnRef>
+          <a:fillRef idx="1">
+            <a:schemeClr val="accent1"/>
+          </a:fillRef>
+          <a:effectRef idx="0">
+            <a:schemeClr val="accent1"/>
+          </a:effectRef>
+          <a:fontRef idx="minor">
+            <a:schemeClr val="lt1"/>
+          </a:fontRef>
+        </p:style>
+      </p:cxnSp>
+      <p:cxnSp>
+        <p:nvCxnSpPr>
+          <p:cNvPr id="208" name="Gewinkelte Verbindung 20"/>
+          <p:cNvCxnSpPr>
+            <a:cxnSpLocks/>
+            <a:stCxn id="136" idx="1"/>
+          </p:cNvCxnSpPr>
+          <p:nvPr/>
+        </p:nvCxnSpPr>
+        <p:spPr>
+          <a:xfrm rot="10800000" flipV="1">
+            <a:off x="1291235" y="5853670"/>
+            <a:ext cx="2383062" cy="4144"/>
+          </a:xfrm>
+          <a:prstGeom prst="bentConnector3">
+            <a:avLst>
+              <a:gd name="adj1" fmla="val 50000"/>
+            </a:avLst>
+          </a:prstGeom>
+          <a:ln w="57150">
+            <a:solidFill>
+              <a:schemeClr val="accent1">
+                <a:lumMod val="50000"/>
+              </a:schemeClr>
+            </a:solidFill>
+            <a:tailEnd type="triangle"/>
+          </a:ln>
+        </p:spPr>
+        <p:style>
+          <a:lnRef idx="1">
+            <a:schemeClr val="accent1"/>
+          </a:lnRef>
+          <a:fillRef idx="0">
+            <a:schemeClr val="accent1"/>
+          </a:fillRef>
+          <a:effectRef idx="0">
+            <a:schemeClr val="accent1"/>
+          </a:effectRef>
+          <a:fontRef idx="minor">
+            <a:schemeClr val="tx1"/>
+          </a:fontRef>
+        </p:style>
+      </p:cxnSp>
+      <p:grpSp>
+        <p:nvGrpSpPr>
+          <p:cNvPr id="142" name="Gruppieren 141"/>
+          <p:cNvGrpSpPr/>
+          <p:nvPr/>
+        </p:nvGrpSpPr>
+        <p:grpSpPr>
+          <a:xfrm>
+            <a:off x="3674297" y="5261942"/>
+            <a:ext cx="2354451" cy="1255443"/>
+            <a:chOff x="5906520" y="5648127"/>
+            <a:chExt cx="1684080" cy="897987"/>
+          </a:xfrm>
+        </p:grpSpPr>
+        <p:pic>
+          <p:nvPicPr>
+            <p:cNvPr id="134" name="Grafik 133" descr="Netzwerk"/>
+            <p:cNvPicPr>
+              <a:picLocks noChangeAspect="1"/>
+            </p:cNvPicPr>
+            <p:nvPr/>
+          </p:nvPicPr>
+          <p:blipFill>
+            <a:blip r:embed="rId16" cstate="print">
+              <a:extLst>
+                <a:ext uri="{28A0092B-C50C-407E-A947-70E740481C1C}">
+                  <a14:useLocalDpi xmlns:a14="http://schemas.microsoft.com/office/drawing/2010/main" val="0"/>
+                </a:ext>
+                <a:ext uri="{96DAC541-7B7A-43D3-8B79-37D633B846F1}">
+                  <asvg:svgBlip xmlns:asvg="http://schemas.microsoft.com/office/drawing/2016/SVG/main" r:embed="rId17"/>
+                </a:ext>
+              </a:extLst>
+            </a:blip>
+            <a:stretch>
+              <a:fillRect/>
+            </a:stretch>
+          </p:blipFill>
+          <p:spPr>
+            <a:xfrm rot="20111766">
+              <a:off x="6249197" y="5799850"/>
+              <a:ext cx="746264" cy="746264"/>
+            </a:xfrm>
+            <a:prstGeom prst="rect">
+              <a:avLst/>
+            </a:prstGeom>
+          </p:spPr>
+        </p:pic>
+        <p:pic>
+          <p:nvPicPr>
+            <p:cNvPr id="135" name="Grafik 134" descr="Benutzer"/>
+            <p:cNvPicPr>
+              <a:picLocks noChangeAspect="1"/>
+            </p:cNvPicPr>
+            <p:nvPr/>
+          </p:nvPicPr>
+          <p:blipFill>
+            <a:blip r:embed="rId6" cstate="print">
+              <a:extLst>
+                <a:ext uri="{28A0092B-C50C-407E-A947-70E740481C1C}">
+                  <a14:useLocalDpi xmlns:a14="http://schemas.microsoft.com/office/drawing/2010/main" val="0"/>
+                </a:ext>
+                <a:ext uri="{96DAC541-7B7A-43D3-8B79-37D633B846F1}">
+                  <asvg:svgBlip xmlns:asvg="http://schemas.microsoft.com/office/drawing/2016/SVG/main" r:embed="rId7"/>
+                </a:ext>
+              </a:extLst>
+            </a:blip>
+            <a:stretch>
+              <a:fillRect/>
+            </a:stretch>
+          </p:blipFill>
+          <p:spPr>
+            <a:xfrm>
+              <a:off x="6636436" y="5676473"/>
+              <a:ext cx="505454" cy="505454"/>
+            </a:xfrm>
+            <a:prstGeom prst="rect">
+              <a:avLst/>
+            </a:prstGeom>
+          </p:spPr>
+        </p:pic>
+        <p:pic>
+          <p:nvPicPr>
+            <p:cNvPr id="136" name="Picture 4" descr="City hall building Free Icon"/>
+            <p:cNvPicPr>
+              <a:picLocks noChangeAspect="1" noChangeArrowheads="1"/>
+            </p:cNvPicPr>
+            <p:nvPr/>
+          </p:nvPicPr>
+          <p:blipFill>
+            <a:blip r:embed="rId18" cstate="print">
+              <a:extLst>
+                <a:ext uri="{BEBA8EAE-BF5A-486C-A8C5-ECC9F3942E4B}">
+                  <a14:imgProps xmlns:a14="http://schemas.microsoft.com/office/drawing/2010/main">
+                    <a14:imgLayer r:embed="rId19">
+                      <a14:imgEffect>
+                        <a14:backgroundRemoval t="9425" b="94089" l="0" r="100000">
+                          <a14:foregroundMark x1="5272" y1="63419" x2="5272" y2="63419"/>
+                          <a14:foregroundMark x1="40096" y1="85144" x2="40096" y2="85144"/>
+                          <a14:foregroundMark x1="87700" y1="79233" x2="87700" y2="79233"/>
+                        </a14:backgroundRemoval>
+                      </a14:imgEffect>
+                    </a14:imgLayer>
+                  </a14:imgProps>
+                </a:ext>
+                <a:ext uri="{28A0092B-C50C-407E-A947-70E740481C1C}">
+                  <a14:useLocalDpi xmlns:a14="http://schemas.microsoft.com/office/drawing/2010/main" val="0"/>
+                </a:ext>
+              </a:extLst>
+            </a:blip>
+            <a:srcRect/>
+            <a:stretch>
+              <a:fillRect/>
+            </a:stretch>
+          </p:blipFill>
+          <p:spPr bwMode="auto">
+            <a:xfrm>
+              <a:off x="5906520" y="5798796"/>
+              <a:ext cx="545158" cy="545158"/>
+            </a:xfrm>
+            <a:prstGeom prst="rect">
+              <a:avLst/>
+            </a:prstGeom>
+            <a:noFill/>
+          </p:spPr>
+        </p:pic>
+        <p:pic>
+          <p:nvPicPr>
+            <p:cNvPr id="137" name="Grafik 136"/>
+            <p:cNvPicPr>
+              <a:picLocks noChangeAspect="1"/>
+            </p:cNvPicPr>
+            <p:nvPr/>
+          </p:nvPicPr>
+          <p:blipFill rotWithShape="1">
+            <a:blip r:embed="rId20" cstate="print">
+              <a:extLst>
+                <a:ext uri="{28A0092B-C50C-407E-A947-70E740481C1C}">
+                  <a14:useLocalDpi xmlns:a14="http://schemas.microsoft.com/office/drawing/2010/main" val="0"/>
+                </a:ext>
+              </a:extLst>
+            </a:blip>
+            <a:srcRect l="20002" t="30011" r="18445" b="12840"/>
+            <a:stretch/>
+          </p:blipFill>
+          <p:spPr>
+            <a:xfrm>
+              <a:off x="7062695" y="5648127"/>
+              <a:ext cx="527905" cy="490126"/>
+            </a:xfrm>
+            <a:prstGeom prst="rect">
+              <a:avLst/>
+            </a:prstGeom>
+          </p:spPr>
+        </p:pic>
+      </p:grpSp>
+      <p:pic>
+        <p:nvPicPr>
+          <p:cNvPr id="128" name="Grafik 127" descr="Filter"/>
+          <p:cNvPicPr>
+            <a:picLocks noChangeAspect="1"/>
+          </p:cNvPicPr>
+          <p:nvPr/>
+        </p:nvPicPr>
+        <p:blipFill>
+          <a:blip r:embed="rId21" cstate="print">
+            <a:extLst>
+              <a:ext uri="{28A0092B-C50C-407E-A947-70E740481C1C}">
+                <a14:useLocalDpi xmlns:a14="http://schemas.microsoft.com/office/drawing/2010/main" val="0"/>
+              </a:ext>
+              <a:ext uri="{96DAC541-7B7A-43D3-8B79-37D633B846F1}">
+                <asvg:svgBlip xmlns:asvg="http://schemas.microsoft.com/office/drawing/2016/SVG/main" r:embed="rId22"/>
+              </a:ext>
+            </a:extLst>
+          </a:blip>
+          <a:stretch>
+            <a:fillRect/>
+          </a:stretch>
+        </p:blipFill>
+        <p:spPr>
+          <a:xfrm>
+            <a:off x="3652935" y="4268085"/>
+            <a:ext cx="1606550" cy="826697"/>
+          </a:xfrm>
+          <a:prstGeom prst="rect">
+            <a:avLst/>
+          </a:prstGeom>
+        </p:spPr>
+      </p:pic>
+      <p:pic>
+        <p:nvPicPr>
+          <p:cNvPr id="213" name="Grafik 212" descr="Prüfliste"/>
+          <p:cNvPicPr>
+            <a:picLocks noChangeAspect="1"/>
+          </p:cNvPicPr>
+          <p:nvPr/>
+        </p:nvPicPr>
+        <p:blipFill>
+          <a:blip r:embed="rId23" cstate="print">
+            <a:extLst>
+              <a:ext uri="{28A0092B-C50C-407E-A947-70E740481C1C}">
+                <a14:useLocalDpi xmlns:a14="http://schemas.microsoft.com/office/drawing/2010/main" val="0"/>
+              </a:ext>
+              <a:ext uri="{96DAC541-7B7A-43D3-8B79-37D633B846F1}">
+                <asvg:svgBlip xmlns:asvg="http://schemas.microsoft.com/office/drawing/2016/SVG/main" r:embed="rId24"/>
+              </a:ext>
+            </a:extLst>
+          </a:blip>
+          <a:stretch>
+            <a:fillRect/>
+          </a:stretch>
+        </p:blipFill>
+        <p:spPr>
+          <a:xfrm>
+            <a:off x="1116174" y="4262421"/>
+            <a:ext cx="832361" cy="832361"/>
+          </a:xfrm>
+          <a:prstGeom prst="rect">
+            <a:avLst/>
+          </a:prstGeom>
+        </p:spPr>
+      </p:pic>
+      <p:cxnSp>
+        <p:nvCxnSpPr>
+          <p:cNvPr id="214" name="Gewinkelte Verbindung 20"/>
+          <p:cNvCxnSpPr>
+            <a:cxnSpLocks/>
+            <a:stCxn id="213" idx="3"/>
+            <a:endCxn id="128" idx="1"/>
+          </p:cNvCxnSpPr>
+          <p:nvPr/>
+        </p:nvCxnSpPr>
+        <p:spPr>
+          <a:xfrm>
+            <a:off x="1948535" y="4678602"/>
+            <a:ext cx="1704400" cy="2832"/>
+          </a:xfrm>
+          <a:prstGeom prst="bentConnector3">
+            <a:avLst>
+              <a:gd name="adj1" fmla="val 50000"/>
+            </a:avLst>
+          </a:prstGeom>
+          <a:ln w="57150">
+            <a:solidFill>
+              <a:schemeClr val="accent1">
+                <a:lumMod val="50000"/>
+              </a:schemeClr>
+            </a:solidFill>
+            <a:tailEnd type="triangle"/>
+          </a:ln>
+        </p:spPr>
+        <p:style>
+          <a:lnRef idx="1">
+            <a:schemeClr val="accent1"/>
+          </a:lnRef>
+          <a:fillRef idx="0">
+            <a:schemeClr val="accent1"/>
+          </a:fillRef>
+          <a:effectRef idx="0">
+            <a:schemeClr val="accent1"/>
+          </a:effectRef>
+          <a:fontRef idx="minor">
+            <a:schemeClr val="tx1"/>
+          </a:fontRef>
+        </p:style>
+      </p:cxnSp>
+    </p:spTree>
+    <p:extLst>
+      <p:ext uri="{BB962C8B-B14F-4D97-AF65-F5344CB8AC3E}">
+        <p14:creationId xmlns:p14="http://schemas.microsoft.com/office/powerpoint/2010/main" val="3535157129"/>
+      </p:ext>
+    </p:extLst>
+  </p:cSld>
+  <p:clrMapOvr>
+    <a:masterClrMapping/>
+  </p:clrMapOvr>
+  <p:timing>
+    <p:tnLst>
+      <p:par>
+        <p:cTn id="1" dur="indefinite" restart="never" nodeType="tmRoot">
+          <p:childTnLst>
+            <p:seq concurrent="1" nextAc="seek">
+              <p:cTn id="2" dur="indefinite" nodeType="mainSeq">
+                <p:childTnLst>
+                  <p:par>
+                    <p:cTn id="3" fill="hold">
+                      <p:stCondLst>
+                        <p:cond delay="indefinite"/>
+                      </p:stCondLst>
+                      <p:childTnLst>
+                        <p:par>
+                          <p:cTn id="4" fill="hold">
+                            <p:stCondLst>
+                              <p:cond delay="0"/>
+                            </p:stCondLst>
+                            <p:childTnLst>
+                              <p:par>
+                                <p:cTn id="5" presetID="1" presetClass="entr" presetSubtype="0" fill="hold" nodeType="clickEffect">
+                                  <p:stCondLst>
+                                    <p:cond delay="0"/>
+                                  </p:stCondLst>
+                                  <p:childTnLst>
+                                    <p:set>
+                                      <p:cBhvr>
+                                        <p:cTn id="6" dur="1" fill="hold">
+                                          <p:stCondLst>
+                                            <p:cond delay="0"/>
+                                          </p:stCondLst>
+                                        </p:cTn>
+                                        <p:tgtEl>
+                                          <p:spTgt spid="70"/>
+                                        </p:tgtEl>
+                                        <p:attrNameLst>
+                                          <p:attrName>style.visibility</p:attrName>
+                                        </p:attrNameLst>
+                                      </p:cBhvr>
+                                      <p:to>
+                                        <p:strVal val="visible"/>
+                                      </p:to>
+                                    </p:set>
+                                  </p:childTnLst>
+                                </p:cTn>
+                              </p:par>
+                              <p:par>
+                                <p:cTn id="7" presetID="1" presetClass="entr" presetSubtype="0" fill="hold" nodeType="withEffect">
+                                  <p:stCondLst>
+                                    <p:cond delay="0"/>
+                                  </p:stCondLst>
+                                  <p:childTnLst>
+                                    <p:set>
+                                      <p:cBhvr>
+                                        <p:cTn id="8" dur="1" fill="hold">
+                                          <p:stCondLst>
+                                            <p:cond delay="0"/>
+                                          </p:stCondLst>
+                                        </p:cTn>
+                                        <p:tgtEl>
+                                          <p:spTgt spid="69"/>
+                                        </p:tgtEl>
+                                        <p:attrNameLst>
+                                          <p:attrName>style.visibility</p:attrName>
+                                        </p:attrNameLst>
+                                      </p:cBhvr>
+                                      <p:to>
+                                        <p:strVal val="visible"/>
+                                      </p:to>
+                                    </p:set>
+                                  </p:childTnLst>
+                                </p:cTn>
+                              </p:par>
+                              <p:par>
+                                <p:cTn id="9" presetID="1" presetClass="entr" presetSubtype="0" fill="hold" nodeType="withEffect">
+                                  <p:stCondLst>
+                                    <p:cond delay="0"/>
+                                  </p:stCondLst>
+                                  <p:childTnLst>
+                                    <p:set>
+                                      <p:cBhvr>
+                                        <p:cTn id="10" dur="1" fill="hold">
+                                          <p:stCondLst>
+                                            <p:cond delay="0"/>
+                                          </p:stCondLst>
+                                        </p:cTn>
+                                        <p:tgtEl>
+                                          <p:spTgt spid="64"/>
+                                        </p:tgtEl>
+                                        <p:attrNameLst>
+                                          <p:attrName>style.visibility</p:attrName>
+                                        </p:attrNameLst>
+                                      </p:cBhvr>
+                                      <p:to>
+                                        <p:strVal val="visible"/>
+                                      </p:to>
+                                    </p:set>
+                                  </p:childTnLst>
+                                </p:cTn>
+                              </p:par>
+                              <p:par>
+                                <p:cTn id="11" presetID="1" presetClass="entr" presetSubtype="0" fill="hold" nodeType="withEffect">
+                                  <p:stCondLst>
+                                    <p:cond delay="0"/>
+                                  </p:stCondLst>
+                                  <p:childTnLst>
+                                    <p:set>
+                                      <p:cBhvr>
+                                        <p:cTn id="12" dur="1" fill="hold">
+                                          <p:stCondLst>
+                                            <p:cond delay="0"/>
+                                          </p:stCondLst>
+                                        </p:cTn>
+                                        <p:tgtEl>
+                                          <p:spTgt spid="115"/>
+                                        </p:tgtEl>
+                                        <p:attrNameLst>
+                                          <p:attrName>style.visibility</p:attrName>
+                                        </p:attrNameLst>
+                                      </p:cBhvr>
+                                      <p:to>
+                                        <p:strVal val="visible"/>
+                                      </p:to>
+                                    </p:set>
+                                  </p:childTnLst>
+                                </p:cTn>
+                              </p:par>
+                              <p:par>
+                                <p:cTn id="13" presetID="1" presetClass="entr" presetSubtype="0" fill="hold" nodeType="withEffect">
+                                  <p:stCondLst>
+                                    <p:cond delay="0"/>
+                                  </p:stCondLst>
+                                  <p:childTnLst>
+                                    <p:set>
+                                      <p:cBhvr>
+                                        <p:cTn id="14" dur="1" fill="hold">
+                                          <p:stCondLst>
+                                            <p:cond delay="0"/>
+                                          </p:stCondLst>
+                                        </p:cTn>
+                                        <p:tgtEl>
+                                          <p:spTgt spid="63"/>
+                                        </p:tgtEl>
+                                        <p:attrNameLst>
+                                          <p:attrName>style.visibility</p:attrName>
+                                        </p:attrNameLst>
+                                      </p:cBhvr>
+                                      <p:to>
+                                        <p:strVal val="visible"/>
+                                      </p:to>
+                                    </p:set>
+                                  </p:childTnLst>
+                                </p:cTn>
+                              </p:par>
+                              <p:par>
+                                <p:cTn id="15" presetID="1" presetClass="entr" presetSubtype="0" fill="hold" nodeType="withEffect">
+                                  <p:stCondLst>
+                                    <p:cond delay="0"/>
+                                  </p:stCondLst>
+                                  <p:childTnLst>
+                                    <p:set>
+                                      <p:cBhvr>
+                                        <p:cTn id="16" dur="1" fill="hold">
+                                          <p:stCondLst>
+                                            <p:cond delay="0"/>
+                                          </p:stCondLst>
+                                        </p:cTn>
+                                        <p:tgtEl>
+                                          <p:spTgt spid="114"/>
+                                        </p:tgtEl>
+                                        <p:attrNameLst>
+                                          <p:attrName>style.visibility</p:attrName>
+                                        </p:attrNameLst>
+                                      </p:cBhvr>
+                                      <p:to>
+                                        <p:strVal val="visible"/>
+                                      </p:to>
+                                    </p:set>
+                                  </p:childTnLst>
+                                </p:cTn>
+                              </p:par>
+                              <p:par>
+                                <p:cTn id="17" presetID="1" presetClass="entr" presetSubtype="0" fill="hold" grpId="0" nodeType="withEffect">
+                                  <p:stCondLst>
+                                    <p:cond delay="0"/>
+                                  </p:stCondLst>
+                                  <p:childTnLst>
+                                    <p:set>
+                                      <p:cBhvr>
+                                        <p:cTn id="18" dur="1" fill="hold">
+                                          <p:stCondLst>
+                                            <p:cond delay="0"/>
+                                          </p:stCondLst>
+                                        </p:cTn>
+                                        <p:tgtEl>
+                                          <p:spTgt spid="207"/>
+                                        </p:tgtEl>
+                                        <p:attrNameLst>
+                                          <p:attrName>style.visibility</p:attrName>
+                                        </p:attrNameLst>
+                                      </p:cBhvr>
+                                      <p:to>
+                                        <p:strVal val="visible"/>
+                                      </p:to>
+                                    </p:set>
+                                  </p:childTnLst>
+                                </p:cTn>
+                              </p:par>
+                            </p:childTnLst>
+                          </p:cTn>
+                        </p:par>
+                      </p:childTnLst>
+                    </p:cTn>
+                  </p:par>
+                  <p:par>
+                    <p:cTn id="19" fill="hold">
+                      <p:stCondLst>
+                        <p:cond delay="indefinite"/>
+                      </p:stCondLst>
+                      <p:childTnLst>
+                        <p:par>
+                          <p:cTn id="20" fill="hold">
+                            <p:stCondLst>
+                              <p:cond delay="0"/>
+                            </p:stCondLst>
+                            <p:childTnLst>
+                              <p:par>
+                                <p:cTn id="21" presetID="1" presetClass="entr" presetSubtype="0" fill="hold" nodeType="clickEffect">
+                                  <p:stCondLst>
+                                    <p:cond delay="0"/>
+                                  </p:stCondLst>
+                                  <p:childTnLst>
+                                    <p:set>
+                                      <p:cBhvr>
+                                        <p:cTn id="22" dur="1" fill="hold">
+                                          <p:stCondLst>
+                                            <p:cond delay="0"/>
+                                          </p:stCondLst>
+                                        </p:cTn>
+                                        <p:tgtEl>
+                                          <p:spTgt spid="77"/>
+                                        </p:tgtEl>
+                                        <p:attrNameLst>
+                                          <p:attrName>style.visibility</p:attrName>
+                                        </p:attrNameLst>
+                                      </p:cBhvr>
+                                      <p:to>
+                                        <p:strVal val="visible"/>
+                                      </p:to>
+                                    </p:set>
+                                  </p:childTnLst>
+                                </p:cTn>
+                              </p:par>
+                              <p:par>
+                                <p:cTn id="23" presetID="1" presetClass="entr" presetSubtype="0" fill="hold" nodeType="withEffect">
+                                  <p:stCondLst>
+                                    <p:cond delay="0"/>
+                                  </p:stCondLst>
+                                  <p:childTnLst>
+                                    <p:set>
+                                      <p:cBhvr>
+                                        <p:cTn id="24" dur="1" fill="hold">
+                                          <p:stCondLst>
+                                            <p:cond delay="0"/>
+                                          </p:stCondLst>
+                                        </p:cTn>
+                                        <p:tgtEl>
+                                          <p:spTgt spid="93"/>
+                                        </p:tgtEl>
+                                        <p:attrNameLst>
+                                          <p:attrName>style.visibility</p:attrName>
+                                        </p:attrNameLst>
+                                      </p:cBhvr>
+                                      <p:to>
+                                        <p:strVal val="visible"/>
+                                      </p:to>
+                                    </p:set>
+                                  </p:childTnLst>
+                                </p:cTn>
+                              </p:par>
+                              <p:par>
+                                <p:cTn id="25" presetID="1" presetClass="entr" presetSubtype="0" fill="hold" nodeType="withEffect">
+                                  <p:stCondLst>
+                                    <p:cond delay="0"/>
+                                  </p:stCondLst>
+                                  <p:childTnLst>
+                                    <p:set>
+                                      <p:cBhvr>
+                                        <p:cTn id="26" dur="1" fill="hold">
+                                          <p:stCondLst>
+                                            <p:cond delay="0"/>
+                                          </p:stCondLst>
+                                        </p:cTn>
+                                        <p:tgtEl>
+                                          <p:spTgt spid="92"/>
+                                        </p:tgtEl>
+                                        <p:attrNameLst>
+                                          <p:attrName>style.visibility</p:attrName>
+                                        </p:attrNameLst>
+                                      </p:cBhvr>
+                                      <p:to>
+                                        <p:strVal val="visible"/>
+                                      </p:to>
+                                    </p:set>
+                                  </p:childTnLst>
+                                </p:cTn>
+                              </p:par>
+                            </p:childTnLst>
+                          </p:cTn>
+                        </p:par>
+                      </p:childTnLst>
+                    </p:cTn>
+                  </p:par>
+                  <p:par>
+                    <p:cTn id="27" fill="hold">
+                      <p:stCondLst>
+                        <p:cond delay="indefinite"/>
+                      </p:stCondLst>
+                      <p:childTnLst>
+                        <p:par>
+                          <p:cTn id="28" fill="hold">
+                            <p:stCondLst>
+                              <p:cond delay="0"/>
+                            </p:stCondLst>
+                            <p:childTnLst>
+                              <p:par>
+                                <p:cTn id="29" presetID="1" presetClass="entr" presetSubtype="0" fill="hold" nodeType="clickEffect">
+                                  <p:stCondLst>
+                                    <p:cond delay="0"/>
+                                  </p:stCondLst>
+                                  <p:childTnLst>
+                                    <p:set>
+                                      <p:cBhvr>
+                                        <p:cTn id="30" dur="1" fill="hold">
+                                          <p:stCondLst>
+                                            <p:cond delay="0"/>
+                                          </p:stCondLst>
+                                        </p:cTn>
+                                        <p:tgtEl>
+                                          <p:spTgt spid="120"/>
+                                        </p:tgtEl>
+                                        <p:attrNameLst>
+                                          <p:attrName>style.visibility</p:attrName>
+                                        </p:attrNameLst>
+                                      </p:cBhvr>
+                                      <p:to>
+                                        <p:strVal val="visible"/>
+                                      </p:to>
+                                    </p:set>
+                                  </p:childTnLst>
+                                </p:cTn>
+                              </p:par>
+                              <p:par>
+                                <p:cTn id="31" presetID="1" presetClass="entr" presetSubtype="0" fill="hold" nodeType="withEffect">
+                                  <p:stCondLst>
+                                    <p:cond delay="0"/>
+                                  </p:stCondLst>
+                                  <p:childTnLst>
+                                    <p:set>
+                                      <p:cBhvr>
+                                        <p:cTn id="32" dur="1" fill="hold">
+                                          <p:stCondLst>
+                                            <p:cond delay="0"/>
+                                          </p:stCondLst>
+                                        </p:cTn>
+                                        <p:tgtEl>
+                                          <p:spTgt spid="111"/>
+                                        </p:tgtEl>
+                                        <p:attrNameLst>
+                                          <p:attrName>style.visibility</p:attrName>
+                                        </p:attrNameLst>
+                                      </p:cBhvr>
+                                      <p:to>
+                                        <p:strVal val="visible"/>
+                                      </p:to>
+                                    </p:set>
+                                  </p:childTnLst>
+                                </p:cTn>
+                              </p:par>
+                              <p:par>
+                                <p:cTn id="33" presetID="1" presetClass="entr" presetSubtype="0" fill="hold" nodeType="withEffect">
+                                  <p:stCondLst>
+                                    <p:cond delay="0"/>
+                                  </p:stCondLst>
+                                  <p:childTnLst>
+                                    <p:set>
+                                      <p:cBhvr>
+                                        <p:cTn id="34" dur="1" fill="hold">
+                                          <p:stCondLst>
+                                            <p:cond delay="0"/>
+                                          </p:stCondLst>
+                                        </p:cTn>
+                                        <p:tgtEl>
+                                          <p:spTgt spid="147"/>
+                                        </p:tgtEl>
+                                        <p:attrNameLst>
+                                          <p:attrName>style.visibility</p:attrName>
+                                        </p:attrNameLst>
+                                      </p:cBhvr>
+                                      <p:to>
+                                        <p:strVal val="visible"/>
+                                      </p:to>
+                                    </p:set>
+                                  </p:childTnLst>
+                                </p:cTn>
+                              </p:par>
+                              <p:par>
+                                <p:cTn id="35" presetID="1" presetClass="entr" presetSubtype="0" fill="hold" nodeType="withEffect">
+                                  <p:stCondLst>
+                                    <p:cond delay="0"/>
+                                  </p:stCondLst>
+                                  <p:childTnLst>
+                                    <p:set>
+                                      <p:cBhvr>
+                                        <p:cTn id="36" dur="1" fill="hold">
+                                          <p:stCondLst>
+                                            <p:cond delay="0"/>
+                                          </p:stCondLst>
+                                        </p:cTn>
+                                        <p:tgtEl>
+                                          <p:spTgt spid="122"/>
+                                        </p:tgtEl>
+                                        <p:attrNameLst>
+                                          <p:attrName>style.visibility</p:attrName>
+                                        </p:attrNameLst>
+                                      </p:cBhvr>
+                                      <p:to>
+                                        <p:strVal val="visible"/>
+                                      </p:to>
+                                    </p:set>
+                                  </p:childTnLst>
+                                </p:cTn>
+                              </p:par>
+                            </p:childTnLst>
+                          </p:cTn>
+                        </p:par>
+                      </p:childTnLst>
+                    </p:cTn>
+                  </p:par>
+                  <p:par>
+                    <p:cTn id="37" fill="hold">
+                      <p:stCondLst>
+                        <p:cond delay="indefinite"/>
+                      </p:stCondLst>
+                      <p:childTnLst>
+                        <p:par>
+                          <p:cTn id="38" fill="hold">
+                            <p:stCondLst>
+                              <p:cond delay="0"/>
+                            </p:stCondLst>
+                            <p:childTnLst>
+                              <p:par>
+                                <p:cTn id="39" presetID="1" presetClass="entr" presetSubtype="0" fill="hold" nodeType="clickEffect">
+                                  <p:stCondLst>
+                                    <p:cond delay="0"/>
+                                  </p:stCondLst>
+                                  <p:childTnLst>
+                                    <p:set>
+                                      <p:cBhvr>
+                                        <p:cTn id="40" dur="1" fill="hold">
+                                          <p:stCondLst>
+                                            <p:cond delay="0"/>
+                                          </p:stCondLst>
+                                        </p:cTn>
+                                        <p:tgtEl>
+                                          <p:spTgt spid="128"/>
+                                        </p:tgtEl>
+                                        <p:attrNameLst>
+                                          <p:attrName>style.visibility</p:attrName>
+                                        </p:attrNameLst>
+                                      </p:cBhvr>
+                                      <p:to>
+                                        <p:strVal val="visible"/>
+                                      </p:to>
+                                    </p:set>
+                                  </p:childTnLst>
+                                </p:cTn>
+                              </p:par>
+                              <p:par>
+                                <p:cTn id="41" presetID="1" presetClass="entr" presetSubtype="0" fill="hold" nodeType="withEffect">
+                                  <p:stCondLst>
+                                    <p:cond delay="0"/>
+                                  </p:stCondLst>
+                                  <p:childTnLst>
+                                    <p:set>
+                                      <p:cBhvr>
+                                        <p:cTn id="42" dur="1" fill="hold">
+                                          <p:stCondLst>
+                                            <p:cond delay="0"/>
+                                          </p:stCondLst>
+                                        </p:cTn>
+                                        <p:tgtEl>
+                                          <p:spTgt spid="156"/>
+                                        </p:tgtEl>
+                                        <p:attrNameLst>
+                                          <p:attrName>style.visibility</p:attrName>
+                                        </p:attrNameLst>
+                                      </p:cBhvr>
+                                      <p:to>
+                                        <p:strVal val="visible"/>
+                                      </p:to>
+                                    </p:set>
+                                  </p:childTnLst>
+                                </p:cTn>
+                              </p:par>
+                              <p:par>
+                                <p:cTn id="43" presetID="1" presetClass="entr" presetSubtype="0" fill="hold" nodeType="withEffect">
+                                  <p:stCondLst>
+                                    <p:cond delay="0"/>
+                                  </p:stCondLst>
+                                  <p:childTnLst>
+                                    <p:set>
+                                      <p:cBhvr>
+                                        <p:cTn id="44" dur="1" fill="hold">
+                                          <p:stCondLst>
+                                            <p:cond delay="0"/>
+                                          </p:stCondLst>
+                                        </p:cTn>
+                                        <p:tgtEl>
+                                          <p:spTgt spid="142"/>
+                                        </p:tgtEl>
+                                        <p:attrNameLst>
+                                          <p:attrName>style.visibility</p:attrName>
+                                        </p:attrNameLst>
+                                      </p:cBhvr>
+                                      <p:to>
+                                        <p:strVal val="visible"/>
+                                      </p:to>
+                                    </p:set>
+                                  </p:childTnLst>
+                                </p:cTn>
+                              </p:par>
+                              <p:par>
+                                <p:cTn id="45" presetID="1" presetClass="entr" presetSubtype="0" fill="hold" nodeType="withEffect">
+                                  <p:stCondLst>
+                                    <p:cond delay="0"/>
+                                  </p:stCondLst>
+                                  <p:childTnLst>
+                                    <p:set>
+                                      <p:cBhvr>
+                                        <p:cTn id="46" dur="1" fill="hold">
+                                          <p:stCondLst>
+                                            <p:cond delay="0"/>
+                                          </p:stCondLst>
+                                        </p:cTn>
+                                        <p:tgtEl>
+                                          <p:spTgt spid="208"/>
+                                        </p:tgtEl>
+                                        <p:attrNameLst>
+                                          <p:attrName>style.visibility</p:attrName>
+                                        </p:attrNameLst>
+                                      </p:cBhvr>
+                                      <p:to>
+                                        <p:strVal val="visible"/>
+                                      </p:to>
+                                    </p:set>
+                                  </p:childTnLst>
+                                </p:cTn>
+                              </p:par>
+                              <p:par>
+                                <p:cTn id="47" presetID="1" presetClass="entr" presetSubtype="0" fill="hold" nodeType="withEffect">
+                                  <p:stCondLst>
+                                    <p:cond delay="0"/>
+                                  </p:stCondLst>
+                                  <p:childTnLst>
+                                    <p:set>
+                                      <p:cBhvr>
+                                        <p:cTn id="48" dur="1" fill="hold">
+                                          <p:stCondLst>
+                                            <p:cond delay="0"/>
+                                          </p:stCondLst>
+                                        </p:cTn>
+                                        <p:tgtEl>
+                                          <p:spTgt spid="214"/>
+                                        </p:tgtEl>
+                                        <p:attrNameLst>
+                                          <p:attrName>style.visibility</p:attrName>
+                                        </p:attrNameLst>
+                                      </p:cBhvr>
+                                      <p:to>
+                                        <p:strVal val="visible"/>
+                                      </p:to>
+                                    </p:set>
+                                  </p:childTnLst>
+                                </p:cTn>
+                              </p:par>
+                              <p:par>
+                                <p:cTn id="49" presetID="1" presetClass="entr" presetSubtype="0" fill="hold" nodeType="withEffect">
+                                  <p:stCondLst>
+                                    <p:cond delay="0"/>
+                                  </p:stCondLst>
+                                  <p:childTnLst>
+                                    <p:set>
+                                      <p:cBhvr>
+                                        <p:cTn id="50" dur="1" fill="hold">
+                                          <p:stCondLst>
+                                            <p:cond delay="0"/>
+                                          </p:stCondLst>
+                                        </p:cTn>
+                                        <p:tgtEl>
+                                          <p:spTgt spid="213"/>
+                                        </p:tgtEl>
+                                        <p:attrNameLst>
+                                          <p:attrName>style.visibility</p:attrName>
+                                        </p:attrNameLst>
+                                      </p:cBhvr>
+                                      <p:to>
+                                        <p:strVal val="visible"/>
+                                      </p:to>
+                                    </p:set>
+                                  </p:childTnLst>
+                                </p:cTn>
+                              </p:par>
+                            </p:childTnLst>
+                          </p:cTn>
+                        </p:par>
+                      </p:childTnLst>
+                    </p:cTn>
+                  </p:par>
+                </p:childTnLst>
+              </p:cTn>
+              <p:prevCondLst>
+                <p:cond evt="onPrev" delay="0">
+                  <p:tgtEl>
+                    <p:sldTgt/>
+                  </p:tgtEl>
+                </p:cond>
+              </p:prevCondLst>
+              <p:nextCondLst>
+                <p:cond evt="onNext" delay="0">
+                  <p:tgtEl>
+                    <p:sldTgt/>
+                  </p:tgtEl>
+                </p:cond>
+              </p:nextCondLst>
+            </p:seq>
+          </p:childTnLst>
+        </p:cTn>
+      </p:par>
+    </p:tnLst>
+    <p:bldLst>
+      <p:bldP spid="207" grpId="0" animBg="1"/>
+    </p:bldLst>
+  </p:timing>
+</p:sld>
+</file>
+
 <file path=ppt/slides/slide5.xml><?xml version="1.0" encoding="utf-8"?>
 <p:sld xmlns:a="http://schemas.openxmlformats.org/drawingml/2006/main" xmlns:r="http://schemas.openxmlformats.org/officeDocument/2006/relationships" xmlns:p="http://schemas.openxmlformats.org/presentationml/2006/main">
   <p:cSld>
@@ -11149,7 +13794,7 @@
           <a:lstStyle/>
           <a:p>
             <a:r>
-              <a:rPr lang="en-GB" dirty="0" smtClean="0"/>
+              <a:rPr lang="en-GB" dirty="0"/>
               <a:t>Server: REST API</a:t>
             </a:r>
             <a:endParaRPr lang="de-DE" dirty="0"/>
@@ -11177,22 +13822,16 @@
               <a:buNone/>
             </a:pPr>
             <a:r>
-              <a:rPr lang="de-DE" sz="1600" dirty="0" smtClean="0"/>
+              <a:rPr lang="de-DE" sz="1600" dirty="0"/>
               <a:t>POST </a:t>
             </a:r>
             <a:r>
               <a:rPr lang="de-DE" sz="1600" dirty="0">
                 <a:hlinkClick r:id="rId2"/>
               </a:rPr>
-              <a:t>https://</a:t>
-            </a:r>
-            <a:r>
-              <a:rPr lang="de-DE" sz="1600" dirty="0" smtClean="0">
-                <a:hlinkClick r:id="rId2"/>
-              </a:rPr>
-              <a:t>localhost:8443/RetrieveTriples</a:t>
-            </a:r>
-            <a:endParaRPr lang="de-DE" sz="1600" dirty="0" smtClean="0"/>
+              <a:t>https://localhost:8443/RetrieveTriples</a:t>
+            </a:r>
+            <a:endParaRPr lang="de-DE" sz="1600" dirty="0"/>
           </a:p>
           <a:p>
             <a:pPr marL="342900" indent="-342900">
@@ -11200,14 +13839,14 @@
               <a:buAutoNum type="arabicPeriod"/>
             </a:pPr>
             <a:r>
-              <a:rPr lang="en-GB" sz="1600" dirty="0" smtClean="0"/>
+              <a:rPr lang="en-GB" sz="1600" dirty="0"/>
               <a:t>Retrieves named entities</a:t>
             </a:r>
           </a:p>
           <a:p>
             <a:pPr lvl="1"/>
             <a:r>
-              <a:rPr lang="en-GB" sz="1400" dirty="0" smtClean="0"/>
+              <a:rPr lang="en-GB" sz="1400" dirty="0"/>
               <a:t>Type, URI and properties</a:t>
             </a:r>
           </a:p>
@@ -11217,10 +13856,10 @@
               <a:buAutoNum type="arabicPeriod"/>
             </a:pPr>
             <a:r>
-              <a:rPr lang="en-GB" sz="1600" dirty="0" smtClean="0"/>
+              <a:rPr lang="en-GB" sz="1600" dirty="0"/>
               <a:t>Retrieves context triples (connections between entities)</a:t>
             </a:r>
-            <a:endParaRPr lang="de-DE" sz="1600" dirty="0" smtClean="0"/>
+            <a:endParaRPr lang="de-DE" sz="1600" dirty="0"/>
           </a:p>
         </p:txBody>
       </p:sp>
@@ -11250,15 +13889,9 @@
               <a:rPr lang="de-DE" sz="1600" dirty="0">
                 <a:hlinkClick r:id="rId3"/>
               </a:rPr>
-              <a:t>https://</a:t>
-            </a:r>
-            <a:r>
-              <a:rPr lang="de-DE" sz="1600" dirty="0" smtClean="0">
-                <a:hlinkClick r:id="rId3"/>
-              </a:rPr>
-              <a:t>localhost:8443/RetrieveAvailableProperties</a:t>
-            </a:r>
-            <a:endParaRPr lang="de-DE" sz="1600" dirty="0" smtClean="0"/>
+              <a:t>https://localhost:8443/RetrieveAvailableProperties</a:t>
+            </a:r>
+            <a:endParaRPr lang="de-DE" sz="1600" dirty="0"/>
           </a:p>
           <a:p>
             <a:pPr marL="342900" indent="-342900">
@@ -11266,14 +13899,14 @@
               <a:buAutoNum type="arabicPeriod"/>
             </a:pPr>
             <a:r>
-              <a:rPr lang="en-GB" sz="1600" dirty="0" smtClean="0"/>
+              <a:rPr lang="en-GB" sz="1600" dirty="0"/>
               <a:t>Retrieves available properties per entity type</a:t>
             </a:r>
           </a:p>
           <a:p>
             <a:pPr lvl="1"/>
             <a:r>
-              <a:rPr lang="en-GB" sz="1400" dirty="0" smtClean="0"/>
+              <a:rPr lang="en-GB" sz="1400" dirty="0"/>
               <a:t>URI and label</a:t>
             </a:r>
             <a:endParaRPr lang="de-DE" sz="1400" dirty="0"/>
@@ -11350,7 +13983,7 @@
           <a:lstStyle/>
           <a:p>
             <a:r>
-              <a:rPr lang="en-GB" dirty="0" smtClean="0"/>
+              <a:rPr lang="en-GB" dirty="0"/>
               <a:t>Chrome extension</a:t>
             </a:r>
             <a:endParaRPr lang="de-DE" dirty="0"/>
@@ -11373,19 +14006,19 @@
           <a:lstStyle/>
           <a:p>
             <a:r>
-              <a:rPr lang="en-GB" dirty="0" smtClean="0"/>
+              <a:rPr lang="en-GB" dirty="0"/>
               <a:t>Background script on websites</a:t>
             </a:r>
           </a:p>
           <a:p>
             <a:r>
-              <a:rPr lang="en-GB" dirty="0" smtClean="0"/>
+              <a:rPr lang="en-GB" dirty="0"/>
               <a:t>Injects HTML and JavaScript</a:t>
             </a:r>
           </a:p>
           <a:p>
             <a:r>
-              <a:rPr lang="en-GB" dirty="0" smtClean="0"/>
+              <a:rPr lang="en-GB" dirty="0"/>
               <a:t>Handles communication with server</a:t>
             </a:r>
             <a:endParaRPr lang="de-DE" dirty="0"/>
@@ -11448,30 +14081,83 @@
       </p:grpSpPr>
       <p:sp>
         <p:nvSpPr>
-          <p:cNvPr id="5" name="Title 4"/>
+          <p:cNvPr id="2" name="Title 1"/>
           <p:cNvSpPr>
             <a:spLocks noGrp="1"/>
           </p:cNvSpPr>
           <p:nvPr>
-            <p:ph type="ctrTitle"/>
-          </p:nvPr>
-        </p:nvSpPr>
-        <p:spPr>
-          <a:xfrm>
-            <a:off x="1687430" y="2098525"/>
-            <a:ext cx="8574622" cy="2616199"/>
-          </a:xfrm>
-        </p:spPr>
-        <p:txBody>
-          <a:bodyPr anchor="ctr"/>
+            <p:ph type="title"/>
+          </p:nvPr>
+        </p:nvSpPr>
+        <p:spPr/>
+        <p:txBody>
+          <a:bodyPr/>
           <a:lstStyle/>
           <a:p>
-            <a:pPr algn="ctr"/>
-            <a:r>
-              <a:rPr lang="en-GB" dirty="0" smtClean="0"/>
-              <a:t>Demo</a:t>
+            <a:r>
+              <a:rPr lang="en-GB" dirty="0"/>
+              <a:t>Conclusion</a:t>
             </a:r>
             <a:endParaRPr lang="de-DE" dirty="0"/>
+          </a:p>
+        </p:txBody>
+      </p:sp>
+      <p:sp>
+        <p:nvSpPr>
+          <p:cNvPr id="3" name="Content Placeholder 2"/>
+          <p:cNvSpPr>
+            <a:spLocks noGrp="1"/>
+          </p:cNvSpPr>
+          <p:nvPr>
+            <p:ph idx="1"/>
+          </p:nvPr>
+        </p:nvSpPr>
+        <p:spPr/>
+        <p:txBody>
+          <a:bodyPr anchor="t">
+            <a:normAutofit/>
+          </a:bodyPr>
+          <a:lstStyle/>
+          <a:p>
+            <a:r>
+              <a:rPr lang="en-GB" dirty="0"/>
+              <a:t>Extensible architecture</a:t>
+            </a:r>
+          </a:p>
+          <a:p>
+            <a:r>
+              <a:rPr lang="en-GB" dirty="0"/>
+              <a:t>Easily consumable application</a:t>
+            </a:r>
+          </a:p>
+          <a:p>
+            <a:pPr lvl="1"/>
+            <a:r>
+              <a:rPr lang="en-GB" dirty="0"/>
+              <a:t>Retrieves additional information about entities</a:t>
+            </a:r>
+          </a:p>
+          <a:p>
+            <a:pPr lvl="1"/>
+            <a:r>
+              <a:rPr lang="en-GB" dirty="0"/>
+              <a:t>Visualizes connections between entities</a:t>
+            </a:r>
+          </a:p>
+          <a:p>
+            <a:pPr marL="0" indent="0">
+              <a:buNone/>
+            </a:pPr>
+            <a:r>
+              <a:rPr lang="en-GB" dirty="0">
+                <a:sym typeface="Wingdings" panose="05000000000000000000" pitchFamily="2" charset="2"/>
+              </a:rPr>
+              <a:t> </a:t>
+            </a:r>
+            <a:r>
+              <a:rPr lang="en-GB" dirty="0"/>
+              <a:t>User saves time: No Wikipedia lookups necessary</a:t>
+            </a:r>
           </a:p>
         </p:txBody>
       </p:sp>
@@ -11502,7 +14188,7 @@
     </p:spTree>
     <p:extLst>
       <p:ext uri="{BB962C8B-B14F-4D97-AF65-F5344CB8AC3E}">
-        <p14:creationId xmlns:p14="http://schemas.microsoft.com/office/powerpoint/2010/main" val="2827875898"/>
+        <p14:creationId xmlns:p14="http://schemas.microsoft.com/office/powerpoint/2010/main" val="2861008330"/>
       </p:ext>
     </p:extLst>
   </p:cSld>
@@ -11531,92 +14217,30 @@
       </p:grpSpPr>
       <p:sp>
         <p:nvSpPr>
-          <p:cNvPr id="2" name="Title 1"/>
+          <p:cNvPr id="5" name="Title 4"/>
           <p:cNvSpPr>
             <a:spLocks noGrp="1"/>
           </p:cNvSpPr>
           <p:nvPr>
-            <p:ph type="title"/>
-          </p:nvPr>
-        </p:nvSpPr>
-        <p:spPr/>
-        <p:txBody>
-          <a:bodyPr/>
+            <p:ph type="ctrTitle"/>
+          </p:nvPr>
+        </p:nvSpPr>
+        <p:spPr>
+          <a:xfrm>
+            <a:off x="1687430" y="2098525"/>
+            <a:ext cx="8574622" cy="2616199"/>
+          </a:xfrm>
+        </p:spPr>
+        <p:txBody>
+          <a:bodyPr anchor="ctr"/>
           <a:lstStyle/>
           <a:p>
-            <a:r>
-              <a:rPr lang="en-GB" dirty="0" smtClean="0"/>
-              <a:t>Conclusion</a:t>
+            <a:pPr algn="ctr"/>
+            <a:r>
+              <a:rPr lang="en-GB" dirty="0"/>
+              <a:t>Demo</a:t>
             </a:r>
             <a:endParaRPr lang="de-DE" dirty="0"/>
-          </a:p>
-        </p:txBody>
-      </p:sp>
-      <p:sp>
-        <p:nvSpPr>
-          <p:cNvPr id="3" name="Content Placeholder 2"/>
-          <p:cNvSpPr>
-            <a:spLocks noGrp="1"/>
-          </p:cNvSpPr>
-          <p:nvPr>
-            <p:ph idx="1"/>
-          </p:nvPr>
-        </p:nvSpPr>
-        <p:spPr/>
-        <p:txBody>
-          <a:bodyPr anchor="t">
-            <a:normAutofit/>
-          </a:bodyPr>
-          <a:lstStyle/>
-          <a:p>
-            <a:r>
-              <a:rPr lang="en-GB" dirty="0"/>
-              <a:t>Extensible </a:t>
-            </a:r>
-            <a:r>
-              <a:rPr lang="en-GB" dirty="0" smtClean="0"/>
-              <a:t>architecture</a:t>
-            </a:r>
-          </a:p>
-          <a:p>
-            <a:r>
-              <a:rPr lang="en-GB" dirty="0" smtClean="0"/>
-              <a:t>Easily consumable application</a:t>
-            </a:r>
-          </a:p>
-          <a:p>
-            <a:pPr lvl="1"/>
-            <a:r>
-              <a:rPr lang="en-GB" dirty="0" smtClean="0"/>
-              <a:t>Retrieves additional information about entities</a:t>
-            </a:r>
-          </a:p>
-          <a:p>
-            <a:pPr lvl="1"/>
-            <a:r>
-              <a:rPr lang="en-GB" dirty="0" smtClean="0"/>
-              <a:t>Visualizes connections between entities</a:t>
-            </a:r>
-          </a:p>
-          <a:p>
-            <a:pPr marL="0" indent="0">
-              <a:buNone/>
-            </a:pPr>
-            <a:r>
-              <a:rPr lang="en-GB" dirty="0" smtClean="0">
-                <a:sym typeface="Wingdings" panose="05000000000000000000" pitchFamily="2" charset="2"/>
-              </a:rPr>
-              <a:t> </a:t>
-            </a:r>
-            <a:r>
-              <a:rPr lang="en-GB" dirty="0" smtClean="0"/>
-              <a:t>User saves time: No Wikipedia lookups </a:t>
-            </a:r>
-            <a:r>
-              <a:rPr lang="en-GB" dirty="0" err="1" smtClean="0"/>
-              <a:t>neccessary</a:t>
-            </a:r>
-            <a:endParaRPr lang="en-GB" dirty="0" smtClean="0"/>
           </a:p>
         </p:txBody>
       </p:sp>
@@ -11647,7 +14271,7 @@
     </p:spTree>
     <p:extLst>
       <p:ext uri="{BB962C8B-B14F-4D97-AF65-F5344CB8AC3E}">
-        <p14:creationId xmlns:p14="http://schemas.microsoft.com/office/powerpoint/2010/main" val="2861008330"/>
+        <p14:creationId xmlns:p14="http://schemas.microsoft.com/office/powerpoint/2010/main" val="2827875898"/>
       </p:ext>
     </p:extLst>
   </p:cSld>
@@ -11690,7 +14314,7 @@
           <a:lstStyle/>
           <a:p>
             <a:r>
-              <a:rPr lang="en-GB" dirty="0" smtClean="0"/>
+              <a:rPr lang="en-GB" dirty="0"/>
               <a:t>Backup</a:t>
             </a:r>
             <a:endParaRPr lang="de-DE" dirty="0"/>
@@ -12003,7 +14627,7 @@
   <a:extraClrSchemeLst/>
   <a:extLst>
     <a:ext uri="{05A4C25C-085E-4340-85A3-A5531E510DB2}">
-      <thm15:themeFamily xmlns:thm15="http://schemas.microsoft.com/office/thememl/2012/main" xmlns="" name="Parallax" id="{3388167B-A2EB-4685-9635-1831D9AEF8C4}" vid="{4F7A876A-7598-49CA-AFC8-8EDA2551E4A7}"/>
+      <thm15:themeFamily xmlns:thm15="http://schemas.microsoft.com/office/thememl/2012/main" name="Parallax" id="{3388167B-A2EB-4685-9635-1831D9AEF8C4}" vid="{4F7A876A-7598-49CA-AFC8-8EDA2551E4A7}"/>
     </a:ext>
   </a:extLst>
 </a:theme>
@@ -12264,7 +14888,7 @@
   <a:extraClrSchemeLst/>
   <a:extLst>
     <a:ext uri="{05A4C25C-085E-4340-85A3-A5531E510DB2}">
-      <thm15:themeFamily xmlns:thm15="http://schemas.microsoft.com/office/thememl/2012/main" xmlns="" name="Office Theme" id="{62F939B6-93AF-4DB8-9C6B-D6C7DFDC589F}" vid="{4A3C46E8-61CC-4603-A589-7422A47A8E4A}"/>
+      <thm15:themeFamily xmlns:thm15="http://schemas.microsoft.com/office/thememl/2012/main" name="Office Theme" id="{62F939B6-93AF-4DB8-9C6B-D6C7DFDC589F}" vid="{4A3C46E8-61CC-4603-A589-7422A47A8E4A}"/>
     </a:ext>
   </a:extLst>
 </a:theme>

--- a/ProjectPresentation/EntityAnnotation.pptx
+++ b/ProjectPresentation/EntityAnnotation.pptx
@@ -14,8 +14,8 @@
     <p:sldId id="293" r:id="rId5"/>
     <p:sldId id="290" r:id="rId6"/>
     <p:sldId id="286" r:id="rId7"/>
-    <p:sldId id="285" r:id="rId8"/>
-    <p:sldId id="291" r:id="rId9"/>
+    <p:sldId id="291" r:id="rId8"/>
+    <p:sldId id="285" r:id="rId9"/>
     <p:sldId id="289" r:id="rId10"/>
     <p:sldId id="258" r:id="rId11"/>
     <p:sldId id="292" r:id="rId12"/>
@@ -121,7 +121,7 @@
   </p:defaultTextStyle>
   <p:extLst>
     <p:ext uri="{EFAFB233-063F-42B5-8137-9DF3F51BA10A}">
-      <p15:sldGuideLst xmlns:p15="http://schemas.microsoft.com/office/powerpoint/2012/main">
+      <p15:sldGuideLst xmlns:p15="http://schemas.microsoft.com/office/powerpoint/2012/main" xmlns="">
         <p15:guide id="1" orient="horz" pos="2160">
           <p15:clr>
             <a:srgbClr val="A4A3A4"/>
@@ -379,7 +379,7 @@
           <a:p>
             <a:fld id="{6B56D088-27D1-433A-A9A9-E30AD3E13E16}" type="slidenum">
               <a:rPr lang="en-GB" smtClean="0"/>
-              <a:t>‹Nr.›</a:t>
+              <a:t>‹#›</a:t>
             </a:fld>
             <a:endParaRPr lang="en-GB"/>
           </a:p>
@@ -1479,27 +1479,97 @@
           <a:p>
             <a:r>
               <a:rPr lang="en-GB" dirty="0"/>
-              <a:t>On the technical side: architecture is extensible, as in new sources can</a:t>
+              <a:t>Demo script:</a:t>
+            </a:r>
+          </a:p>
+          <a:p>
+            <a:r>
+              <a:rPr lang="en-GB" dirty="0"/>
+              <a:t>User</a:t>
             </a:r>
             <a:r>
               <a:rPr lang="en-GB" baseline="0" dirty="0"/>
-              <a:t> easily be added</a:t>
-            </a:r>
-          </a:p>
-          <a:p>
-            <a:r>
-              <a:rPr lang="en-GB" dirty="0"/>
-              <a:t>Chrome</a:t>
+              <a:t> visits his favourite website (Spiegel, </a:t>
+            </a:r>
+            <a:r>
+              <a:rPr lang="en-GB" baseline="0" dirty="0" err="1"/>
+              <a:t>bbc</a:t>
             </a:r>
             <a:r>
               <a:rPr lang="en-GB" baseline="0" dirty="0"/>
-              <a:t> extension gets pretty much everything from the server, so this would not need any updates</a:t>
-            </a:r>
-          </a:p>
-          <a:p>
+              <a:t>, CNN)</a:t>
+            </a:r>
+          </a:p>
+          <a:p>
+            <a:r>
+              <a:rPr lang="en-GB" baseline="0" dirty="0"/>
+              <a:t>Reads an article about foreign politics: Trump is filling </a:t>
+            </a:r>
+            <a:r>
+              <a:rPr lang="en-GB" baseline="0"/>
+              <a:t>his cabinet (example: http://www.bbc.com/news/world-us-canada-38168382) </a:t>
+            </a:r>
             <a:endParaRPr lang="en-GB" baseline="0" dirty="0"/>
           </a:p>
           <a:p>
+            <a:r>
+              <a:rPr lang="en-GB" baseline="0" dirty="0"/>
+              <a:t>Now Trump obviously he knows, but who is this other person that is mentioned here? </a:t>
+            </a:r>
+          </a:p>
+          <a:p>
+            <a:pPr marL="171450" indent="-171450">
+              <a:buFont typeface="Wingdings" pitchFamily="2" charset="2"/>
+              <a:buChar char="è"/>
+            </a:pPr>
+            <a:r>
+              <a:rPr lang="en-GB" baseline="0" dirty="0">
+                <a:sym typeface="Wingdings" panose="05000000000000000000" pitchFamily="2" charset="2"/>
+              </a:rPr>
+              <a:t>Select the text and click the button!</a:t>
+            </a:r>
+          </a:p>
+          <a:p>
+            <a:pPr marL="0" indent="0">
+              <a:buFont typeface="Wingdings" pitchFamily="2" charset="2"/>
+              <a:buNone/>
+            </a:pPr>
+            <a:r>
+              <a:rPr lang="en-GB" baseline="0" dirty="0">
+                <a:sym typeface="Wingdings" panose="05000000000000000000" pitchFamily="2" charset="2"/>
+              </a:rPr>
+              <a:t>View information about the named entities that were found:</a:t>
+            </a:r>
+          </a:p>
+          <a:p>
+            <a:pPr marL="171450" indent="-171450">
+              <a:buFont typeface="Wingdings" pitchFamily="2" charset="2"/>
+              <a:buChar char="è"/>
+            </a:pPr>
+            <a:r>
+              <a:rPr lang="en-GB" baseline="0" dirty="0">
+                <a:sym typeface="Wingdings" panose="05000000000000000000" pitchFamily="2" charset="2"/>
+              </a:rPr>
+              <a:t>Information about Trump (there seems to be a lot) and the other person</a:t>
+            </a:r>
+          </a:p>
+          <a:p>
+            <a:pPr marL="171450" indent="-171450">
+              <a:buFont typeface="Wingdings" pitchFamily="2" charset="2"/>
+              <a:buChar char="è"/>
+            </a:pPr>
+            <a:r>
+              <a:rPr lang="en-GB" baseline="0" dirty="0">
+                <a:sym typeface="Wingdings" panose="05000000000000000000" pitchFamily="2" charset="2"/>
+              </a:rPr>
+              <a:t>Now this is useful, but what connects Trump to this person? View visualization</a:t>
+            </a:r>
+          </a:p>
+          <a:p>
+            <a:pPr marL="171450" indent="-171450">
+              <a:buFont typeface="Wingdings" pitchFamily="2" charset="2"/>
+              <a:buChar char="è"/>
+            </a:pPr>
             <a:endParaRPr lang="de-DE" dirty="0"/>
           </a:p>
         </p:txBody>
@@ -1530,7 +1600,7 @@
     </p:spTree>
     <p:extLst>
       <p:ext uri="{BB962C8B-B14F-4D97-AF65-F5344CB8AC3E}">
-        <p14:creationId xmlns:p14="http://schemas.microsoft.com/office/powerpoint/2010/main" val="3473345627"/>
+        <p14:creationId xmlns:p14="http://schemas.microsoft.com/office/powerpoint/2010/main" val="2749297725"/>
       </p:ext>
     </p:extLst>
   </p:cSld>
@@ -1586,97 +1656,101 @@
           <a:p>
             <a:r>
               <a:rPr lang="en-GB" dirty="0"/>
-              <a:t>Demo script:</a:t>
+              <a:t>On the technical side: architecture is extensible, as in new sources can</a:t>
+            </a:r>
+            <a:r>
+              <a:rPr lang="en-GB" baseline="0" dirty="0"/>
+              <a:t> easily be added</a:t>
             </a:r>
           </a:p>
           <a:p>
             <a:r>
               <a:rPr lang="en-GB" dirty="0"/>
-              <a:t>User</a:t>
+              <a:t>Chrome</a:t>
             </a:r>
             <a:r>
               <a:rPr lang="en-GB" baseline="0" dirty="0"/>
-              <a:t> visits his favourite website (Spiegel, </a:t>
-            </a:r>
-            <a:r>
-              <a:rPr lang="en-GB" baseline="0" dirty="0" err="1"/>
-              <a:t>bbc</a:t>
-            </a:r>
-            <a:r>
-              <a:rPr lang="en-GB" baseline="0" dirty="0"/>
-              <a:t>, CNN)</a:t>
-            </a:r>
-          </a:p>
-          <a:p>
-            <a:r>
-              <a:rPr lang="en-GB" baseline="0" dirty="0"/>
-              <a:t>Reads an article about foreign politics: Trump is filling </a:t>
-            </a:r>
-            <a:r>
-              <a:rPr lang="en-GB" baseline="0"/>
-              <a:t>his cabinet (example: http://www.bbc.com/news/world-us-canada-38168382) </a:t>
+              <a:t> extension gets pretty much everything from the server, so this would not need any </a:t>
+            </a:r>
+            <a:r>
+              <a:rPr lang="en-GB" baseline="0" dirty="0" smtClean="0"/>
+              <a:t>updates</a:t>
+            </a:r>
+          </a:p>
+          <a:p>
+            <a:r>
+              <a:rPr lang="en-GB" baseline="0" dirty="0" smtClean="0"/>
+              <a:t>Chrome extension shows a customizable popup</a:t>
             </a:r>
             <a:endParaRPr lang="en-GB" baseline="0" dirty="0"/>
           </a:p>
           <a:p>
-            <a:r>
-              <a:rPr lang="en-GB" baseline="0" dirty="0"/>
-              <a:t>Now Trump obviously he knows, but who is this other person that is mentioned here? </a:t>
-            </a:r>
-          </a:p>
-          <a:p>
-            <a:pPr marL="171450" indent="-171450">
-              <a:buFont typeface="Wingdings" pitchFamily="2" charset="2"/>
-              <a:buChar char="è"/>
+            <a:pPr lvl="1"/>
+            <a:r>
+              <a:rPr lang="en-GB" dirty="0" smtClean="0"/>
+              <a:t>Retrieves additional information about entities</a:t>
+            </a:r>
+          </a:p>
+          <a:p>
+            <a:pPr marL="457200" marR="0" lvl="1" indent="0" algn="l" defTabSz="914400" rtl="0" eaLnBrk="1" fontAlgn="auto" latinLnBrk="0" hangingPunct="1">
+              <a:lnSpc>
+                <a:spcPct val="100000"/>
+              </a:lnSpc>
+              <a:spcBef>
+                <a:spcPts val="0"/>
+              </a:spcBef>
+              <a:spcAft>
+                <a:spcPts val="0"/>
+              </a:spcAft>
+              <a:buClrTx/>
+              <a:buSzTx/>
+              <a:buFontTx/>
+              <a:buNone/>
+              <a:tabLst/>
+              <a:defRPr/>
             </a:pPr>
             <a:r>
-              <a:rPr lang="en-GB" baseline="0" dirty="0">
+              <a:rPr lang="en-GB" dirty="0" smtClean="0"/>
+              <a:t>Visualizes connections between entities</a:t>
+            </a:r>
+          </a:p>
+          <a:p>
+            <a:pPr marL="457200" marR="0" lvl="1" indent="0" algn="l" defTabSz="914400" rtl="0" eaLnBrk="1" fontAlgn="auto" latinLnBrk="0" hangingPunct="1">
+              <a:lnSpc>
+                <a:spcPct val="100000"/>
+              </a:lnSpc>
+              <a:spcBef>
+                <a:spcPts val="0"/>
+              </a:spcBef>
+              <a:spcAft>
+                <a:spcPts val="0"/>
+              </a:spcAft>
+              <a:buClrTx/>
+              <a:buSzTx/>
+              <a:buFontTx/>
+              <a:buNone/>
+              <a:tabLst/>
+              <a:defRPr/>
+            </a:pPr>
+            <a:r>
+              <a:rPr lang="en-GB" dirty="0" smtClean="0">
                 <a:sym typeface="Wingdings" panose="05000000000000000000" pitchFamily="2" charset="2"/>
               </a:rPr>
-              <a:t>Select the text and click the button!</a:t>
-            </a:r>
-          </a:p>
-          <a:p>
-            <a:pPr marL="0" indent="0">
-              <a:buFont typeface="Wingdings" pitchFamily="2" charset="2"/>
-              <a:buNone/>
-            </a:pPr>
-            <a:r>
-              <a:rPr lang="en-GB" baseline="0" dirty="0">
-                <a:sym typeface="Wingdings" panose="05000000000000000000" pitchFamily="2" charset="2"/>
-              </a:rPr>
-              <a:t>View information about the named entities that were found:</a:t>
-            </a:r>
-          </a:p>
-          <a:p>
-            <a:pPr marL="171450" indent="-171450">
-              <a:buFont typeface="Wingdings" pitchFamily="2" charset="2"/>
-              <a:buChar char="è"/>
-            </a:pPr>
-            <a:r>
-              <a:rPr lang="en-GB" baseline="0" dirty="0">
-                <a:sym typeface="Wingdings" panose="05000000000000000000" pitchFamily="2" charset="2"/>
-              </a:rPr>
-              <a:t>Information about Trump (there seems to be a lot) and the other person</a:t>
-            </a:r>
-          </a:p>
-          <a:p>
-            <a:pPr marL="171450" indent="-171450">
-              <a:buFont typeface="Wingdings" pitchFamily="2" charset="2"/>
-              <a:buChar char="è"/>
-            </a:pPr>
-            <a:r>
-              <a:rPr lang="en-GB" baseline="0" dirty="0">
-                <a:sym typeface="Wingdings" panose="05000000000000000000" pitchFamily="2" charset="2"/>
-              </a:rPr>
-              <a:t>Now this is useful, but what connects Trump to this person? View visualization</a:t>
-            </a:r>
-          </a:p>
-          <a:p>
-            <a:pPr marL="171450" indent="-171450">
-              <a:buFont typeface="Wingdings" pitchFamily="2" charset="2"/>
-              <a:buChar char="è"/>
-            </a:pPr>
+              <a:t> </a:t>
+            </a:r>
+            <a:r>
+              <a:rPr lang="en-GB" dirty="0" smtClean="0"/>
+              <a:t>User saves time: No Wikipedia lookups necessary</a:t>
+            </a:r>
+          </a:p>
+          <a:p>
+            <a:pPr lvl="1"/>
+            <a:endParaRPr lang="en-GB" i="0" dirty="0" smtClean="0"/>
+          </a:p>
+          <a:p>
+            <a:endParaRPr lang="en-GB" baseline="0" dirty="0"/>
+          </a:p>
+          <a:p>
             <a:endParaRPr lang="de-DE" dirty="0"/>
           </a:p>
         </p:txBody>
@@ -1707,7 +1781,7 @@
     </p:spTree>
     <p:extLst>
       <p:ext uri="{BB962C8B-B14F-4D97-AF65-F5344CB8AC3E}">
-        <p14:creationId xmlns:p14="http://schemas.microsoft.com/office/powerpoint/2010/main" val="2749297725"/>
+        <p14:creationId xmlns:p14="http://schemas.microsoft.com/office/powerpoint/2010/main" val="3473345627"/>
       </p:ext>
     </p:extLst>
   </p:cSld>
@@ -2040,7 +2114,7 @@
           <a:p>
             <a:fld id="{2921BF44-F096-42DF-ADC3-B535522D2EE1}" type="slidenum">
               <a:rPr lang="en-GB" smtClean="0"/>
-              <a:t>‹Nr.›</a:t>
+              <a:t>‹#›</a:t>
             </a:fld>
             <a:endParaRPr lang="en-GB"/>
           </a:p>
@@ -2334,7 +2408,7 @@
           <a:p>
             <a:fld id="{2921BF44-F096-42DF-ADC3-B535522D2EE1}" type="slidenum">
               <a:rPr lang="en-GB" smtClean="0"/>
-              <a:t>‹Nr.›</a:t>
+              <a:t>‹#›</a:t>
             </a:fld>
             <a:endParaRPr lang="en-GB"/>
           </a:p>
@@ -2585,7 +2659,7 @@
           <a:p>
             <a:fld id="{2921BF44-F096-42DF-ADC3-B535522D2EE1}" type="slidenum">
               <a:rPr lang="en-GB" smtClean="0"/>
-              <a:t>‹Nr.›</a:t>
+              <a:t>‹#›</a:t>
             </a:fld>
             <a:endParaRPr lang="en-GB"/>
           </a:p>
@@ -3128,7 +3202,7 @@
           <a:p>
             <a:fld id="{2921BF44-F096-42DF-ADC3-B535522D2EE1}" type="slidenum">
               <a:rPr lang="en-GB" smtClean="0"/>
-              <a:t>‹Nr.›</a:t>
+              <a:t>‹#›</a:t>
             </a:fld>
             <a:endParaRPr lang="en-GB"/>
           </a:p>
@@ -3379,7 +3453,7 @@
           <a:p>
             <a:fld id="{2921BF44-F096-42DF-ADC3-B535522D2EE1}" type="slidenum">
               <a:rPr lang="en-GB" smtClean="0"/>
-              <a:t>‹Nr.›</a:t>
+              <a:t>‹#›</a:t>
             </a:fld>
             <a:endParaRPr lang="en-GB"/>
           </a:p>
@@ -3914,7 +3988,7 @@
           <a:p>
             <a:fld id="{2921BF44-F096-42DF-ADC3-B535522D2EE1}" type="slidenum">
               <a:rPr lang="en-GB" smtClean="0"/>
-              <a:t>‹Nr.›</a:t>
+              <a:t>‹#›</a:t>
             </a:fld>
             <a:endParaRPr lang="en-GB"/>
           </a:p>
@@ -4214,7 +4288,7 @@
           <a:p>
             <a:fld id="{2921BF44-F096-42DF-ADC3-B535522D2EE1}" type="slidenum">
               <a:rPr lang="en-GB" smtClean="0"/>
-              <a:t>‹Nr.›</a:t>
+              <a:t>‹#›</a:t>
             </a:fld>
             <a:endParaRPr lang="en-GB"/>
           </a:p>
@@ -4391,7 +4465,7 @@
           <a:p>
             <a:fld id="{2921BF44-F096-42DF-ADC3-B535522D2EE1}" type="slidenum">
               <a:rPr lang="en-GB" smtClean="0"/>
-              <a:t>‹Nr.›</a:t>
+              <a:t>‹#›</a:t>
             </a:fld>
             <a:endParaRPr lang="en-GB"/>
           </a:p>
@@ -4574,7 +4648,7 @@
           <a:p>
             <a:fld id="{2921BF44-F096-42DF-ADC3-B535522D2EE1}" type="slidenum">
               <a:rPr lang="en-GB" smtClean="0"/>
-              <a:t>‹Nr.›</a:t>
+              <a:t>‹#›</a:t>
             </a:fld>
             <a:endParaRPr lang="en-GB"/>
           </a:p>
@@ -4781,7 +4855,7 @@
             <a:fld id="{2921BF44-F096-42DF-ADC3-B535522D2EE1}" type="slidenum">
               <a:rPr lang="en-GB" smtClean="0"/>
               <a:pPr/>
-              <a:t>‹Nr.›</a:t>
+              <a:t>‹#›</a:t>
             </a:fld>
             <a:endParaRPr lang="en-GB" dirty="0"/>
           </a:p>
@@ -5030,7 +5104,7 @@
           <a:p>
             <a:fld id="{2921BF44-F096-42DF-ADC3-B535522D2EE1}" type="slidenum">
               <a:rPr lang="en-GB" smtClean="0"/>
-              <a:t>‹Nr.›</a:t>
+              <a:t>‹#›</a:t>
             </a:fld>
             <a:endParaRPr lang="en-GB"/>
           </a:p>
@@ -5330,7 +5404,7 @@
           <a:p>
             <a:fld id="{2921BF44-F096-42DF-ADC3-B535522D2EE1}" type="slidenum">
               <a:rPr lang="en-GB" smtClean="0"/>
-              <a:t>‹Nr.›</a:t>
+              <a:t>‹#›</a:t>
             </a:fld>
             <a:endParaRPr lang="en-GB"/>
           </a:p>
@@ -5775,7 +5849,7 @@
           <a:p>
             <a:fld id="{2921BF44-F096-42DF-ADC3-B535522D2EE1}" type="slidenum">
               <a:rPr lang="en-GB" smtClean="0"/>
-              <a:t>‹Nr.›</a:t>
+              <a:t>‹#›</a:t>
             </a:fld>
             <a:endParaRPr lang="en-GB"/>
           </a:p>
@@ -5896,7 +5970,7 @@
           <a:p>
             <a:fld id="{2921BF44-F096-42DF-ADC3-B535522D2EE1}" type="slidenum">
               <a:rPr lang="en-GB" smtClean="0"/>
-              <a:t>‹Nr.›</a:t>
+              <a:t>‹#›</a:t>
             </a:fld>
             <a:endParaRPr lang="en-GB"/>
           </a:p>
@@ -5994,7 +6068,7 @@
           <a:p>
             <a:fld id="{2921BF44-F096-42DF-ADC3-B535522D2EE1}" type="slidenum">
               <a:rPr lang="en-GB" smtClean="0"/>
-              <a:t>‹Nr.›</a:t>
+              <a:t>‹#›</a:t>
             </a:fld>
             <a:endParaRPr lang="en-GB"/>
           </a:p>
@@ -6280,7 +6354,7 @@
           <a:p>
             <a:fld id="{2921BF44-F096-42DF-ADC3-B535522D2EE1}" type="slidenum">
               <a:rPr lang="en-GB" smtClean="0"/>
-              <a:t>‹Nr.›</a:t>
+              <a:t>‹#›</a:t>
             </a:fld>
             <a:endParaRPr lang="en-GB"/>
           </a:p>
@@ -6574,7 +6648,7 @@
           <a:p>
             <a:fld id="{2921BF44-F096-42DF-ADC3-B535522D2EE1}" type="slidenum">
               <a:rPr lang="en-GB" smtClean="0"/>
-              <a:t>‹Nr.›</a:t>
+              <a:t>‹#›</a:t>
             </a:fld>
             <a:endParaRPr lang="en-GB"/>
           </a:p>
@@ -6827,7 +6901,7 @@
           <a:p>
             <a:fld id="{2921BF44-F096-42DF-ADC3-B535522D2EE1}" type="slidenum">
               <a:rPr lang="en-GB" smtClean="0"/>
-              <a:t>‹Nr.›</a:t>
+              <a:t>‹#›</a:t>
             </a:fld>
             <a:endParaRPr lang="en-GB"/>
           </a:p>
@@ -7911,6 +7985,14 @@
   <p:clrMapOvr>
     <a:masterClrMapping/>
   </p:clrMapOvr>
+  <mc:AlternateContent xmlns:mc="http://schemas.openxmlformats.org/markup-compatibility/2006">
+    <mc:Choice xmlns:p14="http://schemas.microsoft.com/office/powerpoint/2010/main" Requires="p14">
+      <p:transition spd="slow" p14:dur="2000"/>
+    </mc:Choice>
+    <mc:Fallback>
+      <p:transition spd="slow"/>
+    </mc:Fallback>
+  </mc:AlternateContent>
 </p:sld>
 </file>
 
@@ -8033,7 +8115,7 @@
 </file>
 
 <file path=ppt/slides/slide12.xml><?xml version="1.0" encoding="utf-8"?>
-<p:sld xmlns:a="http://schemas.openxmlformats.org/drawingml/2006/main" xmlns:r="http://schemas.openxmlformats.org/officeDocument/2006/relationships" xmlns:p="http://schemas.openxmlformats.org/presentationml/2006/main" show="0">
+<p:sld xmlns:a="http://schemas.openxmlformats.org/drawingml/2006/main" xmlns:r="http://schemas.openxmlformats.org/officeDocument/2006/relationships" xmlns:p="http://schemas.openxmlformats.org/presentationml/2006/main">
   <p:cSld>
     <p:spTree>
       <p:nvGrpSpPr>
@@ -8102,6 +8184,10 @@
               </a:rPr>
               <a:t>https://localhost:8443/RetrieveTriples</a:t>
             </a:r>
+            <a:r>
+              <a:rPr lang="de-DE" dirty="0"/>
+              <a:t/>
+            </a:r>
             <a:br>
               <a:rPr lang="de-DE" dirty="0"/>
             </a:br>
@@ -8144,6 +8230,10 @@
             <a:pPr marL="0" indent="0">
               <a:buNone/>
             </a:pPr>
+            <a:r>
+              <a:rPr lang="en-GB" dirty="0"/>
+              <a:t/>
+            </a:r>
             <a:br>
               <a:rPr lang="en-GB" dirty="0"/>
             </a:br>
@@ -8297,11 +8387,19 @@
   <p:clrMapOvr>
     <a:masterClrMapping/>
   </p:clrMapOvr>
+  <mc:AlternateContent xmlns:mc="http://schemas.openxmlformats.org/markup-compatibility/2006">
+    <mc:Choice xmlns:p14="http://schemas.microsoft.com/office/powerpoint/2010/main" Requires="p14">
+      <p:transition spd="slow" p14:dur="2000"/>
+    </mc:Choice>
+    <mc:Fallback>
+      <p:transition spd="slow"/>
+    </mc:Fallback>
+  </mc:AlternateContent>
 </p:sld>
 </file>
 
 <file path=ppt/slides/slide13.xml><?xml version="1.0" encoding="utf-8"?>
-<p:sld xmlns:a="http://schemas.openxmlformats.org/drawingml/2006/main" xmlns:r="http://schemas.openxmlformats.org/officeDocument/2006/relationships" xmlns:p="http://schemas.openxmlformats.org/presentationml/2006/main" show="0">
+<p:sld xmlns:a="http://schemas.openxmlformats.org/drawingml/2006/main" xmlns:r="http://schemas.openxmlformats.org/officeDocument/2006/relationships" xmlns:p="http://schemas.openxmlformats.org/presentationml/2006/main">
   <p:cSld>
     <p:spTree>
       <p:nvGrpSpPr>
@@ -8474,6 +8572,14 @@
   <p:clrMapOvr>
     <a:masterClrMapping/>
   </p:clrMapOvr>
+  <mc:AlternateContent xmlns:mc="http://schemas.openxmlformats.org/markup-compatibility/2006">
+    <mc:Choice xmlns:p14="http://schemas.microsoft.com/office/powerpoint/2010/main" Requires="p14">
+      <p:transition spd="slow" p14:dur="2000"/>
+    </mc:Choice>
+    <mc:Fallback>
+      <p:transition spd="slow"/>
+    </mc:Fallback>
+  </mc:AlternateContent>
 </p:sld>
 </file>
 
@@ -8873,7 +8979,7 @@
                 <a14:useLocalDpi xmlns:a14="http://schemas.microsoft.com/office/drawing/2010/main" val="0"/>
               </a:ext>
               <a:ext uri="{96DAC541-7B7A-43D3-8B79-37D633B846F1}">
-                <asvg:svgBlip xmlns:asvg="http://schemas.microsoft.com/office/drawing/2016/SVG/main" r:embed="rId7"/>
+                <asvg:svgBlip xmlns:asvg="http://schemas.microsoft.com/office/drawing/2016/SVG/main" xmlns="" r:embed="rId7"/>
               </a:ext>
             </a:extLst>
           </a:blip>
@@ -8906,7 +9012,7 @@
                 <a14:useLocalDpi xmlns:a14="http://schemas.microsoft.com/office/drawing/2010/main" val="0"/>
               </a:ext>
               <a:ext uri="{96DAC541-7B7A-43D3-8B79-37D633B846F1}">
-                <asvg:svgBlip xmlns:asvg="http://schemas.microsoft.com/office/drawing/2016/SVG/main" r:embed="rId9"/>
+                <asvg:svgBlip xmlns:asvg="http://schemas.microsoft.com/office/drawing/2016/SVG/main" xmlns="" r:embed="rId9"/>
               </a:ext>
             </a:extLst>
           </a:blip>
@@ -9367,7 +9473,7 @@
                 <a14:useLocalDpi xmlns:a14="http://schemas.microsoft.com/office/drawing/2010/main" val="0"/>
               </a:ext>
               <a:ext uri="{96DAC541-7B7A-43D3-8B79-37D633B846F1}">
-                <asvg:svgBlip xmlns:asvg="http://schemas.microsoft.com/office/drawing/2016/SVG/main" r:embed="rId7"/>
+                <asvg:svgBlip xmlns:asvg="http://schemas.microsoft.com/office/drawing/2016/SVG/main" xmlns="" r:embed="rId7"/>
               </a:ext>
             </a:extLst>
           </a:blip>
@@ -9400,7 +9506,7 @@
                 <a14:useLocalDpi xmlns:a14="http://schemas.microsoft.com/office/drawing/2010/main" val="0"/>
               </a:ext>
               <a:ext uri="{96DAC541-7B7A-43D3-8B79-37D633B846F1}">
-                <asvg:svgBlip xmlns:asvg="http://schemas.microsoft.com/office/drawing/2016/SVG/main" r:embed="rId9"/>
+                <asvg:svgBlip xmlns:asvg="http://schemas.microsoft.com/office/drawing/2016/SVG/main" xmlns="" r:embed="rId9"/>
               </a:ext>
             </a:extLst>
           </a:blip>
@@ -9541,13 +9647,13 @@
           <p:nvPr/>
         </p:nvPicPr>
         <p:blipFill>
-          <a:blip r:embed="rId8" cstate="print">
+          <a:blip r:embed="rId11" cstate="print">
             <a:extLst>
               <a:ext uri="{28A0092B-C50C-407E-A947-70E740481C1C}">
                 <a14:useLocalDpi xmlns:a14="http://schemas.microsoft.com/office/drawing/2010/main" val="0"/>
               </a:ext>
               <a:ext uri="{96DAC541-7B7A-43D3-8B79-37D633B846F1}">
-                <asvg:svgBlip xmlns:asvg="http://schemas.microsoft.com/office/drawing/2016/SVG/main" r:embed="rId9"/>
+                <asvg:svgBlip xmlns:asvg="http://schemas.microsoft.com/office/drawing/2016/SVG/main" xmlns="" r:embed="rId9"/>
               </a:ext>
             </a:extLst>
           </a:blip>
@@ -9574,11 +9680,11 @@
           <p:nvPr/>
         </p:nvPicPr>
         <p:blipFill>
-          <a:blip r:embed="rId11" cstate="print">
+          <a:blip r:embed="rId12" cstate="print">
             <a:extLst>
               <a:ext uri="{BEBA8EAE-BF5A-486C-A8C5-ECC9F3942E4B}">
                 <a14:imgProps xmlns:a14="http://schemas.microsoft.com/office/drawing/2010/main">
-                  <a14:imgLayer r:embed="rId12">
+                  <a14:imgLayer r:embed="rId13">
                     <a14:imgEffect>
                       <a14:backgroundRemoval t="9425" b="94089" l="0" r="100000">
                         <a14:foregroundMark x1="5272" y1="63419" x2="5272" y2="63419"/>
@@ -10004,7 +10110,7 @@
           <p:nvPr/>
         </p:nvPicPr>
         <p:blipFill rotWithShape="1">
-          <a:blip r:embed="rId13" cstate="print">
+          <a:blip r:embed="rId14" cstate="print">
             <a:extLst>
               <a:ext uri="{28A0092B-C50C-407E-A947-70E740481C1C}">
                 <a14:useLocalDpi xmlns:a14="http://schemas.microsoft.com/office/drawing/2010/main" val="0"/>
@@ -10033,7 +10139,7 @@
           <p:nvPr/>
         </p:nvPicPr>
         <p:blipFill>
-          <a:blip r:embed="rId14">
+          <a:blip r:embed="rId15">
             <a:extLst>
               <a:ext uri="{28A0092B-C50C-407E-A947-70E740481C1C}">
                 <a14:useLocalDpi xmlns:a14="http://schemas.microsoft.com/office/drawing/2010/main" val="0"/>
@@ -10108,13 +10214,13 @@
           <p:nvPr/>
         </p:nvPicPr>
         <p:blipFill>
-          <a:blip r:embed="rId15">
+          <a:blip r:embed="rId16">
             <a:extLst>
               <a:ext uri="{28A0092B-C50C-407E-A947-70E740481C1C}">
                 <a14:useLocalDpi xmlns:a14="http://schemas.microsoft.com/office/drawing/2010/main" val="0"/>
               </a:ext>
               <a:ext uri="{96DAC541-7B7A-43D3-8B79-37D633B846F1}">
-                <asvg:svgBlip xmlns:asvg="http://schemas.microsoft.com/office/drawing/2016/SVG/main" r:embed="rId16"/>
+                <asvg:svgBlip xmlns:asvg="http://schemas.microsoft.com/office/drawing/2016/SVG/main" xmlns="" r:embed="rId17"/>
               </a:ext>
             </a:extLst>
           </a:blip>
@@ -10141,13 +10247,13 @@
           <p:nvPr/>
         </p:nvPicPr>
         <p:blipFill>
-          <a:blip r:embed="rId17" cstate="print">
+          <a:blip r:embed="rId18" cstate="print">
             <a:extLst>
               <a:ext uri="{28A0092B-C50C-407E-A947-70E740481C1C}">
                 <a14:useLocalDpi xmlns:a14="http://schemas.microsoft.com/office/drawing/2010/main" val="0"/>
               </a:ext>
               <a:ext uri="{96DAC541-7B7A-43D3-8B79-37D633B846F1}">
-                <asvg:svgBlip xmlns:asvg="http://schemas.microsoft.com/office/drawing/2016/SVG/main" r:embed="rId18"/>
+                <asvg:svgBlip xmlns:asvg="http://schemas.microsoft.com/office/drawing/2016/SVG/main" xmlns="" r:embed="rId19"/>
               </a:ext>
             </a:extLst>
           </a:blip>
@@ -10174,13 +10280,13 @@
           <p:nvPr/>
         </p:nvPicPr>
         <p:blipFill>
-          <a:blip r:embed="rId19" cstate="print">
+          <a:blip r:embed="rId20" cstate="print">
             <a:extLst>
               <a:ext uri="{28A0092B-C50C-407E-A947-70E740481C1C}">
                 <a14:useLocalDpi xmlns:a14="http://schemas.microsoft.com/office/drawing/2010/main" val="0"/>
               </a:ext>
               <a:ext uri="{96DAC541-7B7A-43D3-8B79-37D633B846F1}">
-                <asvg:svgBlip xmlns:asvg="http://schemas.microsoft.com/office/drawing/2016/SVG/main" r:embed="rId20"/>
+                <asvg:svgBlip xmlns:asvg="http://schemas.microsoft.com/office/drawing/2016/SVG/main" xmlns="" r:embed="rId21"/>
               </a:ext>
             </a:extLst>
           </a:blip>
@@ -10248,7 +10354,7 @@
           <p:nvPr/>
         </p:nvPicPr>
         <p:blipFill>
-          <a:blip r:embed="rId21"/>
+          <a:blip r:embed="rId22"/>
           <a:stretch>
             <a:fillRect/>
           </a:stretch>
@@ -10272,7 +10378,7 @@
           <p:nvPr/>
         </p:nvPicPr>
         <p:blipFill rotWithShape="1">
-          <a:blip r:embed="rId22" cstate="print">
+          <a:blip r:embed="rId23" cstate="print">
             <a:extLst>
               <a:ext uri="{28A0092B-C50C-407E-A947-70E740481C1C}">
                 <a14:useLocalDpi xmlns:a14="http://schemas.microsoft.com/office/drawing/2010/main" val="0"/>
@@ -11978,7 +12084,7 @@
                   <a14:useLocalDpi xmlns:a14="http://schemas.microsoft.com/office/drawing/2010/main" val="0"/>
                 </a:ext>
                 <a:ext uri="{96DAC541-7B7A-43D3-8B79-37D633B846F1}">
-                  <asvg:svgBlip xmlns:asvg="http://schemas.microsoft.com/office/drawing/2016/SVG/main" r:embed="rId7"/>
+                  <asvg:svgBlip xmlns:asvg="http://schemas.microsoft.com/office/drawing/2016/SVG/main" xmlns="" r:embed="rId7"/>
                 </a:ext>
               </a:extLst>
             </a:blip>
@@ -12050,13 +12156,13 @@
           <p:nvPr/>
         </p:nvPicPr>
         <p:blipFill>
-          <a:blip r:embed="rId8">
+          <a:blip r:embed="rId8" cstate="print">
             <a:extLst>
               <a:ext uri="{28A0092B-C50C-407E-A947-70E740481C1C}">
                 <a14:useLocalDpi xmlns:a14="http://schemas.microsoft.com/office/drawing/2010/main" val="0"/>
               </a:ext>
               <a:ext uri="{96DAC541-7B7A-43D3-8B79-37D633B846F1}">
-                <asvg:svgBlip xmlns:asvg="http://schemas.microsoft.com/office/drawing/2016/SVG/main" r:embed="rId9"/>
+                <asvg:svgBlip xmlns:asvg="http://schemas.microsoft.com/office/drawing/2016/SVG/main" xmlns="" r:embed="rId9"/>
               </a:ext>
             </a:extLst>
           </a:blip>
@@ -12355,13 +12461,13 @@
             <p:nvPr/>
           </p:nvPicPr>
           <p:blipFill>
-            <a:blip r:embed="rId10">
+            <a:blip r:embed="rId10" cstate="print">
               <a:extLst>
                 <a:ext uri="{28A0092B-C50C-407E-A947-70E740481C1C}">
                   <a14:useLocalDpi xmlns:a14="http://schemas.microsoft.com/office/drawing/2010/main" val="0"/>
                 </a:ext>
                 <a:ext uri="{96DAC541-7B7A-43D3-8B79-37D633B846F1}">
-                  <asvg:svgBlip xmlns:asvg="http://schemas.microsoft.com/office/drawing/2016/SVG/main" r:embed="rId11"/>
+                  <asvg:svgBlip xmlns:asvg="http://schemas.microsoft.com/office/drawing/2016/SVG/main" xmlns="" r:embed="rId11"/>
                 </a:ext>
               </a:extLst>
             </a:blip>
@@ -12566,7 +12672,7 @@
           <p:nvPr/>
         </p:nvPicPr>
         <p:blipFill>
-          <a:blip r:embed="rId12" cstate="print">
+          <a:blip r:embed="rId14" cstate="print">
             <a:duotone>
               <a:schemeClr val="accent1">
                 <a:shade val="45000"/>
@@ -12603,13 +12709,13 @@
           <p:nvPr/>
         </p:nvPicPr>
         <p:blipFill>
-          <a:blip r:embed="rId14">
+          <a:blip r:embed="rId15" cstate="print">
             <a:extLst>
               <a:ext uri="{28A0092B-C50C-407E-A947-70E740481C1C}">
                 <a14:useLocalDpi xmlns:a14="http://schemas.microsoft.com/office/drawing/2010/main" val="0"/>
               </a:ext>
               <a:ext uri="{96DAC541-7B7A-43D3-8B79-37D633B846F1}">
-                <asvg:svgBlip xmlns:asvg="http://schemas.microsoft.com/office/drawing/2016/SVG/main" r:embed="rId15"/>
+                <asvg:svgBlip xmlns:asvg="http://schemas.microsoft.com/office/drawing/2016/SVG/main" xmlns="" r:embed="rId16"/>
               </a:ext>
             </a:extLst>
           </a:blip>
@@ -12861,13 +12967,13 @@
             <p:nvPr/>
           </p:nvPicPr>
           <p:blipFill>
-            <a:blip r:embed="rId16" cstate="print">
+            <a:blip r:embed="rId17" cstate="print">
               <a:extLst>
                 <a:ext uri="{28A0092B-C50C-407E-A947-70E740481C1C}">
                   <a14:useLocalDpi xmlns:a14="http://schemas.microsoft.com/office/drawing/2010/main" val="0"/>
                 </a:ext>
                 <a:ext uri="{96DAC541-7B7A-43D3-8B79-37D633B846F1}">
-                  <asvg:svgBlip xmlns:asvg="http://schemas.microsoft.com/office/drawing/2016/SVG/main" r:embed="rId17"/>
+                  <asvg:svgBlip xmlns:asvg="http://schemas.microsoft.com/office/drawing/2016/SVG/main" xmlns="" r:embed="rId18"/>
                 </a:ext>
               </a:extLst>
             </a:blip>
@@ -12894,13 +13000,13 @@
             <p:nvPr/>
           </p:nvPicPr>
           <p:blipFill>
-            <a:blip r:embed="rId6" cstate="print">
+            <a:blip r:embed="rId19" cstate="print">
               <a:extLst>
                 <a:ext uri="{28A0092B-C50C-407E-A947-70E740481C1C}">
                   <a14:useLocalDpi xmlns:a14="http://schemas.microsoft.com/office/drawing/2010/main" val="0"/>
                 </a:ext>
                 <a:ext uri="{96DAC541-7B7A-43D3-8B79-37D633B846F1}">
-                  <asvg:svgBlip xmlns:asvg="http://schemas.microsoft.com/office/drawing/2016/SVG/main" r:embed="rId7"/>
+                  <asvg:svgBlip xmlns:asvg="http://schemas.microsoft.com/office/drawing/2016/SVG/main" xmlns="" r:embed="rId7"/>
                 </a:ext>
               </a:extLst>
             </a:blip>
@@ -12927,11 +13033,11 @@
             <p:nvPr/>
           </p:nvPicPr>
           <p:blipFill>
-            <a:blip r:embed="rId18" cstate="print">
+            <a:blip r:embed="rId20" cstate="print">
               <a:extLst>
                 <a:ext uri="{BEBA8EAE-BF5A-486C-A8C5-ECC9F3942E4B}">
                   <a14:imgProps xmlns:a14="http://schemas.microsoft.com/office/drawing/2010/main">
-                    <a14:imgLayer r:embed="rId19">
+                    <a14:imgLayer r:embed="rId21">
                       <a14:imgEffect>
                         <a14:backgroundRemoval t="9425" b="94089" l="0" r="100000">
                           <a14:foregroundMark x1="5272" y1="63419" x2="5272" y2="63419"/>
@@ -12972,7 +13078,7 @@
             <p:nvPr/>
           </p:nvPicPr>
           <p:blipFill rotWithShape="1">
-            <a:blip r:embed="rId20" cstate="print">
+            <a:blip r:embed="rId22" cstate="print">
               <a:extLst>
                 <a:ext uri="{28A0092B-C50C-407E-A947-70E740481C1C}">
                   <a14:useLocalDpi xmlns:a14="http://schemas.microsoft.com/office/drawing/2010/main" val="0"/>
@@ -13002,13 +13108,13 @@
           <p:nvPr/>
         </p:nvPicPr>
         <p:blipFill>
-          <a:blip r:embed="rId21" cstate="print">
+          <a:blip r:embed="rId23" cstate="print">
             <a:extLst>
               <a:ext uri="{28A0092B-C50C-407E-A947-70E740481C1C}">
                 <a14:useLocalDpi xmlns:a14="http://schemas.microsoft.com/office/drawing/2010/main" val="0"/>
               </a:ext>
               <a:ext uri="{96DAC541-7B7A-43D3-8B79-37D633B846F1}">
-                <asvg:svgBlip xmlns:asvg="http://schemas.microsoft.com/office/drawing/2016/SVG/main" r:embed="rId22"/>
+                <asvg:svgBlip xmlns:asvg="http://schemas.microsoft.com/office/drawing/2016/SVG/main" xmlns="" r:embed="rId24"/>
               </a:ext>
             </a:extLst>
           </a:blip>
@@ -13035,13 +13141,13 @@
           <p:nvPr/>
         </p:nvPicPr>
         <p:blipFill>
-          <a:blip r:embed="rId23" cstate="print">
+          <a:blip r:embed="rId25" cstate="print">
             <a:extLst>
               <a:ext uri="{28A0092B-C50C-407E-A947-70E740481C1C}">
                 <a14:useLocalDpi xmlns:a14="http://schemas.microsoft.com/office/drawing/2010/main" val="0"/>
               </a:ext>
               <a:ext uri="{96DAC541-7B7A-43D3-8B79-37D633B846F1}">
-                <asvg:svgBlip xmlns:asvg="http://schemas.microsoft.com/office/drawing/2016/SVG/main" r:embed="rId24"/>
+                <asvg:svgBlip xmlns:asvg="http://schemas.microsoft.com/office/drawing/2016/SVG/main" xmlns="" r:embed="rId26"/>
               </a:ext>
             </a:extLst>
           </a:blip>
@@ -13811,7 +13917,12 @@
             <p:ph sz="half" idx="1"/>
           </p:nvPr>
         </p:nvSpPr>
-        <p:spPr/>
+        <p:spPr>
+          <a:xfrm>
+            <a:off x="3832971" y="4554823"/>
+            <a:ext cx="4895055" cy="1324967"/>
+          </a:xfrm>
+        </p:spPr>
         <p:txBody>
           <a:bodyPr anchor="t">
             <a:normAutofit/>
@@ -13822,25 +13933,28 @@
               <a:buNone/>
             </a:pPr>
             <a:r>
-              <a:rPr lang="de-DE" sz="1600" dirty="0"/>
+              <a:rPr lang="de-DE" sz="1400" dirty="0"/>
               <a:t>POST </a:t>
             </a:r>
             <a:r>
-              <a:rPr lang="de-DE" sz="1600" dirty="0">
+              <a:rPr lang="de-DE" sz="1400" dirty="0">
                 <a:hlinkClick r:id="rId2"/>
               </a:rPr>
               <a:t>https://localhost:8443/RetrieveTriples</a:t>
             </a:r>
-            <a:endParaRPr lang="de-DE" sz="1600" dirty="0"/>
-          </a:p>
-          <a:p>
-            <a:pPr marL="342900" indent="-342900">
-              <a:buFont typeface="+mj-lt"/>
-              <a:buAutoNum type="arabicPeriod"/>
+            <a:endParaRPr lang="de-DE" sz="1400" dirty="0"/>
+          </a:p>
+          <a:p>
+            <a:pPr marL="0" indent="0">
+              <a:buNone/>
             </a:pPr>
             <a:r>
-              <a:rPr lang="en-GB" sz="1600" dirty="0"/>
-              <a:t>Retrieves named entities</a:t>
+              <a:rPr lang="en-GB" sz="1400" dirty="0" smtClean="0"/>
+              <a:t>Retrieves </a:t>
+            </a:r>
+            <a:r>
+              <a:rPr lang="en-GB" sz="1400" dirty="0"/>
+              <a:t>named entities</a:t>
             </a:r>
           </a:p>
           <a:p>
@@ -13851,15 +13965,14 @@
             </a:r>
           </a:p>
           <a:p>
-            <a:pPr marL="342900" indent="-342900">
-              <a:buFont typeface="+mj-lt"/>
-              <a:buAutoNum type="arabicPeriod"/>
+            <a:pPr marL="0" indent="0">
+              <a:buNone/>
             </a:pPr>
             <a:r>
-              <a:rPr lang="en-GB" sz="1600" dirty="0"/>
+              <a:rPr lang="en-GB" sz="1400" dirty="0"/>
               <a:t>Retrieves context triples (connections between entities)</a:t>
             </a:r>
-            <a:endParaRPr lang="de-DE" sz="1600" dirty="0"/>
+            <a:endParaRPr lang="de-DE" sz="1400" dirty="0"/>
           </a:p>
         </p:txBody>
       </p:sp>
@@ -13873,34 +13986,50 @@
             <p:ph sz="half" idx="2"/>
           </p:nvPr>
         </p:nvSpPr>
-        <p:spPr/>
-        <p:txBody>
-          <a:bodyPr anchor="t"/>
+        <p:spPr>
+          <a:xfrm>
+            <a:off x="3821680" y="1962417"/>
+            <a:ext cx="4443121" cy="993436"/>
+          </a:xfrm>
+        </p:spPr>
+        <p:txBody>
+          <a:bodyPr anchor="t">
+            <a:noAutofit/>
+          </a:bodyPr>
           <a:lstStyle/>
           <a:p>
             <a:pPr marL="0" indent="0">
               <a:buNone/>
             </a:pPr>
             <a:r>
-              <a:rPr lang="de-DE" sz="1600" dirty="0"/>
+              <a:rPr lang="de-DE" sz="1400" dirty="0"/>
               <a:t>GET </a:t>
             </a:r>
             <a:r>
-              <a:rPr lang="de-DE" sz="1600" dirty="0">
+              <a:rPr lang="de-DE" sz="1400" dirty="0">
                 <a:hlinkClick r:id="rId3"/>
               </a:rPr>
-              <a:t>https://localhost:8443/RetrieveAvailableProperties</a:t>
-            </a:r>
-            <a:endParaRPr lang="de-DE" sz="1600" dirty="0"/>
-          </a:p>
-          <a:p>
-            <a:pPr marL="342900" indent="-342900">
-              <a:buFont typeface="+mj-lt"/>
-              <a:buAutoNum type="arabicPeriod"/>
+              <a:t>https://</a:t>
+            </a:r>
+            <a:r>
+              <a:rPr lang="de-DE" sz="1400" dirty="0" smtClean="0">
+                <a:hlinkClick r:id="rId3"/>
+              </a:rPr>
+              <a:t>localhost:8443/RetrieveAvailableProperties</a:t>
+            </a:r>
+            <a:endParaRPr lang="de-DE" sz="1400" dirty="0"/>
+          </a:p>
+          <a:p>
+            <a:pPr marL="0" indent="0">
+              <a:buNone/>
             </a:pPr>
             <a:r>
-              <a:rPr lang="en-GB" sz="1600" dirty="0"/>
-              <a:t>Retrieves available properties per entity type</a:t>
+              <a:rPr lang="en-GB" sz="1400" dirty="0" smtClean="0"/>
+              <a:t>Retrieves </a:t>
+            </a:r>
+            <a:r>
+              <a:rPr lang="en-GB" sz="1400" dirty="0"/>
+              <a:t>available properties per entity type</a:t>
             </a:r>
           </a:p>
           <a:p>
@@ -13934,6 +14063,280 @@
               <a:t>5</a:t>
             </a:fld>
             <a:endParaRPr lang="en-GB" dirty="0"/>
+          </a:p>
+        </p:txBody>
+      </p:sp>
+      <p:sp>
+        <p:nvSpPr>
+          <p:cNvPr id="7" name="Rechteck: abgerundete Ecken 206"/>
+          <p:cNvSpPr/>
+          <p:nvPr/>
+        </p:nvSpPr>
+        <p:spPr>
+          <a:xfrm>
+            <a:off x="9448153" y="2359261"/>
+            <a:ext cx="1599088" cy="3520529"/>
+          </a:xfrm>
+          <a:prstGeom prst="roundRect">
+            <a:avLst/>
+          </a:prstGeom>
+          <a:solidFill>
+            <a:schemeClr val="bg2"/>
+          </a:solidFill>
+          <a:ln>
+            <a:solidFill>
+              <a:schemeClr val="accent1"/>
+            </a:solidFill>
+          </a:ln>
+        </p:spPr>
+        <p:style>
+          <a:lnRef idx="2">
+            <a:schemeClr val="accent1">
+              <a:shade val="50000"/>
+            </a:schemeClr>
+          </a:lnRef>
+          <a:fillRef idx="1">
+            <a:schemeClr val="accent1"/>
+          </a:fillRef>
+          <a:effectRef idx="0">
+            <a:schemeClr val="accent1"/>
+          </a:effectRef>
+          <a:fontRef idx="minor">
+            <a:schemeClr val="lt1"/>
+          </a:fontRef>
+        </p:style>
+        <p:txBody>
+          <a:bodyPr rtlCol="0" anchor="t"/>
+          <a:lstStyle/>
+          <a:p>
+            <a:r>
+              <a:rPr lang="de-DE" dirty="0" smtClean="0">
+                <a:solidFill>
+                  <a:schemeClr val="tx1"/>
+                </a:solidFill>
+              </a:rPr>
+              <a:t>Server</a:t>
+            </a:r>
+            <a:endParaRPr lang="de-DE" dirty="0">
+              <a:solidFill>
+                <a:schemeClr val="tx1"/>
+              </a:solidFill>
+            </a:endParaRPr>
+          </a:p>
+        </p:txBody>
+      </p:sp>
+      <p:sp>
+        <p:nvSpPr>
+          <p:cNvPr id="8" name="Rechteck: abgerundete Ecken 206"/>
+          <p:cNvSpPr/>
+          <p:nvPr/>
+        </p:nvSpPr>
+        <p:spPr>
+          <a:xfrm>
+            <a:off x="1039242" y="2359260"/>
+            <a:ext cx="1599088" cy="3520529"/>
+          </a:xfrm>
+          <a:prstGeom prst="roundRect">
+            <a:avLst/>
+          </a:prstGeom>
+          <a:solidFill>
+            <a:schemeClr val="bg2"/>
+          </a:solidFill>
+          <a:ln>
+            <a:solidFill>
+              <a:schemeClr val="accent1"/>
+            </a:solidFill>
+          </a:ln>
+        </p:spPr>
+        <p:style>
+          <a:lnRef idx="2">
+            <a:schemeClr val="accent1">
+              <a:shade val="50000"/>
+            </a:schemeClr>
+          </a:lnRef>
+          <a:fillRef idx="1">
+            <a:schemeClr val="accent1"/>
+          </a:fillRef>
+          <a:effectRef idx="0">
+            <a:schemeClr val="accent1"/>
+          </a:effectRef>
+          <a:fontRef idx="minor">
+            <a:schemeClr val="lt1"/>
+          </a:fontRef>
+        </p:style>
+        <p:txBody>
+          <a:bodyPr rtlCol="0" anchor="t"/>
+          <a:lstStyle/>
+          <a:p>
+            <a:r>
+              <a:rPr lang="de-DE" dirty="0" smtClean="0">
+                <a:solidFill>
+                  <a:schemeClr val="tx1"/>
+                </a:solidFill>
+              </a:rPr>
+              <a:t>Chrome extension</a:t>
+            </a:r>
+            <a:endParaRPr lang="de-DE" dirty="0">
+              <a:solidFill>
+                <a:schemeClr val="tx1"/>
+              </a:solidFill>
+            </a:endParaRPr>
+          </a:p>
+        </p:txBody>
+      </p:sp>
+      <p:cxnSp>
+        <p:nvCxnSpPr>
+          <p:cNvPr id="9" name="Straight Arrow Connector 8"/>
+          <p:cNvCxnSpPr/>
+          <p:nvPr/>
+        </p:nvCxnSpPr>
+        <p:spPr>
+          <a:xfrm>
+            <a:off x="2638330" y="3019655"/>
+            <a:ext cx="6809823" cy="21265"/>
+          </a:xfrm>
+          <a:prstGeom prst="straightConnector1">
+            <a:avLst/>
+          </a:prstGeom>
+          <a:ln w="19050">
+            <a:headEnd type="arrow"/>
+            <a:tailEnd type="arrow"/>
+          </a:ln>
+        </p:spPr>
+        <p:style>
+          <a:lnRef idx="1">
+            <a:schemeClr val="accent1"/>
+          </a:lnRef>
+          <a:fillRef idx="0">
+            <a:schemeClr val="accent1"/>
+          </a:fillRef>
+          <a:effectRef idx="0">
+            <a:schemeClr val="accent1"/>
+          </a:effectRef>
+          <a:fontRef idx="minor">
+            <a:schemeClr val="tx1"/>
+          </a:fontRef>
+        </p:style>
+      </p:cxnSp>
+      <p:cxnSp>
+        <p:nvCxnSpPr>
+          <p:cNvPr id="11" name="Straight Arrow Connector 10"/>
+          <p:cNvCxnSpPr/>
+          <p:nvPr/>
+        </p:nvCxnSpPr>
+        <p:spPr>
+          <a:xfrm>
+            <a:off x="2638330" y="4277819"/>
+            <a:ext cx="6809823" cy="21265"/>
+          </a:xfrm>
+          <a:prstGeom prst="straightConnector1">
+            <a:avLst/>
+          </a:prstGeom>
+          <a:ln w="19050">
+            <a:headEnd type="arrow"/>
+            <a:tailEnd type="arrow"/>
+          </a:ln>
+        </p:spPr>
+        <p:style>
+          <a:lnRef idx="1">
+            <a:schemeClr val="accent1"/>
+          </a:lnRef>
+          <a:fillRef idx="0">
+            <a:schemeClr val="accent1"/>
+          </a:fillRef>
+          <a:effectRef idx="0">
+            <a:schemeClr val="accent1"/>
+          </a:effectRef>
+          <a:fontRef idx="minor">
+            <a:schemeClr val="tx1"/>
+          </a:fontRef>
+        </p:style>
+      </p:cxnSp>
+      <p:sp>
+        <p:nvSpPr>
+          <p:cNvPr id="12" name="Oval 11"/>
+          <p:cNvSpPr/>
+          <p:nvPr/>
+        </p:nvSpPr>
+        <p:spPr>
+          <a:xfrm>
+            <a:off x="5805982" y="2779889"/>
+            <a:ext cx="474517" cy="479529"/>
+          </a:xfrm>
+          <a:prstGeom prst="ellipse">
+            <a:avLst/>
+          </a:prstGeom>
+        </p:spPr>
+        <p:style>
+          <a:lnRef idx="2">
+            <a:schemeClr val="accent1">
+              <a:shade val="50000"/>
+            </a:schemeClr>
+          </a:lnRef>
+          <a:fillRef idx="1">
+            <a:schemeClr val="accent1"/>
+          </a:fillRef>
+          <a:effectRef idx="0">
+            <a:schemeClr val="accent1"/>
+          </a:effectRef>
+          <a:fontRef idx="minor">
+            <a:schemeClr val="lt1"/>
+          </a:fontRef>
+        </p:style>
+        <p:txBody>
+          <a:bodyPr rtlCol="0" anchor="ctr"/>
+          <a:lstStyle/>
+          <a:p>
+            <a:pPr algn="ctr"/>
+            <a:r>
+              <a:rPr lang="en-GB" dirty="0" smtClean="0"/>
+              <a:t>1</a:t>
+            </a:r>
+            <a:endParaRPr lang="de-DE" dirty="0"/>
+          </a:p>
+        </p:txBody>
+      </p:sp>
+      <p:sp>
+        <p:nvSpPr>
+          <p:cNvPr id="13" name="Oval 12"/>
+          <p:cNvSpPr/>
+          <p:nvPr/>
+        </p:nvSpPr>
+        <p:spPr>
+          <a:xfrm>
+            <a:off x="5805982" y="4038054"/>
+            <a:ext cx="474517" cy="479529"/>
+          </a:xfrm>
+          <a:prstGeom prst="ellipse">
+            <a:avLst/>
+          </a:prstGeom>
+        </p:spPr>
+        <p:style>
+          <a:lnRef idx="2">
+            <a:schemeClr val="accent1">
+              <a:shade val="50000"/>
+            </a:schemeClr>
+          </a:lnRef>
+          <a:fillRef idx="1">
+            <a:schemeClr val="accent1"/>
+          </a:fillRef>
+          <a:effectRef idx="0">
+            <a:schemeClr val="accent1"/>
+          </a:effectRef>
+          <a:fontRef idx="minor">
+            <a:schemeClr val="lt1"/>
+          </a:fontRef>
+        </p:style>
+        <p:txBody>
+          <a:bodyPr rtlCol="0" anchor="ctr"/>
+          <a:lstStyle/>
+          <a:p>
+            <a:pPr algn="ctr"/>
+            <a:r>
+              <a:rPr lang="en-GB" dirty="0" smtClean="0"/>
+              <a:t>2</a:t>
+            </a:r>
+            <a:endParaRPr lang="de-DE" dirty="0"/>
           </a:p>
         </p:txBody>
       </p:sp>
@@ -13947,6 +14350,115 @@
   <p:clrMapOvr>
     <a:masterClrMapping/>
   </p:clrMapOvr>
+  <p:timing>
+    <p:tnLst>
+      <p:par>
+        <p:cTn id="1" dur="indefinite" restart="never" nodeType="tmRoot">
+          <p:childTnLst>
+            <p:seq concurrent="1" nextAc="seek">
+              <p:cTn id="2" dur="indefinite" nodeType="mainSeq">
+                <p:childTnLst>
+                  <p:par>
+                    <p:cTn id="3" fill="hold">
+                      <p:stCondLst>
+                        <p:cond delay="indefinite"/>
+                        <p:cond evt="onBegin" delay="0">
+                          <p:tn val="2"/>
+                        </p:cond>
+                      </p:stCondLst>
+                      <p:childTnLst>
+                        <p:par>
+                          <p:cTn id="4" fill="hold">
+                            <p:stCondLst>
+                              <p:cond delay="0"/>
+                            </p:stCondLst>
+                            <p:childTnLst>
+                              <p:par>
+                                <p:cTn id="5" presetID="1" presetClass="entr" presetSubtype="0" fill="hold" grpId="0" nodeType="withEffect">
+                                  <p:stCondLst>
+                                    <p:cond delay="0"/>
+                                  </p:stCondLst>
+                                  <p:childTnLst>
+                                    <p:set>
+                                      <p:cBhvr>
+                                        <p:cTn id="6" dur="1" fill="hold">
+                                          <p:stCondLst>
+                                            <p:cond delay="0"/>
+                                          </p:stCondLst>
+                                        </p:cTn>
+                                        <p:tgtEl>
+                                          <p:spTgt spid="7"/>
+                                        </p:tgtEl>
+                                        <p:attrNameLst>
+                                          <p:attrName>style.visibility</p:attrName>
+                                        </p:attrNameLst>
+                                      </p:cBhvr>
+                                      <p:to>
+                                        <p:strVal val="visible"/>
+                                      </p:to>
+                                    </p:set>
+                                  </p:childTnLst>
+                                </p:cTn>
+                              </p:par>
+                              <p:par>
+                                <p:cTn id="7" presetID="1" presetClass="entr" presetSubtype="0" fill="hold" grpId="0" nodeType="withEffect">
+                                  <p:stCondLst>
+                                    <p:cond delay="0"/>
+                                  </p:stCondLst>
+                                  <p:childTnLst>
+                                    <p:set>
+                                      <p:cBhvr>
+                                        <p:cTn id="8" dur="1" fill="hold">
+                                          <p:stCondLst>
+                                            <p:cond delay="0"/>
+                                          </p:stCondLst>
+                                        </p:cTn>
+                                        <p:tgtEl>
+                                          <p:spTgt spid="8"/>
+                                        </p:tgtEl>
+                                        <p:attrNameLst>
+                                          <p:attrName>style.visibility</p:attrName>
+                                        </p:attrNameLst>
+                                      </p:cBhvr>
+                                      <p:to>
+                                        <p:strVal val="visible"/>
+                                      </p:to>
+                                    </p:set>
+                                  </p:childTnLst>
+                                </p:cTn>
+                              </p:par>
+                            </p:childTnLst>
+                          </p:cTn>
+                        </p:par>
+                      </p:childTnLst>
+                    </p:cTn>
+                  </p:par>
+                </p:childTnLst>
+              </p:cTn>
+              <p:prevCondLst>
+                <p:cond evt="onPrev" delay="0">
+                  <p:tgtEl>
+                    <p:sldTgt/>
+                  </p:tgtEl>
+                </p:cond>
+              </p:prevCondLst>
+              <p:nextCondLst>
+                <p:cond evt="onNext" delay="0">
+                  <p:tgtEl>
+                    <p:sldTgt/>
+                  </p:tgtEl>
+                </p:cond>
+              </p:nextCondLst>
+            </p:seq>
+          </p:childTnLst>
+        </p:cTn>
+      </p:par>
+    </p:tnLst>
+    <p:bldLst>
+      <p:bldP spid="7" grpId="0" animBg="1"/>
+      <p:bldP spid="8" grpId="0" animBg="1"/>
+    </p:bldLst>
+  </p:timing>
 </p:sld>
 </file>
 
@@ -13992,41 +14504,6 @@
       </p:sp>
       <p:sp>
         <p:nvSpPr>
-          <p:cNvPr id="3" name="Content Placeholder 2"/>
-          <p:cNvSpPr>
-            <a:spLocks noGrp="1"/>
-          </p:cNvSpPr>
-          <p:nvPr>
-            <p:ph idx="1"/>
-          </p:nvPr>
-        </p:nvSpPr>
-        <p:spPr/>
-        <p:txBody>
-          <a:bodyPr anchor="t"/>
-          <a:lstStyle/>
-          <a:p>
-            <a:r>
-              <a:rPr lang="en-GB" dirty="0"/>
-              <a:t>Background script on websites</a:t>
-            </a:r>
-          </a:p>
-          <a:p>
-            <a:r>
-              <a:rPr lang="en-GB" dirty="0"/>
-              <a:t>Injects HTML and JavaScript</a:t>
-            </a:r>
-          </a:p>
-          <a:p>
-            <a:r>
-              <a:rPr lang="en-GB" dirty="0"/>
-              <a:t>Handles communication with server</a:t>
-            </a:r>
-            <a:endParaRPr lang="de-DE" dirty="0"/>
-          </a:p>
-        </p:txBody>
-      </p:sp>
-      <p:sp>
-        <p:nvSpPr>
           <p:cNvPr id="4" name="Slide Number Placeholder 3"/>
           <p:cNvSpPr>
             <a:spLocks noGrp="1"/>
@@ -14049,6 +14526,2445 @@
           </a:p>
         </p:txBody>
       </p:sp>
+      <p:sp>
+        <p:nvSpPr>
+          <p:cNvPr id="5" name="Rechteck: abgerundete Ecken 2"/>
+          <p:cNvSpPr/>
+          <p:nvPr/>
+        </p:nvSpPr>
+        <p:spPr>
+          <a:xfrm>
+            <a:off x="5900049" y="2146225"/>
+            <a:ext cx="1624093" cy="3772030"/>
+          </a:xfrm>
+          <a:prstGeom prst="roundRect">
+            <a:avLst/>
+          </a:prstGeom>
+          <a:noFill/>
+          <a:ln>
+            <a:solidFill>
+              <a:schemeClr val="accent1"/>
+            </a:solidFill>
+          </a:ln>
+        </p:spPr>
+        <p:style>
+          <a:lnRef idx="2">
+            <a:schemeClr val="accent1">
+              <a:shade val="50000"/>
+            </a:schemeClr>
+          </a:lnRef>
+          <a:fillRef idx="1">
+            <a:schemeClr val="accent1"/>
+          </a:fillRef>
+          <a:effectRef idx="0">
+            <a:schemeClr val="accent1"/>
+          </a:effectRef>
+          <a:fontRef idx="minor">
+            <a:schemeClr val="lt1"/>
+          </a:fontRef>
+        </p:style>
+        <p:txBody>
+          <a:bodyPr rtlCol="0" anchor="t"/>
+          <a:lstStyle/>
+          <a:p>
+            <a:r>
+              <a:rPr lang="de-DE" dirty="0">
+                <a:solidFill>
+                  <a:schemeClr val="tx1"/>
+                </a:solidFill>
+              </a:rPr>
+              <a:t>Chrome Extension</a:t>
+            </a:r>
+          </a:p>
+        </p:txBody>
+      </p:sp>
+      <p:grpSp>
+        <p:nvGrpSpPr>
+          <p:cNvPr id="10" name="Group 9"/>
+          <p:cNvGrpSpPr/>
+          <p:nvPr/>
+        </p:nvGrpSpPr>
+        <p:grpSpPr>
+          <a:xfrm>
+            <a:off x="830747" y="3322815"/>
+            <a:ext cx="1637760" cy="1637760"/>
+            <a:chOff x="998955" y="4243888"/>
+            <a:chExt cx="1637760" cy="1637760"/>
+          </a:xfrm>
+        </p:grpSpPr>
+        <p:pic>
+          <p:nvPicPr>
+            <p:cNvPr id="6" name="Grafik 131" descr="Monitor"/>
+            <p:cNvPicPr>
+              <a:picLocks noChangeAspect="1"/>
+            </p:cNvPicPr>
+            <p:nvPr/>
+          </p:nvPicPr>
+          <p:blipFill>
+            <a:blip r:embed="rId2">
+              <a:extLst>
+                <a:ext uri="{28A0092B-C50C-407E-A947-70E740481C1C}">
+                  <a14:useLocalDpi xmlns:a14="http://schemas.microsoft.com/office/drawing/2010/main" val="0"/>
+                </a:ext>
+                <a:ext uri="{96DAC541-7B7A-43D3-8B79-37D633B846F1}">
+                  <asvg:svgBlip xmlns:asvg="http://schemas.microsoft.com/office/drawing/2016/SVG/main" xmlns="" r:embed="rId16"/>
+                </a:ext>
+              </a:extLst>
+            </a:blip>
+            <a:stretch>
+              <a:fillRect/>
+            </a:stretch>
+          </p:blipFill>
+          <p:spPr>
+            <a:xfrm>
+              <a:off x="998955" y="4243888"/>
+              <a:ext cx="1637760" cy="1637760"/>
+            </a:xfrm>
+            <a:prstGeom prst="rect">
+              <a:avLst/>
+            </a:prstGeom>
+          </p:spPr>
+        </p:pic>
+        <p:pic>
+          <p:nvPicPr>
+            <p:cNvPr id="8" name="Grafik 6"/>
+            <p:cNvPicPr>
+              <a:picLocks noChangeAspect="1"/>
+            </p:cNvPicPr>
+            <p:nvPr/>
+          </p:nvPicPr>
+          <p:blipFill>
+            <a:blip r:embed="rId17"/>
+            <a:stretch>
+              <a:fillRect/>
+            </a:stretch>
+          </p:blipFill>
+          <p:spPr>
+            <a:xfrm>
+              <a:off x="1238251" y="4585594"/>
+              <a:ext cx="1159408" cy="735437"/>
+            </a:xfrm>
+            <a:prstGeom prst="rect">
+              <a:avLst/>
+            </a:prstGeom>
+          </p:spPr>
+        </p:pic>
+      </p:grpSp>
+      <p:sp>
+        <p:nvSpPr>
+          <p:cNvPr id="11" name="Rechteck: abgerundete Ecken 2"/>
+          <p:cNvSpPr/>
+          <p:nvPr/>
+        </p:nvSpPr>
+        <p:spPr>
+          <a:xfrm>
+            <a:off x="844414" y="2109618"/>
+            <a:ext cx="1624093" cy="3772030"/>
+          </a:xfrm>
+          <a:prstGeom prst="roundRect">
+            <a:avLst/>
+          </a:prstGeom>
+          <a:noFill/>
+          <a:ln>
+            <a:solidFill>
+              <a:schemeClr val="accent1"/>
+            </a:solidFill>
+          </a:ln>
+        </p:spPr>
+        <p:style>
+          <a:lnRef idx="2">
+            <a:schemeClr val="accent1">
+              <a:shade val="50000"/>
+            </a:schemeClr>
+          </a:lnRef>
+          <a:fillRef idx="1">
+            <a:schemeClr val="accent1"/>
+          </a:fillRef>
+          <a:effectRef idx="0">
+            <a:schemeClr val="accent1"/>
+          </a:effectRef>
+          <a:fontRef idx="minor">
+            <a:schemeClr val="lt1"/>
+          </a:fontRef>
+        </p:style>
+        <p:txBody>
+          <a:bodyPr rtlCol="0" anchor="t"/>
+          <a:lstStyle/>
+          <a:p>
+            <a:r>
+              <a:rPr lang="de-DE" dirty="0" smtClean="0">
+                <a:solidFill>
+                  <a:schemeClr val="tx1"/>
+                </a:solidFill>
+              </a:rPr>
+              <a:t>Browser</a:t>
+            </a:r>
+            <a:endParaRPr lang="de-DE" dirty="0">
+              <a:solidFill>
+                <a:schemeClr val="tx1"/>
+              </a:solidFill>
+            </a:endParaRPr>
+          </a:p>
+        </p:txBody>
+      </p:sp>
+      <p:sp>
+        <p:nvSpPr>
+          <p:cNvPr id="13" name="Rechteck: abgerundete Ecken 206"/>
+          <p:cNvSpPr/>
+          <p:nvPr/>
+        </p:nvSpPr>
+        <p:spPr>
+          <a:xfrm>
+            <a:off x="9448153" y="2146225"/>
+            <a:ext cx="1599088" cy="3772030"/>
+          </a:xfrm>
+          <a:prstGeom prst="roundRect">
+            <a:avLst/>
+          </a:prstGeom>
+          <a:solidFill>
+            <a:schemeClr val="bg2"/>
+          </a:solidFill>
+          <a:ln>
+            <a:solidFill>
+              <a:schemeClr val="accent1"/>
+            </a:solidFill>
+          </a:ln>
+        </p:spPr>
+        <p:style>
+          <a:lnRef idx="2">
+            <a:schemeClr val="accent1">
+              <a:shade val="50000"/>
+            </a:schemeClr>
+          </a:lnRef>
+          <a:fillRef idx="1">
+            <a:schemeClr val="accent1"/>
+          </a:fillRef>
+          <a:effectRef idx="0">
+            <a:schemeClr val="accent1"/>
+          </a:effectRef>
+          <a:fontRef idx="minor">
+            <a:schemeClr val="lt1"/>
+          </a:fontRef>
+        </p:style>
+        <p:txBody>
+          <a:bodyPr rtlCol="0" anchor="t"/>
+          <a:lstStyle/>
+          <a:p>
+            <a:r>
+              <a:rPr lang="de-DE" dirty="0" smtClean="0">
+                <a:solidFill>
+                  <a:schemeClr val="tx1"/>
+                </a:solidFill>
+              </a:rPr>
+              <a:t>Server</a:t>
+            </a:r>
+            <a:endParaRPr lang="de-DE" dirty="0">
+              <a:solidFill>
+                <a:schemeClr val="tx1"/>
+              </a:solidFill>
+            </a:endParaRPr>
+          </a:p>
+        </p:txBody>
+      </p:sp>
+      <p:cxnSp>
+        <p:nvCxnSpPr>
+          <p:cNvPr id="15" name="Straight Arrow Connector 14"/>
+          <p:cNvCxnSpPr/>
+          <p:nvPr/>
+        </p:nvCxnSpPr>
+        <p:spPr>
+          <a:xfrm>
+            <a:off x="7524141" y="4569061"/>
+            <a:ext cx="1924011" cy="0"/>
+          </a:xfrm>
+          <a:prstGeom prst="straightConnector1">
+            <a:avLst/>
+          </a:prstGeom>
+          <a:ln w="19050">
+            <a:headEnd type="none"/>
+            <a:tailEnd type="arrow"/>
+          </a:ln>
+        </p:spPr>
+        <p:style>
+          <a:lnRef idx="1">
+            <a:schemeClr val="accent1"/>
+          </a:lnRef>
+          <a:fillRef idx="0">
+            <a:schemeClr val="accent1"/>
+          </a:fillRef>
+          <a:effectRef idx="0">
+            <a:schemeClr val="accent1"/>
+          </a:effectRef>
+          <a:fontRef idx="minor">
+            <a:schemeClr val="tx1"/>
+          </a:fontRef>
+        </p:style>
+      </p:cxnSp>
+      <p:cxnSp>
+        <p:nvCxnSpPr>
+          <p:cNvPr id="20" name="Straight Arrow Connector 19"/>
+          <p:cNvCxnSpPr/>
+          <p:nvPr/>
+        </p:nvCxnSpPr>
+        <p:spPr>
+          <a:xfrm flipH="1">
+            <a:off x="2468509" y="2523657"/>
+            <a:ext cx="3420946" cy="14345"/>
+          </a:xfrm>
+          <a:prstGeom prst="straightConnector1">
+            <a:avLst/>
+          </a:prstGeom>
+          <a:ln w="19050">
+            <a:headEnd type="none"/>
+            <a:tailEnd type="arrow"/>
+          </a:ln>
+        </p:spPr>
+        <p:style>
+          <a:lnRef idx="1">
+            <a:schemeClr val="accent1"/>
+          </a:lnRef>
+          <a:fillRef idx="0">
+            <a:schemeClr val="accent1"/>
+          </a:fillRef>
+          <a:effectRef idx="0">
+            <a:schemeClr val="accent1"/>
+          </a:effectRef>
+          <a:fontRef idx="minor">
+            <a:schemeClr val="tx1"/>
+          </a:fontRef>
+        </p:style>
+      </p:cxnSp>
+      <p:cxnSp>
+        <p:nvCxnSpPr>
+          <p:cNvPr id="49" name="Straight Arrow Connector 48"/>
+          <p:cNvCxnSpPr/>
+          <p:nvPr/>
+        </p:nvCxnSpPr>
+        <p:spPr>
+          <a:xfrm flipH="1" flipV="1">
+            <a:off x="2468510" y="3371215"/>
+            <a:ext cx="3420945" cy="12560"/>
+          </a:xfrm>
+          <a:prstGeom prst="straightConnector1">
+            <a:avLst/>
+          </a:prstGeom>
+          <a:ln w="19050">
+            <a:headEnd type="none"/>
+            <a:tailEnd type="arrow"/>
+          </a:ln>
+        </p:spPr>
+        <p:style>
+          <a:lnRef idx="1">
+            <a:schemeClr val="accent1"/>
+          </a:lnRef>
+          <a:fillRef idx="0">
+            <a:schemeClr val="accent1"/>
+          </a:fillRef>
+          <a:effectRef idx="0">
+            <a:schemeClr val="accent1"/>
+          </a:effectRef>
+          <a:fontRef idx="minor">
+            <a:schemeClr val="tx1"/>
+          </a:fontRef>
+        </p:style>
+      </p:cxnSp>
+      <p:sp>
+        <p:nvSpPr>
+          <p:cNvPr id="58" name="TextBox 57"/>
+          <p:cNvSpPr txBox="1"/>
+          <p:nvPr/>
+        </p:nvSpPr>
+        <p:spPr>
+          <a:xfrm>
+            <a:off x="1281841" y="4754334"/>
+            <a:ext cx="735571" cy="276999"/>
+          </a:xfrm>
+          <a:prstGeom prst="rect">
+            <a:avLst/>
+          </a:prstGeom>
+          <a:noFill/>
+        </p:spPr>
+        <p:txBody>
+          <a:bodyPr wrap="square" rtlCol="0">
+            <a:spAutoFit/>
+          </a:bodyPr>
+          <a:lstStyle/>
+          <a:p>
+            <a:pPr algn="ctr"/>
+            <a:r>
+              <a:rPr lang="en-GB" sz="1200" dirty="0" smtClean="0"/>
+              <a:t>Website</a:t>
+            </a:r>
+            <a:endParaRPr lang="de-DE" sz="1200" dirty="0"/>
+          </a:p>
+        </p:txBody>
+      </p:sp>
+      <p:grpSp>
+        <p:nvGrpSpPr>
+          <p:cNvPr id="61" name="Group 60"/>
+          <p:cNvGrpSpPr/>
+          <p:nvPr/>
+        </p:nvGrpSpPr>
+        <p:grpSpPr>
+          <a:xfrm>
+            <a:off x="8481212" y="3597193"/>
+            <a:ext cx="744023" cy="976781"/>
+            <a:chOff x="7052236" y="3700176"/>
+            <a:chExt cx="744023" cy="976781"/>
+          </a:xfrm>
+        </p:grpSpPr>
+        <p:pic>
+          <p:nvPicPr>
+            <p:cNvPr id="9" name="Picture 4" descr="http://westwoodcivicclub.com/wp-content/uploads/2015/11/news-icon.png"/>
+            <p:cNvPicPr>
+              <a:picLocks noChangeAspect="1" noChangeArrowheads="1"/>
+            </p:cNvPicPr>
+            <p:nvPr/>
+          </p:nvPicPr>
+          <p:blipFill rotWithShape="1">
+            <a:blip r:embed="rId18" cstate="print">
+              <a:extLst>
+                <a:ext uri="{28A0092B-C50C-407E-A947-70E740481C1C}">
+                  <a14:useLocalDpi xmlns:a14="http://schemas.microsoft.com/office/drawing/2010/main" val="0"/>
+                </a:ext>
+              </a:extLst>
+            </a:blip>
+            <a:srcRect l="5276" t="6248" r="6322" b="6114"/>
+            <a:stretch/>
+          </p:blipFill>
+          <p:spPr bwMode="auto">
+            <a:xfrm>
+              <a:off x="7052236" y="3700176"/>
+              <a:ext cx="724042" cy="717781"/>
+            </a:xfrm>
+            <a:prstGeom prst="rect">
+              <a:avLst/>
+            </a:prstGeom>
+            <a:noFill/>
+            <a:effectLst>
+              <a:softEdge rad="63500"/>
+            </a:effectLst>
+            <a:extLst>
+              <a:ext uri="{909E8E84-426E-40DD-AFC4-6F175D3DCCD1}">
+                <a14:hiddenFill xmlns:a14="http://schemas.microsoft.com/office/drawing/2010/main">
+                  <a:solidFill>
+                    <a:srgbClr val="FFFFFF"/>
+                  </a:solidFill>
+                </a14:hiddenFill>
+              </a:ext>
+            </a:extLst>
+          </p:spPr>
+        </p:pic>
+        <p:sp>
+          <p:nvSpPr>
+            <p:cNvPr id="57" name="TextBox 56"/>
+            <p:cNvSpPr txBox="1"/>
+            <p:nvPr/>
+          </p:nvSpPr>
+          <p:spPr>
+            <a:xfrm>
+              <a:off x="7060688" y="4399958"/>
+              <a:ext cx="735571" cy="276999"/>
+            </a:xfrm>
+            <a:prstGeom prst="rect">
+              <a:avLst/>
+            </a:prstGeom>
+            <a:noFill/>
+          </p:spPr>
+          <p:txBody>
+            <a:bodyPr wrap="square" rtlCol="0">
+              <a:spAutoFit/>
+            </a:bodyPr>
+            <a:lstStyle/>
+            <a:p>
+              <a:pPr algn="ctr"/>
+              <a:r>
+                <a:rPr lang="en-GB" sz="1200" dirty="0" smtClean="0"/>
+                <a:t>Content</a:t>
+              </a:r>
+              <a:endParaRPr lang="de-DE" sz="1200" dirty="0"/>
+            </a:p>
+          </p:txBody>
+        </p:sp>
+      </p:grpSp>
+      <p:grpSp>
+        <p:nvGrpSpPr>
+          <p:cNvPr id="60" name="Group 59"/>
+          <p:cNvGrpSpPr/>
+          <p:nvPr/>
+        </p:nvGrpSpPr>
+        <p:grpSpPr>
+          <a:xfrm>
+            <a:off x="7791990" y="3530163"/>
+            <a:ext cx="832361" cy="1043811"/>
+            <a:chOff x="6306726" y="3650506"/>
+            <a:chExt cx="832361" cy="1043811"/>
+          </a:xfrm>
+        </p:grpSpPr>
+        <p:pic>
+          <p:nvPicPr>
+            <p:cNvPr id="7" name="Grafik 132" descr="Prüfliste"/>
+            <p:cNvPicPr>
+              <a:picLocks noChangeAspect="1"/>
+            </p:cNvPicPr>
+            <p:nvPr/>
+          </p:nvPicPr>
+          <p:blipFill>
+            <a:blip r:embed="rId19" cstate="print">
+              <a:extLst>
+                <a:ext uri="{28A0092B-C50C-407E-A947-70E740481C1C}">
+                  <a14:useLocalDpi xmlns:a14="http://schemas.microsoft.com/office/drawing/2010/main" val="0"/>
+                </a:ext>
+                <a:ext uri="{96DAC541-7B7A-43D3-8B79-37D633B846F1}">
+                  <asvg:svgBlip xmlns:asvg="http://schemas.microsoft.com/office/drawing/2016/SVG/main" xmlns="" r:embed="rId20"/>
+                </a:ext>
+              </a:extLst>
+            </a:blip>
+            <a:stretch>
+              <a:fillRect/>
+            </a:stretch>
+          </p:blipFill>
+          <p:spPr>
+            <a:xfrm>
+              <a:off x="6306726" y="3650506"/>
+              <a:ext cx="832361" cy="832361"/>
+            </a:xfrm>
+            <a:prstGeom prst="rect">
+              <a:avLst/>
+            </a:prstGeom>
+          </p:spPr>
+        </p:pic>
+        <p:sp>
+          <p:nvSpPr>
+            <p:cNvPr id="56" name="TextBox 55"/>
+            <p:cNvSpPr txBox="1"/>
+            <p:nvPr/>
+          </p:nvSpPr>
+          <p:spPr>
+            <a:xfrm>
+              <a:off x="6348579" y="4417318"/>
+              <a:ext cx="735571" cy="276999"/>
+            </a:xfrm>
+            <a:prstGeom prst="rect">
+              <a:avLst/>
+            </a:prstGeom>
+            <a:noFill/>
+          </p:spPr>
+          <p:txBody>
+            <a:bodyPr wrap="square" rtlCol="0">
+              <a:spAutoFit/>
+            </a:bodyPr>
+            <a:lstStyle/>
+            <a:p>
+              <a:pPr algn="ctr"/>
+              <a:r>
+                <a:rPr lang="en-GB" sz="1200" dirty="0" smtClean="0"/>
+                <a:t>Options</a:t>
+              </a:r>
+              <a:endParaRPr lang="de-DE" sz="1200" dirty="0"/>
+            </a:p>
+          </p:txBody>
+        </p:sp>
+      </p:grpSp>
+      <p:cxnSp>
+        <p:nvCxnSpPr>
+          <p:cNvPr id="69" name="Straight Arrow Connector 68"/>
+          <p:cNvCxnSpPr/>
+          <p:nvPr/>
+        </p:nvCxnSpPr>
+        <p:spPr>
+          <a:xfrm flipV="1">
+            <a:off x="2476128" y="4339880"/>
+            <a:ext cx="3431540" cy="1"/>
+          </a:xfrm>
+          <a:prstGeom prst="straightConnector1">
+            <a:avLst/>
+          </a:prstGeom>
+          <a:ln w="19050">
+            <a:headEnd type="none"/>
+            <a:tailEnd type="arrow"/>
+          </a:ln>
+        </p:spPr>
+        <p:style>
+          <a:lnRef idx="1">
+            <a:schemeClr val="accent1"/>
+          </a:lnRef>
+          <a:fillRef idx="0">
+            <a:schemeClr val="accent1"/>
+          </a:fillRef>
+          <a:effectRef idx="0">
+            <a:schemeClr val="accent1"/>
+          </a:effectRef>
+          <a:fontRef idx="minor">
+            <a:schemeClr val="tx1"/>
+          </a:fontRef>
+        </p:style>
+      </p:cxnSp>
+      <p:grpSp>
+        <p:nvGrpSpPr>
+          <p:cNvPr id="66" name="Group 65"/>
+          <p:cNvGrpSpPr/>
+          <p:nvPr/>
+        </p:nvGrpSpPr>
+        <p:grpSpPr>
+          <a:xfrm>
+            <a:off x="3805619" y="3472533"/>
+            <a:ext cx="744023" cy="915821"/>
+            <a:chOff x="7052236" y="3700176"/>
+            <a:chExt cx="744023" cy="915821"/>
+          </a:xfrm>
+        </p:grpSpPr>
+        <p:pic>
+          <p:nvPicPr>
+            <p:cNvPr id="67" name="Picture 4" descr="http://westwoodcivicclub.com/wp-content/uploads/2015/11/news-icon.png"/>
+            <p:cNvPicPr>
+              <a:picLocks noChangeAspect="1" noChangeArrowheads="1"/>
+            </p:cNvPicPr>
+            <p:nvPr/>
+          </p:nvPicPr>
+          <p:blipFill rotWithShape="1">
+            <a:blip r:embed="rId18" cstate="print">
+              <a:extLst>
+                <a:ext uri="{28A0092B-C50C-407E-A947-70E740481C1C}">
+                  <a14:useLocalDpi xmlns:a14="http://schemas.microsoft.com/office/drawing/2010/main" val="0"/>
+                </a:ext>
+              </a:extLst>
+            </a:blip>
+            <a:srcRect l="5276" t="6248" r="6322" b="6114"/>
+            <a:stretch/>
+          </p:blipFill>
+          <p:spPr bwMode="auto">
+            <a:xfrm>
+              <a:off x="7052236" y="3700176"/>
+              <a:ext cx="724042" cy="717781"/>
+            </a:xfrm>
+            <a:prstGeom prst="rect">
+              <a:avLst/>
+            </a:prstGeom>
+            <a:noFill/>
+            <a:effectLst>
+              <a:softEdge rad="63500"/>
+            </a:effectLst>
+            <a:extLst>
+              <a:ext uri="{909E8E84-426E-40DD-AFC4-6F175D3DCCD1}">
+                <a14:hiddenFill xmlns:a14="http://schemas.microsoft.com/office/drawing/2010/main">
+                  <a:solidFill>
+                    <a:srgbClr val="FFFFFF"/>
+                  </a:solidFill>
+                </a14:hiddenFill>
+              </a:ext>
+            </a:extLst>
+          </p:spPr>
+        </p:pic>
+        <p:sp>
+          <p:nvSpPr>
+            <p:cNvPr id="68" name="TextBox 67"/>
+            <p:cNvSpPr txBox="1"/>
+            <p:nvPr/>
+          </p:nvSpPr>
+          <p:spPr>
+            <a:xfrm>
+              <a:off x="7060688" y="4338998"/>
+              <a:ext cx="735571" cy="276999"/>
+            </a:xfrm>
+            <a:prstGeom prst="rect">
+              <a:avLst/>
+            </a:prstGeom>
+            <a:noFill/>
+          </p:spPr>
+          <p:txBody>
+            <a:bodyPr wrap="square" rtlCol="0">
+              <a:spAutoFit/>
+            </a:bodyPr>
+            <a:lstStyle/>
+            <a:p>
+              <a:pPr algn="ctr"/>
+              <a:r>
+                <a:rPr lang="en-GB" sz="1200" dirty="0" smtClean="0"/>
+                <a:t>Content</a:t>
+              </a:r>
+              <a:endParaRPr lang="de-DE" sz="1200" dirty="0"/>
+            </a:p>
+          </p:txBody>
+        </p:sp>
+      </p:grpSp>
+      <p:grpSp>
+        <p:nvGrpSpPr>
+          <p:cNvPr id="74" name="Group 73"/>
+          <p:cNvGrpSpPr/>
+          <p:nvPr/>
+        </p:nvGrpSpPr>
+        <p:grpSpPr>
+          <a:xfrm>
+            <a:off x="3473980" y="2686347"/>
+            <a:ext cx="1435837" cy="690205"/>
+            <a:chOff x="3473980" y="2686347"/>
+            <a:chExt cx="1435837" cy="690205"/>
+          </a:xfrm>
+        </p:grpSpPr>
+        <p:sp>
+          <p:nvSpPr>
+            <p:cNvPr id="53" name="Content Placeholder 5"/>
+            <p:cNvSpPr txBox="1">
+              <a:spLocks/>
+            </p:cNvSpPr>
+            <p:nvPr/>
+          </p:nvSpPr>
+          <p:spPr>
+            <a:xfrm>
+              <a:off x="3473980" y="3092547"/>
+              <a:ext cx="1435837" cy="284005"/>
+            </a:xfrm>
+            <a:prstGeom prst="rect">
+              <a:avLst/>
+            </a:prstGeom>
+          </p:spPr>
+          <p:txBody>
+            <a:bodyPr anchor="t">
+              <a:noAutofit/>
+            </a:bodyPr>
+            <a:lstStyle>
+              <a:lvl1pPr marL="285750" indent="-285750" algn="l" defTabSz="457200" rtl="0" eaLnBrk="1" latinLnBrk="0" hangingPunct="1">
+                <a:spcBef>
+                  <a:spcPct val="20000"/>
+                </a:spcBef>
+                <a:spcAft>
+                  <a:spcPts val="600"/>
+                </a:spcAft>
+                <a:buClr>
+                  <a:schemeClr val="accent1">
+                    <a:lumMod val="75000"/>
+                  </a:schemeClr>
+                </a:buClr>
+                <a:buSzPct val="145000"/>
+                <a:buFont typeface="Arial"/>
+                <a:buChar char="•"/>
+                <a:defRPr sz="2400" kern="1200" cap="none">
+                  <a:solidFill>
+                    <a:schemeClr val="tx1"/>
+                  </a:solidFill>
+                  <a:effectLst/>
+                  <a:latin typeface="+mn-lt"/>
+                  <a:ea typeface="+mn-ea"/>
+                  <a:cs typeface="+mn-cs"/>
+                </a:defRPr>
+              </a:lvl1pPr>
+              <a:lvl2pPr marL="742950" indent="-285750" algn="l" defTabSz="457200" rtl="0" eaLnBrk="1" latinLnBrk="0" hangingPunct="1">
+                <a:spcBef>
+                  <a:spcPct val="20000"/>
+                </a:spcBef>
+                <a:spcAft>
+                  <a:spcPts val="600"/>
+                </a:spcAft>
+                <a:buClr>
+                  <a:schemeClr val="accent1">
+                    <a:lumMod val="75000"/>
+                  </a:schemeClr>
+                </a:buClr>
+                <a:buSzPct val="145000"/>
+                <a:buFont typeface="Arial"/>
+                <a:buChar char="•"/>
+                <a:defRPr sz="2000" kern="1200" cap="none">
+                  <a:solidFill>
+                    <a:schemeClr val="tx1"/>
+                  </a:solidFill>
+                  <a:effectLst/>
+                  <a:latin typeface="+mn-lt"/>
+                  <a:ea typeface="+mn-ea"/>
+                  <a:cs typeface="+mn-cs"/>
+                </a:defRPr>
+              </a:lvl2pPr>
+              <a:lvl3pPr marL="1200150" indent="-285750" algn="l" defTabSz="457200" rtl="0" eaLnBrk="1" latinLnBrk="0" hangingPunct="1">
+                <a:spcBef>
+                  <a:spcPct val="20000"/>
+                </a:spcBef>
+                <a:spcAft>
+                  <a:spcPts val="600"/>
+                </a:spcAft>
+                <a:buClr>
+                  <a:schemeClr val="accent1">
+                    <a:lumMod val="75000"/>
+                  </a:schemeClr>
+                </a:buClr>
+                <a:buSzPct val="145000"/>
+                <a:buFont typeface="Arial"/>
+                <a:buChar char="•"/>
+                <a:defRPr sz="1800" kern="1200" cap="none">
+                  <a:solidFill>
+                    <a:schemeClr val="tx1"/>
+                  </a:solidFill>
+                  <a:effectLst/>
+                  <a:latin typeface="+mn-lt"/>
+                  <a:ea typeface="+mn-ea"/>
+                  <a:cs typeface="+mn-cs"/>
+                </a:defRPr>
+              </a:lvl3pPr>
+              <a:lvl4pPr marL="1543050" indent="-171450" algn="l" defTabSz="457200" rtl="0" eaLnBrk="1" latinLnBrk="0" hangingPunct="1">
+                <a:spcBef>
+                  <a:spcPct val="20000"/>
+                </a:spcBef>
+                <a:spcAft>
+                  <a:spcPts val="600"/>
+                </a:spcAft>
+                <a:buClr>
+                  <a:schemeClr val="accent1">
+                    <a:lumMod val="75000"/>
+                  </a:schemeClr>
+                </a:buClr>
+                <a:buSzPct val="145000"/>
+                <a:buFont typeface="Arial"/>
+                <a:buChar char="•"/>
+                <a:defRPr sz="1600" kern="1200" cap="none">
+                  <a:solidFill>
+                    <a:schemeClr val="tx1"/>
+                  </a:solidFill>
+                  <a:effectLst/>
+                  <a:latin typeface="+mn-lt"/>
+                  <a:ea typeface="+mn-ea"/>
+                  <a:cs typeface="+mn-cs"/>
+                </a:defRPr>
+              </a:lvl4pPr>
+              <a:lvl5pPr marL="2000250" indent="-171450" algn="l" defTabSz="457200" rtl="0" eaLnBrk="1" latinLnBrk="0" hangingPunct="1">
+                <a:spcBef>
+                  <a:spcPct val="20000"/>
+                </a:spcBef>
+                <a:spcAft>
+                  <a:spcPts val="600"/>
+                </a:spcAft>
+                <a:buClr>
+                  <a:schemeClr val="accent1">
+                    <a:lumMod val="75000"/>
+                  </a:schemeClr>
+                </a:buClr>
+                <a:buSzPct val="145000"/>
+                <a:buFont typeface="Arial"/>
+                <a:buChar char="•"/>
+                <a:defRPr sz="1400" kern="1200" cap="none">
+                  <a:solidFill>
+                    <a:schemeClr val="tx1"/>
+                  </a:solidFill>
+                  <a:effectLst/>
+                  <a:latin typeface="+mn-lt"/>
+                  <a:ea typeface="+mn-ea"/>
+                  <a:cs typeface="+mn-cs"/>
+                </a:defRPr>
+              </a:lvl5pPr>
+              <a:lvl6pPr marL="2514600" indent="-228600" algn="l" defTabSz="457200" rtl="0" eaLnBrk="1" latinLnBrk="0" hangingPunct="1">
+                <a:spcBef>
+                  <a:spcPct val="20000"/>
+                </a:spcBef>
+                <a:spcAft>
+                  <a:spcPts val="600"/>
+                </a:spcAft>
+                <a:buClr>
+                  <a:schemeClr val="accent1">
+                    <a:lumMod val="75000"/>
+                  </a:schemeClr>
+                </a:buClr>
+                <a:buSzPct val="145000"/>
+                <a:buFont typeface="Arial"/>
+                <a:buChar char="•"/>
+                <a:defRPr sz="1400" kern="1200" cap="none">
+                  <a:solidFill>
+                    <a:schemeClr val="tx1"/>
+                  </a:solidFill>
+                  <a:effectLst/>
+                  <a:latin typeface="+mn-lt"/>
+                  <a:ea typeface="+mn-ea"/>
+                  <a:cs typeface="+mn-cs"/>
+                </a:defRPr>
+              </a:lvl6pPr>
+              <a:lvl7pPr marL="2971800" indent="-228600" algn="l" defTabSz="457200" rtl="0" eaLnBrk="1" latinLnBrk="0" hangingPunct="1">
+                <a:spcBef>
+                  <a:spcPct val="20000"/>
+                </a:spcBef>
+                <a:spcAft>
+                  <a:spcPts val="600"/>
+                </a:spcAft>
+                <a:buClr>
+                  <a:schemeClr val="accent1">
+                    <a:lumMod val="75000"/>
+                  </a:schemeClr>
+                </a:buClr>
+                <a:buSzPct val="145000"/>
+                <a:buFont typeface="Arial"/>
+                <a:buChar char="•"/>
+                <a:defRPr sz="1400" kern="1200" cap="none">
+                  <a:solidFill>
+                    <a:schemeClr val="tx1"/>
+                  </a:solidFill>
+                  <a:effectLst/>
+                  <a:latin typeface="+mn-lt"/>
+                  <a:ea typeface="+mn-ea"/>
+                  <a:cs typeface="+mn-cs"/>
+                </a:defRPr>
+              </a:lvl7pPr>
+              <a:lvl8pPr marL="3429000" indent="-228600" algn="l" defTabSz="457200" rtl="0" eaLnBrk="1" latinLnBrk="0" hangingPunct="1">
+                <a:spcBef>
+                  <a:spcPct val="20000"/>
+                </a:spcBef>
+                <a:spcAft>
+                  <a:spcPts val="600"/>
+                </a:spcAft>
+                <a:buClr>
+                  <a:schemeClr val="accent1">
+                    <a:lumMod val="75000"/>
+                  </a:schemeClr>
+                </a:buClr>
+                <a:buSzPct val="145000"/>
+                <a:buFont typeface="Arial"/>
+                <a:buChar char="•"/>
+                <a:defRPr sz="1400" kern="1200" cap="none">
+                  <a:solidFill>
+                    <a:schemeClr val="tx1"/>
+                  </a:solidFill>
+                  <a:effectLst/>
+                  <a:latin typeface="+mn-lt"/>
+                  <a:ea typeface="+mn-ea"/>
+                  <a:cs typeface="+mn-cs"/>
+                </a:defRPr>
+              </a:lvl8pPr>
+              <a:lvl9pPr marL="3886200" indent="-228600" algn="l" defTabSz="457200" rtl="0" eaLnBrk="1" latinLnBrk="0" hangingPunct="1">
+                <a:spcBef>
+                  <a:spcPct val="20000"/>
+                </a:spcBef>
+                <a:spcAft>
+                  <a:spcPts val="600"/>
+                </a:spcAft>
+                <a:buClr>
+                  <a:schemeClr val="accent1">
+                    <a:lumMod val="75000"/>
+                  </a:schemeClr>
+                </a:buClr>
+                <a:buSzPct val="145000"/>
+                <a:buFont typeface="Arial"/>
+                <a:buChar char="•"/>
+                <a:defRPr sz="1400" kern="1200" cap="none">
+                  <a:solidFill>
+                    <a:schemeClr val="tx1"/>
+                  </a:solidFill>
+                  <a:effectLst/>
+                  <a:latin typeface="+mn-lt"/>
+                  <a:ea typeface="+mn-ea"/>
+                  <a:cs typeface="+mn-cs"/>
+                </a:defRPr>
+              </a:lvl9pPr>
+            </a:lstStyle>
+            <a:p>
+              <a:pPr marL="0" indent="0" algn="ctr">
+                <a:buFont typeface="Arial"/>
+                <a:buNone/>
+              </a:pPr>
+              <a:r>
+                <a:rPr lang="en-GB" sz="1200" dirty="0" smtClean="0"/>
+                <a:t>Generate button</a:t>
+              </a:r>
+              <a:endParaRPr lang="de-DE" sz="1200" dirty="0"/>
+            </a:p>
+          </p:txBody>
+        </p:sp>
+        <p:pic>
+          <p:nvPicPr>
+            <p:cNvPr id="1028" name="Picture 4" descr="https://cdn0.iconfinder.com/data/icons/HTML5/512/HTML_Logo.png"/>
+            <p:cNvPicPr>
+              <a:picLocks noChangeAspect="1" noChangeArrowheads="1"/>
+            </p:cNvPicPr>
+            <p:nvPr/>
+          </p:nvPicPr>
+          <p:blipFill>
+            <a:blip r:embed="rId21" cstate="print">
+              <a:extLst>
+                <a:ext uri="{28A0092B-C50C-407E-A947-70E740481C1C}">
+                  <a14:useLocalDpi xmlns:a14="http://schemas.microsoft.com/office/drawing/2010/main" val="0"/>
+                </a:ext>
+              </a:extLst>
+            </a:blip>
+            <a:srcRect/>
+            <a:stretch>
+              <a:fillRect/>
+            </a:stretch>
+          </p:blipFill>
+          <p:spPr bwMode="auto">
+            <a:xfrm>
+              <a:off x="3929051" y="2686347"/>
+              <a:ext cx="495120" cy="495120"/>
+            </a:xfrm>
+            <a:prstGeom prst="rect">
+              <a:avLst/>
+            </a:prstGeom>
+            <a:noFill/>
+            <a:extLst>
+              <a:ext uri="{909E8E84-426E-40DD-AFC4-6F175D3DCCD1}">
+                <a14:hiddenFill xmlns:a14="http://schemas.microsoft.com/office/drawing/2010/main">
+                  <a:solidFill>
+                    <a:srgbClr val="FFFFFF"/>
+                  </a:solidFill>
+                </a14:hiddenFill>
+              </a:ext>
+            </a:extLst>
+          </p:spPr>
+        </p:pic>
+      </p:grpSp>
+      <p:grpSp>
+        <p:nvGrpSpPr>
+          <p:cNvPr id="75" name="Group 74"/>
+          <p:cNvGrpSpPr/>
+          <p:nvPr/>
+        </p:nvGrpSpPr>
+        <p:grpSpPr>
+          <a:xfrm>
+            <a:off x="3404128" y="1789542"/>
+            <a:ext cx="1558157" cy="734114"/>
+            <a:chOff x="2946928" y="1789542"/>
+            <a:chExt cx="1558157" cy="734114"/>
+          </a:xfrm>
+        </p:grpSpPr>
+        <p:sp>
+          <p:nvSpPr>
+            <p:cNvPr id="23" name="Content Placeholder 5"/>
+            <p:cNvSpPr txBox="1">
+              <a:spLocks/>
+            </p:cNvSpPr>
+            <p:nvPr/>
+          </p:nvSpPr>
+          <p:spPr>
+            <a:xfrm>
+              <a:off x="2946928" y="2239651"/>
+              <a:ext cx="1558157" cy="284005"/>
+            </a:xfrm>
+            <a:prstGeom prst="rect">
+              <a:avLst/>
+            </a:prstGeom>
+          </p:spPr>
+          <p:txBody>
+            <a:bodyPr anchor="t">
+              <a:noAutofit/>
+            </a:bodyPr>
+            <a:lstStyle>
+              <a:lvl1pPr marL="285750" indent="-285750" algn="l" defTabSz="457200" rtl="0" eaLnBrk="1" latinLnBrk="0" hangingPunct="1">
+                <a:spcBef>
+                  <a:spcPct val="20000"/>
+                </a:spcBef>
+                <a:spcAft>
+                  <a:spcPts val="600"/>
+                </a:spcAft>
+                <a:buClr>
+                  <a:schemeClr val="accent1">
+                    <a:lumMod val="75000"/>
+                  </a:schemeClr>
+                </a:buClr>
+                <a:buSzPct val="145000"/>
+                <a:buFont typeface="Arial"/>
+                <a:buChar char="•"/>
+                <a:defRPr sz="2400" kern="1200" cap="none">
+                  <a:solidFill>
+                    <a:schemeClr val="tx1"/>
+                  </a:solidFill>
+                  <a:effectLst/>
+                  <a:latin typeface="+mn-lt"/>
+                  <a:ea typeface="+mn-ea"/>
+                  <a:cs typeface="+mn-cs"/>
+                </a:defRPr>
+              </a:lvl1pPr>
+              <a:lvl2pPr marL="742950" indent="-285750" algn="l" defTabSz="457200" rtl="0" eaLnBrk="1" latinLnBrk="0" hangingPunct="1">
+                <a:spcBef>
+                  <a:spcPct val="20000"/>
+                </a:spcBef>
+                <a:spcAft>
+                  <a:spcPts val="600"/>
+                </a:spcAft>
+                <a:buClr>
+                  <a:schemeClr val="accent1">
+                    <a:lumMod val="75000"/>
+                  </a:schemeClr>
+                </a:buClr>
+                <a:buSzPct val="145000"/>
+                <a:buFont typeface="Arial"/>
+                <a:buChar char="•"/>
+                <a:defRPr sz="2000" kern="1200" cap="none">
+                  <a:solidFill>
+                    <a:schemeClr val="tx1"/>
+                  </a:solidFill>
+                  <a:effectLst/>
+                  <a:latin typeface="+mn-lt"/>
+                  <a:ea typeface="+mn-ea"/>
+                  <a:cs typeface="+mn-cs"/>
+                </a:defRPr>
+              </a:lvl2pPr>
+              <a:lvl3pPr marL="1200150" indent="-285750" algn="l" defTabSz="457200" rtl="0" eaLnBrk="1" latinLnBrk="0" hangingPunct="1">
+                <a:spcBef>
+                  <a:spcPct val="20000"/>
+                </a:spcBef>
+                <a:spcAft>
+                  <a:spcPts val="600"/>
+                </a:spcAft>
+                <a:buClr>
+                  <a:schemeClr val="accent1">
+                    <a:lumMod val="75000"/>
+                  </a:schemeClr>
+                </a:buClr>
+                <a:buSzPct val="145000"/>
+                <a:buFont typeface="Arial"/>
+                <a:buChar char="•"/>
+                <a:defRPr sz="1800" kern="1200" cap="none">
+                  <a:solidFill>
+                    <a:schemeClr val="tx1"/>
+                  </a:solidFill>
+                  <a:effectLst/>
+                  <a:latin typeface="+mn-lt"/>
+                  <a:ea typeface="+mn-ea"/>
+                  <a:cs typeface="+mn-cs"/>
+                </a:defRPr>
+              </a:lvl3pPr>
+              <a:lvl4pPr marL="1543050" indent="-171450" algn="l" defTabSz="457200" rtl="0" eaLnBrk="1" latinLnBrk="0" hangingPunct="1">
+                <a:spcBef>
+                  <a:spcPct val="20000"/>
+                </a:spcBef>
+                <a:spcAft>
+                  <a:spcPts val="600"/>
+                </a:spcAft>
+                <a:buClr>
+                  <a:schemeClr val="accent1">
+                    <a:lumMod val="75000"/>
+                  </a:schemeClr>
+                </a:buClr>
+                <a:buSzPct val="145000"/>
+                <a:buFont typeface="Arial"/>
+                <a:buChar char="•"/>
+                <a:defRPr sz="1600" kern="1200" cap="none">
+                  <a:solidFill>
+                    <a:schemeClr val="tx1"/>
+                  </a:solidFill>
+                  <a:effectLst/>
+                  <a:latin typeface="+mn-lt"/>
+                  <a:ea typeface="+mn-ea"/>
+                  <a:cs typeface="+mn-cs"/>
+                </a:defRPr>
+              </a:lvl4pPr>
+              <a:lvl5pPr marL="2000250" indent="-171450" algn="l" defTabSz="457200" rtl="0" eaLnBrk="1" latinLnBrk="0" hangingPunct="1">
+                <a:spcBef>
+                  <a:spcPct val="20000"/>
+                </a:spcBef>
+                <a:spcAft>
+                  <a:spcPts val="600"/>
+                </a:spcAft>
+                <a:buClr>
+                  <a:schemeClr val="accent1">
+                    <a:lumMod val="75000"/>
+                  </a:schemeClr>
+                </a:buClr>
+                <a:buSzPct val="145000"/>
+                <a:buFont typeface="Arial"/>
+                <a:buChar char="•"/>
+                <a:defRPr sz="1400" kern="1200" cap="none">
+                  <a:solidFill>
+                    <a:schemeClr val="tx1"/>
+                  </a:solidFill>
+                  <a:effectLst/>
+                  <a:latin typeface="+mn-lt"/>
+                  <a:ea typeface="+mn-ea"/>
+                  <a:cs typeface="+mn-cs"/>
+                </a:defRPr>
+              </a:lvl5pPr>
+              <a:lvl6pPr marL="2514600" indent="-228600" algn="l" defTabSz="457200" rtl="0" eaLnBrk="1" latinLnBrk="0" hangingPunct="1">
+                <a:spcBef>
+                  <a:spcPct val="20000"/>
+                </a:spcBef>
+                <a:spcAft>
+                  <a:spcPts val="600"/>
+                </a:spcAft>
+                <a:buClr>
+                  <a:schemeClr val="accent1">
+                    <a:lumMod val="75000"/>
+                  </a:schemeClr>
+                </a:buClr>
+                <a:buSzPct val="145000"/>
+                <a:buFont typeface="Arial"/>
+                <a:buChar char="•"/>
+                <a:defRPr sz="1400" kern="1200" cap="none">
+                  <a:solidFill>
+                    <a:schemeClr val="tx1"/>
+                  </a:solidFill>
+                  <a:effectLst/>
+                  <a:latin typeface="+mn-lt"/>
+                  <a:ea typeface="+mn-ea"/>
+                  <a:cs typeface="+mn-cs"/>
+                </a:defRPr>
+              </a:lvl6pPr>
+              <a:lvl7pPr marL="2971800" indent="-228600" algn="l" defTabSz="457200" rtl="0" eaLnBrk="1" latinLnBrk="0" hangingPunct="1">
+                <a:spcBef>
+                  <a:spcPct val="20000"/>
+                </a:spcBef>
+                <a:spcAft>
+                  <a:spcPts val="600"/>
+                </a:spcAft>
+                <a:buClr>
+                  <a:schemeClr val="accent1">
+                    <a:lumMod val="75000"/>
+                  </a:schemeClr>
+                </a:buClr>
+                <a:buSzPct val="145000"/>
+                <a:buFont typeface="Arial"/>
+                <a:buChar char="•"/>
+                <a:defRPr sz="1400" kern="1200" cap="none">
+                  <a:solidFill>
+                    <a:schemeClr val="tx1"/>
+                  </a:solidFill>
+                  <a:effectLst/>
+                  <a:latin typeface="+mn-lt"/>
+                  <a:ea typeface="+mn-ea"/>
+                  <a:cs typeface="+mn-cs"/>
+                </a:defRPr>
+              </a:lvl7pPr>
+              <a:lvl8pPr marL="3429000" indent="-228600" algn="l" defTabSz="457200" rtl="0" eaLnBrk="1" latinLnBrk="0" hangingPunct="1">
+                <a:spcBef>
+                  <a:spcPct val="20000"/>
+                </a:spcBef>
+                <a:spcAft>
+                  <a:spcPts val="600"/>
+                </a:spcAft>
+                <a:buClr>
+                  <a:schemeClr val="accent1">
+                    <a:lumMod val="75000"/>
+                  </a:schemeClr>
+                </a:buClr>
+                <a:buSzPct val="145000"/>
+                <a:buFont typeface="Arial"/>
+                <a:buChar char="•"/>
+                <a:defRPr sz="1400" kern="1200" cap="none">
+                  <a:solidFill>
+                    <a:schemeClr val="tx1"/>
+                  </a:solidFill>
+                  <a:effectLst/>
+                  <a:latin typeface="+mn-lt"/>
+                  <a:ea typeface="+mn-ea"/>
+                  <a:cs typeface="+mn-cs"/>
+                </a:defRPr>
+              </a:lvl8pPr>
+              <a:lvl9pPr marL="3886200" indent="-228600" algn="l" defTabSz="457200" rtl="0" eaLnBrk="1" latinLnBrk="0" hangingPunct="1">
+                <a:spcBef>
+                  <a:spcPct val="20000"/>
+                </a:spcBef>
+                <a:spcAft>
+                  <a:spcPts val="600"/>
+                </a:spcAft>
+                <a:buClr>
+                  <a:schemeClr val="accent1">
+                    <a:lumMod val="75000"/>
+                  </a:schemeClr>
+                </a:buClr>
+                <a:buSzPct val="145000"/>
+                <a:buFont typeface="Arial"/>
+                <a:buChar char="•"/>
+                <a:defRPr sz="1400" kern="1200" cap="none">
+                  <a:solidFill>
+                    <a:schemeClr val="tx1"/>
+                  </a:solidFill>
+                  <a:effectLst/>
+                  <a:latin typeface="+mn-lt"/>
+                  <a:ea typeface="+mn-ea"/>
+                  <a:cs typeface="+mn-cs"/>
+                </a:defRPr>
+              </a:lvl9pPr>
+            </a:lstStyle>
+            <a:p>
+              <a:pPr marL="0" indent="0" algn="ctr">
+                <a:buFont typeface="Arial"/>
+                <a:buNone/>
+              </a:pPr>
+              <a:r>
+                <a:rPr lang="en-GB" sz="1200" dirty="0" smtClean="0"/>
+                <a:t>Background script</a:t>
+              </a:r>
+              <a:endParaRPr lang="de-DE" sz="1200" dirty="0"/>
+            </a:p>
+          </p:txBody>
+        </p:sp>
+        <p:pic>
+          <p:nvPicPr>
+            <p:cNvPr id="1030" name="Picture 6" descr="http://dev.bowdenweb.com/a/i/js/icons/javascript-icon-512-04.png"/>
+            <p:cNvPicPr>
+              <a:picLocks noChangeAspect="1" noChangeArrowheads="1"/>
+            </p:cNvPicPr>
+            <p:nvPr/>
+          </p:nvPicPr>
+          <p:blipFill>
+            <a:blip r:embed="rId22" cstate="print">
+              <a:extLst>
+                <a:ext uri="{28A0092B-C50C-407E-A947-70E740481C1C}">
+                  <a14:useLocalDpi xmlns:a14="http://schemas.microsoft.com/office/drawing/2010/main" val="0"/>
+                </a:ext>
+              </a:extLst>
+            </a:blip>
+            <a:srcRect/>
+            <a:stretch>
+              <a:fillRect/>
+            </a:stretch>
+          </p:blipFill>
+          <p:spPr bwMode="auto">
+            <a:xfrm>
+              <a:off x="3479472" y="1789542"/>
+              <a:ext cx="450109" cy="450109"/>
+            </a:xfrm>
+            <a:prstGeom prst="rect">
+              <a:avLst/>
+            </a:prstGeom>
+            <a:noFill/>
+            <a:extLst>
+              <a:ext uri="{909E8E84-426E-40DD-AFC4-6F175D3DCCD1}">
+                <a14:hiddenFill xmlns:a14="http://schemas.microsoft.com/office/drawing/2010/main">
+                  <a:solidFill>
+                    <a:srgbClr val="FFFFFF"/>
+                  </a:solidFill>
+                </a14:hiddenFill>
+              </a:ext>
+            </a:extLst>
+          </p:spPr>
+        </p:pic>
+      </p:grpSp>
+      <p:grpSp>
+        <p:nvGrpSpPr>
+          <p:cNvPr id="84" name="Group 83"/>
+          <p:cNvGrpSpPr/>
+          <p:nvPr/>
+        </p:nvGrpSpPr>
+        <p:grpSpPr>
+          <a:xfrm>
+            <a:off x="3503575" y="5014402"/>
+            <a:ext cx="1435837" cy="690205"/>
+            <a:chOff x="3473980" y="2686347"/>
+            <a:chExt cx="1435837" cy="690205"/>
+          </a:xfrm>
+        </p:grpSpPr>
+        <p:sp>
+          <p:nvSpPr>
+            <p:cNvPr id="85" name="Content Placeholder 5"/>
+            <p:cNvSpPr txBox="1">
+              <a:spLocks/>
+            </p:cNvSpPr>
+            <p:nvPr/>
+          </p:nvSpPr>
+          <p:spPr>
+            <a:xfrm>
+              <a:off x="3473980" y="3092547"/>
+              <a:ext cx="1435837" cy="284005"/>
+            </a:xfrm>
+            <a:prstGeom prst="rect">
+              <a:avLst/>
+            </a:prstGeom>
+          </p:spPr>
+          <p:txBody>
+            <a:bodyPr anchor="t">
+              <a:noAutofit/>
+            </a:bodyPr>
+            <a:lstStyle>
+              <a:lvl1pPr marL="285750" indent="-285750" algn="l" defTabSz="457200" rtl="0" eaLnBrk="1" latinLnBrk="0" hangingPunct="1">
+                <a:spcBef>
+                  <a:spcPct val="20000"/>
+                </a:spcBef>
+                <a:spcAft>
+                  <a:spcPts val="600"/>
+                </a:spcAft>
+                <a:buClr>
+                  <a:schemeClr val="accent1">
+                    <a:lumMod val="75000"/>
+                  </a:schemeClr>
+                </a:buClr>
+                <a:buSzPct val="145000"/>
+                <a:buFont typeface="Arial"/>
+                <a:buChar char="•"/>
+                <a:defRPr sz="2400" kern="1200" cap="none">
+                  <a:solidFill>
+                    <a:schemeClr val="tx1"/>
+                  </a:solidFill>
+                  <a:effectLst/>
+                  <a:latin typeface="+mn-lt"/>
+                  <a:ea typeface="+mn-ea"/>
+                  <a:cs typeface="+mn-cs"/>
+                </a:defRPr>
+              </a:lvl1pPr>
+              <a:lvl2pPr marL="742950" indent="-285750" algn="l" defTabSz="457200" rtl="0" eaLnBrk="1" latinLnBrk="0" hangingPunct="1">
+                <a:spcBef>
+                  <a:spcPct val="20000"/>
+                </a:spcBef>
+                <a:spcAft>
+                  <a:spcPts val="600"/>
+                </a:spcAft>
+                <a:buClr>
+                  <a:schemeClr val="accent1">
+                    <a:lumMod val="75000"/>
+                  </a:schemeClr>
+                </a:buClr>
+                <a:buSzPct val="145000"/>
+                <a:buFont typeface="Arial"/>
+                <a:buChar char="•"/>
+                <a:defRPr sz="2000" kern="1200" cap="none">
+                  <a:solidFill>
+                    <a:schemeClr val="tx1"/>
+                  </a:solidFill>
+                  <a:effectLst/>
+                  <a:latin typeface="+mn-lt"/>
+                  <a:ea typeface="+mn-ea"/>
+                  <a:cs typeface="+mn-cs"/>
+                </a:defRPr>
+              </a:lvl2pPr>
+              <a:lvl3pPr marL="1200150" indent="-285750" algn="l" defTabSz="457200" rtl="0" eaLnBrk="1" latinLnBrk="0" hangingPunct="1">
+                <a:spcBef>
+                  <a:spcPct val="20000"/>
+                </a:spcBef>
+                <a:spcAft>
+                  <a:spcPts val="600"/>
+                </a:spcAft>
+                <a:buClr>
+                  <a:schemeClr val="accent1">
+                    <a:lumMod val="75000"/>
+                  </a:schemeClr>
+                </a:buClr>
+                <a:buSzPct val="145000"/>
+                <a:buFont typeface="Arial"/>
+                <a:buChar char="•"/>
+                <a:defRPr sz="1800" kern="1200" cap="none">
+                  <a:solidFill>
+                    <a:schemeClr val="tx1"/>
+                  </a:solidFill>
+                  <a:effectLst/>
+                  <a:latin typeface="+mn-lt"/>
+                  <a:ea typeface="+mn-ea"/>
+                  <a:cs typeface="+mn-cs"/>
+                </a:defRPr>
+              </a:lvl3pPr>
+              <a:lvl4pPr marL="1543050" indent="-171450" algn="l" defTabSz="457200" rtl="0" eaLnBrk="1" latinLnBrk="0" hangingPunct="1">
+                <a:spcBef>
+                  <a:spcPct val="20000"/>
+                </a:spcBef>
+                <a:spcAft>
+                  <a:spcPts val="600"/>
+                </a:spcAft>
+                <a:buClr>
+                  <a:schemeClr val="accent1">
+                    <a:lumMod val="75000"/>
+                  </a:schemeClr>
+                </a:buClr>
+                <a:buSzPct val="145000"/>
+                <a:buFont typeface="Arial"/>
+                <a:buChar char="•"/>
+                <a:defRPr sz="1600" kern="1200" cap="none">
+                  <a:solidFill>
+                    <a:schemeClr val="tx1"/>
+                  </a:solidFill>
+                  <a:effectLst/>
+                  <a:latin typeface="+mn-lt"/>
+                  <a:ea typeface="+mn-ea"/>
+                  <a:cs typeface="+mn-cs"/>
+                </a:defRPr>
+              </a:lvl4pPr>
+              <a:lvl5pPr marL="2000250" indent="-171450" algn="l" defTabSz="457200" rtl="0" eaLnBrk="1" latinLnBrk="0" hangingPunct="1">
+                <a:spcBef>
+                  <a:spcPct val="20000"/>
+                </a:spcBef>
+                <a:spcAft>
+                  <a:spcPts val="600"/>
+                </a:spcAft>
+                <a:buClr>
+                  <a:schemeClr val="accent1">
+                    <a:lumMod val="75000"/>
+                  </a:schemeClr>
+                </a:buClr>
+                <a:buSzPct val="145000"/>
+                <a:buFont typeface="Arial"/>
+                <a:buChar char="•"/>
+                <a:defRPr sz="1400" kern="1200" cap="none">
+                  <a:solidFill>
+                    <a:schemeClr val="tx1"/>
+                  </a:solidFill>
+                  <a:effectLst/>
+                  <a:latin typeface="+mn-lt"/>
+                  <a:ea typeface="+mn-ea"/>
+                  <a:cs typeface="+mn-cs"/>
+                </a:defRPr>
+              </a:lvl5pPr>
+              <a:lvl6pPr marL="2514600" indent="-228600" algn="l" defTabSz="457200" rtl="0" eaLnBrk="1" latinLnBrk="0" hangingPunct="1">
+                <a:spcBef>
+                  <a:spcPct val="20000"/>
+                </a:spcBef>
+                <a:spcAft>
+                  <a:spcPts val="600"/>
+                </a:spcAft>
+                <a:buClr>
+                  <a:schemeClr val="accent1">
+                    <a:lumMod val="75000"/>
+                  </a:schemeClr>
+                </a:buClr>
+                <a:buSzPct val="145000"/>
+                <a:buFont typeface="Arial"/>
+                <a:buChar char="•"/>
+                <a:defRPr sz="1400" kern="1200" cap="none">
+                  <a:solidFill>
+                    <a:schemeClr val="tx1"/>
+                  </a:solidFill>
+                  <a:effectLst/>
+                  <a:latin typeface="+mn-lt"/>
+                  <a:ea typeface="+mn-ea"/>
+                  <a:cs typeface="+mn-cs"/>
+                </a:defRPr>
+              </a:lvl6pPr>
+              <a:lvl7pPr marL="2971800" indent="-228600" algn="l" defTabSz="457200" rtl="0" eaLnBrk="1" latinLnBrk="0" hangingPunct="1">
+                <a:spcBef>
+                  <a:spcPct val="20000"/>
+                </a:spcBef>
+                <a:spcAft>
+                  <a:spcPts val="600"/>
+                </a:spcAft>
+                <a:buClr>
+                  <a:schemeClr val="accent1">
+                    <a:lumMod val="75000"/>
+                  </a:schemeClr>
+                </a:buClr>
+                <a:buSzPct val="145000"/>
+                <a:buFont typeface="Arial"/>
+                <a:buChar char="•"/>
+                <a:defRPr sz="1400" kern="1200" cap="none">
+                  <a:solidFill>
+                    <a:schemeClr val="tx1"/>
+                  </a:solidFill>
+                  <a:effectLst/>
+                  <a:latin typeface="+mn-lt"/>
+                  <a:ea typeface="+mn-ea"/>
+                  <a:cs typeface="+mn-cs"/>
+                </a:defRPr>
+              </a:lvl7pPr>
+              <a:lvl8pPr marL="3429000" indent="-228600" algn="l" defTabSz="457200" rtl="0" eaLnBrk="1" latinLnBrk="0" hangingPunct="1">
+                <a:spcBef>
+                  <a:spcPct val="20000"/>
+                </a:spcBef>
+                <a:spcAft>
+                  <a:spcPts val="600"/>
+                </a:spcAft>
+                <a:buClr>
+                  <a:schemeClr val="accent1">
+                    <a:lumMod val="75000"/>
+                  </a:schemeClr>
+                </a:buClr>
+                <a:buSzPct val="145000"/>
+                <a:buFont typeface="Arial"/>
+                <a:buChar char="•"/>
+                <a:defRPr sz="1400" kern="1200" cap="none">
+                  <a:solidFill>
+                    <a:schemeClr val="tx1"/>
+                  </a:solidFill>
+                  <a:effectLst/>
+                  <a:latin typeface="+mn-lt"/>
+                  <a:ea typeface="+mn-ea"/>
+                  <a:cs typeface="+mn-cs"/>
+                </a:defRPr>
+              </a:lvl8pPr>
+              <a:lvl9pPr marL="3886200" indent="-228600" algn="l" defTabSz="457200" rtl="0" eaLnBrk="1" latinLnBrk="0" hangingPunct="1">
+                <a:spcBef>
+                  <a:spcPct val="20000"/>
+                </a:spcBef>
+                <a:spcAft>
+                  <a:spcPts val="600"/>
+                </a:spcAft>
+                <a:buClr>
+                  <a:schemeClr val="accent1">
+                    <a:lumMod val="75000"/>
+                  </a:schemeClr>
+                </a:buClr>
+                <a:buSzPct val="145000"/>
+                <a:buFont typeface="Arial"/>
+                <a:buChar char="•"/>
+                <a:defRPr sz="1400" kern="1200" cap="none">
+                  <a:solidFill>
+                    <a:schemeClr val="tx1"/>
+                  </a:solidFill>
+                  <a:effectLst/>
+                  <a:latin typeface="+mn-lt"/>
+                  <a:ea typeface="+mn-ea"/>
+                  <a:cs typeface="+mn-cs"/>
+                </a:defRPr>
+              </a:lvl9pPr>
+            </a:lstStyle>
+            <a:p>
+              <a:pPr marL="0" indent="0" algn="ctr">
+                <a:buFont typeface="Arial"/>
+                <a:buNone/>
+              </a:pPr>
+              <a:r>
+                <a:rPr lang="en-GB" sz="1200" dirty="0" smtClean="0"/>
+                <a:t>Generate Popup</a:t>
+              </a:r>
+              <a:endParaRPr lang="de-DE" sz="1200" dirty="0"/>
+            </a:p>
+          </p:txBody>
+        </p:sp>
+        <p:pic>
+          <p:nvPicPr>
+            <p:cNvPr id="86" name="Picture 4" descr="https://cdn0.iconfinder.com/data/icons/HTML5/512/HTML_Logo.png"/>
+            <p:cNvPicPr>
+              <a:picLocks noChangeAspect="1" noChangeArrowheads="1"/>
+            </p:cNvPicPr>
+            <p:nvPr/>
+          </p:nvPicPr>
+          <p:blipFill>
+            <a:blip r:embed="rId21" cstate="print">
+              <a:extLst>
+                <a:ext uri="{28A0092B-C50C-407E-A947-70E740481C1C}">
+                  <a14:useLocalDpi xmlns:a14="http://schemas.microsoft.com/office/drawing/2010/main" val="0"/>
+                </a:ext>
+              </a:extLst>
+            </a:blip>
+            <a:srcRect/>
+            <a:stretch>
+              <a:fillRect/>
+            </a:stretch>
+          </p:blipFill>
+          <p:spPr bwMode="auto">
+            <a:xfrm>
+              <a:off x="3929051" y="2686347"/>
+              <a:ext cx="495120" cy="495120"/>
+            </a:xfrm>
+            <a:prstGeom prst="rect">
+              <a:avLst/>
+            </a:prstGeom>
+            <a:noFill/>
+            <a:extLst>
+              <a:ext uri="{909E8E84-426E-40DD-AFC4-6F175D3DCCD1}">
+                <a14:hiddenFill xmlns:a14="http://schemas.microsoft.com/office/drawing/2010/main">
+                  <a:solidFill>
+                    <a:srgbClr val="FFFFFF"/>
+                  </a:solidFill>
+                </a14:hiddenFill>
+              </a:ext>
+            </a:extLst>
+          </p:spPr>
+        </p:pic>
+      </p:grpSp>
+      <p:cxnSp>
+        <p:nvCxnSpPr>
+          <p:cNvPr id="87" name="Straight Arrow Connector 86"/>
+          <p:cNvCxnSpPr/>
+          <p:nvPr/>
+        </p:nvCxnSpPr>
+        <p:spPr>
+          <a:xfrm flipH="1">
+            <a:off x="2468510" y="5647747"/>
+            <a:ext cx="3439159" cy="26380"/>
+          </a:xfrm>
+          <a:prstGeom prst="straightConnector1">
+            <a:avLst/>
+          </a:prstGeom>
+          <a:ln w="19050">
+            <a:headEnd type="none"/>
+            <a:tailEnd type="arrow"/>
+          </a:ln>
+        </p:spPr>
+        <p:style>
+          <a:lnRef idx="1">
+            <a:schemeClr val="accent1"/>
+          </a:lnRef>
+          <a:fillRef idx="0">
+            <a:schemeClr val="accent1"/>
+          </a:fillRef>
+          <a:effectRef idx="0">
+            <a:schemeClr val="accent1"/>
+          </a:effectRef>
+          <a:fontRef idx="minor">
+            <a:schemeClr val="tx1"/>
+          </a:fontRef>
+        </p:style>
+      </p:cxnSp>
+      <p:cxnSp>
+        <p:nvCxnSpPr>
+          <p:cNvPr id="91" name="Straight Arrow Connector 90"/>
+          <p:cNvCxnSpPr/>
+          <p:nvPr/>
+        </p:nvCxnSpPr>
+        <p:spPr>
+          <a:xfrm flipH="1" flipV="1">
+            <a:off x="7524141" y="5467706"/>
+            <a:ext cx="1924012" cy="1"/>
+          </a:xfrm>
+          <a:prstGeom prst="straightConnector1">
+            <a:avLst/>
+          </a:prstGeom>
+          <a:ln w="19050">
+            <a:headEnd type="none"/>
+            <a:tailEnd type="arrow"/>
+          </a:ln>
+        </p:spPr>
+        <p:style>
+          <a:lnRef idx="1">
+            <a:schemeClr val="accent1"/>
+          </a:lnRef>
+          <a:fillRef idx="0">
+            <a:schemeClr val="accent1"/>
+          </a:fillRef>
+          <a:effectRef idx="0">
+            <a:schemeClr val="accent1"/>
+          </a:effectRef>
+          <a:fontRef idx="minor">
+            <a:schemeClr val="tx1"/>
+          </a:fontRef>
+        </p:style>
+      </p:cxnSp>
+      <p:grpSp>
+        <p:nvGrpSpPr>
+          <p:cNvPr id="92" name="Group 91"/>
+          <p:cNvGrpSpPr/>
+          <p:nvPr/>
+        </p:nvGrpSpPr>
+        <p:grpSpPr>
+          <a:xfrm>
+            <a:off x="7882497" y="4667024"/>
+            <a:ext cx="1226117" cy="794134"/>
+            <a:chOff x="7882497" y="4667024"/>
+            <a:chExt cx="1226117" cy="794134"/>
+          </a:xfrm>
+        </p:grpSpPr>
+        <p:pic>
+          <p:nvPicPr>
+            <p:cNvPr id="82" name="Picture 4" descr="City hall building Free Icon"/>
+            <p:cNvPicPr>
+              <a:picLocks noChangeAspect="1" noChangeArrowheads="1"/>
+            </p:cNvPicPr>
+            <p:nvPr/>
+          </p:nvPicPr>
+          <p:blipFill>
+            <a:blip r:embed="rId23" cstate="print">
+              <a:extLst>
+                <a:ext uri="{BEBA8EAE-BF5A-486C-A8C5-ECC9F3942E4B}">
+                  <a14:imgProps xmlns:a14="http://schemas.microsoft.com/office/drawing/2010/main">
+                    <a14:imgLayer r:embed="rId24">
+                      <a14:imgEffect>
+                        <a14:backgroundRemoval t="9425" b="94089" l="0" r="100000">
+                          <a14:foregroundMark x1="5272" y1="63419" x2="5272" y2="63419"/>
+                          <a14:foregroundMark x1="40096" y1="85144" x2="40096" y2="85144"/>
+                          <a14:foregroundMark x1="87700" y1="79233" x2="87700" y2="79233"/>
+                        </a14:backgroundRemoval>
+                      </a14:imgEffect>
+                    </a14:imgLayer>
+                  </a14:imgProps>
+                </a:ext>
+                <a:ext uri="{28A0092B-C50C-407E-A947-70E740481C1C}">
+                  <a14:useLocalDpi xmlns:a14="http://schemas.microsoft.com/office/drawing/2010/main" val="0"/>
+                </a:ext>
+              </a:extLst>
+            </a:blip>
+            <a:srcRect/>
+            <a:stretch>
+              <a:fillRect/>
+            </a:stretch>
+          </p:blipFill>
+          <p:spPr bwMode="auto">
+            <a:xfrm>
+              <a:off x="7899596" y="4667024"/>
+              <a:ext cx="670936" cy="670936"/>
+            </a:xfrm>
+            <a:prstGeom prst="rect">
+              <a:avLst/>
+            </a:prstGeom>
+            <a:noFill/>
+          </p:spPr>
+        </p:pic>
+        <p:pic>
+          <p:nvPicPr>
+            <p:cNvPr id="83" name="Grafik 52" descr="Benutzer"/>
+            <p:cNvPicPr>
+              <a:picLocks noChangeAspect="1"/>
+            </p:cNvPicPr>
+            <p:nvPr/>
+          </p:nvPicPr>
+          <p:blipFill>
+            <a:blip r:embed="rId25" cstate="print">
+              <a:extLst>
+                <a:ext uri="{28A0092B-C50C-407E-A947-70E740481C1C}">
+                  <a14:useLocalDpi xmlns:a14="http://schemas.microsoft.com/office/drawing/2010/main" val="0"/>
+                </a:ext>
+                <a:ext uri="{96DAC541-7B7A-43D3-8B79-37D633B846F1}">
+                  <asvg:svgBlip xmlns:asvg="http://schemas.microsoft.com/office/drawing/2016/SVG/main" xmlns="" r:embed="rId9"/>
+                </a:ext>
+              </a:extLst>
+            </a:blip>
+            <a:stretch>
+              <a:fillRect/>
+            </a:stretch>
+          </p:blipFill>
+          <p:spPr>
+            <a:xfrm>
+              <a:off x="8497799" y="4742591"/>
+              <a:ext cx="610815" cy="610815"/>
+            </a:xfrm>
+            <a:prstGeom prst="rect">
+              <a:avLst/>
+            </a:prstGeom>
+          </p:spPr>
+        </p:pic>
+        <p:sp>
+          <p:nvSpPr>
+            <p:cNvPr id="95" name="TextBox 94"/>
+            <p:cNvSpPr txBox="1"/>
+            <p:nvPr/>
+          </p:nvSpPr>
+          <p:spPr>
+            <a:xfrm>
+              <a:off x="7882497" y="5224252"/>
+              <a:ext cx="1184645" cy="236906"/>
+            </a:xfrm>
+            <a:prstGeom prst="rect">
+              <a:avLst/>
+            </a:prstGeom>
+            <a:noFill/>
+          </p:spPr>
+          <p:txBody>
+            <a:bodyPr wrap="square" rtlCol="0">
+              <a:spAutoFit/>
+            </a:bodyPr>
+            <a:lstStyle/>
+            <a:p>
+              <a:pPr algn="ctr"/>
+              <a:r>
+                <a:rPr lang="en-GB" sz="1200" dirty="0" smtClean="0"/>
+                <a:t>Named entities</a:t>
+              </a:r>
+              <a:endParaRPr lang="de-DE" sz="1200" dirty="0"/>
+            </a:p>
+          </p:txBody>
+        </p:sp>
+      </p:grpSp>
+      <p:grpSp>
+        <p:nvGrpSpPr>
+          <p:cNvPr id="97" name="Group 96"/>
+          <p:cNvGrpSpPr/>
+          <p:nvPr/>
+        </p:nvGrpSpPr>
+        <p:grpSpPr>
+          <a:xfrm>
+            <a:off x="5900049" y="3190992"/>
+            <a:ext cx="1558157" cy="969753"/>
+            <a:chOff x="2946928" y="1582478"/>
+            <a:chExt cx="1558157" cy="969753"/>
+          </a:xfrm>
+        </p:grpSpPr>
+        <p:sp>
+          <p:nvSpPr>
+            <p:cNvPr id="98" name="Content Placeholder 5"/>
+            <p:cNvSpPr txBox="1">
+              <a:spLocks/>
+            </p:cNvSpPr>
+            <p:nvPr/>
+          </p:nvSpPr>
+          <p:spPr>
+            <a:xfrm>
+              <a:off x="2946928" y="2268226"/>
+              <a:ext cx="1558157" cy="284005"/>
+            </a:xfrm>
+            <a:prstGeom prst="rect">
+              <a:avLst/>
+            </a:prstGeom>
+          </p:spPr>
+          <p:txBody>
+            <a:bodyPr anchor="t">
+              <a:noAutofit/>
+            </a:bodyPr>
+            <a:lstStyle>
+              <a:lvl1pPr marL="285750" indent="-285750" algn="l" defTabSz="457200" rtl="0" eaLnBrk="1" latinLnBrk="0" hangingPunct="1">
+                <a:spcBef>
+                  <a:spcPct val="20000"/>
+                </a:spcBef>
+                <a:spcAft>
+                  <a:spcPts val="600"/>
+                </a:spcAft>
+                <a:buClr>
+                  <a:schemeClr val="accent1">
+                    <a:lumMod val="75000"/>
+                  </a:schemeClr>
+                </a:buClr>
+                <a:buSzPct val="145000"/>
+                <a:buFont typeface="Arial"/>
+                <a:buChar char="•"/>
+                <a:defRPr sz="2400" kern="1200" cap="none">
+                  <a:solidFill>
+                    <a:schemeClr val="tx1"/>
+                  </a:solidFill>
+                  <a:effectLst/>
+                  <a:latin typeface="+mn-lt"/>
+                  <a:ea typeface="+mn-ea"/>
+                  <a:cs typeface="+mn-cs"/>
+                </a:defRPr>
+              </a:lvl1pPr>
+              <a:lvl2pPr marL="742950" indent="-285750" algn="l" defTabSz="457200" rtl="0" eaLnBrk="1" latinLnBrk="0" hangingPunct="1">
+                <a:spcBef>
+                  <a:spcPct val="20000"/>
+                </a:spcBef>
+                <a:spcAft>
+                  <a:spcPts val="600"/>
+                </a:spcAft>
+                <a:buClr>
+                  <a:schemeClr val="accent1">
+                    <a:lumMod val="75000"/>
+                  </a:schemeClr>
+                </a:buClr>
+                <a:buSzPct val="145000"/>
+                <a:buFont typeface="Arial"/>
+                <a:buChar char="•"/>
+                <a:defRPr sz="2000" kern="1200" cap="none">
+                  <a:solidFill>
+                    <a:schemeClr val="tx1"/>
+                  </a:solidFill>
+                  <a:effectLst/>
+                  <a:latin typeface="+mn-lt"/>
+                  <a:ea typeface="+mn-ea"/>
+                  <a:cs typeface="+mn-cs"/>
+                </a:defRPr>
+              </a:lvl2pPr>
+              <a:lvl3pPr marL="1200150" indent="-285750" algn="l" defTabSz="457200" rtl="0" eaLnBrk="1" latinLnBrk="0" hangingPunct="1">
+                <a:spcBef>
+                  <a:spcPct val="20000"/>
+                </a:spcBef>
+                <a:spcAft>
+                  <a:spcPts val="600"/>
+                </a:spcAft>
+                <a:buClr>
+                  <a:schemeClr val="accent1">
+                    <a:lumMod val="75000"/>
+                  </a:schemeClr>
+                </a:buClr>
+                <a:buSzPct val="145000"/>
+                <a:buFont typeface="Arial"/>
+                <a:buChar char="•"/>
+                <a:defRPr sz="1800" kern="1200" cap="none">
+                  <a:solidFill>
+                    <a:schemeClr val="tx1"/>
+                  </a:solidFill>
+                  <a:effectLst/>
+                  <a:latin typeface="+mn-lt"/>
+                  <a:ea typeface="+mn-ea"/>
+                  <a:cs typeface="+mn-cs"/>
+                </a:defRPr>
+              </a:lvl3pPr>
+              <a:lvl4pPr marL="1543050" indent="-171450" algn="l" defTabSz="457200" rtl="0" eaLnBrk="1" latinLnBrk="0" hangingPunct="1">
+                <a:spcBef>
+                  <a:spcPct val="20000"/>
+                </a:spcBef>
+                <a:spcAft>
+                  <a:spcPts val="600"/>
+                </a:spcAft>
+                <a:buClr>
+                  <a:schemeClr val="accent1">
+                    <a:lumMod val="75000"/>
+                  </a:schemeClr>
+                </a:buClr>
+                <a:buSzPct val="145000"/>
+                <a:buFont typeface="Arial"/>
+                <a:buChar char="•"/>
+                <a:defRPr sz="1600" kern="1200" cap="none">
+                  <a:solidFill>
+                    <a:schemeClr val="tx1"/>
+                  </a:solidFill>
+                  <a:effectLst/>
+                  <a:latin typeface="+mn-lt"/>
+                  <a:ea typeface="+mn-ea"/>
+                  <a:cs typeface="+mn-cs"/>
+                </a:defRPr>
+              </a:lvl4pPr>
+              <a:lvl5pPr marL="2000250" indent="-171450" algn="l" defTabSz="457200" rtl="0" eaLnBrk="1" latinLnBrk="0" hangingPunct="1">
+                <a:spcBef>
+                  <a:spcPct val="20000"/>
+                </a:spcBef>
+                <a:spcAft>
+                  <a:spcPts val="600"/>
+                </a:spcAft>
+                <a:buClr>
+                  <a:schemeClr val="accent1">
+                    <a:lumMod val="75000"/>
+                  </a:schemeClr>
+                </a:buClr>
+                <a:buSzPct val="145000"/>
+                <a:buFont typeface="Arial"/>
+                <a:buChar char="•"/>
+                <a:defRPr sz="1400" kern="1200" cap="none">
+                  <a:solidFill>
+                    <a:schemeClr val="tx1"/>
+                  </a:solidFill>
+                  <a:effectLst/>
+                  <a:latin typeface="+mn-lt"/>
+                  <a:ea typeface="+mn-ea"/>
+                  <a:cs typeface="+mn-cs"/>
+                </a:defRPr>
+              </a:lvl5pPr>
+              <a:lvl6pPr marL="2514600" indent="-228600" algn="l" defTabSz="457200" rtl="0" eaLnBrk="1" latinLnBrk="0" hangingPunct="1">
+                <a:spcBef>
+                  <a:spcPct val="20000"/>
+                </a:spcBef>
+                <a:spcAft>
+                  <a:spcPts val="600"/>
+                </a:spcAft>
+                <a:buClr>
+                  <a:schemeClr val="accent1">
+                    <a:lumMod val="75000"/>
+                  </a:schemeClr>
+                </a:buClr>
+                <a:buSzPct val="145000"/>
+                <a:buFont typeface="Arial"/>
+                <a:buChar char="•"/>
+                <a:defRPr sz="1400" kern="1200" cap="none">
+                  <a:solidFill>
+                    <a:schemeClr val="tx1"/>
+                  </a:solidFill>
+                  <a:effectLst/>
+                  <a:latin typeface="+mn-lt"/>
+                  <a:ea typeface="+mn-ea"/>
+                  <a:cs typeface="+mn-cs"/>
+                </a:defRPr>
+              </a:lvl6pPr>
+              <a:lvl7pPr marL="2971800" indent="-228600" algn="l" defTabSz="457200" rtl="0" eaLnBrk="1" latinLnBrk="0" hangingPunct="1">
+                <a:spcBef>
+                  <a:spcPct val="20000"/>
+                </a:spcBef>
+                <a:spcAft>
+                  <a:spcPts val="600"/>
+                </a:spcAft>
+                <a:buClr>
+                  <a:schemeClr val="accent1">
+                    <a:lumMod val="75000"/>
+                  </a:schemeClr>
+                </a:buClr>
+                <a:buSzPct val="145000"/>
+                <a:buFont typeface="Arial"/>
+                <a:buChar char="•"/>
+                <a:defRPr sz="1400" kern="1200" cap="none">
+                  <a:solidFill>
+                    <a:schemeClr val="tx1"/>
+                  </a:solidFill>
+                  <a:effectLst/>
+                  <a:latin typeface="+mn-lt"/>
+                  <a:ea typeface="+mn-ea"/>
+                  <a:cs typeface="+mn-cs"/>
+                </a:defRPr>
+              </a:lvl7pPr>
+              <a:lvl8pPr marL="3429000" indent="-228600" algn="l" defTabSz="457200" rtl="0" eaLnBrk="1" latinLnBrk="0" hangingPunct="1">
+                <a:spcBef>
+                  <a:spcPct val="20000"/>
+                </a:spcBef>
+                <a:spcAft>
+                  <a:spcPts val="600"/>
+                </a:spcAft>
+                <a:buClr>
+                  <a:schemeClr val="accent1">
+                    <a:lumMod val="75000"/>
+                  </a:schemeClr>
+                </a:buClr>
+                <a:buSzPct val="145000"/>
+                <a:buFont typeface="Arial"/>
+                <a:buChar char="•"/>
+                <a:defRPr sz="1400" kern="1200" cap="none">
+                  <a:solidFill>
+                    <a:schemeClr val="tx1"/>
+                  </a:solidFill>
+                  <a:effectLst/>
+                  <a:latin typeface="+mn-lt"/>
+                  <a:ea typeface="+mn-ea"/>
+                  <a:cs typeface="+mn-cs"/>
+                </a:defRPr>
+              </a:lvl8pPr>
+              <a:lvl9pPr marL="3886200" indent="-228600" algn="l" defTabSz="457200" rtl="0" eaLnBrk="1" latinLnBrk="0" hangingPunct="1">
+                <a:spcBef>
+                  <a:spcPct val="20000"/>
+                </a:spcBef>
+                <a:spcAft>
+                  <a:spcPts val="600"/>
+                </a:spcAft>
+                <a:buClr>
+                  <a:schemeClr val="accent1">
+                    <a:lumMod val="75000"/>
+                  </a:schemeClr>
+                </a:buClr>
+                <a:buSzPct val="145000"/>
+                <a:buFont typeface="Arial"/>
+                <a:buChar char="•"/>
+                <a:defRPr sz="1400" kern="1200" cap="none">
+                  <a:solidFill>
+                    <a:schemeClr val="tx1"/>
+                  </a:solidFill>
+                  <a:effectLst/>
+                  <a:latin typeface="+mn-lt"/>
+                  <a:ea typeface="+mn-ea"/>
+                  <a:cs typeface="+mn-cs"/>
+                </a:defRPr>
+              </a:lvl9pPr>
+            </a:lstStyle>
+            <a:p>
+              <a:pPr marL="0" indent="0" algn="ctr">
+                <a:buFont typeface="Arial"/>
+                <a:buNone/>
+              </a:pPr>
+              <a:r>
+                <a:rPr lang="en-GB" sz="1200" dirty="0" smtClean="0"/>
+                <a:t>JavaScript</a:t>
+              </a:r>
+              <a:endParaRPr lang="de-DE" sz="1200" dirty="0"/>
+            </a:p>
+          </p:txBody>
+        </p:sp>
+        <p:pic>
+          <p:nvPicPr>
+            <p:cNvPr id="99" name="Picture 6" descr="http://dev.bowdenweb.com/a/i/js/icons/javascript-icon-512-04.png"/>
+            <p:cNvPicPr>
+              <a:picLocks noChangeAspect="1" noChangeArrowheads="1"/>
+            </p:cNvPicPr>
+            <p:nvPr/>
+          </p:nvPicPr>
+          <p:blipFill>
+            <a:blip r:embed="rId26" cstate="print">
+              <a:extLst>
+                <a:ext uri="{28A0092B-C50C-407E-A947-70E740481C1C}">
+                  <a14:useLocalDpi xmlns:a14="http://schemas.microsoft.com/office/drawing/2010/main" val="0"/>
+                </a:ext>
+              </a:extLst>
+            </a:blip>
+            <a:srcRect/>
+            <a:stretch>
+              <a:fillRect/>
+            </a:stretch>
+          </p:blipFill>
+          <p:spPr bwMode="auto">
+            <a:xfrm>
+              <a:off x="3358133" y="1582478"/>
+              <a:ext cx="676223" cy="676223"/>
+            </a:xfrm>
+            <a:prstGeom prst="rect">
+              <a:avLst/>
+            </a:prstGeom>
+            <a:noFill/>
+            <a:extLst>
+              <a:ext uri="{909E8E84-426E-40DD-AFC4-6F175D3DCCD1}">
+                <a14:hiddenFill xmlns:a14="http://schemas.microsoft.com/office/drawing/2010/main">
+                  <a:solidFill>
+                    <a:srgbClr val="FFFFFF"/>
+                  </a:solidFill>
+                </a14:hiddenFill>
+              </a:ext>
+            </a:extLst>
+          </p:spPr>
+        </p:pic>
+      </p:grpSp>
+      <p:grpSp>
+        <p:nvGrpSpPr>
+          <p:cNvPr id="93" name="Group 92"/>
+          <p:cNvGrpSpPr/>
+          <p:nvPr/>
+        </p:nvGrpSpPr>
+        <p:grpSpPr>
+          <a:xfrm>
+            <a:off x="5889455" y="4407517"/>
+            <a:ext cx="1558157" cy="1181045"/>
+            <a:chOff x="5889455" y="4864717"/>
+            <a:chExt cx="1558157" cy="1181045"/>
+          </a:xfrm>
+        </p:grpSpPr>
+        <p:pic>
+          <p:nvPicPr>
+            <p:cNvPr id="1032" name="Picture 8" descr="Free Icons: Css Icon | Web"/>
+            <p:cNvPicPr>
+              <a:picLocks noChangeAspect="1" noChangeArrowheads="1"/>
+            </p:cNvPicPr>
+            <p:nvPr/>
+          </p:nvPicPr>
+          <p:blipFill>
+            <a:blip r:embed="rId27" cstate="print">
+              <a:extLst>
+                <a:ext uri="{28A0092B-C50C-407E-A947-70E740481C1C}">
+                  <a14:useLocalDpi xmlns:a14="http://schemas.microsoft.com/office/drawing/2010/main" val="0"/>
+                </a:ext>
+              </a:extLst>
+            </a:blip>
+            <a:srcRect/>
+            <a:stretch>
+              <a:fillRect/>
+            </a:stretch>
+          </p:blipFill>
+          <p:spPr bwMode="auto">
+            <a:xfrm>
+              <a:off x="6201139" y="4864717"/>
+              <a:ext cx="955974" cy="955974"/>
+            </a:xfrm>
+            <a:prstGeom prst="rect">
+              <a:avLst/>
+            </a:prstGeom>
+            <a:noFill/>
+            <a:extLst>
+              <a:ext uri="{909E8E84-426E-40DD-AFC4-6F175D3DCCD1}">
+                <a14:hiddenFill xmlns:a14="http://schemas.microsoft.com/office/drawing/2010/main">
+                  <a:solidFill>
+                    <a:srgbClr val="FFFFFF"/>
+                  </a:solidFill>
+                </a14:hiddenFill>
+              </a:ext>
+            </a:extLst>
+          </p:spPr>
+        </p:pic>
+        <p:sp>
+          <p:nvSpPr>
+            <p:cNvPr id="101" name="Content Placeholder 5"/>
+            <p:cNvSpPr txBox="1">
+              <a:spLocks/>
+            </p:cNvSpPr>
+            <p:nvPr/>
+          </p:nvSpPr>
+          <p:spPr>
+            <a:xfrm>
+              <a:off x="5889455" y="5761757"/>
+              <a:ext cx="1558157" cy="284005"/>
+            </a:xfrm>
+            <a:prstGeom prst="rect">
+              <a:avLst/>
+            </a:prstGeom>
+          </p:spPr>
+          <p:txBody>
+            <a:bodyPr anchor="t">
+              <a:noAutofit/>
+            </a:bodyPr>
+            <a:lstStyle>
+              <a:lvl1pPr marL="285750" indent="-285750" algn="l" defTabSz="457200" rtl="0" eaLnBrk="1" latinLnBrk="0" hangingPunct="1">
+                <a:spcBef>
+                  <a:spcPct val="20000"/>
+                </a:spcBef>
+                <a:spcAft>
+                  <a:spcPts val="600"/>
+                </a:spcAft>
+                <a:buClr>
+                  <a:schemeClr val="accent1">
+                    <a:lumMod val="75000"/>
+                  </a:schemeClr>
+                </a:buClr>
+                <a:buSzPct val="145000"/>
+                <a:buFont typeface="Arial"/>
+                <a:buChar char="•"/>
+                <a:defRPr sz="2400" kern="1200" cap="none">
+                  <a:solidFill>
+                    <a:schemeClr val="tx1"/>
+                  </a:solidFill>
+                  <a:effectLst/>
+                  <a:latin typeface="+mn-lt"/>
+                  <a:ea typeface="+mn-ea"/>
+                  <a:cs typeface="+mn-cs"/>
+                </a:defRPr>
+              </a:lvl1pPr>
+              <a:lvl2pPr marL="742950" indent="-285750" algn="l" defTabSz="457200" rtl="0" eaLnBrk="1" latinLnBrk="0" hangingPunct="1">
+                <a:spcBef>
+                  <a:spcPct val="20000"/>
+                </a:spcBef>
+                <a:spcAft>
+                  <a:spcPts val="600"/>
+                </a:spcAft>
+                <a:buClr>
+                  <a:schemeClr val="accent1">
+                    <a:lumMod val="75000"/>
+                  </a:schemeClr>
+                </a:buClr>
+                <a:buSzPct val="145000"/>
+                <a:buFont typeface="Arial"/>
+                <a:buChar char="•"/>
+                <a:defRPr sz="2000" kern="1200" cap="none">
+                  <a:solidFill>
+                    <a:schemeClr val="tx1"/>
+                  </a:solidFill>
+                  <a:effectLst/>
+                  <a:latin typeface="+mn-lt"/>
+                  <a:ea typeface="+mn-ea"/>
+                  <a:cs typeface="+mn-cs"/>
+                </a:defRPr>
+              </a:lvl2pPr>
+              <a:lvl3pPr marL="1200150" indent="-285750" algn="l" defTabSz="457200" rtl="0" eaLnBrk="1" latinLnBrk="0" hangingPunct="1">
+                <a:spcBef>
+                  <a:spcPct val="20000"/>
+                </a:spcBef>
+                <a:spcAft>
+                  <a:spcPts val="600"/>
+                </a:spcAft>
+                <a:buClr>
+                  <a:schemeClr val="accent1">
+                    <a:lumMod val="75000"/>
+                  </a:schemeClr>
+                </a:buClr>
+                <a:buSzPct val="145000"/>
+                <a:buFont typeface="Arial"/>
+                <a:buChar char="•"/>
+                <a:defRPr sz="1800" kern="1200" cap="none">
+                  <a:solidFill>
+                    <a:schemeClr val="tx1"/>
+                  </a:solidFill>
+                  <a:effectLst/>
+                  <a:latin typeface="+mn-lt"/>
+                  <a:ea typeface="+mn-ea"/>
+                  <a:cs typeface="+mn-cs"/>
+                </a:defRPr>
+              </a:lvl3pPr>
+              <a:lvl4pPr marL="1543050" indent="-171450" algn="l" defTabSz="457200" rtl="0" eaLnBrk="1" latinLnBrk="0" hangingPunct="1">
+                <a:spcBef>
+                  <a:spcPct val="20000"/>
+                </a:spcBef>
+                <a:spcAft>
+                  <a:spcPts val="600"/>
+                </a:spcAft>
+                <a:buClr>
+                  <a:schemeClr val="accent1">
+                    <a:lumMod val="75000"/>
+                  </a:schemeClr>
+                </a:buClr>
+                <a:buSzPct val="145000"/>
+                <a:buFont typeface="Arial"/>
+                <a:buChar char="•"/>
+                <a:defRPr sz="1600" kern="1200" cap="none">
+                  <a:solidFill>
+                    <a:schemeClr val="tx1"/>
+                  </a:solidFill>
+                  <a:effectLst/>
+                  <a:latin typeface="+mn-lt"/>
+                  <a:ea typeface="+mn-ea"/>
+                  <a:cs typeface="+mn-cs"/>
+                </a:defRPr>
+              </a:lvl4pPr>
+              <a:lvl5pPr marL="2000250" indent="-171450" algn="l" defTabSz="457200" rtl="0" eaLnBrk="1" latinLnBrk="0" hangingPunct="1">
+                <a:spcBef>
+                  <a:spcPct val="20000"/>
+                </a:spcBef>
+                <a:spcAft>
+                  <a:spcPts val="600"/>
+                </a:spcAft>
+                <a:buClr>
+                  <a:schemeClr val="accent1">
+                    <a:lumMod val="75000"/>
+                  </a:schemeClr>
+                </a:buClr>
+                <a:buSzPct val="145000"/>
+                <a:buFont typeface="Arial"/>
+                <a:buChar char="•"/>
+                <a:defRPr sz="1400" kern="1200" cap="none">
+                  <a:solidFill>
+                    <a:schemeClr val="tx1"/>
+                  </a:solidFill>
+                  <a:effectLst/>
+                  <a:latin typeface="+mn-lt"/>
+                  <a:ea typeface="+mn-ea"/>
+                  <a:cs typeface="+mn-cs"/>
+                </a:defRPr>
+              </a:lvl5pPr>
+              <a:lvl6pPr marL="2514600" indent="-228600" algn="l" defTabSz="457200" rtl="0" eaLnBrk="1" latinLnBrk="0" hangingPunct="1">
+                <a:spcBef>
+                  <a:spcPct val="20000"/>
+                </a:spcBef>
+                <a:spcAft>
+                  <a:spcPts val="600"/>
+                </a:spcAft>
+                <a:buClr>
+                  <a:schemeClr val="accent1">
+                    <a:lumMod val="75000"/>
+                  </a:schemeClr>
+                </a:buClr>
+                <a:buSzPct val="145000"/>
+                <a:buFont typeface="Arial"/>
+                <a:buChar char="•"/>
+                <a:defRPr sz="1400" kern="1200" cap="none">
+                  <a:solidFill>
+                    <a:schemeClr val="tx1"/>
+                  </a:solidFill>
+                  <a:effectLst/>
+                  <a:latin typeface="+mn-lt"/>
+                  <a:ea typeface="+mn-ea"/>
+                  <a:cs typeface="+mn-cs"/>
+                </a:defRPr>
+              </a:lvl6pPr>
+              <a:lvl7pPr marL="2971800" indent="-228600" algn="l" defTabSz="457200" rtl="0" eaLnBrk="1" latinLnBrk="0" hangingPunct="1">
+                <a:spcBef>
+                  <a:spcPct val="20000"/>
+                </a:spcBef>
+                <a:spcAft>
+                  <a:spcPts val="600"/>
+                </a:spcAft>
+                <a:buClr>
+                  <a:schemeClr val="accent1">
+                    <a:lumMod val="75000"/>
+                  </a:schemeClr>
+                </a:buClr>
+                <a:buSzPct val="145000"/>
+                <a:buFont typeface="Arial"/>
+                <a:buChar char="•"/>
+                <a:defRPr sz="1400" kern="1200" cap="none">
+                  <a:solidFill>
+                    <a:schemeClr val="tx1"/>
+                  </a:solidFill>
+                  <a:effectLst/>
+                  <a:latin typeface="+mn-lt"/>
+                  <a:ea typeface="+mn-ea"/>
+                  <a:cs typeface="+mn-cs"/>
+                </a:defRPr>
+              </a:lvl7pPr>
+              <a:lvl8pPr marL="3429000" indent="-228600" algn="l" defTabSz="457200" rtl="0" eaLnBrk="1" latinLnBrk="0" hangingPunct="1">
+                <a:spcBef>
+                  <a:spcPct val="20000"/>
+                </a:spcBef>
+                <a:spcAft>
+                  <a:spcPts val="600"/>
+                </a:spcAft>
+                <a:buClr>
+                  <a:schemeClr val="accent1">
+                    <a:lumMod val="75000"/>
+                  </a:schemeClr>
+                </a:buClr>
+                <a:buSzPct val="145000"/>
+                <a:buFont typeface="Arial"/>
+                <a:buChar char="•"/>
+                <a:defRPr sz="1400" kern="1200" cap="none">
+                  <a:solidFill>
+                    <a:schemeClr val="tx1"/>
+                  </a:solidFill>
+                  <a:effectLst/>
+                  <a:latin typeface="+mn-lt"/>
+                  <a:ea typeface="+mn-ea"/>
+                  <a:cs typeface="+mn-cs"/>
+                </a:defRPr>
+              </a:lvl8pPr>
+              <a:lvl9pPr marL="3886200" indent="-228600" algn="l" defTabSz="457200" rtl="0" eaLnBrk="1" latinLnBrk="0" hangingPunct="1">
+                <a:spcBef>
+                  <a:spcPct val="20000"/>
+                </a:spcBef>
+                <a:spcAft>
+                  <a:spcPts val="600"/>
+                </a:spcAft>
+                <a:buClr>
+                  <a:schemeClr val="accent1">
+                    <a:lumMod val="75000"/>
+                  </a:schemeClr>
+                </a:buClr>
+                <a:buSzPct val="145000"/>
+                <a:buFont typeface="Arial"/>
+                <a:buChar char="•"/>
+                <a:defRPr sz="1400" kern="1200" cap="none">
+                  <a:solidFill>
+                    <a:schemeClr val="tx1"/>
+                  </a:solidFill>
+                  <a:effectLst/>
+                  <a:latin typeface="+mn-lt"/>
+                  <a:ea typeface="+mn-ea"/>
+                  <a:cs typeface="+mn-cs"/>
+                </a:defRPr>
+              </a:lvl9pPr>
+            </a:lstStyle>
+            <a:p>
+              <a:pPr marL="0" indent="0" algn="ctr">
+                <a:buFont typeface="Arial"/>
+                <a:buNone/>
+              </a:pPr>
+              <a:r>
+                <a:rPr lang="en-GB" sz="1200" dirty="0" smtClean="0"/>
+                <a:t>CSS stylesheets</a:t>
+              </a:r>
+              <a:endParaRPr lang="de-DE" sz="1200" dirty="0"/>
+            </a:p>
+          </p:txBody>
+        </p:sp>
+      </p:grpSp>
     </p:spTree>
     <p:extLst>
       <p:ext uri="{BB962C8B-B14F-4D97-AF65-F5344CB8AC3E}">
@@ -14059,6 +16975,87 @@
   <p:clrMapOvr>
     <a:masterClrMapping/>
   </p:clrMapOvr>
+  <p:timing>
+    <p:tnLst>
+      <p:par>
+        <p:cTn id="1" dur="indefinite" restart="never" nodeType="tmRoot">
+          <p:childTnLst>
+            <p:seq concurrent="1" nextAc="seek">
+              <p:cTn id="2" dur="indefinite" nodeType="mainSeq">
+                <p:childTnLst>
+                  <p:par>
+                    <p:cTn id="3" fill="hold">
+                      <p:stCondLst>
+                        <p:cond delay="indefinite"/>
+                        <p:cond evt="onBegin" delay="0">
+                          <p:tn val="2"/>
+                        </p:cond>
+                      </p:stCondLst>
+                      <p:childTnLst>
+                        <p:par>
+                          <p:cTn id="4" fill="hold">
+                            <p:stCondLst>
+                              <p:cond delay="0"/>
+                            </p:stCondLst>
+                            <p:childTnLst>
+                              <p:par>
+                                <p:cTn id="5" presetID="1" presetClass="entr" presetSubtype="0" fill="hold" grpId="0" nodeType="withEffect">
+                                  <p:stCondLst>
+                                    <p:cond delay="0"/>
+                                  </p:stCondLst>
+                                  <p:childTnLst>
+                                    <p:set>
+                                      <p:cBhvr>
+                                        <p:cTn id="6" dur="1" fill="hold">
+                                          <p:stCondLst>
+                                            <p:cond delay="0"/>
+                                          </p:stCondLst>
+                                        </p:cTn>
+                                        <p:tgtEl>
+                                          <p:spTgt spid="13"/>
+                                        </p:tgtEl>
+                                        <p:attrNameLst>
+                                          <p:attrName>style.visibility</p:attrName>
+                                        </p:attrNameLst>
+                                      </p:cBhvr>
+                                      <p:to>
+                                        <p:strVal val="visible"/>
+                                      </p:to>
+                                    </p:set>
+                                  </p:childTnLst>
+                                </p:cTn>
+                              </p:par>
+                            </p:childTnLst>
+                          </p:cTn>
+                        </p:par>
+                      </p:childTnLst>
+                    </p:cTn>
+                  </p:par>
+                </p:childTnLst>
+              </p:cTn>
+              <p:prevCondLst>
+                <p:cond evt="onPrev" delay="0">
+                  <p:tgtEl>
+                    <p:sldTgt/>
+                  </p:tgtEl>
+                </p:cond>
+              </p:prevCondLst>
+              <p:nextCondLst>
+                <p:cond evt="onNext" delay="0">
+                  <p:tgtEl>
+                    <p:sldTgt/>
+                  </p:tgtEl>
+                </p:cond>
+              </p:nextCondLst>
+            </p:seq>
+          </p:childTnLst>
+        </p:cTn>
+      </p:par>
+    </p:tnLst>
+    <p:bldLst>
+      <p:bldP spid="13" grpId="0" animBg="1"/>
+    </p:bldLst>
+  </p:timing>
 </p:sld>
 </file>
 
@@ -14081,83 +17078,30 @@
       </p:grpSpPr>
       <p:sp>
         <p:nvSpPr>
-          <p:cNvPr id="2" name="Title 1"/>
+          <p:cNvPr id="5" name="Title 4"/>
           <p:cNvSpPr>
             <a:spLocks noGrp="1"/>
           </p:cNvSpPr>
           <p:nvPr>
-            <p:ph type="title"/>
+            <p:ph type="ctrTitle"/>
           </p:nvPr>
         </p:nvSpPr>
-        <p:spPr/>
-        <p:txBody>
-          <a:bodyPr/>
+        <p:spPr>
+          <a:xfrm>
+            <a:off x="1687430" y="2098525"/>
+            <a:ext cx="8574622" cy="2616199"/>
+          </a:xfrm>
+        </p:spPr>
+        <p:txBody>
+          <a:bodyPr anchor="ctr"/>
           <a:lstStyle/>
           <a:p>
+            <a:pPr algn="ctr"/>
             <a:r>
               <a:rPr lang="en-GB" dirty="0"/>
-              <a:t>Conclusion</a:t>
+              <a:t>Demo</a:t>
             </a:r>
             <a:endParaRPr lang="de-DE" dirty="0"/>
-          </a:p>
-        </p:txBody>
-      </p:sp>
-      <p:sp>
-        <p:nvSpPr>
-          <p:cNvPr id="3" name="Content Placeholder 2"/>
-          <p:cNvSpPr>
-            <a:spLocks noGrp="1"/>
-          </p:cNvSpPr>
-          <p:nvPr>
-            <p:ph idx="1"/>
-          </p:nvPr>
-        </p:nvSpPr>
-        <p:spPr/>
-        <p:txBody>
-          <a:bodyPr anchor="t">
-            <a:normAutofit/>
-          </a:bodyPr>
-          <a:lstStyle/>
-          <a:p>
-            <a:r>
-              <a:rPr lang="en-GB" dirty="0"/>
-              <a:t>Extensible architecture</a:t>
-            </a:r>
-          </a:p>
-          <a:p>
-            <a:r>
-              <a:rPr lang="en-GB" dirty="0"/>
-              <a:t>Easily consumable application</a:t>
-            </a:r>
-          </a:p>
-          <a:p>
-            <a:pPr lvl="1"/>
-            <a:r>
-              <a:rPr lang="en-GB" dirty="0"/>
-              <a:t>Retrieves additional information about entities</a:t>
-            </a:r>
-          </a:p>
-          <a:p>
-            <a:pPr lvl="1"/>
-            <a:r>
-              <a:rPr lang="en-GB" dirty="0"/>
-              <a:t>Visualizes connections between entities</a:t>
-            </a:r>
-          </a:p>
-          <a:p>
-            <a:pPr marL="0" indent="0">
-              <a:buNone/>
-            </a:pPr>
-            <a:r>
-              <a:rPr lang="en-GB" dirty="0">
-                <a:sym typeface="Wingdings" panose="05000000000000000000" pitchFamily="2" charset="2"/>
-              </a:rPr>
-              <a:t> </a:t>
-            </a:r>
-            <a:r>
-              <a:rPr lang="en-GB" dirty="0"/>
-              <a:t>User saves time: No Wikipedia lookups necessary</a:t>
-            </a:r>
           </a:p>
         </p:txBody>
       </p:sp>
@@ -14188,7 +17132,7 @@
     </p:spTree>
     <p:extLst>
       <p:ext uri="{BB962C8B-B14F-4D97-AF65-F5344CB8AC3E}">
-        <p14:creationId xmlns:p14="http://schemas.microsoft.com/office/powerpoint/2010/main" val="2861008330"/>
+        <p14:creationId xmlns:p14="http://schemas.microsoft.com/office/powerpoint/2010/main" val="2827875898"/>
       </p:ext>
     </p:extLst>
   </p:cSld>
@@ -14217,28 +17161,22 @@
       </p:grpSpPr>
       <p:sp>
         <p:nvSpPr>
-          <p:cNvPr id="5" name="Title 4"/>
+          <p:cNvPr id="2" name="Title 1"/>
           <p:cNvSpPr>
             <a:spLocks noGrp="1"/>
           </p:cNvSpPr>
           <p:nvPr>
-            <p:ph type="ctrTitle"/>
+            <p:ph type="title"/>
           </p:nvPr>
         </p:nvSpPr>
-        <p:spPr>
-          <a:xfrm>
-            <a:off x="1687430" y="2098525"/>
-            <a:ext cx="8574622" cy="2616199"/>
-          </a:xfrm>
-        </p:spPr>
-        <p:txBody>
-          <a:bodyPr anchor="ctr"/>
+        <p:spPr/>
+        <p:txBody>
+          <a:bodyPr/>
           <a:lstStyle/>
           <a:p>
-            <a:pPr algn="ctr"/>
-            <a:r>
-              <a:rPr lang="en-GB" dirty="0"/>
-              <a:t>Demo</a:t>
+            <a:r>
+              <a:rPr lang="en-GB" dirty="0" smtClean="0"/>
+              <a:t>Conclusion</a:t>
             </a:r>
             <a:endParaRPr lang="de-DE" dirty="0"/>
           </a:p>
@@ -14268,16 +17206,818 @@
           </a:p>
         </p:txBody>
       </p:sp>
+      <p:sp>
+        <p:nvSpPr>
+          <p:cNvPr id="9" name="AutoShape 12" descr="Image result for chrome logo"/>
+          <p:cNvSpPr>
+            <a:spLocks noChangeAspect="1" noChangeArrowheads="1"/>
+          </p:cNvSpPr>
+          <p:nvPr/>
+        </p:nvSpPr>
+        <p:spPr bwMode="auto">
+          <a:xfrm>
+            <a:off x="155575" y="-144463"/>
+            <a:ext cx="304800" cy="304801"/>
+          </a:xfrm>
+          <a:prstGeom prst="rect">
+            <a:avLst/>
+          </a:prstGeom>
+          <a:noFill/>
+          <a:extLst>
+            <a:ext uri="{909E8E84-426E-40DD-AFC4-6F175D3DCCD1}">
+              <a14:hiddenFill xmlns:a14="http://schemas.microsoft.com/office/drawing/2010/main">
+                <a:solidFill>
+                  <a:srgbClr val="FFFFFF"/>
+                </a:solidFill>
+              </a14:hiddenFill>
+            </a:ext>
+          </a:extLst>
+        </p:spPr>
+        <p:txBody>
+          <a:bodyPr vert="horz" wrap="square" lIns="91440" tIns="45720" rIns="91440" bIns="45720" numCol="1" anchor="t" anchorCtr="0" compatLnSpc="1">
+            <a:prstTxWarp prst="textNoShape">
+              <a:avLst/>
+            </a:prstTxWarp>
+          </a:bodyPr>
+          <a:lstStyle/>
+          <a:p>
+            <a:endParaRPr lang="de-DE"/>
+          </a:p>
+        </p:txBody>
+      </p:sp>
+      <p:sp>
+        <p:nvSpPr>
+          <p:cNvPr id="10" name="AutoShape 14" descr="Image result for chrome logo"/>
+          <p:cNvSpPr>
+            <a:spLocks noChangeAspect="1" noChangeArrowheads="1"/>
+          </p:cNvSpPr>
+          <p:nvPr/>
+        </p:nvSpPr>
+        <p:spPr bwMode="auto">
+          <a:xfrm>
+            <a:off x="307975" y="7937"/>
+            <a:ext cx="304800" cy="304801"/>
+          </a:xfrm>
+          <a:prstGeom prst="rect">
+            <a:avLst/>
+          </a:prstGeom>
+          <a:noFill/>
+          <a:extLst>
+            <a:ext uri="{909E8E84-426E-40DD-AFC4-6F175D3DCCD1}">
+              <a14:hiddenFill xmlns:a14="http://schemas.microsoft.com/office/drawing/2010/main">
+                <a:solidFill>
+                  <a:srgbClr val="FFFFFF"/>
+                </a:solidFill>
+              </a14:hiddenFill>
+            </a:ext>
+          </a:extLst>
+        </p:spPr>
+        <p:txBody>
+          <a:bodyPr vert="horz" wrap="square" lIns="91440" tIns="45720" rIns="91440" bIns="45720" numCol="1" anchor="t" anchorCtr="0" compatLnSpc="1">
+            <a:prstTxWarp prst="textNoShape">
+              <a:avLst/>
+            </a:prstTxWarp>
+          </a:bodyPr>
+          <a:lstStyle/>
+          <a:p>
+            <a:endParaRPr lang="de-DE"/>
+          </a:p>
+        </p:txBody>
+      </p:sp>
+      <p:pic>
+        <p:nvPicPr>
+          <p:cNvPr id="2066" name="Picture 18" descr="https://www.total-toolbar.com/wp-content/uploads/2014/12/Custom-Google-Chrome-Extension-Development3.png"/>
+          <p:cNvPicPr>
+            <a:picLocks noChangeAspect="1" noChangeArrowheads="1"/>
+          </p:cNvPicPr>
+          <p:nvPr/>
+        </p:nvPicPr>
+        <p:blipFill>
+          <a:blip r:embed="rId3">
+            <a:extLst>
+              <a:ext uri="{28A0092B-C50C-407E-A947-70E740481C1C}">
+                <a14:useLocalDpi xmlns:a14="http://schemas.microsoft.com/office/drawing/2010/main" val="0"/>
+              </a:ext>
+            </a:extLst>
+          </a:blip>
+          <a:srcRect/>
+          <a:stretch>
+            <a:fillRect/>
+          </a:stretch>
+        </p:blipFill>
+        <p:spPr bwMode="auto">
+          <a:xfrm>
+            <a:off x="3611834" y="2589719"/>
+            <a:ext cx="1774283" cy="1774283"/>
+          </a:xfrm>
+          <a:prstGeom prst="rect">
+            <a:avLst/>
+          </a:prstGeom>
+          <a:noFill/>
+          <a:extLst>
+            <a:ext uri="{909E8E84-426E-40DD-AFC4-6F175D3DCCD1}">
+              <a14:hiddenFill xmlns:a14="http://schemas.microsoft.com/office/drawing/2010/main">
+                <a:solidFill>
+                  <a:srgbClr val="FFFFFF"/>
+                </a:solidFill>
+              </a14:hiddenFill>
+            </a:ext>
+          </a:extLst>
+        </p:spPr>
+      </p:pic>
+      <p:sp>
+        <p:nvSpPr>
+          <p:cNvPr id="11" name="TextBox 10"/>
+          <p:cNvSpPr txBox="1"/>
+          <p:nvPr/>
+        </p:nvSpPr>
+        <p:spPr>
+          <a:xfrm>
+            <a:off x="3357975" y="4531251"/>
+            <a:ext cx="2282000" cy="461665"/>
+          </a:xfrm>
+          <a:prstGeom prst="rect">
+            <a:avLst/>
+          </a:prstGeom>
+          <a:noFill/>
+        </p:spPr>
+        <p:txBody>
+          <a:bodyPr wrap="square" rtlCol="0">
+            <a:spAutoFit/>
+          </a:bodyPr>
+          <a:lstStyle/>
+          <a:p>
+            <a:pPr algn="ctr"/>
+            <a:r>
+              <a:rPr lang="en-GB" sz="2400" dirty="0" smtClean="0"/>
+              <a:t>Easy installation </a:t>
+            </a:r>
+            <a:endParaRPr lang="de-DE" sz="2400" dirty="0"/>
+          </a:p>
+        </p:txBody>
+      </p:sp>
+      <p:grpSp>
+        <p:nvGrpSpPr>
+          <p:cNvPr id="30" name="Group 29"/>
+          <p:cNvGrpSpPr/>
+          <p:nvPr/>
+        </p:nvGrpSpPr>
+        <p:grpSpPr>
+          <a:xfrm>
+            <a:off x="879476" y="2588413"/>
+            <a:ext cx="2111376" cy="1600653"/>
+            <a:chOff x="508001" y="2388388"/>
+            <a:chExt cx="2111376" cy="1600653"/>
+          </a:xfrm>
+        </p:grpSpPr>
+        <p:pic>
+          <p:nvPicPr>
+            <p:cNvPr id="15" name="Grafik 113"/>
+            <p:cNvPicPr>
+              <a:picLocks noChangeAspect="1"/>
+            </p:cNvPicPr>
+            <p:nvPr/>
+          </p:nvPicPr>
+          <p:blipFill>
+            <a:blip r:embed="rId4" cstate="print">
+              <a:extLst>
+                <a:ext uri="{28A0092B-C50C-407E-A947-70E740481C1C}">
+                  <a14:useLocalDpi xmlns:a14="http://schemas.microsoft.com/office/drawing/2010/main" val="0"/>
+                </a:ext>
+              </a:extLst>
+            </a:blip>
+            <a:stretch>
+              <a:fillRect/>
+            </a:stretch>
+          </p:blipFill>
+          <p:spPr>
+            <a:xfrm>
+              <a:off x="508001" y="3510598"/>
+              <a:ext cx="711200" cy="460360"/>
+            </a:xfrm>
+            <a:prstGeom prst="rect">
+              <a:avLst/>
+            </a:prstGeom>
+          </p:spPr>
+        </p:pic>
+        <p:pic>
+          <p:nvPicPr>
+            <p:cNvPr id="16" name="Grafik 113"/>
+            <p:cNvPicPr>
+              <a:picLocks noChangeAspect="1"/>
+            </p:cNvPicPr>
+            <p:nvPr/>
+          </p:nvPicPr>
+          <p:blipFill>
+            <a:blip r:embed="rId4" cstate="print">
+              <a:extLst>
+                <a:ext uri="{28A0092B-C50C-407E-A947-70E740481C1C}">
+                  <a14:useLocalDpi xmlns:a14="http://schemas.microsoft.com/office/drawing/2010/main" val="0"/>
+                </a:ext>
+              </a:extLst>
+            </a:blip>
+            <a:stretch>
+              <a:fillRect/>
+            </a:stretch>
+          </p:blipFill>
+          <p:spPr>
+            <a:xfrm>
+              <a:off x="1196977" y="3510598"/>
+              <a:ext cx="711200" cy="460360"/>
+            </a:xfrm>
+            <a:prstGeom prst="rect">
+              <a:avLst/>
+            </a:prstGeom>
+          </p:spPr>
+        </p:pic>
+        <p:pic>
+          <p:nvPicPr>
+            <p:cNvPr id="17" name="Grafik 113"/>
+            <p:cNvPicPr>
+              <a:picLocks noChangeAspect="1"/>
+            </p:cNvPicPr>
+            <p:nvPr/>
+          </p:nvPicPr>
+          <p:blipFill>
+            <a:blip r:embed="rId4" cstate="print">
+              <a:extLst>
+                <a:ext uri="{28A0092B-C50C-407E-A947-70E740481C1C}">
+                  <a14:useLocalDpi xmlns:a14="http://schemas.microsoft.com/office/drawing/2010/main" val="0"/>
+                </a:ext>
+              </a:extLst>
+            </a:blip>
+            <a:stretch>
+              <a:fillRect/>
+            </a:stretch>
+          </p:blipFill>
+          <p:spPr>
+            <a:xfrm>
+              <a:off x="1908177" y="3528681"/>
+              <a:ext cx="711200" cy="460360"/>
+            </a:xfrm>
+            <a:prstGeom prst="rect">
+              <a:avLst/>
+            </a:prstGeom>
+          </p:spPr>
+        </p:pic>
+        <p:pic>
+          <p:nvPicPr>
+            <p:cNvPr id="25" name="Picture 2" descr="Fileserver, server icon "/>
+            <p:cNvPicPr>
+              <a:picLocks noChangeAspect="1" noChangeArrowheads="1"/>
+            </p:cNvPicPr>
+            <p:nvPr/>
+          </p:nvPicPr>
+          <p:blipFill>
+            <a:blip r:embed="rId5" cstate="print">
+              <a:extLst>
+                <a:ext uri="{28A0092B-C50C-407E-A947-70E740481C1C}">
+                  <a14:useLocalDpi xmlns:a14="http://schemas.microsoft.com/office/drawing/2010/main" val="0"/>
+                </a:ext>
+              </a:extLst>
+            </a:blip>
+            <a:srcRect/>
+            <a:stretch>
+              <a:fillRect/>
+            </a:stretch>
+          </p:blipFill>
+          <p:spPr bwMode="auto">
+            <a:xfrm>
+              <a:off x="1177694" y="2388388"/>
+              <a:ext cx="749767" cy="749767"/>
+            </a:xfrm>
+            <a:prstGeom prst="rect">
+              <a:avLst/>
+            </a:prstGeom>
+            <a:noFill/>
+            <a:extLst>
+              <a:ext uri="{909E8E84-426E-40DD-AFC4-6F175D3DCCD1}">
+                <a14:hiddenFill xmlns:a14="http://schemas.microsoft.com/office/drawing/2010/main">
+                  <a:solidFill>
+                    <a:srgbClr val="FFFFFF"/>
+                  </a:solidFill>
+                </a14:hiddenFill>
+              </a:ext>
+            </a:extLst>
+          </p:spPr>
+        </p:pic>
+        <p:cxnSp>
+          <p:nvCxnSpPr>
+            <p:cNvPr id="13" name="Elbow Connector 12"/>
+            <p:cNvCxnSpPr>
+              <a:stCxn id="15" idx="0"/>
+              <a:endCxn id="25" idx="2"/>
+            </p:cNvCxnSpPr>
+            <p:nvPr/>
+          </p:nvCxnSpPr>
+          <p:spPr>
+            <a:xfrm rot="5400000" flipH="1" flipV="1">
+              <a:off x="1021868" y="2979889"/>
+              <a:ext cx="372443" cy="688977"/>
+            </a:xfrm>
+            <a:prstGeom prst="bentConnector3">
+              <a:avLst/>
+            </a:prstGeom>
+            <a:ln w="15875">
+              <a:solidFill>
+                <a:schemeClr val="tx1"/>
+              </a:solidFill>
+              <a:tailEnd type="arrow"/>
+            </a:ln>
+          </p:spPr>
+          <p:style>
+            <a:lnRef idx="1">
+              <a:schemeClr val="accent1"/>
+            </a:lnRef>
+            <a:fillRef idx="0">
+              <a:schemeClr val="accent1"/>
+            </a:fillRef>
+            <a:effectRef idx="0">
+              <a:schemeClr val="accent1"/>
+            </a:effectRef>
+            <a:fontRef idx="minor">
+              <a:schemeClr val="tx1"/>
+            </a:fontRef>
+          </p:style>
+        </p:cxnSp>
+        <p:cxnSp>
+          <p:nvCxnSpPr>
+            <p:cNvPr id="28" name="Elbow Connector 27"/>
+            <p:cNvCxnSpPr>
+              <a:stCxn id="17" idx="0"/>
+              <a:endCxn id="25" idx="2"/>
+            </p:cNvCxnSpPr>
+            <p:nvPr/>
+          </p:nvCxnSpPr>
+          <p:spPr>
+            <a:xfrm rot="16200000" flipV="1">
+              <a:off x="1712915" y="2977818"/>
+              <a:ext cx="390526" cy="711199"/>
+            </a:xfrm>
+            <a:prstGeom prst="bentConnector3">
+              <a:avLst>
+                <a:gd name="adj1" fmla="val 50000"/>
+              </a:avLst>
+            </a:prstGeom>
+            <a:ln w="15875">
+              <a:solidFill>
+                <a:schemeClr val="tx1"/>
+              </a:solidFill>
+              <a:tailEnd type="arrow"/>
+            </a:ln>
+          </p:spPr>
+          <p:style>
+            <a:lnRef idx="1">
+              <a:schemeClr val="accent1"/>
+            </a:lnRef>
+            <a:fillRef idx="0">
+              <a:schemeClr val="accent1"/>
+            </a:fillRef>
+            <a:effectRef idx="0">
+              <a:schemeClr val="accent1"/>
+            </a:effectRef>
+            <a:fontRef idx="minor">
+              <a:schemeClr val="tx1"/>
+            </a:fontRef>
+          </p:style>
+        </p:cxnSp>
+        <p:cxnSp>
+          <p:nvCxnSpPr>
+            <p:cNvPr id="31" name="Elbow Connector 30"/>
+            <p:cNvCxnSpPr>
+              <a:stCxn id="16" idx="0"/>
+              <a:endCxn id="25" idx="2"/>
+            </p:cNvCxnSpPr>
+            <p:nvPr/>
+          </p:nvCxnSpPr>
+          <p:spPr>
+            <a:xfrm rot="5400000" flipH="1" flipV="1">
+              <a:off x="1366356" y="3324377"/>
+              <a:ext cx="372443" cy="1"/>
+            </a:xfrm>
+            <a:prstGeom prst="bentConnector3">
+              <a:avLst>
+                <a:gd name="adj1" fmla="val 50000"/>
+              </a:avLst>
+            </a:prstGeom>
+            <a:ln w="15875">
+              <a:solidFill>
+                <a:schemeClr val="tx1"/>
+              </a:solidFill>
+              <a:tailEnd type="arrow"/>
+            </a:ln>
+          </p:spPr>
+          <p:style>
+            <a:lnRef idx="1">
+              <a:schemeClr val="accent1"/>
+            </a:lnRef>
+            <a:fillRef idx="0">
+              <a:schemeClr val="accent1"/>
+            </a:fillRef>
+            <a:effectRef idx="0">
+              <a:schemeClr val="accent1"/>
+            </a:effectRef>
+            <a:fontRef idx="minor">
+              <a:schemeClr val="tx1"/>
+            </a:fontRef>
+          </p:style>
+        </p:cxnSp>
+      </p:grpSp>
+      <p:sp>
+        <p:nvSpPr>
+          <p:cNvPr id="35" name="TextBox 34"/>
+          <p:cNvSpPr txBox="1"/>
+          <p:nvPr/>
+        </p:nvSpPr>
+        <p:spPr>
+          <a:xfrm>
+            <a:off x="783052" y="4504254"/>
+            <a:ext cx="2282000" cy="830997"/>
+          </a:xfrm>
+          <a:prstGeom prst="rect">
+            <a:avLst/>
+          </a:prstGeom>
+          <a:noFill/>
+        </p:spPr>
+        <p:txBody>
+          <a:bodyPr wrap="square" rtlCol="0">
+            <a:spAutoFit/>
+          </a:bodyPr>
+          <a:lstStyle/>
+          <a:p>
+            <a:pPr algn="ctr"/>
+            <a:r>
+              <a:rPr lang="en-GB" sz="2400" dirty="0" smtClean="0"/>
+              <a:t>Extensible architecture</a:t>
+            </a:r>
+            <a:endParaRPr lang="de-DE" sz="2400" dirty="0"/>
+          </a:p>
+        </p:txBody>
+      </p:sp>
+      <p:grpSp>
+        <p:nvGrpSpPr>
+          <p:cNvPr id="2051" name="Group 2050"/>
+          <p:cNvGrpSpPr/>
+          <p:nvPr/>
+        </p:nvGrpSpPr>
+        <p:grpSpPr>
+          <a:xfrm>
+            <a:off x="6291684" y="2913431"/>
+            <a:ext cx="1839441" cy="1148731"/>
+            <a:chOff x="6291684" y="3152727"/>
+            <a:chExt cx="1839441" cy="1148731"/>
+          </a:xfrm>
+        </p:grpSpPr>
+        <p:pic>
+          <p:nvPicPr>
+            <p:cNvPr id="36" name="Grafik 133" descr="Netzwerk"/>
+            <p:cNvPicPr>
+              <a:picLocks noChangeAspect="1"/>
+            </p:cNvPicPr>
+            <p:nvPr/>
+          </p:nvPicPr>
+          <p:blipFill>
+            <a:blip r:embed="rId6" cstate="print">
+              <a:extLst>
+                <a:ext uri="{28A0092B-C50C-407E-A947-70E740481C1C}">
+                  <a14:useLocalDpi xmlns:a14="http://schemas.microsoft.com/office/drawing/2010/main" val="0"/>
+                </a:ext>
+                <a:ext uri="{96DAC541-7B7A-43D3-8B79-37D633B846F1}">
+                  <asvg:svgBlip xmlns:asvg="http://schemas.microsoft.com/office/drawing/2016/SVG/main" xmlns="" r:embed="rId17"/>
+                </a:ext>
+              </a:extLst>
+            </a:blip>
+            <a:stretch>
+              <a:fillRect/>
+            </a:stretch>
+          </p:blipFill>
+          <p:spPr>
+            <a:xfrm>
+              <a:off x="6665512" y="3152727"/>
+              <a:ext cx="1043325" cy="1043325"/>
+            </a:xfrm>
+            <a:prstGeom prst="rect">
+              <a:avLst/>
+            </a:prstGeom>
+          </p:spPr>
+        </p:pic>
+        <p:pic>
+          <p:nvPicPr>
+            <p:cNvPr id="37" name="Grafik 134" descr="Benutzer"/>
+            <p:cNvPicPr>
+              <a:picLocks noChangeAspect="1"/>
+            </p:cNvPicPr>
+            <p:nvPr/>
+          </p:nvPicPr>
+          <p:blipFill>
+            <a:blip r:embed="rId18" cstate="print">
+              <a:extLst>
+                <a:ext uri="{28A0092B-C50C-407E-A947-70E740481C1C}">
+                  <a14:useLocalDpi xmlns:a14="http://schemas.microsoft.com/office/drawing/2010/main" val="0"/>
+                </a:ext>
+                <a:ext uri="{96DAC541-7B7A-43D3-8B79-37D633B846F1}">
+                  <asvg:svgBlip xmlns:asvg="http://schemas.microsoft.com/office/drawing/2016/SVG/main" xmlns="" r:embed="rId7"/>
+                </a:ext>
+              </a:extLst>
+            </a:blip>
+            <a:stretch>
+              <a:fillRect/>
+            </a:stretch>
+          </p:blipFill>
+          <p:spPr>
+            <a:xfrm>
+              <a:off x="7547111" y="3196875"/>
+              <a:ext cx="584014" cy="584014"/>
+            </a:xfrm>
+            <a:prstGeom prst="rect">
+              <a:avLst/>
+            </a:prstGeom>
+          </p:spPr>
+        </p:pic>
+        <p:pic>
+          <p:nvPicPr>
+            <p:cNvPr id="38" name="Picture 4" descr="City hall building Free Icon"/>
+            <p:cNvPicPr>
+              <a:picLocks noChangeAspect="1" noChangeArrowheads="1"/>
+            </p:cNvPicPr>
+            <p:nvPr/>
+          </p:nvPicPr>
+          <p:blipFill>
+            <a:blip r:embed="rId19" cstate="print">
+              <a:extLst>
+                <a:ext uri="{BEBA8EAE-BF5A-486C-A8C5-ECC9F3942E4B}">
+                  <a14:imgProps xmlns:a14="http://schemas.microsoft.com/office/drawing/2010/main">
+                    <a14:imgLayer r:embed="rId20">
+                      <a14:imgEffect>
+                        <a14:backgroundRemoval t="9425" b="94089" l="0" r="100000">
+                          <a14:foregroundMark x1="5272" y1="63419" x2="5272" y2="63419"/>
+                          <a14:foregroundMark x1="40096" y1="85144" x2="40096" y2="85144"/>
+                          <a14:foregroundMark x1="87700" y1="79233" x2="87700" y2="79233"/>
+                        </a14:backgroundRemoval>
+                      </a14:imgEffect>
+                    </a14:imgLayer>
+                  </a14:imgProps>
+                </a:ext>
+                <a:ext uri="{28A0092B-C50C-407E-A947-70E740481C1C}">
+                  <a14:useLocalDpi xmlns:a14="http://schemas.microsoft.com/office/drawing/2010/main" val="0"/>
+                </a:ext>
+              </a:extLst>
+            </a:blip>
+            <a:srcRect/>
+            <a:stretch>
+              <a:fillRect/>
+            </a:stretch>
+          </p:blipFill>
+          <p:spPr bwMode="auto">
+            <a:xfrm>
+              <a:off x="6291684" y="3780889"/>
+              <a:ext cx="520569" cy="520569"/>
+            </a:xfrm>
+            <a:prstGeom prst="rect">
+              <a:avLst/>
+            </a:prstGeom>
+            <a:noFill/>
+          </p:spPr>
+        </p:pic>
+      </p:grpSp>
+      <p:sp>
+        <p:nvSpPr>
+          <p:cNvPr id="2048" name="AutoShape 20" descr="Image result for wikipedia log"/>
+          <p:cNvSpPr>
+            <a:spLocks noChangeAspect="1" noChangeArrowheads="1"/>
+          </p:cNvSpPr>
+          <p:nvPr/>
+        </p:nvSpPr>
+        <p:spPr bwMode="auto">
+          <a:xfrm>
+            <a:off x="460375" y="160337"/>
+            <a:ext cx="304800" cy="304801"/>
+          </a:xfrm>
+          <a:prstGeom prst="rect">
+            <a:avLst/>
+          </a:prstGeom>
+          <a:noFill/>
+          <a:extLst>
+            <a:ext uri="{909E8E84-426E-40DD-AFC4-6F175D3DCCD1}">
+              <a14:hiddenFill xmlns:a14="http://schemas.microsoft.com/office/drawing/2010/main">
+                <a:solidFill>
+                  <a:srgbClr val="FFFFFF"/>
+                </a:solidFill>
+              </a14:hiddenFill>
+            </a:ext>
+          </a:extLst>
+        </p:spPr>
+        <p:txBody>
+          <a:bodyPr vert="horz" wrap="square" lIns="91440" tIns="45720" rIns="91440" bIns="45720" numCol="1" anchor="t" anchorCtr="0" compatLnSpc="1">
+            <a:prstTxWarp prst="textNoShape">
+              <a:avLst/>
+            </a:prstTxWarp>
+          </a:bodyPr>
+          <a:lstStyle/>
+          <a:p>
+            <a:endParaRPr lang="de-DE"/>
+          </a:p>
+        </p:txBody>
+      </p:sp>
+      <p:sp>
+        <p:nvSpPr>
+          <p:cNvPr id="43" name="TextBox 42"/>
+          <p:cNvSpPr txBox="1"/>
+          <p:nvPr/>
+        </p:nvSpPr>
+        <p:spPr>
+          <a:xfrm>
+            <a:off x="5881623" y="4531251"/>
+            <a:ext cx="2611099" cy="1200329"/>
+          </a:xfrm>
+          <a:prstGeom prst="rect">
+            <a:avLst/>
+          </a:prstGeom>
+          <a:noFill/>
+        </p:spPr>
+        <p:txBody>
+          <a:bodyPr wrap="square" rtlCol="0">
+            <a:spAutoFit/>
+          </a:bodyPr>
+          <a:lstStyle/>
+          <a:p>
+            <a:r>
+              <a:rPr lang="en-GB" sz="2400" dirty="0" smtClean="0"/>
+              <a:t>Shows</a:t>
+            </a:r>
+          </a:p>
+          <a:p>
+            <a:pPr marL="457200" indent="-457200">
+              <a:buFont typeface="+mj-lt"/>
+              <a:buAutoNum type="arabicPeriod"/>
+            </a:pPr>
+            <a:r>
+              <a:rPr lang="en-GB" sz="2400" dirty="0" smtClean="0"/>
+              <a:t>Named entities</a:t>
+            </a:r>
+          </a:p>
+          <a:p>
+            <a:pPr marL="457200" indent="-457200">
+              <a:buFont typeface="+mj-lt"/>
+              <a:buAutoNum type="arabicPeriod"/>
+            </a:pPr>
+            <a:r>
+              <a:rPr lang="en-GB" sz="2400" dirty="0" smtClean="0"/>
+              <a:t>Connections</a:t>
+            </a:r>
+            <a:endParaRPr lang="de-DE" sz="2400" dirty="0"/>
+          </a:p>
+        </p:txBody>
+      </p:sp>
+      <p:sp>
+        <p:nvSpPr>
+          <p:cNvPr id="44" name="TextBox 43"/>
+          <p:cNvSpPr txBox="1"/>
+          <p:nvPr/>
+        </p:nvSpPr>
+        <p:spPr>
+          <a:xfrm>
+            <a:off x="8663400" y="4580692"/>
+            <a:ext cx="2282000" cy="830997"/>
+          </a:xfrm>
+          <a:prstGeom prst="rect">
+            <a:avLst/>
+          </a:prstGeom>
+          <a:noFill/>
+        </p:spPr>
+        <p:txBody>
+          <a:bodyPr wrap="square" rtlCol="0">
+            <a:spAutoFit/>
+          </a:bodyPr>
+          <a:lstStyle/>
+          <a:p>
+            <a:pPr algn="ctr"/>
+            <a:r>
+              <a:rPr lang="en-GB" sz="2400" dirty="0" smtClean="0"/>
+              <a:t>No Wikipedia lookups!</a:t>
+            </a:r>
+            <a:endParaRPr lang="de-DE" sz="2400" dirty="0"/>
+          </a:p>
+        </p:txBody>
+      </p:sp>
+      <p:grpSp>
+        <p:nvGrpSpPr>
+          <p:cNvPr id="2053" name="Group 2052"/>
+          <p:cNvGrpSpPr/>
+          <p:nvPr/>
+        </p:nvGrpSpPr>
+        <p:grpSpPr>
+          <a:xfrm>
+            <a:off x="8534427" y="2356896"/>
+            <a:ext cx="2539945" cy="2239927"/>
+            <a:chOff x="8534427" y="2509296"/>
+            <a:chExt cx="2539945" cy="2239927"/>
+          </a:xfrm>
+        </p:grpSpPr>
+        <p:pic>
+          <p:nvPicPr>
+            <p:cNvPr id="2070" name="Picture 22" descr="https://upload.wikimedia.org/wikipedia/commons/thumb/d/de/Wikipedia_Logo_1.0.png/220px-Wikipedia_Logo_1.0.png"/>
+            <p:cNvPicPr>
+              <a:picLocks noChangeAspect="1" noChangeArrowheads="1"/>
+            </p:cNvPicPr>
+            <p:nvPr/>
+          </p:nvPicPr>
+          <p:blipFill>
+            <a:blip r:embed="rId21">
+              <a:extLst>
+                <a:ext uri="{28A0092B-C50C-407E-A947-70E740481C1C}">
+                  <a14:useLocalDpi xmlns:a14="http://schemas.microsoft.com/office/drawing/2010/main" val="0"/>
+                </a:ext>
+              </a:extLst>
+            </a:blip>
+            <a:srcRect/>
+            <a:stretch>
+              <a:fillRect/>
+            </a:stretch>
+          </p:blipFill>
+          <p:spPr bwMode="auto">
+            <a:xfrm>
+              <a:off x="9017210" y="2887198"/>
+              <a:ext cx="1574380" cy="1574381"/>
+            </a:xfrm>
+            <a:prstGeom prst="rect">
+              <a:avLst/>
+            </a:prstGeom>
+            <a:noFill/>
+            <a:extLst>
+              <a:ext uri="{909E8E84-426E-40DD-AFC4-6F175D3DCCD1}">
+                <a14:hiddenFill xmlns:a14="http://schemas.microsoft.com/office/drawing/2010/main">
+                  <a:solidFill>
+                    <a:srgbClr val="FFFFFF"/>
+                  </a:solidFill>
+                </a14:hiddenFill>
+              </a:ext>
+            </a:extLst>
+          </p:spPr>
+        </p:pic>
+        <p:sp>
+          <p:nvSpPr>
+            <p:cNvPr id="2052" name="Multiply 2051"/>
+            <p:cNvSpPr/>
+            <p:nvPr/>
+          </p:nvSpPr>
+          <p:spPr>
+            <a:xfrm>
+              <a:off x="8534427" y="2509296"/>
+              <a:ext cx="2539945" cy="2239927"/>
+            </a:xfrm>
+            <a:prstGeom prst="mathMultiply">
+              <a:avLst>
+                <a:gd name="adj1" fmla="val 8349"/>
+              </a:avLst>
+            </a:prstGeom>
+            <a:solidFill>
+              <a:srgbClr val="FF0000"/>
+            </a:solidFill>
+          </p:spPr>
+          <p:style>
+            <a:lnRef idx="2">
+              <a:schemeClr val="accent1">
+                <a:shade val="50000"/>
+              </a:schemeClr>
+            </a:lnRef>
+            <a:fillRef idx="1">
+              <a:schemeClr val="accent1"/>
+            </a:fillRef>
+            <a:effectRef idx="0">
+              <a:schemeClr val="accent1"/>
+            </a:effectRef>
+            <a:fontRef idx="minor">
+              <a:schemeClr val="lt1"/>
+            </a:fontRef>
+          </p:style>
+          <p:txBody>
+            <a:bodyPr rtlCol="0" anchor="ctr"/>
+            <a:lstStyle/>
+            <a:p>
+              <a:pPr algn="ctr"/>
+              <a:endParaRPr lang="de-DE"/>
+            </a:p>
+          </p:txBody>
+        </p:sp>
+      </p:grpSp>
     </p:spTree>
     <p:extLst>
       <p:ext uri="{BB962C8B-B14F-4D97-AF65-F5344CB8AC3E}">
-        <p14:creationId xmlns:p14="http://schemas.microsoft.com/office/powerpoint/2010/main" val="2827875898"/>
+        <p14:creationId xmlns:p14="http://schemas.microsoft.com/office/powerpoint/2010/main" val="2861008330"/>
       </p:ext>
     </p:extLst>
   </p:cSld>
   <p:clrMapOvr>
     <a:masterClrMapping/>
   </p:clrMapOvr>
+  <p:timing>
+    <p:tnLst>
+      <p:par>
+        <p:cTn id="1" dur="indefinite" restart="never" nodeType="tmRoot"/>
+      </p:par>
+    </p:tnLst>
+  </p:timing>
 </p:sld>
 </file>
 
@@ -14627,7 +18367,7 @@
   <a:extraClrSchemeLst/>
   <a:extLst>
     <a:ext uri="{05A4C25C-085E-4340-85A3-A5531E510DB2}">
-      <thm15:themeFamily xmlns:thm15="http://schemas.microsoft.com/office/thememl/2012/main" name="Parallax" id="{3388167B-A2EB-4685-9635-1831D9AEF8C4}" vid="{4F7A876A-7598-49CA-AFC8-8EDA2551E4A7}"/>
+      <thm15:themeFamily xmlns:thm15="http://schemas.microsoft.com/office/thememl/2012/main" xmlns="" name="Parallax" id="{3388167B-A2EB-4685-9635-1831D9AEF8C4}" vid="{4F7A876A-7598-49CA-AFC8-8EDA2551E4A7}"/>
     </a:ext>
   </a:extLst>
 </a:theme>
@@ -14888,7 +18628,7 @@
   <a:extraClrSchemeLst/>
   <a:extLst>
     <a:ext uri="{05A4C25C-085E-4340-85A3-A5531E510DB2}">
-      <thm15:themeFamily xmlns:thm15="http://schemas.microsoft.com/office/thememl/2012/main" name="Office Theme" id="{62F939B6-93AF-4DB8-9C6B-D6C7DFDC589F}" vid="{4A3C46E8-61CC-4603-A589-7422A47A8E4A}"/>
+      <thm15:themeFamily xmlns:thm15="http://schemas.microsoft.com/office/thememl/2012/main" xmlns="" name="Office Theme" id="{62F939B6-93AF-4DB8-9C6B-D6C7DFDC589F}" vid="{4A3C46E8-61CC-4603-A589-7422A47A8E4A}"/>
     </a:ext>
   </a:extLst>
 </a:theme>

--- a/ProjectPresentation/EntityAnnotation.pptx
+++ b/ProjectPresentation/EntityAnnotation.pptx
@@ -121,7 +121,7 @@
   </p:defaultTextStyle>
   <p:extLst>
     <p:ext uri="{EFAFB233-063F-42B5-8137-9DF3F51BA10A}">
-      <p15:sldGuideLst xmlns:p15="http://schemas.microsoft.com/office/powerpoint/2012/main" xmlns="">
+      <p15:sldGuideLst xmlns:p15="http://schemas.microsoft.com/office/powerpoint/2012/main">
         <p15:guide id="1" orient="horz" pos="2160">
           <p15:clr>
             <a:srgbClr val="A4A3A4"/>
@@ -379,7 +379,7 @@
           <a:p>
             <a:fld id="{6B56D088-27D1-433A-A9A9-E30AD3E13E16}" type="slidenum">
               <a:rPr lang="en-GB" smtClean="0"/>
-              <a:t>‹#›</a:t>
+              <a:t>‹Nr.›</a:t>
             </a:fld>
             <a:endParaRPr lang="en-GB"/>
           </a:p>
@@ -1670,24 +1670,19 @@
             </a:r>
             <a:r>
               <a:rPr lang="en-GB" baseline="0" dirty="0"/>
-              <a:t> extension gets pretty much everything from the server, so this would not need any </a:t>
-            </a:r>
-            <a:r>
-              <a:rPr lang="en-GB" baseline="0" dirty="0" smtClean="0"/>
-              <a:t>updates</a:t>
-            </a:r>
-          </a:p>
-          <a:p>
-            <a:r>
-              <a:rPr lang="en-GB" baseline="0" dirty="0" smtClean="0"/>
+              <a:t> extension gets pretty much everything from the server, so this would not need any updates</a:t>
+            </a:r>
+          </a:p>
+          <a:p>
+            <a:r>
+              <a:rPr lang="en-GB" baseline="0" dirty="0"/>
               <a:t>Chrome extension shows a customizable popup</a:t>
             </a:r>
-            <a:endParaRPr lang="en-GB" baseline="0" dirty="0"/>
           </a:p>
           <a:p>
             <a:pPr lvl="1"/>
             <a:r>
-              <a:rPr lang="en-GB" dirty="0" smtClean="0"/>
+              <a:rPr lang="en-GB" dirty="0"/>
               <a:t>Retrieves additional information about entities</a:t>
             </a:r>
           </a:p>
@@ -1710,7 +1705,7 @@
               <a:defRPr/>
             </a:pPr>
             <a:r>
-              <a:rPr lang="en-GB" dirty="0" smtClean="0"/>
+              <a:rPr lang="en-GB" dirty="0"/>
               <a:t>Visualizes connections between entities</a:t>
             </a:r>
           </a:p>
@@ -1733,19 +1728,19 @@
               <a:defRPr/>
             </a:pPr>
             <a:r>
-              <a:rPr lang="en-GB" dirty="0" smtClean="0">
+              <a:rPr lang="en-GB" dirty="0">
                 <a:sym typeface="Wingdings" panose="05000000000000000000" pitchFamily="2" charset="2"/>
               </a:rPr>
               <a:t> </a:t>
             </a:r>
             <a:r>
-              <a:rPr lang="en-GB" dirty="0" smtClean="0"/>
+              <a:rPr lang="en-GB" dirty="0"/>
               <a:t>User saves time: No Wikipedia lookups necessary</a:t>
             </a:r>
           </a:p>
           <a:p>
             <a:pPr lvl="1"/>
-            <a:endParaRPr lang="en-GB" i="0" dirty="0" smtClean="0"/>
+            <a:endParaRPr lang="en-GB" i="0" dirty="0"/>
           </a:p>
           <a:p>
             <a:endParaRPr lang="en-GB" baseline="0" dirty="0"/>
@@ -2114,7 +2109,7 @@
           <a:p>
             <a:fld id="{2921BF44-F096-42DF-ADC3-B535522D2EE1}" type="slidenum">
               <a:rPr lang="en-GB" smtClean="0"/>
-              <a:t>‹#›</a:t>
+              <a:t>‹Nr.›</a:t>
             </a:fld>
             <a:endParaRPr lang="en-GB"/>
           </a:p>
@@ -2408,7 +2403,7 @@
           <a:p>
             <a:fld id="{2921BF44-F096-42DF-ADC3-B535522D2EE1}" type="slidenum">
               <a:rPr lang="en-GB" smtClean="0"/>
-              <a:t>‹#›</a:t>
+              <a:t>‹Nr.›</a:t>
             </a:fld>
             <a:endParaRPr lang="en-GB"/>
           </a:p>
@@ -2659,7 +2654,7 @@
           <a:p>
             <a:fld id="{2921BF44-F096-42DF-ADC3-B535522D2EE1}" type="slidenum">
               <a:rPr lang="en-GB" smtClean="0"/>
-              <a:t>‹#›</a:t>
+              <a:t>‹Nr.›</a:t>
             </a:fld>
             <a:endParaRPr lang="en-GB"/>
           </a:p>
@@ -3202,7 +3197,7 @@
           <a:p>
             <a:fld id="{2921BF44-F096-42DF-ADC3-B535522D2EE1}" type="slidenum">
               <a:rPr lang="en-GB" smtClean="0"/>
-              <a:t>‹#›</a:t>
+              <a:t>‹Nr.›</a:t>
             </a:fld>
             <a:endParaRPr lang="en-GB"/>
           </a:p>
@@ -3453,7 +3448,7 @@
           <a:p>
             <a:fld id="{2921BF44-F096-42DF-ADC3-B535522D2EE1}" type="slidenum">
               <a:rPr lang="en-GB" smtClean="0"/>
-              <a:t>‹#›</a:t>
+              <a:t>‹Nr.›</a:t>
             </a:fld>
             <a:endParaRPr lang="en-GB"/>
           </a:p>
@@ -3988,7 +3983,7 @@
           <a:p>
             <a:fld id="{2921BF44-F096-42DF-ADC3-B535522D2EE1}" type="slidenum">
               <a:rPr lang="en-GB" smtClean="0"/>
-              <a:t>‹#›</a:t>
+              <a:t>‹Nr.›</a:t>
             </a:fld>
             <a:endParaRPr lang="en-GB"/>
           </a:p>
@@ -4288,7 +4283,7 @@
           <a:p>
             <a:fld id="{2921BF44-F096-42DF-ADC3-B535522D2EE1}" type="slidenum">
               <a:rPr lang="en-GB" smtClean="0"/>
-              <a:t>‹#›</a:t>
+              <a:t>‹Nr.›</a:t>
             </a:fld>
             <a:endParaRPr lang="en-GB"/>
           </a:p>
@@ -4465,7 +4460,7 @@
           <a:p>
             <a:fld id="{2921BF44-F096-42DF-ADC3-B535522D2EE1}" type="slidenum">
               <a:rPr lang="en-GB" smtClean="0"/>
-              <a:t>‹#›</a:t>
+              <a:t>‹Nr.›</a:t>
             </a:fld>
             <a:endParaRPr lang="en-GB"/>
           </a:p>
@@ -4648,7 +4643,7 @@
           <a:p>
             <a:fld id="{2921BF44-F096-42DF-ADC3-B535522D2EE1}" type="slidenum">
               <a:rPr lang="en-GB" smtClean="0"/>
-              <a:t>‹#›</a:t>
+              <a:t>‹Nr.›</a:t>
             </a:fld>
             <a:endParaRPr lang="en-GB"/>
           </a:p>
@@ -4855,7 +4850,7 @@
             <a:fld id="{2921BF44-F096-42DF-ADC3-B535522D2EE1}" type="slidenum">
               <a:rPr lang="en-GB" smtClean="0"/>
               <a:pPr/>
-              <a:t>‹#›</a:t>
+              <a:t>‹Nr.›</a:t>
             </a:fld>
             <a:endParaRPr lang="en-GB" dirty="0"/>
           </a:p>
@@ -5104,7 +5099,7 @@
           <a:p>
             <a:fld id="{2921BF44-F096-42DF-ADC3-B535522D2EE1}" type="slidenum">
               <a:rPr lang="en-GB" smtClean="0"/>
-              <a:t>‹#›</a:t>
+              <a:t>‹Nr.›</a:t>
             </a:fld>
             <a:endParaRPr lang="en-GB"/>
           </a:p>
@@ -5404,7 +5399,7 @@
           <a:p>
             <a:fld id="{2921BF44-F096-42DF-ADC3-B535522D2EE1}" type="slidenum">
               <a:rPr lang="en-GB" smtClean="0"/>
-              <a:t>‹#›</a:t>
+              <a:t>‹Nr.›</a:t>
             </a:fld>
             <a:endParaRPr lang="en-GB"/>
           </a:p>
@@ -5849,7 +5844,7 @@
           <a:p>
             <a:fld id="{2921BF44-F096-42DF-ADC3-B535522D2EE1}" type="slidenum">
               <a:rPr lang="en-GB" smtClean="0"/>
-              <a:t>‹#›</a:t>
+              <a:t>‹Nr.›</a:t>
             </a:fld>
             <a:endParaRPr lang="en-GB"/>
           </a:p>
@@ -5970,7 +5965,7 @@
           <a:p>
             <a:fld id="{2921BF44-F096-42DF-ADC3-B535522D2EE1}" type="slidenum">
               <a:rPr lang="en-GB" smtClean="0"/>
-              <a:t>‹#›</a:t>
+              <a:t>‹Nr.›</a:t>
             </a:fld>
             <a:endParaRPr lang="en-GB"/>
           </a:p>
@@ -6068,7 +6063,7 @@
           <a:p>
             <a:fld id="{2921BF44-F096-42DF-ADC3-B535522D2EE1}" type="slidenum">
               <a:rPr lang="en-GB" smtClean="0"/>
-              <a:t>‹#›</a:t>
+              <a:t>‹Nr.›</a:t>
             </a:fld>
             <a:endParaRPr lang="en-GB"/>
           </a:p>
@@ -6354,7 +6349,7 @@
           <a:p>
             <a:fld id="{2921BF44-F096-42DF-ADC3-B535522D2EE1}" type="slidenum">
               <a:rPr lang="en-GB" smtClean="0"/>
-              <a:t>‹#›</a:t>
+              <a:t>‹Nr.›</a:t>
             </a:fld>
             <a:endParaRPr lang="en-GB"/>
           </a:p>
@@ -6648,7 +6643,7 @@
           <a:p>
             <a:fld id="{2921BF44-F096-42DF-ADC3-B535522D2EE1}" type="slidenum">
               <a:rPr lang="en-GB" smtClean="0"/>
-              <a:t>‹#›</a:t>
+              <a:t>‹Nr.›</a:t>
             </a:fld>
             <a:endParaRPr lang="en-GB"/>
           </a:p>
@@ -6901,7 +6896,7 @@
           <a:p>
             <a:fld id="{2921BF44-F096-42DF-ADC3-B535522D2EE1}" type="slidenum">
               <a:rPr lang="en-GB" smtClean="0"/>
-              <a:t>‹#›</a:t>
+              <a:t>‹Nr.›</a:t>
             </a:fld>
             <a:endParaRPr lang="en-GB"/>
           </a:p>
@@ -7985,14 +7980,6 @@
   <p:clrMapOvr>
     <a:masterClrMapping/>
   </p:clrMapOvr>
-  <mc:AlternateContent xmlns:mc="http://schemas.openxmlformats.org/markup-compatibility/2006">
-    <mc:Choice xmlns:p14="http://schemas.microsoft.com/office/powerpoint/2010/main" Requires="p14">
-      <p:transition spd="slow" p14:dur="2000"/>
-    </mc:Choice>
-    <mc:Fallback>
-      <p:transition spd="slow"/>
-    </mc:Fallback>
-  </mc:AlternateContent>
 </p:sld>
 </file>
 
@@ -8184,10 +8171,6 @@
               </a:rPr>
               <a:t>https://localhost:8443/RetrieveTriples</a:t>
             </a:r>
-            <a:r>
-              <a:rPr lang="de-DE" dirty="0"/>
-              <a:t/>
-            </a:r>
             <a:br>
               <a:rPr lang="de-DE" dirty="0"/>
             </a:br>
@@ -8230,10 +8213,6 @@
             <a:pPr marL="0" indent="0">
               <a:buNone/>
             </a:pPr>
-            <a:r>
-              <a:rPr lang="en-GB" dirty="0"/>
-              <a:t/>
-            </a:r>
             <a:br>
               <a:rPr lang="en-GB" dirty="0"/>
             </a:br>
@@ -8387,14 +8366,6 @@
   <p:clrMapOvr>
     <a:masterClrMapping/>
   </p:clrMapOvr>
-  <mc:AlternateContent xmlns:mc="http://schemas.openxmlformats.org/markup-compatibility/2006">
-    <mc:Choice xmlns:p14="http://schemas.microsoft.com/office/powerpoint/2010/main" Requires="p14">
-      <p:transition spd="slow" p14:dur="2000"/>
-    </mc:Choice>
-    <mc:Fallback>
-      <p:transition spd="slow"/>
-    </mc:Fallback>
-  </mc:AlternateContent>
 </p:sld>
 </file>
 
@@ -8572,14 +8543,6 @@
   <p:clrMapOvr>
     <a:masterClrMapping/>
   </p:clrMapOvr>
-  <mc:AlternateContent xmlns:mc="http://schemas.openxmlformats.org/markup-compatibility/2006">
-    <mc:Choice xmlns:p14="http://schemas.microsoft.com/office/powerpoint/2010/main" Requires="p14">
-      <p:transition spd="slow" p14:dur="2000"/>
-    </mc:Choice>
-    <mc:Fallback>
-      <p:transition spd="slow"/>
-    </mc:Fallback>
-  </mc:AlternateContent>
 </p:sld>
 </file>
 
@@ -8979,7 +8942,7 @@
                 <a14:useLocalDpi xmlns:a14="http://schemas.microsoft.com/office/drawing/2010/main" val="0"/>
               </a:ext>
               <a:ext uri="{96DAC541-7B7A-43D3-8B79-37D633B846F1}">
-                <asvg:svgBlip xmlns:asvg="http://schemas.microsoft.com/office/drawing/2016/SVG/main" xmlns="" r:embed="rId7"/>
+                <asvg:svgBlip xmlns:asvg="http://schemas.microsoft.com/office/drawing/2016/SVG/main" r:embed="rId7"/>
               </a:ext>
             </a:extLst>
           </a:blip>
@@ -9012,7 +8975,7 @@
                 <a14:useLocalDpi xmlns:a14="http://schemas.microsoft.com/office/drawing/2010/main" val="0"/>
               </a:ext>
               <a:ext uri="{96DAC541-7B7A-43D3-8B79-37D633B846F1}">
-                <asvg:svgBlip xmlns:asvg="http://schemas.microsoft.com/office/drawing/2016/SVG/main" xmlns="" r:embed="rId9"/>
+                <asvg:svgBlip xmlns:asvg="http://schemas.microsoft.com/office/drawing/2016/SVG/main" r:embed="rId9"/>
               </a:ext>
             </a:extLst>
           </a:blip>
@@ -9105,36 +9068,6 @@
           </a:p>
         </p:txBody>
       </p:sp>
-      <p:pic>
-        <p:nvPicPr>
-          <p:cNvPr id="10" name="Grafik 9"/>
-          <p:cNvPicPr>
-            <a:picLocks noChangeAspect="1"/>
-          </p:cNvPicPr>
-          <p:nvPr/>
-        </p:nvPicPr>
-        <p:blipFill>
-          <a:blip r:embed="rId3" cstate="print">
-            <a:extLst>
-              <a:ext uri="{28A0092B-C50C-407E-A947-70E740481C1C}">
-                <a14:useLocalDpi xmlns:a14="http://schemas.microsoft.com/office/drawing/2010/main" val="0"/>
-              </a:ext>
-            </a:extLst>
-          </a:blip>
-          <a:stretch>
-            <a:fillRect/>
-          </a:stretch>
-        </p:blipFill>
-        <p:spPr>
-          <a:xfrm>
-            <a:off x="9536351" y="3005435"/>
-            <a:ext cx="831423" cy="551484"/>
-          </a:xfrm>
-          <a:prstGeom prst="rect">
-            <a:avLst/>
-          </a:prstGeom>
-        </p:spPr>
-      </p:pic>
       <p:sp>
         <p:nvSpPr>
           <p:cNvPr id="3" name="Rechteck: abgerundete Ecken 2"/>
@@ -9143,8 +9076,8 @@
         </p:nvSpPr>
         <p:spPr>
           <a:xfrm>
-            <a:off x="1002153" y="2123294"/>
-            <a:ext cx="1624093" cy="3772030"/>
+            <a:off x="828491" y="2123294"/>
+            <a:ext cx="1797756" cy="3772030"/>
           </a:xfrm>
           <a:prstGeom prst="roundRect">
             <a:avLst/>
@@ -9247,7 +9180,7 @@
         </p:nvSpPr>
         <p:spPr>
           <a:xfrm>
-            <a:off x="3632839" y="2686788"/>
+            <a:off x="3677289" y="2686788"/>
             <a:ext cx="1459183" cy="2013434"/>
           </a:xfrm>
           <a:prstGeom prst="roundRect">
@@ -9298,109 +9231,6 @@
               </a:rPr>
               <a:t> Entity Recognition</a:t>
             </a:r>
-          </a:p>
-        </p:txBody>
-      </p:sp>
-      <p:pic>
-        <p:nvPicPr>
-          <p:cNvPr id="42" name="Picture 4" descr="City hall building Free Icon"/>
-          <p:cNvPicPr>
-            <a:picLocks noChangeAspect="1" noChangeArrowheads="1"/>
-          </p:cNvPicPr>
-          <p:nvPr/>
-        </p:nvPicPr>
-        <p:blipFill>
-          <a:blip r:embed="rId4" cstate="print">
-            <a:extLst>
-              <a:ext uri="{BEBA8EAE-BF5A-486C-A8C5-ECC9F3942E4B}">
-                <a14:imgProps xmlns:a14="http://schemas.microsoft.com/office/drawing/2010/main">
-                  <a14:imgLayer r:embed="rId5">
-                    <a14:imgEffect>
-                      <a14:backgroundRemoval t="9425" b="94089" l="0" r="100000">
-                        <a14:foregroundMark x1="5272" y1="63419" x2="5272" y2="63419"/>
-                        <a14:foregroundMark x1="40096" y1="85144" x2="40096" y2="85144"/>
-                        <a14:foregroundMark x1="87700" y1="79233" x2="87700" y2="79233"/>
-                      </a14:backgroundRemoval>
-                    </a14:imgEffect>
-                  </a14:imgLayer>
-                </a14:imgProps>
-              </a:ext>
-              <a:ext uri="{28A0092B-C50C-407E-A947-70E740481C1C}">
-                <a14:useLocalDpi xmlns:a14="http://schemas.microsoft.com/office/drawing/2010/main" val="0"/>
-              </a:ext>
-            </a:extLst>
-          </a:blip>
-          <a:srcRect/>
-          <a:stretch>
-            <a:fillRect/>
-          </a:stretch>
-        </p:blipFill>
-        <p:spPr bwMode="auto">
-          <a:xfrm>
-            <a:off x="3767774" y="3707823"/>
-            <a:ext cx="670936" cy="670936"/>
-          </a:xfrm>
-          <a:prstGeom prst="rect">
-            <a:avLst/>
-          </a:prstGeom>
-          <a:noFill/>
-        </p:spPr>
-      </p:pic>
-      <p:sp>
-        <p:nvSpPr>
-          <p:cNvPr id="45" name="Rechteck: abgerundete Ecken 44"/>
-          <p:cNvSpPr/>
-          <p:nvPr/>
-        </p:nvSpPr>
-        <p:spPr>
-          <a:xfrm>
-            <a:off x="9245600" y="2123293"/>
-            <a:ext cx="1365250" cy="3772031"/>
-          </a:xfrm>
-          <a:prstGeom prst="roundRect">
-            <a:avLst/>
-          </a:prstGeom>
-          <a:noFill/>
-          <a:ln>
-            <a:solidFill>
-              <a:schemeClr val="accent1"/>
-            </a:solidFill>
-            <a:prstDash val="dash"/>
-          </a:ln>
-        </p:spPr>
-        <p:style>
-          <a:lnRef idx="2">
-            <a:schemeClr val="accent1">
-              <a:shade val="50000"/>
-            </a:schemeClr>
-          </a:lnRef>
-          <a:fillRef idx="1">
-            <a:schemeClr val="accent1"/>
-          </a:fillRef>
-          <a:effectRef idx="0">
-            <a:schemeClr val="accent1"/>
-          </a:effectRef>
-          <a:fontRef idx="minor">
-            <a:schemeClr val="lt1"/>
-          </a:fontRef>
-        </p:style>
-        <p:txBody>
-          <a:bodyPr rtlCol="0" anchor="t"/>
-          <a:lstStyle/>
-          <a:p>
-            <a:r>
-              <a:rPr lang="de-DE" dirty="0" err="1">
-                <a:solidFill>
-                  <a:schemeClr val="tx1"/>
-                </a:solidFill>
-              </a:rPr>
-              <a:t>Sources</a:t>
-            </a:r>
-            <a:endParaRPr lang="de-DE" dirty="0">
-              <a:solidFill>
-                <a:schemeClr val="tx1"/>
-              </a:solidFill>
-            </a:endParaRPr>
           </a:p>
         </p:txBody>
       </p:sp>
@@ -9458,115 +9288,6 @@
           </a:p>
         </p:txBody>
       </p:sp>
-      <p:pic>
-        <p:nvPicPr>
-          <p:cNvPr id="49" name="Grafik 48" descr="Netzwerk"/>
-          <p:cNvPicPr>
-            <a:picLocks noChangeAspect="1"/>
-          </p:cNvPicPr>
-          <p:nvPr/>
-        </p:nvPicPr>
-        <p:blipFill>
-          <a:blip r:embed="rId6" cstate="print">
-            <a:extLst>
-              <a:ext uri="{28A0092B-C50C-407E-A947-70E740481C1C}">
-                <a14:useLocalDpi xmlns:a14="http://schemas.microsoft.com/office/drawing/2010/main" val="0"/>
-              </a:ext>
-              <a:ext uri="{96DAC541-7B7A-43D3-8B79-37D633B846F1}">
-                <asvg:svgBlip xmlns:asvg="http://schemas.microsoft.com/office/drawing/2016/SVG/main" xmlns="" r:embed="rId7"/>
-              </a:ext>
-            </a:extLst>
-          </a:blip>
-          <a:stretch>
-            <a:fillRect/>
-          </a:stretch>
-        </p:blipFill>
-        <p:spPr>
-          <a:xfrm rot="20111766">
-            <a:off x="6274967" y="4985804"/>
-            <a:ext cx="746264" cy="746264"/>
-          </a:xfrm>
-          <a:prstGeom prst="rect">
-            <a:avLst/>
-          </a:prstGeom>
-        </p:spPr>
-      </p:pic>
-      <p:pic>
-        <p:nvPicPr>
-          <p:cNvPr id="53" name="Grafik 52" descr="Benutzer"/>
-          <p:cNvPicPr>
-            <a:picLocks noChangeAspect="1"/>
-          </p:cNvPicPr>
-          <p:nvPr/>
-        </p:nvPicPr>
-        <p:blipFill>
-          <a:blip r:embed="rId8" cstate="print">
-            <a:extLst>
-              <a:ext uri="{28A0092B-C50C-407E-A947-70E740481C1C}">
-                <a14:useLocalDpi xmlns:a14="http://schemas.microsoft.com/office/drawing/2010/main" val="0"/>
-              </a:ext>
-              <a:ext uri="{96DAC541-7B7A-43D3-8B79-37D633B846F1}">
-                <asvg:svgBlip xmlns:asvg="http://schemas.microsoft.com/office/drawing/2016/SVG/main" xmlns="" r:embed="rId9"/>
-              </a:ext>
-            </a:extLst>
-          </a:blip>
-          <a:stretch>
-            <a:fillRect/>
-          </a:stretch>
-        </p:blipFill>
-        <p:spPr>
-          <a:xfrm>
-            <a:off x="4268237" y="3993154"/>
-            <a:ext cx="610815" cy="610815"/>
-          </a:xfrm>
-          <a:prstGeom prst="rect">
-            <a:avLst/>
-          </a:prstGeom>
-        </p:spPr>
-      </p:pic>
-      <p:cxnSp>
-        <p:nvCxnSpPr>
-          <p:cNvPr id="21" name="Gewinkelte Verbindung 20"/>
-          <p:cNvCxnSpPr>
-            <a:cxnSpLocks/>
-            <a:endCxn id="36" idx="1"/>
-          </p:cNvCxnSpPr>
-          <p:nvPr/>
-        </p:nvCxnSpPr>
-        <p:spPr>
-          <a:xfrm flipV="1">
-            <a:off x="2587434" y="3693505"/>
-            <a:ext cx="1045405" cy="1618"/>
-          </a:xfrm>
-          <a:prstGeom prst="bentConnector3">
-            <a:avLst>
-              <a:gd name="adj1" fmla="val 50000"/>
-            </a:avLst>
-          </a:prstGeom>
-          <a:ln w="57150">
-            <a:solidFill>
-              <a:schemeClr val="accent1">
-                <a:lumMod val="50000"/>
-              </a:schemeClr>
-            </a:solidFill>
-            <a:tailEnd type="triangle"/>
-          </a:ln>
-        </p:spPr>
-        <p:style>
-          <a:lnRef idx="1">
-            <a:schemeClr val="accent1"/>
-          </a:lnRef>
-          <a:fillRef idx="0">
-            <a:schemeClr val="accent1"/>
-          </a:fillRef>
-          <a:effectRef idx="0">
-            <a:schemeClr val="accent1"/>
-          </a:effectRef>
-          <a:fontRef idx="minor">
-            <a:schemeClr val="tx1"/>
-          </a:fontRef>
-        </p:style>
-      </p:cxnSp>
       <p:cxnSp>
         <p:nvCxnSpPr>
           <p:cNvPr id="51" name="Gerade Verbindung mit Pfeil 50"/>
@@ -9578,13 +9299,13 @@
         </p:nvCxnSpPr>
         <p:spPr>
           <a:xfrm>
-            <a:off x="5092022" y="3693505"/>
-            <a:ext cx="287492" cy="14318"/>
+            <a:off x="5136472" y="3693505"/>
+            <a:ext cx="243042" cy="0"/>
           </a:xfrm>
           <a:prstGeom prst="straightConnector1">
             <a:avLst/>
           </a:prstGeom>
-          <a:ln w="57150">
+          <a:ln w="38100">
             <a:solidFill>
               <a:schemeClr val="accent1">
                 <a:lumMod val="50000"/>
@@ -9617,7 +9338,7 @@
           <p:nvPr/>
         </p:nvPicPr>
         <p:blipFill>
-          <a:blip r:embed="rId10" cstate="print">
+          <a:blip r:embed="rId3" cstate="print">
             <a:extLst>
               <a:ext uri="{28A0092B-C50C-407E-A947-70E740481C1C}">
                 <a14:useLocalDpi xmlns:a14="http://schemas.microsoft.com/office/drawing/2010/main" val="0"/>
@@ -9638,146 +9359,25 @@
           </a:prstGeom>
         </p:spPr>
       </p:pic>
-      <p:pic>
-        <p:nvPicPr>
-          <p:cNvPr id="60" name="Grafik 59" descr="Benutzer"/>
-          <p:cNvPicPr>
-            <a:picLocks noChangeAspect="1"/>
-          </p:cNvPicPr>
-          <p:nvPr/>
-        </p:nvPicPr>
-        <p:blipFill>
-          <a:blip r:embed="rId11" cstate="print">
-            <a:extLst>
-              <a:ext uri="{28A0092B-C50C-407E-A947-70E740481C1C}">
-                <a14:useLocalDpi xmlns:a14="http://schemas.microsoft.com/office/drawing/2010/main" val="0"/>
-              </a:ext>
-              <a:ext uri="{96DAC541-7B7A-43D3-8B79-37D633B846F1}">
-                <asvg:svgBlip xmlns:asvg="http://schemas.microsoft.com/office/drawing/2016/SVG/main" xmlns="" r:embed="rId9"/>
-              </a:ext>
-            </a:extLst>
-          </a:blip>
-          <a:stretch>
-            <a:fillRect/>
-          </a:stretch>
-        </p:blipFill>
-        <p:spPr>
-          <a:xfrm>
-            <a:off x="6662206" y="4862427"/>
-            <a:ext cx="505454" cy="505454"/>
-          </a:xfrm>
-          <a:prstGeom prst="rect">
-            <a:avLst/>
-          </a:prstGeom>
-        </p:spPr>
-      </p:pic>
-      <p:pic>
-        <p:nvPicPr>
-          <p:cNvPr id="61" name="Picture 4" descr="City hall building Free Icon"/>
-          <p:cNvPicPr>
-            <a:picLocks noChangeAspect="1" noChangeArrowheads="1"/>
-          </p:cNvPicPr>
-          <p:nvPr/>
-        </p:nvPicPr>
-        <p:blipFill>
-          <a:blip r:embed="rId12" cstate="print">
-            <a:extLst>
-              <a:ext uri="{BEBA8EAE-BF5A-486C-A8C5-ECC9F3942E4B}">
-                <a14:imgProps xmlns:a14="http://schemas.microsoft.com/office/drawing/2010/main">
-                  <a14:imgLayer r:embed="rId13">
-                    <a14:imgEffect>
-                      <a14:backgroundRemoval t="9425" b="94089" l="0" r="100000">
-                        <a14:foregroundMark x1="5272" y1="63419" x2="5272" y2="63419"/>
-                        <a14:foregroundMark x1="40096" y1="85144" x2="40096" y2="85144"/>
-                        <a14:foregroundMark x1="87700" y1="79233" x2="87700" y2="79233"/>
-                      </a14:backgroundRemoval>
-                    </a14:imgEffect>
-                  </a14:imgLayer>
-                </a14:imgProps>
-              </a:ext>
-              <a:ext uri="{28A0092B-C50C-407E-A947-70E740481C1C}">
-                <a14:useLocalDpi xmlns:a14="http://schemas.microsoft.com/office/drawing/2010/main" val="0"/>
-              </a:ext>
-            </a:extLst>
-          </a:blip>
-          <a:srcRect/>
-          <a:stretch>
-            <a:fillRect/>
-          </a:stretch>
-        </p:blipFill>
-        <p:spPr bwMode="auto">
-          <a:xfrm>
-            <a:off x="5932290" y="4984750"/>
-            <a:ext cx="545158" cy="545158"/>
-          </a:xfrm>
-          <a:prstGeom prst="rect">
-            <a:avLst/>
-          </a:prstGeom>
-          <a:noFill/>
-        </p:spPr>
-      </p:pic>
-      <p:cxnSp>
-        <p:nvCxnSpPr>
-          <p:cNvPr id="62" name="Gewinkelte Verbindung 20"/>
-          <p:cNvCxnSpPr>
-            <a:cxnSpLocks/>
-            <a:endCxn id="132" idx="3"/>
-          </p:cNvCxnSpPr>
-          <p:nvPr/>
-        </p:nvCxnSpPr>
-        <p:spPr>
-          <a:xfrm rot="10800000">
-            <a:off x="2636715" y="5062768"/>
-            <a:ext cx="3089672" cy="230040"/>
-          </a:xfrm>
-          <a:prstGeom prst="bentConnector3">
-            <a:avLst>
-              <a:gd name="adj1" fmla="val 50000"/>
-            </a:avLst>
-          </a:prstGeom>
-          <a:ln w="57150">
-            <a:solidFill>
-              <a:schemeClr val="accent1">
-                <a:lumMod val="50000"/>
-              </a:schemeClr>
-            </a:solidFill>
-            <a:tailEnd type="triangle"/>
-          </a:ln>
-        </p:spPr>
-        <p:style>
-          <a:lnRef idx="1">
-            <a:schemeClr val="accent1"/>
-          </a:lnRef>
-          <a:fillRef idx="0">
-            <a:schemeClr val="accent1"/>
-          </a:fillRef>
-          <a:effectRef idx="0">
-            <a:schemeClr val="accent1"/>
-          </a:effectRef>
-          <a:fontRef idx="minor">
-            <a:schemeClr val="tx1"/>
-          </a:fontRef>
-        </p:style>
-      </p:cxnSp>
       <p:cxnSp>
         <p:nvCxnSpPr>
           <p:cNvPr id="66" name="Gerade Verbindung mit Pfeil 65"/>
           <p:cNvCxnSpPr>
             <a:cxnSpLocks/>
-            <a:stCxn id="80" idx="1"/>
-            <a:endCxn id="124" idx="3"/>
+            <a:stCxn id="88" idx="1"/>
+            <a:endCxn id="71" idx="3"/>
           </p:cNvCxnSpPr>
           <p:nvPr/>
         </p:nvCxnSpPr>
         <p:spPr>
           <a:xfrm flipH="1" flipV="1">
-            <a:off x="7876795" y="3708334"/>
-            <a:ext cx="1658912" cy="1367327"/>
+            <a:off x="7995634" y="3706785"/>
+            <a:ext cx="1552307" cy="1240986"/>
           </a:xfrm>
           <a:prstGeom prst="straightConnector1">
             <a:avLst/>
           </a:prstGeom>
-          <a:ln w="57150">
+          <a:ln w="38100">
             <a:solidFill>
               <a:schemeClr val="accent1">
                 <a:lumMod val="50000"/>
@@ -9806,20 +9406,20 @@
           <p:cNvPr id="68" name="Gerade Verbindung mit Pfeil 67"/>
           <p:cNvCxnSpPr>
             <a:cxnSpLocks/>
-            <a:stCxn id="78" idx="1"/>
-            <a:endCxn id="124" idx="3"/>
+            <a:stCxn id="86" idx="1"/>
+            <a:endCxn id="71" idx="3"/>
           </p:cNvCxnSpPr>
           <p:nvPr/>
         </p:nvCxnSpPr>
         <p:spPr>
           <a:xfrm flipH="1" flipV="1">
-            <a:off x="7876795" y="3708334"/>
-            <a:ext cx="1659556" cy="440936"/>
+            <a:off x="7995634" y="3706785"/>
+            <a:ext cx="1540976" cy="281854"/>
           </a:xfrm>
           <a:prstGeom prst="straightConnector1">
             <a:avLst/>
           </a:prstGeom>
-          <a:ln w="57150">
+          <a:ln w="38100">
             <a:solidFill>
               <a:schemeClr val="accent1">
                 <a:lumMod val="50000"/>
@@ -9848,20 +9448,20 @@
           <p:cNvPr id="72" name="Gerade Verbindung mit Pfeil 71"/>
           <p:cNvCxnSpPr>
             <a:cxnSpLocks/>
-            <a:stCxn id="10" idx="1"/>
-            <a:endCxn id="124" idx="3"/>
+            <a:stCxn id="82" idx="1"/>
+            <a:endCxn id="71" idx="3"/>
           </p:cNvCxnSpPr>
           <p:nvPr/>
         </p:nvCxnSpPr>
         <p:spPr>
           <a:xfrm flipH="1">
-            <a:off x="7876795" y="3281177"/>
-            <a:ext cx="1659556" cy="427157"/>
+            <a:off x="7995634" y="3023432"/>
+            <a:ext cx="1538423" cy="683353"/>
           </a:xfrm>
           <a:prstGeom prst="straightConnector1">
             <a:avLst/>
           </a:prstGeom>
-          <a:ln w="57150">
+          <a:ln w="38100">
             <a:solidFill>
               <a:schemeClr val="accent1">
                 <a:lumMod val="50000"/>
@@ -9885,199 +9485,547 @@
           </a:fontRef>
         </p:style>
       </p:cxnSp>
-      <p:sp>
-        <p:nvSpPr>
-          <p:cNvPr id="73" name="Textfeld 72"/>
-          <p:cNvSpPr txBox="1"/>
+      <p:cxnSp>
+        <p:nvCxnSpPr>
+          <p:cNvPr id="129" name="Gerade Verbindung mit Pfeil 128"/>
+          <p:cNvCxnSpPr>
+            <a:cxnSpLocks/>
+            <a:stCxn id="71" idx="1"/>
+            <a:endCxn id="59" idx="3"/>
+          </p:cNvCxnSpPr>
           <p:nvPr/>
-        </p:nvSpPr>
+        </p:nvCxnSpPr>
         <p:spPr>
-          <a:xfrm>
-            <a:off x="9464588" y="2686787"/>
-            <a:ext cx="974947" cy="369332"/>
+          <a:xfrm flipH="1">
+            <a:off x="6997252" y="3706785"/>
+            <a:ext cx="276906" cy="1038"/>
           </a:xfrm>
-          <a:prstGeom prst="rect">
+          <a:prstGeom prst="straightConnector1">
             <a:avLst/>
           </a:prstGeom>
-          <a:noFill/>
+          <a:ln w="38100">
+            <a:solidFill>
+              <a:schemeClr val="accent1">
+                <a:lumMod val="50000"/>
+              </a:schemeClr>
+            </a:solidFill>
+            <a:tailEnd type="triangle"/>
+          </a:ln>
         </p:spPr>
-        <p:txBody>
-          <a:bodyPr wrap="none" rtlCol="0">
-            <a:spAutoFit/>
-          </a:bodyPr>
-          <a:lstStyle/>
-          <a:p>
-            <a:r>
-              <a:rPr lang="de-DE" dirty="0" err="1"/>
-              <a:t>DBpedia</a:t>
-            </a:r>
-            <a:endParaRPr lang="de-DE" dirty="0"/>
-          </a:p>
-        </p:txBody>
-      </p:sp>
-      <p:pic>
-        <p:nvPicPr>
-          <p:cNvPr id="78" name="Grafik 77"/>
-          <p:cNvPicPr>
-            <a:picLocks noChangeAspect="1"/>
-          </p:cNvPicPr>
-          <p:nvPr/>
-        </p:nvPicPr>
-        <p:blipFill>
-          <a:blip r:embed="rId3" cstate="print">
-            <a:extLst>
-              <a:ext uri="{28A0092B-C50C-407E-A947-70E740481C1C}">
-                <a14:useLocalDpi xmlns:a14="http://schemas.microsoft.com/office/drawing/2010/main" val="0"/>
-              </a:ext>
-            </a:extLst>
-          </a:blip>
-          <a:stretch>
-            <a:fillRect/>
-          </a:stretch>
-        </p:blipFill>
-        <p:spPr>
-          <a:xfrm>
-            <a:off x="9536351" y="3873528"/>
-            <a:ext cx="831423" cy="551484"/>
-          </a:xfrm>
-          <a:prstGeom prst="rect">
-            <a:avLst/>
-          </a:prstGeom>
-        </p:spPr>
-      </p:pic>
-      <p:sp>
-        <p:nvSpPr>
-          <p:cNvPr id="79" name="Textfeld 78"/>
-          <p:cNvSpPr txBox="1"/>
-          <p:nvPr/>
-        </p:nvSpPr>
-        <p:spPr>
-          <a:xfrm>
-            <a:off x="9538260" y="3574916"/>
-            <a:ext cx="826316" cy="369332"/>
-          </a:xfrm>
-          <a:prstGeom prst="rect">
-            <a:avLst/>
-          </a:prstGeom>
-          <a:noFill/>
-        </p:spPr>
-        <p:txBody>
-          <a:bodyPr wrap="none" rtlCol="0">
-            <a:spAutoFit/>
-          </a:bodyPr>
-          <a:lstStyle/>
-          <a:p>
-            <a:r>
-              <a:rPr lang="de-DE" dirty="0"/>
-              <a:t>YAGO2</a:t>
-            </a:r>
-          </a:p>
-        </p:txBody>
-      </p:sp>
-      <p:pic>
-        <p:nvPicPr>
-          <p:cNvPr id="80" name="Grafik 79"/>
-          <p:cNvPicPr>
-            <a:picLocks noChangeAspect="1"/>
-          </p:cNvPicPr>
-          <p:nvPr/>
-        </p:nvPicPr>
-        <p:blipFill>
-          <a:blip r:embed="rId3" cstate="print">
-            <a:extLst>
-              <a:ext uri="{28A0092B-C50C-407E-A947-70E740481C1C}">
-                <a14:useLocalDpi xmlns:a14="http://schemas.microsoft.com/office/drawing/2010/main" val="0"/>
-              </a:ext>
-            </a:extLst>
-          </a:blip>
-          <a:stretch>
-            <a:fillRect/>
-          </a:stretch>
-        </p:blipFill>
-        <p:spPr>
-          <a:xfrm>
-            <a:off x="9535707" y="4799919"/>
-            <a:ext cx="831423" cy="551484"/>
-          </a:xfrm>
-          <a:prstGeom prst="rect">
-            <a:avLst/>
-          </a:prstGeom>
-        </p:spPr>
-      </p:pic>
-      <p:sp>
-        <p:nvSpPr>
-          <p:cNvPr id="81" name="Textfeld 80"/>
-          <p:cNvSpPr txBox="1"/>
-          <p:nvPr/>
-        </p:nvSpPr>
-        <p:spPr>
-          <a:xfrm>
-            <a:off x="9511809" y="4483310"/>
-            <a:ext cx="184731" cy="369332"/>
-          </a:xfrm>
-          <a:prstGeom prst="rect">
-            <a:avLst/>
-          </a:prstGeom>
-          <a:noFill/>
-        </p:spPr>
-        <p:txBody>
-          <a:bodyPr wrap="none" rtlCol="0">
-            <a:spAutoFit/>
-          </a:bodyPr>
-          <a:lstStyle/>
-          <a:p>
-            <a:endParaRPr lang="de-DE" dirty="0"/>
-          </a:p>
-        </p:txBody>
-      </p:sp>
-      <p:sp>
-        <p:nvSpPr>
-          <p:cNvPr id="85" name="Textfeld 84"/>
-          <p:cNvSpPr txBox="1"/>
-          <p:nvPr/>
-        </p:nvSpPr>
-        <p:spPr>
-          <a:xfrm>
-            <a:off x="9689500" y="4262699"/>
-            <a:ext cx="920190" cy="646331"/>
-          </a:xfrm>
-          <a:prstGeom prst="rect">
-            <a:avLst/>
-          </a:prstGeom>
-          <a:noFill/>
-        </p:spPr>
-        <p:txBody>
-          <a:bodyPr wrap="square" rtlCol="0">
-            <a:spAutoFit/>
-          </a:bodyPr>
-          <a:lstStyle/>
-          <a:p>
-            <a:r>
-              <a:rPr lang="de-DE" sz="3600" dirty="0"/>
-              <a:t>…</a:t>
-            </a:r>
-          </a:p>
-        </p:txBody>
-      </p:sp>
+        <p:style>
+          <a:lnRef idx="1">
+            <a:schemeClr val="accent1"/>
+          </a:lnRef>
+          <a:fillRef idx="0">
+            <a:schemeClr val="accent1"/>
+          </a:fillRef>
+          <a:effectRef idx="0">
+            <a:schemeClr val="accent1"/>
+          </a:effectRef>
+          <a:fontRef idx="minor">
+            <a:schemeClr val="tx1"/>
+          </a:fontRef>
+        </p:style>
+      </p:cxnSp>
       <p:cxnSp>
         <p:nvCxnSpPr>
-          <p:cNvPr id="99" name="Gerade Verbindung mit Pfeil 98"/>
+          <p:cNvPr id="176" name="Gerade Verbindung mit Pfeil 175"/>
           <p:cNvCxnSpPr>
             <a:cxnSpLocks/>
-            <a:stCxn id="59" idx="2"/>
-            <a:endCxn id="170" idx="0"/>
           </p:cNvCxnSpPr>
           <p:nvPr/>
         </p:nvCxnSpPr>
         <p:spPr>
           <a:xfrm>
-            <a:off x="6265787" y="3935001"/>
-            <a:ext cx="5498" cy="244914"/>
+            <a:off x="6271285" y="4262699"/>
+            <a:ext cx="0" cy="537220"/>
           </a:xfrm>
           <a:prstGeom prst="straightConnector1">
             <a:avLst/>
           </a:prstGeom>
-          <a:ln w="57150">
+          <a:ln w="38100">
+            <a:solidFill>
+              <a:schemeClr val="accent1">
+                <a:lumMod val="50000"/>
+              </a:schemeClr>
+            </a:solidFill>
+            <a:tailEnd type="triangle"/>
+          </a:ln>
+        </p:spPr>
+        <p:style>
+          <a:lnRef idx="1">
+            <a:schemeClr val="accent1"/>
+          </a:lnRef>
+          <a:fillRef idx="0">
+            <a:schemeClr val="accent1"/>
+          </a:fillRef>
+          <a:effectRef idx="0">
+            <a:schemeClr val="accent1"/>
+          </a:effectRef>
+          <a:fontRef idx="minor">
+            <a:schemeClr val="tx1"/>
+          </a:fontRef>
+        </p:style>
+      </p:cxnSp>
+      <p:grpSp>
+        <p:nvGrpSpPr>
+          <p:cNvPr id="26" name="Gruppieren 25"/>
+          <p:cNvGrpSpPr/>
+          <p:nvPr/>
+        </p:nvGrpSpPr>
+        <p:grpSpPr>
+          <a:xfrm>
+            <a:off x="922755" y="4225526"/>
+            <a:ext cx="1637760" cy="1637760"/>
+            <a:chOff x="998955" y="4219176"/>
+            <a:chExt cx="1637760" cy="1637760"/>
+          </a:xfrm>
+        </p:grpSpPr>
+        <p:pic>
+          <p:nvPicPr>
+            <p:cNvPr id="132" name="Grafik 131" descr="Monitor"/>
+            <p:cNvPicPr>
+              <a:picLocks noChangeAspect="1"/>
+            </p:cNvPicPr>
+            <p:nvPr/>
+          </p:nvPicPr>
+          <p:blipFill>
+            <a:blip r:embed="rId4">
+              <a:extLst>
+                <a:ext uri="{28A0092B-C50C-407E-A947-70E740481C1C}">
+                  <a14:useLocalDpi xmlns:a14="http://schemas.microsoft.com/office/drawing/2010/main" val="0"/>
+                </a:ext>
+                <a:ext uri="{96DAC541-7B7A-43D3-8B79-37D633B846F1}">
+                  <asvg:svgBlip xmlns:asvg="http://schemas.microsoft.com/office/drawing/2016/SVG/main" r:embed="rId5"/>
+                </a:ext>
+              </a:extLst>
+            </a:blip>
+            <a:stretch>
+              <a:fillRect/>
+            </a:stretch>
+          </p:blipFill>
+          <p:spPr>
+            <a:xfrm>
+              <a:off x="998955" y="4219176"/>
+              <a:ext cx="1637760" cy="1637760"/>
+            </a:xfrm>
+            <a:prstGeom prst="rect">
+              <a:avLst/>
+            </a:prstGeom>
+          </p:spPr>
+        </p:pic>
+        <p:pic>
+          <p:nvPicPr>
+            <p:cNvPr id="7" name="Grafik 6"/>
+            <p:cNvPicPr>
+              <a:picLocks noChangeAspect="1"/>
+            </p:cNvPicPr>
+            <p:nvPr/>
+          </p:nvPicPr>
+          <p:blipFill>
+            <a:blip r:embed="rId6"/>
+            <a:stretch>
+              <a:fillRect/>
+            </a:stretch>
+          </p:blipFill>
+          <p:spPr>
+            <a:xfrm>
+              <a:off x="1238251" y="4560882"/>
+              <a:ext cx="1159408" cy="735437"/>
+            </a:xfrm>
+            <a:prstGeom prst="rect">
+              <a:avLst/>
+            </a:prstGeom>
+          </p:spPr>
+        </p:pic>
+      </p:grpSp>
+      <p:grpSp>
+        <p:nvGrpSpPr>
+          <p:cNvPr id="44" name="Group 65"/>
+          <p:cNvGrpSpPr/>
+          <p:nvPr/>
+        </p:nvGrpSpPr>
+        <p:grpSpPr>
+          <a:xfrm>
+            <a:off x="1675581" y="3332810"/>
+            <a:ext cx="782793" cy="946599"/>
+            <a:chOff x="7000766" y="3700176"/>
+            <a:chExt cx="782793" cy="946599"/>
+          </a:xfrm>
+        </p:grpSpPr>
+        <p:pic>
+          <p:nvPicPr>
+            <p:cNvPr id="47" name="Picture 4" descr="http://westwoodcivicclub.com/wp-content/uploads/2015/11/news-icon.png"/>
+            <p:cNvPicPr>
+              <a:picLocks noChangeAspect="1" noChangeArrowheads="1"/>
+            </p:cNvPicPr>
+            <p:nvPr/>
+          </p:nvPicPr>
+          <p:blipFill rotWithShape="1">
+            <a:blip r:embed="rId7" cstate="print">
+              <a:extLst>
+                <a:ext uri="{28A0092B-C50C-407E-A947-70E740481C1C}">
+                  <a14:useLocalDpi xmlns:a14="http://schemas.microsoft.com/office/drawing/2010/main" val="0"/>
+                </a:ext>
+              </a:extLst>
+            </a:blip>
+            <a:srcRect l="5276" t="6248" r="6322" b="6114"/>
+            <a:stretch/>
+          </p:blipFill>
+          <p:spPr bwMode="auto">
+            <a:xfrm>
+              <a:off x="7033186" y="3700176"/>
+              <a:ext cx="724042" cy="717781"/>
+            </a:xfrm>
+            <a:prstGeom prst="rect">
+              <a:avLst/>
+            </a:prstGeom>
+            <a:noFill/>
+            <a:effectLst>
+              <a:softEdge rad="63500"/>
+            </a:effectLst>
+            <a:extLst>
+              <a:ext uri="{909E8E84-426E-40DD-AFC4-6F175D3DCCD1}">
+                <a14:hiddenFill xmlns:a14="http://schemas.microsoft.com/office/drawing/2010/main">
+                  <a:solidFill>
+                    <a:srgbClr val="FFFFFF"/>
+                  </a:solidFill>
+                </a14:hiddenFill>
+              </a:ext>
+            </a:extLst>
+          </p:spPr>
+        </p:pic>
+        <p:sp>
+          <p:nvSpPr>
+            <p:cNvPr id="48" name="TextBox 67"/>
+            <p:cNvSpPr txBox="1"/>
+            <p:nvPr/>
+          </p:nvSpPr>
+          <p:spPr>
+            <a:xfrm>
+              <a:off x="7000766" y="4338998"/>
+              <a:ext cx="782793" cy="307777"/>
+            </a:xfrm>
+            <a:prstGeom prst="rect">
+              <a:avLst/>
+            </a:prstGeom>
+            <a:noFill/>
+          </p:spPr>
+          <p:txBody>
+            <a:bodyPr wrap="square" rtlCol="0">
+              <a:spAutoFit/>
+            </a:bodyPr>
+            <a:lstStyle/>
+            <a:p>
+              <a:pPr algn="ctr"/>
+              <a:r>
+                <a:rPr lang="en-GB" sz="1400" dirty="0"/>
+                <a:t>Content</a:t>
+              </a:r>
+              <a:endParaRPr lang="de-DE" sz="1400" dirty="0"/>
+            </a:p>
+          </p:txBody>
+        </p:sp>
+      </p:grpSp>
+      <p:grpSp>
+        <p:nvGrpSpPr>
+          <p:cNvPr id="50" name="Group 59"/>
+          <p:cNvGrpSpPr/>
+          <p:nvPr/>
+        </p:nvGrpSpPr>
+        <p:grpSpPr>
+          <a:xfrm>
+            <a:off x="895008" y="3200445"/>
+            <a:ext cx="832361" cy="1074589"/>
+            <a:chOff x="6306726" y="3650506"/>
+            <a:chExt cx="832361" cy="1074589"/>
+          </a:xfrm>
+        </p:grpSpPr>
+        <p:pic>
+          <p:nvPicPr>
+            <p:cNvPr id="52" name="Grafik 132" descr="Prüfliste"/>
+            <p:cNvPicPr>
+              <a:picLocks noChangeAspect="1"/>
+            </p:cNvPicPr>
+            <p:nvPr/>
+          </p:nvPicPr>
+          <p:blipFill>
+            <a:blip r:embed="rId8" cstate="print">
+              <a:extLst>
+                <a:ext uri="{28A0092B-C50C-407E-A947-70E740481C1C}">
+                  <a14:useLocalDpi xmlns:a14="http://schemas.microsoft.com/office/drawing/2010/main" val="0"/>
+                </a:ext>
+                <a:ext uri="{96DAC541-7B7A-43D3-8B79-37D633B846F1}">
+                  <asvg:svgBlip xmlns:asvg="http://schemas.microsoft.com/office/drawing/2016/SVG/main" r:embed="rId9"/>
+                </a:ext>
+              </a:extLst>
+            </a:blip>
+            <a:stretch>
+              <a:fillRect/>
+            </a:stretch>
+          </p:blipFill>
+          <p:spPr>
+            <a:xfrm>
+              <a:off x="6306726" y="3650506"/>
+              <a:ext cx="832361" cy="832361"/>
+            </a:xfrm>
+            <a:prstGeom prst="rect">
+              <a:avLst/>
+            </a:prstGeom>
+          </p:spPr>
+        </p:pic>
+        <p:sp>
+          <p:nvSpPr>
+            <p:cNvPr id="54" name="TextBox 55"/>
+            <p:cNvSpPr txBox="1"/>
+            <p:nvPr/>
+          </p:nvSpPr>
+          <p:spPr>
+            <a:xfrm>
+              <a:off x="6324845" y="4417318"/>
+              <a:ext cx="797405" cy="307777"/>
+            </a:xfrm>
+            <a:prstGeom prst="rect">
+              <a:avLst/>
+            </a:prstGeom>
+            <a:noFill/>
+          </p:spPr>
+          <p:txBody>
+            <a:bodyPr wrap="square" rtlCol="0">
+              <a:spAutoFit/>
+            </a:bodyPr>
+            <a:lstStyle/>
+            <a:p>
+              <a:pPr algn="ctr"/>
+              <a:r>
+                <a:rPr lang="en-GB" sz="1400" dirty="0"/>
+                <a:t>Options</a:t>
+              </a:r>
+              <a:endParaRPr lang="de-DE" sz="1400" dirty="0"/>
+            </a:p>
+          </p:txBody>
+        </p:sp>
+      </p:grpSp>
+      <p:grpSp>
+        <p:nvGrpSpPr>
+          <p:cNvPr id="13" name="Gruppieren 12"/>
+          <p:cNvGrpSpPr/>
+          <p:nvPr/>
+        </p:nvGrpSpPr>
+        <p:grpSpPr>
+          <a:xfrm>
+            <a:off x="5772151" y="4611673"/>
+            <a:ext cx="1901968" cy="1129422"/>
+            <a:chOff x="5772151" y="4611673"/>
+            <a:chExt cx="1901968" cy="1129422"/>
+          </a:xfrm>
+        </p:grpSpPr>
+        <p:grpSp>
+          <p:nvGrpSpPr>
+            <p:cNvPr id="4" name="Gruppieren 3"/>
+            <p:cNvGrpSpPr/>
+            <p:nvPr/>
+          </p:nvGrpSpPr>
+          <p:grpSpPr>
+            <a:xfrm>
+              <a:off x="5932289" y="4611673"/>
+              <a:ext cx="1684081" cy="897987"/>
+              <a:chOff x="5932289" y="4834081"/>
+              <a:chExt cx="1684081" cy="897987"/>
+            </a:xfrm>
+          </p:grpSpPr>
+          <p:pic>
+            <p:nvPicPr>
+              <p:cNvPr id="49" name="Grafik 48" descr="Netzwerk"/>
+              <p:cNvPicPr>
+                <a:picLocks noChangeAspect="1"/>
+              </p:cNvPicPr>
+              <p:nvPr/>
+            </p:nvPicPr>
+            <p:blipFill>
+              <a:blip r:embed="rId10" cstate="print">
+                <a:extLst>
+                  <a:ext uri="{28A0092B-C50C-407E-A947-70E740481C1C}">
+                    <a14:useLocalDpi xmlns:a14="http://schemas.microsoft.com/office/drawing/2010/main" val="0"/>
+                  </a:ext>
+                  <a:ext uri="{96DAC541-7B7A-43D3-8B79-37D633B846F1}">
+                    <asvg:svgBlip xmlns:asvg="http://schemas.microsoft.com/office/drawing/2016/SVG/main" r:embed="rId11"/>
+                  </a:ext>
+                </a:extLst>
+              </a:blip>
+              <a:stretch>
+                <a:fillRect/>
+              </a:stretch>
+            </p:blipFill>
+            <p:spPr>
+              <a:xfrm rot="20111766">
+                <a:off x="6274967" y="4985804"/>
+                <a:ext cx="746264" cy="746264"/>
+              </a:xfrm>
+              <a:prstGeom prst="rect">
+                <a:avLst/>
+              </a:prstGeom>
+            </p:spPr>
+          </p:pic>
+          <p:pic>
+            <p:nvPicPr>
+              <p:cNvPr id="60" name="Grafik 59" descr="Benutzer"/>
+              <p:cNvPicPr>
+                <a:picLocks noChangeAspect="1"/>
+              </p:cNvPicPr>
+              <p:nvPr/>
+            </p:nvPicPr>
+            <p:blipFill>
+              <a:blip r:embed="rId12" cstate="print">
+                <a:extLst>
+                  <a:ext uri="{28A0092B-C50C-407E-A947-70E740481C1C}">
+                    <a14:useLocalDpi xmlns:a14="http://schemas.microsoft.com/office/drawing/2010/main" val="0"/>
+                  </a:ext>
+                  <a:ext uri="{96DAC541-7B7A-43D3-8B79-37D633B846F1}">
+                    <asvg:svgBlip xmlns:asvg="http://schemas.microsoft.com/office/drawing/2016/SVG/main" r:embed="rId13"/>
+                  </a:ext>
+                </a:extLst>
+              </a:blip>
+              <a:stretch>
+                <a:fillRect/>
+              </a:stretch>
+            </p:blipFill>
+            <p:spPr>
+              <a:xfrm>
+                <a:off x="6662206" y="4862427"/>
+                <a:ext cx="505454" cy="505454"/>
+              </a:xfrm>
+              <a:prstGeom prst="rect">
+                <a:avLst/>
+              </a:prstGeom>
+            </p:spPr>
+          </p:pic>
+          <p:pic>
+            <p:nvPicPr>
+              <p:cNvPr id="61" name="Picture 4" descr="City hall building Free Icon"/>
+              <p:cNvPicPr>
+                <a:picLocks noChangeAspect="1" noChangeArrowheads="1"/>
+              </p:cNvPicPr>
+              <p:nvPr/>
+            </p:nvPicPr>
+            <p:blipFill>
+              <a:blip r:embed="rId14" cstate="print">
+                <a:extLst>
+                  <a:ext uri="{BEBA8EAE-BF5A-486C-A8C5-ECC9F3942E4B}">
+                    <a14:imgProps xmlns:a14="http://schemas.microsoft.com/office/drawing/2010/main">
+                      <a14:imgLayer r:embed="rId15">
+                        <a14:imgEffect>
+                          <a14:backgroundRemoval t="9425" b="94089" l="0" r="100000">
+                            <a14:foregroundMark x1="5272" y1="63419" x2="5272" y2="63419"/>
+                            <a14:foregroundMark x1="40096" y1="85144" x2="40096" y2="85144"/>
+                            <a14:foregroundMark x1="87700" y1="79233" x2="87700" y2="79233"/>
+                          </a14:backgroundRemoval>
+                        </a14:imgEffect>
+                      </a14:imgLayer>
+                    </a14:imgProps>
+                  </a:ext>
+                  <a:ext uri="{28A0092B-C50C-407E-A947-70E740481C1C}">
+                    <a14:useLocalDpi xmlns:a14="http://schemas.microsoft.com/office/drawing/2010/main" val="0"/>
+                  </a:ext>
+                </a:extLst>
+              </a:blip>
+              <a:srcRect/>
+              <a:stretch>
+                <a:fillRect/>
+              </a:stretch>
+            </p:blipFill>
+            <p:spPr bwMode="auto">
+              <a:xfrm>
+                <a:off x="5932289" y="4987924"/>
+                <a:ext cx="554235" cy="554235"/>
+              </a:xfrm>
+              <a:prstGeom prst="rect">
+                <a:avLst/>
+              </a:prstGeom>
+              <a:noFill/>
+            </p:spPr>
+          </p:pic>
+          <p:pic>
+            <p:nvPicPr>
+              <p:cNvPr id="117" name="Grafik 116"/>
+              <p:cNvPicPr>
+                <a:picLocks noChangeAspect="1"/>
+              </p:cNvPicPr>
+              <p:nvPr/>
+            </p:nvPicPr>
+            <p:blipFill rotWithShape="1">
+              <a:blip r:embed="rId16" cstate="print">
+                <a:extLst>
+                  <a:ext uri="{28A0092B-C50C-407E-A947-70E740481C1C}">
+                    <a14:useLocalDpi xmlns:a14="http://schemas.microsoft.com/office/drawing/2010/main" val="0"/>
+                  </a:ext>
+                </a:extLst>
+              </a:blip>
+              <a:srcRect l="20002" t="30011" r="18445" b="12840"/>
+              <a:stretch/>
+            </p:blipFill>
+            <p:spPr>
+              <a:xfrm>
+                <a:off x="7088465" y="4834081"/>
+                <a:ext cx="527905" cy="490126"/>
+              </a:xfrm>
+              <a:prstGeom prst="rect">
+                <a:avLst/>
+              </a:prstGeom>
+            </p:spPr>
+          </p:pic>
+        </p:grpSp>
+        <p:sp>
+          <p:nvSpPr>
+            <p:cNvPr id="55" name="TextBox 94"/>
+            <p:cNvSpPr txBox="1"/>
+            <p:nvPr/>
+          </p:nvSpPr>
+          <p:spPr>
+            <a:xfrm>
+              <a:off x="5772151" y="5433318"/>
+              <a:ext cx="1901968" cy="307777"/>
+            </a:xfrm>
+            <a:prstGeom prst="rect">
+              <a:avLst/>
+            </a:prstGeom>
+            <a:noFill/>
+          </p:spPr>
+          <p:txBody>
+            <a:bodyPr wrap="square" rtlCol="0">
+              <a:spAutoFit/>
+            </a:bodyPr>
+            <a:lstStyle/>
+            <a:p>
+              <a:pPr algn="ctr"/>
+              <a:r>
+                <a:rPr lang="en-GB" sz="1400" dirty="0"/>
+                <a:t>Context and Properties</a:t>
+              </a:r>
+              <a:endParaRPr lang="de-DE" sz="1400" dirty="0"/>
+            </a:p>
+          </p:txBody>
+        </p:sp>
+      </p:grpSp>
+      <p:cxnSp>
+        <p:nvCxnSpPr>
+          <p:cNvPr id="63" name="Gerade Verbindung mit Pfeil 62"/>
+          <p:cNvCxnSpPr>
+            <a:cxnSpLocks/>
+            <a:stCxn id="47" idx="3"/>
+            <a:endCxn id="36" idx="1"/>
+          </p:cNvCxnSpPr>
+          <p:nvPr/>
+        </p:nvCxnSpPr>
+        <p:spPr>
+          <a:xfrm>
+            <a:off x="2432043" y="3691701"/>
+            <a:ext cx="1245246" cy="1804"/>
+          </a:xfrm>
+          <a:prstGeom prst="straightConnector1">
+            <a:avLst/>
+          </a:prstGeom>
+          <a:ln w="38100">
             <a:solidFill>
               <a:schemeClr val="accent1">
                 <a:lumMod val="50000"/>
@@ -10103,46 +10051,20 @@
       </p:cxnSp>
       <p:pic>
         <p:nvPicPr>
-          <p:cNvPr id="117" name="Grafik 116"/>
-          <p:cNvPicPr>
-            <a:picLocks noChangeAspect="1"/>
-          </p:cNvPicPr>
-          <p:nvPr/>
-        </p:nvPicPr>
-        <p:blipFill rotWithShape="1">
-          <a:blip r:embed="rId14" cstate="print">
-            <a:extLst>
-              <a:ext uri="{28A0092B-C50C-407E-A947-70E740481C1C}">
-                <a14:useLocalDpi xmlns:a14="http://schemas.microsoft.com/office/drawing/2010/main" val="0"/>
-              </a:ext>
-            </a:extLst>
-          </a:blip>
-          <a:srcRect l="20002" t="30011" r="18445" b="12840"/>
-          <a:stretch/>
-        </p:blipFill>
-        <p:spPr>
-          <a:xfrm>
-            <a:off x="7088465" y="4834081"/>
-            <a:ext cx="527905" cy="490126"/>
-          </a:xfrm>
-          <a:prstGeom prst="rect">
-            <a:avLst/>
-          </a:prstGeom>
-        </p:spPr>
-      </p:pic>
-      <p:pic>
-        <p:nvPicPr>
-          <p:cNvPr id="124" name="Grafik 123"/>
+          <p:cNvPr id="170" name="Grafik 169" descr="Filter"/>
           <p:cNvPicPr>
             <a:picLocks noChangeAspect="1"/>
           </p:cNvPicPr>
           <p:nvPr/>
         </p:nvPicPr>
         <p:blipFill>
-          <a:blip r:embed="rId15">
+          <a:blip r:embed="rId17" cstate="print">
             <a:extLst>
               <a:ext uri="{28A0092B-C50C-407E-A947-70E740481C1C}">
                 <a14:useLocalDpi xmlns:a14="http://schemas.microsoft.com/office/drawing/2010/main" val="0"/>
+              </a:ext>
+              <a:ext uri="{96DAC541-7B7A-43D3-8B79-37D633B846F1}">
+                <asvg:svgBlip xmlns:asvg="http://schemas.microsoft.com/office/drawing/2016/SVG/main" r:embed="rId18"/>
               </a:ext>
             </a:extLst>
           </a:blip>
@@ -10152,36 +10074,66 @@
         </p:blipFill>
         <p:spPr>
           <a:xfrm>
-            <a:off x="7307155" y="3423514"/>
-            <a:ext cx="569640" cy="569640"/>
+            <a:off x="5848077" y="3952105"/>
+            <a:ext cx="852350" cy="432029"/>
           </a:xfrm>
           <a:prstGeom prst="rect">
             <a:avLst/>
           </a:prstGeom>
-          <a:ln>
-            <a:noFill/>
-          </a:ln>
+        </p:spPr>
+      </p:pic>
+      <p:pic>
+        <p:nvPicPr>
+          <p:cNvPr id="71" name="Grafik 70" descr="Zahnräder"/>
+          <p:cNvPicPr>
+            <a:picLocks noChangeAspect="1"/>
+          </p:cNvPicPr>
+          <p:nvPr/>
+        </p:nvPicPr>
+        <p:blipFill>
+          <a:blip r:embed="rId19" cstate="print">
+            <a:extLst>
+              <a:ext uri="{28A0092B-C50C-407E-A947-70E740481C1C}">
+                <a14:useLocalDpi xmlns:a14="http://schemas.microsoft.com/office/drawing/2010/main" val="0"/>
+              </a:ext>
+              <a:ext uri="{96DAC541-7B7A-43D3-8B79-37D633B846F1}">
+                <asvg:svgBlip xmlns:asvg="http://schemas.microsoft.com/office/drawing/2016/SVG/main" r:embed="rId20"/>
+              </a:ext>
+            </a:extLst>
+          </a:blip>
+          <a:stretch>
+            <a:fillRect/>
+          </a:stretch>
+        </p:blipFill>
+        <p:spPr>
+          <a:xfrm>
+            <a:off x="7274158" y="3346047"/>
+            <a:ext cx="721476" cy="721476"/>
+          </a:xfrm>
+          <a:prstGeom prst="rect">
+            <a:avLst/>
+          </a:prstGeom>
         </p:spPr>
       </p:pic>
       <p:cxnSp>
         <p:nvCxnSpPr>
-          <p:cNvPr id="129" name="Gerade Verbindung mit Pfeil 128"/>
+          <p:cNvPr id="76" name="Gerade Verbindung mit Pfeil 75"/>
           <p:cNvCxnSpPr>
             <a:cxnSpLocks/>
-            <a:stCxn id="124" idx="1"/>
-            <a:endCxn id="59" idx="3"/>
+            <a:stCxn id="61" idx="1"/>
+            <a:endCxn id="132" idx="3"/>
           </p:cNvCxnSpPr>
           <p:nvPr/>
         </p:nvCxnSpPr>
         <p:spPr>
-          <a:xfrm flipH="1" flipV="1">
-            <a:off x="6997252" y="3707823"/>
-            <a:ext cx="309903" cy="511"/>
+          <a:xfrm flipH="1">
+            <a:off x="2560515" y="5042634"/>
+            <a:ext cx="3371774" cy="1772"/>
           </a:xfrm>
           <a:prstGeom prst="straightConnector1">
             <a:avLst/>
           </a:prstGeom>
-          <a:ln w="57150">
+          <a:ln w="38100">
             <a:solidFill>
               <a:schemeClr val="accent1">
                 <a:lumMod val="50000"/>
@@ -10205,212 +10157,381 @@
           </a:fontRef>
         </p:style>
       </p:cxnSp>
-      <p:pic>
-        <p:nvPicPr>
-          <p:cNvPr id="132" name="Grafik 131" descr="Monitor"/>
-          <p:cNvPicPr>
-            <a:picLocks noChangeAspect="1"/>
-          </p:cNvPicPr>
+      <p:grpSp>
+        <p:nvGrpSpPr>
+          <p:cNvPr id="64" name="Gruppieren 63"/>
+          <p:cNvGrpSpPr/>
           <p:nvPr/>
-        </p:nvPicPr>
-        <p:blipFill>
-          <a:blip r:embed="rId16">
-            <a:extLst>
-              <a:ext uri="{28A0092B-C50C-407E-A947-70E740481C1C}">
-                <a14:useLocalDpi xmlns:a14="http://schemas.microsoft.com/office/drawing/2010/main" val="0"/>
-              </a:ext>
-              <a:ext uri="{96DAC541-7B7A-43D3-8B79-37D633B846F1}">
-                <asvg:svgBlip xmlns:asvg="http://schemas.microsoft.com/office/drawing/2016/SVG/main" xmlns="" r:embed="rId17"/>
-              </a:ext>
-            </a:extLst>
-          </a:blip>
-          <a:stretch>
-            <a:fillRect/>
-          </a:stretch>
-        </p:blipFill>
-        <p:spPr>
+        </p:nvGrpSpPr>
+        <p:grpSpPr>
           <a:xfrm>
-            <a:off x="998955" y="4243888"/>
-            <a:ext cx="1637760" cy="1637760"/>
+            <a:off x="9246504" y="2123293"/>
+            <a:ext cx="1400076" cy="3772031"/>
+            <a:chOff x="9246504" y="2123293"/>
+            <a:chExt cx="1400076" cy="3772031"/>
           </a:xfrm>
-          <a:prstGeom prst="rect">
-            <a:avLst/>
-          </a:prstGeom>
-        </p:spPr>
-      </p:pic>
-      <p:pic>
-        <p:nvPicPr>
-          <p:cNvPr id="133" name="Grafik 132" descr="Prüfliste"/>
-          <p:cNvPicPr>
-            <a:picLocks noChangeAspect="1"/>
-          </p:cNvPicPr>
+        </p:grpSpPr>
+        <p:pic>
+          <p:nvPicPr>
+            <p:cNvPr id="82" name="Grafik 81"/>
+            <p:cNvPicPr>
+              <a:picLocks noChangeAspect="1"/>
+            </p:cNvPicPr>
+            <p:nvPr/>
+          </p:nvPicPr>
+          <p:blipFill>
+            <a:blip r:embed="rId21" cstate="print">
+              <a:extLst>
+                <a:ext uri="{28A0092B-C50C-407E-A947-70E740481C1C}">
+                  <a14:useLocalDpi xmlns:a14="http://schemas.microsoft.com/office/drawing/2010/main" val="0"/>
+                </a:ext>
+              </a:extLst>
+            </a:blip>
+            <a:stretch>
+              <a:fillRect/>
+            </a:stretch>
+          </p:blipFill>
+          <p:spPr>
+            <a:xfrm>
+              <a:off x="9534057" y="2747690"/>
+              <a:ext cx="831423" cy="551484"/>
+            </a:xfrm>
+            <a:prstGeom prst="rect">
+              <a:avLst/>
+            </a:prstGeom>
+          </p:spPr>
+        </p:pic>
+        <p:sp>
+          <p:nvSpPr>
+            <p:cNvPr id="83" name="Rechteck: abgerundete Ecken 82"/>
+            <p:cNvSpPr/>
+            <p:nvPr/>
+          </p:nvSpPr>
+          <p:spPr>
+            <a:xfrm>
+              <a:off x="9246504" y="2123293"/>
+              <a:ext cx="1365250" cy="3772031"/>
+            </a:xfrm>
+            <a:prstGeom prst="roundRect">
+              <a:avLst/>
+            </a:prstGeom>
+            <a:noFill/>
+            <a:ln>
+              <a:solidFill>
+                <a:schemeClr val="accent1"/>
+              </a:solidFill>
+              <a:prstDash val="dash"/>
+            </a:ln>
+          </p:spPr>
+          <p:style>
+            <a:lnRef idx="2">
+              <a:schemeClr val="accent1">
+                <a:shade val="50000"/>
+              </a:schemeClr>
+            </a:lnRef>
+            <a:fillRef idx="1">
+              <a:schemeClr val="accent1"/>
+            </a:fillRef>
+            <a:effectRef idx="0">
+              <a:schemeClr val="accent1"/>
+            </a:effectRef>
+            <a:fontRef idx="minor">
+              <a:schemeClr val="lt1"/>
+            </a:fontRef>
+          </p:style>
+          <p:txBody>
+            <a:bodyPr rtlCol="0" anchor="t"/>
+            <a:lstStyle/>
+            <a:p>
+              <a:r>
+                <a:rPr lang="de-DE" dirty="0" err="1">
+                  <a:solidFill>
+                    <a:schemeClr val="tx1"/>
+                  </a:solidFill>
+                </a:rPr>
+                <a:t>Sources</a:t>
+              </a:r>
+              <a:endParaRPr lang="de-DE" dirty="0">
+                <a:solidFill>
+                  <a:schemeClr val="tx1"/>
+                </a:solidFill>
+              </a:endParaRPr>
+            </a:p>
+          </p:txBody>
+        </p:sp>
+        <p:sp>
+          <p:nvSpPr>
+            <p:cNvPr id="84" name="Textfeld 83"/>
+            <p:cNvSpPr txBox="1"/>
+            <p:nvPr/>
+          </p:nvSpPr>
+          <p:spPr>
+            <a:xfrm>
+              <a:off x="9566860" y="3263357"/>
+              <a:ext cx="800219" cy="307777"/>
+            </a:xfrm>
+            <a:prstGeom prst="rect">
+              <a:avLst/>
+            </a:prstGeom>
+            <a:noFill/>
+          </p:spPr>
+          <p:txBody>
+            <a:bodyPr wrap="none" rtlCol="0">
+              <a:spAutoFit/>
+            </a:bodyPr>
+            <a:lstStyle/>
+            <a:p>
+              <a:r>
+                <a:rPr lang="de-DE" sz="1400" dirty="0" err="1"/>
+                <a:t>DBpedia</a:t>
+              </a:r>
+              <a:endParaRPr lang="de-DE" sz="1400" dirty="0"/>
+            </a:p>
+          </p:txBody>
+        </p:sp>
+        <p:pic>
+          <p:nvPicPr>
+            <p:cNvPr id="86" name="Grafik 85"/>
+            <p:cNvPicPr>
+              <a:picLocks noChangeAspect="1"/>
+            </p:cNvPicPr>
+            <p:nvPr/>
+          </p:nvPicPr>
+          <p:blipFill>
+            <a:blip r:embed="rId21" cstate="print">
+              <a:extLst>
+                <a:ext uri="{28A0092B-C50C-407E-A947-70E740481C1C}">
+                  <a14:useLocalDpi xmlns:a14="http://schemas.microsoft.com/office/drawing/2010/main" val="0"/>
+                </a:ext>
+              </a:extLst>
+            </a:blip>
+            <a:stretch>
+              <a:fillRect/>
+            </a:stretch>
+          </p:blipFill>
+          <p:spPr>
+            <a:xfrm>
+              <a:off x="9536610" y="3712897"/>
+              <a:ext cx="831423" cy="551484"/>
+            </a:xfrm>
+            <a:prstGeom prst="rect">
+              <a:avLst/>
+            </a:prstGeom>
+          </p:spPr>
+        </p:pic>
+        <p:sp>
+          <p:nvSpPr>
+            <p:cNvPr id="87" name="Textfeld 86"/>
+            <p:cNvSpPr txBox="1"/>
+            <p:nvPr/>
+          </p:nvSpPr>
+          <p:spPr>
+            <a:xfrm>
+              <a:off x="9605078" y="4246497"/>
+              <a:ext cx="686150" cy="307777"/>
+            </a:xfrm>
+            <a:prstGeom prst="rect">
+              <a:avLst/>
+            </a:prstGeom>
+            <a:noFill/>
+          </p:spPr>
+          <p:txBody>
+            <a:bodyPr wrap="none" rtlCol="0">
+              <a:spAutoFit/>
+            </a:bodyPr>
+            <a:lstStyle/>
+            <a:p>
+              <a:r>
+                <a:rPr lang="de-DE" sz="1400" dirty="0"/>
+                <a:t>YAGO2</a:t>
+              </a:r>
+            </a:p>
+          </p:txBody>
+        </p:sp>
+        <p:pic>
+          <p:nvPicPr>
+            <p:cNvPr id="88" name="Grafik 87"/>
+            <p:cNvPicPr>
+              <a:picLocks noChangeAspect="1"/>
+            </p:cNvPicPr>
+            <p:nvPr/>
+          </p:nvPicPr>
+          <p:blipFill>
+            <a:blip r:embed="rId21" cstate="print">
+              <a:extLst>
+                <a:ext uri="{28A0092B-C50C-407E-A947-70E740481C1C}">
+                  <a14:useLocalDpi xmlns:a14="http://schemas.microsoft.com/office/drawing/2010/main" val="0"/>
+                </a:ext>
+              </a:extLst>
+            </a:blip>
+            <a:stretch>
+              <a:fillRect/>
+            </a:stretch>
+          </p:blipFill>
+          <p:spPr>
+            <a:xfrm>
+              <a:off x="9547941" y="4672029"/>
+              <a:ext cx="831423" cy="551484"/>
+            </a:xfrm>
+            <a:prstGeom prst="rect">
+              <a:avLst/>
+            </a:prstGeom>
+          </p:spPr>
+        </p:pic>
+        <p:sp>
+          <p:nvSpPr>
+            <p:cNvPr id="89" name="Textfeld 88"/>
+            <p:cNvSpPr txBox="1"/>
+            <p:nvPr/>
+          </p:nvSpPr>
+          <p:spPr>
+            <a:xfrm>
+              <a:off x="9726390" y="4951235"/>
+              <a:ext cx="920190" cy="646331"/>
+            </a:xfrm>
+            <a:prstGeom prst="rect">
+              <a:avLst/>
+            </a:prstGeom>
+            <a:noFill/>
+          </p:spPr>
+          <p:txBody>
+            <a:bodyPr wrap="square" rtlCol="0">
+              <a:spAutoFit/>
+            </a:bodyPr>
+            <a:lstStyle/>
+            <a:p>
+              <a:r>
+                <a:rPr lang="de-DE" sz="3600" dirty="0"/>
+                <a:t>…</a:t>
+              </a:r>
+            </a:p>
+          </p:txBody>
+        </p:sp>
+      </p:grpSp>
+      <p:grpSp>
+        <p:nvGrpSpPr>
+          <p:cNvPr id="90" name="Group 91"/>
+          <p:cNvGrpSpPr/>
           <p:nvPr/>
-        </p:nvPicPr>
-        <p:blipFill>
-          <a:blip r:embed="rId18" cstate="print">
-            <a:extLst>
-              <a:ext uri="{28A0092B-C50C-407E-A947-70E740481C1C}">
-                <a14:useLocalDpi xmlns:a14="http://schemas.microsoft.com/office/drawing/2010/main" val="0"/>
-              </a:ext>
-              <a:ext uri="{96DAC541-7B7A-43D3-8B79-37D633B846F1}">
-                <asvg:svgBlip xmlns:asvg="http://schemas.microsoft.com/office/drawing/2016/SVG/main" xmlns="" r:embed="rId19"/>
-              </a:ext>
-            </a:extLst>
-          </a:blip>
-          <a:stretch>
-            <a:fillRect/>
-          </a:stretch>
-        </p:blipFill>
-        <p:spPr>
+        </p:nvGrpSpPr>
+        <p:grpSpPr>
           <a:xfrm>
-            <a:off x="998955" y="3256705"/>
-            <a:ext cx="832361" cy="832361"/>
+            <a:off x="3747296" y="3713460"/>
+            <a:ext cx="1319168" cy="898213"/>
+            <a:chOff x="7808451" y="4667024"/>
+            <a:chExt cx="1319168" cy="898213"/>
           </a:xfrm>
-          <a:prstGeom prst="rect">
-            <a:avLst/>
-          </a:prstGeom>
-        </p:spPr>
-      </p:pic>
-      <p:pic>
-        <p:nvPicPr>
-          <p:cNvPr id="170" name="Grafik 169" descr="Filter"/>
-          <p:cNvPicPr>
-            <a:picLocks noChangeAspect="1"/>
-          </p:cNvPicPr>
-          <p:nvPr/>
-        </p:nvPicPr>
-        <p:blipFill>
-          <a:blip r:embed="rId20" cstate="print">
-            <a:extLst>
-              <a:ext uri="{28A0092B-C50C-407E-A947-70E740481C1C}">
-                <a14:useLocalDpi xmlns:a14="http://schemas.microsoft.com/office/drawing/2010/main" val="0"/>
-              </a:ext>
-              <a:ext uri="{96DAC541-7B7A-43D3-8B79-37D633B846F1}">
-                <asvg:svgBlip xmlns:asvg="http://schemas.microsoft.com/office/drawing/2016/SVG/main" xmlns="" r:embed="rId21"/>
-              </a:ext>
-            </a:extLst>
-          </a:blip>
-          <a:stretch>
-            <a:fillRect/>
-          </a:stretch>
-        </p:blipFill>
-        <p:spPr>
-          <a:xfrm>
-            <a:off x="5978295" y="4179915"/>
-            <a:ext cx="585979" cy="432029"/>
-          </a:xfrm>
-          <a:prstGeom prst="rect">
-            <a:avLst/>
-          </a:prstGeom>
-        </p:spPr>
-      </p:pic>
-      <p:cxnSp>
-        <p:nvCxnSpPr>
-          <p:cNvPr id="176" name="Gerade Verbindung mit Pfeil 175"/>
-          <p:cNvCxnSpPr>
-            <a:cxnSpLocks/>
-            <a:stCxn id="170" idx="2"/>
-          </p:cNvCxnSpPr>
-          <p:nvPr/>
-        </p:nvCxnSpPr>
-        <p:spPr>
-          <a:xfrm flipH="1">
-            <a:off x="6265786" y="4611944"/>
-            <a:ext cx="5499" cy="297086"/>
-          </a:xfrm>
-          <a:prstGeom prst="straightConnector1">
-            <a:avLst/>
-          </a:prstGeom>
-          <a:ln w="57150">
-            <a:solidFill>
-              <a:schemeClr val="accent1">
-                <a:lumMod val="50000"/>
-              </a:schemeClr>
-            </a:solidFill>
-            <a:tailEnd type="triangle"/>
-          </a:ln>
-        </p:spPr>
-        <p:style>
-          <a:lnRef idx="1">
-            <a:schemeClr val="accent1"/>
-          </a:lnRef>
-          <a:fillRef idx="0">
-            <a:schemeClr val="accent1"/>
-          </a:fillRef>
-          <a:effectRef idx="0">
-            <a:schemeClr val="accent1"/>
-          </a:effectRef>
-          <a:fontRef idx="minor">
-            <a:schemeClr val="tx1"/>
-          </a:fontRef>
-        </p:style>
-      </p:cxnSp>
-      <p:pic>
-        <p:nvPicPr>
-          <p:cNvPr id="7" name="Grafik 6"/>
-          <p:cNvPicPr>
-            <a:picLocks noChangeAspect="1"/>
-          </p:cNvPicPr>
-          <p:nvPr/>
-        </p:nvPicPr>
-        <p:blipFill>
-          <a:blip r:embed="rId22"/>
-          <a:stretch>
-            <a:fillRect/>
-          </a:stretch>
-        </p:blipFill>
-        <p:spPr>
-          <a:xfrm>
-            <a:off x="1238251" y="4585594"/>
-            <a:ext cx="1159408" cy="735437"/>
-          </a:xfrm>
-          <a:prstGeom prst="rect">
-            <a:avLst/>
-          </a:prstGeom>
-        </p:spPr>
-      </p:pic>
-      <p:pic>
-        <p:nvPicPr>
-          <p:cNvPr id="39" name="Picture 4" descr="http://westwoodcivicclub.com/wp-content/uploads/2015/11/news-icon.png"/>
-          <p:cNvPicPr>
-            <a:picLocks noChangeAspect="1" noChangeArrowheads="1"/>
-          </p:cNvPicPr>
-          <p:nvPr/>
-        </p:nvPicPr>
-        <p:blipFill rotWithShape="1">
-          <a:blip r:embed="rId23" cstate="print">
-            <a:extLst>
-              <a:ext uri="{28A0092B-C50C-407E-A947-70E740481C1C}">
-                <a14:useLocalDpi xmlns:a14="http://schemas.microsoft.com/office/drawing/2010/main" val="0"/>
-              </a:ext>
-            </a:extLst>
-          </a:blip>
-          <a:srcRect l="5276" t="6248" r="6322" b="6114"/>
-          <a:stretch/>
-        </p:blipFill>
-        <p:spPr bwMode="auto">
-          <a:xfrm>
-            <a:off x="1744465" y="3306375"/>
-            <a:ext cx="724042" cy="717781"/>
-          </a:xfrm>
-          <a:prstGeom prst="rect">
-            <a:avLst/>
-          </a:prstGeom>
-          <a:noFill/>
-          <a:effectLst>
-            <a:softEdge rad="63500"/>
-          </a:effectLst>
-          <a:extLst>
-            <a:ext uri="{909E8E84-426E-40DD-AFC4-6F175D3DCCD1}">
-              <a14:hiddenFill xmlns:a14="http://schemas.microsoft.com/office/drawing/2010/main">
-                <a:solidFill>
-                  <a:srgbClr val="FFFFFF"/>
-                </a:solidFill>
-              </a14:hiddenFill>
-            </a:ext>
-          </a:extLst>
-        </p:spPr>
-      </p:pic>
+        </p:grpSpPr>
+        <p:pic>
+          <p:nvPicPr>
+            <p:cNvPr id="91" name="Picture 4" descr="City hall building Free Icon"/>
+            <p:cNvPicPr>
+              <a:picLocks noChangeAspect="1" noChangeArrowheads="1"/>
+            </p:cNvPicPr>
+            <p:nvPr/>
+          </p:nvPicPr>
+          <p:blipFill>
+            <a:blip r:embed="rId22" cstate="print">
+              <a:extLst>
+                <a:ext uri="{BEBA8EAE-BF5A-486C-A8C5-ECC9F3942E4B}">
+                  <a14:imgProps xmlns:a14="http://schemas.microsoft.com/office/drawing/2010/main">
+                    <a14:imgLayer r:embed="rId23">
+                      <a14:imgEffect>
+                        <a14:backgroundRemoval t="9425" b="94089" l="0" r="100000">
+                          <a14:foregroundMark x1="5272" y1="63419" x2="5272" y2="63419"/>
+                          <a14:foregroundMark x1="40096" y1="85144" x2="40096" y2="85144"/>
+                          <a14:foregroundMark x1="87700" y1="79233" x2="87700" y2="79233"/>
+                        </a14:backgroundRemoval>
+                      </a14:imgEffect>
+                    </a14:imgLayer>
+                  </a14:imgProps>
+                </a:ext>
+                <a:ext uri="{28A0092B-C50C-407E-A947-70E740481C1C}">
+                  <a14:useLocalDpi xmlns:a14="http://schemas.microsoft.com/office/drawing/2010/main" val="0"/>
+                </a:ext>
+              </a:extLst>
+            </a:blip>
+            <a:srcRect/>
+            <a:stretch>
+              <a:fillRect/>
+            </a:stretch>
+          </p:blipFill>
+          <p:spPr bwMode="auto">
+            <a:xfrm>
+              <a:off x="7899596" y="4667024"/>
+              <a:ext cx="670936" cy="670936"/>
+            </a:xfrm>
+            <a:prstGeom prst="rect">
+              <a:avLst/>
+            </a:prstGeom>
+            <a:noFill/>
+          </p:spPr>
+        </p:pic>
+        <p:pic>
+          <p:nvPicPr>
+            <p:cNvPr id="92" name="Grafik 52" descr="Benutzer"/>
+            <p:cNvPicPr>
+              <a:picLocks noChangeAspect="1"/>
+            </p:cNvPicPr>
+            <p:nvPr/>
+          </p:nvPicPr>
+          <p:blipFill>
+            <a:blip r:embed="rId12" cstate="print">
+              <a:extLst>
+                <a:ext uri="{28A0092B-C50C-407E-A947-70E740481C1C}">
+                  <a14:useLocalDpi xmlns:a14="http://schemas.microsoft.com/office/drawing/2010/main" val="0"/>
+                </a:ext>
+                <a:ext uri="{96DAC541-7B7A-43D3-8B79-37D633B846F1}">
+                  <asvg:svgBlip xmlns:asvg="http://schemas.microsoft.com/office/drawing/2016/SVG/main" r:embed="rId13"/>
+                </a:ext>
+              </a:extLst>
+            </a:blip>
+            <a:stretch>
+              <a:fillRect/>
+            </a:stretch>
+          </p:blipFill>
+          <p:spPr>
+            <a:xfrm>
+              <a:off x="8497799" y="4742591"/>
+              <a:ext cx="610815" cy="610815"/>
+            </a:xfrm>
+            <a:prstGeom prst="rect">
+              <a:avLst/>
+            </a:prstGeom>
+          </p:spPr>
+        </p:pic>
+        <p:sp>
+          <p:nvSpPr>
+            <p:cNvPr id="93" name="TextBox 94"/>
+            <p:cNvSpPr txBox="1"/>
+            <p:nvPr/>
+          </p:nvSpPr>
+          <p:spPr>
+            <a:xfrm>
+              <a:off x="7808451" y="5257460"/>
+              <a:ext cx="1319168" cy="307777"/>
+            </a:xfrm>
+            <a:prstGeom prst="rect">
+              <a:avLst/>
+            </a:prstGeom>
+            <a:noFill/>
+          </p:spPr>
+          <p:txBody>
+            <a:bodyPr wrap="square" rtlCol="0">
+              <a:spAutoFit/>
+            </a:bodyPr>
+            <a:lstStyle/>
+            <a:p>
+              <a:pPr algn="ctr"/>
+              <a:r>
+                <a:rPr lang="en-GB" sz="1400" dirty="0"/>
+                <a:t>Named Entities</a:t>
+              </a:r>
+              <a:endParaRPr lang="de-DE" sz="1400" dirty="0"/>
+            </a:p>
+          </p:txBody>
+        </p:sp>
+      </p:grpSp>
     </p:spTree>
     <p:extLst>
       <p:ext uri="{BB962C8B-B14F-4D97-AF65-F5344CB8AC3E}">
@@ -10455,7 +10576,7 @@
                                           </p:stCondLst>
                                         </p:cTn>
                                         <p:tgtEl>
-                                          <p:spTgt spid="21"/>
+                                          <p:spTgt spid="51"/>
                                         </p:tgtEl>
                                         <p:attrNameLst>
                                           <p:attrName>style.visibility</p:attrName>
@@ -10482,7 +10603,7 @@
                                           </p:stCondLst>
                                         </p:cTn>
                                         <p:tgtEl>
-                                          <p:spTgt spid="27"/>
+                                          <p:spTgt spid="46"/>
                                         </p:tgtEl>
                                         <p:attrNameLst>
                                           <p:attrName>style.visibility</p:attrName>
@@ -10496,7 +10617,7 @@
                                 </p:cTn>
                               </p:par>
                               <p:par>
-                                <p:cTn id="9" presetID="1" presetClass="entr" presetSubtype="0" fill="hold" grpId="0" nodeType="withEffect">
+                                <p:cTn id="9" presetID="1" presetClass="entr" presetSubtype="0" fill="hold" nodeType="withEffect">
                                   <p:stCondLst>
                                     <p:cond delay="0"/>
                                   </p:stCondLst>
@@ -10509,7 +10630,7 @@
                                           </p:stCondLst>
                                         </p:cTn>
                                         <p:tgtEl>
-                                          <p:spTgt spid="36"/>
+                                          <p:spTgt spid="72"/>
                                         </p:tgtEl>
                                         <p:attrNameLst>
                                           <p:attrName>style.visibility</p:attrName>
@@ -10536,7 +10657,7 @@
                                           </p:stCondLst>
                                         </p:cTn>
                                         <p:tgtEl>
-                                          <p:spTgt spid="53"/>
+                                          <p:spTgt spid="68"/>
                                         </p:tgtEl>
                                         <p:attrNameLst>
                                           <p:attrName>style.visibility</p:attrName>
@@ -10563,7 +10684,7 @@
                                           </p:stCondLst>
                                         </p:cTn>
                                         <p:tgtEl>
-                                          <p:spTgt spid="42"/>
+                                          <p:spTgt spid="66"/>
                                         </p:tgtEl>
                                         <p:attrNameLst>
                                           <p:attrName>style.visibility</p:attrName>
@@ -10579,36 +10700,27 @@
                             </p:childTnLst>
                           </p:cTn>
                         </p:par>
-                      </p:childTnLst>
-                    </p:cTn>
-                  </p:par>
-                  <p:par>
-                    <p:cTn id="15" fill="hold">
-                      <p:stCondLst>
-                        <p:cond delay="indefinite"/>
-                      </p:stCondLst>
-                      <p:childTnLst>
                         <p:par>
-                          <p:cTn id="16" fill="hold">
+                          <p:cTn id="15" fill="hold">
                             <p:stCondLst>
                               <p:cond delay="0"/>
                             </p:stCondLst>
                             <p:childTnLst>
                               <p:par>
-                                <p:cTn id="17" presetID="1" presetClass="entr" presetSubtype="0" fill="hold" nodeType="clickEffect">
+                                <p:cTn id="16" presetID="1" presetClass="entr" presetSubtype="0" fill="hold" nodeType="afterEffect">
                                   <p:stCondLst>
                                     <p:cond delay="0"/>
                                   </p:stCondLst>
                                   <p:childTnLst>
                                     <p:set>
                                       <p:cBhvr>
-                                        <p:cTn id="18" dur="1" fill="hold">
+                                        <p:cTn id="17" dur="1" fill="hold">
                                           <p:stCondLst>
                                             <p:cond delay="0"/>
                                           </p:stCondLst>
                                         </p:cTn>
                                         <p:tgtEl>
-                                          <p:spTgt spid="51"/>
+                                          <p:spTgt spid="129"/>
                                         </p:tgtEl>
                                         <p:attrNameLst>
                                           <p:attrName>style.visibility</p:attrName>
@@ -10621,8 +10733,17 @@
                                   </p:childTnLst>
                                 </p:cTn>
                               </p:par>
+                            </p:childTnLst>
+                          </p:cTn>
+                        </p:par>
+                        <p:par>
+                          <p:cTn id="18" fill="hold">
+                            <p:stCondLst>
+                              <p:cond delay="0"/>
+                            </p:stCondLst>
+                            <p:childTnLst>
                               <p:par>
-                                <p:cTn id="19" presetID="1" presetClass="entr" presetSubtype="0" fill="hold" grpId="0" nodeType="withEffect">
+                                <p:cTn id="19" presetID="1" presetClass="entr" presetSubtype="0" fill="hold" nodeType="afterEffect">
                                   <p:stCondLst>
                                     <p:cond delay="0"/>
                                   </p:stCondLst>
@@ -10635,7 +10756,7 @@
                                           </p:stCondLst>
                                         </p:cTn>
                                         <p:tgtEl>
-                                          <p:spTgt spid="46"/>
+                                          <p:spTgt spid="59"/>
                                         </p:tgtEl>
                                         <p:attrNameLst>
                                           <p:attrName>style.visibility</p:attrName>
@@ -10662,7 +10783,7 @@
                                           </p:stCondLst>
                                         </p:cTn>
                                         <p:tgtEl>
-                                          <p:spTgt spid="124"/>
+                                          <p:spTgt spid="71"/>
                                         </p:tgtEl>
                                         <p:attrNameLst>
                                           <p:attrName>style.visibility</p:attrName>
@@ -10689,7 +10810,52 @@
                                           </p:stCondLst>
                                         </p:cTn>
                                         <p:tgtEl>
-                                          <p:spTgt spid="72"/>
+                                          <p:spTgt spid="64"/>
+                                        </p:tgtEl>
+                                        <p:attrNameLst>
+                                          <p:attrName>style.visibility</p:attrName>
+                                        </p:attrNameLst>
+                                      </p:cBhvr>
+                                      <p:to>
+                                        <p:strVal val="visible"/>
+                                      </p:to>
+                                    </p:set>
+                                  </p:childTnLst>
+                                </p:cTn>
+                              </p:par>
+                            </p:childTnLst>
+                          </p:cTn>
+                        </p:par>
+                      </p:childTnLst>
+                    </p:cTn>
+                  </p:par>
+                  <p:par>
+                    <p:cTn id="25" fill="hold">
+                      <p:stCondLst>
+                        <p:cond delay="indefinite"/>
+                      </p:stCondLst>
+                      <p:childTnLst>
+                        <p:par>
+                          <p:cTn id="26" fill="hold">
+                            <p:stCondLst>
+                              <p:cond delay="0"/>
+                            </p:stCondLst>
+                            <p:childTnLst>
+                              <p:par>
+                                <p:cTn id="27" presetID="1" presetClass="entr" presetSubtype="0" fill="hold" nodeType="clickEffect">
+                                  <p:stCondLst>
+                                    <p:cond delay="0"/>
+                                  </p:stCondLst>
+                                  <p:childTnLst>
+                                    <p:set>
+                                      <p:cBhvr>
+                                        <p:cTn id="28" dur="1" fill="hold">
+                                          <p:stCondLst>
+                                            <p:cond delay="0"/>
+                                          </p:stCondLst>
+                                        </p:cTn>
+                                        <p:tgtEl>
+                                          <p:spTgt spid="26"/>
                                         </p:tgtEl>
                                         <p:attrNameLst>
                                           <p:attrName>style.visibility</p:attrName>
@@ -10703,61 +10869,7 @@
                                 </p:cTn>
                               </p:par>
                               <p:par>
-                                <p:cTn id="25" presetID="1" presetClass="entr" presetSubtype="0" fill="hold" nodeType="withEffect">
-                                  <p:stCondLst>
-                                    <p:cond delay="0"/>
-                                  </p:stCondLst>
-                                  <p:childTnLst>
-                                    <p:set>
-                                      <p:cBhvr>
-                                        <p:cTn id="26" dur="1" fill="hold">
-                                          <p:stCondLst>
-                                            <p:cond delay="0"/>
-                                          </p:stCondLst>
-                                        </p:cTn>
-                                        <p:tgtEl>
-                                          <p:spTgt spid="68"/>
-                                        </p:tgtEl>
-                                        <p:attrNameLst>
-                                          <p:attrName>style.visibility</p:attrName>
-                                        </p:attrNameLst>
-                                      </p:cBhvr>
-                                      <p:to>
-                                        <p:strVal val="visible"/>
-                                      </p:to>
-                                    </p:set>
-                                  </p:childTnLst>
-                                </p:cTn>
-                              </p:par>
-                              <p:par>
-                                <p:cTn id="27" presetID="1" presetClass="entr" presetSubtype="0" fill="hold" nodeType="withEffect">
-                                  <p:stCondLst>
-                                    <p:cond delay="0"/>
-                                  </p:stCondLst>
-                                  <p:childTnLst>
-                                    <p:set>
-                                      <p:cBhvr>
-                                        <p:cTn id="28" dur="1" fill="hold">
-                                          <p:stCondLst>
-                                            <p:cond delay="0"/>
-                                          </p:stCondLst>
-                                        </p:cTn>
-                                        <p:tgtEl>
-                                          <p:spTgt spid="66"/>
-                                        </p:tgtEl>
-                                        <p:attrNameLst>
-                                          <p:attrName>style.visibility</p:attrName>
-                                        </p:attrNameLst>
-                                      </p:cBhvr>
-                                      <p:to>
-                                        <p:strVal val="visible"/>
-                                      </p:to>
-                                    </p:set>
-                                  </p:childTnLst>
-                                </p:cTn>
-                              </p:par>
-                              <p:par>
-                                <p:cTn id="29" presetID="1" presetClass="entr" presetSubtype="0" fill="hold" grpId="0" nodeType="withEffect">
+                                <p:cTn id="29" presetID="1" presetClass="entr" presetSubtype="0" fill="hold" nodeType="withEffect">
                                   <p:stCondLst>
                                     <p:cond delay="0"/>
                                   </p:stCondLst>
@@ -10770,7 +10882,7 @@
                                           </p:stCondLst>
                                         </p:cTn>
                                         <p:tgtEl>
-                                          <p:spTgt spid="73"/>
+                                          <p:spTgt spid="13"/>
                                         </p:tgtEl>
                                         <p:attrNameLst>
                                           <p:attrName>style.visibility</p:attrName>
@@ -10797,7 +10909,7 @@
                                           </p:stCondLst>
                                         </p:cTn>
                                         <p:tgtEl>
-                                          <p:spTgt spid="10"/>
+                                          <p:spTgt spid="176"/>
                                         </p:tgtEl>
                                         <p:attrNameLst>
                                           <p:attrName>style.visibility</p:attrName>
@@ -10811,7 +10923,7 @@
                                 </p:cTn>
                               </p:par>
                               <p:par>
-                                <p:cTn id="33" presetID="1" presetClass="entr" presetSubtype="0" fill="hold" grpId="0" nodeType="withEffect">
+                                <p:cTn id="33" presetID="1" presetClass="entr" presetSubtype="0" fill="hold" nodeType="withEffect">
                                   <p:stCondLst>
                                     <p:cond delay="0"/>
                                   </p:stCondLst>
@@ -10824,7 +10936,7 @@
                                           </p:stCondLst>
                                         </p:cTn>
                                         <p:tgtEl>
-                                          <p:spTgt spid="45"/>
+                                          <p:spTgt spid="76"/>
                                         </p:tgtEl>
                                         <p:attrNameLst>
                                           <p:attrName>style.visibility</p:attrName>
@@ -10838,7 +10950,7 @@
                                 </p:cTn>
                               </p:par>
                               <p:par>
-                                <p:cTn id="35" presetID="1" presetClass="entr" presetSubtype="0" fill="hold" grpId="0" nodeType="withEffect">
+                                <p:cTn id="35" presetID="1" presetClass="entr" presetSubtype="0" fill="hold" nodeType="withEffect">
                                   <p:stCondLst>
                                     <p:cond delay="0"/>
                                   </p:stCondLst>
@@ -10851,484 +10963,7 @@
                                           </p:stCondLst>
                                         </p:cTn>
                                         <p:tgtEl>
-                                          <p:spTgt spid="79"/>
-                                        </p:tgtEl>
-                                        <p:attrNameLst>
-                                          <p:attrName>style.visibility</p:attrName>
-                                        </p:attrNameLst>
-                                      </p:cBhvr>
-                                      <p:to>
-                                        <p:strVal val="visible"/>
-                                      </p:to>
-                                    </p:set>
-                                  </p:childTnLst>
-                                </p:cTn>
-                              </p:par>
-                              <p:par>
-                                <p:cTn id="37" presetID="1" presetClass="entr" presetSubtype="0" fill="hold" nodeType="withEffect">
-                                  <p:stCondLst>
-                                    <p:cond delay="0"/>
-                                  </p:stCondLst>
-                                  <p:childTnLst>
-                                    <p:set>
-                                      <p:cBhvr>
-                                        <p:cTn id="38" dur="1" fill="hold">
-                                          <p:stCondLst>
-                                            <p:cond delay="0"/>
-                                          </p:stCondLst>
-                                        </p:cTn>
-                                        <p:tgtEl>
-                                          <p:spTgt spid="78"/>
-                                        </p:tgtEl>
-                                        <p:attrNameLst>
-                                          <p:attrName>style.visibility</p:attrName>
-                                        </p:attrNameLst>
-                                      </p:cBhvr>
-                                      <p:to>
-                                        <p:strVal val="visible"/>
-                                      </p:to>
-                                    </p:set>
-                                  </p:childTnLst>
-                                </p:cTn>
-                              </p:par>
-                              <p:par>
-                                <p:cTn id="39" presetID="1" presetClass="entr" presetSubtype="0" fill="hold" nodeType="withEffect">
-                                  <p:stCondLst>
-                                    <p:cond delay="0"/>
-                                  </p:stCondLst>
-                                  <p:childTnLst>
-                                    <p:set>
-                                      <p:cBhvr>
-                                        <p:cTn id="40" dur="1" fill="hold">
-                                          <p:stCondLst>
-                                            <p:cond delay="0"/>
-                                          </p:stCondLst>
-                                        </p:cTn>
-                                        <p:tgtEl>
-                                          <p:spTgt spid="80"/>
-                                        </p:tgtEl>
-                                        <p:attrNameLst>
-                                          <p:attrName>style.visibility</p:attrName>
-                                        </p:attrNameLst>
-                                      </p:cBhvr>
-                                      <p:to>
-                                        <p:strVal val="visible"/>
-                                      </p:to>
-                                    </p:set>
-                                  </p:childTnLst>
-                                </p:cTn>
-                              </p:par>
-                              <p:par>
-                                <p:cTn id="41" presetID="1" presetClass="entr" presetSubtype="0" fill="hold" grpId="0" nodeType="withEffect">
-                                  <p:stCondLst>
-                                    <p:cond delay="0"/>
-                                  </p:stCondLst>
-                                  <p:childTnLst>
-                                    <p:set>
-                                      <p:cBhvr>
-                                        <p:cTn id="42" dur="1" fill="hold">
-                                          <p:stCondLst>
-                                            <p:cond delay="0"/>
-                                          </p:stCondLst>
-                                        </p:cTn>
-                                        <p:tgtEl>
-                                          <p:spTgt spid="85"/>
-                                        </p:tgtEl>
-                                        <p:attrNameLst>
-                                          <p:attrName>style.visibility</p:attrName>
-                                        </p:attrNameLst>
-                                      </p:cBhvr>
-                                      <p:to>
-                                        <p:strVal val="visible"/>
-                                      </p:to>
-                                    </p:set>
-                                  </p:childTnLst>
-                                </p:cTn>
-                              </p:par>
-                            </p:childTnLst>
-                          </p:cTn>
-                        </p:par>
-                        <p:par>
-                          <p:cTn id="43" fill="hold">
-                            <p:stCondLst>
-                              <p:cond delay="0"/>
-                            </p:stCondLst>
-                            <p:childTnLst>
-                              <p:par>
-                                <p:cTn id="44" presetID="1" presetClass="entr" presetSubtype="0" fill="hold" nodeType="afterEffect">
-                                  <p:stCondLst>
-                                    <p:cond delay="0"/>
-                                  </p:stCondLst>
-                                  <p:childTnLst>
-                                    <p:set>
-                                      <p:cBhvr>
-                                        <p:cTn id="45" dur="1" fill="hold">
-                                          <p:stCondLst>
-                                            <p:cond delay="0"/>
-                                          </p:stCondLst>
-                                        </p:cTn>
-                                        <p:tgtEl>
-                                          <p:spTgt spid="129"/>
-                                        </p:tgtEl>
-                                        <p:attrNameLst>
-                                          <p:attrName>style.visibility</p:attrName>
-                                        </p:attrNameLst>
-                                      </p:cBhvr>
-                                      <p:to>
-                                        <p:strVal val="visible"/>
-                                      </p:to>
-                                    </p:set>
-                                  </p:childTnLst>
-                                </p:cTn>
-                              </p:par>
-                            </p:childTnLst>
-                          </p:cTn>
-                        </p:par>
-                        <p:par>
-                          <p:cTn id="46" fill="hold">
-                            <p:stCondLst>
-                              <p:cond delay="0"/>
-                            </p:stCondLst>
-                            <p:childTnLst>
-                              <p:par>
-                                <p:cTn id="47" presetID="1" presetClass="entr" presetSubtype="0" fill="hold" nodeType="afterEffect">
-                                  <p:stCondLst>
-                                    <p:cond delay="0"/>
-                                  </p:stCondLst>
-                                  <p:childTnLst>
-                                    <p:set>
-                                      <p:cBhvr>
-                                        <p:cTn id="48" dur="1" fill="hold">
-                                          <p:stCondLst>
-                                            <p:cond delay="0"/>
-                                          </p:stCondLst>
-                                        </p:cTn>
-                                        <p:tgtEl>
-                                          <p:spTgt spid="59"/>
-                                        </p:tgtEl>
-                                        <p:attrNameLst>
-                                          <p:attrName>style.visibility</p:attrName>
-                                        </p:attrNameLst>
-                                      </p:cBhvr>
-                                      <p:to>
-                                        <p:strVal val="visible"/>
-                                      </p:to>
-                                    </p:set>
-                                  </p:childTnLst>
-                                </p:cTn>
-                              </p:par>
-                            </p:childTnLst>
-                          </p:cTn>
-                        </p:par>
-                      </p:childTnLst>
-                    </p:cTn>
-                  </p:par>
-                  <p:par>
-                    <p:cTn id="49" fill="hold">
-                      <p:stCondLst>
-                        <p:cond delay="indefinite"/>
-                      </p:stCondLst>
-                      <p:childTnLst>
-                        <p:par>
-                          <p:cTn id="50" fill="hold">
-                            <p:stCondLst>
-                              <p:cond delay="0"/>
-                            </p:stCondLst>
-                            <p:childTnLst>
-                              <p:par>
-                                <p:cTn id="51" presetID="1" presetClass="entr" presetSubtype="0" fill="hold" nodeType="clickEffect">
-                                  <p:stCondLst>
-                                    <p:cond delay="0"/>
-                                  </p:stCondLst>
-                                  <p:childTnLst>
-                                    <p:set>
-                                      <p:cBhvr>
-                                        <p:cTn id="52" dur="1" fill="hold">
-                                          <p:stCondLst>
-                                            <p:cond delay="0"/>
-                                          </p:stCondLst>
-                                        </p:cTn>
-                                        <p:tgtEl>
-                                          <p:spTgt spid="61"/>
-                                        </p:tgtEl>
-                                        <p:attrNameLst>
-                                          <p:attrName>style.visibility</p:attrName>
-                                        </p:attrNameLst>
-                                      </p:cBhvr>
-                                      <p:to>
-                                        <p:strVal val="visible"/>
-                                      </p:to>
-                                    </p:set>
-                                  </p:childTnLst>
-                                </p:cTn>
-                              </p:par>
-                              <p:par>
-                                <p:cTn id="53" presetID="1" presetClass="entr" presetSubtype="0" fill="hold" nodeType="withEffect">
-                                  <p:stCondLst>
-                                    <p:cond delay="0"/>
-                                  </p:stCondLst>
-                                  <p:childTnLst>
-                                    <p:set>
-                                      <p:cBhvr>
-                                        <p:cTn id="54" dur="1" fill="hold">
-                                          <p:stCondLst>
-                                            <p:cond delay="0"/>
-                                          </p:stCondLst>
-                                        </p:cTn>
-                                        <p:tgtEl>
-                                          <p:spTgt spid="49"/>
-                                        </p:tgtEl>
-                                        <p:attrNameLst>
-                                          <p:attrName>style.visibility</p:attrName>
-                                        </p:attrNameLst>
-                                      </p:cBhvr>
-                                      <p:to>
-                                        <p:strVal val="visible"/>
-                                      </p:to>
-                                    </p:set>
-                                  </p:childTnLst>
-                                </p:cTn>
-                              </p:par>
-                              <p:par>
-                                <p:cTn id="55" presetID="1" presetClass="entr" presetSubtype="0" fill="hold" nodeType="withEffect">
-                                  <p:stCondLst>
-                                    <p:cond delay="0"/>
-                                  </p:stCondLst>
-                                  <p:childTnLst>
-                                    <p:set>
-                                      <p:cBhvr>
-                                        <p:cTn id="56" dur="1" fill="hold">
-                                          <p:stCondLst>
-                                            <p:cond delay="0"/>
-                                          </p:stCondLst>
-                                        </p:cTn>
-                                        <p:tgtEl>
-                                          <p:spTgt spid="60"/>
-                                        </p:tgtEl>
-                                        <p:attrNameLst>
-                                          <p:attrName>style.visibility</p:attrName>
-                                        </p:attrNameLst>
-                                      </p:cBhvr>
-                                      <p:to>
-                                        <p:strVal val="visible"/>
-                                      </p:to>
-                                    </p:set>
-                                  </p:childTnLst>
-                                </p:cTn>
-                              </p:par>
-                              <p:par>
-                                <p:cTn id="57" presetID="1" presetClass="entr" presetSubtype="0" fill="hold" nodeType="withEffect">
-                                  <p:stCondLst>
-                                    <p:cond delay="0"/>
-                                  </p:stCondLst>
-                                  <p:childTnLst>
-                                    <p:set>
-                                      <p:cBhvr>
-                                        <p:cTn id="58" dur="1" fill="hold">
-                                          <p:stCondLst>
-                                            <p:cond delay="0"/>
-                                          </p:stCondLst>
-                                        </p:cTn>
-                                        <p:tgtEl>
-                                          <p:spTgt spid="117"/>
-                                        </p:tgtEl>
-                                        <p:attrNameLst>
-                                          <p:attrName>style.visibility</p:attrName>
-                                        </p:attrNameLst>
-                                      </p:cBhvr>
-                                      <p:to>
-                                        <p:strVal val="visible"/>
-                                      </p:to>
-                                    </p:set>
-                                  </p:childTnLst>
-                                </p:cTn>
-                              </p:par>
-                              <p:par>
-                                <p:cTn id="59" presetID="1" presetClass="entr" presetSubtype="0" fill="hold" nodeType="withEffect">
-                                  <p:stCondLst>
-                                    <p:cond delay="0"/>
-                                  </p:stCondLst>
-                                  <p:childTnLst>
-                                    <p:set>
-                                      <p:cBhvr>
-                                        <p:cTn id="60" dur="1" fill="hold">
-                                          <p:stCondLst>
-                                            <p:cond delay="0"/>
-                                          </p:stCondLst>
-                                        </p:cTn>
-                                        <p:tgtEl>
-                                          <p:spTgt spid="99"/>
-                                        </p:tgtEl>
-                                        <p:attrNameLst>
-                                          <p:attrName>style.visibility</p:attrName>
-                                        </p:attrNameLst>
-                                      </p:cBhvr>
-                                      <p:to>
-                                        <p:strVal val="visible"/>
-                                      </p:to>
-                                    </p:set>
-                                  </p:childTnLst>
-                                </p:cTn>
-                              </p:par>
-                            </p:childTnLst>
-                          </p:cTn>
-                        </p:par>
-                        <p:par>
-                          <p:cTn id="61" fill="hold">
-                            <p:stCondLst>
-                              <p:cond delay="0"/>
-                            </p:stCondLst>
-                            <p:childTnLst>
-                              <p:par>
-                                <p:cTn id="62" presetID="1" presetClass="entr" presetSubtype="0" fill="hold" nodeType="afterEffect">
-                                  <p:stCondLst>
-                                    <p:cond delay="0"/>
-                                  </p:stCondLst>
-                                  <p:childTnLst>
-                                    <p:set>
-                                      <p:cBhvr>
-                                        <p:cTn id="63" dur="1" fill="hold">
-                                          <p:stCondLst>
-                                            <p:cond delay="0"/>
-                                          </p:stCondLst>
-                                        </p:cTn>
-                                        <p:tgtEl>
-                                          <p:spTgt spid="176"/>
-                                        </p:tgtEl>
-                                        <p:attrNameLst>
-                                          <p:attrName>style.visibility</p:attrName>
-                                        </p:attrNameLst>
-                                      </p:cBhvr>
-                                      <p:to>
-                                        <p:strVal val="visible"/>
-                                      </p:to>
-                                    </p:set>
-                                  </p:childTnLst>
-                                </p:cTn>
-                              </p:par>
-                            </p:childTnLst>
-                          </p:cTn>
-                        </p:par>
-                        <p:par>
-                          <p:cTn id="64" fill="hold">
-                            <p:stCondLst>
-                              <p:cond delay="0"/>
-                            </p:stCondLst>
-                            <p:childTnLst>
-                              <p:par>
-                                <p:cTn id="65" presetID="1" presetClass="entr" presetSubtype="0" fill="hold" nodeType="afterEffect">
-                                  <p:stCondLst>
-                                    <p:cond delay="0"/>
-                                  </p:stCondLst>
-                                  <p:childTnLst>
-                                    <p:set>
-                                      <p:cBhvr>
-                                        <p:cTn id="66" dur="1" fill="hold">
-                                          <p:stCondLst>
-                                            <p:cond delay="0"/>
-                                          </p:stCondLst>
-                                        </p:cTn>
-                                        <p:tgtEl>
                                           <p:spTgt spid="170"/>
-                                        </p:tgtEl>
-                                        <p:attrNameLst>
-                                          <p:attrName>style.visibility</p:attrName>
-                                        </p:attrNameLst>
-                                      </p:cBhvr>
-                                      <p:to>
-                                        <p:strVal val="visible"/>
-                                      </p:to>
-                                    </p:set>
-                                  </p:childTnLst>
-                                </p:cTn>
-                              </p:par>
-                            </p:childTnLst>
-                          </p:cTn>
-                        </p:par>
-                      </p:childTnLst>
-                    </p:cTn>
-                  </p:par>
-                  <p:par>
-                    <p:cTn id="67" fill="hold">
-                      <p:stCondLst>
-                        <p:cond delay="indefinite"/>
-                      </p:stCondLst>
-                      <p:childTnLst>
-                        <p:par>
-                          <p:cTn id="68" fill="hold">
-                            <p:stCondLst>
-                              <p:cond delay="0"/>
-                            </p:stCondLst>
-                            <p:childTnLst>
-                              <p:par>
-                                <p:cTn id="69" presetID="1" presetClass="entr" presetSubtype="0" fill="hold" nodeType="clickEffect">
-                                  <p:stCondLst>
-                                    <p:cond delay="0"/>
-                                  </p:stCondLst>
-                                  <p:childTnLst>
-                                    <p:set>
-                                      <p:cBhvr>
-                                        <p:cTn id="70" dur="1" fill="hold">
-                                          <p:stCondLst>
-                                            <p:cond delay="0"/>
-                                          </p:stCondLst>
-                                        </p:cTn>
-                                        <p:tgtEl>
-                                          <p:spTgt spid="62"/>
-                                        </p:tgtEl>
-                                        <p:attrNameLst>
-                                          <p:attrName>style.visibility</p:attrName>
-                                        </p:attrNameLst>
-                                      </p:cBhvr>
-                                      <p:to>
-                                        <p:strVal val="visible"/>
-                                      </p:to>
-                                    </p:set>
-                                  </p:childTnLst>
-                                </p:cTn>
-                              </p:par>
-                              <p:par>
-                                <p:cTn id="71" presetID="1" presetClass="entr" presetSubtype="0" fill="hold" nodeType="withEffect">
-                                  <p:stCondLst>
-                                    <p:cond delay="0"/>
-                                  </p:stCondLst>
-                                  <p:childTnLst>
-                                    <p:set>
-                                      <p:cBhvr>
-                                        <p:cTn id="72" dur="1" fill="hold">
-                                          <p:stCondLst>
-                                            <p:cond delay="0"/>
-                                          </p:stCondLst>
-                                        </p:cTn>
-                                        <p:tgtEl>
-                                          <p:spTgt spid="132"/>
-                                        </p:tgtEl>
-                                        <p:attrNameLst>
-                                          <p:attrName>style.visibility</p:attrName>
-                                        </p:attrNameLst>
-                                      </p:cBhvr>
-                                      <p:to>
-                                        <p:strVal val="visible"/>
-                                      </p:to>
-                                    </p:set>
-                                  </p:childTnLst>
-                                </p:cTn>
-                              </p:par>
-                              <p:par>
-                                <p:cTn id="73" presetID="1" presetClass="entr" presetSubtype="0" fill="hold" nodeType="withEffect">
-                                  <p:stCondLst>
-                                    <p:cond delay="0"/>
-                                  </p:stCondLst>
-                                  <p:childTnLst>
-                                    <p:set>
-                                      <p:cBhvr>
-                                        <p:cTn id="74" dur="1" fill="hold">
-                                          <p:stCondLst>
-                                            <p:cond delay="0"/>
-                                          </p:stCondLst>
-                                        </p:cTn>
-                                        <p:tgtEl>
-                                          <p:spTgt spid="7"/>
                                         </p:tgtEl>
                                         <p:attrNameLst>
                                           <p:attrName>style.visibility</p:attrName>
@@ -11369,13 +11004,7 @@
       </p:par>
     </p:tnLst>
     <p:bldLst>
-      <p:bldP spid="27" grpId="0" animBg="1"/>
-      <p:bldP spid="36" grpId="0" animBg="1"/>
-      <p:bldP spid="45" grpId="0" animBg="1"/>
       <p:bldP spid="46" grpId="0" animBg="1"/>
-      <p:bldP spid="73" grpId="0"/>
-      <p:bldP spid="79" grpId="0"/>
-      <p:bldP spid="85" grpId="0"/>
     </p:bldLst>
   </p:timing>
 </p:sld>
@@ -11524,7 +11153,7 @@
         </p:blipFill>
         <p:spPr>
           <a:xfrm>
-            <a:off x="10107851" y="2859385"/>
+            <a:off x="10104653" y="2601640"/>
             <a:ext cx="831423" cy="551484"/>
           </a:xfrm>
           <a:prstGeom prst="rect">
@@ -11598,8 +11227,8 @@
         </p:nvSpPr>
         <p:spPr>
           <a:xfrm>
-            <a:off x="10036088" y="2540737"/>
-            <a:ext cx="974947" cy="369332"/>
+            <a:off x="10137456" y="3117307"/>
+            <a:ext cx="800219" cy="307777"/>
           </a:xfrm>
           <a:prstGeom prst="rect">
             <a:avLst/>
@@ -11613,10 +11242,10 @@
           <a:lstStyle/>
           <a:p>
             <a:r>
-              <a:rPr lang="de-DE" dirty="0" err="1"/>
+              <a:rPr lang="de-DE" sz="1400" dirty="0" err="1"/>
               <a:t>DBpedia</a:t>
             </a:r>
-            <a:endParaRPr lang="de-DE" dirty="0"/>
+            <a:endParaRPr lang="de-DE" sz="1400" dirty="0"/>
           </a:p>
         </p:txBody>
       </p:sp>
@@ -11642,7 +11271,7 @@
         </p:blipFill>
         <p:spPr>
           <a:xfrm>
-            <a:off x="10107851" y="3727478"/>
+            <a:off x="10107206" y="3566847"/>
             <a:ext cx="831423" cy="551484"/>
           </a:xfrm>
           <a:prstGeom prst="rect">
@@ -11658,8 +11287,8 @@
         </p:nvSpPr>
         <p:spPr>
           <a:xfrm>
-            <a:off x="10109760" y="3428866"/>
-            <a:ext cx="826316" cy="369332"/>
+            <a:off x="10175674" y="4100447"/>
+            <a:ext cx="686150" cy="307777"/>
           </a:xfrm>
           <a:prstGeom prst="rect">
             <a:avLst/>
@@ -11673,7 +11302,7 @@
           <a:lstStyle/>
           <a:p>
             <a:r>
-              <a:rPr lang="de-DE" dirty="0"/>
+              <a:rPr lang="de-DE" sz="1400" dirty="0"/>
               <a:t>YAGO2</a:t>
             </a:r>
           </a:p>
@@ -11701,7 +11330,7 @@
         </p:blipFill>
         <p:spPr>
           <a:xfrm>
-            <a:off x="10107207" y="4653869"/>
+            <a:off x="10118537" y="4525979"/>
             <a:ext cx="831423" cy="551484"/>
           </a:xfrm>
           <a:prstGeom prst="rect">
@@ -11743,7 +11372,7 @@
         </p:nvSpPr>
         <p:spPr>
           <a:xfrm>
-            <a:off x="10261000" y="4116649"/>
+            <a:off x="10296986" y="4805185"/>
             <a:ext cx="920190" cy="646331"/>
           </a:xfrm>
           <a:prstGeom prst="rect">
@@ -11802,7 +11431,7 @@
         </p:nvGrpSpPr>
         <p:grpSpPr>
           <a:xfrm>
-            <a:off x="7123861" y="2148357"/>
+            <a:off x="7327061" y="2148357"/>
             <a:ext cx="1656937" cy="577046"/>
             <a:chOff x="5453811" y="2245815"/>
             <a:chExt cx="1656937" cy="577046"/>
@@ -12010,176 +11639,6 @@
           </p:txBody>
         </p:sp>
       </p:grpSp>
-      <p:grpSp>
-        <p:nvGrpSpPr>
-          <p:cNvPr id="11" name="Gruppieren 10"/>
-          <p:cNvGrpSpPr/>
-          <p:nvPr/>
-        </p:nvGrpSpPr>
-        <p:grpSpPr>
-          <a:xfrm>
-            <a:off x="975770" y="1784043"/>
-            <a:ext cx="1111278" cy="896146"/>
-            <a:chOff x="2194035" y="2009076"/>
-            <a:chExt cx="1111278" cy="896146"/>
-          </a:xfrm>
-        </p:grpSpPr>
-        <p:pic>
-          <p:nvPicPr>
-            <p:cNvPr id="43" name="Picture 4" descr="City hall building Free Icon"/>
-            <p:cNvPicPr>
-              <a:picLocks noChangeAspect="1" noChangeArrowheads="1"/>
-            </p:cNvPicPr>
-            <p:nvPr/>
-          </p:nvPicPr>
-          <p:blipFill>
-            <a:blip r:embed="rId4" cstate="print">
-              <a:extLst>
-                <a:ext uri="{BEBA8EAE-BF5A-486C-A8C5-ECC9F3942E4B}">
-                  <a14:imgProps xmlns:a14="http://schemas.microsoft.com/office/drawing/2010/main">
-                    <a14:imgLayer r:embed="rId5">
-                      <a14:imgEffect>
-                        <a14:backgroundRemoval t="9425" b="94089" l="0" r="100000">
-                          <a14:foregroundMark x1="5272" y1="63419" x2="5272" y2="63419"/>
-                          <a14:foregroundMark x1="40096" y1="85144" x2="40096" y2="85144"/>
-                          <a14:foregroundMark x1="87700" y1="79233" x2="87700" y2="79233"/>
-                        </a14:backgroundRemoval>
-                      </a14:imgEffect>
-                    </a14:imgLayer>
-                  </a14:imgProps>
-                </a:ext>
-                <a:ext uri="{28A0092B-C50C-407E-A947-70E740481C1C}">
-                  <a14:useLocalDpi xmlns:a14="http://schemas.microsoft.com/office/drawing/2010/main" val="0"/>
-                </a:ext>
-              </a:extLst>
-            </a:blip>
-            <a:srcRect/>
-            <a:stretch>
-              <a:fillRect/>
-            </a:stretch>
-          </p:blipFill>
-          <p:spPr bwMode="auto">
-            <a:xfrm>
-              <a:off x="2194035" y="2009076"/>
-              <a:ext cx="670936" cy="670936"/>
-            </a:xfrm>
-            <a:prstGeom prst="rect">
-              <a:avLst/>
-            </a:prstGeom>
-            <a:noFill/>
-          </p:spPr>
-        </p:pic>
-        <p:pic>
-          <p:nvPicPr>
-            <p:cNvPr id="44" name="Grafik 43" descr="Benutzer"/>
-            <p:cNvPicPr>
-              <a:picLocks noChangeAspect="1"/>
-            </p:cNvPicPr>
-            <p:nvPr/>
-          </p:nvPicPr>
-          <p:blipFill>
-            <a:blip r:embed="rId6" cstate="print">
-              <a:extLst>
-                <a:ext uri="{28A0092B-C50C-407E-A947-70E740481C1C}">
-                  <a14:useLocalDpi xmlns:a14="http://schemas.microsoft.com/office/drawing/2010/main" val="0"/>
-                </a:ext>
-                <a:ext uri="{96DAC541-7B7A-43D3-8B79-37D633B846F1}">
-                  <asvg:svgBlip xmlns:asvg="http://schemas.microsoft.com/office/drawing/2016/SVG/main" xmlns="" r:embed="rId7"/>
-                </a:ext>
-              </a:extLst>
-            </a:blip>
-            <a:stretch>
-              <a:fillRect/>
-            </a:stretch>
-          </p:blipFill>
-          <p:spPr>
-            <a:xfrm>
-              <a:off x="2694498" y="2294407"/>
-              <a:ext cx="610815" cy="610815"/>
-            </a:xfrm>
-            <a:prstGeom prst="rect">
-              <a:avLst/>
-            </a:prstGeom>
-          </p:spPr>
-        </p:pic>
-      </p:grpSp>
-      <p:cxnSp>
-        <p:nvCxnSpPr>
-          <p:cNvPr id="47" name="Gewinkelte Verbindung 20"/>
-          <p:cNvCxnSpPr>
-            <a:cxnSpLocks/>
-            <a:stCxn id="44" idx="3"/>
-            <a:endCxn id="41" idx="1"/>
-          </p:cNvCxnSpPr>
-          <p:nvPr/>
-        </p:nvCxnSpPr>
-        <p:spPr>
-          <a:xfrm flipV="1">
-            <a:off x="2087048" y="2373355"/>
-            <a:ext cx="5036813" cy="1427"/>
-          </a:xfrm>
-          <a:prstGeom prst="bentConnector3">
-            <a:avLst>
-              <a:gd name="adj1" fmla="val 50000"/>
-            </a:avLst>
-          </a:prstGeom>
-          <a:ln w="57150">
-            <a:solidFill>
-              <a:schemeClr val="accent1">
-                <a:lumMod val="50000"/>
-              </a:schemeClr>
-            </a:solidFill>
-            <a:tailEnd type="triangle"/>
-          </a:ln>
-        </p:spPr>
-        <p:style>
-          <a:lnRef idx="1">
-            <a:schemeClr val="accent1"/>
-          </a:lnRef>
-          <a:fillRef idx="0">
-            <a:schemeClr val="accent1"/>
-          </a:fillRef>
-          <a:effectRef idx="0">
-            <a:schemeClr val="accent1"/>
-          </a:effectRef>
-          <a:fontRef idx="minor">
-            <a:schemeClr val="tx1"/>
-          </a:fontRef>
-        </p:style>
-      </p:cxnSp>
-      <p:pic>
-        <p:nvPicPr>
-          <p:cNvPr id="63" name="Grafik 62" descr="Zahnräder"/>
-          <p:cNvPicPr>
-            <a:picLocks noChangeAspect="1"/>
-          </p:cNvPicPr>
-          <p:nvPr/>
-        </p:nvPicPr>
-        <p:blipFill>
-          <a:blip r:embed="rId8" cstate="print">
-            <a:extLst>
-              <a:ext uri="{28A0092B-C50C-407E-A947-70E740481C1C}">
-                <a14:useLocalDpi xmlns:a14="http://schemas.microsoft.com/office/drawing/2010/main" val="0"/>
-              </a:ext>
-              <a:ext uri="{96DAC541-7B7A-43D3-8B79-37D633B846F1}">
-                <asvg:svgBlip xmlns:asvg="http://schemas.microsoft.com/office/drawing/2016/SVG/main" xmlns="" r:embed="rId9"/>
-              </a:ext>
-            </a:extLst>
-          </a:blip>
-          <a:stretch>
-            <a:fillRect/>
-          </a:stretch>
-        </p:blipFill>
-        <p:spPr>
-          <a:xfrm>
-            <a:off x="7519976" y="3355842"/>
-            <a:ext cx="846279" cy="846279"/>
-          </a:xfrm>
-          <a:prstGeom prst="rect">
-            <a:avLst/>
-          </a:prstGeom>
-        </p:spPr>
-      </p:pic>
       <p:cxnSp>
         <p:nvCxnSpPr>
           <p:cNvPr id="64" name="Gewinkelte Verbindung 20"/>
@@ -12192,7 +11651,7 @@
         </p:nvCxnSpPr>
         <p:spPr>
           <a:xfrm rot="5400000">
-            <a:off x="7683304" y="2985215"/>
+            <a:off x="7886504" y="2985215"/>
             <a:ext cx="630439" cy="110814"/>
           </a:xfrm>
           <a:prstGeom prst="bentConnector3">
@@ -12200,7 +11659,7 @@
               <a:gd name="adj1" fmla="val 50000"/>
             </a:avLst>
           </a:prstGeom>
-          <a:ln w="57150">
+          <a:ln w="38100">
             <a:solidFill>
               <a:schemeClr val="accent1">
                 <a:lumMod val="50000"/>
@@ -12236,7 +11695,7 @@
         </p:nvCxnSpPr>
         <p:spPr>
           <a:xfrm rot="5400000">
-            <a:off x="7600741" y="3004253"/>
+            <a:off x="7803941" y="3004253"/>
             <a:ext cx="693964" cy="9214"/>
           </a:xfrm>
           <a:prstGeom prst="bentConnector3">
@@ -12244,7 +11703,7 @@
               <a:gd name="adj1" fmla="val 50000"/>
             </a:avLst>
           </a:prstGeom>
-          <a:ln w="57150">
+          <a:ln w="38100">
             <a:solidFill>
               <a:schemeClr val="accent1">
                 <a:lumMod val="50000"/>
@@ -12280,7 +11739,7 @@
         </p:nvCxnSpPr>
         <p:spPr>
           <a:xfrm rot="16200000" flipH="1">
-            <a:off x="7518179" y="2930904"/>
+            <a:off x="7721379" y="2930904"/>
             <a:ext cx="757489" cy="92386"/>
           </a:xfrm>
           <a:prstGeom prst="bentConnector3">
@@ -12288,7 +11747,7 @@
               <a:gd name="adj1" fmla="val 50000"/>
             </a:avLst>
           </a:prstGeom>
-          <a:ln w="57150">
+          <a:ln w="38100">
             <a:solidFill>
               <a:schemeClr val="accent1">
                 <a:lumMod val="50000"/>
@@ -12324,13 +11783,13 @@
         </p:nvCxnSpPr>
         <p:spPr>
           <a:xfrm flipH="1" flipV="1">
-            <a:off x="8780798" y="2500405"/>
-            <a:ext cx="1327053" cy="634722"/>
+            <a:off x="8983998" y="2500405"/>
+            <a:ext cx="1120655" cy="376977"/>
           </a:xfrm>
           <a:prstGeom prst="straightConnector1">
             <a:avLst/>
           </a:prstGeom>
-          <a:ln w="57150">
+          <a:ln w="38100">
             <a:solidFill>
               <a:schemeClr val="accent1">
                 <a:lumMod val="50000"/>
@@ -12366,13 +11825,13 @@
         </p:nvCxnSpPr>
         <p:spPr>
           <a:xfrm flipH="1" flipV="1">
-            <a:off x="8679198" y="2436880"/>
-            <a:ext cx="1428653" cy="1566340"/>
+            <a:off x="8882398" y="2436880"/>
+            <a:ext cx="1224808" cy="1405709"/>
           </a:xfrm>
           <a:prstGeom prst="straightConnector1">
             <a:avLst/>
           </a:prstGeom>
-          <a:ln w="57150">
+          <a:ln w="38100">
             <a:solidFill>
               <a:schemeClr val="accent1">
                 <a:lumMod val="50000"/>
@@ -12408,13 +11867,57 @@
         </p:nvCxnSpPr>
         <p:spPr>
           <a:xfrm flipH="1" flipV="1">
-            <a:off x="8577598" y="2373355"/>
-            <a:ext cx="1529609" cy="2556256"/>
+            <a:off x="8780798" y="2373355"/>
+            <a:ext cx="1337739" cy="2428366"/>
           </a:xfrm>
           <a:prstGeom prst="straightConnector1">
             <a:avLst/>
           </a:prstGeom>
-          <a:ln w="57150">
+          <a:ln w="38100">
+            <a:solidFill>
+              <a:schemeClr val="accent1">
+                <a:lumMod val="50000"/>
+              </a:schemeClr>
+            </a:solidFill>
+            <a:tailEnd type="triangle"/>
+          </a:ln>
+        </p:spPr>
+        <p:style>
+          <a:lnRef idx="1">
+            <a:schemeClr val="accent1"/>
+          </a:lnRef>
+          <a:fillRef idx="0">
+            <a:schemeClr val="accent1"/>
+          </a:fillRef>
+          <a:effectRef idx="0">
+            <a:schemeClr val="accent1"/>
+          </a:effectRef>
+          <a:fontRef idx="minor">
+            <a:schemeClr val="tx1"/>
+          </a:fontRef>
+        </p:style>
+      </p:cxnSp>
+      <p:cxnSp>
+        <p:nvCxnSpPr>
+          <p:cNvPr id="115" name="Gewinkelte Verbindung 20"/>
+          <p:cNvCxnSpPr>
+            <a:cxnSpLocks/>
+            <a:stCxn id="63" idx="1"/>
+            <a:endCxn id="114" idx="3"/>
+          </p:cNvCxnSpPr>
+          <p:nvPr/>
+        </p:nvCxnSpPr>
+        <p:spPr>
+          <a:xfrm rot="10800000">
+            <a:off x="7058694" y="3778632"/>
+            <a:ext cx="664482" cy="350"/>
+          </a:xfrm>
+          <a:prstGeom prst="bentConnector3">
+            <a:avLst>
+              <a:gd name="adj1" fmla="val 50000"/>
+            </a:avLst>
+          </a:prstGeom>
+          <a:ln w="38100">
             <a:solidFill>
               <a:schemeClr val="accent1">
                 <a:lumMod val="50000"/>
@@ -12440,34 +11943,117 @@
       </p:cxnSp>
       <p:grpSp>
         <p:nvGrpSpPr>
-          <p:cNvPr id="77" name="Gruppieren 76"/>
+          <p:cNvPr id="24" name="Gruppieren 23"/>
           <p:cNvGrpSpPr/>
           <p:nvPr/>
         </p:nvGrpSpPr>
         <p:grpSpPr>
           <a:xfrm>
-            <a:off x="992964" y="3234372"/>
-            <a:ext cx="1083786" cy="1083786"/>
-            <a:chOff x="1306727" y="4032727"/>
-            <a:chExt cx="1083786" cy="1083786"/>
+            <a:off x="3513963" y="3219203"/>
+            <a:ext cx="1917018" cy="1371216"/>
+            <a:chOff x="3513963" y="3219203"/>
+            <a:chExt cx="1917018" cy="1371216"/>
           </a:xfrm>
         </p:grpSpPr>
+        <p:grpSp>
+          <p:nvGrpSpPr>
+            <p:cNvPr id="21" name="Gruppieren 20"/>
+            <p:cNvGrpSpPr/>
+            <p:nvPr/>
+          </p:nvGrpSpPr>
+          <p:grpSpPr>
+            <a:xfrm>
+              <a:off x="3513963" y="3219203"/>
+              <a:ext cx="1917018" cy="1371216"/>
+              <a:chOff x="3513963" y="3219203"/>
+              <a:chExt cx="1917018" cy="1371216"/>
+            </a:xfrm>
+          </p:grpSpPr>
+          <p:pic>
+            <p:nvPicPr>
+              <p:cNvPr id="120" name="Grafik 119"/>
+              <p:cNvPicPr>
+                <a:picLocks noChangeAspect="1"/>
+              </p:cNvPicPr>
+              <p:nvPr/>
+            </p:nvPicPr>
+            <p:blipFill>
+              <a:blip r:embed="rId4" cstate="print">
+                <a:duotone>
+                  <a:schemeClr val="accent1">
+                    <a:shade val="45000"/>
+                    <a:satMod val="135000"/>
+                  </a:schemeClr>
+                  <a:prstClr val="white"/>
+                </a:duotone>
+                <a:extLst>
+                  <a:ext uri="{28A0092B-C50C-407E-A947-70E740481C1C}">
+                    <a14:useLocalDpi xmlns:a14="http://schemas.microsoft.com/office/drawing/2010/main" val="0"/>
+                  </a:ext>
+                </a:extLst>
+              </a:blip>
+              <a:stretch>
+                <a:fillRect/>
+              </a:stretch>
+            </p:blipFill>
+            <p:spPr>
+              <a:xfrm>
+                <a:off x="3513963" y="3219203"/>
+                <a:ext cx="1917018" cy="1125328"/>
+              </a:xfrm>
+              <a:prstGeom prst="rect">
+                <a:avLst/>
+              </a:prstGeom>
+            </p:spPr>
+          </p:pic>
+          <p:sp>
+            <p:nvSpPr>
+              <p:cNvPr id="58" name="TextBox 55"/>
+              <p:cNvSpPr txBox="1"/>
+              <p:nvPr/>
+            </p:nvSpPr>
+            <p:spPr>
+              <a:xfrm>
+                <a:off x="3756838" y="4282642"/>
+                <a:ext cx="1438264" cy="307777"/>
+              </a:xfrm>
+              <a:prstGeom prst="rect">
+                <a:avLst/>
+              </a:prstGeom>
+              <a:noFill/>
+            </p:spPr>
+            <p:txBody>
+              <a:bodyPr wrap="square" rtlCol="0">
+                <a:spAutoFit/>
+              </a:bodyPr>
+              <a:lstStyle/>
+              <a:p>
+                <a:pPr algn="ctr"/>
+                <a:r>
+                  <a:rPr lang="en-GB" sz="1400" dirty="0"/>
+                  <a:t>Inference Model</a:t>
+                </a:r>
+                <a:endParaRPr lang="de-DE" sz="1400" dirty="0"/>
+              </a:p>
+            </p:txBody>
+          </p:sp>
+        </p:grpSp>
         <p:pic>
           <p:nvPicPr>
-            <p:cNvPr id="65" name="Grafik 64" descr="Papier"/>
+            <p:cNvPr id="111" name="Grafik 110" descr="Kopf mit Zahnrädern"/>
             <p:cNvPicPr>
               <a:picLocks noChangeAspect="1"/>
             </p:cNvPicPr>
             <p:nvPr/>
           </p:nvPicPr>
           <p:blipFill>
-            <a:blip r:embed="rId10" cstate="print">
+            <a:blip r:embed="rId5" cstate="print">
               <a:extLst>
                 <a:ext uri="{28A0092B-C50C-407E-A947-70E740481C1C}">
                   <a14:useLocalDpi xmlns:a14="http://schemas.microsoft.com/office/drawing/2010/main" val="0"/>
                 </a:ext>
                 <a:ext uri="{96DAC541-7B7A-43D3-8B79-37D633B846F1}">
-                  <asvg:svgBlip xmlns:asvg="http://schemas.microsoft.com/office/drawing/2016/SVG/main" xmlns="" r:embed="rId11"/>
+                  <asvg:svgBlip xmlns:asvg="http://schemas.microsoft.com/office/drawing/2016/SVG/main" r:embed="rId6"/>
                 </a:ext>
               </a:extLst>
             </a:blip>
@@ -12477,306 +12063,15 @@
           </p:blipFill>
           <p:spPr>
             <a:xfrm>
-              <a:off x="1306727" y="4032727"/>
-              <a:ext cx="1083786" cy="1083786"/>
+              <a:off x="4076314" y="3543348"/>
+              <a:ext cx="801131" cy="801131"/>
             </a:xfrm>
             <a:prstGeom prst="rect">
               <a:avLst/>
             </a:prstGeom>
           </p:spPr>
         </p:pic>
-        <p:sp>
-          <p:nvSpPr>
-            <p:cNvPr id="75" name="Textfeld 74"/>
-            <p:cNvSpPr txBox="1"/>
-            <p:nvPr/>
-          </p:nvSpPr>
-          <p:spPr>
-            <a:xfrm>
-              <a:off x="1516784" y="4483309"/>
-              <a:ext cx="706721" cy="369332"/>
-            </a:xfrm>
-            <a:prstGeom prst="rect">
-              <a:avLst/>
-            </a:prstGeom>
-            <a:noFill/>
-          </p:spPr>
-          <p:txBody>
-            <a:bodyPr wrap="square" rtlCol="0">
-              <a:spAutoFit/>
-            </a:bodyPr>
-            <a:lstStyle/>
-            <a:p>
-              <a:r>
-                <a:rPr lang="de-DE" b="1" dirty="0"/>
-                <a:t>OWL</a:t>
-              </a:r>
-            </a:p>
-          </p:txBody>
-        </p:sp>
       </p:grpSp>
-      <p:pic>
-        <p:nvPicPr>
-          <p:cNvPr id="92" name="Grafik 91"/>
-          <p:cNvPicPr>
-            <a:picLocks noChangeAspect="1"/>
-          </p:cNvPicPr>
-          <p:nvPr/>
-        </p:nvPicPr>
-        <p:blipFill>
-          <a:blip r:embed="rId12" cstate="print">
-            <a:extLst>
-              <a:ext uri="{28A0092B-C50C-407E-A947-70E740481C1C}">
-                <a14:useLocalDpi xmlns:a14="http://schemas.microsoft.com/office/drawing/2010/main" val="0"/>
-              </a:ext>
-            </a:extLst>
-          </a:blip>
-          <a:stretch>
-            <a:fillRect/>
-          </a:stretch>
-        </p:blipFill>
-        <p:spPr>
-          <a:xfrm>
-            <a:off x="2626970" y="3566847"/>
-            <a:ext cx="601448" cy="422019"/>
-          </a:xfrm>
-          <a:prstGeom prst="rect">
-            <a:avLst/>
-          </a:prstGeom>
-        </p:spPr>
-      </p:pic>
-      <p:cxnSp>
-        <p:nvCxnSpPr>
-          <p:cNvPr id="93" name="Gewinkelte Verbindung 20"/>
-          <p:cNvCxnSpPr>
-            <a:cxnSpLocks/>
-            <a:stCxn id="65" idx="3"/>
-            <a:endCxn id="92" idx="1"/>
-          </p:cNvCxnSpPr>
-          <p:nvPr/>
-        </p:nvCxnSpPr>
-        <p:spPr>
-          <a:xfrm>
-            <a:off x="2076750" y="3776265"/>
-            <a:ext cx="550220" cy="1592"/>
-          </a:xfrm>
-          <a:prstGeom prst="bentConnector3">
-            <a:avLst>
-              <a:gd name="adj1" fmla="val 50000"/>
-            </a:avLst>
-          </a:prstGeom>
-          <a:ln w="57150">
-            <a:solidFill>
-              <a:schemeClr val="accent1">
-                <a:lumMod val="50000"/>
-              </a:schemeClr>
-            </a:solidFill>
-            <a:tailEnd type="triangle"/>
-          </a:ln>
-        </p:spPr>
-        <p:style>
-          <a:lnRef idx="1">
-            <a:schemeClr val="accent1"/>
-          </a:lnRef>
-          <a:fillRef idx="0">
-            <a:schemeClr val="accent1"/>
-          </a:fillRef>
-          <a:effectRef idx="0">
-            <a:schemeClr val="accent1"/>
-          </a:effectRef>
-          <a:fontRef idx="minor">
-            <a:schemeClr val="tx1"/>
-          </a:fontRef>
-        </p:style>
-      </p:cxnSp>
-      <p:pic>
-        <p:nvPicPr>
-          <p:cNvPr id="114" name="Grafik 113"/>
-          <p:cNvPicPr>
-            <a:picLocks noChangeAspect="1"/>
-          </p:cNvPicPr>
-          <p:nvPr/>
-        </p:nvPicPr>
-        <p:blipFill>
-          <a:blip r:embed="rId13" cstate="print">
-            <a:extLst>
-              <a:ext uri="{28A0092B-C50C-407E-A947-70E740481C1C}">
-                <a14:useLocalDpi xmlns:a14="http://schemas.microsoft.com/office/drawing/2010/main" val="0"/>
-              </a:ext>
-            </a:extLst>
-          </a:blip>
-          <a:stretch>
-            <a:fillRect/>
-          </a:stretch>
-        </p:blipFill>
-        <p:spPr>
-          <a:xfrm>
-            <a:off x="5780711" y="3365013"/>
-            <a:ext cx="1277983" cy="827238"/>
-          </a:xfrm>
-          <a:prstGeom prst="rect">
-            <a:avLst/>
-          </a:prstGeom>
-        </p:spPr>
-      </p:pic>
-      <p:cxnSp>
-        <p:nvCxnSpPr>
-          <p:cNvPr id="115" name="Gewinkelte Verbindung 20"/>
-          <p:cNvCxnSpPr>
-            <a:cxnSpLocks/>
-            <a:stCxn id="63" idx="1"/>
-            <a:endCxn id="114" idx="3"/>
-          </p:cNvCxnSpPr>
-          <p:nvPr/>
-        </p:nvCxnSpPr>
-        <p:spPr>
-          <a:xfrm rot="10800000">
-            <a:off x="7058694" y="3778632"/>
-            <a:ext cx="461282" cy="350"/>
-          </a:xfrm>
-          <a:prstGeom prst="bentConnector3">
-            <a:avLst>
-              <a:gd name="adj1" fmla="val 50000"/>
-            </a:avLst>
-          </a:prstGeom>
-          <a:ln w="57150">
-            <a:solidFill>
-              <a:schemeClr val="accent1">
-                <a:lumMod val="50000"/>
-              </a:schemeClr>
-            </a:solidFill>
-            <a:tailEnd type="triangle"/>
-          </a:ln>
-        </p:spPr>
-        <p:style>
-          <a:lnRef idx="1">
-            <a:schemeClr val="accent1"/>
-          </a:lnRef>
-          <a:fillRef idx="0">
-            <a:schemeClr val="accent1"/>
-          </a:fillRef>
-          <a:effectRef idx="0">
-            <a:schemeClr val="accent1"/>
-          </a:effectRef>
-          <a:fontRef idx="minor">
-            <a:schemeClr val="tx1"/>
-          </a:fontRef>
-        </p:style>
-      </p:cxnSp>
-      <p:pic>
-        <p:nvPicPr>
-          <p:cNvPr id="120" name="Grafik 119"/>
-          <p:cNvPicPr>
-            <a:picLocks noChangeAspect="1"/>
-          </p:cNvPicPr>
-          <p:nvPr/>
-        </p:nvPicPr>
-        <p:blipFill>
-          <a:blip r:embed="rId14" cstate="print">
-            <a:duotone>
-              <a:schemeClr val="accent1">
-                <a:shade val="45000"/>
-                <a:satMod val="135000"/>
-              </a:schemeClr>
-              <a:prstClr val="white"/>
-            </a:duotone>
-            <a:extLst>
-              <a:ext uri="{28A0092B-C50C-407E-A947-70E740481C1C}">
-                <a14:useLocalDpi xmlns:a14="http://schemas.microsoft.com/office/drawing/2010/main" val="0"/>
-              </a:ext>
-            </a:extLst>
-          </a:blip>
-          <a:stretch>
-            <a:fillRect/>
-          </a:stretch>
-        </p:blipFill>
-        <p:spPr>
-          <a:xfrm>
-            <a:off x="3513963" y="3219203"/>
-            <a:ext cx="1917018" cy="1125328"/>
-          </a:xfrm>
-          <a:prstGeom prst="rect">
-            <a:avLst/>
-          </a:prstGeom>
-        </p:spPr>
-      </p:pic>
-      <p:pic>
-        <p:nvPicPr>
-          <p:cNvPr id="111" name="Grafik 110" descr="Kopf mit Zahnrädern"/>
-          <p:cNvPicPr>
-            <a:picLocks noChangeAspect="1"/>
-          </p:cNvPicPr>
-          <p:nvPr/>
-        </p:nvPicPr>
-        <p:blipFill>
-          <a:blip r:embed="rId15" cstate="print">
-            <a:extLst>
-              <a:ext uri="{28A0092B-C50C-407E-A947-70E740481C1C}">
-                <a14:useLocalDpi xmlns:a14="http://schemas.microsoft.com/office/drawing/2010/main" val="0"/>
-              </a:ext>
-              <a:ext uri="{96DAC541-7B7A-43D3-8B79-37D633B846F1}">
-                <asvg:svgBlip xmlns:asvg="http://schemas.microsoft.com/office/drawing/2016/SVG/main" xmlns="" r:embed="rId16"/>
-              </a:ext>
-            </a:extLst>
-          </a:blip>
-          <a:stretch>
-            <a:fillRect/>
-          </a:stretch>
-        </p:blipFill>
-        <p:spPr>
-          <a:xfrm>
-            <a:off x="4076314" y="3543348"/>
-            <a:ext cx="801131" cy="801131"/>
-          </a:xfrm>
-          <a:prstGeom prst="rect">
-            <a:avLst/>
-          </a:prstGeom>
-        </p:spPr>
-      </p:pic>
-      <p:cxnSp>
-        <p:nvCxnSpPr>
-          <p:cNvPr id="122" name="Gewinkelte Verbindung 20"/>
-          <p:cNvCxnSpPr>
-            <a:cxnSpLocks/>
-            <a:stCxn id="114" idx="1"/>
-            <a:endCxn id="120" idx="3"/>
-          </p:cNvCxnSpPr>
-          <p:nvPr/>
-        </p:nvCxnSpPr>
-        <p:spPr>
-          <a:xfrm rot="10800000" flipV="1">
-            <a:off x="5430981" y="3778631"/>
-            <a:ext cx="349730" cy="3235"/>
-          </a:xfrm>
-          <a:prstGeom prst="bentConnector3">
-            <a:avLst>
-              <a:gd name="adj1" fmla="val 50000"/>
-            </a:avLst>
-          </a:prstGeom>
-          <a:ln w="57150">
-            <a:solidFill>
-              <a:schemeClr val="accent1">
-                <a:lumMod val="50000"/>
-              </a:schemeClr>
-            </a:solidFill>
-            <a:tailEnd type="triangle"/>
-          </a:ln>
-        </p:spPr>
-        <p:style>
-          <a:lnRef idx="1">
-            <a:schemeClr val="accent1"/>
-          </a:lnRef>
-          <a:fillRef idx="0">
-            <a:schemeClr val="accent1"/>
-          </a:fillRef>
-          <a:effectRef idx="0">
-            <a:schemeClr val="accent1"/>
-          </a:effectRef>
-          <a:fontRef idx="minor">
-            <a:schemeClr val="tx1"/>
-          </a:fontRef>
-        </p:style>
-      </p:cxnSp>
       <p:cxnSp>
         <p:nvCxnSpPr>
           <p:cNvPr id="147" name="Gerade Verbindung mit Pfeil 146"/>
@@ -12789,13 +12084,13 @@
         </p:nvCxnSpPr>
         <p:spPr>
           <a:xfrm>
-            <a:off x="3228418" y="3777857"/>
-            <a:ext cx="285545" cy="4010"/>
+            <a:off x="3330018" y="3777857"/>
+            <a:ext cx="183945" cy="4010"/>
           </a:xfrm>
           <a:prstGeom prst="straightConnector1">
             <a:avLst/>
           </a:prstGeom>
-          <a:ln w="57150">
+          <a:ln w="38100">
             <a:solidFill>
               <a:schemeClr val="accent1">
                 <a:lumMod val="50000"/>
@@ -12824,7 +12119,6 @@
           <p:cNvPr id="156" name="Gewinkelte Verbindung 20"/>
           <p:cNvCxnSpPr>
             <a:cxnSpLocks/>
-            <a:endCxn id="134" idx="0"/>
           </p:cNvCxnSpPr>
           <p:nvPr/>
         </p:nvCxnSpPr>
@@ -12838,7 +12132,7 @@
               <a:gd name="adj1" fmla="val 50000"/>
             </a:avLst>
           </a:prstGeom>
-          <a:ln w="57150">
+          <a:ln w="38100">
             <a:solidFill>
               <a:schemeClr val="accent1">
                 <a:lumMod val="50000"/>
@@ -12865,13 +12159,15 @@
       <p:cxnSp>
         <p:nvCxnSpPr>
           <p:cNvPr id="203" name="Gerader Verbinder 202"/>
-          <p:cNvCxnSpPr/>
+          <p:cNvCxnSpPr>
+            <a:cxnSpLocks/>
+          </p:cNvCxnSpPr>
           <p:nvPr/>
         </p:nvCxnSpPr>
         <p:spPr>
           <a:xfrm>
-            <a:off x="2163607" y="1536071"/>
-            <a:ext cx="11586" cy="4815684"/>
+            <a:off x="2175837" y="1903562"/>
+            <a:ext cx="0" cy="3547954"/>
           </a:xfrm>
           <a:prstGeom prst="line">
             <a:avLst/>
@@ -12901,26 +12197,816 @@
           </a:fontRef>
         </p:style>
       </p:cxnSp>
+      <p:pic>
+        <p:nvPicPr>
+          <p:cNvPr id="128" name="Grafik 127" descr="Filter"/>
+          <p:cNvPicPr>
+            <a:picLocks noChangeAspect="1"/>
+          </p:cNvPicPr>
+          <p:nvPr/>
+        </p:nvPicPr>
+        <p:blipFill>
+          <a:blip r:embed="rId7" cstate="print">
+            <a:extLst>
+              <a:ext uri="{28A0092B-C50C-407E-A947-70E740481C1C}">
+                <a14:useLocalDpi xmlns:a14="http://schemas.microsoft.com/office/drawing/2010/main" val="0"/>
+              </a:ext>
+              <a:ext uri="{96DAC541-7B7A-43D3-8B79-37D633B846F1}">
+                <asvg:svgBlip xmlns:asvg="http://schemas.microsoft.com/office/drawing/2016/SVG/main" r:embed="rId8"/>
+              </a:ext>
+            </a:extLst>
+          </a:blip>
+          <a:stretch>
+            <a:fillRect/>
+          </a:stretch>
+        </p:blipFill>
+        <p:spPr>
+          <a:xfrm>
+            <a:off x="3652935" y="4453433"/>
+            <a:ext cx="1606550" cy="826697"/>
+          </a:xfrm>
+          <a:prstGeom prst="rect">
+            <a:avLst/>
+          </a:prstGeom>
+        </p:spPr>
+      </p:pic>
+      <p:grpSp>
+        <p:nvGrpSpPr>
+          <p:cNvPr id="51" name="Group 59"/>
+          <p:cNvGrpSpPr/>
+          <p:nvPr/>
+        </p:nvGrpSpPr>
+        <p:grpSpPr>
+          <a:xfrm>
+            <a:off x="1018249" y="4447563"/>
+            <a:ext cx="832361" cy="1059842"/>
+            <a:chOff x="6306726" y="3650506"/>
+            <a:chExt cx="832361" cy="1059842"/>
+          </a:xfrm>
+        </p:grpSpPr>
+        <p:pic>
+          <p:nvPicPr>
+            <p:cNvPr id="52" name="Grafik 132" descr="Prüfliste"/>
+            <p:cNvPicPr>
+              <a:picLocks noChangeAspect="1"/>
+            </p:cNvPicPr>
+            <p:nvPr/>
+          </p:nvPicPr>
+          <p:blipFill>
+            <a:blip r:embed="rId9" cstate="print">
+              <a:extLst>
+                <a:ext uri="{28A0092B-C50C-407E-A947-70E740481C1C}">
+                  <a14:useLocalDpi xmlns:a14="http://schemas.microsoft.com/office/drawing/2010/main" val="0"/>
+                </a:ext>
+                <a:ext uri="{96DAC541-7B7A-43D3-8B79-37D633B846F1}">
+                  <asvg:svgBlip xmlns:asvg="http://schemas.microsoft.com/office/drawing/2016/SVG/main" r:embed="rId10"/>
+                </a:ext>
+              </a:extLst>
+            </a:blip>
+            <a:stretch>
+              <a:fillRect/>
+            </a:stretch>
+          </p:blipFill>
+          <p:spPr>
+            <a:xfrm>
+              <a:off x="6306726" y="3650506"/>
+              <a:ext cx="832361" cy="832361"/>
+            </a:xfrm>
+            <a:prstGeom prst="rect">
+              <a:avLst/>
+            </a:prstGeom>
+          </p:spPr>
+        </p:pic>
+        <p:sp>
+          <p:nvSpPr>
+            <p:cNvPr id="53" name="TextBox 55"/>
+            <p:cNvSpPr txBox="1"/>
+            <p:nvPr/>
+          </p:nvSpPr>
+          <p:spPr>
+            <a:xfrm>
+              <a:off x="6315490" y="4402571"/>
+              <a:ext cx="806303" cy="307777"/>
+            </a:xfrm>
+            <a:prstGeom prst="rect">
+              <a:avLst/>
+            </a:prstGeom>
+            <a:noFill/>
+          </p:spPr>
+          <p:txBody>
+            <a:bodyPr wrap="square" rtlCol="0">
+              <a:spAutoFit/>
+            </a:bodyPr>
+            <a:lstStyle/>
+            <a:p>
+              <a:pPr algn="ctr"/>
+              <a:r>
+                <a:rPr lang="en-GB" sz="1400" dirty="0"/>
+                <a:t>Options</a:t>
+              </a:r>
+              <a:endParaRPr lang="de-DE" sz="1400" dirty="0"/>
+            </a:p>
+          </p:txBody>
+        </p:sp>
+      </p:grpSp>
+      <p:grpSp>
+        <p:nvGrpSpPr>
+          <p:cNvPr id="9" name="Gruppieren 8"/>
+          <p:cNvGrpSpPr/>
+          <p:nvPr/>
+        </p:nvGrpSpPr>
+        <p:grpSpPr>
+          <a:xfrm>
+            <a:off x="660400" y="3351220"/>
+            <a:ext cx="1515437" cy="1094832"/>
+            <a:chOff x="660400" y="3344870"/>
+            <a:chExt cx="1515437" cy="1094832"/>
+          </a:xfrm>
+        </p:grpSpPr>
+        <p:grpSp>
+          <p:nvGrpSpPr>
+            <p:cNvPr id="77" name="Gruppieren 76"/>
+            <p:cNvGrpSpPr/>
+            <p:nvPr/>
+          </p:nvGrpSpPr>
+          <p:grpSpPr>
+            <a:xfrm>
+              <a:off x="974633" y="3344870"/>
+              <a:ext cx="890013" cy="858367"/>
+              <a:chOff x="1159809" y="4032727"/>
+              <a:chExt cx="1083784" cy="1083786"/>
+            </a:xfrm>
+          </p:grpSpPr>
+          <p:pic>
+            <p:nvPicPr>
+              <p:cNvPr id="65" name="Grafik 64" descr="Papier"/>
+              <p:cNvPicPr>
+                <a:picLocks noChangeAspect="1"/>
+              </p:cNvPicPr>
+              <p:nvPr/>
+            </p:nvPicPr>
+            <p:blipFill>
+              <a:blip r:embed="rId11" cstate="print">
+                <a:extLst>
+                  <a:ext uri="{28A0092B-C50C-407E-A947-70E740481C1C}">
+                    <a14:useLocalDpi xmlns:a14="http://schemas.microsoft.com/office/drawing/2010/main" val="0"/>
+                  </a:ext>
+                  <a:ext uri="{96DAC541-7B7A-43D3-8B79-37D633B846F1}">
+                    <asvg:svgBlip xmlns:asvg="http://schemas.microsoft.com/office/drawing/2016/SVG/main" r:embed="rId12"/>
+                  </a:ext>
+                </a:extLst>
+              </a:blip>
+              <a:stretch>
+                <a:fillRect/>
+              </a:stretch>
+            </p:blipFill>
+            <p:spPr>
+              <a:xfrm>
+                <a:off x="1159809" y="4032727"/>
+                <a:ext cx="1083784" cy="1083786"/>
+              </a:xfrm>
+              <a:prstGeom prst="rect">
+                <a:avLst/>
+              </a:prstGeom>
+            </p:spPr>
+          </p:pic>
+          <p:sp>
+            <p:nvSpPr>
+              <p:cNvPr id="75" name="Textfeld 74"/>
+              <p:cNvSpPr txBox="1"/>
+              <p:nvPr/>
+            </p:nvSpPr>
+            <p:spPr>
+              <a:xfrm>
+                <a:off x="1369208" y="4523370"/>
+                <a:ext cx="706722" cy="349962"/>
+              </a:xfrm>
+              <a:prstGeom prst="rect">
+                <a:avLst/>
+              </a:prstGeom>
+              <a:noFill/>
+            </p:spPr>
+            <p:txBody>
+              <a:bodyPr wrap="square" rtlCol="0">
+                <a:spAutoFit/>
+              </a:bodyPr>
+              <a:lstStyle/>
+              <a:p>
+                <a:r>
+                  <a:rPr lang="de-DE" sz="1400" b="1" dirty="0"/>
+                  <a:t>OWL</a:t>
+                </a:r>
+              </a:p>
+            </p:txBody>
+          </p:sp>
+        </p:grpSp>
+        <p:sp>
+          <p:nvSpPr>
+            <p:cNvPr id="55" name="TextBox 55"/>
+            <p:cNvSpPr txBox="1"/>
+            <p:nvPr/>
+          </p:nvSpPr>
+          <p:spPr>
+            <a:xfrm>
+              <a:off x="660400" y="4131925"/>
+              <a:ext cx="1515437" cy="307777"/>
+            </a:xfrm>
+            <a:prstGeom prst="rect">
+              <a:avLst/>
+            </a:prstGeom>
+            <a:noFill/>
+          </p:spPr>
+          <p:txBody>
+            <a:bodyPr wrap="square" rtlCol="0">
+              <a:spAutoFit/>
+            </a:bodyPr>
+            <a:lstStyle/>
+            <a:p>
+              <a:pPr algn="ctr"/>
+              <a:r>
+                <a:rPr lang="en-GB" sz="1400" dirty="0"/>
+                <a:t>Custom Ontology</a:t>
+              </a:r>
+              <a:endParaRPr lang="de-DE" sz="1400" dirty="0"/>
+            </a:p>
+          </p:txBody>
+        </p:sp>
+      </p:grpSp>
+      <p:grpSp>
+        <p:nvGrpSpPr>
+          <p:cNvPr id="60" name="Group 91"/>
+          <p:cNvGrpSpPr/>
+          <p:nvPr/>
+        </p:nvGrpSpPr>
+        <p:grpSpPr>
+          <a:xfrm>
+            <a:off x="746986" y="1995332"/>
+            <a:ext cx="1319168" cy="898213"/>
+            <a:chOff x="7808451" y="4667024"/>
+            <a:chExt cx="1319168" cy="898213"/>
+          </a:xfrm>
+        </p:grpSpPr>
+        <p:pic>
+          <p:nvPicPr>
+            <p:cNvPr id="61" name="Picture 4" descr="City hall building Free Icon"/>
+            <p:cNvPicPr>
+              <a:picLocks noChangeAspect="1" noChangeArrowheads="1"/>
+            </p:cNvPicPr>
+            <p:nvPr/>
+          </p:nvPicPr>
+          <p:blipFill>
+            <a:blip r:embed="rId13" cstate="print">
+              <a:extLst>
+                <a:ext uri="{BEBA8EAE-BF5A-486C-A8C5-ECC9F3942E4B}">
+                  <a14:imgProps xmlns:a14="http://schemas.microsoft.com/office/drawing/2010/main">
+                    <a14:imgLayer r:embed="rId14">
+                      <a14:imgEffect>
+                        <a14:backgroundRemoval t="9425" b="94089" l="0" r="100000">
+                          <a14:foregroundMark x1="5272" y1="63419" x2="5272" y2="63419"/>
+                          <a14:foregroundMark x1="40096" y1="85144" x2="40096" y2="85144"/>
+                          <a14:foregroundMark x1="87700" y1="79233" x2="87700" y2="79233"/>
+                        </a14:backgroundRemoval>
+                      </a14:imgEffect>
+                    </a14:imgLayer>
+                  </a14:imgProps>
+                </a:ext>
+                <a:ext uri="{28A0092B-C50C-407E-A947-70E740481C1C}">
+                  <a14:useLocalDpi xmlns:a14="http://schemas.microsoft.com/office/drawing/2010/main" val="0"/>
+                </a:ext>
+              </a:extLst>
+            </a:blip>
+            <a:srcRect/>
+            <a:stretch>
+              <a:fillRect/>
+            </a:stretch>
+          </p:blipFill>
+          <p:spPr bwMode="auto">
+            <a:xfrm>
+              <a:off x="7899596" y="4667024"/>
+              <a:ext cx="670936" cy="670936"/>
+            </a:xfrm>
+            <a:prstGeom prst="rect">
+              <a:avLst/>
+            </a:prstGeom>
+            <a:noFill/>
+          </p:spPr>
+        </p:pic>
+        <p:pic>
+          <p:nvPicPr>
+            <p:cNvPr id="62" name="Grafik 52" descr="Benutzer"/>
+            <p:cNvPicPr>
+              <a:picLocks noChangeAspect="1"/>
+            </p:cNvPicPr>
+            <p:nvPr/>
+          </p:nvPicPr>
+          <p:blipFill>
+            <a:blip r:embed="rId15" cstate="print">
+              <a:extLst>
+                <a:ext uri="{28A0092B-C50C-407E-A947-70E740481C1C}">
+                  <a14:useLocalDpi xmlns:a14="http://schemas.microsoft.com/office/drawing/2010/main" val="0"/>
+                </a:ext>
+                <a:ext uri="{96DAC541-7B7A-43D3-8B79-37D633B846F1}">
+                  <asvg:svgBlip xmlns:asvg="http://schemas.microsoft.com/office/drawing/2016/SVG/main" r:embed="rId16"/>
+                </a:ext>
+              </a:extLst>
+            </a:blip>
+            <a:stretch>
+              <a:fillRect/>
+            </a:stretch>
+          </p:blipFill>
+          <p:spPr>
+            <a:xfrm>
+              <a:off x="8497799" y="4742591"/>
+              <a:ext cx="610815" cy="610815"/>
+            </a:xfrm>
+            <a:prstGeom prst="rect">
+              <a:avLst/>
+            </a:prstGeom>
+          </p:spPr>
+        </p:pic>
+        <p:sp>
+          <p:nvSpPr>
+            <p:cNvPr id="66" name="TextBox 94"/>
+            <p:cNvSpPr txBox="1"/>
+            <p:nvPr/>
+          </p:nvSpPr>
+          <p:spPr>
+            <a:xfrm>
+              <a:off x="7808451" y="5257460"/>
+              <a:ext cx="1319168" cy="307777"/>
+            </a:xfrm>
+            <a:prstGeom prst="rect">
+              <a:avLst/>
+            </a:prstGeom>
+            <a:noFill/>
+          </p:spPr>
+          <p:txBody>
+            <a:bodyPr wrap="square" rtlCol="0">
+              <a:spAutoFit/>
+            </a:bodyPr>
+            <a:lstStyle/>
+            <a:p>
+              <a:pPr algn="ctr"/>
+              <a:r>
+                <a:rPr lang="en-GB" sz="1400" dirty="0"/>
+                <a:t>Named Entities</a:t>
+              </a:r>
+              <a:endParaRPr lang="de-DE" sz="1400" dirty="0"/>
+            </a:p>
+          </p:txBody>
+        </p:sp>
+      </p:grpSp>
+      <p:grpSp>
+        <p:nvGrpSpPr>
+          <p:cNvPr id="13" name="Gruppieren 12"/>
+          <p:cNvGrpSpPr/>
+          <p:nvPr/>
+        </p:nvGrpSpPr>
+        <p:grpSpPr>
+          <a:xfrm>
+            <a:off x="7368118" y="3355842"/>
+            <a:ext cx="1534672" cy="1069413"/>
+            <a:chOff x="7368118" y="3355842"/>
+            <a:chExt cx="1534672" cy="1069413"/>
+          </a:xfrm>
+        </p:grpSpPr>
+        <p:pic>
+          <p:nvPicPr>
+            <p:cNvPr id="63" name="Grafik 62" descr="Zahnräder"/>
+            <p:cNvPicPr>
+              <a:picLocks noChangeAspect="1"/>
+            </p:cNvPicPr>
+            <p:nvPr/>
+          </p:nvPicPr>
+          <p:blipFill>
+            <a:blip r:embed="rId17" cstate="print">
+              <a:extLst>
+                <a:ext uri="{28A0092B-C50C-407E-A947-70E740481C1C}">
+                  <a14:useLocalDpi xmlns:a14="http://schemas.microsoft.com/office/drawing/2010/main" val="0"/>
+                </a:ext>
+                <a:ext uri="{96DAC541-7B7A-43D3-8B79-37D633B846F1}">
+                  <asvg:svgBlip xmlns:asvg="http://schemas.microsoft.com/office/drawing/2016/SVG/main" r:embed="rId18"/>
+                </a:ext>
+              </a:extLst>
+            </a:blip>
+            <a:stretch>
+              <a:fillRect/>
+            </a:stretch>
+          </p:blipFill>
+          <p:spPr>
+            <a:xfrm>
+              <a:off x="7723176" y="3355842"/>
+              <a:ext cx="846279" cy="846279"/>
+            </a:xfrm>
+            <a:prstGeom prst="rect">
+              <a:avLst/>
+            </a:prstGeom>
+          </p:spPr>
+        </p:pic>
+        <p:sp>
+          <p:nvSpPr>
+            <p:cNvPr id="67" name="TextBox 55"/>
+            <p:cNvSpPr txBox="1"/>
+            <p:nvPr/>
+          </p:nvSpPr>
+          <p:spPr>
+            <a:xfrm>
+              <a:off x="7368118" y="4117478"/>
+              <a:ext cx="1534672" cy="307777"/>
+            </a:xfrm>
+            <a:prstGeom prst="rect">
+              <a:avLst/>
+            </a:prstGeom>
+            <a:noFill/>
+          </p:spPr>
+          <p:txBody>
+            <a:bodyPr wrap="square" rtlCol="0">
+              <a:spAutoFit/>
+            </a:bodyPr>
+            <a:lstStyle/>
+            <a:p>
+              <a:pPr algn="ctr"/>
+              <a:r>
+                <a:rPr lang="en-GB" sz="1400" dirty="0"/>
+                <a:t>URI Identification</a:t>
+              </a:r>
+              <a:endParaRPr lang="de-DE" sz="1400" dirty="0"/>
+            </a:p>
+          </p:txBody>
+        </p:sp>
+      </p:grpSp>
+      <p:grpSp>
+        <p:nvGrpSpPr>
+          <p:cNvPr id="20" name="Gruppieren 19"/>
+          <p:cNvGrpSpPr/>
+          <p:nvPr/>
+        </p:nvGrpSpPr>
+        <p:grpSpPr>
+          <a:xfrm>
+            <a:off x="2334288" y="3566847"/>
+            <a:ext cx="1382855" cy="694796"/>
+            <a:chOff x="2334288" y="3566847"/>
+            <a:chExt cx="1382855" cy="694796"/>
+          </a:xfrm>
+        </p:grpSpPr>
+        <p:pic>
+          <p:nvPicPr>
+            <p:cNvPr id="92" name="Grafik 91"/>
+            <p:cNvPicPr>
+              <a:picLocks noChangeAspect="1"/>
+            </p:cNvPicPr>
+            <p:nvPr/>
+          </p:nvPicPr>
+          <p:blipFill>
+            <a:blip r:embed="rId19" cstate="print">
+              <a:extLst>
+                <a:ext uri="{28A0092B-C50C-407E-A947-70E740481C1C}">
+                  <a14:useLocalDpi xmlns:a14="http://schemas.microsoft.com/office/drawing/2010/main" val="0"/>
+                </a:ext>
+              </a:extLst>
+            </a:blip>
+            <a:stretch>
+              <a:fillRect/>
+            </a:stretch>
+          </p:blipFill>
+          <p:spPr>
+            <a:xfrm>
+              <a:off x="2728570" y="3566847"/>
+              <a:ext cx="601448" cy="422019"/>
+            </a:xfrm>
+            <a:prstGeom prst="rect">
+              <a:avLst/>
+            </a:prstGeom>
+          </p:spPr>
+        </p:pic>
+        <p:sp>
+          <p:nvSpPr>
+            <p:cNvPr id="68" name="TextBox 55"/>
+            <p:cNvSpPr txBox="1"/>
+            <p:nvPr/>
+          </p:nvSpPr>
+          <p:spPr>
+            <a:xfrm>
+              <a:off x="2334288" y="3953866"/>
+              <a:ext cx="1382855" cy="307777"/>
+            </a:xfrm>
+            <a:prstGeom prst="rect">
+              <a:avLst/>
+            </a:prstGeom>
+            <a:noFill/>
+          </p:spPr>
+          <p:txBody>
+            <a:bodyPr wrap="square" rtlCol="0">
+              <a:spAutoFit/>
+            </a:bodyPr>
+            <a:lstStyle/>
+            <a:p>
+              <a:pPr algn="ctr"/>
+              <a:r>
+                <a:rPr lang="en-GB" sz="1400" dirty="0"/>
+                <a:t>Ontology Model</a:t>
+              </a:r>
+              <a:endParaRPr lang="de-DE" sz="1400" dirty="0"/>
+            </a:p>
+          </p:txBody>
+        </p:sp>
+      </p:grpSp>
+      <p:grpSp>
+        <p:nvGrpSpPr>
+          <p:cNvPr id="25" name="Gruppieren 24"/>
+          <p:cNvGrpSpPr/>
+          <p:nvPr/>
+        </p:nvGrpSpPr>
+        <p:grpSpPr>
+          <a:xfrm>
+            <a:off x="5780711" y="3365013"/>
+            <a:ext cx="1277983" cy="1129573"/>
+            <a:chOff x="5780711" y="3365013"/>
+            <a:chExt cx="1277983" cy="1129573"/>
+          </a:xfrm>
+        </p:grpSpPr>
+        <p:pic>
+          <p:nvPicPr>
+            <p:cNvPr id="114" name="Grafik 113"/>
+            <p:cNvPicPr>
+              <a:picLocks noChangeAspect="1"/>
+            </p:cNvPicPr>
+            <p:nvPr/>
+          </p:nvPicPr>
+          <p:blipFill>
+            <a:blip r:embed="rId20" cstate="print">
+              <a:extLst>
+                <a:ext uri="{28A0092B-C50C-407E-A947-70E740481C1C}">
+                  <a14:useLocalDpi xmlns:a14="http://schemas.microsoft.com/office/drawing/2010/main" val="0"/>
+                </a:ext>
+              </a:extLst>
+            </a:blip>
+            <a:stretch>
+              <a:fillRect/>
+            </a:stretch>
+          </p:blipFill>
+          <p:spPr>
+            <a:xfrm>
+              <a:off x="5780711" y="3365013"/>
+              <a:ext cx="1277983" cy="827238"/>
+            </a:xfrm>
+            <a:prstGeom prst="rect">
+              <a:avLst/>
+            </a:prstGeom>
+          </p:spPr>
+        </p:pic>
+        <p:sp>
+          <p:nvSpPr>
+            <p:cNvPr id="71" name="TextBox 55"/>
+            <p:cNvSpPr txBox="1"/>
+            <p:nvPr/>
+          </p:nvSpPr>
+          <p:spPr>
+            <a:xfrm>
+              <a:off x="5792632" y="4186809"/>
+              <a:ext cx="1261974" cy="307777"/>
+            </a:xfrm>
+            <a:prstGeom prst="rect">
+              <a:avLst/>
+            </a:prstGeom>
+            <a:noFill/>
+          </p:spPr>
+          <p:txBody>
+            <a:bodyPr wrap="square" rtlCol="0">
+              <a:spAutoFit/>
+            </a:bodyPr>
+            <a:lstStyle/>
+            <a:p>
+              <a:pPr algn="ctr"/>
+              <a:r>
+                <a:rPr lang="en-GB" sz="1400" dirty="0"/>
+                <a:t>Source Model</a:t>
+              </a:r>
+              <a:endParaRPr lang="de-DE" sz="1400" dirty="0"/>
+            </a:p>
+          </p:txBody>
+        </p:sp>
+      </p:grpSp>
+      <p:grpSp>
+        <p:nvGrpSpPr>
+          <p:cNvPr id="72" name="Gruppieren 71"/>
+          <p:cNvGrpSpPr/>
+          <p:nvPr/>
+        </p:nvGrpSpPr>
+        <p:grpSpPr>
+          <a:xfrm>
+            <a:off x="3487785" y="5338414"/>
+            <a:ext cx="2140823" cy="1283574"/>
+            <a:chOff x="5871493" y="4611673"/>
+            <a:chExt cx="1802625" cy="1080801"/>
+          </a:xfrm>
+        </p:grpSpPr>
+        <p:grpSp>
+          <p:nvGrpSpPr>
+            <p:cNvPr id="83" name="Gruppieren 82"/>
+            <p:cNvGrpSpPr/>
+            <p:nvPr/>
+          </p:nvGrpSpPr>
+          <p:grpSpPr>
+            <a:xfrm>
+              <a:off x="5932289" y="4611673"/>
+              <a:ext cx="1684081" cy="897987"/>
+              <a:chOff x="5932289" y="4834081"/>
+              <a:chExt cx="1684081" cy="897987"/>
+            </a:xfrm>
+          </p:grpSpPr>
+          <p:pic>
+            <p:nvPicPr>
+              <p:cNvPr id="86" name="Grafik 85" descr="Netzwerk"/>
+              <p:cNvPicPr>
+                <a:picLocks noChangeAspect="1"/>
+              </p:cNvPicPr>
+              <p:nvPr/>
+            </p:nvPicPr>
+            <p:blipFill>
+              <a:blip r:embed="rId21" cstate="print">
+                <a:extLst>
+                  <a:ext uri="{28A0092B-C50C-407E-A947-70E740481C1C}">
+                    <a14:useLocalDpi xmlns:a14="http://schemas.microsoft.com/office/drawing/2010/main" val="0"/>
+                  </a:ext>
+                  <a:ext uri="{96DAC541-7B7A-43D3-8B79-37D633B846F1}">
+                    <asvg:svgBlip xmlns:asvg="http://schemas.microsoft.com/office/drawing/2016/SVG/main" r:embed="rId22"/>
+                  </a:ext>
+                </a:extLst>
+              </a:blip>
+              <a:stretch>
+                <a:fillRect/>
+              </a:stretch>
+            </p:blipFill>
+            <p:spPr>
+              <a:xfrm rot="20111766">
+                <a:off x="6274967" y="4985804"/>
+                <a:ext cx="746264" cy="746264"/>
+              </a:xfrm>
+              <a:prstGeom prst="rect">
+                <a:avLst/>
+              </a:prstGeom>
+            </p:spPr>
+          </p:pic>
+          <p:pic>
+            <p:nvPicPr>
+              <p:cNvPr id="87" name="Grafik 86" descr="Benutzer"/>
+              <p:cNvPicPr>
+                <a:picLocks noChangeAspect="1"/>
+              </p:cNvPicPr>
+              <p:nvPr/>
+            </p:nvPicPr>
+            <p:blipFill>
+              <a:blip r:embed="rId15" cstate="print">
+                <a:extLst>
+                  <a:ext uri="{28A0092B-C50C-407E-A947-70E740481C1C}">
+                    <a14:useLocalDpi xmlns:a14="http://schemas.microsoft.com/office/drawing/2010/main" val="0"/>
+                  </a:ext>
+                  <a:ext uri="{96DAC541-7B7A-43D3-8B79-37D633B846F1}">
+                    <asvg:svgBlip xmlns:asvg="http://schemas.microsoft.com/office/drawing/2016/SVG/main" r:embed="rId16"/>
+                  </a:ext>
+                </a:extLst>
+              </a:blip>
+              <a:stretch>
+                <a:fillRect/>
+              </a:stretch>
+            </p:blipFill>
+            <p:spPr>
+              <a:xfrm>
+                <a:off x="6662206" y="4862427"/>
+                <a:ext cx="505454" cy="505454"/>
+              </a:xfrm>
+              <a:prstGeom prst="rect">
+                <a:avLst/>
+              </a:prstGeom>
+            </p:spPr>
+          </p:pic>
+          <p:pic>
+            <p:nvPicPr>
+              <p:cNvPr id="88" name="Picture 4" descr="City hall building Free Icon"/>
+              <p:cNvPicPr>
+                <a:picLocks noChangeAspect="1" noChangeArrowheads="1"/>
+              </p:cNvPicPr>
+              <p:nvPr/>
+            </p:nvPicPr>
+            <p:blipFill>
+              <a:blip r:embed="rId23" cstate="print">
+                <a:extLst>
+                  <a:ext uri="{BEBA8EAE-BF5A-486C-A8C5-ECC9F3942E4B}">
+                    <a14:imgProps xmlns:a14="http://schemas.microsoft.com/office/drawing/2010/main">
+                      <a14:imgLayer r:embed="rId24">
+                        <a14:imgEffect>
+                          <a14:backgroundRemoval t="9425" b="94089" l="0" r="100000">
+                            <a14:foregroundMark x1="5272" y1="63419" x2="5272" y2="63419"/>
+                            <a14:foregroundMark x1="40096" y1="85144" x2="40096" y2="85144"/>
+                            <a14:foregroundMark x1="87700" y1="79233" x2="87700" y2="79233"/>
+                          </a14:backgroundRemoval>
+                        </a14:imgEffect>
+                      </a14:imgLayer>
+                    </a14:imgProps>
+                  </a:ext>
+                  <a:ext uri="{28A0092B-C50C-407E-A947-70E740481C1C}">
+                    <a14:useLocalDpi xmlns:a14="http://schemas.microsoft.com/office/drawing/2010/main" val="0"/>
+                  </a:ext>
+                </a:extLst>
+              </a:blip>
+              <a:srcRect/>
+              <a:stretch>
+                <a:fillRect/>
+              </a:stretch>
+            </p:blipFill>
+            <p:spPr bwMode="auto">
+              <a:xfrm>
+                <a:off x="5932289" y="4987924"/>
+                <a:ext cx="554235" cy="554235"/>
+              </a:xfrm>
+              <a:prstGeom prst="rect">
+                <a:avLst/>
+              </a:prstGeom>
+              <a:noFill/>
+            </p:spPr>
+          </p:pic>
+          <p:pic>
+            <p:nvPicPr>
+              <p:cNvPr id="89" name="Grafik 88"/>
+              <p:cNvPicPr>
+                <a:picLocks noChangeAspect="1"/>
+              </p:cNvPicPr>
+              <p:nvPr/>
+            </p:nvPicPr>
+            <p:blipFill rotWithShape="1">
+              <a:blip r:embed="rId25" cstate="print">
+                <a:extLst>
+                  <a:ext uri="{28A0092B-C50C-407E-A947-70E740481C1C}">
+                    <a14:useLocalDpi xmlns:a14="http://schemas.microsoft.com/office/drawing/2010/main" val="0"/>
+                  </a:ext>
+                </a:extLst>
+              </a:blip>
+              <a:srcRect l="20002" t="30011" r="18445" b="12840"/>
+              <a:stretch/>
+            </p:blipFill>
+            <p:spPr>
+              <a:xfrm>
+                <a:off x="7088465" y="4834081"/>
+                <a:ext cx="527905" cy="490126"/>
+              </a:xfrm>
+              <a:prstGeom prst="rect">
+                <a:avLst/>
+              </a:prstGeom>
+            </p:spPr>
+          </p:pic>
+        </p:grpSp>
+        <p:sp>
+          <p:nvSpPr>
+            <p:cNvPr id="84" name="TextBox 94"/>
+            <p:cNvSpPr txBox="1"/>
+            <p:nvPr/>
+          </p:nvSpPr>
+          <p:spPr>
+            <a:xfrm>
+              <a:off x="5871493" y="5433318"/>
+              <a:ext cx="1802625" cy="259156"/>
+            </a:xfrm>
+            <a:prstGeom prst="rect">
+              <a:avLst/>
+            </a:prstGeom>
+            <a:noFill/>
+          </p:spPr>
+          <p:txBody>
+            <a:bodyPr wrap="square" rtlCol="0">
+              <a:spAutoFit/>
+            </a:bodyPr>
+            <a:lstStyle/>
+            <a:p>
+              <a:pPr algn="ctr"/>
+              <a:r>
+                <a:rPr lang="en-GB" sz="1400" dirty="0"/>
+                <a:t>Context and Properties</a:t>
+              </a:r>
+              <a:endParaRPr lang="de-DE" sz="1400" dirty="0"/>
+            </a:p>
+          </p:txBody>
+        </p:sp>
+      </p:grpSp>
       <p:cxnSp>
         <p:nvCxnSpPr>
-          <p:cNvPr id="208" name="Gewinkelte Verbindung 20"/>
+          <p:cNvPr id="91" name="Gerade Verbindung mit Pfeil 90"/>
           <p:cNvCxnSpPr>
             <a:cxnSpLocks/>
-            <a:stCxn id="136" idx="1"/>
+            <a:stCxn id="65" idx="3"/>
+            <a:endCxn id="92" idx="1"/>
           </p:cNvCxnSpPr>
           <p:nvPr/>
         </p:nvCxnSpPr>
         <p:spPr>
-          <a:xfrm rot="10800000" flipV="1">
-            <a:off x="1291235" y="5853670"/>
-            <a:ext cx="2383062" cy="4144"/>
+          <a:xfrm flipV="1">
+            <a:off x="1864646" y="3777857"/>
+            <a:ext cx="863924" cy="2547"/>
           </a:xfrm>
-          <a:prstGeom prst="bentConnector3">
-            <a:avLst>
-              <a:gd name="adj1" fmla="val 50000"/>
-            </a:avLst>
+          <a:prstGeom prst="straightConnector1">
+            <a:avLst/>
           </a:prstGeom>
-          <a:ln w="57150">
+          <a:ln w="38100">
             <a:solidFill>
               <a:schemeClr val="accent1">
                 <a:lumMod val="50000"/>
@@ -12944,248 +13030,107 @@
           </a:fontRef>
         </p:style>
       </p:cxnSp>
-      <p:grpSp>
-        <p:nvGrpSpPr>
-          <p:cNvPr id="142" name="Gruppieren 141"/>
-          <p:cNvGrpSpPr/>
+      <p:cxnSp>
+        <p:nvCxnSpPr>
+          <p:cNvPr id="94" name="Gerade Verbindung mit Pfeil 93"/>
+          <p:cNvCxnSpPr>
+            <a:cxnSpLocks/>
+            <a:stCxn id="62" idx="3"/>
+            <a:endCxn id="41" idx="1"/>
+          </p:cNvCxnSpPr>
           <p:nvPr/>
-        </p:nvGrpSpPr>
-        <p:grpSpPr>
-          <a:xfrm>
-            <a:off x="3674297" y="5261942"/>
-            <a:ext cx="2354451" cy="1255443"/>
-            <a:chOff x="5906520" y="5648127"/>
-            <a:chExt cx="1684080" cy="897987"/>
+        </p:nvCxnSpPr>
+        <p:spPr>
+          <a:xfrm flipV="1">
+            <a:off x="2047149" y="2373355"/>
+            <a:ext cx="5279912" cy="2952"/>
           </a:xfrm>
-        </p:grpSpPr>
-        <p:pic>
-          <p:nvPicPr>
-            <p:cNvPr id="134" name="Grafik 133" descr="Netzwerk"/>
-            <p:cNvPicPr>
-              <a:picLocks noChangeAspect="1"/>
-            </p:cNvPicPr>
-            <p:nvPr/>
-          </p:nvPicPr>
-          <p:blipFill>
-            <a:blip r:embed="rId17" cstate="print">
-              <a:extLst>
-                <a:ext uri="{28A0092B-C50C-407E-A947-70E740481C1C}">
-                  <a14:useLocalDpi xmlns:a14="http://schemas.microsoft.com/office/drawing/2010/main" val="0"/>
-                </a:ext>
-                <a:ext uri="{96DAC541-7B7A-43D3-8B79-37D633B846F1}">
-                  <asvg:svgBlip xmlns:asvg="http://schemas.microsoft.com/office/drawing/2016/SVG/main" xmlns="" r:embed="rId18"/>
-                </a:ext>
-              </a:extLst>
-            </a:blip>
-            <a:stretch>
-              <a:fillRect/>
-            </a:stretch>
-          </p:blipFill>
-          <p:spPr>
-            <a:xfrm rot="20111766">
-              <a:off x="6249197" y="5799850"/>
-              <a:ext cx="746264" cy="746264"/>
-            </a:xfrm>
-            <a:prstGeom prst="rect">
-              <a:avLst/>
-            </a:prstGeom>
-          </p:spPr>
-        </p:pic>
-        <p:pic>
-          <p:nvPicPr>
-            <p:cNvPr id="135" name="Grafik 134" descr="Benutzer"/>
-            <p:cNvPicPr>
-              <a:picLocks noChangeAspect="1"/>
-            </p:cNvPicPr>
-            <p:nvPr/>
-          </p:nvPicPr>
-          <p:blipFill>
-            <a:blip r:embed="rId19" cstate="print">
-              <a:extLst>
-                <a:ext uri="{28A0092B-C50C-407E-A947-70E740481C1C}">
-                  <a14:useLocalDpi xmlns:a14="http://schemas.microsoft.com/office/drawing/2010/main" val="0"/>
-                </a:ext>
-                <a:ext uri="{96DAC541-7B7A-43D3-8B79-37D633B846F1}">
-                  <asvg:svgBlip xmlns:asvg="http://schemas.microsoft.com/office/drawing/2016/SVG/main" xmlns="" r:embed="rId7"/>
-                </a:ext>
-              </a:extLst>
-            </a:blip>
-            <a:stretch>
-              <a:fillRect/>
-            </a:stretch>
-          </p:blipFill>
-          <p:spPr>
-            <a:xfrm>
-              <a:off x="6636436" y="5676473"/>
-              <a:ext cx="505454" cy="505454"/>
-            </a:xfrm>
-            <a:prstGeom prst="rect">
-              <a:avLst/>
-            </a:prstGeom>
-          </p:spPr>
-        </p:pic>
-        <p:pic>
-          <p:nvPicPr>
-            <p:cNvPr id="136" name="Picture 4" descr="City hall building Free Icon"/>
-            <p:cNvPicPr>
-              <a:picLocks noChangeAspect="1" noChangeArrowheads="1"/>
-            </p:cNvPicPr>
-            <p:nvPr/>
-          </p:nvPicPr>
-          <p:blipFill>
-            <a:blip r:embed="rId20" cstate="print">
-              <a:extLst>
-                <a:ext uri="{BEBA8EAE-BF5A-486C-A8C5-ECC9F3942E4B}">
-                  <a14:imgProps xmlns:a14="http://schemas.microsoft.com/office/drawing/2010/main">
-                    <a14:imgLayer r:embed="rId21">
-                      <a14:imgEffect>
-                        <a14:backgroundRemoval t="9425" b="94089" l="0" r="100000">
-                          <a14:foregroundMark x1="5272" y1="63419" x2="5272" y2="63419"/>
-                          <a14:foregroundMark x1="40096" y1="85144" x2="40096" y2="85144"/>
-                          <a14:foregroundMark x1="87700" y1="79233" x2="87700" y2="79233"/>
-                        </a14:backgroundRemoval>
-                      </a14:imgEffect>
-                    </a14:imgLayer>
-                  </a14:imgProps>
-                </a:ext>
-                <a:ext uri="{28A0092B-C50C-407E-A947-70E740481C1C}">
-                  <a14:useLocalDpi xmlns:a14="http://schemas.microsoft.com/office/drawing/2010/main" val="0"/>
-                </a:ext>
-              </a:extLst>
-            </a:blip>
-            <a:srcRect/>
-            <a:stretch>
-              <a:fillRect/>
-            </a:stretch>
-          </p:blipFill>
-          <p:spPr bwMode="auto">
-            <a:xfrm>
-              <a:off x="5906520" y="5798796"/>
-              <a:ext cx="545158" cy="545158"/>
-            </a:xfrm>
-            <a:prstGeom prst="rect">
-              <a:avLst/>
-            </a:prstGeom>
-            <a:noFill/>
-          </p:spPr>
-        </p:pic>
-        <p:pic>
-          <p:nvPicPr>
-            <p:cNvPr id="137" name="Grafik 136"/>
-            <p:cNvPicPr>
-              <a:picLocks noChangeAspect="1"/>
-            </p:cNvPicPr>
-            <p:nvPr/>
-          </p:nvPicPr>
-          <p:blipFill rotWithShape="1">
-            <a:blip r:embed="rId22" cstate="print">
-              <a:extLst>
-                <a:ext uri="{28A0092B-C50C-407E-A947-70E740481C1C}">
-                  <a14:useLocalDpi xmlns:a14="http://schemas.microsoft.com/office/drawing/2010/main" val="0"/>
-                </a:ext>
-              </a:extLst>
-            </a:blip>
-            <a:srcRect l="20002" t="30011" r="18445" b="12840"/>
-            <a:stretch/>
-          </p:blipFill>
-          <p:spPr>
-            <a:xfrm>
-              <a:off x="7062695" y="5648127"/>
-              <a:ext cx="527905" cy="490126"/>
-            </a:xfrm>
-            <a:prstGeom prst="rect">
-              <a:avLst/>
-            </a:prstGeom>
-          </p:spPr>
-        </p:pic>
-      </p:grpSp>
-      <p:pic>
-        <p:nvPicPr>
-          <p:cNvPr id="128" name="Grafik 127" descr="Filter"/>
-          <p:cNvPicPr>
-            <a:picLocks noChangeAspect="1"/>
-          </p:cNvPicPr>
-          <p:nvPr/>
-        </p:nvPicPr>
-        <p:blipFill>
-          <a:blip r:embed="rId23" cstate="print">
-            <a:extLst>
-              <a:ext uri="{28A0092B-C50C-407E-A947-70E740481C1C}">
-                <a14:useLocalDpi xmlns:a14="http://schemas.microsoft.com/office/drawing/2010/main" val="0"/>
-              </a:ext>
-              <a:ext uri="{96DAC541-7B7A-43D3-8B79-37D633B846F1}">
-                <asvg:svgBlip xmlns:asvg="http://schemas.microsoft.com/office/drawing/2016/SVG/main" xmlns="" r:embed="rId24"/>
-              </a:ext>
-            </a:extLst>
-          </a:blip>
-          <a:stretch>
-            <a:fillRect/>
-          </a:stretch>
-        </p:blipFill>
-        <p:spPr>
-          <a:xfrm>
-            <a:off x="3652935" y="4268085"/>
-            <a:ext cx="1606550" cy="826697"/>
-          </a:xfrm>
-          <a:prstGeom prst="rect">
+          <a:prstGeom prst="straightConnector1">
             <a:avLst/>
           </a:prstGeom>
+          <a:ln w="38100">
+            <a:solidFill>
+              <a:schemeClr val="accent1">
+                <a:lumMod val="50000"/>
+              </a:schemeClr>
+            </a:solidFill>
+            <a:tailEnd type="triangle"/>
+          </a:ln>
         </p:spPr>
-      </p:pic>
-      <p:pic>
-        <p:nvPicPr>
-          <p:cNvPr id="213" name="Grafik 212" descr="Prüfliste"/>
-          <p:cNvPicPr>
-            <a:picLocks noChangeAspect="1"/>
-          </p:cNvPicPr>
-          <p:nvPr/>
-        </p:nvPicPr>
-        <p:blipFill>
-          <a:blip r:embed="rId25" cstate="print">
-            <a:extLst>
-              <a:ext uri="{28A0092B-C50C-407E-A947-70E740481C1C}">
-                <a14:useLocalDpi xmlns:a14="http://schemas.microsoft.com/office/drawing/2010/main" val="0"/>
-              </a:ext>
-              <a:ext uri="{96DAC541-7B7A-43D3-8B79-37D633B846F1}">
-                <asvg:svgBlip xmlns:asvg="http://schemas.microsoft.com/office/drawing/2016/SVG/main" xmlns="" r:embed="rId26"/>
-              </a:ext>
-            </a:extLst>
-          </a:blip>
-          <a:stretch>
-            <a:fillRect/>
-          </a:stretch>
-        </p:blipFill>
-        <p:spPr>
-          <a:xfrm>
-            <a:off x="1116174" y="4262421"/>
-            <a:ext cx="832361" cy="832361"/>
-          </a:xfrm>
-          <a:prstGeom prst="rect">
-            <a:avLst/>
-          </a:prstGeom>
-        </p:spPr>
-      </p:pic>
+        <p:style>
+          <a:lnRef idx="1">
+            <a:schemeClr val="accent1"/>
+          </a:lnRef>
+          <a:fillRef idx="0">
+            <a:schemeClr val="accent1"/>
+          </a:fillRef>
+          <a:effectRef idx="0">
+            <a:schemeClr val="accent1"/>
+          </a:effectRef>
+          <a:fontRef idx="minor">
+            <a:schemeClr val="tx1"/>
+          </a:fontRef>
+        </p:style>
+      </p:cxnSp>
       <p:cxnSp>
         <p:nvCxnSpPr>
-          <p:cNvPr id="214" name="Gewinkelte Verbindung 20"/>
+          <p:cNvPr id="97" name="Gerade Verbindung mit Pfeil 96"/>
           <p:cNvCxnSpPr>
             <a:cxnSpLocks/>
-            <a:stCxn id="213" idx="3"/>
-            <a:endCxn id="128" idx="1"/>
           </p:cNvCxnSpPr>
           <p:nvPr/>
         </p:nvCxnSpPr>
         <p:spPr>
           <a:xfrm>
-            <a:off x="1948535" y="4678602"/>
-            <a:ext cx="1704400" cy="2832"/>
+            <a:off x="1850610" y="4653869"/>
+            <a:ext cx="1974603" cy="1"/>
           </a:xfrm>
-          <a:prstGeom prst="bentConnector3">
-            <a:avLst>
-              <a:gd name="adj1" fmla="val 50000"/>
-            </a:avLst>
+          <a:prstGeom prst="straightConnector1">
+            <a:avLst/>
           </a:prstGeom>
-          <a:ln w="57150">
+          <a:ln w="38100">
+            <a:solidFill>
+              <a:schemeClr val="accent1">
+                <a:lumMod val="50000"/>
+              </a:schemeClr>
+            </a:solidFill>
+            <a:tailEnd type="triangle"/>
+          </a:ln>
+        </p:spPr>
+        <p:style>
+          <a:lnRef idx="1">
+            <a:schemeClr val="accent1"/>
+          </a:lnRef>
+          <a:fillRef idx="0">
+            <a:schemeClr val="accent1"/>
+          </a:fillRef>
+          <a:effectRef idx="0">
+            <a:schemeClr val="accent1"/>
+          </a:effectRef>
+          <a:fontRef idx="minor">
+            <a:schemeClr val="tx1"/>
+          </a:fontRef>
+        </p:style>
+      </p:cxnSp>
+      <p:cxnSp>
+        <p:nvCxnSpPr>
+          <p:cNvPr id="100" name="Gerade Verbindung mit Pfeil 99"/>
+          <p:cNvCxnSpPr>
+            <a:cxnSpLocks/>
+            <a:stCxn id="114" idx="1"/>
+            <a:endCxn id="120" idx="3"/>
+          </p:cNvCxnSpPr>
+          <p:nvPr/>
+        </p:nvCxnSpPr>
+        <p:spPr>
+          <a:xfrm flipH="1">
+            <a:off x="5430981" y="3778632"/>
+            <a:ext cx="349730" cy="3235"/>
+          </a:xfrm>
+          <a:prstGeom prst="straightConnector1">
+            <a:avLst/>
+          </a:prstGeom>
+          <a:ln w="38100">
             <a:solidFill>
               <a:schemeClr val="accent1">
                 <a:lumMod val="50000"/>
@@ -13253,7 +13198,7 @@
                                           </p:stCondLst>
                                         </p:cTn>
                                         <p:tgtEl>
-                                          <p:spTgt spid="70"/>
+                                          <p:spTgt spid="64"/>
                                         </p:tgtEl>
                                         <p:attrNameLst>
                                           <p:attrName>style.visibility</p:attrName>
@@ -13280,7 +13225,7 @@
                                           </p:stCondLst>
                                         </p:cTn>
                                         <p:tgtEl>
-                                          <p:spTgt spid="69"/>
+                                          <p:spTgt spid="70"/>
                                         </p:tgtEl>
                                         <p:attrNameLst>
                                           <p:attrName>style.visibility</p:attrName>
@@ -13307,7 +13252,7 @@
                                           </p:stCondLst>
                                         </p:cTn>
                                         <p:tgtEl>
-                                          <p:spTgt spid="64"/>
+                                          <p:spTgt spid="69"/>
                                         </p:tgtEl>
                                         <p:attrNameLst>
                                           <p:attrName>style.visibility</p:attrName>
@@ -13334,7 +13279,7 @@
                                           </p:stCondLst>
                                         </p:cTn>
                                         <p:tgtEl>
-                                          <p:spTgt spid="115"/>
+                                          <p:spTgt spid="13"/>
                                         </p:tgtEl>
                                         <p:attrNameLst>
                                           <p:attrName>style.visibility</p:attrName>
@@ -13361,7 +13306,7 @@
                                           </p:stCondLst>
                                         </p:cTn>
                                         <p:tgtEl>
-                                          <p:spTgt spid="63"/>
+                                          <p:spTgt spid="115"/>
                                         </p:tgtEl>
                                         <p:attrNameLst>
                                           <p:attrName>style.visibility</p:attrName>
@@ -13388,7 +13333,7 @@
                                           </p:stCondLst>
                                         </p:cTn>
                                         <p:tgtEl>
-                                          <p:spTgt spid="114"/>
+                                          <p:spTgt spid="25"/>
                                         </p:tgtEl>
                                         <p:attrNameLst>
                                           <p:attrName>style.visibility</p:attrName>
@@ -13460,7 +13405,7 @@
                                           </p:stCondLst>
                                         </p:cTn>
                                         <p:tgtEl>
-                                          <p:spTgt spid="77"/>
+                                          <p:spTgt spid="9"/>
                                         </p:tgtEl>
                                         <p:attrNameLst>
                                           <p:attrName>style.visibility</p:attrName>
@@ -13487,7 +13432,7 @@
                                           </p:stCondLst>
                                         </p:cTn>
                                         <p:tgtEl>
-                                          <p:spTgt spid="93"/>
+                                          <p:spTgt spid="20"/>
                                         </p:tgtEl>
                                         <p:attrNameLst>
                                           <p:attrName>style.visibility</p:attrName>
@@ -13514,7 +13459,7 @@
                                           </p:stCondLst>
                                         </p:cTn>
                                         <p:tgtEl>
-                                          <p:spTgt spid="92"/>
+                                          <p:spTgt spid="91"/>
                                         </p:tgtEl>
                                         <p:attrNameLst>
                                           <p:attrName>style.visibility</p:attrName>
@@ -13559,7 +13504,7 @@
                                           </p:stCondLst>
                                         </p:cTn>
                                         <p:tgtEl>
-                                          <p:spTgt spid="120"/>
+                                          <p:spTgt spid="24"/>
                                         </p:tgtEl>
                                         <p:attrNameLst>
                                           <p:attrName>style.visibility</p:attrName>
@@ -13586,7 +13531,7 @@
                                           </p:stCondLst>
                                         </p:cTn>
                                         <p:tgtEl>
-                                          <p:spTgt spid="111"/>
+                                          <p:spTgt spid="147"/>
                                         </p:tgtEl>
                                         <p:attrNameLst>
                                           <p:attrName>style.visibility</p:attrName>
@@ -13613,34 +13558,7 @@
                                           </p:stCondLst>
                                         </p:cTn>
                                         <p:tgtEl>
-                                          <p:spTgt spid="147"/>
-                                        </p:tgtEl>
-                                        <p:attrNameLst>
-                                          <p:attrName>style.visibility</p:attrName>
-                                        </p:attrNameLst>
-                                      </p:cBhvr>
-                                      <p:to>
-                                        <p:strVal val="visible"/>
-                                      </p:to>
-                                    </p:set>
-                                  </p:childTnLst>
-                                </p:cTn>
-                              </p:par>
-                              <p:par>
-                                <p:cTn id="35" presetID="1" presetClass="entr" presetSubtype="0" fill="hold" nodeType="withEffect">
-                                  <p:stCondLst>
-                                    <p:cond delay="0"/>
-                                  </p:stCondLst>
-                                  <p:childTnLst>
-                                    <p:set>
-                                      <p:cBhvr>
-                                        <p:cTn id="36" dur="1" fill="hold">
-                                          <p:stCondLst>
-                                            <p:cond delay="0"/>
-                                          </p:stCondLst>
-                                        </p:cTn>
-                                        <p:tgtEl>
-                                          <p:spTgt spid="122"/>
+                                          <p:spTgt spid="100"/>
                                         </p:tgtEl>
                                         <p:attrNameLst>
                                           <p:attrName>style.visibility</p:attrName>
@@ -13660,19 +13578,46 @@
                     </p:cTn>
                   </p:par>
                   <p:par>
-                    <p:cTn id="37" fill="hold">
+                    <p:cTn id="35" fill="hold">
                       <p:stCondLst>
                         <p:cond delay="indefinite"/>
                       </p:stCondLst>
                       <p:childTnLst>
                         <p:par>
-                          <p:cTn id="38" fill="hold">
+                          <p:cTn id="36" fill="hold">
                             <p:stCondLst>
                               <p:cond delay="0"/>
                             </p:stCondLst>
                             <p:childTnLst>
                               <p:par>
-                                <p:cTn id="39" presetID="1" presetClass="entr" presetSubtype="0" fill="hold" nodeType="clickEffect">
+                                <p:cTn id="37" presetID="1" presetClass="entr" presetSubtype="0" fill="hold" nodeType="clickEffect">
+                                  <p:stCondLst>
+                                    <p:cond delay="0"/>
+                                  </p:stCondLst>
+                                  <p:childTnLst>
+                                    <p:set>
+                                      <p:cBhvr>
+                                        <p:cTn id="38" dur="1" fill="hold">
+                                          <p:stCondLst>
+                                            <p:cond delay="0"/>
+                                          </p:stCondLst>
+                                        </p:cTn>
+                                        <p:tgtEl>
+                                          <p:spTgt spid="51"/>
+                                        </p:tgtEl>
+                                        <p:attrNameLst>
+                                          <p:attrName>style.visibility</p:attrName>
+                                        </p:attrNameLst>
+                                      </p:cBhvr>
+                                      <p:to>
+                                        <p:strVal val="visible"/>
+                                      </p:to>
+                                    </p:set>
+                                  </p:childTnLst>
+                                </p:cTn>
+                              </p:par>
+                              <p:par>
+                                <p:cTn id="39" presetID="1" presetClass="entr" presetSubtype="0" fill="hold" nodeType="withEffect">
                                   <p:stCondLst>
                                     <p:cond delay="0"/>
                                   </p:stCondLst>
@@ -13712,7 +13657,7 @@
                                           </p:stCondLst>
                                         </p:cTn>
                                         <p:tgtEl>
-                                          <p:spTgt spid="156"/>
+                                          <p:spTgt spid="97"/>
                                         </p:tgtEl>
                                         <p:attrNameLst>
                                           <p:attrName>style.visibility</p:attrName>
@@ -13725,35 +13670,26 @@
                                   </p:childTnLst>
                                 </p:cTn>
                               </p:par>
+                            </p:childTnLst>
+                          </p:cTn>
+                        </p:par>
+                      </p:childTnLst>
+                    </p:cTn>
+                  </p:par>
+                  <p:par>
+                    <p:cTn id="43" fill="hold">
+                      <p:stCondLst>
+                        <p:cond delay="indefinite"/>
+                      </p:stCondLst>
+                      <p:childTnLst>
+                        <p:par>
+                          <p:cTn id="44" fill="hold">
+                            <p:stCondLst>
+                              <p:cond delay="0"/>
+                            </p:stCondLst>
+                            <p:childTnLst>
                               <p:par>
-                                <p:cTn id="43" presetID="1" presetClass="entr" presetSubtype="0" fill="hold" nodeType="withEffect">
-                                  <p:stCondLst>
-                                    <p:cond delay="0"/>
-                                  </p:stCondLst>
-                                  <p:childTnLst>
-                                    <p:set>
-                                      <p:cBhvr>
-                                        <p:cTn id="44" dur="1" fill="hold">
-                                          <p:stCondLst>
-                                            <p:cond delay="0"/>
-                                          </p:stCondLst>
-                                        </p:cTn>
-                                        <p:tgtEl>
-                                          <p:spTgt spid="142"/>
-                                        </p:tgtEl>
-                                        <p:attrNameLst>
-                                          <p:attrName>style.visibility</p:attrName>
-                                        </p:attrNameLst>
-                                      </p:cBhvr>
-                                      <p:to>
-                                        <p:strVal val="visible"/>
-                                      </p:to>
-                                    </p:set>
-                                  </p:childTnLst>
-                                </p:cTn>
-                              </p:par>
-                              <p:par>
-                                <p:cTn id="45" presetID="1" presetClass="entr" presetSubtype="0" fill="hold" nodeType="withEffect">
+                                <p:cTn id="45" presetID="1" presetClass="entr" presetSubtype="0" fill="hold" nodeType="clickEffect">
                                   <p:stCondLst>
                                     <p:cond delay="0"/>
                                   </p:stCondLst>
@@ -13766,7 +13702,7 @@
                                           </p:stCondLst>
                                         </p:cTn>
                                         <p:tgtEl>
-                                          <p:spTgt spid="208"/>
+                                          <p:spTgt spid="156"/>
                                         </p:tgtEl>
                                         <p:attrNameLst>
                                           <p:attrName>style.visibility</p:attrName>
@@ -13793,34 +13729,7 @@
                                           </p:stCondLst>
                                         </p:cTn>
                                         <p:tgtEl>
-                                          <p:spTgt spid="214"/>
-                                        </p:tgtEl>
-                                        <p:attrNameLst>
-                                          <p:attrName>style.visibility</p:attrName>
-                                        </p:attrNameLst>
-                                      </p:cBhvr>
-                                      <p:to>
-                                        <p:strVal val="visible"/>
-                                      </p:to>
-                                    </p:set>
-                                  </p:childTnLst>
-                                </p:cTn>
-                              </p:par>
-                              <p:par>
-                                <p:cTn id="49" presetID="1" presetClass="entr" presetSubtype="0" fill="hold" nodeType="withEffect">
-                                  <p:stCondLst>
-                                    <p:cond delay="0"/>
-                                  </p:stCondLst>
-                                  <p:childTnLst>
-                                    <p:set>
-                                      <p:cBhvr>
-                                        <p:cTn id="50" dur="1" fill="hold">
-                                          <p:stCondLst>
-                                            <p:cond delay="0"/>
-                                          </p:stCondLst>
-                                        </p:cTn>
-                                        <p:tgtEl>
-                                          <p:spTgt spid="213"/>
+                                          <p:spTgt spid="72"/>
                                         </p:tgtEl>
                                         <p:attrNameLst>
                                           <p:attrName>style.visibility</p:attrName>
@@ -13949,12 +13858,8 @@
               <a:buNone/>
             </a:pPr>
             <a:r>
-              <a:rPr lang="en-GB" sz="1400" dirty="0" smtClean="0"/>
-              <a:t>Retrieves </a:t>
-            </a:r>
-            <a:r>
               <a:rPr lang="en-GB" sz="1400" dirty="0"/>
-              <a:t>named entities</a:t>
+              <a:t>Retrieves named entities</a:t>
             </a:r>
           </a:p>
           <a:p>
@@ -14009,13 +13914,7 @@
               <a:rPr lang="de-DE" sz="1400" dirty="0">
                 <a:hlinkClick r:id="rId3"/>
               </a:rPr>
-              <a:t>https://</a:t>
-            </a:r>
-            <a:r>
-              <a:rPr lang="de-DE" sz="1400" dirty="0" smtClean="0">
-                <a:hlinkClick r:id="rId3"/>
-              </a:rPr>
-              <a:t>localhost:8443/RetrieveAvailableProperties</a:t>
+              <a:t>https://localhost:8443/RetrieveAvailableProperties</a:t>
             </a:r>
             <a:endParaRPr lang="de-DE" sz="1400" dirty="0"/>
           </a:p>
@@ -14024,12 +13923,8 @@
               <a:buNone/>
             </a:pPr>
             <a:r>
-              <a:rPr lang="en-GB" sz="1400" dirty="0" smtClean="0"/>
-              <a:t>Retrieves </a:t>
-            </a:r>
-            <a:r>
               <a:rPr lang="en-GB" sz="1400" dirty="0"/>
-              <a:t>available properties per entity type</a:t>
+              <a:t>Retrieves available properties per entity type</a:t>
             </a:r>
           </a:p>
           <a:p>
@@ -14110,18 +14005,13 @@
           <a:lstStyle/>
           <a:p>
             <a:r>
-              <a:rPr lang="de-DE" dirty="0" smtClean="0">
+              <a:rPr lang="de-DE" dirty="0">
                 <a:solidFill>
                   <a:schemeClr val="tx1"/>
                 </a:solidFill>
               </a:rPr>
               <a:t>Server</a:t>
             </a:r>
-            <a:endParaRPr lang="de-DE" dirty="0">
-              <a:solidFill>
-                <a:schemeClr val="tx1"/>
-              </a:solidFill>
-            </a:endParaRPr>
           </a:p>
         </p:txBody>
       </p:sp>
@@ -14169,18 +14059,13 @@
           <a:lstStyle/>
           <a:p>
             <a:r>
-              <a:rPr lang="de-DE" dirty="0" smtClean="0">
+              <a:rPr lang="de-DE" dirty="0">
                 <a:solidFill>
                   <a:schemeClr val="tx1"/>
                 </a:solidFill>
               </a:rPr>
               <a:t>Chrome extension</a:t>
             </a:r>
-            <a:endParaRPr lang="de-DE" dirty="0">
-              <a:solidFill>
-                <a:schemeClr val="tx1"/>
-              </a:solidFill>
-            </a:endParaRPr>
           </a:p>
         </p:txBody>
       </p:sp>
@@ -14289,7 +14174,7 @@
           <a:p>
             <a:pPr algn="ctr"/>
             <a:r>
-              <a:rPr lang="en-GB" dirty="0" smtClean="0"/>
+              <a:rPr lang="en-GB" dirty="0"/>
               <a:t>1</a:t>
             </a:r>
             <a:endParaRPr lang="de-DE" dirty="0"/>
@@ -14333,7 +14218,7 @@
           <a:p>
             <a:pPr algn="ctr"/>
             <a:r>
-              <a:rPr lang="en-GB" dirty="0" smtClean="0"/>
+              <a:rPr lang="en-GB" dirty="0"/>
               <a:t>2</a:t>
             </a:r>
             <a:endParaRPr lang="de-DE" dirty="0"/>
@@ -14607,7 +14492,7 @@
                   <a14:useLocalDpi xmlns:a14="http://schemas.microsoft.com/office/drawing/2010/main" val="0"/>
                 </a:ext>
                 <a:ext uri="{96DAC541-7B7A-43D3-8B79-37D633B846F1}">
-                  <asvg:svgBlip xmlns:asvg="http://schemas.microsoft.com/office/drawing/2016/SVG/main" xmlns="" r:embed="rId16"/>
+                  <asvg:svgBlip xmlns:asvg="http://schemas.microsoft.com/office/drawing/2016/SVG/main" r:embed="rId3"/>
                 </a:ext>
               </a:extLst>
             </a:blip>
@@ -14634,7 +14519,7 @@
             <p:nvPr/>
           </p:nvPicPr>
           <p:blipFill>
-            <a:blip r:embed="rId17"/>
+            <a:blip r:embed="rId4"/>
             <a:stretch>
               <a:fillRect/>
             </a:stretch>
@@ -14692,18 +14577,13 @@
           <a:lstStyle/>
           <a:p>
             <a:r>
-              <a:rPr lang="de-DE" dirty="0" smtClean="0">
+              <a:rPr lang="de-DE" dirty="0">
                 <a:solidFill>
                   <a:schemeClr val="tx1"/>
                 </a:solidFill>
               </a:rPr>
               <a:t>Browser</a:t>
             </a:r>
-            <a:endParaRPr lang="de-DE" dirty="0">
-              <a:solidFill>
-                <a:schemeClr val="tx1"/>
-              </a:solidFill>
-            </a:endParaRPr>
           </a:p>
         </p:txBody>
       </p:sp>
@@ -14751,18 +14631,13 @@
           <a:lstStyle/>
           <a:p>
             <a:r>
-              <a:rPr lang="de-DE" dirty="0" smtClean="0">
+              <a:rPr lang="de-DE" dirty="0">
                 <a:solidFill>
                   <a:schemeClr val="tx1"/>
                 </a:solidFill>
               </a:rPr>
               <a:t>Server</a:t>
             </a:r>
-            <a:endParaRPr lang="de-DE" dirty="0">
-              <a:solidFill>
-                <a:schemeClr val="tx1"/>
-              </a:solidFill>
-            </a:endParaRPr>
           </a:p>
         </p:txBody>
       </p:sp>
@@ -14892,7 +14767,7 @@
           <a:p>
             <a:pPr algn="ctr"/>
             <a:r>
-              <a:rPr lang="en-GB" sz="1200" dirty="0" smtClean="0"/>
+              <a:rPr lang="en-GB" sz="1200" dirty="0"/>
               <a:t>Website</a:t>
             </a:r>
             <a:endParaRPr lang="de-DE" sz="1200" dirty="0"/>
@@ -14922,7 +14797,7 @@
             <p:nvPr/>
           </p:nvPicPr>
           <p:blipFill rotWithShape="1">
-            <a:blip r:embed="rId18" cstate="print">
+            <a:blip r:embed="rId5" cstate="print">
               <a:extLst>
                 <a:ext uri="{28A0092B-C50C-407E-A947-70E740481C1C}">
                   <a14:useLocalDpi xmlns:a14="http://schemas.microsoft.com/office/drawing/2010/main" val="0"/>
@@ -14979,7 +14854,7 @@
             <a:p>
               <a:pPr algn="ctr"/>
               <a:r>
-                <a:rPr lang="en-GB" sz="1200" dirty="0" smtClean="0"/>
+                <a:rPr lang="en-GB" sz="1200" dirty="0"/>
                 <a:t>Content</a:t>
               </a:r>
               <a:endParaRPr lang="de-DE" sz="1200" dirty="0"/>
@@ -15010,13 +14885,13 @@
             <p:nvPr/>
           </p:nvPicPr>
           <p:blipFill>
-            <a:blip r:embed="rId19" cstate="print">
+            <a:blip r:embed="rId6" cstate="print">
               <a:extLst>
                 <a:ext uri="{28A0092B-C50C-407E-A947-70E740481C1C}">
                   <a14:useLocalDpi xmlns:a14="http://schemas.microsoft.com/office/drawing/2010/main" val="0"/>
                 </a:ext>
                 <a:ext uri="{96DAC541-7B7A-43D3-8B79-37D633B846F1}">
-                  <asvg:svgBlip xmlns:asvg="http://schemas.microsoft.com/office/drawing/2016/SVG/main" xmlns="" r:embed="rId20"/>
+                  <asvg:svgBlip xmlns:asvg="http://schemas.microsoft.com/office/drawing/2016/SVG/main" r:embed="rId7"/>
                 </a:ext>
               </a:extLst>
             </a:blip>
@@ -15058,7 +14933,7 @@
             <a:p>
               <a:pPr algn="ctr"/>
               <a:r>
-                <a:rPr lang="en-GB" sz="1200" dirty="0" smtClean="0"/>
+                <a:rPr lang="en-GB" sz="1200" dirty="0"/>
                 <a:t>Options</a:t>
               </a:r>
               <a:endParaRPr lang="de-DE" sz="1200" dirty="0"/>
@@ -15123,7 +14998,7 @@
             <p:nvPr/>
           </p:nvPicPr>
           <p:blipFill rotWithShape="1">
-            <a:blip r:embed="rId18" cstate="print">
+            <a:blip r:embed="rId5" cstate="print">
               <a:extLst>
                 <a:ext uri="{28A0092B-C50C-407E-A947-70E740481C1C}">
                   <a14:useLocalDpi xmlns:a14="http://schemas.microsoft.com/office/drawing/2010/main" val="0"/>
@@ -15180,7 +15055,7 @@
             <a:p>
               <a:pPr algn="ctr"/>
               <a:r>
-                <a:rPr lang="en-GB" sz="1200" dirty="0" smtClean="0"/>
+                <a:rPr lang="en-GB" sz="1200" dirty="0"/>
                 <a:t>Content</a:t>
               </a:r>
               <a:endParaRPr lang="de-DE" sz="1200" dirty="0"/>
@@ -15456,7 +15331,7 @@
                 <a:buNone/>
               </a:pPr>
               <a:r>
-                <a:rPr lang="en-GB" sz="1200" dirty="0" smtClean="0"/>
+                <a:rPr lang="en-GB" sz="1200" dirty="0"/>
                 <a:t>Generate button</a:t>
               </a:r>
               <a:endParaRPr lang="de-DE" sz="1200" dirty="0"/>
@@ -15472,7 +15347,7 @@
             <p:nvPr/>
           </p:nvPicPr>
           <p:blipFill>
-            <a:blip r:embed="rId21" cstate="print">
+            <a:blip r:embed="rId8" cstate="print">
               <a:extLst>
                 <a:ext uri="{28A0092B-C50C-407E-A947-70E740481C1C}">
                   <a14:useLocalDpi xmlns:a14="http://schemas.microsoft.com/office/drawing/2010/main" val="0"/>
@@ -15773,7 +15648,7 @@
                 <a:buNone/>
               </a:pPr>
               <a:r>
-                <a:rPr lang="en-GB" sz="1200" dirty="0" smtClean="0"/>
+                <a:rPr lang="en-GB" sz="1200" dirty="0"/>
                 <a:t>Background script</a:t>
               </a:r>
               <a:endParaRPr lang="de-DE" sz="1200" dirty="0"/>
@@ -15789,7 +15664,7 @@
             <p:nvPr/>
           </p:nvPicPr>
           <p:blipFill>
-            <a:blip r:embed="rId22" cstate="print">
+            <a:blip r:embed="rId9" cstate="print">
               <a:extLst>
                 <a:ext uri="{28A0092B-C50C-407E-A947-70E740481C1C}">
                   <a14:useLocalDpi xmlns:a14="http://schemas.microsoft.com/office/drawing/2010/main" val="0"/>
@@ -16090,7 +15965,7 @@
                 <a:buNone/>
               </a:pPr>
               <a:r>
-                <a:rPr lang="en-GB" sz="1200" dirty="0" smtClean="0"/>
+                <a:rPr lang="en-GB" sz="1200" dirty="0"/>
                 <a:t>Generate Popup</a:t>
               </a:r>
               <a:endParaRPr lang="de-DE" sz="1200" dirty="0"/>
@@ -16106,7 +15981,7 @@
             <p:nvPr/>
           </p:nvPicPr>
           <p:blipFill>
-            <a:blip r:embed="rId21" cstate="print">
+            <a:blip r:embed="rId8" cstate="print">
               <a:extLst>
                 <a:ext uri="{28A0092B-C50C-407E-A947-70E740481C1C}">
                   <a14:useLocalDpi xmlns:a14="http://schemas.microsoft.com/office/drawing/2010/main" val="0"/>
@@ -16230,11 +16105,11 @@
             <p:nvPr/>
           </p:nvPicPr>
           <p:blipFill>
-            <a:blip r:embed="rId23" cstate="print">
+            <a:blip r:embed="rId10" cstate="print">
               <a:extLst>
                 <a:ext uri="{BEBA8EAE-BF5A-486C-A8C5-ECC9F3942E4B}">
                   <a14:imgProps xmlns:a14="http://schemas.microsoft.com/office/drawing/2010/main">
-                    <a14:imgLayer r:embed="rId24">
+                    <a14:imgLayer r:embed="rId11">
                       <a14:imgEffect>
                         <a14:backgroundRemoval t="9425" b="94089" l="0" r="100000">
                           <a14:foregroundMark x1="5272" y1="63419" x2="5272" y2="63419"/>
@@ -16275,13 +16150,13 @@
             <p:nvPr/>
           </p:nvPicPr>
           <p:blipFill>
-            <a:blip r:embed="rId25" cstate="print">
+            <a:blip r:embed="rId12" cstate="print">
               <a:extLst>
                 <a:ext uri="{28A0092B-C50C-407E-A947-70E740481C1C}">
                   <a14:useLocalDpi xmlns:a14="http://schemas.microsoft.com/office/drawing/2010/main" val="0"/>
                 </a:ext>
                 <a:ext uri="{96DAC541-7B7A-43D3-8B79-37D633B846F1}">
-                  <asvg:svgBlip xmlns:asvg="http://schemas.microsoft.com/office/drawing/2016/SVG/main" xmlns="" r:embed="rId9"/>
+                  <asvg:svgBlip xmlns:asvg="http://schemas.microsoft.com/office/drawing/2016/SVG/main" r:embed="rId13"/>
                 </a:ext>
               </a:extLst>
             </a:blip>
@@ -16323,7 +16198,7 @@
             <a:p>
               <a:pPr algn="ctr"/>
               <a:r>
-                <a:rPr lang="en-GB" sz="1200" dirty="0" smtClean="0"/>
+                <a:rPr lang="en-GB" sz="1200" dirty="0"/>
                 <a:t>Named entities</a:t>
               </a:r>
               <a:endParaRPr lang="de-DE" sz="1200" dirty="0"/>
@@ -16599,7 +16474,7 @@
                 <a:buNone/>
               </a:pPr>
               <a:r>
-                <a:rPr lang="en-GB" sz="1200" dirty="0" smtClean="0"/>
+                <a:rPr lang="en-GB" sz="1200" dirty="0"/>
                 <a:t>JavaScript</a:t>
               </a:r>
               <a:endParaRPr lang="de-DE" sz="1200" dirty="0"/>
@@ -16615,7 +16490,7 @@
             <p:nvPr/>
           </p:nvPicPr>
           <p:blipFill>
-            <a:blip r:embed="rId26" cstate="print">
+            <a:blip r:embed="rId14" cstate="print">
               <a:extLst>
                 <a:ext uri="{28A0092B-C50C-407E-A947-70E740481C1C}">
                   <a14:useLocalDpi xmlns:a14="http://schemas.microsoft.com/office/drawing/2010/main" val="0"/>
@@ -16671,7 +16546,7 @@
             <p:nvPr/>
           </p:nvPicPr>
           <p:blipFill>
-            <a:blip r:embed="rId27" cstate="print">
+            <a:blip r:embed="rId15" cstate="print">
               <a:extLst>
                 <a:ext uri="{28A0092B-C50C-407E-A947-70E740481C1C}">
                   <a14:useLocalDpi xmlns:a14="http://schemas.microsoft.com/office/drawing/2010/main" val="0"/>
@@ -16957,7 +16832,7 @@
                 <a:buNone/>
               </a:pPr>
               <a:r>
-                <a:rPr lang="en-GB" sz="1200" dirty="0" smtClean="0"/>
+                <a:rPr lang="en-GB" sz="1200" dirty="0"/>
                 <a:t>CSS stylesheets</a:t>
               </a:r>
               <a:endParaRPr lang="de-DE" sz="1200" dirty="0"/>
@@ -17175,7 +17050,7 @@
           <a:lstStyle/>
           <a:p>
             <a:r>
-              <a:rPr lang="en-GB" dirty="0" smtClean="0"/>
+              <a:rPr lang="en-GB" dirty="0"/>
               <a:t>Conclusion</a:t>
             </a:r>
             <a:endParaRPr lang="de-DE" dirty="0"/>
@@ -17349,7 +17224,7 @@
           <a:p>
             <a:pPr algn="ctr"/>
             <a:r>
-              <a:rPr lang="en-GB" sz="2400" dirty="0" smtClean="0"/>
+              <a:rPr lang="en-GB" sz="2400" dirty="0"/>
               <a:t>Easy installation </a:t>
             </a:r>
             <a:endParaRPr lang="de-DE" sz="2400" dirty="0"/>
@@ -17647,7 +17522,7 @@
           <a:p>
             <a:pPr algn="ctr"/>
             <a:r>
-              <a:rPr lang="en-GB" sz="2400" dirty="0" smtClean="0"/>
+              <a:rPr lang="en-GB" sz="2400" dirty="0"/>
               <a:t>Extensible architecture</a:t>
             </a:r>
             <a:endParaRPr lang="de-DE" sz="2400" dirty="0"/>
@@ -17683,7 +17558,7 @@
                   <a14:useLocalDpi xmlns:a14="http://schemas.microsoft.com/office/drawing/2010/main" val="0"/>
                 </a:ext>
                 <a:ext uri="{96DAC541-7B7A-43D3-8B79-37D633B846F1}">
-                  <asvg:svgBlip xmlns:asvg="http://schemas.microsoft.com/office/drawing/2016/SVG/main" xmlns="" r:embed="rId17"/>
+                  <asvg:svgBlip xmlns:asvg="http://schemas.microsoft.com/office/drawing/2016/SVG/main" r:embed="rId7"/>
                 </a:ext>
               </a:extLst>
             </a:blip>
@@ -17710,13 +17585,13 @@
             <p:nvPr/>
           </p:nvPicPr>
           <p:blipFill>
-            <a:blip r:embed="rId18" cstate="print">
+            <a:blip r:embed="rId8" cstate="print">
               <a:extLst>
                 <a:ext uri="{28A0092B-C50C-407E-A947-70E740481C1C}">
                   <a14:useLocalDpi xmlns:a14="http://schemas.microsoft.com/office/drawing/2010/main" val="0"/>
                 </a:ext>
                 <a:ext uri="{96DAC541-7B7A-43D3-8B79-37D633B846F1}">
-                  <asvg:svgBlip xmlns:asvg="http://schemas.microsoft.com/office/drawing/2016/SVG/main" xmlns="" r:embed="rId7"/>
+                  <asvg:svgBlip xmlns:asvg="http://schemas.microsoft.com/office/drawing/2016/SVG/main" r:embed="rId9"/>
                 </a:ext>
               </a:extLst>
             </a:blip>
@@ -17743,11 +17618,11 @@
             <p:nvPr/>
           </p:nvPicPr>
           <p:blipFill>
-            <a:blip r:embed="rId19" cstate="print">
+            <a:blip r:embed="rId10" cstate="print">
               <a:extLst>
                 <a:ext uri="{BEBA8EAE-BF5A-486C-A8C5-ECC9F3942E4B}">
                   <a14:imgProps xmlns:a14="http://schemas.microsoft.com/office/drawing/2010/main">
-                    <a14:imgLayer r:embed="rId20">
+                    <a14:imgLayer r:embed="rId11">
                       <a14:imgEffect>
                         <a14:backgroundRemoval t="9425" b="94089" l="0" r="100000">
                           <a14:foregroundMark x1="5272" y1="63419" x2="5272" y2="63419"/>
@@ -17842,7 +17717,7 @@
           <a:lstStyle/>
           <a:p>
             <a:r>
-              <a:rPr lang="en-GB" sz="2400" dirty="0" smtClean="0"/>
+              <a:rPr lang="en-GB" sz="2400" dirty="0"/>
               <a:t>Shows</a:t>
             </a:r>
           </a:p>
@@ -17852,7 +17727,7 @@
               <a:buAutoNum type="arabicPeriod"/>
             </a:pPr>
             <a:r>
-              <a:rPr lang="en-GB" sz="2400" dirty="0" smtClean="0"/>
+              <a:rPr lang="en-GB" sz="2400" dirty="0"/>
               <a:t>Named entities</a:t>
             </a:r>
           </a:p>
@@ -17862,7 +17737,7 @@
               <a:buAutoNum type="arabicPeriod"/>
             </a:pPr>
             <a:r>
-              <a:rPr lang="en-GB" sz="2400" dirty="0" smtClean="0"/>
+              <a:rPr lang="en-GB" sz="2400" dirty="0"/>
               <a:t>Connections</a:t>
             </a:r>
             <a:endParaRPr lang="de-DE" sz="2400" dirty="0"/>
@@ -17893,7 +17768,7 @@
           <a:p>
             <a:pPr algn="ctr"/>
             <a:r>
-              <a:rPr lang="en-GB" sz="2400" dirty="0" smtClean="0"/>
+              <a:rPr lang="en-GB" sz="2400" dirty="0"/>
               <a:t>No Wikipedia lookups!</a:t>
             </a:r>
             <a:endParaRPr lang="de-DE" sz="2400" dirty="0"/>
@@ -17923,7 +17798,7 @@
             <p:nvPr/>
           </p:nvPicPr>
           <p:blipFill>
-            <a:blip r:embed="rId21">
+            <a:blip r:embed="rId12">
               <a:extLst>
                 <a:ext uri="{28A0092B-C50C-407E-A947-70E740481C1C}">
                   <a14:useLocalDpi xmlns:a14="http://schemas.microsoft.com/office/drawing/2010/main" val="0"/>
@@ -18011,13 +17886,6 @@
   <p:clrMapOvr>
     <a:masterClrMapping/>
   </p:clrMapOvr>
-  <p:timing>
-    <p:tnLst>
-      <p:par>
-        <p:cTn id="1" dur="indefinite" restart="never" nodeType="tmRoot"/>
-      </p:par>
-    </p:tnLst>
-  </p:timing>
 </p:sld>
 </file>
 
@@ -18367,7 +18235,7 @@
   <a:extraClrSchemeLst/>
   <a:extLst>
     <a:ext uri="{05A4C25C-085E-4340-85A3-A5531E510DB2}">
-      <thm15:themeFamily xmlns:thm15="http://schemas.microsoft.com/office/thememl/2012/main" xmlns="" name="Parallax" id="{3388167B-A2EB-4685-9635-1831D9AEF8C4}" vid="{4F7A876A-7598-49CA-AFC8-8EDA2551E4A7}"/>
+      <thm15:themeFamily xmlns:thm15="http://schemas.microsoft.com/office/thememl/2012/main" name="Parallax" id="{3388167B-A2EB-4685-9635-1831D9AEF8C4}" vid="{4F7A876A-7598-49CA-AFC8-8EDA2551E4A7}"/>
     </a:ext>
   </a:extLst>
 </a:theme>
@@ -18628,7 +18496,7 @@
   <a:extraClrSchemeLst/>
   <a:extLst>
     <a:ext uri="{05A4C25C-085E-4340-85A3-A5531E510DB2}">
-      <thm15:themeFamily xmlns:thm15="http://schemas.microsoft.com/office/thememl/2012/main" xmlns="" name="Office Theme" id="{62F939B6-93AF-4DB8-9C6B-D6C7DFDC589F}" vid="{4A3C46E8-61CC-4603-A589-7422A47A8E4A}"/>
+      <thm15:themeFamily xmlns:thm15="http://schemas.microsoft.com/office/thememl/2012/main" name="Office Theme" id="{62F939B6-93AF-4DB8-9C6B-D6C7DFDC589F}" vid="{4A3C46E8-61CC-4603-A589-7422A47A8E4A}"/>
     </a:ext>
   </a:extLst>
 </a:theme>

--- a/ProjectPresentation/EntityAnnotation.pptx
+++ b/ProjectPresentation/EntityAnnotation.pptx
@@ -121,7 +121,7 @@
   </p:defaultTextStyle>
   <p:extLst>
     <p:ext uri="{EFAFB233-063F-42B5-8137-9DF3F51BA10A}">
-      <p15:sldGuideLst xmlns:p15="http://schemas.microsoft.com/office/powerpoint/2012/main">
+      <p15:sldGuideLst xmlns:p15="http://schemas.microsoft.com/office/powerpoint/2012/main" xmlns="">
         <p15:guide id="1" orient="horz" pos="2160">
           <p15:clr>
             <a:srgbClr val="A4A3A4"/>
@@ -379,7 +379,7 @@
           <a:p>
             <a:fld id="{6B56D088-27D1-433A-A9A9-E30AD3E13E16}" type="slidenum">
               <a:rPr lang="en-GB" smtClean="0"/>
-              <a:t>‹Nr.›</a:t>
+              <a:t>‹#›</a:t>
             </a:fld>
             <a:endParaRPr lang="en-GB"/>
           </a:p>
@@ -2109,7 +2109,7 @@
           <a:p>
             <a:fld id="{2921BF44-F096-42DF-ADC3-B535522D2EE1}" type="slidenum">
               <a:rPr lang="en-GB" smtClean="0"/>
-              <a:t>‹Nr.›</a:t>
+              <a:t>‹#›</a:t>
             </a:fld>
             <a:endParaRPr lang="en-GB"/>
           </a:p>
@@ -2403,7 +2403,7 @@
           <a:p>
             <a:fld id="{2921BF44-F096-42DF-ADC3-B535522D2EE1}" type="slidenum">
               <a:rPr lang="en-GB" smtClean="0"/>
-              <a:t>‹Nr.›</a:t>
+              <a:t>‹#›</a:t>
             </a:fld>
             <a:endParaRPr lang="en-GB"/>
           </a:p>
@@ -2654,7 +2654,7 @@
           <a:p>
             <a:fld id="{2921BF44-F096-42DF-ADC3-B535522D2EE1}" type="slidenum">
               <a:rPr lang="en-GB" smtClean="0"/>
-              <a:t>‹Nr.›</a:t>
+              <a:t>‹#›</a:t>
             </a:fld>
             <a:endParaRPr lang="en-GB"/>
           </a:p>
@@ -3197,7 +3197,7 @@
           <a:p>
             <a:fld id="{2921BF44-F096-42DF-ADC3-B535522D2EE1}" type="slidenum">
               <a:rPr lang="en-GB" smtClean="0"/>
-              <a:t>‹Nr.›</a:t>
+              <a:t>‹#›</a:t>
             </a:fld>
             <a:endParaRPr lang="en-GB"/>
           </a:p>
@@ -3448,7 +3448,7 @@
           <a:p>
             <a:fld id="{2921BF44-F096-42DF-ADC3-B535522D2EE1}" type="slidenum">
               <a:rPr lang="en-GB" smtClean="0"/>
-              <a:t>‹Nr.›</a:t>
+              <a:t>‹#›</a:t>
             </a:fld>
             <a:endParaRPr lang="en-GB"/>
           </a:p>
@@ -3983,7 +3983,7 @@
           <a:p>
             <a:fld id="{2921BF44-F096-42DF-ADC3-B535522D2EE1}" type="slidenum">
               <a:rPr lang="en-GB" smtClean="0"/>
-              <a:t>‹Nr.›</a:t>
+              <a:t>‹#›</a:t>
             </a:fld>
             <a:endParaRPr lang="en-GB"/>
           </a:p>
@@ -4283,7 +4283,7 @@
           <a:p>
             <a:fld id="{2921BF44-F096-42DF-ADC3-B535522D2EE1}" type="slidenum">
               <a:rPr lang="en-GB" smtClean="0"/>
-              <a:t>‹Nr.›</a:t>
+              <a:t>‹#›</a:t>
             </a:fld>
             <a:endParaRPr lang="en-GB"/>
           </a:p>
@@ -4460,7 +4460,7 @@
           <a:p>
             <a:fld id="{2921BF44-F096-42DF-ADC3-B535522D2EE1}" type="slidenum">
               <a:rPr lang="en-GB" smtClean="0"/>
-              <a:t>‹Nr.›</a:t>
+              <a:t>‹#›</a:t>
             </a:fld>
             <a:endParaRPr lang="en-GB"/>
           </a:p>
@@ -4643,7 +4643,7 @@
           <a:p>
             <a:fld id="{2921BF44-F096-42DF-ADC3-B535522D2EE1}" type="slidenum">
               <a:rPr lang="en-GB" smtClean="0"/>
-              <a:t>‹Nr.›</a:t>
+              <a:t>‹#›</a:t>
             </a:fld>
             <a:endParaRPr lang="en-GB"/>
           </a:p>
@@ -4850,7 +4850,7 @@
             <a:fld id="{2921BF44-F096-42DF-ADC3-B535522D2EE1}" type="slidenum">
               <a:rPr lang="en-GB" smtClean="0"/>
               <a:pPr/>
-              <a:t>‹Nr.›</a:t>
+              <a:t>‹#›</a:t>
             </a:fld>
             <a:endParaRPr lang="en-GB" dirty="0"/>
           </a:p>
@@ -5099,7 +5099,7 @@
           <a:p>
             <a:fld id="{2921BF44-F096-42DF-ADC3-B535522D2EE1}" type="slidenum">
               <a:rPr lang="en-GB" smtClean="0"/>
-              <a:t>‹Nr.›</a:t>
+              <a:t>‹#›</a:t>
             </a:fld>
             <a:endParaRPr lang="en-GB"/>
           </a:p>
@@ -5399,7 +5399,7 @@
           <a:p>
             <a:fld id="{2921BF44-F096-42DF-ADC3-B535522D2EE1}" type="slidenum">
               <a:rPr lang="en-GB" smtClean="0"/>
-              <a:t>‹Nr.›</a:t>
+              <a:t>‹#›</a:t>
             </a:fld>
             <a:endParaRPr lang="en-GB"/>
           </a:p>
@@ -5844,7 +5844,7 @@
           <a:p>
             <a:fld id="{2921BF44-F096-42DF-ADC3-B535522D2EE1}" type="slidenum">
               <a:rPr lang="en-GB" smtClean="0"/>
-              <a:t>‹Nr.›</a:t>
+              <a:t>‹#›</a:t>
             </a:fld>
             <a:endParaRPr lang="en-GB"/>
           </a:p>
@@ -5965,7 +5965,7 @@
           <a:p>
             <a:fld id="{2921BF44-F096-42DF-ADC3-B535522D2EE1}" type="slidenum">
               <a:rPr lang="en-GB" smtClean="0"/>
-              <a:t>‹Nr.›</a:t>
+              <a:t>‹#›</a:t>
             </a:fld>
             <a:endParaRPr lang="en-GB"/>
           </a:p>
@@ -6063,7 +6063,7 @@
           <a:p>
             <a:fld id="{2921BF44-F096-42DF-ADC3-B535522D2EE1}" type="slidenum">
               <a:rPr lang="en-GB" smtClean="0"/>
-              <a:t>‹Nr.›</a:t>
+              <a:t>‹#›</a:t>
             </a:fld>
             <a:endParaRPr lang="en-GB"/>
           </a:p>
@@ -6349,7 +6349,7 @@
           <a:p>
             <a:fld id="{2921BF44-F096-42DF-ADC3-B535522D2EE1}" type="slidenum">
               <a:rPr lang="en-GB" smtClean="0"/>
-              <a:t>‹Nr.›</a:t>
+              <a:t>‹#›</a:t>
             </a:fld>
             <a:endParaRPr lang="en-GB"/>
           </a:p>
@@ -6643,7 +6643,7 @@
           <a:p>
             <a:fld id="{2921BF44-F096-42DF-ADC3-B535522D2EE1}" type="slidenum">
               <a:rPr lang="en-GB" smtClean="0"/>
-              <a:t>‹Nr.›</a:t>
+              <a:t>‹#›</a:t>
             </a:fld>
             <a:endParaRPr lang="en-GB"/>
           </a:p>
@@ -6896,7 +6896,7 @@
           <a:p>
             <a:fld id="{2921BF44-F096-42DF-ADC3-B535522D2EE1}" type="slidenum">
               <a:rPr lang="en-GB" smtClean="0"/>
-              <a:t>‹Nr.›</a:t>
+              <a:t>‹#›</a:t>
             </a:fld>
             <a:endParaRPr lang="en-GB"/>
           </a:p>
@@ -7980,6 +7980,14 @@
   <p:clrMapOvr>
     <a:masterClrMapping/>
   </p:clrMapOvr>
+  <mc:AlternateContent xmlns:mc="http://schemas.openxmlformats.org/markup-compatibility/2006">
+    <mc:Choice xmlns:p14="http://schemas.microsoft.com/office/powerpoint/2010/main" Requires="p14">
+      <p:transition spd="slow" p14:dur="2000"/>
+    </mc:Choice>
+    <mc:Fallback>
+      <p:transition spd="slow"/>
+    </mc:Fallback>
+  </mc:AlternateContent>
 </p:sld>
 </file>
 
@@ -8171,6 +8179,10 @@
               </a:rPr>
               <a:t>https://localhost:8443/RetrieveTriples</a:t>
             </a:r>
+            <a:r>
+              <a:rPr lang="de-DE" dirty="0"/>
+              <a:t/>
+            </a:r>
             <a:br>
               <a:rPr lang="de-DE" dirty="0"/>
             </a:br>
@@ -8213,6 +8225,10 @@
             <a:pPr marL="0" indent="0">
               <a:buNone/>
             </a:pPr>
+            <a:r>
+              <a:rPr lang="en-GB" dirty="0"/>
+              <a:t/>
+            </a:r>
             <a:br>
               <a:rPr lang="en-GB" dirty="0"/>
             </a:br>
@@ -8942,7 +8958,7 @@
                 <a14:useLocalDpi xmlns:a14="http://schemas.microsoft.com/office/drawing/2010/main" val="0"/>
               </a:ext>
               <a:ext uri="{96DAC541-7B7A-43D3-8B79-37D633B846F1}">
-                <asvg:svgBlip xmlns:asvg="http://schemas.microsoft.com/office/drawing/2016/SVG/main" r:embed="rId7"/>
+                <asvg:svgBlip xmlns:asvg="http://schemas.microsoft.com/office/drawing/2016/SVG/main" xmlns="" r:embed="rId7"/>
               </a:ext>
             </a:extLst>
           </a:blip>
@@ -8975,7 +8991,7 @@
                 <a14:useLocalDpi xmlns:a14="http://schemas.microsoft.com/office/drawing/2010/main" val="0"/>
               </a:ext>
               <a:ext uri="{96DAC541-7B7A-43D3-8B79-37D633B846F1}">
-                <asvg:svgBlip xmlns:asvg="http://schemas.microsoft.com/office/drawing/2016/SVG/main" r:embed="rId9"/>
+                <asvg:svgBlip xmlns:asvg="http://schemas.microsoft.com/office/drawing/2016/SVG/main" xmlns="" r:embed="rId9"/>
               </a:ext>
             </a:extLst>
           </a:blip>
@@ -9596,7 +9612,7 @@
                   <a14:useLocalDpi xmlns:a14="http://schemas.microsoft.com/office/drawing/2010/main" val="0"/>
                 </a:ext>
                 <a:ext uri="{96DAC541-7B7A-43D3-8B79-37D633B846F1}">
-                  <asvg:svgBlip xmlns:asvg="http://schemas.microsoft.com/office/drawing/2016/SVG/main" r:embed="rId5"/>
+                  <asvg:svgBlip xmlns:asvg="http://schemas.microsoft.com/office/drawing/2016/SVG/main" xmlns="" r:embed="rId5"/>
                 </a:ext>
               </a:extLst>
             </a:blip>
@@ -9756,7 +9772,7 @@
                   <a14:useLocalDpi xmlns:a14="http://schemas.microsoft.com/office/drawing/2010/main" val="0"/>
                 </a:ext>
                 <a:ext uri="{96DAC541-7B7A-43D3-8B79-37D633B846F1}">
-                  <asvg:svgBlip xmlns:asvg="http://schemas.microsoft.com/office/drawing/2016/SVG/main" r:embed="rId9"/>
+                  <asvg:svgBlip xmlns:asvg="http://schemas.microsoft.com/office/drawing/2016/SVG/main" xmlns="" r:embed="rId9"/>
                 </a:ext>
               </a:extLst>
             </a:blip>
@@ -9849,7 +9865,7 @@
                     <a14:useLocalDpi xmlns:a14="http://schemas.microsoft.com/office/drawing/2010/main" val="0"/>
                   </a:ext>
                   <a:ext uri="{96DAC541-7B7A-43D3-8B79-37D633B846F1}">
-                    <asvg:svgBlip xmlns:asvg="http://schemas.microsoft.com/office/drawing/2016/SVG/main" r:embed="rId11"/>
+                    <asvg:svgBlip xmlns:asvg="http://schemas.microsoft.com/office/drawing/2016/SVG/main" xmlns="" r:embed="rId11"/>
                   </a:ext>
                 </a:extLst>
               </a:blip>
@@ -9882,7 +9898,7 @@
                     <a14:useLocalDpi xmlns:a14="http://schemas.microsoft.com/office/drawing/2010/main" val="0"/>
                   </a:ext>
                   <a:ext uri="{96DAC541-7B7A-43D3-8B79-37D633B846F1}">
-                    <asvg:svgBlip xmlns:asvg="http://schemas.microsoft.com/office/drawing/2016/SVG/main" r:embed="rId13"/>
+                    <asvg:svgBlip xmlns:asvg="http://schemas.microsoft.com/office/drawing/2016/SVG/main" xmlns="" r:embed="rId13"/>
                   </a:ext>
                 </a:extLst>
               </a:blip>
@@ -10064,7 +10080,7 @@
                 <a14:useLocalDpi xmlns:a14="http://schemas.microsoft.com/office/drawing/2010/main" val="0"/>
               </a:ext>
               <a:ext uri="{96DAC541-7B7A-43D3-8B79-37D633B846F1}">
-                <asvg:svgBlip xmlns:asvg="http://schemas.microsoft.com/office/drawing/2016/SVG/main" r:embed="rId18"/>
+                <asvg:svgBlip xmlns:asvg="http://schemas.microsoft.com/office/drawing/2016/SVG/main" xmlns="" r:embed="rId18"/>
               </a:ext>
             </a:extLst>
           </a:blip>
@@ -10097,7 +10113,7 @@
                 <a14:useLocalDpi xmlns:a14="http://schemas.microsoft.com/office/drawing/2010/main" val="0"/>
               </a:ext>
               <a:ext uri="{96DAC541-7B7A-43D3-8B79-37D633B846F1}">
-                <asvg:svgBlip xmlns:asvg="http://schemas.microsoft.com/office/drawing/2016/SVG/main" r:embed="rId20"/>
+                <asvg:svgBlip xmlns:asvg="http://schemas.microsoft.com/office/drawing/2016/SVG/main" xmlns="" r:embed="rId20"/>
               </a:ext>
             </a:extLst>
           </a:blip>
@@ -10476,13 +10492,13 @@
             <p:nvPr/>
           </p:nvPicPr>
           <p:blipFill>
-            <a:blip r:embed="rId12" cstate="print">
+            <a:blip r:embed="rId24" cstate="print">
               <a:extLst>
                 <a:ext uri="{28A0092B-C50C-407E-A947-70E740481C1C}">
                   <a14:useLocalDpi xmlns:a14="http://schemas.microsoft.com/office/drawing/2010/main" val="0"/>
                 </a:ext>
                 <a:ext uri="{96DAC541-7B7A-43D3-8B79-37D633B846F1}">
-                  <asvg:svgBlip xmlns:asvg="http://schemas.microsoft.com/office/drawing/2016/SVG/main" r:embed="rId13"/>
+                  <asvg:svgBlip xmlns:asvg="http://schemas.microsoft.com/office/drawing/2016/SVG/main" xmlns="" r:embed="rId13"/>
                 </a:ext>
               </a:extLst>
             </a:blip>
@@ -12053,7 +12069,7 @@
                   <a14:useLocalDpi xmlns:a14="http://schemas.microsoft.com/office/drawing/2010/main" val="0"/>
                 </a:ext>
                 <a:ext uri="{96DAC541-7B7A-43D3-8B79-37D633B846F1}">
-                  <asvg:svgBlip xmlns:asvg="http://schemas.microsoft.com/office/drawing/2016/SVG/main" r:embed="rId6"/>
+                  <asvg:svgBlip xmlns:asvg="http://schemas.microsoft.com/office/drawing/2016/SVG/main" xmlns="" r:embed="rId6"/>
                 </a:ext>
               </a:extLst>
             </a:blip>
@@ -12212,7 +12228,7 @@
                 <a14:useLocalDpi xmlns:a14="http://schemas.microsoft.com/office/drawing/2010/main" val="0"/>
               </a:ext>
               <a:ext uri="{96DAC541-7B7A-43D3-8B79-37D633B846F1}">
-                <asvg:svgBlip xmlns:asvg="http://schemas.microsoft.com/office/drawing/2016/SVG/main" r:embed="rId8"/>
+                <asvg:svgBlip xmlns:asvg="http://schemas.microsoft.com/office/drawing/2016/SVG/main" xmlns="" r:embed="rId8"/>
               </a:ext>
             </a:extLst>
           </a:blip>
@@ -12259,7 +12275,7 @@
                   <a14:useLocalDpi xmlns:a14="http://schemas.microsoft.com/office/drawing/2010/main" val="0"/>
                 </a:ext>
                 <a:ext uri="{96DAC541-7B7A-43D3-8B79-37D633B846F1}">
-                  <asvg:svgBlip xmlns:asvg="http://schemas.microsoft.com/office/drawing/2016/SVG/main" r:embed="rId10"/>
+                  <asvg:svgBlip xmlns:asvg="http://schemas.microsoft.com/office/drawing/2016/SVG/main" xmlns="" r:embed="rId10"/>
                 </a:ext>
               </a:extLst>
             </a:blip>
@@ -12352,7 +12368,7 @@
                     <a14:useLocalDpi xmlns:a14="http://schemas.microsoft.com/office/drawing/2010/main" val="0"/>
                   </a:ext>
                   <a:ext uri="{96DAC541-7B7A-43D3-8B79-37D633B846F1}">
-                    <asvg:svgBlip xmlns:asvg="http://schemas.microsoft.com/office/drawing/2016/SVG/main" r:embed="rId12"/>
+                    <asvg:svgBlip xmlns:asvg="http://schemas.microsoft.com/office/drawing/2016/SVG/main" xmlns="" r:embed="rId12"/>
                   </a:ext>
                 </a:extLst>
               </a:blip>
@@ -12506,7 +12522,7 @@
                   <a14:useLocalDpi xmlns:a14="http://schemas.microsoft.com/office/drawing/2010/main" val="0"/>
                 </a:ext>
                 <a:ext uri="{96DAC541-7B7A-43D3-8B79-37D633B846F1}">
-                  <asvg:svgBlip xmlns:asvg="http://schemas.microsoft.com/office/drawing/2016/SVG/main" r:embed="rId16"/>
+                  <asvg:svgBlip xmlns:asvg="http://schemas.microsoft.com/office/drawing/2016/SVG/main" xmlns="" r:embed="rId16"/>
                 </a:ext>
               </a:extLst>
             </a:blip>
@@ -12585,7 +12601,7 @@
                   <a14:useLocalDpi xmlns:a14="http://schemas.microsoft.com/office/drawing/2010/main" val="0"/>
                 </a:ext>
                 <a:ext uri="{96DAC541-7B7A-43D3-8B79-37D633B846F1}">
-                  <asvg:svgBlip xmlns:asvg="http://schemas.microsoft.com/office/drawing/2016/SVG/main" r:embed="rId18"/>
+                  <asvg:svgBlip xmlns:asvg="http://schemas.microsoft.com/office/drawing/2016/SVG/main" xmlns="" r:embed="rId18"/>
                 </a:ext>
               </a:extLst>
             </a:blip>
@@ -12830,7 +12846,7 @@
                     <a14:useLocalDpi xmlns:a14="http://schemas.microsoft.com/office/drawing/2010/main" val="0"/>
                   </a:ext>
                   <a:ext uri="{96DAC541-7B7A-43D3-8B79-37D633B846F1}">
-                    <asvg:svgBlip xmlns:asvg="http://schemas.microsoft.com/office/drawing/2016/SVG/main" r:embed="rId22"/>
+                    <asvg:svgBlip xmlns:asvg="http://schemas.microsoft.com/office/drawing/2016/SVG/main" xmlns="" r:embed="rId22"/>
                   </a:ext>
                 </a:extLst>
               </a:blip>
@@ -12857,13 +12873,13 @@
               <p:nvPr/>
             </p:nvPicPr>
             <p:blipFill>
-              <a:blip r:embed="rId15" cstate="print">
+              <a:blip r:embed="rId23" cstate="print">
                 <a:extLst>
                   <a:ext uri="{28A0092B-C50C-407E-A947-70E740481C1C}">
                     <a14:useLocalDpi xmlns:a14="http://schemas.microsoft.com/office/drawing/2010/main" val="0"/>
                   </a:ext>
                   <a:ext uri="{96DAC541-7B7A-43D3-8B79-37D633B846F1}">
-                    <asvg:svgBlip xmlns:asvg="http://schemas.microsoft.com/office/drawing/2016/SVG/main" r:embed="rId16"/>
+                    <asvg:svgBlip xmlns:asvg="http://schemas.microsoft.com/office/drawing/2016/SVG/main" xmlns="" r:embed="rId16"/>
                   </a:ext>
                 </a:extLst>
               </a:blip>
@@ -12890,11 +12906,11 @@
               <p:nvPr/>
             </p:nvPicPr>
             <p:blipFill>
-              <a:blip r:embed="rId23" cstate="print">
+              <a:blip r:embed="rId24" cstate="print">
                 <a:extLst>
                   <a:ext uri="{BEBA8EAE-BF5A-486C-A8C5-ECC9F3942E4B}">
                     <a14:imgProps xmlns:a14="http://schemas.microsoft.com/office/drawing/2010/main">
-                      <a14:imgLayer r:embed="rId24">
+                      <a14:imgLayer r:embed="rId25">
                         <a14:imgEffect>
                           <a14:backgroundRemoval t="9425" b="94089" l="0" r="100000">
                             <a14:foregroundMark x1="5272" y1="63419" x2="5272" y2="63419"/>
@@ -12935,7 +12951,7 @@
               <p:nvPr/>
             </p:nvPicPr>
             <p:blipFill rotWithShape="1">
-              <a:blip r:embed="rId25" cstate="print">
+              <a:blip r:embed="rId26" cstate="print">
                 <a:extLst>
                   <a:ext uri="{28A0092B-C50C-407E-A947-70E740481C1C}">
                     <a14:useLocalDpi xmlns:a14="http://schemas.microsoft.com/office/drawing/2010/main" val="0"/>
@@ -14083,9 +14099,13 @@
           <a:prstGeom prst="straightConnector1">
             <a:avLst/>
           </a:prstGeom>
-          <a:ln w="19050">
-            <a:headEnd type="arrow"/>
-            <a:tailEnd type="arrow"/>
+          <a:ln w="38100">
+            <a:solidFill>
+              <a:schemeClr val="accent1">
+                <a:lumMod val="50000"/>
+              </a:schemeClr>
+            </a:solidFill>
+            <a:tailEnd type="triangle"/>
           </a:ln>
         </p:spPr>
         <p:style>
@@ -14117,9 +14137,13 @@
           <a:prstGeom prst="straightConnector1">
             <a:avLst/>
           </a:prstGeom>
-          <a:ln w="19050">
-            <a:headEnd type="arrow"/>
-            <a:tailEnd type="arrow"/>
+          <a:ln w="38100">
+            <a:solidFill>
+              <a:schemeClr val="accent1">
+                <a:lumMod val="50000"/>
+              </a:schemeClr>
+            </a:solidFill>
+            <a:tailEnd type="triangle"/>
           </a:ln>
         </p:spPr>
         <p:style>
@@ -14492,7 +14516,7 @@
                   <a14:useLocalDpi xmlns:a14="http://schemas.microsoft.com/office/drawing/2010/main" val="0"/>
                 </a:ext>
                 <a:ext uri="{96DAC541-7B7A-43D3-8B79-37D633B846F1}">
-                  <asvg:svgBlip xmlns:asvg="http://schemas.microsoft.com/office/drawing/2016/SVG/main" r:embed="rId3"/>
+                  <asvg:svgBlip xmlns:asvg="http://schemas.microsoft.com/office/drawing/2016/SVG/main" xmlns="" r:embed="rId3"/>
                 </a:ext>
               </a:extLst>
             </a:blip>
@@ -14655,9 +14679,13 @@
           <a:prstGeom prst="straightConnector1">
             <a:avLst/>
           </a:prstGeom>
-          <a:ln w="19050">
-            <a:headEnd type="none"/>
-            <a:tailEnd type="arrow"/>
+          <a:ln w="38100">
+            <a:solidFill>
+              <a:schemeClr val="accent1">
+                <a:lumMod val="50000"/>
+              </a:schemeClr>
+            </a:solidFill>
+            <a:tailEnd type="triangle"/>
           </a:ln>
         </p:spPr>
         <p:style>
@@ -14689,9 +14717,13 @@
           <a:prstGeom prst="straightConnector1">
             <a:avLst/>
           </a:prstGeom>
-          <a:ln w="19050">
-            <a:headEnd type="none"/>
-            <a:tailEnd type="arrow"/>
+          <a:ln w="38100">
+            <a:solidFill>
+              <a:schemeClr val="accent1">
+                <a:lumMod val="50000"/>
+              </a:schemeClr>
+            </a:solidFill>
+            <a:tailEnd type="triangle"/>
           </a:ln>
         </p:spPr>
         <p:style>
@@ -14723,9 +14755,13 @@
           <a:prstGeom prst="straightConnector1">
             <a:avLst/>
           </a:prstGeom>
-          <a:ln w="19050">
-            <a:headEnd type="none"/>
-            <a:tailEnd type="arrow"/>
+          <a:ln w="38100">
+            <a:solidFill>
+              <a:schemeClr val="accent1">
+                <a:lumMod val="50000"/>
+              </a:schemeClr>
+            </a:solidFill>
+            <a:tailEnd type="triangle"/>
           </a:ln>
         </p:spPr>
         <p:style>
@@ -14782,10 +14818,10 @@
         </p:nvGrpSpPr>
         <p:grpSpPr>
           <a:xfrm>
-            <a:off x="8481212" y="3597193"/>
-            <a:ext cx="744023" cy="976781"/>
-            <a:chOff x="7052236" y="3700176"/>
-            <a:chExt cx="744023" cy="976781"/>
+            <a:off x="8452885" y="3597193"/>
+            <a:ext cx="809128" cy="994765"/>
+            <a:chOff x="7023909" y="3700176"/>
+            <a:chExt cx="809128" cy="994765"/>
           </a:xfrm>
         </p:grpSpPr>
         <p:pic>
@@ -14838,8 +14874,8 @@
           </p:nvSpPr>
           <p:spPr>
             <a:xfrm>
-              <a:off x="7060688" y="4399958"/>
-              <a:ext cx="735571" cy="276999"/>
+              <a:off x="7023909" y="4399596"/>
+              <a:ext cx="809128" cy="295345"/>
             </a:xfrm>
             <a:prstGeom prst="rect">
               <a:avLst/>
@@ -14854,10 +14890,10 @@
             <a:p>
               <a:pPr algn="ctr"/>
               <a:r>
-                <a:rPr lang="en-GB" sz="1200" dirty="0"/>
+                <a:rPr lang="en-GB" sz="1400" dirty="0"/>
                 <a:t>Content</a:t>
               </a:r>
-              <a:endParaRPr lang="de-DE" sz="1200" dirty="0"/>
+              <a:endParaRPr lang="de-DE" sz="1400" dirty="0"/>
             </a:p>
           </p:txBody>
         </p:sp>
@@ -14871,9 +14907,9 @@
         <p:grpSpPr>
           <a:xfrm>
             <a:off x="7791990" y="3530163"/>
-            <a:ext cx="832361" cy="1043811"/>
+            <a:ext cx="832361" cy="1071320"/>
             <a:chOff x="6306726" y="3650506"/>
-            <a:chExt cx="832361" cy="1043811"/>
+            <a:chExt cx="832361" cy="1071320"/>
           </a:xfrm>
         </p:grpSpPr>
         <p:pic>
@@ -14891,7 +14927,7 @@
                   <a14:useLocalDpi xmlns:a14="http://schemas.microsoft.com/office/drawing/2010/main" val="0"/>
                 </a:ext>
                 <a:ext uri="{96DAC541-7B7A-43D3-8B79-37D633B846F1}">
-                  <asvg:svgBlip xmlns:asvg="http://schemas.microsoft.com/office/drawing/2016/SVG/main" r:embed="rId7"/>
+                  <asvg:svgBlip xmlns:asvg="http://schemas.microsoft.com/office/drawing/2016/SVG/main" xmlns="" r:embed="rId7"/>
                 </a:ext>
               </a:extLst>
             </a:blip>
@@ -14917,8 +14953,8 @@
           </p:nvSpPr>
           <p:spPr>
             <a:xfrm>
-              <a:off x="6348579" y="4417318"/>
-              <a:ext cx="735571" cy="276999"/>
+              <a:off x="6311800" y="4426481"/>
+              <a:ext cx="809128" cy="295345"/>
             </a:xfrm>
             <a:prstGeom prst="rect">
               <a:avLst/>
@@ -14933,10 +14969,10 @@
             <a:p>
               <a:pPr algn="ctr"/>
               <a:r>
-                <a:rPr lang="en-GB" sz="1200" dirty="0"/>
+                <a:rPr lang="en-GB" sz="1400" dirty="0"/>
                 <a:t>Options</a:t>
               </a:r>
-              <a:endParaRPr lang="de-DE" sz="1200" dirty="0"/>
+              <a:endParaRPr lang="de-DE" sz="1400" dirty="0"/>
             </a:p>
           </p:txBody>
         </p:sp>
@@ -14955,9 +14991,13 @@
           <a:prstGeom prst="straightConnector1">
             <a:avLst/>
           </a:prstGeom>
-          <a:ln w="19050">
-            <a:headEnd type="none"/>
-            <a:tailEnd type="arrow"/>
+          <a:ln w="38100">
+            <a:solidFill>
+              <a:schemeClr val="accent1">
+                <a:lumMod val="50000"/>
+              </a:schemeClr>
+            </a:solidFill>
+            <a:tailEnd type="triangle"/>
           </a:ln>
         </p:spPr>
         <p:style>
@@ -14983,10 +15023,10 @@
         </p:nvGrpSpPr>
         <p:grpSpPr>
           <a:xfrm>
-            <a:off x="3805619" y="3472533"/>
-            <a:ext cx="744023" cy="915821"/>
-            <a:chOff x="7052236" y="3700176"/>
-            <a:chExt cx="744023" cy="915821"/>
+            <a:off x="3777292" y="3472533"/>
+            <a:ext cx="809128" cy="939047"/>
+            <a:chOff x="7023909" y="3700176"/>
+            <a:chExt cx="809128" cy="939047"/>
           </a:xfrm>
         </p:grpSpPr>
         <p:pic>
@@ -15039,8 +15079,8 @@
           </p:nvSpPr>
           <p:spPr>
             <a:xfrm>
-              <a:off x="7060688" y="4338998"/>
-              <a:ext cx="735571" cy="276999"/>
+              <a:off x="7023909" y="4314344"/>
+              <a:ext cx="809128" cy="324879"/>
             </a:xfrm>
             <a:prstGeom prst="rect">
               <a:avLst/>
@@ -15055,10 +15095,10 @@
             <a:p>
               <a:pPr algn="ctr"/>
               <a:r>
-                <a:rPr lang="en-GB" sz="1200" dirty="0"/>
+                <a:rPr lang="en-GB" sz="1400" dirty="0"/>
                 <a:t>Content</a:t>
               </a:r>
-              <a:endParaRPr lang="de-DE" sz="1200" dirty="0"/>
+              <a:endParaRPr lang="de-DE" sz="1400" dirty="0"/>
             </a:p>
           </p:txBody>
         </p:sp>
@@ -15331,10 +15371,10 @@
                 <a:buNone/>
               </a:pPr>
               <a:r>
-                <a:rPr lang="en-GB" sz="1200" dirty="0"/>
+                <a:rPr lang="en-GB" sz="1400" dirty="0"/>
                 <a:t>Generate button</a:t>
               </a:r>
-              <a:endParaRPr lang="de-DE" sz="1200" dirty="0"/>
+              <a:endParaRPr lang="de-DE" sz="1400" dirty="0"/>
             </a:p>
           </p:txBody>
         </p:sp>
@@ -15648,10 +15688,10 @@
                 <a:buNone/>
               </a:pPr>
               <a:r>
-                <a:rPr lang="en-GB" sz="1200" dirty="0"/>
+                <a:rPr lang="en-GB" sz="1400" dirty="0"/>
                 <a:t>Background script</a:t>
               </a:r>
-              <a:endParaRPr lang="de-DE" sz="1200" dirty="0"/>
+              <a:endParaRPr lang="de-DE" sz="1400" dirty="0"/>
             </a:p>
           </p:txBody>
         </p:sp>
@@ -15705,7 +15745,7 @@
         </p:nvGrpSpPr>
         <p:grpSpPr>
           <a:xfrm>
-            <a:off x="3503575" y="5014402"/>
+            <a:off x="3503575" y="4976302"/>
             <a:ext cx="1435837" cy="690205"/>
             <a:chOff x="3473980" y="2686347"/>
             <a:chExt cx="1435837" cy="690205"/>
@@ -15965,10 +16005,10 @@
                 <a:buNone/>
               </a:pPr>
               <a:r>
-                <a:rPr lang="en-GB" sz="1200" dirty="0"/>
+                <a:rPr lang="en-GB" sz="1400" dirty="0"/>
                 <a:t>Generate Popup</a:t>
               </a:r>
-              <a:endParaRPr lang="de-DE" sz="1200" dirty="0"/>
+              <a:endParaRPr lang="de-DE" sz="1400" dirty="0"/>
             </a:p>
           </p:txBody>
         </p:sp>
@@ -16028,9 +16068,13 @@
           <a:prstGeom prst="straightConnector1">
             <a:avLst/>
           </a:prstGeom>
-          <a:ln w="19050">
-            <a:headEnd type="none"/>
-            <a:tailEnd type="arrow"/>
+          <a:ln w="38100">
+            <a:solidFill>
+              <a:schemeClr val="accent1">
+                <a:lumMod val="50000"/>
+              </a:schemeClr>
+            </a:solidFill>
+            <a:tailEnd type="triangle"/>
           </a:ln>
         </p:spPr>
         <p:style>
@@ -16062,9 +16106,13 @@
           <a:prstGeom prst="straightConnector1">
             <a:avLst/>
           </a:prstGeom>
-          <a:ln w="19050">
-            <a:headEnd type="none"/>
-            <a:tailEnd type="arrow"/>
+          <a:ln w="38100">
+            <a:solidFill>
+              <a:schemeClr val="accent1">
+                <a:lumMod val="50000"/>
+              </a:schemeClr>
+            </a:solidFill>
+            <a:tailEnd type="triangle"/>
           </a:ln>
         </p:spPr>
         <p:style>
@@ -16090,10 +16138,10 @@
         </p:nvGrpSpPr>
         <p:grpSpPr>
           <a:xfrm>
-            <a:off x="7882497" y="4667024"/>
-            <a:ext cx="1226117" cy="794134"/>
-            <a:chOff x="7882497" y="4667024"/>
-            <a:chExt cx="1226117" cy="794134"/>
+            <a:off x="7758109" y="4667024"/>
+            <a:ext cx="1433421" cy="800686"/>
+            <a:chOff x="7758109" y="4667024"/>
+            <a:chExt cx="1433421" cy="800686"/>
           </a:xfrm>
         </p:grpSpPr>
         <p:pic>
@@ -16156,7 +16204,7 @@
                   <a14:useLocalDpi xmlns:a14="http://schemas.microsoft.com/office/drawing/2010/main" val="0"/>
                 </a:ext>
                 <a:ext uri="{96DAC541-7B7A-43D3-8B79-37D633B846F1}">
-                  <asvg:svgBlip xmlns:asvg="http://schemas.microsoft.com/office/drawing/2016/SVG/main" r:embed="rId13"/>
+                  <asvg:svgBlip xmlns:asvg="http://schemas.microsoft.com/office/drawing/2016/SVG/main" xmlns="" r:embed="rId13"/>
                 </a:ext>
               </a:extLst>
             </a:blip>
@@ -16182,8 +16230,8 @@
           </p:nvSpPr>
           <p:spPr>
             <a:xfrm>
-              <a:off x="7882497" y="5224252"/>
-              <a:ext cx="1184645" cy="236906"/>
+              <a:off x="7758109" y="5199215"/>
+              <a:ext cx="1433421" cy="268495"/>
             </a:xfrm>
             <a:prstGeom prst="rect">
               <a:avLst/>
@@ -16198,10 +16246,10 @@
             <a:p>
               <a:pPr algn="ctr"/>
               <a:r>
-                <a:rPr lang="en-GB" sz="1200" dirty="0"/>
+                <a:rPr lang="en-GB" sz="1400" dirty="0"/>
                 <a:t>Named entities</a:t>
               </a:r>
-              <a:endParaRPr lang="de-DE" sz="1200" dirty="0"/>
+              <a:endParaRPr lang="de-DE" sz="1400" dirty="0"/>
             </a:p>
           </p:txBody>
         </p:sp>
@@ -17558,7 +17606,7 @@
                   <a14:useLocalDpi xmlns:a14="http://schemas.microsoft.com/office/drawing/2010/main" val="0"/>
                 </a:ext>
                 <a:ext uri="{96DAC541-7B7A-43D3-8B79-37D633B846F1}">
-                  <asvg:svgBlip xmlns:asvg="http://schemas.microsoft.com/office/drawing/2016/SVG/main" r:embed="rId7"/>
+                  <asvg:svgBlip xmlns:asvg="http://schemas.microsoft.com/office/drawing/2016/SVG/main" xmlns="" r:embed="rId7"/>
                 </a:ext>
               </a:extLst>
             </a:blip>
@@ -17591,7 +17639,7 @@
                   <a14:useLocalDpi xmlns:a14="http://schemas.microsoft.com/office/drawing/2010/main" val="0"/>
                 </a:ext>
                 <a:ext uri="{96DAC541-7B7A-43D3-8B79-37D633B846F1}">
-                  <asvg:svgBlip xmlns:asvg="http://schemas.microsoft.com/office/drawing/2016/SVG/main" r:embed="rId9"/>
+                  <asvg:svgBlip xmlns:asvg="http://schemas.microsoft.com/office/drawing/2016/SVG/main" xmlns="" r:embed="rId9"/>
                 </a:ext>
               </a:extLst>
             </a:blip>
@@ -18235,7 +18283,7 @@
   <a:extraClrSchemeLst/>
   <a:extLst>
     <a:ext uri="{05A4C25C-085E-4340-85A3-A5531E510DB2}">
-      <thm15:themeFamily xmlns:thm15="http://schemas.microsoft.com/office/thememl/2012/main" name="Parallax" id="{3388167B-A2EB-4685-9635-1831D9AEF8C4}" vid="{4F7A876A-7598-49CA-AFC8-8EDA2551E4A7}"/>
+      <thm15:themeFamily xmlns:thm15="http://schemas.microsoft.com/office/thememl/2012/main" xmlns="" name="Parallax" id="{3388167B-A2EB-4685-9635-1831D9AEF8C4}" vid="{4F7A876A-7598-49CA-AFC8-8EDA2551E4A7}"/>
     </a:ext>
   </a:extLst>
 </a:theme>
@@ -18496,7 +18544,7 @@
   <a:extraClrSchemeLst/>
   <a:extLst>
     <a:ext uri="{05A4C25C-085E-4340-85A3-A5531E510DB2}">
-      <thm15:themeFamily xmlns:thm15="http://schemas.microsoft.com/office/thememl/2012/main" name="Office Theme" id="{62F939B6-93AF-4DB8-9C6B-D6C7DFDC589F}" vid="{4A3C46E8-61CC-4603-A589-7422A47A8E4A}"/>
+      <thm15:themeFamily xmlns:thm15="http://schemas.microsoft.com/office/thememl/2012/main" xmlns="" name="Office Theme" id="{62F939B6-93AF-4DB8-9C6B-D6C7DFDC589F}" vid="{4A3C46E8-61CC-4603-A589-7422A47A8E4A}"/>
     </a:ext>
   </a:extLst>
 </a:theme>

--- a/ProjectPresentation/EntityAnnotation.pptx
+++ b/ProjectPresentation/EntityAnnotation.pptx
@@ -5,7 +5,7 @@
     <p:sldMasterId id="2147483660" r:id="rId1"/>
   </p:sldMasterIdLst>
   <p:notesMasterIdLst>
-    <p:notesMasterId r:id="rId15"/>
+    <p:notesMasterId r:id="rId16"/>
   </p:notesMasterIdLst>
   <p:sldIdLst>
     <p:sldId id="259" r:id="rId2"/>
@@ -14,13 +14,14 @@
     <p:sldId id="293" r:id="rId5"/>
     <p:sldId id="290" r:id="rId6"/>
     <p:sldId id="286" r:id="rId7"/>
-    <p:sldId id="291" r:id="rId8"/>
-    <p:sldId id="285" r:id="rId9"/>
-    <p:sldId id="289" r:id="rId10"/>
-    <p:sldId id="258" r:id="rId11"/>
-    <p:sldId id="292" r:id="rId12"/>
-    <p:sldId id="287" r:id="rId13"/>
-    <p:sldId id="288" r:id="rId14"/>
+    <p:sldId id="294" r:id="rId8"/>
+    <p:sldId id="291" r:id="rId9"/>
+    <p:sldId id="285" r:id="rId10"/>
+    <p:sldId id="289" r:id="rId11"/>
+    <p:sldId id="258" r:id="rId12"/>
+    <p:sldId id="292" r:id="rId13"/>
+    <p:sldId id="287" r:id="rId14"/>
+    <p:sldId id="288" r:id="rId15"/>
   </p:sldIdLst>
   <p:sldSz cx="12192000" cy="6858000"/>
   <p:notesSz cx="6858000" cy="9144000"/>
@@ -121,7 +122,7 @@
   </p:defaultTextStyle>
   <p:extLst>
     <p:ext uri="{EFAFB233-063F-42B5-8137-9DF3F51BA10A}">
-      <p15:sldGuideLst xmlns:p15="http://schemas.microsoft.com/office/powerpoint/2012/main" xmlns="">
+      <p15:sldGuideLst xmlns:p15="http://schemas.microsoft.com/office/powerpoint/2012/main">
         <p15:guide id="1" orient="horz" pos="2160">
           <p15:clr>
             <a:srgbClr val="A4A3A4"/>
@@ -220,7 +221,7 @@
           <a:p>
             <a:fld id="{A8D8494C-AE34-42CB-89A1-EF65868C4C6A}" type="datetimeFigureOut">
               <a:rPr lang="en-GB" smtClean="0"/>
-              <a:t>05/12/2016</a:t>
+              <a:t>06/12/2016</a:t>
             </a:fld>
             <a:endParaRPr lang="en-GB"/>
           </a:p>
@@ -379,7 +380,7 @@
           <a:p>
             <a:fld id="{6B56D088-27D1-433A-A9A9-E30AD3E13E16}" type="slidenum">
               <a:rPr lang="en-GB" smtClean="0"/>
-              <a:t>‹#›</a:t>
+              <a:t>‹Nr.›</a:t>
             </a:fld>
             <a:endParaRPr lang="en-GB"/>
           </a:p>
@@ -1591,7 +1592,7 @@
           <a:p>
             <a:fld id="{6B56D088-27D1-433A-A9A9-E30AD3E13E16}" type="slidenum">
               <a:rPr lang="en-GB" smtClean="0"/>
-              <a:t>7</a:t>
+              <a:t>8</a:t>
             </a:fld>
             <a:endParaRPr lang="en-GB"/>
           </a:p>
@@ -1767,7 +1768,7 @@
           <a:p>
             <a:fld id="{6B56D088-27D1-433A-A9A9-E30AD3E13E16}" type="slidenum">
               <a:rPr lang="en-GB" smtClean="0"/>
-              <a:t>8</a:t>
+              <a:t>9</a:t>
             </a:fld>
             <a:endParaRPr lang="en-GB"/>
           </a:p>
@@ -1851,7 +1852,7 @@
           <a:p>
             <a:fld id="{6B56D088-27D1-433A-A9A9-E30AD3E13E16}" type="slidenum">
               <a:rPr lang="en-GB" smtClean="0"/>
-              <a:t>10</a:t>
+              <a:t>11</a:t>
             </a:fld>
             <a:endParaRPr lang="en-GB"/>
           </a:p>
@@ -2059,7 +2060,7 @@
           <a:p>
             <a:fld id="{06103CAB-27D4-4953-BA7C-39BAE24E605E}" type="datetime1">
               <a:rPr lang="en-GB" smtClean="0"/>
-              <a:t>05/12/2016</a:t>
+              <a:t>06/12/2016</a:t>
             </a:fld>
             <a:endParaRPr lang="en-GB"/>
           </a:p>
@@ -2109,7 +2110,7 @@
           <a:p>
             <a:fld id="{2921BF44-F096-42DF-ADC3-B535522D2EE1}" type="slidenum">
               <a:rPr lang="en-GB" smtClean="0"/>
-              <a:t>‹#›</a:t>
+              <a:t>‹Nr.›</a:t>
             </a:fld>
             <a:endParaRPr lang="en-GB"/>
           </a:p>
@@ -2358,7 +2359,7 @@
           <a:p>
             <a:fld id="{3A8A6690-9EF3-4749-8403-602024AB73D2}" type="datetime1">
               <a:rPr lang="en-GB" smtClean="0"/>
-              <a:t>05/12/2016</a:t>
+              <a:t>06/12/2016</a:t>
             </a:fld>
             <a:endParaRPr lang="en-GB"/>
           </a:p>
@@ -2403,7 +2404,7 @@
           <a:p>
             <a:fld id="{2921BF44-F096-42DF-ADC3-B535522D2EE1}" type="slidenum">
               <a:rPr lang="en-GB" smtClean="0"/>
-              <a:t>‹#›</a:t>
+              <a:t>‹Nr.›</a:t>
             </a:fld>
             <a:endParaRPr lang="en-GB"/>
           </a:p>
@@ -2609,7 +2610,7 @@
           <a:p>
             <a:fld id="{89DB5E8A-75A3-4867-94E4-590D730EBB1E}" type="datetime1">
               <a:rPr lang="en-GB" smtClean="0"/>
-              <a:t>05/12/2016</a:t>
+              <a:t>06/12/2016</a:t>
             </a:fld>
             <a:endParaRPr lang="en-GB"/>
           </a:p>
@@ -2654,7 +2655,7 @@
           <a:p>
             <a:fld id="{2921BF44-F096-42DF-ADC3-B535522D2EE1}" type="slidenum">
               <a:rPr lang="en-GB" smtClean="0"/>
-              <a:t>‹#›</a:t>
+              <a:t>‹Nr.›</a:t>
             </a:fld>
             <a:endParaRPr lang="en-GB"/>
           </a:p>
@@ -3152,7 +3153,7 @@
           <a:p>
             <a:fld id="{56CC3CC1-5D48-4D8E-A506-FE00E1BA1FC1}" type="datetime1">
               <a:rPr lang="en-GB" smtClean="0"/>
-              <a:t>05/12/2016</a:t>
+              <a:t>06/12/2016</a:t>
             </a:fld>
             <a:endParaRPr lang="en-GB"/>
           </a:p>
@@ -3197,7 +3198,7 @@
           <a:p>
             <a:fld id="{2921BF44-F096-42DF-ADC3-B535522D2EE1}" type="slidenum">
               <a:rPr lang="en-GB" smtClean="0"/>
-              <a:t>‹#›</a:t>
+              <a:t>‹Nr.›</a:t>
             </a:fld>
             <a:endParaRPr lang="en-GB"/>
           </a:p>
@@ -3403,7 +3404,7 @@
           <a:p>
             <a:fld id="{E47C6652-7282-41FA-AD47-BB58E05EBCB1}" type="datetime1">
               <a:rPr lang="en-GB" smtClean="0"/>
-              <a:t>05/12/2016</a:t>
+              <a:t>06/12/2016</a:t>
             </a:fld>
             <a:endParaRPr lang="en-GB"/>
           </a:p>
@@ -3448,7 +3449,7 @@
           <a:p>
             <a:fld id="{2921BF44-F096-42DF-ADC3-B535522D2EE1}" type="slidenum">
               <a:rPr lang="en-GB" smtClean="0"/>
-              <a:t>‹#›</a:t>
+              <a:t>‹Nr.›</a:t>
             </a:fld>
             <a:endParaRPr lang="en-GB"/>
           </a:p>
@@ -3938,7 +3939,7 @@
           <a:p>
             <a:fld id="{9575253B-D946-4B16-A4D6-EDCC8FBA3639}" type="datetime1">
               <a:rPr lang="en-GB" smtClean="0"/>
-              <a:t>05/12/2016</a:t>
+              <a:t>06/12/2016</a:t>
             </a:fld>
             <a:endParaRPr lang="en-GB"/>
           </a:p>
@@ -3983,7 +3984,7 @@
           <a:p>
             <a:fld id="{2921BF44-F096-42DF-ADC3-B535522D2EE1}" type="slidenum">
               <a:rPr lang="en-GB" smtClean="0"/>
-              <a:t>‹#›</a:t>
+              <a:t>‹Nr.›</a:t>
             </a:fld>
             <a:endParaRPr lang="en-GB"/>
           </a:p>
@@ -4238,7 +4239,7 @@
           <a:p>
             <a:fld id="{05A78B47-D74F-482E-AC4D-924E1F9C02E1}" type="datetime1">
               <a:rPr lang="en-GB" smtClean="0"/>
-              <a:t>05/12/2016</a:t>
+              <a:t>06/12/2016</a:t>
             </a:fld>
             <a:endParaRPr lang="en-GB"/>
           </a:p>
@@ -4283,7 +4284,7 @@
           <a:p>
             <a:fld id="{2921BF44-F096-42DF-ADC3-B535522D2EE1}" type="slidenum">
               <a:rPr lang="en-GB" smtClean="0"/>
-              <a:t>‹#›</a:t>
+              <a:t>‹Nr.›</a:t>
             </a:fld>
             <a:endParaRPr lang="en-GB"/>
           </a:p>
@@ -4415,7 +4416,7 @@
           <a:p>
             <a:fld id="{9D054574-8D06-4B14-A4E3-883F870E467D}" type="datetime1">
               <a:rPr lang="en-GB" smtClean="0"/>
-              <a:t>05/12/2016</a:t>
+              <a:t>06/12/2016</a:t>
             </a:fld>
             <a:endParaRPr lang="en-GB"/>
           </a:p>
@@ -4460,7 +4461,7 @@
           <a:p>
             <a:fld id="{2921BF44-F096-42DF-ADC3-B535522D2EE1}" type="slidenum">
               <a:rPr lang="en-GB" smtClean="0"/>
-              <a:t>‹#›</a:t>
+              <a:t>‹Nr.›</a:t>
             </a:fld>
             <a:endParaRPr lang="en-GB"/>
           </a:p>
@@ -4598,7 +4599,7 @@
           <a:p>
             <a:fld id="{99CF02F4-EBA5-433C-B12C-1A26A76C696F}" type="datetime1">
               <a:rPr lang="en-GB" smtClean="0"/>
-              <a:t>05/12/2016</a:t>
+              <a:t>06/12/2016</a:t>
             </a:fld>
             <a:endParaRPr lang="en-GB"/>
           </a:p>
@@ -4643,7 +4644,7 @@
           <a:p>
             <a:fld id="{2921BF44-F096-42DF-ADC3-B535522D2EE1}" type="slidenum">
               <a:rPr lang="en-GB" smtClean="0"/>
-              <a:t>‹#›</a:t>
+              <a:t>‹Nr.›</a:t>
             </a:fld>
             <a:endParaRPr lang="en-GB"/>
           </a:p>
@@ -4790,7 +4791,7 @@
           <a:p>
             <a:fld id="{F7FB45E5-CEA6-436A-9116-67114B66AE83}" type="datetime1">
               <a:rPr lang="en-GB" smtClean="0"/>
-              <a:t>05/12/2016</a:t>
+              <a:t>06/12/2016</a:t>
             </a:fld>
             <a:endParaRPr lang="en-GB"/>
           </a:p>
@@ -4850,7 +4851,7 @@
             <a:fld id="{2921BF44-F096-42DF-ADC3-B535522D2EE1}" type="slidenum">
               <a:rPr lang="en-GB" smtClean="0"/>
               <a:pPr/>
-              <a:t>‹#›</a:t>
+              <a:t>‹Nr.›</a:t>
             </a:fld>
             <a:endParaRPr lang="en-GB" dirty="0"/>
           </a:p>
@@ -5054,7 +5055,7 @@
           <a:p>
             <a:fld id="{58772DC2-CC95-4628-A2C3-DBCC8B67E0EE}" type="datetime1">
               <a:rPr lang="en-GB" smtClean="0"/>
-              <a:t>05/12/2016</a:t>
+              <a:t>06/12/2016</a:t>
             </a:fld>
             <a:endParaRPr lang="en-GB"/>
           </a:p>
@@ -5099,7 +5100,7 @@
           <a:p>
             <a:fld id="{2921BF44-F096-42DF-ADC3-B535522D2EE1}" type="slidenum">
               <a:rPr lang="en-GB" smtClean="0"/>
-              <a:t>‹#›</a:t>
+              <a:t>‹Nr.›</a:t>
             </a:fld>
             <a:endParaRPr lang="en-GB"/>
           </a:p>
@@ -5354,7 +5355,7 @@
           <a:p>
             <a:fld id="{85706B20-101B-4EF1-A005-17BBB9B97973}" type="datetime1">
               <a:rPr lang="en-GB" smtClean="0"/>
-              <a:t>05/12/2016</a:t>
+              <a:t>06/12/2016</a:t>
             </a:fld>
             <a:endParaRPr lang="en-GB"/>
           </a:p>
@@ -5399,7 +5400,7 @@
           <a:p>
             <a:fld id="{2921BF44-F096-42DF-ADC3-B535522D2EE1}" type="slidenum">
               <a:rPr lang="en-GB" smtClean="0"/>
-              <a:t>‹#›</a:t>
+              <a:t>‹Nr.›</a:t>
             </a:fld>
             <a:endParaRPr lang="en-GB"/>
           </a:p>
@@ -5799,7 +5800,7 @@
           <a:p>
             <a:fld id="{73A24D18-03FA-444B-A6E8-081CE70D1F1D}" type="datetime1">
               <a:rPr lang="en-GB" smtClean="0"/>
-              <a:t>05/12/2016</a:t>
+              <a:t>06/12/2016</a:t>
             </a:fld>
             <a:endParaRPr lang="en-GB"/>
           </a:p>
@@ -5844,7 +5845,7 @@
           <a:p>
             <a:fld id="{2921BF44-F096-42DF-ADC3-B535522D2EE1}" type="slidenum">
               <a:rPr lang="en-GB" smtClean="0"/>
-              <a:t>‹#›</a:t>
+              <a:t>‹Nr.›</a:t>
             </a:fld>
             <a:endParaRPr lang="en-GB"/>
           </a:p>
@@ -5920,7 +5921,7 @@
           <a:p>
             <a:fld id="{5A5D0278-C667-458C-BF50-C38C35F84025}" type="datetime1">
               <a:rPr lang="en-GB" smtClean="0"/>
-              <a:t>05/12/2016</a:t>
+              <a:t>06/12/2016</a:t>
             </a:fld>
             <a:endParaRPr lang="en-GB"/>
           </a:p>
@@ -5965,7 +5966,7 @@
           <a:p>
             <a:fld id="{2921BF44-F096-42DF-ADC3-B535522D2EE1}" type="slidenum">
               <a:rPr lang="en-GB" smtClean="0"/>
-              <a:t>‹#›</a:t>
+              <a:t>‹Nr.›</a:t>
             </a:fld>
             <a:endParaRPr lang="en-GB"/>
           </a:p>
@@ -6018,7 +6019,7 @@
           <a:p>
             <a:fld id="{7779FF95-CD9F-49D0-9692-6F86CB53E266}" type="datetime1">
               <a:rPr lang="en-GB" smtClean="0"/>
-              <a:t>05/12/2016</a:t>
+              <a:t>06/12/2016</a:t>
             </a:fld>
             <a:endParaRPr lang="en-GB"/>
           </a:p>
@@ -6063,7 +6064,7 @@
           <a:p>
             <a:fld id="{2921BF44-F096-42DF-ADC3-B535522D2EE1}" type="slidenum">
               <a:rPr lang="en-GB" smtClean="0"/>
-              <a:t>‹#›</a:t>
+              <a:t>‹Nr.›</a:t>
             </a:fld>
             <a:endParaRPr lang="en-GB"/>
           </a:p>
@@ -6304,7 +6305,7 @@
           <a:p>
             <a:fld id="{6FF6C31A-CCBC-47C9-B55B-D6E279E5509C}" type="datetime1">
               <a:rPr lang="en-GB" smtClean="0"/>
-              <a:t>05/12/2016</a:t>
+              <a:t>06/12/2016</a:t>
             </a:fld>
             <a:endParaRPr lang="en-GB"/>
           </a:p>
@@ -6349,7 +6350,7 @@
           <a:p>
             <a:fld id="{2921BF44-F096-42DF-ADC3-B535522D2EE1}" type="slidenum">
               <a:rPr lang="en-GB" smtClean="0"/>
-              <a:t>‹#›</a:t>
+              <a:t>‹Nr.›</a:t>
             </a:fld>
             <a:endParaRPr lang="en-GB"/>
           </a:p>
@@ -6598,7 +6599,7 @@
           <a:p>
             <a:fld id="{23E1B9F4-BB56-4914-9BD8-B56AC1531316}" type="datetime1">
               <a:rPr lang="en-GB" smtClean="0"/>
-              <a:t>05/12/2016</a:t>
+              <a:t>06/12/2016</a:t>
             </a:fld>
             <a:endParaRPr lang="en-GB"/>
           </a:p>
@@ -6643,7 +6644,7 @@
           <a:p>
             <a:fld id="{2921BF44-F096-42DF-ADC3-B535522D2EE1}" type="slidenum">
               <a:rPr lang="en-GB" smtClean="0"/>
-              <a:t>‹#›</a:t>
+              <a:t>‹Nr.›</a:t>
             </a:fld>
             <a:endParaRPr lang="en-GB"/>
           </a:p>
@@ -6815,7 +6816,7 @@
           <a:p>
             <a:fld id="{B80DFA59-A6D8-4F35-B196-6C06090E1566}" type="datetime1">
               <a:rPr lang="en-GB" smtClean="0"/>
-              <a:t>05/12/2016</a:t>
+              <a:t>06/12/2016</a:t>
             </a:fld>
             <a:endParaRPr lang="en-GB"/>
           </a:p>
@@ -6896,7 +6897,7 @@
           <a:p>
             <a:fld id="{2921BF44-F096-42DF-ADC3-B535522D2EE1}" type="slidenum">
               <a:rPr lang="en-GB" smtClean="0"/>
-              <a:t>‹#›</a:t>
+              <a:t>‹Nr.›</a:t>
             </a:fld>
             <a:endParaRPr lang="en-GB"/>
           </a:p>
@@ -7770,6 +7771,102 @@
 </file>
 
 <file path=ppt/slides/slide10.xml><?xml version="1.0" encoding="utf-8"?>
+<p:sld xmlns:a="http://schemas.openxmlformats.org/drawingml/2006/main" xmlns:r="http://schemas.openxmlformats.org/officeDocument/2006/relationships" xmlns:p="http://schemas.openxmlformats.org/presentationml/2006/main">
+  <p:cSld>
+    <p:spTree>
+      <p:nvGrpSpPr>
+        <p:cNvPr id="1" name=""/>
+        <p:cNvGrpSpPr/>
+        <p:nvPr/>
+      </p:nvGrpSpPr>
+      <p:grpSpPr>
+        <a:xfrm>
+          <a:off x="0" y="0"/>
+          <a:ext cx="0" cy="0"/>
+          <a:chOff x="0" y="0"/>
+          <a:chExt cx="0" cy="0"/>
+        </a:xfrm>
+      </p:grpSpPr>
+      <p:sp>
+        <p:nvSpPr>
+          <p:cNvPr id="2" name="Title 1"/>
+          <p:cNvSpPr>
+            <a:spLocks noGrp="1"/>
+          </p:cNvSpPr>
+          <p:nvPr>
+            <p:ph type="title"/>
+          </p:nvPr>
+        </p:nvSpPr>
+        <p:spPr/>
+        <p:txBody>
+          <a:bodyPr/>
+          <a:lstStyle/>
+          <a:p>
+            <a:r>
+              <a:rPr lang="en-GB" dirty="0"/>
+              <a:t>Backup</a:t>
+            </a:r>
+            <a:endParaRPr lang="de-DE" dirty="0"/>
+          </a:p>
+        </p:txBody>
+      </p:sp>
+      <p:sp>
+        <p:nvSpPr>
+          <p:cNvPr id="3" name="Content Placeholder 2"/>
+          <p:cNvSpPr>
+            <a:spLocks noGrp="1"/>
+          </p:cNvSpPr>
+          <p:nvPr>
+            <p:ph idx="1"/>
+          </p:nvPr>
+        </p:nvSpPr>
+        <p:spPr/>
+        <p:txBody>
+          <a:bodyPr/>
+          <a:lstStyle/>
+          <a:p>
+            <a:endParaRPr lang="de-DE"/>
+          </a:p>
+        </p:txBody>
+      </p:sp>
+      <p:sp>
+        <p:nvSpPr>
+          <p:cNvPr id="4" name="Slide Number Placeholder 3"/>
+          <p:cNvSpPr>
+            <a:spLocks noGrp="1"/>
+          </p:cNvSpPr>
+          <p:nvPr>
+            <p:ph type="sldNum" sz="quarter" idx="12"/>
+          </p:nvPr>
+        </p:nvSpPr>
+        <p:spPr/>
+        <p:txBody>
+          <a:bodyPr/>
+          <a:lstStyle/>
+          <a:p>
+            <a:fld id="{2921BF44-F096-42DF-ADC3-B535522D2EE1}" type="slidenum">
+              <a:rPr lang="en-GB" smtClean="0"/>
+              <a:pPr/>
+              <a:t>10</a:t>
+            </a:fld>
+            <a:endParaRPr lang="en-GB" dirty="0"/>
+          </a:p>
+        </p:txBody>
+      </p:sp>
+    </p:spTree>
+    <p:extLst>
+      <p:ext uri="{BB962C8B-B14F-4D97-AF65-F5344CB8AC3E}">
+        <p14:creationId xmlns:p14="http://schemas.microsoft.com/office/powerpoint/2010/main" val="333537589"/>
+      </p:ext>
+    </p:extLst>
+  </p:cSld>
+  <p:clrMapOvr>
+    <a:masterClrMapping/>
+  </p:clrMapOvr>
+</p:sld>
+</file>
+
+<file path=ppt/slides/slide11.xml><?xml version="1.0" encoding="utf-8"?>
 <p:sld xmlns:a="http://schemas.openxmlformats.org/drawingml/2006/main" xmlns:r="http://schemas.openxmlformats.org/officeDocument/2006/relationships" xmlns:p="http://schemas.openxmlformats.org/presentationml/2006/main" show="0">
   <p:cSld>
     <p:spTree>
@@ -7826,7 +7923,7 @@
           <a:p>
             <a:fld id="{2921BF44-F096-42DF-ADC3-B535522D2EE1}" type="slidenum">
               <a:rPr lang="en-GB" smtClean="0"/>
-              <a:t>10</a:t>
+              <a:t>11</a:t>
             </a:fld>
             <a:endParaRPr lang="en-GB"/>
           </a:p>
@@ -7980,18 +8077,10 @@
   <p:clrMapOvr>
     <a:masterClrMapping/>
   </p:clrMapOvr>
-  <mc:AlternateContent xmlns:mc="http://schemas.openxmlformats.org/markup-compatibility/2006">
-    <mc:Choice xmlns:p14="http://schemas.microsoft.com/office/powerpoint/2010/main" Requires="p14">
-      <p:transition spd="slow" p14:dur="2000"/>
-    </mc:Choice>
-    <mc:Fallback>
-      <p:transition spd="slow"/>
-    </mc:Fallback>
-  </mc:AlternateContent>
 </p:sld>
 </file>
 
-<file path=ppt/slides/slide11.xml><?xml version="1.0" encoding="utf-8"?>
+<file path=ppt/slides/slide12.xml><?xml version="1.0" encoding="utf-8"?>
 <p:sld xmlns:a="http://schemas.openxmlformats.org/drawingml/2006/main" xmlns:r="http://schemas.openxmlformats.org/officeDocument/2006/relationships" xmlns:p="http://schemas.openxmlformats.org/presentationml/2006/main">
   <p:cSld>
     <p:spTree>
@@ -8049,7 +8138,7 @@
             <a:fld id="{2921BF44-F096-42DF-ADC3-B535522D2EE1}" type="slidenum">
               <a:rPr lang="en-GB" smtClean="0"/>
               <a:pPr/>
-              <a:t>11</a:t>
+              <a:t>12</a:t>
             </a:fld>
             <a:endParaRPr lang="en-GB" dirty="0"/>
           </a:p>
@@ -8109,7 +8198,7 @@
 </p:sld>
 </file>
 
-<file path=ppt/slides/slide12.xml><?xml version="1.0" encoding="utf-8"?>
+<file path=ppt/slides/slide13.xml><?xml version="1.0" encoding="utf-8"?>
 <p:sld xmlns:a="http://schemas.openxmlformats.org/drawingml/2006/main" xmlns:r="http://schemas.openxmlformats.org/officeDocument/2006/relationships" xmlns:p="http://schemas.openxmlformats.org/presentationml/2006/main">
   <p:cSld>
     <p:spTree>
@@ -8179,10 +8268,6 @@
               </a:rPr>
               <a:t>https://localhost:8443/RetrieveTriples</a:t>
             </a:r>
-            <a:r>
-              <a:rPr lang="de-DE" dirty="0"/>
-              <a:t/>
-            </a:r>
             <a:br>
               <a:rPr lang="de-DE" dirty="0"/>
             </a:br>
@@ -8225,10 +8310,6 @@
             <a:pPr marL="0" indent="0">
               <a:buNone/>
             </a:pPr>
-            <a:r>
-              <a:rPr lang="en-GB" dirty="0"/>
-              <a:t/>
-            </a:r>
             <a:br>
               <a:rPr lang="en-GB" dirty="0"/>
             </a:br>
@@ -8258,7 +8339,7 @@
             <a:fld id="{2921BF44-F096-42DF-ADC3-B535522D2EE1}" type="slidenum">
               <a:rPr lang="en-GB" smtClean="0"/>
               <a:pPr/>
-              <a:t>12</a:t>
+              <a:t>13</a:t>
             </a:fld>
             <a:endParaRPr lang="en-GB" dirty="0"/>
           </a:p>
@@ -8385,7 +8466,7 @@
 </p:sld>
 </file>
 
-<file path=ppt/slides/slide13.xml><?xml version="1.0" encoding="utf-8"?>
+<file path=ppt/slides/slide14.xml><?xml version="1.0" encoding="utf-8"?>
 <p:sld xmlns:a="http://schemas.openxmlformats.org/drawingml/2006/main" xmlns:r="http://schemas.openxmlformats.org/officeDocument/2006/relationships" xmlns:p="http://schemas.openxmlformats.org/presentationml/2006/main">
   <p:cSld>
     <p:spTree>
@@ -8489,7 +8570,7 @@
             <a:fld id="{2921BF44-F096-42DF-ADC3-B535522D2EE1}" type="slidenum">
               <a:rPr lang="en-GB" smtClean="0"/>
               <a:pPr/>
-              <a:t>13</a:t>
+              <a:t>14</a:t>
             </a:fld>
             <a:endParaRPr lang="en-GB" dirty="0"/>
           </a:p>
@@ -8958,7 +9039,7 @@
                 <a14:useLocalDpi xmlns:a14="http://schemas.microsoft.com/office/drawing/2010/main" val="0"/>
               </a:ext>
               <a:ext uri="{96DAC541-7B7A-43D3-8B79-37D633B846F1}">
-                <asvg:svgBlip xmlns:asvg="http://schemas.microsoft.com/office/drawing/2016/SVG/main" xmlns="" r:embed="rId7"/>
+                <asvg:svgBlip xmlns:asvg="http://schemas.microsoft.com/office/drawing/2016/SVG/main" r:embed="rId7"/>
               </a:ext>
             </a:extLst>
           </a:blip>
@@ -8991,7 +9072,7 @@
                 <a14:useLocalDpi xmlns:a14="http://schemas.microsoft.com/office/drawing/2010/main" val="0"/>
               </a:ext>
               <a:ext uri="{96DAC541-7B7A-43D3-8B79-37D633B846F1}">
-                <asvg:svgBlip xmlns:asvg="http://schemas.microsoft.com/office/drawing/2016/SVG/main" xmlns="" r:embed="rId9"/>
+                <asvg:svgBlip xmlns:asvg="http://schemas.microsoft.com/office/drawing/2016/SVG/main" r:embed="rId9"/>
               </a:ext>
             </a:extLst>
           </a:blip>
@@ -9612,7 +9693,7 @@
                   <a14:useLocalDpi xmlns:a14="http://schemas.microsoft.com/office/drawing/2010/main" val="0"/>
                 </a:ext>
                 <a:ext uri="{96DAC541-7B7A-43D3-8B79-37D633B846F1}">
-                  <asvg:svgBlip xmlns:asvg="http://schemas.microsoft.com/office/drawing/2016/SVG/main" xmlns="" r:embed="rId5"/>
+                  <asvg:svgBlip xmlns:asvg="http://schemas.microsoft.com/office/drawing/2016/SVG/main" r:embed="rId5"/>
                 </a:ext>
               </a:extLst>
             </a:blip>
@@ -9772,7 +9853,7 @@
                   <a14:useLocalDpi xmlns:a14="http://schemas.microsoft.com/office/drawing/2010/main" val="0"/>
                 </a:ext>
                 <a:ext uri="{96DAC541-7B7A-43D3-8B79-37D633B846F1}">
-                  <asvg:svgBlip xmlns:asvg="http://schemas.microsoft.com/office/drawing/2016/SVG/main" xmlns="" r:embed="rId9"/>
+                  <asvg:svgBlip xmlns:asvg="http://schemas.microsoft.com/office/drawing/2016/SVG/main" r:embed="rId9"/>
                 </a:ext>
               </a:extLst>
             </a:blip>
@@ -9865,7 +9946,7 @@
                     <a14:useLocalDpi xmlns:a14="http://schemas.microsoft.com/office/drawing/2010/main" val="0"/>
                   </a:ext>
                   <a:ext uri="{96DAC541-7B7A-43D3-8B79-37D633B846F1}">
-                    <asvg:svgBlip xmlns:asvg="http://schemas.microsoft.com/office/drawing/2016/SVG/main" xmlns="" r:embed="rId11"/>
+                    <asvg:svgBlip xmlns:asvg="http://schemas.microsoft.com/office/drawing/2016/SVG/main" r:embed="rId11"/>
                   </a:ext>
                 </a:extLst>
               </a:blip>
@@ -9898,7 +9979,7 @@
                     <a14:useLocalDpi xmlns:a14="http://schemas.microsoft.com/office/drawing/2010/main" val="0"/>
                   </a:ext>
                   <a:ext uri="{96DAC541-7B7A-43D3-8B79-37D633B846F1}">
-                    <asvg:svgBlip xmlns:asvg="http://schemas.microsoft.com/office/drawing/2016/SVG/main" xmlns="" r:embed="rId13"/>
+                    <asvg:svgBlip xmlns:asvg="http://schemas.microsoft.com/office/drawing/2016/SVG/main" r:embed="rId13"/>
                   </a:ext>
                 </a:extLst>
               </a:blip>
@@ -10080,7 +10161,7 @@
                 <a14:useLocalDpi xmlns:a14="http://schemas.microsoft.com/office/drawing/2010/main" val="0"/>
               </a:ext>
               <a:ext uri="{96DAC541-7B7A-43D3-8B79-37D633B846F1}">
-                <asvg:svgBlip xmlns:asvg="http://schemas.microsoft.com/office/drawing/2016/SVG/main" xmlns="" r:embed="rId18"/>
+                <asvg:svgBlip xmlns:asvg="http://schemas.microsoft.com/office/drawing/2016/SVG/main" r:embed="rId18"/>
               </a:ext>
             </a:extLst>
           </a:blip>
@@ -10113,7 +10194,7 @@
                 <a14:useLocalDpi xmlns:a14="http://schemas.microsoft.com/office/drawing/2010/main" val="0"/>
               </a:ext>
               <a:ext uri="{96DAC541-7B7A-43D3-8B79-37D633B846F1}">
-                <asvg:svgBlip xmlns:asvg="http://schemas.microsoft.com/office/drawing/2016/SVG/main" xmlns="" r:embed="rId20"/>
+                <asvg:svgBlip xmlns:asvg="http://schemas.microsoft.com/office/drawing/2016/SVG/main" r:embed="rId20"/>
               </a:ext>
             </a:extLst>
           </a:blip>
@@ -10492,13 +10573,13 @@
             <p:nvPr/>
           </p:nvPicPr>
           <p:blipFill>
-            <a:blip r:embed="rId24" cstate="print">
+            <a:blip r:embed="rId12" cstate="print">
               <a:extLst>
                 <a:ext uri="{28A0092B-C50C-407E-A947-70E740481C1C}">
                   <a14:useLocalDpi xmlns:a14="http://schemas.microsoft.com/office/drawing/2010/main" val="0"/>
                 </a:ext>
                 <a:ext uri="{96DAC541-7B7A-43D3-8B79-37D633B846F1}">
-                  <asvg:svgBlip xmlns:asvg="http://schemas.microsoft.com/office/drawing/2016/SVG/main" xmlns="" r:embed="rId13"/>
+                  <asvg:svgBlip xmlns:asvg="http://schemas.microsoft.com/office/drawing/2016/SVG/main" r:embed="rId13"/>
                 </a:ext>
               </a:extLst>
             </a:blip>
@@ -12069,7 +12150,7 @@
                   <a14:useLocalDpi xmlns:a14="http://schemas.microsoft.com/office/drawing/2010/main" val="0"/>
                 </a:ext>
                 <a:ext uri="{96DAC541-7B7A-43D3-8B79-37D633B846F1}">
-                  <asvg:svgBlip xmlns:asvg="http://schemas.microsoft.com/office/drawing/2016/SVG/main" xmlns="" r:embed="rId6"/>
+                  <asvg:svgBlip xmlns:asvg="http://schemas.microsoft.com/office/drawing/2016/SVG/main" r:embed="rId6"/>
                 </a:ext>
               </a:extLst>
             </a:blip>
@@ -12228,7 +12309,7 @@
                 <a14:useLocalDpi xmlns:a14="http://schemas.microsoft.com/office/drawing/2010/main" val="0"/>
               </a:ext>
               <a:ext uri="{96DAC541-7B7A-43D3-8B79-37D633B846F1}">
-                <asvg:svgBlip xmlns:asvg="http://schemas.microsoft.com/office/drawing/2016/SVG/main" xmlns="" r:embed="rId8"/>
+                <asvg:svgBlip xmlns:asvg="http://schemas.microsoft.com/office/drawing/2016/SVG/main" r:embed="rId8"/>
               </a:ext>
             </a:extLst>
           </a:blip>
@@ -12275,7 +12356,7 @@
                   <a14:useLocalDpi xmlns:a14="http://schemas.microsoft.com/office/drawing/2010/main" val="0"/>
                 </a:ext>
                 <a:ext uri="{96DAC541-7B7A-43D3-8B79-37D633B846F1}">
-                  <asvg:svgBlip xmlns:asvg="http://schemas.microsoft.com/office/drawing/2016/SVG/main" xmlns="" r:embed="rId10"/>
+                  <asvg:svgBlip xmlns:asvg="http://schemas.microsoft.com/office/drawing/2016/SVG/main" r:embed="rId10"/>
                 </a:ext>
               </a:extLst>
             </a:blip>
@@ -12368,7 +12449,7 @@
                     <a14:useLocalDpi xmlns:a14="http://schemas.microsoft.com/office/drawing/2010/main" val="0"/>
                   </a:ext>
                   <a:ext uri="{96DAC541-7B7A-43D3-8B79-37D633B846F1}">
-                    <asvg:svgBlip xmlns:asvg="http://schemas.microsoft.com/office/drawing/2016/SVG/main" xmlns="" r:embed="rId12"/>
+                    <asvg:svgBlip xmlns:asvg="http://schemas.microsoft.com/office/drawing/2016/SVG/main" r:embed="rId12"/>
                   </a:ext>
                 </a:extLst>
               </a:blip>
@@ -12522,7 +12603,7 @@
                   <a14:useLocalDpi xmlns:a14="http://schemas.microsoft.com/office/drawing/2010/main" val="0"/>
                 </a:ext>
                 <a:ext uri="{96DAC541-7B7A-43D3-8B79-37D633B846F1}">
-                  <asvg:svgBlip xmlns:asvg="http://schemas.microsoft.com/office/drawing/2016/SVG/main" xmlns="" r:embed="rId16"/>
+                  <asvg:svgBlip xmlns:asvg="http://schemas.microsoft.com/office/drawing/2016/SVG/main" r:embed="rId16"/>
                 </a:ext>
               </a:extLst>
             </a:blip>
@@ -12601,7 +12682,7 @@
                   <a14:useLocalDpi xmlns:a14="http://schemas.microsoft.com/office/drawing/2010/main" val="0"/>
                 </a:ext>
                 <a:ext uri="{96DAC541-7B7A-43D3-8B79-37D633B846F1}">
-                  <asvg:svgBlip xmlns:asvg="http://schemas.microsoft.com/office/drawing/2016/SVG/main" xmlns="" r:embed="rId18"/>
+                  <asvg:svgBlip xmlns:asvg="http://schemas.microsoft.com/office/drawing/2016/SVG/main" r:embed="rId18"/>
                 </a:ext>
               </a:extLst>
             </a:blip>
@@ -12846,7 +12927,7 @@
                     <a14:useLocalDpi xmlns:a14="http://schemas.microsoft.com/office/drawing/2010/main" val="0"/>
                   </a:ext>
                   <a:ext uri="{96DAC541-7B7A-43D3-8B79-37D633B846F1}">
-                    <asvg:svgBlip xmlns:asvg="http://schemas.microsoft.com/office/drawing/2016/SVG/main" xmlns="" r:embed="rId22"/>
+                    <asvg:svgBlip xmlns:asvg="http://schemas.microsoft.com/office/drawing/2016/SVG/main" r:embed="rId22"/>
                   </a:ext>
                 </a:extLst>
               </a:blip>
@@ -12873,13 +12954,13 @@
               <p:nvPr/>
             </p:nvPicPr>
             <p:blipFill>
-              <a:blip r:embed="rId23" cstate="print">
+              <a:blip r:embed="rId15" cstate="print">
                 <a:extLst>
                   <a:ext uri="{28A0092B-C50C-407E-A947-70E740481C1C}">
                     <a14:useLocalDpi xmlns:a14="http://schemas.microsoft.com/office/drawing/2010/main" val="0"/>
                   </a:ext>
                   <a:ext uri="{96DAC541-7B7A-43D3-8B79-37D633B846F1}">
-                    <asvg:svgBlip xmlns:asvg="http://schemas.microsoft.com/office/drawing/2016/SVG/main" xmlns="" r:embed="rId16"/>
+                    <asvg:svgBlip xmlns:asvg="http://schemas.microsoft.com/office/drawing/2016/SVG/main" r:embed="rId16"/>
                   </a:ext>
                 </a:extLst>
               </a:blip>
@@ -12906,11 +12987,11 @@
               <p:nvPr/>
             </p:nvPicPr>
             <p:blipFill>
-              <a:blip r:embed="rId24" cstate="print">
+              <a:blip r:embed="rId23" cstate="print">
                 <a:extLst>
                   <a:ext uri="{BEBA8EAE-BF5A-486C-A8C5-ECC9F3942E4B}">
                     <a14:imgProps xmlns:a14="http://schemas.microsoft.com/office/drawing/2010/main">
-                      <a14:imgLayer r:embed="rId25">
+                      <a14:imgLayer r:embed="rId24">
                         <a14:imgEffect>
                           <a14:backgroundRemoval t="9425" b="94089" l="0" r="100000">
                             <a14:foregroundMark x1="5272" y1="63419" x2="5272" y2="63419"/>
@@ -12951,7 +13032,7 @@
               <p:nvPr/>
             </p:nvPicPr>
             <p:blipFill rotWithShape="1">
-              <a:blip r:embed="rId26" cstate="print">
+              <a:blip r:embed="rId25" cstate="print">
                 <a:extLst>
                   <a:ext uri="{28A0092B-C50C-407E-A947-70E740481C1C}">
                     <a14:useLocalDpi xmlns:a14="http://schemas.microsoft.com/office/drawing/2010/main" val="0"/>
@@ -14516,7 +14597,7 @@
                   <a14:useLocalDpi xmlns:a14="http://schemas.microsoft.com/office/drawing/2010/main" val="0"/>
                 </a:ext>
                 <a:ext uri="{96DAC541-7B7A-43D3-8B79-37D633B846F1}">
-                  <asvg:svgBlip xmlns:asvg="http://schemas.microsoft.com/office/drawing/2016/SVG/main" xmlns="" r:embed="rId3"/>
+                  <asvg:svgBlip xmlns:asvg="http://schemas.microsoft.com/office/drawing/2016/SVG/main" r:embed="rId3"/>
                 </a:ext>
               </a:extLst>
             </a:blip>
@@ -14787,8 +14868,8 @@
         </p:nvSpPr>
         <p:spPr>
           <a:xfrm>
-            <a:off x="1281841" y="4754334"/>
-            <a:ext cx="735571" cy="276999"/>
+            <a:off x="1235677" y="4754334"/>
+            <a:ext cx="781736" cy="307777"/>
           </a:xfrm>
           <a:prstGeom prst="rect">
             <a:avLst/>
@@ -14803,10 +14884,10 @@
           <a:p>
             <a:pPr algn="ctr"/>
             <a:r>
-              <a:rPr lang="en-GB" sz="1200" dirty="0"/>
+              <a:rPr lang="en-GB" sz="1400" dirty="0"/>
               <a:t>Website</a:t>
             </a:r>
-            <a:endParaRPr lang="de-DE" sz="1200" dirty="0"/>
+            <a:endParaRPr lang="de-DE" sz="1400" dirty="0"/>
           </a:p>
         </p:txBody>
       </p:sp>
@@ -14927,7 +15008,7 @@
                   <a14:useLocalDpi xmlns:a14="http://schemas.microsoft.com/office/drawing/2010/main" val="0"/>
                 </a:ext>
                 <a:ext uri="{96DAC541-7B7A-43D3-8B79-37D633B846F1}">
-                  <asvg:svgBlip xmlns:asvg="http://schemas.microsoft.com/office/drawing/2016/SVG/main" xmlns="" r:embed="rId7"/>
+                  <asvg:svgBlip xmlns:asvg="http://schemas.microsoft.com/office/drawing/2016/SVG/main" r:embed="rId7"/>
                 </a:ext>
               </a:extLst>
             </a:blip>
@@ -16204,7 +16285,7 @@
                   <a14:useLocalDpi xmlns:a14="http://schemas.microsoft.com/office/drawing/2010/main" val="0"/>
                 </a:ext>
                 <a:ext uri="{96DAC541-7B7A-43D3-8B79-37D633B846F1}">
-                  <asvg:svgBlip xmlns:asvg="http://schemas.microsoft.com/office/drawing/2016/SVG/main" xmlns="" r:embed="rId13"/>
+                  <asvg:svgBlip xmlns:asvg="http://schemas.microsoft.com/office/drawing/2016/SVG/main" r:embed="rId13"/>
                 </a:ext>
               </a:extLst>
             </a:blip>
@@ -17001,6 +17082,2721 @@
       </p:grpSpPr>
       <p:sp>
         <p:nvSpPr>
+          <p:cNvPr id="2" name="Title 1"/>
+          <p:cNvSpPr>
+            <a:spLocks noGrp="1"/>
+          </p:cNvSpPr>
+          <p:nvPr>
+            <p:ph type="title"/>
+          </p:nvPr>
+        </p:nvSpPr>
+        <p:spPr/>
+        <p:txBody>
+          <a:bodyPr/>
+          <a:lstStyle/>
+          <a:p>
+            <a:r>
+              <a:rPr lang="en-GB" dirty="0"/>
+              <a:t>Chrome extension</a:t>
+            </a:r>
+            <a:endParaRPr lang="de-DE" dirty="0"/>
+          </a:p>
+        </p:txBody>
+      </p:sp>
+      <p:sp>
+        <p:nvSpPr>
+          <p:cNvPr id="4" name="Slide Number Placeholder 3"/>
+          <p:cNvSpPr>
+            <a:spLocks noGrp="1"/>
+          </p:cNvSpPr>
+          <p:nvPr>
+            <p:ph type="sldNum" sz="quarter" idx="12"/>
+          </p:nvPr>
+        </p:nvSpPr>
+        <p:spPr/>
+        <p:txBody>
+          <a:bodyPr/>
+          <a:lstStyle/>
+          <a:p>
+            <a:fld id="{2921BF44-F096-42DF-ADC3-B535522D2EE1}" type="slidenum">
+              <a:rPr lang="en-GB" smtClean="0"/>
+              <a:pPr/>
+              <a:t>7</a:t>
+            </a:fld>
+            <a:endParaRPr lang="en-GB" dirty="0"/>
+          </a:p>
+        </p:txBody>
+      </p:sp>
+      <p:sp>
+        <p:nvSpPr>
+          <p:cNvPr id="5" name="Rechteck: abgerundete Ecken 2"/>
+          <p:cNvSpPr/>
+          <p:nvPr/>
+        </p:nvSpPr>
+        <p:spPr>
+          <a:xfrm>
+            <a:off x="5900049" y="2146225"/>
+            <a:ext cx="1624093" cy="3772030"/>
+          </a:xfrm>
+          <a:prstGeom prst="roundRect">
+            <a:avLst/>
+          </a:prstGeom>
+          <a:noFill/>
+          <a:ln>
+            <a:solidFill>
+              <a:schemeClr val="accent1"/>
+            </a:solidFill>
+          </a:ln>
+        </p:spPr>
+        <p:style>
+          <a:lnRef idx="2">
+            <a:schemeClr val="accent1">
+              <a:shade val="50000"/>
+            </a:schemeClr>
+          </a:lnRef>
+          <a:fillRef idx="1">
+            <a:schemeClr val="accent1"/>
+          </a:fillRef>
+          <a:effectRef idx="0">
+            <a:schemeClr val="accent1"/>
+          </a:effectRef>
+          <a:fontRef idx="minor">
+            <a:schemeClr val="lt1"/>
+          </a:fontRef>
+        </p:style>
+        <p:txBody>
+          <a:bodyPr rtlCol="0" anchor="t"/>
+          <a:lstStyle/>
+          <a:p>
+            <a:r>
+              <a:rPr lang="de-DE" dirty="0">
+                <a:solidFill>
+                  <a:schemeClr val="tx1"/>
+                </a:solidFill>
+              </a:rPr>
+              <a:t>Chrome Extension</a:t>
+            </a:r>
+          </a:p>
+        </p:txBody>
+      </p:sp>
+      <p:grpSp>
+        <p:nvGrpSpPr>
+          <p:cNvPr id="10" name="Group 9"/>
+          <p:cNvGrpSpPr/>
+          <p:nvPr/>
+        </p:nvGrpSpPr>
+        <p:grpSpPr>
+          <a:xfrm>
+            <a:off x="830747" y="3322815"/>
+            <a:ext cx="1637760" cy="1637760"/>
+            <a:chOff x="998955" y="4243888"/>
+            <a:chExt cx="1637760" cy="1637760"/>
+          </a:xfrm>
+        </p:grpSpPr>
+        <p:pic>
+          <p:nvPicPr>
+            <p:cNvPr id="6" name="Grafik 131" descr="Monitor"/>
+            <p:cNvPicPr>
+              <a:picLocks noChangeAspect="1"/>
+            </p:cNvPicPr>
+            <p:nvPr/>
+          </p:nvPicPr>
+          <p:blipFill>
+            <a:blip r:embed="rId2">
+              <a:extLst>
+                <a:ext uri="{28A0092B-C50C-407E-A947-70E740481C1C}">
+                  <a14:useLocalDpi xmlns:a14="http://schemas.microsoft.com/office/drawing/2010/main" val="0"/>
+                </a:ext>
+                <a:ext uri="{96DAC541-7B7A-43D3-8B79-37D633B846F1}">
+                  <asvg:svgBlip xmlns:asvg="http://schemas.microsoft.com/office/drawing/2016/SVG/main" r:embed="rId3"/>
+                </a:ext>
+              </a:extLst>
+            </a:blip>
+            <a:stretch>
+              <a:fillRect/>
+            </a:stretch>
+          </p:blipFill>
+          <p:spPr>
+            <a:xfrm>
+              <a:off x="998955" y="4243888"/>
+              <a:ext cx="1637760" cy="1637760"/>
+            </a:xfrm>
+            <a:prstGeom prst="rect">
+              <a:avLst/>
+            </a:prstGeom>
+          </p:spPr>
+        </p:pic>
+        <p:pic>
+          <p:nvPicPr>
+            <p:cNvPr id="8" name="Grafik 6"/>
+            <p:cNvPicPr>
+              <a:picLocks noChangeAspect="1"/>
+            </p:cNvPicPr>
+            <p:nvPr/>
+          </p:nvPicPr>
+          <p:blipFill>
+            <a:blip r:embed="rId4"/>
+            <a:stretch>
+              <a:fillRect/>
+            </a:stretch>
+          </p:blipFill>
+          <p:spPr>
+            <a:xfrm>
+              <a:off x="1238251" y="4585594"/>
+              <a:ext cx="1159408" cy="735437"/>
+            </a:xfrm>
+            <a:prstGeom prst="rect">
+              <a:avLst/>
+            </a:prstGeom>
+          </p:spPr>
+        </p:pic>
+      </p:grpSp>
+      <p:sp>
+        <p:nvSpPr>
+          <p:cNvPr id="11" name="Rechteck: abgerundete Ecken 2"/>
+          <p:cNvSpPr/>
+          <p:nvPr/>
+        </p:nvSpPr>
+        <p:spPr>
+          <a:xfrm>
+            <a:off x="844414" y="2109618"/>
+            <a:ext cx="1624093" cy="3772030"/>
+          </a:xfrm>
+          <a:prstGeom prst="roundRect">
+            <a:avLst/>
+          </a:prstGeom>
+          <a:noFill/>
+          <a:ln>
+            <a:solidFill>
+              <a:schemeClr val="accent1"/>
+            </a:solidFill>
+          </a:ln>
+        </p:spPr>
+        <p:style>
+          <a:lnRef idx="2">
+            <a:schemeClr val="accent1">
+              <a:shade val="50000"/>
+            </a:schemeClr>
+          </a:lnRef>
+          <a:fillRef idx="1">
+            <a:schemeClr val="accent1"/>
+          </a:fillRef>
+          <a:effectRef idx="0">
+            <a:schemeClr val="accent1"/>
+          </a:effectRef>
+          <a:fontRef idx="minor">
+            <a:schemeClr val="lt1"/>
+          </a:fontRef>
+        </p:style>
+        <p:txBody>
+          <a:bodyPr rtlCol="0" anchor="t"/>
+          <a:lstStyle/>
+          <a:p>
+            <a:r>
+              <a:rPr lang="de-DE" dirty="0">
+                <a:solidFill>
+                  <a:schemeClr val="tx1"/>
+                </a:solidFill>
+              </a:rPr>
+              <a:t>Browser</a:t>
+            </a:r>
+          </a:p>
+        </p:txBody>
+      </p:sp>
+      <p:sp>
+        <p:nvSpPr>
+          <p:cNvPr id="13" name="Rechteck: abgerundete Ecken 206"/>
+          <p:cNvSpPr/>
+          <p:nvPr/>
+        </p:nvSpPr>
+        <p:spPr>
+          <a:xfrm>
+            <a:off x="9448153" y="2146225"/>
+            <a:ext cx="1599088" cy="3772030"/>
+          </a:xfrm>
+          <a:prstGeom prst="roundRect">
+            <a:avLst/>
+          </a:prstGeom>
+          <a:solidFill>
+            <a:schemeClr val="bg2"/>
+          </a:solidFill>
+          <a:ln>
+            <a:solidFill>
+              <a:schemeClr val="accent1"/>
+            </a:solidFill>
+          </a:ln>
+        </p:spPr>
+        <p:style>
+          <a:lnRef idx="2">
+            <a:schemeClr val="accent1">
+              <a:shade val="50000"/>
+            </a:schemeClr>
+          </a:lnRef>
+          <a:fillRef idx="1">
+            <a:schemeClr val="accent1"/>
+          </a:fillRef>
+          <a:effectRef idx="0">
+            <a:schemeClr val="accent1"/>
+          </a:effectRef>
+          <a:fontRef idx="minor">
+            <a:schemeClr val="lt1"/>
+          </a:fontRef>
+        </p:style>
+        <p:txBody>
+          <a:bodyPr rtlCol="0" anchor="t"/>
+          <a:lstStyle/>
+          <a:p>
+            <a:r>
+              <a:rPr lang="de-DE" dirty="0">
+                <a:solidFill>
+                  <a:schemeClr val="tx1"/>
+                </a:solidFill>
+              </a:rPr>
+              <a:t>Server</a:t>
+            </a:r>
+          </a:p>
+        </p:txBody>
+      </p:sp>
+      <p:cxnSp>
+        <p:nvCxnSpPr>
+          <p:cNvPr id="15" name="Straight Arrow Connector 14"/>
+          <p:cNvCxnSpPr/>
+          <p:nvPr/>
+        </p:nvCxnSpPr>
+        <p:spPr>
+          <a:xfrm>
+            <a:off x="7524141" y="3895617"/>
+            <a:ext cx="1924011" cy="0"/>
+          </a:xfrm>
+          <a:prstGeom prst="straightConnector1">
+            <a:avLst/>
+          </a:prstGeom>
+          <a:ln w="38100">
+            <a:solidFill>
+              <a:schemeClr val="accent1">
+                <a:lumMod val="50000"/>
+              </a:schemeClr>
+            </a:solidFill>
+            <a:tailEnd type="triangle"/>
+          </a:ln>
+        </p:spPr>
+        <p:style>
+          <a:lnRef idx="1">
+            <a:schemeClr val="accent1"/>
+          </a:lnRef>
+          <a:fillRef idx="0">
+            <a:schemeClr val="accent1"/>
+          </a:fillRef>
+          <a:effectRef idx="0">
+            <a:schemeClr val="accent1"/>
+          </a:effectRef>
+          <a:fontRef idx="minor">
+            <a:schemeClr val="tx1"/>
+          </a:fontRef>
+        </p:style>
+      </p:cxnSp>
+      <p:cxnSp>
+        <p:nvCxnSpPr>
+          <p:cNvPr id="20" name="Straight Arrow Connector 19"/>
+          <p:cNvCxnSpPr/>
+          <p:nvPr/>
+        </p:nvCxnSpPr>
+        <p:spPr>
+          <a:xfrm flipH="1">
+            <a:off x="2468509" y="2523657"/>
+            <a:ext cx="3420946" cy="14345"/>
+          </a:xfrm>
+          <a:prstGeom prst="straightConnector1">
+            <a:avLst/>
+          </a:prstGeom>
+          <a:ln w="38100">
+            <a:solidFill>
+              <a:schemeClr val="accent1">
+                <a:lumMod val="50000"/>
+              </a:schemeClr>
+            </a:solidFill>
+            <a:tailEnd type="triangle"/>
+          </a:ln>
+        </p:spPr>
+        <p:style>
+          <a:lnRef idx="1">
+            <a:schemeClr val="accent1"/>
+          </a:lnRef>
+          <a:fillRef idx="0">
+            <a:schemeClr val="accent1"/>
+          </a:fillRef>
+          <a:effectRef idx="0">
+            <a:schemeClr val="accent1"/>
+          </a:effectRef>
+          <a:fontRef idx="minor">
+            <a:schemeClr val="tx1"/>
+          </a:fontRef>
+        </p:style>
+      </p:cxnSp>
+      <p:cxnSp>
+        <p:nvCxnSpPr>
+          <p:cNvPr id="49" name="Straight Arrow Connector 48"/>
+          <p:cNvCxnSpPr/>
+          <p:nvPr/>
+        </p:nvCxnSpPr>
+        <p:spPr>
+          <a:xfrm flipH="1" flipV="1">
+            <a:off x="2468510" y="3371215"/>
+            <a:ext cx="3420945" cy="12560"/>
+          </a:xfrm>
+          <a:prstGeom prst="straightConnector1">
+            <a:avLst/>
+          </a:prstGeom>
+          <a:ln w="38100">
+            <a:solidFill>
+              <a:schemeClr val="accent1">
+                <a:lumMod val="50000"/>
+              </a:schemeClr>
+            </a:solidFill>
+            <a:tailEnd type="triangle"/>
+          </a:ln>
+        </p:spPr>
+        <p:style>
+          <a:lnRef idx="1">
+            <a:schemeClr val="accent1"/>
+          </a:lnRef>
+          <a:fillRef idx="0">
+            <a:schemeClr val="accent1"/>
+          </a:fillRef>
+          <a:effectRef idx="0">
+            <a:schemeClr val="accent1"/>
+          </a:effectRef>
+          <a:fontRef idx="minor">
+            <a:schemeClr val="tx1"/>
+          </a:fontRef>
+        </p:style>
+      </p:cxnSp>
+      <p:sp>
+        <p:nvSpPr>
+          <p:cNvPr id="58" name="TextBox 57"/>
+          <p:cNvSpPr txBox="1"/>
+          <p:nvPr/>
+        </p:nvSpPr>
+        <p:spPr>
+          <a:xfrm>
+            <a:off x="1235677" y="4754334"/>
+            <a:ext cx="781736" cy="307777"/>
+          </a:xfrm>
+          <a:prstGeom prst="rect">
+            <a:avLst/>
+          </a:prstGeom>
+          <a:noFill/>
+        </p:spPr>
+        <p:txBody>
+          <a:bodyPr wrap="square" rtlCol="0">
+            <a:spAutoFit/>
+          </a:bodyPr>
+          <a:lstStyle/>
+          <a:p>
+            <a:pPr algn="ctr"/>
+            <a:r>
+              <a:rPr lang="en-GB" sz="1400" dirty="0"/>
+              <a:t>Website</a:t>
+            </a:r>
+            <a:endParaRPr lang="de-DE" sz="1400" dirty="0"/>
+          </a:p>
+        </p:txBody>
+      </p:sp>
+      <p:grpSp>
+        <p:nvGrpSpPr>
+          <p:cNvPr id="61" name="Group 60"/>
+          <p:cNvGrpSpPr/>
+          <p:nvPr/>
+        </p:nvGrpSpPr>
+        <p:grpSpPr>
+          <a:xfrm>
+            <a:off x="8452885" y="2923749"/>
+            <a:ext cx="809128" cy="994765"/>
+            <a:chOff x="7023909" y="3700176"/>
+            <a:chExt cx="809128" cy="994765"/>
+          </a:xfrm>
+        </p:grpSpPr>
+        <p:pic>
+          <p:nvPicPr>
+            <p:cNvPr id="9" name="Picture 4" descr="http://westwoodcivicclub.com/wp-content/uploads/2015/11/news-icon.png"/>
+            <p:cNvPicPr>
+              <a:picLocks noChangeAspect="1" noChangeArrowheads="1"/>
+            </p:cNvPicPr>
+            <p:nvPr/>
+          </p:nvPicPr>
+          <p:blipFill rotWithShape="1">
+            <a:blip r:embed="rId5" cstate="print">
+              <a:extLst>
+                <a:ext uri="{28A0092B-C50C-407E-A947-70E740481C1C}">
+                  <a14:useLocalDpi xmlns:a14="http://schemas.microsoft.com/office/drawing/2010/main" val="0"/>
+                </a:ext>
+              </a:extLst>
+            </a:blip>
+            <a:srcRect l="5276" t="6248" r="6322" b="6114"/>
+            <a:stretch/>
+          </p:blipFill>
+          <p:spPr bwMode="auto">
+            <a:xfrm>
+              <a:off x="7052236" y="3700176"/>
+              <a:ext cx="724042" cy="717781"/>
+            </a:xfrm>
+            <a:prstGeom prst="rect">
+              <a:avLst/>
+            </a:prstGeom>
+            <a:noFill/>
+            <a:effectLst>
+              <a:softEdge rad="63500"/>
+            </a:effectLst>
+            <a:extLst>
+              <a:ext uri="{909E8E84-426E-40DD-AFC4-6F175D3DCCD1}">
+                <a14:hiddenFill xmlns:a14="http://schemas.microsoft.com/office/drawing/2010/main">
+                  <a:solidFill>
+                    <a:srgbClr val="FFFFFF"/>
+                  </a:solidFill>
+                </a14:hiddenFill>
+              </a:ext>
+            </a:extLst>
+          </p:spPr>
+        </p:pic>
+        <p:sp>
+          <p:nvSpPr>
+            <p:cNvPr id="57" name="TextBox 56"/>
+            <p:cNvSpPr txBox="1"/>
+            <p:nvPr/>
+          </p:nvSpPr>
+          <p:spPr>
+            <a:xfrm>
+              <a:off x="7023909" y="4399596"/>
+              <a:ext cx="809128" cy="295345"/>
+            </a:xfrm>
+            <a:prstGeom prst="rect">
+              <a:avLst/>
+            </a:prstGeom>
+            <a:noFill/>
+          </p:spPr>
+          <p:txBody>
+            <a:bodyPr wrap="square" rtlCol="0">
+              <a:spAutoFit/>
+            </a:bodyPr>
+            <a:lstStyle/>
+            <a:p>
+              <a:pPr algn="ctr"/>
+              <a:r>
+                <a:rPr lang="en-GB" sz="1400" dirty="0"/>
+                <a:t>Content</a:t>
+              </a:r>
+              <a:endParaRPr lang="de-DE" sz="1400" dirty="0"/>
+            </a:p>
+          </p:txBody>
+        </p:sp>
+      </p:grpSp>
+      <p:grpSp>
+        <p:nvGrpSpPr>
+          <p:cNvPr id="60" name="Group 59"/>
+          <p:cNvGrpSpPr/>
+          <p:nvPr/>
+        </p:nvGrpSpPr>
+        <p:grpSpPr>
+          <a:xfrm>
+            <a:off x="7791990" y="2856719"/>
+            <a:ext cx="832361" cy="1071320"/>
+            <a:chOff x="6306726" y="3650506"/>
+            <a:chExt cx="832361" cy="1071320"/>
+          </a:xfrm>
+        </p:grpSpPr>
+        <p:pic>
+          <p:nvPicPr>
+            <p:cNvPr id="7" name="Grafik 132" descr="Prüfliste"/>
+            <p:cNvPicPr>
+              <a:picLocks noChangeAspect="1"/>
+            </p:cNvPicPr>
+            <p:nvPr/>
+          </p:nvPicPr>
+          <p:blipFill>
+            <a:blip r:embed="rId6" cstate="print">
+              <a:extLst>
+                <a:ext uri="{28A0092B-C50C-407E-A947-70E740481C1C}">
+                  <a14:useLocalDpi xmlns:a14="http://schemas.microsoft.com/office/drawing/2010/main" val="0"/>
+                </a:ext>
+                <a:ext uri="{96DAC541-7B7A-43D3-8B79-37D633B846F1}">
+                  <asvg:svgBlip xmlns:asvg="http://schemas.microsoft.com/office/drawing/2016/SVG/main" r:embed="rId7"/>
+                </a:ext>
+              </a:extLst>
+            </a:blip>
+            <a:stretch>
+              <a:fillRect/>
+            </a:stretch>
+          </p:blipFill>
+          <p:spPr>
+            <a:xfrm>
+              <a:off x="6306726" y="3650506"/>
+              <a:ext cx="832361" cy="832361"/>
+            </a:xfrm>
+            <a:prstGeom prst="rect">
+              <a:avLst/>
+            </a:prstGeom>
+          </p:spPr>
+        </p:pic>
+        <p:sp>
+          <p:nvSpPr>
+            <p:cNvPr id="56" name="TextBox 55"/>
+            <p:cNvSpPr txBox="1"/>
+            <p:nvPr/>
+          </p:nvSpPr>
+          <p:spPr>
+            <a:xfrm>
+              <a:off x="6311800" y="4426481"/>
+              <a:ext cx="809128" cy="295345"/>
+            </a:xfrm>
+            <a:prstGeom prst="rect">
+              <a:avLst/>
+            </a:prstGeom>
+            <a:noFill/>
+          </p:spPr>
+          <p:txBody>
+            <a:bodyPr wrap="square" rtlCol="0">
+              <a:spAutoFit/>
+            </a:bodyPr>
+            <a:lstStyle/>
+            <a:p>
+              <a:pPr algn="ctr"/>
+              <a:r>
+                <a:rPr lang="en-GB" sz="1400" dirty="0"/>
+                <a:t>Options</a:t>
+              </a:r>
+              <a:endParaRPr lang="de-DE" sz="1400" dirty="0"/>
+            </a:p>
+          </p:txBody>
+        </p:sp>
+      </p:grpSp>
+      <p:cxnSp>
+        <p:nvCxnSpPr>
+          <p:cNvPr id="69" name="Straight Arrow Connector 68"/>
+          <p:cNvCxnSpPr/>
+          <p:nvPr/>
+        </p:nvCxnSpPr>
+        <p:spPr>
+          <a:xfrm flipV="1">
+            <a:off x="2476128" y="4339880"/>
+            <a:ext cx="3431540" cy="1"/>
+          </a:xfrm>
+          <a:prstGeom prst="straightConnector1">
+            <a:avLst/>
+          </a:prstGeom>
+          <a:ln w="38100">
+            <a:solidFill>
+              <a:schemeClr val="accent1">
+                <a:lumMod val="50000"/>
+              </a:schemeClr>
+            </a:solidFill>
+            <a:tailEnd type="triangle"/>
+          </a:ln>
+        </p:spPr>
+        <p:style>
+          <a:lnRef idx="1">
+            <a:schemeClr val="accent1"/>
+          </a:lnRef>
+          <a:fillRef idx="0">
+            <a:schemeClr val="accent1"/>
+          </a:fillRef>
+          <a:effectRef idx="0">
+            <a:schemeClr val="accent1"/>
+          </a:effectRef>
+          <a:fontRef idx="minor">
+            <a:schemeClr val="tx1"/>
+          </a:fontRef>
+        </p:style>
+      </p:cxnSp>
+      <p:grpSp>
+        <p:nvGrpSpPr>
+          <p:cNvPr id="66" name="Group 65"/>
+          <p:cNvGrpSpPr/>
+          <p:nvPr/>
+        </p:nvGrpSpPr>
+        <p:grpSpPr>
+          <a:xfrm>
+            <a:off x="3777292" y="3472533"/>
+            <a:ext cx="809128" cy="939047"/>
+            <a:chOff x="7023909" y="3700176"/>
+            <a:chExt cx="809128" cy="939047"/>
+          </a:xfrm>
+        </p:grpSpPr>
+        <p:pic>
+          <p:nvPicPr>
+            <p:cNvPr id="67" name="Picture 4" descr="http://westwoodcivicclub.com/wp-content/uploads/2015/11/news-icon.png"/>
+            <p:cNvPicPr>
+              <a:picLocks noChangeAspect="1" noChangeArrowheads="1"/>
+            </p:cNvPicPr>
+            <p:nvPr/>
+          </p:nvPicPr>
+          <p:blipFill rotWithShape="1">
+            <a:blip r:embed="rId5" cstate="print">
+              <a:extLst>
+                <a:ext uri="{28A0092B-C50C-407E-A947-70E740481C1C}">
+                  <a14:useLocalDpi xmlns:a14="http://schemas.microsoft.com/office/drawing/2010/main" val="0"/>
+                </a:ext>
+              </a:extLst>
+            </a:blip>
+            <a:srcRect l="5276" t="6248" r="6322" b="6114"/>
+            <a:stretch/>
+          </p:blipFill>
+          <p:spPr bwMode="auto">
+            <a:xfrm>
+              <a:off x="7052236" y="3700176"/>
+              <a:ext cx="724042" cy="717781"/>
+            </a:xfrm>
+            <a:prstGeom prst="rect">
+              <a:avLst/>
+            </a:prstGeom>
+            <a:noFill/>
+            <a:effectLst>
+              <a:softEdge rad="63500"/>
+            </a:effectLst>
+            <a:extLst>
+              <a:ext uri="{909E8E84-426E-40DD-AFC4-6F175D3DCCD1}">
+                <a14:hiddenFill xmlns:a14="http://schemas.microsoft.com/office/drawing/2010/main">
+                  <a:solidFill>
+                    <a:srgbClr val="FFFFFF"/>
+                  </a:solidFill>
+                </a14:hiddenFill>
+              </a:ext>
+            </a:extLst>
+          </p:spPr>
+        </p:pic>
+        <p:sp>
+          <p:nvSpPr>
+            <p:cNvPr id="68" name="TextBox 67"/>
+            <p:cNvSpPr txBox="1"/>
+            <p:nvPr/>
+          </p:nvSpPr>
+          <p:spPr>
+            <a:xfrm>
+              <a:off x="7023909" y="4314344"/>
+              <a:ext cx="809128" cy="324879"/>
+            </a:xfrm>
+            <a:prstGeom prst="rect">
+              <a:avLst/>
+            </a:prstGeom>
+            <a:noFill/>
+          </p:spPr>
+          <p:txBody>
+            <a:bodyPr wrap="square" rtlCol="0">
+              <a:spAutoFit/>
+            </a:bodyPr>
+            <a:lstStyle/>
+            <a:p>
+              <a:pPr algn="ctr"/>
+              <a:r>
+                <a:rPr lang="en-GB" sz="1400" dirty="0"/>
+                <a:t>Content</a:t>
+              </a:r>
+              <a:endParaRPr lang="de-DE" sz="1400" dirty="0"/>
+            </a:p>
+          </p:txBody>
+        </p:sp>
+      </p:grpSp>
+      <p:grpSp>
+        <p:nvGrpSpPr>
+          <p:cNvPr id="74" name="Group 73"/>
+          <p:cNvGrpSpPr/>
+          <p:nvPr/>
+        </p:nvGrpSpPr>
+        <p:grpSpPr>
+          <a:xfrm>
+            <a:off x="3473980" y="2686347"/>
+            <a:ext cx="1435837" cy="690205"/>
+            <a:chOff x="3473980" y="2686347"/>
+            <a:chExt cx="1435837" cy="690205"/>
+          </a:xfrm>
+        </p:grpSpPr>
+        <p:sp>
+          <p:nvSpPr>
+            <p:cNvPr id="53" name="Content Placeholder 5"/>
+            <p:cNvSpPr txBox="1">
+              <a:spLocks/>
+            </p:cNvSpPr>
+            <p:nvPr/>
+          </p:nvSpPr>
+          <p:spPr>
+            <a:xfrm>
+              <a:off x="3473980" y="3092547"/>
+              <a:ext cx="1435837" cy="284005"/>
+            </a:xfrm>
+            <a:prstGeom prst="rect">
+              <a:avLst/>
+            </a:prstGeom>
+          </p:spPr>
+          <p:txBody>
+            <a:bodyPr anchor="t">
+              <a:noAutofit/>
+            </a:bodyPr>
+            <a:lstStyle>
+              <a:lvl1pPr marL="285750" indent="-285750" algn="l" defTabSz="457200" rtl="0" eaLnBrk="1" latinLnBrk="0" hangingPunct="1">
+                <a:spcBef>
+                  <a:spcPct val="20000"/>
+                </a:spcBef>
+                <a:spcAft>
+                  <a:spcPts val="600"/>
+                </a:spcAft>
+                <a:buClr>
+                  <a:schemeClr val="accent1">
+                    <a:lumMod val="75000"/>
+                  </a:schemeClr>
+                </a:buClr>
+                <a:buSzPct val="145000"/>
+                <a:buFont typeface="Arial"/>
+                <a:buChar char="•"/>
+                <a:defRPr sz="2400" kern="1200" cap="none">
+                  <a:solidFill>
+                    <a:schemeClr val="tx1"/>
+                  </a:solidFill>
+                  <a:effectLst/>
+                  <a:latin typeface="+mn-lt"/>
+                  <a:ea typeface="+mn-ea"/>
+                  <a:cs typeface="+mn-cs"/>
+                </a:defRPr>
+              </a:lvl1pPr>
+              <a:lvl2pPr marL="742950" indent="-285750" algn="l" defTabSz="457200" rtl="0" eaLnBrk="1" latinLnBrk="0" hangingPunct="1">
+                <a:spcBef>
+                  <a:spcPct val="20000"/>
+                </a:spcBef>
+                <a:spcAft>
+                  <a:spcPts val="600"/>
+                </a:spcAft>
+                <a:buClr>
+                  <a:schemeClr val="accent1">
+                    <a:lumMod val="75000"/>
+                  </a:schemeClr>
+                </a:buClr>
+                <a:buSzPct val="145000"/>
+                <a:buFont typeface="Arial"/>
+                <a:buChar char="•"/>
+                <a:defRPr sz="2000" kern="1200" cap="none">
+                  <a:solidFill>
+                    <a:schemeClr val="tx1"/>
+                  </a:solidFill>
+                  <a:effectLst/>
+                  <a:latin typeface="+mn-lt"/>
+                  <a:ea typeface="+mn-ea"/>
+                  <a:cs typeface="+mn-cs"/>
+                </a:defRPr>
+              </a:lvl2pPr>
+              <a:lvl3pPr marL="1200150" indent="-285750" algn="l" defTabSz="457200" rtl="0" eaLnBrk="1" latinLnBrk="0" hangingPunct="1">
+                <a:spcBef>
+                  <a:spcPct val="20000"/>
+                </a:spcBef>
+                <a:spcAft>
+                  <a:spcPts val="600"/>
+                </a:spcAft>
+                <a:buClr>
+                  <a:schemeClr val="accent1">
+                    <a:lumMod val="75000"/>
+                  </a:schemeClr>
+                </a:buClr>
+                <a:buSzPct val="145000"/>
+                <a:buFont typeface="Arial"/>
+                <a:buChar char="•"/>
+                <a:defRPr sz="1800" kern="1200" cap="none">
+                  <a:solidFill>
+                    <a:schemeClr val="tx1"/>
+                  </a:solidFill>
+                  <a:effectLst/>
+                  <a:latin typeface="+mn-lt"/>
+                  <a:ea typeface="+mn-ea"/>
+                  <a:cs typeface="+mn-cs"/>
+                </a:defRPr>
+              </a:lvl3pPr>
+              <a:lvl4pPr marL="1543050" indent="-171450" algn="l" defTabSz="457200" rtl="0" eaLnBrk="1" latinLnBrk="0" hangingPunct="1">
+                <a:spcBef>
+                  <a:spcPct val="20000"/>
+                </a:spcBef>
+                <a:spcAft>
+                  <a:spcPts val="600"/>
+                </a:spcAft>
+                <a:buClr>
+                  <a:schemeClr val="accent1">
+                    <a:lumMod val="75000"/>
+                  </a:schemeClr>
+                </a:buClr>
+                <a:buSzPct val="145000"/>
+                <a:buFont typeface="Arial"/>
+                <a:buChar char="•"/>
+                <a:defRPr sz="1600" kern="1200" cap="none">
+                  <a:solidFill>
+                    <a:schemeClr val="tx1"/>
+                  </a:solidFill>
+                  <a:effectLst/>
+                  <a:latin typeface="+mn-lt"/>
+                  <a:ea typeface="+mn-ea"/>
+                  <a:cs typeface="+mn-cs"/>
+                </a:defRPr>
+              </a:lvl4pPr>
+              <a:lvl5pPr marL="2000250" indent="-171450" algn="l" defTabSz="457200" rtl="0" eaLnBrk="1" latinLnBrk="0" hangingPunct="1">
+                <a:spcBef>
+                  <a:spcPct val="20000"/>
+                </a:spcBef>
+                <a:spcAft>
+                  <a:spcPts val="600"/>
+                </a:spcAft>
+                <a:buClr>
+                  <a:schemeClr val="accent1">
+                    <a:lumMod val="75000"/>
+                  </a:schemeClr>
+                </a:buClr>
+                <a:buSzPct val="145000"/>
+                <a:buFont typeface="Arial"/>
+                <a:buChar char="•"/>
+                <a:defRPr sz="1400" kern="1200" cap="none">
+                  <a:solidFill>
+                    <a:schemeClr val="tx1"/>
+                  </a:solidFill>
+                  <a:effectLst/>
+                  <a:latin typeface="+mn-lt"/>
+                  <a:ea typeface="+mn-ea"/>
+                  <a:cs typeface="+mn-cs"/>
+                </a:defRPr>
+              </a:lvl5pPr>
+              <a:lvl6pPr marL="2514600" indent="-228600" algn="l" defTabSz="457200" rtl="0" eaLnBrk="1" latinLnBrk="0" hangingPunct="1">
+                <a:spcBef>
+                  <a:spcPct val="20000"/>
+                </a:spcBef>
+                <a:spcAft>
+                  <a:spcPts val="600"/>
+                </a:spcAft>
+                <a:buClr>
+                  <a:schemeClr val="accent1">
+                    <a:lumMod val="75000"/>
+                  </a:schemeClr>
+                </a:buClr>
+                <a:buSzPct val="145000"/>
+                <a:buFont typeface="Arial"/>
+                <a:buChar char="•"/>
+                <a:defRPr sz="1400" kern="1200" cap="none">
+                  <a:solidFill>
+                    <a:schemeClr val="tx1"/>
+                  </a:solidFill>
+                  <a:effectLst/>
+                  <a:latin typeface="+mn-lt"/>
+                  <a:ea typeface="+mn-ea"/>
+                  <a:cs typeface="+mn-cs"/>
+                </a:defRPr>
+              </a:lvl6pPr>
+              <a:lvl7pPr marL="2971800" indent="-228600" algn="l" defTabSz="457200" rtl="0" eaLnBrk="1" latinLnBrk="0" hangingPunct="1">
+                <a:spcBef>
+                  <a:spcPct val="20000"/>
+                </a:spcBef>
+                <a:spcAft>
+                  <a:spcPts val="600"/>
+                </a:spcAft>
+                <a:buClr>
+                  <a:schemeClr val="accent1">
+                    <a:lumMod val="75000"/>
+                  </a:schemeClr>
+                </a:buClr>
+                <a:buSzPct val="145000"/>
+                <a:buFont typeface="Arial"/>
+                <a:buChar char="•"/>
+                <a:defRPr sz="1400" kern="1200" cap="none">
+                  <a:solidFill>
+                    <a:schemeClr val="tx1"/>
+                  </a:solidFill>
+                  <a:effectLst/>
+                  <a:latin typeface="+mn-lt"/>
+                  <a:ea typeface="+mn-ea"/>
+                  <a:cs typeface="+mn-cs"/>
+                </a:defRPr>
+              </a:lvl7pPr>
+              <a:lvl8pPr marL="3429000" indent="-228600" algn="l" defTabSz="457200" rtl="0" eaLnBrk="1" latinLnBrk="0" hangingPunct="1">
+                <a:spcBef>
+                  <a:spcPct val="20000"/>
+                </a:spcBef>
+                <a:spcAft>
+                  <a:spcPts val="600"/>
+                </a:spcAft>
+                <a:buClr>
+                  <a:schemeClr val="accent1">
+                    <a:lumMod val="75000"/>
+                  </a:schemeClr>
+                </a:buClr>
+                <a:buSzPct val="145000"/>
+                <a:buFont typeface="Arial"/>
+                <a:buChar char="•"/>
+                <a:defRPr sz="1400" kern="1200" cap="none">
+                  <a:solidFill>
+                    <a:schemeClr val="tx1"/>
+                  </a:solidFill>
+                  <a:effectLst/>
+                  <a:latin typeface="+mn-lt"/>
+                  <a:ea typeface="+mn-ea"/>
+                  <a:cs typeface="+mn-cs"/>
+                </a:defRPr>
+              </a:lvl8pPr>
+              <a:lvl9pPr marL="3886200" indent="-228600" algn="l" defTabSz="457200" rtl="0" eaLnBrk="1" latinLnBrk="0" hangingPunct="1">
+                <a:spcBef>
+                  <a:spcPct val="20000"/>
+                </a:spcBef>
+                <a:spcAft>
+                  <a:spcPts val="600"/>
+                </a:spcAft>
+                <a:buClr>
+                  <a:schemeClr val="accent1">
+                    <a:lumMod val="75000"/>
+                  </a:schemeClr>
+                </a:buClr>
+                <a:buSzPct val="145000"/>
+                <a:buFont typeface="Arial"/>
+                <a:buChar char="•"/>
+                <a:defRPr sz="1400" kern="1200" cap="none">
+                  <a:solidFill>
+                    <a:schemeClr val="tx1"/>
+                  </a:solidFill>
+                  <a:effectLst/>
+                  <a:latin typeface="+mn-lt"/>
+                  <a:ea typeface="+mn-ea"/>
+                  <a:cs typeface="+mn-cs"/>
+                </a:defRPr>
+              </a:lvl9pPr>
+            </a:lstStyle>
+            <a:p>
+              <a:pPr marL="0" indent="0" algn="ctr">
+                <a:buFont typeface="Arial"/>
+                <a:buNone/>
+              </a:pPr>
+              <a:r>
+                <a:rPr lang="en-GB" sz="1400" dirty="0"/>
+                <a:t>Generate button</a:t>
+              </a:r>
+              <a:endParaRPr lang="de-DE" sz="1400" dirty="0"/>
+            </a:p>
+          </p:txBody>
+        </p:sp>
+        <p:pic>
+          <p:nvPicPr>
+            <p:cNvPr id="1028" name="Picture 4" descr="https://cdn0.iconfinder.com/data/icons/HTML5/512/HTML_Logo.png"/>
+            <p:cNvPicPr>
+              <a:picLocks noChangeAspect="1" noChangeArrowheads="1"/>
+            </p:cNvPicPr>
+            <p:nvPr/>
+          </p:nvPicPr>
+          <p:blipFill>
+            <a:blip r:embed="rId8" cstate="print">
+              <a:extLst>
+                <a:ext uri="{28A0092B-C50C-407E-A947-70E740481C1C}">
+                  <a14:useLocalDpi xmlns:a14="http://schemas.microsoft.com/office/drawing/2010/main" val="0"/>
+                </a:ext>
+              </a:extLst>
+            </a:blip>
+            <a:srcRect/>
+            <a:stretch>
+              <a:fillRect/>
+            </a:stretch>
+          </p:blipFill>
+          <p:spPr bwMode="auto">
+            <a:xfrm>
+              <a:off x="3929051" y="2686347"/>
+              <a:ext cx="495120" cy="495120"/>
+            </a:xfrm>
+            <a:prstGeom prst="rect">
+              <a:avLst/>
+            </a:prstGeom>
+            <a:noFill/>
+            <a:extLst>
+              <a:ext uri="{909E8E84-426E-40DD-AFC4-6F175D3DCCD1}">
+                <a14:hiddenFill xmlns:a14="http://schemas.microsoft.com/office/drawing/2010/main">
+                  <a:solidFill>
+                    <a:srgbClr val="FFFFFF"/>
+                  </a:solidFill>
+                </a14:hiddenFill>
+              </a:ext>
+            </a:extLst>
+          </p:spPr>
+        </p:pic>
+      </p:grpSp>
+      <p:grpSp>
+        <p:nvGrpSpPr>
+          <p:cNvPr id="75" name="Group 74"/>
+          <p:cNvGrpSpPr/>
+          <p:nvPr/>
+        </p:nvGrpSpPr>
+        <p:grpSpPr>
+          <a:xfrm>
+            <a:off x="3404128" y="1789542"/>
+            <a:ext cx="1558157" cy="734114"/>
+            <a:chOff x="2946928" y="1789542"/>
+            <a:chExt cx="1558157" cy="734114"/>
+          </a:xfrm>
+        </p:grpSpPr>
+        <p:sp>
+          <p:nvSpPr>
+            <p:cNvPr id="23" name="Content Placeholder 5"/>
+            <p:cNvSpPr txBox="1">
+              <a:spLocks/>
+            </p:cNvSpPr>
+            <p:nvPr/>
+          </p:nvSpPr>
+          <p:spPr>
+            <a:xfrm>
+              <a:off x="2946928" y="2239651"/>
+              <a:ext cx="1558157" cy="284005"/>
+            </a:xfrm>
+            <a:prstGeom prst="rect">
+              <a:avLst/>
+            </a:prstGeom>
+          </p:spPr>
+          <p:txBody>
+            <a:bodyPr anchor="t">
+              <a:noAutofit/>
+            </a:bodyPr>
+            <a:lstStyle>
+              <a:lvl1pPr marL="285750" indent="-285750" algn="l" defTabSz="457200" rtl="0" eaLnBrk="1" latinLnBrk="0" hangingPunct="1">
+                <a:spcBef>
+                  <a:spcPct val="20000"/>
+                </a:spcBef>
+                <a:spcAft>
+                  <a:spcPts val="600"/>
+                </a:spcAft>
+                <a:buClr>
+                  <a:schemeClr val="accent1">
+                    <a:lumMod val="75000"/>
+                  </a:schemeClr>
+                </a:buClr>
+                <a:buSzPct val="145000"/>
+                <a:buFont typeface="Arial"/>
+                <a:buChar char="•"/>
+                <a:defRPr sz="2400" kern="1200" cap="none">
+                  <a:solidFill>
+                    <a:schemeClr val="tx1"/>
+                  </a:solidFill>
+                  <a:effectLst/>
+                  <a:latin typeface="+mn-lt"/>
+                  <a:ea typeface="+mn-ea"/>
+                  <a:cs typeface="+mn-cs"/>
+                </a:defRPr>
+              </a:lvl1pPr>
+              <a:lvl2pPr marL="742950" indent="-285750" algn="l" defTabSz="457200" rtl="0" eaLnBrk="1" latinLnBrk="0" hangingPunct="1">
+                <a:spcBef>
+                  <a:spcPct val="20000"/>
+                </a:spcBef>
+                <a:spcAft>
+                  <a:spcPts val="600"/>
+                </a:spcAft>
+                <a:buClr>
+                  <a:schemeClr val="accent1">
+                    <a:lumMod val="75000"/>
+                  </a:schemeClr>
+                </a:buClr>
+                <a:buSzPct val="145000"/>
+                <a:buFont typeface="Arial"/>
+                <a:buChar char="•"/>
+                <a:defRPr sz="2000" kern="1200" cap="none">
+                  <a:solidFill>
+                    <a:schemeClr val="tx1"/>
+                  </a:solidFill>
+                  <a:effectLst/>
+                  <a:latin typeface="+mn-lt"/>
+                  <a:ea typeface="+mn-ea"/>
+                  <a:cs typeface="+mn-cs"/>
+                </a:defRPr>
+              </a:lvl2pPr>
+              <a:lvl3pPr marL="1200150" indent="-285750" algn="l" defTabSz="457200" rtl="0" eaLnBrk="1" latinLnBrk="0" hangingPunct="1">
+                <a:spcBef>
+                  <a:spcPct val="20000"/>
+                </a:spcBef>
+                <a:spcAft>
+                  <a:spcPts val="600"/>
+                </a:spcAft>
+                <a:buClr>
+                  <a:schemeClr val="accent1">
+                    <a:lumMod val="75000"/>
+                  </a:schemeClr>
+                </a:buClr>
+                <a:buSzPct val="145000"/>
+                <a:buFont typeface="Arial"/>
+                <a:buChar char="•"/>
+                <a:defRPr sz="1800" kern="1200" cap="none">
+                  <a:solidFill>
+                    <a:schemeClr val="tx1"/>
+                  </a:solidFill>
+                  <a:effectLst/>
+                  <a:latin typeface="+mn-lt"/>
+                  <a:ea typeface="+mn-ea"/>
+                  <a:cs typeface="+mn-cs"/>
+                </a:defRPr>
+              </a:lvl3pPr>
+              <a:lvl4pPr marL="1543050" indent="-171450" algn="l" defTabSz="457200" rtl="0" eaLnBrk="1" latinLnBrk="0" hangingPunct="1">
+                <a:spcBef>
+                  <a:spcPct val="20000"/>
+                </a:spcBef>
+                <a:spcAft>
+                  <a:spcPts val="600"/>
+                </a:spcAft>
+                <a:buClr>
+                  <a:schemeClr val="accent1">
+                    <a:lumMod val="75000"/>
+                  </a:schemeClr>
+                </a:buClr>
+                <a:buSzPct val="145000"/>
+                <a:buFont typeface="Arial"/>
+                <a:buChar char="•"/>
+                <a:defRPr sz="1600" kern="1200" cap="none">
+                  <a:solidFill>
+                    <a:schemeClr val="tx1"/>
+                  </a:solidFill>
+                  <a:effectLst/>
+                  <a:latin typeface="+mn-lt"/>
+                  <a:ea typeface="+mn-ea"/>
+                  <a:cs typeface="+mn-cs"/>
+                </a:defRPr>
+              </a:lvl4pPr>
+              <a:lvl5pPr marL="2000250" indent="-171450" algn="l" defTabSz="457200" rtl="0" eaLnBrk="1" latinLnBrk="0" hangingPunct="1">
+                <a:spcBef>
+                  <a:spcPct val="20000"/>
+                </a:spcBef>
+                <a:spcAft>
+                  <a:spcPts val="600"/>
+                </a:spcAft>
+                <a:buClr>
+                  <a:schemeClr val="accent1">
+                    <a:lumMod val="75000"/>
+                  </a:schemeClr>
+                </a:buClr>
+                <a:buSzPct val="145000"/>
+                <a:buFont typeface="Arial"/>
+                <a:buChar char="•"/>
+                <a:defRPr sz="1400" kern="1200" cap="none">
+                  <a:solidFill>
+                    <a:schemeClr val="tx1"/>
+                  </a:solidFill>
+                  <a:effectLst/>
+                  <a:latin typeface="+mn-lt"/>
+                  <a:ea typeface="+mn-ea"/>
+                  <a:cs typeface="+mn-cs"/>
+                </a:defRPr>
+              </a:lvl5pPr>
+              <a:lvl6pPr marL="2514600" indent="-228600" algn="l" defTabSz="457200" rtl="0" eaLnBrk="1" latinLnBrk="0" hangingPunct="1">
+                <a:spcBef>
+                  <a:spcPct val="20000"/>
+                </a:spcBef>
+                <a:spcAft>
+                  <a:spcPts val="600"/>
+                </a:spcAft>
+                <a:buClr>
+                  <a:schemeClr val="accent1">
+                    <a:lumMod val="75000"/>
+                  </a:schemeClr>
+                </a:buClr>
+                <a:buSzPct val="145000"/>
+                <a:buFont typeface="Arial"/>
+                <a:buChar char="•"/>
+                <a:defRPr sz="1400" kern="1200" cap="none">
+                  <a:solidFill>
+                    <a:schemeClr val="tx1"/>
+                  </a:solidFill>
+                  <a:effectLst/>
+                  <a:latin typeface="+mn-lt"/>
+                  <a:ea typeface="+mn-ea"/>
+                  <a:cs typeface="+mn-cs"/>
+                </a:defRPr>
+              </a:lvl6pPr>
+              <a:lvl7pPr marL="2971800" indent="-228600" algn="l" defTabSz="457200" rtl="0" eaLnBrk="1" latinLnBrk="0" hangingPunct="1">
+                <a:spcBef>
+                  <a:spcPct val="20000"/>
+                </a:spcBef>
+                <a:spcAft>
+                  <a:spcPts val="600"/>
+                </a:spcAft>
+                <a:buClr>
+                  <a:schemeClr val="accent1">
+                    <a:lumMod val="75000"/>
+                  </a:schemeClr>
+                </a:buClr>
+                <a:buSzPct val="145000"/>
+                <a:buFont typeface="Arial"/>
+                <a:buChar char="•"/>
+                <a:defRPr sz="1400" kern="1200" cap="none">
+                  <a:solidFill>
+                    <a:schemeClr val="tx1"/>
+                  </a:solidFill>
+                  <a:effectLst/>
+                  <a:latin typeface="+mn-lt"/>
+                  <a:ea typeface="+mn-ea"/>
+                  <a:cs typeface="+mn-cs"/>
+                </a:defRPr>
+              </a:lvl7pPr>
+              <a:lvl8pPr marL="3429000" indent="-228600" algn="l" defTabSz="457200" rtl="0" eaLnBrk="1" latinLnBrk="0" hangingPunct="1">
+                <a:spcBef>
+                  <a:spcPct val="20000"/>
+                </a:spcBef>
+                <a:spcAft>
+                  <a:spcPts val="600"/>
+                </a:spcAft>
+                <a:buClr>
+                  <a:schemeClr val="accent1">
+                    <a:lumMod val="75000"/>
+                  </a:schemeClr>
+                </a:buClr>
+                <a:buSzPct val="145000"/>
+                <a:buFont typeface="Arial"/>
+                <a:buChar char="•"/>
+                <a:defRPr sz="1400" kern="1200" cap="none">
+                  <a:solidFill>
+                    <a:schemeClr val="tx1"/>
+                  </a:solidFill>
+                  <a:effectLst/>
+                  <a:latin typeface="+mn-lt"/>
+                  <a:ea typeface="+mn-ea"/>
+                  <a:cs typeface="+mn-cs"/>
+                </a:defRPr>
+              </a:lvl8pPr>
+              <a:lvl9pPr marL="3886200" indent="-228600" algn="l" defTabSz="457200" rtl="0" eaLnBrk="1" latinLnBrk="0" hangingPunct="1">
+                <a:spcBef>
+                  <a:spcPct val="20000"/>
+                </a:spcBef>
+                <a:spcAft>
+                  <a:spcPts val="600"/>
+                </a:spcAft>
+                <a:buClr>
+                  <a:schemeClr val="accent1">
+                    <a:lumMod val="75000"/>
+                  </a:schemeClr>
+                </a:buClr>
+                <a:buSzPct val="145000"/>
+                <a:buFont typeface="Arial"/>
+                <a:buChar char="•"/>
+                <a:defRPr sz="1400" kern="1200" cap="none">
+                  <a:solidFill>
+                    <a:schemeClr val="tx1"/>
+                  </a:solidFill>
+                  <a:effectLst/>
+                  <a:latin typeface="+mn-lt"/>
+                  <a:ea typeface="+mn-ea"/>
+                  <a:cs typeface="+mn-cs"/>
+                </a:defRPr>
+              </a:lvl9pPr>
+            </a:lstStyle>
+            <a:p>
+              <a:pPr marL="0" indent="0" algn="ctr">
+                <a:buFont typeface="Arial"/>
+                <a:buNone/>
+              </a:pPr>
+              <a:r>
+                <a:rPr lang="en-GB" sz="1400" dirty="0"/>
+                <a:t>Background script</a:t>
+              </a:r>
+              <a:endParaRPr lang="de-DE" sz="1400" dirty="0"/>
+            </a:p>
+          </p:txBody>
+        </p:sp>
+        <p:pic>
+          <p:nvPicPr>
+            <p:cNvPr id="1030" name="Picture 6" descr="http://dev.bowdenweb.com/a/i/js/icons/javascript-icon-512-04.png"/>
+            <p:cNvPicPr>
+              <a:picLocks noChangeAspect="1" noChangeArrowheads="1"/>
+            </p:cNvPicPr>
+            <p:nvPr/>
+          </p:nvPicPr>
+          <p:blipFill>
+            <a:blip r:embed="rId9" cstate="print">
+              <a:extLst>
+                <a:ext uri="{28A0092B-C50C-407E-A947-70E740481C1C}">
+                  <a14:useLocalDpi xmlns:a14="http://schemas.microsoft.com/office/drawing/2010/main" val="0"/>
+                </a:ext>
+              </a:extLst>
+            </a:blip>
+            <a:srcRect/>
+            <a:stretch>
+              <a:fillRect/>
+            </a:stretch>
+          </p:blipFill>
+          <p:spPr bwMode="auto">
+            <a:xfrm>
+              <a:off x="3479472" y="1789542"/>
+              <a:ext cx="450109" cy="450109"/>
+            </a:xfrm>
+            <a:prstGeom prst="rect">
+              <a:avLst/>
+            </a:prstGeom>
+            <a:noFill/>
+            <a:extLst>
+              <a:ext uri="{909E8E84-426E-40DD-AFC4-6F175D3DCCD1}">
+                <a14:hiddenFill xmlns:a14="http://schemas.microsoft.com/office/drawing/2010/main">
+                  <a:solidFill>
+                    <a:srgbClr val="FFFFFF"/>
+                  </a:solidFill>
+                </a14:hiddenFill>
+              </a:ext>
+            </a:extLst>
+          </p:spPr>
+        </p:pic>
+      </p:grpSp>
+      <p:grpSp>
+        <p:nvGrpSpPr>
+          <p:cNvPr id="84" name="Group 83"/>
+          <p:cNvGrpSpPr/>
+          <p:nvPr/>
+        </p:nvGrpSpPr>
+        <p:grpSpPr>
+          <a:xfrm>
+            <a:off x="3503575" y="4976302"/>
+            <a:ext cx="1435837" cy="690205"/>
+            <a:chOff x="3473980" y="2686347"/>
+            <a:chExt cx="1435837" cy="690205"/>
+          </a:xfrm>
+        </p:grpSpPr>
+        <p:sp>
+          <p:nvSpPr>
+            <p:cNvPr id="85" name="Content Placeholder 5"/>
+            <p:cNvSpPr txBox="1">
+              <a:spLocks/>
+            </p:cNvSpPr>
+            <p:nvPr/>
+          </p:nvSpPr>
+          <p:spPr>
+            <a:xfrm>
+              <a:off x="3473980" y="3092547"/>
+              <a:ext cx="1435837" cy="284005"/>
+            </a:xfrm>
+            <a:prstGeom prst="rect">
+              <a:avLst/>
+            </a:prstGeom>
+          </p:spPr>
+          <p:txBody>
+            <a:bodyPr anchor="t">
+              <a:noAutofit/>
+            </a:bodyPr>
+            <a:lstStyle>
+              <a:lvl1pPr marL="285750" indent="-285750" algn="l" defTabSz="457200" rtl="0" eaLnBrk="1" latinLnBrk="0" hangingPunct="1">
+                <a:spcBef>
+                  <a:spcPct val="20000"/>
+                </a:spcBef>
+                <a:spcAft>
+                  <a:spcPts val="600"/>
+                </a:spcAft>
+                <a:buClr>
+                  <a:schemeClr val="accent1">
+                    <a:lumMod val="75000"/>
+                  </a:schemeClr>
+                </a:buClr>
+                <a:buSzPct val="145000"/>
+                <a:buFont typeface="Arial"/>
+                <a:buChar char="•"/>
+                <a:defRPr sz="2400" kern="1200" cap="none">
+                  <a:solidFill>
+                    <a:schemeClr val="tx1"/>
+                  </a:solidFill>
+                  <a:effectLst/>
+                  <a:latin typeface="+mn-lt"/>
+                  <a:ea typeface="+mn-ea"/>
+                  <a:cs typeface="+mn-cs"/>
+                </a:defRPr>
+              </a:lvl1pPr>
+              <a:lvl2pPr marL="742950" indent="-285750" algn="l" defTabSz="457200" rtl="0" eaLnBrk="1" latinLnBrk="0" hangingPunct="1">
+                <a:spcBef>
+                  <a:spcPct val="20000"/>
+                </a:spcBef>
+                <a:spcAft>
+                  <a:spcPts val="600"/>
+                </a:spcAft>
+                <a:buClr>
+                  <a:schemeClr val="accent1">
+                    <a:lumMod val="75000"/>
+                  </a:schemeClr>
+                </a:buClr>
+                <a:buSzPct val="145000"/>
+                <a:buFont typeface="Arial"/>
+                <a:buChar char="•"/>
+                <a:defRPr sz="2000" kern="1200" cap="none">
+                  <a:solidFill>
+                    <a:schemeClr val="tx1"/>
+                  </a:solidFill>
+                  <a:effectLst/>
+                  <a:latin typeface="+mn-lt"/>
+                  <a:ea typeface="+mn-ea"/>
+                  <a:cs typeface="+mn-cs"/>
+                </a:defRPr>
+              </a:lvl2pPr>
+              <a:lvl3pPr marL="1200150" indent="-285750" algn="l" defTabSz="457200" rtl="0" eaLnBrk="1" latinLnBrk="0" hangingPunct="1">
+                <a:spcBef>
+                  <a:spcPct val="20000"/>
+                </a:spcBef>
+                <a:spcAft>
+                  <a:spcPts val="600"/>
+                </a:spcAft>
+                <a:buClr>
+                  <a:schemeClr val="accent1">
+                    <a:lumMod val="75000"/>
+                  </a:schemeClr>
+                </a:buClr>
+                <a:buSzPct val="145000"/>
+                <a:buFont typeface="Arial"/>
+                <a:buChar char="•"/>
+                <a:defRPr sz="1800" kern="1200" cap="none">
+                  <a:solidFill>
+                    <a:schemeClr val="tx1"/>
+                  </a:solidFill>
+                  <a:effectLst/>
+                  <a:latin typeface="+mn-lt"/>
+                  <a:ea typeface="+mn-ea"/>
+                  <a:cs typeface="+mn-cs"/>
+                </a:defRPr>
+              </a:lvl3pPr>
+              <a:lvl4pPr marL="1543050" indent="-171450" algn="l" defTabSz="457200" rtl="0" eaLnBrk="1" latinLnBrk="0" hangingPunct="1">
+                <a:spcBef>
+                  <a:spcPct val="20000"/>
+                </a:spcBef>
+                <a:spcAft>
+                  <a:spcPts val="600"/>
+                </a:spcAft>
+                <a:buClr>
+                  <a:schemeClr val="accent1">
+                    <a:lumMod val="75000"/>
+                  </a:schemeClr>
+                </a:buClr>
+                <a:buSzPct val="145000"/>
+                <a:buFont typeface="Arial"/>
+                <a:buChar char="•"/>
+                <a:defRPr sz="1600" kern="1200" cap="none">
+                  <a:solidFill>
+                    <a:schemeClr val="tx1"/>
+                  </a:solidFill>
+                  <a:effectLst/>
+                  <a:latin typeface="+mn-lt"/>
+                  <a:ea typeface="+mn-ea"/>
+                  <a:cs typeface="+mn-cs"/>
+                </a:defRPr>
+              </a:lvl4pPr>
+              <a:lvl5pPr marL="2000250" indent="-171450" algn="l" defTabSz="457200" rtl="0" eaLnBrk="1" latinLnBrk="0" hangingPunct="1">
+                <a:spcBef>
+                  <a:spcPct val="20000"/>
+                </a:spcBef>
+                <a:spcAft>
+                  <a:spcPts val="600"/>
+                </a:spcAft>
+                <a:buClr>
+                  <a:schemeClr val="accent1">
+                    <a:lumMod val="75000"/>
+                  </a:schemeClr>
+                </a:buClr>
+                <a:buSzPct val="145000"/>
+                <a:buFont typeface="Arial"/>
+                <a:buChar char="•"/>
+                <a:defRPr sz="1400" kern="1200" cap="none">
+                  <a:solidFill>
+                    <a:schemeClr val="tx1"/>
+                  </a:solidFill>
+                  <a:effectLst/>
+                  <a:latin typeface="+mn-lt"/>
+                  <a:ea typeface="+mn-ea"/>
+                  <a:cs typeface="+mn-cs"/>
+                </a:defRPr>
+              </a:lvl5pPr>
+              <a:lvl6pPr marL="2514600" indent="-228600" algn="l" defTabSz="457200" rtl="0" eaLnBrk="1" latinLnBrk="0" hangingPunct="1">
+                <a:spcBef>
+                  <a:spcPct val="20000"/>
+                </a:spcBef>
+                <a:spcAft>
+                  <a:spcPts val="600"/>
+                </a:spcAft>
+                <a:buClr>
+                  <a:schemeClr val="accent1">
+                    <a:lumMod val="75000"/>
+                  </a:schemeClr>
+                </a:buClr>
+                <a:buSzPct val="145000"/>
+                <a:buFont typeface="Arial"/>
+                <a:buChar char="•"/>
+                <a:defRPr sz="1400" kern="1200" cap="none">
+                  <a:solidFill>
+                    <a:schemeClr val="tx1"/>
+                  </a:solidFill>
+                  <a:effectLst/>
+                  <a:latin typeface="+mn-lt"/>
+                  <a:ea typeface="+mn-ea"/>
+                  <a:cs typeface="+mn-cs"/>
+                </a:defRPr>
+              </a:lvl6pPr>
+              <a:lvl7pPr marL="2971800" indent="-228600" algn="l" defTabSz="457200" rtl="0" eaLnBrk="1" latinLnBrk="0" hangingPunct="1">
+                <a:spcBef>
+                  <a:spcPct val="20000"/>
+                </a:spcBef>
+                <a:spcAft>
+                  <a:spcPts val="600"/>
+                </a:spcAft>
+                <a:buClr>
+                  <a:schemeClr val="accent1">
+                    <a:lumMod val="75000"/>
+                  </a:schemeClr>
+                </a:buClr>
+                <a:buSzPct val="145000"/>
+                <a:buFont typeface="Arial"/>
+                <a:buChar char="•"/>
+                <a:defRPr sz="1400" kern="1200" cap="none">
+                  <a:solidFill>
+                    <a:schemeClr val="tx1"/>
+                  </a:solidFill>
+                  <a:effectLst/>
+                  <a:latin typeface="+mn-lt"/>
+                  <a:ea typeface="+mn-ea"/>
+                  <a:cs typeface="+mn-cs"/>
+                </a:defRPr>
+              </a:lvl7pPr>
+              <a:lvl8pPr marL="3429000" indent="-228600" algn="l" defTabSz="457200" rtl="0" eaLnBrk="1" latinLnBrk="0" hangingPunct="1">
+                <a:spcBef>
+                  <a:spcPct val="20000"/>
+                </a:spcBef>
+                <a:spcAft>
+                  <a:spcPts val="600"/>
+                </a:spcAft>
+                <a:buClr>
+                  <a:schemeClr val="accent1">
+                    <a:lumMod val="75000"/>
+                  </a:schemeClr>
+                </a:buClr>
+                <a:buSzPct val="145000"/>
+                <a:buFont typeface="Arial"/>
+                <a:buChar char="•"/>
+                <a:defRPr sz="1400" kern="1200" cap="none">
+                  <a:solidFill>
+                    <a:schemeClr val="tx1"/>
+                  </a:solidFill>
+                  <a:effectLst/>
+                  <a:latin typeface="+mn-lt"/>
+                  <a:ea typeface="+mn-ea"/>
+                  <a:cs typeface="+mn-cs"/>
+                </a:defRPr>
+              </a:lvl8pPr>
+              <a:lvl9pPr marL="3886200" indent="-228600" algn="l" defTabSz="457200" rtl="0" eaLnBrk="1" latinLnBrk="0" hangingPunct="1">
+                <a:spcBef>
+                  <a:spcPct val="20000"/>
+                </a:spcBef>
+                <a:spcAft>
+                  <a:spcPts val="600"/>
+                </a:spcAft>
+                <a:buClr>
+                  <a:schemeClr val="accent1">
+                    <a:lumMod val="75000"/>
+                  </a:schemeClr>
+                </a:buClr>
+                <a:buSzPct val="145000"/>
+                <a:buFont typeface="Arial"/>
+                <a:buChar char="•"/>
+                <a:defRPr sz="1400" kern="1200" cap="none">
+                  <a:solidFill>
+                    <a:schemeClr val="tx1"/>
+                  </a:solidFill>
+                  <a:effectLst/>
+                  <a:latin typeface="+mn-lt"/>
+                  <a:ea typeface="+mn-ea"/>
+                  <a:cs typeface="+mn-cs"/>
+                </a:defRPr>
+              </a:lvl9pPr>
+            </a:lstStyle>
+            <a:p>
+              <a:pPr marL="0" indent="0" algn="ctr">
+                <a:buFont typeface="Arial"/>
+                <a:buNone/>
+              </a:pPr>
+              <a:r>
+                <a:rPr lang="en-GB" sz="1400" dirty="0"/>
+                <a:t>Generate Popup</a:t>
+              </a:r>
+              <a:endParaRPr lang="de-DE" sz="1400" dirty="0"/>
+            </a:p>
+          </p:txBody>
+        </p:sp>
+        <p:pic>
+          <p:nvPicPr>
+            <p:cNvPr id="86" name="Picture 4" descr="https://cdn0.iconfinder.com/data/icons/HTML5/512/HTML_Logo.png"/>
+            <p:cNvPicPr>
+              <a:picLocks noChangeAspect="1" noChangeArrowheads="1"/>
+            </p:cNvPicPr>
+            <p:nvPr/>
+          </p:nvPicPr>
+          <p:blipFill>
+            <a:blip r:embed="rId8" cstate="print">
+              <a:extLst>
+                <a:ext uri="{28A0092B-C50C-407E-A947-70E740481C1C}">
+                  <a14:useLocalDpi xmlns:a14="http://schemas.microsoft.com/office/drawing/2010/main" val="0"/>
+                </a:ext>
+              </a:extLst>
+            </a:blip>
+            <a:srcRect/>
+            <a:stretch>
+              <a:fillRect/>
+            </a:stretch>
+          </p:blipFill>
+          <p:spPr bwMode="auto">
+            <a:xfrm>
+              <a:off x="3929051" y="2686347"/>
+              <a:ext cx="495120" cy="495120"/>
+            </a:xfrm>
+            <a:prstGeom prst="rect">
+              <a:avLst/>
+            </a:prstGeom>
+            <a:noFill/>
+            <a:extLst>
+              <a:ext uri="{909E8E84-426E-40DD-AFC4-6F175D3DCCD1}">
+                <a14:hiddenFill xmlns:a14="http://schemas.microsoft.com/office/drawing/2010/main">
+                  <a:solidFill>
+                    <a:srgbClr val="FFFFFF"/>
+                  </a:solidFill>
+                </a14:hiddenFill>
+              </a:ext>
+            </a:extLst>
+          </p:spPr>
+        </p:pic>
+      </p:grpSp>
+      <p:cxnSp>
+        <p:nvCxnSpPr>
+          <p:cNvPr id="87" name="Straight Arrow Connector 86"/>
+          <p:cNvCxnSpPr/>
+          <p:nvPr/>
+        </p:nvCxnSpPr>
+        <p:spPr>
+          <a:xfrm flipH="1">
+            <a:off x="2468510" y="5647747"/>
+            <a:ext cx="3439159" cy="26380"/>
+          </a:xfrm>
+          <a:prstGeom prst="straightConnector1">
+            <a:avLst/>
+          </a:prstGeom>
+          <a:ln w="38100">
+            <a:solidFill>
+              <a:schemeClr val="accent1">
+                <a:lumMod val="50000"/>
+              </a:schemeClr>
+            </a:solidFill>
+            <a:tailEnd type="triangle"/>
+          </a:ln>
+        </p:spPr>
+        <p:style>
+          <a:lnRef idx="1">
+            <a:schemeClr val="accent1"/>
+          </a:lnRef>
+          <a:fillRef idx="0">
+            <a:schemeClr val="accent1"/>
+          </a:fillRef>
+          <a:effectRef idx="0">
+            <a:schemeClr val="accent1"/>
+          </a:effectRef>
+          <a:fontRef idx="minor">
+            <a:schemeClr val="tx1"/>
+          </a:fontRef>
+        </p:style>
+      </p:cxnSp>
+      <p:cxnSp>
+        <p:nvCxnSpPr>
+          <p:cNvPr id="91" name="Straight Arrow Connector 90"/>
+          <p:cNvCxnSpPr/>
+          <p:nvPr/>
+        </p:nvCxnSpPr>
+        <p:spPr>
+          <a:xfrm flipH="1" flipV="1">
+            <a:off x="7524141" y="5467706"/>
+            <a:ext cx="1924012" cy="1"/>
+          </a:xfrm>
+          <a:prstGeom prst="straightConnector1">
+            <a:avLst/>
+          </a:prstGeom>
+          <a:ln w="38100">
+            <a:solidFill>
+              <a:schemeClr val="accent1">
+                <a:lumMod val="50000"/>
+              </a:schemeClr>
+            </a:solidFill>
+            <a:tailEnd type="triangle"/>
+          </a:ln>
+        </p:spPr>
+        <p:style>
+          <a:lnRef idx="1">
+            <a:schemeClr val="accent1"/>
+          </a:lnRef>
+          <a:fillRef idx="0">
+            <a:schemeClr val="accent1"/>
+          </a:fillRef>
+          <a:effectRef idx="0">
+            <a:schemeClr val="accent1"/>
+          </a:effectRef>
+          <a:fontRef idx="minor">
+            <a:schemeClr val="tx1"/>
+          </a:fontRef>
+        </p:style>
+      </p:cxnSp>
+      <p:grpSp>
+        <p:nvGrpSpPr>
+          <p:cNvPr id="97" name="Group 96"/>
+          <p:cNvGrpSpPr/>
+          <p:nvPr/>
+        </p:nvGrpSpPr>
+        <p:grpSpPr>
+          <a:xfrm>
+            <a:off x="5900049" y="3190992"/>
+            <a:ext cx="1558157" cy="969753"/>
+            <a:chOff x="2946928" y="1582478"/>
+            <a:chExt cx="1558157" cy="969753"/>
+          </a:xfrm>
+        </p:grpSpPr>
+        <p:sp>
+          <p:nvSpPr>
+            <p:cNvPr id="98" name="Content Placeholder 5"/>
+            <p:cNvSpPr txBox="1">
+              <a:spLocks/>
+            </p:cNvSpPr>
+            <p:nvPr/>
+          </p:nvSpPr>
+          <p:spPr>
+            <a:xfrm>
+              <a:off x="2946928" y="2268226"/>
+              <a:ext cx="1558157" cy="284005"/>
+            </a:xfrm>
+            <a:prstGeom prst="rect">
+              <a:avLst/>
+            </a:prstGeom>
+          </p:spPr>
+          <p:txBody>
+            <a:bodyPr anchor="t">
+              <a:noAutofit/>
+            </a:bodyPr>
+            <a:lstStyle>
+              <a:lvl1pPr marL="285750" indent="-285750" algn="l" defTabSz="457200" rtl="0" eaLnBrk="1" latinLnBrk="0" hangingPunct="1">
+                <a:spcBef>
+                  <a:spcPct val="20000"/>
+                </a:spcBef>
+                <a:spcAft>
+                  <a:spcPts val="600"/>
+                </a:spcAft>
+                <a:buClr>
+                  <a:schemeClr val="accent1">
+                    <a:lumMod val="75000"/>
+                  </a:schemeClr>
+                </a:buClr>
+                <a:buSzPct val="145000"/>
+                <a:buFont typeface="Arial"/>
+                <a:buChar char="•"/>
+                <a:defRPr sz="2400" kern="1200" cap="none">
+                  <a:solidFill>
+                    <a:schemeClr val="tx1"/>
+                  </a:solidFill>
+                  <a:effectLst/>
+                  <a:latin typeface="+mn-lt"/>
+                  <a:ea typeface="+mn-ea"/>
+                  <a:cs typeface="+mn-cs"/>
+                </a:defRPr>
+              </a:lvl1pPr>
+              <a:lvl2pPr marL="742950" indent="-285750" algn="l" defTabSz="457200" rtl="0" eaLnBrk="1" latinLnBrk="0" hangingPunct="1">
+                <a:spcBef>
+                  <a:spcPct val="20000"/>
+                </a:spcBef>
+                <a:spcAft>
+                  <a:spcPts val="600"/>
+                </a:spcAft>
+                <a:buClr>
+                  <a:schemeClr val="accent1">
+                    <a:lumMod val="75000"/>
+                  </a:schemeClr>
+                </a:buClr>
+                <a:buSzPct val="145000"/>
+                <a:buFont typeface="Arial"/>
+                <a:buChar char="•"/>
+                <a:defRPr sz="2000" kern="1200" cap="none">
+                  <a:solidFill>
+                    <a:schemeClr val="tx1"/>
+                  </a:solidFill>
+                  <a:effectLst/>
+                  <a:latin typeface="+mn-lt"/>
+                  <a:ea typeface="+mn-ea"/>
+                  <a:cs typeface="+mn-cs"/>
+                </a:defRPr>
+              </a:lvl2pPr>
+              <a:lvl3pPr marL="1200150" indent="-285750" algn="l" defTabSz="457200" rtl="0" eaLnBrk="1" latinLnBrk="0" hangingPunct="1">
+                <a:spcBef>
+                  <a:spcPct val="20000"/>
+                </a:spcBef>
+                <a:spcAft>
+                  <a:spcPts val="600"/>
+                </a:spcAft>
+                <a:buClr>
+                  <a:schemeClr val="accent1">
+                    <a:lumMod val="75000"/>
+                  </a:schemeClr>
+                </a:buClr>
+                <a:buSzPct val="145000"/>
+                <a:buFont typeface="Arial"/>
+                <a:buChar char="•"/>
+                <a:defRPr sz="1800" kern="1200" cap="none">
+                  <a:solidFill>
+                    <a:schemeClr val="tx1"/>
+                  </a:solidFill>
+                  <a:effectLst/>
+                  <a:latin typeface="+mn-lt"/>
+                  <a:ea typeface="+mn-ea"/>
+                  <a:cs typeface="+mn-cs"/>
+                </a:defRPr>
+              </a:lvl3pPr>
+              <a:lvl4pPr marL="1543050" indent="-171450" algn="l" defTabSz="457200" rtl="0" eaLnBrk="1" latinLnBrk="0" hangingPunct="1">
+                <a:spcBef>
+                  <a:spcPct val="20000"/>
+                </a:spcBef>
+                <a:spcAft>
+                  <a:spcPts val="600"/>
+                </a:spcAft>
+                <a:buClr>
+                  <a:schemeClr val="accent1">
+                    <a:lumMod val="75000"/>
+                  </a:schemeClr>
+                </a:buClr>
+                <a:buSzPct val="145000"/>
+                <a:buFont typeface="Arial"/>
+                <a:buChar char="•"/>
+                <a:defRPr sz="1600" kern="1200" cap="none">
+                  <a:solidFill>
+                    <a:schemeClr val="tx1"/>
+                  </a:solidFill>
+                  <a:effectLst/>
+                  <a:latin typeface="+mn-lt"/>
+                  <a:ea typeface="+mn-ea"/>
+                  <a:cs typeface="+mn-cs"/>
+                </a:defRPr>
+              </a:lvl4pPr>
+              <a:lvl5pPr marL="2000250" indent="-171450" algn="l" defTabSz="457200" rtl="0" eaLnBrk="1" latinLnBrk="0" hangingPunct="1">
+                <a:spcBef>
+                  <a:spcPct val="20000"/>
+                </a:spcBef>
+                <a:spcAft>
+                  <a:spcPts val="600"/>
+                </a:spcAft>
+                <a:buClr>
+                  <a:schemeClr val="accent1">
+                    <a:lumMod val="75000"/>
+                  </a:schemeClr>
+                </a:buClr>
+                <a:buSzPct val="145000"/>
+                <a:buFont typeface="Arial"/>
+                <a:buChar char="•"/>
+                <a:defRPr sz="1400" kern="1200" cap="none">
+                  <a:solidFill>
+                    <a:schemeClr val="tx1"/>
+                  </a:solidFill>
+                  <a:effectLst/>
+                  <a:latin typeface="+mn-lt"/>
+                  <a:ea typeface="+mn-ea"/>
+                  <a:cs typeface="+mn-cs"/>
+                </a:defRPr>
+              </a:lvl5pPr>
+              <a:lvl6pPr marL="2514600" indent="-228600" algn="l" defTabSz="457200" rtl="0" eaLnBrk="1" latinLnBrk="0" hangingPunct="1">
+                <a:spcBef>
+                  <a:spcPct val="20000"/>
+                </a:spcBef>
+                <a:spcAft>
+                  <a:spcPts val="600"/>
+                </a:spcAft>
+                <a:buClr>
+                  <a:schemeClr val="accent1">
+                    <a:lumMod val="75000"/>
+                  </a:schemeClr>
+                </a:buClr>
+                <a:buSzPct val="145000"/>
+                <a:buFont typeface="Arial"/>
+                <a:buChar char="•"/>
+                <a:defRPr sz="1400" kern="1200" cap="none">
+                  <a:solidFill>
+                    <a:schemeClr val="tx1"/>
+                  </a:solidFill>
+                  <a:effectLst/>
+                  <a:latin typeface="+mn-lt"/>
+                  <a:ea typeface="+mn-ea"/>
+                  <a:cs typeface="+mn-cs"/>
+                </a:defRPr>
+              </a:lvl6pPr>
+              <a:lvl7pPr marL="2971800" indent="-228600" algn="l" defTabSz="457200" rtl="0" eaLnBrk="1" latinLnBrk="0" hangingPunct="1">
+                <a:spcBef>
+                  <a:spcPct val="20000"/>
+                </a:spcBef>
+                <a:spcAft>
+                  <a:spcPts val="600"/>
+                </a:spcAft>
+                <a:buClr>
+                  <a:schemeClr val="accent1">
+                    <a:lumMod val="75000"/>
+                  </a:schemeClr>
+                </a:buClr>
+                <a:buSzPct val="145000"/>
+                <a:buFont typeface="Arial"/>
+                <a:buChar char="•"/>
+                <a:defRPr sz="1400" kern="1200" cap="none">
+                  <a:solidFill>
+                    <a:schemeClr val="tx1"/>
+                  </a:solidFill>
+                  <a:effectLst/>
+                  <a:latin typeface="+mn-lt"/>
+                  <a:ea typeface="+mn-ea"/>
+                  <a:cs typeface="+mn-cs"/>
+                </a:defRPr>
+              </a:lvl7pPr>
+              <a:lvl8pPr marL="3429000" indent="-228600" algn="l" defTabSz="457200" rtl="0" eaLnBrk="1" latinLnBrk="0" hangingPunct="1">
+                <a:spcBef>
+                  <a:spcPct val="20000"/>
+                </a:spcBef>
+                <a:spcAft>
+                  <a:spcPts val="600"/>
+                </a:spcAft>
+                <a:buClr>
+                  <a:schemeClr val="accent1">
+                    <a:lumMod val="75000"/>
+                  </a:schemeClr>
+                </a:buClr>
+                <a:buSzPct val="145000"/>
+                <a:buFont typeface="Arial"/>
+                <a:buChar char="•"/>
+                <a:defRPr sz="1400" kern="1200" cap="none">
+                  <a:solidFill>
+                    <a:schemeClr val="tx1"/>
+                  </a:solidFill>
+                  <a:effectLst/>
+                  <a:latin typeface="+mn-lt"/>
+                  <a:ea typeface="+mn-ea"/>
+                  <a:cs typeface="+mn-cs"/>
+                </a:defRPr>
+              </a:lvl8pPr>
+              <a:lvl9pPr marL="3886200" indent="-228600" algn="l" defTabSz="457200" rtl="0" eaLnBrk="1" latinLnBrk="0" hangingPunct="1">
+                <a:spcBef>
+                  <a:spcPct val="20000"/>
+                </a:spcBef>
+                <a:spcAft>
+                  <a:spcPts val="600"/>
+                </a:spcAft>
+                <a:buClr>
+                  <a:schemeClr val="accent1">
+                    <a:lumMod val="75000"/>
+                  </a:schemeClr>
+                </a:buClr>
+                <a:buSzPct val="145000"/>
+                <a:buFont typeface="Arial"/>
+                <a:buChar char="•"/>
+                <a:defRPr sz="1400" kern="1200" cap="none">
+                  <a:solidFill>
+                    <a:schemeClr val="tx1"/>
+                  </a:solidFill>
+                  <a:effectLst/>
+                  <a:latin typeface="+mn-lt"/>
+                  <a:ea typeface="+mn-ea"/>
+                  <a:cs typeface="+mn-cs"/>
+                </a:defRPr>
+              </a:lvl9pPr>
+            </a:lstStyle>
+            <a:p>
+              <a:pPr marL="0" indent="0" algn="ctr">
+                <a:buFont typeface="Arial"/>
+                <a:buNone/>
+              </a:pPr>
+              <a:r>
+                <a:rPr lang="en-GB" sz="1400" dirty="0"/>
+                <a:t>JavaScript</a:t>
+              </a:r>
+              <a:endParaRPr lang="de-DE" sz="1200" dirty="0"/>
+            </a:p>
+          </p:txBody>
+        </p:sp>
+        <p:pic>
+          <p:nvPicPr>
+            <p:cNvPr id="99" name="Picture 6" descr="http://dev.bowdenweb.com/a/i/js/icons/javascript-icon-512-04.png"/>
+            <p:cNvPicPr>
+              <a:picLocks noChangeAspect="1" noChangeArrowheads="1"/>
+            </p:cNvPicPr>
+            <p:nvPr/>
+          </p:nvPicPr>
+          <p:blipFill>
+            <a:blip r:embed="rId10" cstate="print">
+              <a:extLst>
+                <a:ext uri="{28A0092B-C50C-407E-A947-70E740481C1C}">
+                  <a14:useLocalDpi xmlns:a14="http://schemas.microsoft.com/office/drawing/2010/main" val="0"/>
+                </a:ext>
+              </a:extLst>
+            </a:blip>
+            <a:srcRect/>
+            <a:stretch>
+              <a:fillRect/>
+            </a:stretch>
+          </p:blipFill>
+          <p:spPr bwMode="auto">
+            <a:xfrm>
+              <a:off x="3358133" y="1582478"/>
+              <a:ext cx="676223" cy="676223"/>
+            </a:xfrm>
+            <a:prstGeom prst="rect">
+              <a:avLst/>
+            </a:prstGeom>
+            <a:noFill/>
+            <a:extLst>
+              <a:ext uri="{909E8E84-426E-40DD-AFC4-6F175D3DCCD1}">
+                <a14:hiddenFill xmlns:a14="http://schemas.microsoft.com/office/drawing/2010/main">
+                  <a:solidFill>
+                    <a:srgbClr val="FFFFFF"/>
+                  </a:solidFill>
+                </a14:hiddenFill>
+              </a:ext>
+            </a:extLst>
+          </p:spPr>
+        </p:pic>
+      </p:grpSp>
+      <p:grpSp>
+        <p:nvGrpSpPr>
+          <p:cNvPr id="93" name="Group 92"/>
+          <p:cNvGrpSpPr/>
+          <p:nvPr/>
+        </p:nvGrpSpPr>
+        <p:grpSpPr>
+          <a:xfrm>
+            <a:off x="5889455" y="4407517"/>
+            <a:ext cx="1558157" cy="1181045"/>
+            <a:chOff x="5889455" y="4864717"/>
+            <a:chExt cx="1558157" cy="1181045"/>
+          </a:xfrm>
+        </p:grpSpPr>
+        <p:pic>
+          <p:nvPicPr>
+            <p:cNvPr id="1032" name="Picture 8" descr="Free Icons: Css Icon | Web"/>
+            <p:cNvPicPr>
+              <a:picLocks noChangeAspect="1" noChangeArrowheads="1"/>
+            </p:cNvPicPr>
+            <p:nvPr/>
+          </p:nvPicPr>
+          <p:blipFill>
+            <a:blip r:embed="rId11" cstate="print">
+              <a:extLst>
+                <a:ext uri="{28A0092B-C50C-407E-A947-70E740481C1C}">
+                  <a14:useLocalDpi xmlns:a14="http://schemas.microsoft.com/office/drawing/2010/main" val="0"/>
+                </a:ext>
+              </a:extLst>
+            </a:blip>
+            <a:srcRect/>
+            <a:stretch>
+              <a:fillRect/>
+            </a:stretch>
+          </p:blipFill>
+          <p:spPr bwMode="auto">
+            <a:xfrm>
+              <a:off x="6201139" y="4864717"/>
+              <a:ext cx="955974" cy="955974"/>
+            </a:xfrm>
+            <a:prstGeom prst="rect">
+              <a:avLst/>
+            </a:prstGeom>
+            <a:noFill/>
+            <a:extLst>
+              <a:ext uri="{909E8E84-426E-40DD-AFC4-6F175D3DCCD1}">
+                <a14:hiddenFill xmlns:a14="http://schemas.microsoft.com/office/drawing/2010/main">
+                  <a:solidFill>
+                    <a:srgbClr val="FFFFFF"/>
+                  </a:solidFill>
+                </a14:hiddenFill>
+              </a:ext>
+            </a:extLst>
+          </p:spPr>
+        </p:pic>
+        <p:sp>
+          <p:nvSpPr>
+            <p:cNvPr id="101" name="Content Placeholder 5"/>
+            <p:cNvSpPr txBox="1">
+              <a:spLocks/>
+            </p:cNvSpPr>
+            <p:nvPr/>
+          </p:nvSpPr>
+          <p:spPr>
+            <a:xfrm>
+              <a:off x="5889455" y="5761757"/>
+              <a:ext cx="1558157" cy="284005"/>
+            </a:xfrm>
+            <a:prstGeom prst="rect">
+              <a:avLst/>
+            </a:prstGeom>
+          </p:spPr>
+          <p:txBody>
+            <a:bodyPr anchor="t">
+              <a:noAutofit/>
+            </a:bodyPr>
+            <a:lstStyle>
+              <a:lvl1pPr marL="285750" indent="-285750" algn="l" defTabSz="457200" rtl="0" eaLnBrk="1" latinLnBrk="0" hangingPunct="1">
+                <a:spcBef>
+                  <a:spcPct val="20000"/>
+                </a:spcBef>
+                <a:spcAft>
+                  <a:spcPts val="600"/>
+                </a:spcAft>
+                <a:buClr>
+                  <a:schemeClr val="accent1">
+                    <a:lumMod val="75000"/>
+                  </a:schemeClr>
+                </a:buClr>
+                <a:buSzPct val="145000"/>
+                <a:buFont typeface="Arial"/>
+                <a:buChar char="•"/>
+                <a:defRPr sz="2400" kern="1200" cap="none">
+                  <a:solidFill>
+                    <a:schemeClr val="tx1"/>
+                  </a:solidFill>
+                  <a:effectLst/>
+                  <a:latin typeface="+mn-lt"/>
+                  <a:ea typeface="+mn-ea"/>
+                  <a:cs typeface="+mn-cs"/>
+                </a:defRPr>
+              </a:lvl1pPr>
+              <a:lvl2pPr marL="742950" indent="-285750" algn="l" defTabSz="457200" rtl="0" eaLnBrk="1" latinLnBrk="0" hangingPunct="1">
+                <a:spcBef>
+                  <a:spcPct val="20000"/>
+                </a:spcBef>
+                <a:spcAft>
+                  <a:spcPts val="600"/>
+                </a:spcAft>
+                <a:buClr>
+                  <a:schemeClr val="accent1">
+                    <a:lumMod val="75000"/>
+                  </a:schemeClr>
+                </a:buClr>
+                <a:buSzPct val="145000"/>
+                <a:buFont typeface="Arial"/>
+                <a:buChar char="•"/>
+                <a:defRPr sz="2000" kern="1200" cap="none">
+                  <a:solidFill>
+                    <a:schemeClr val="tx1"/>
+                  </a:solidFill>
+                  <a:effectLst/>
+                  <a:latin typeface="+mn-lt"/>
+                  <a:ea typeface="+mn-ea"/>
+                  <a:cs typeface="+mn-cs"/>
+                </a:defRPr>
+              </a:lvl2pPr>
+              <a:lvl3pPr marL="1200150" indent="-285750" algn="l" defTabSz="457200" rtl="0" eaLnBrk="1" latinLnBrk="0" hangingPunct="1">
+                <a:spcBef>
+                  <a:spcPct val="20000"/>
+                </a:spcBef>
+                <a:spcAft>
+                  <a:spcPts val="600"/>
+                </a:spcAft>
+                <a:buClr>
+                  <a:schemeClr val="accent1">
+                    <a:lumMod val="75000"/>
+                  </a:schemeClr>
+                </a:buClr>
+                <a:buSzPct val="145000"/>
+                <a:buFont typeface="Arial"/>
+                <a:buChar char="•"/>
+                <a:defRPr sz="1800" kern="1200" cap="none">
+                  <a:solidFill>
+                    <a:schemeClr val="tx1"/>
+                  </a:solidFill>
+                  <a:effectLst/>
+                  <a:latin typeface="+mn-lt"/>
+                  <a:ea typeface="+mn-ea"/>
+                  <a:cs typeface="+mn-cs"/>
+                </a:defRPr>
+              </a:lvl3pPr>
+              <a:lvl4pPr marL="1543050" indent="-171450" algn="l" defTabSz="457200" rtl="0" eaLnBrk="1" latinLnBrk="0" hangingPunct="1">
+                <a:spcBef>
+                  <a:spcPct val="20000"/>
+                </a:spcBef>
+                <a:spcAft>
+                  <a:spcPts val="600"/>
+                </a:spcAft>
+                <a:buClr>
+                  <a:schemeClr val="accent1">
+                    <a:lumMod val="75000"/>
+                  </a:schemeClr>
+                </a:buClr>
+                <a:buSzPct val="145000"/>
+                <a:buFont typeface="Arial"/>
+                <a:buChar char="•"/>
+                <a:defRPr sz="1600" kern="1200" cap="none">
+                  <a:solidFill>
+                    <a:schemeClr val="tx1"/>
+                  </a:solidFill>
+                  <a:effectLst/>
+                  <a:latin typeface="+mn-lt"/>
+                  <a:ea typeface="+mn-ea"/>
+                  <a:cs typeface="+mn-cs"/>
+                </a:defRPr>
+              </a:lvl4pPr>
+              <a:lvl5pPr marL="2000250" indent="-171450" algn="l" defTabSz="457200" rtl="0" eaLnBrk="1" latinLnBrk="0" hangingPunct="1">
+                <a:spcBef>
+                  <a:spcPct val="20000"/>
+                </a:spcBef>
+                <a:spcAft>
+                  <a:spcPts val="600"/>
+                </a:spcAft>
+                <a:buClr>
+                  <a:schemeClr val="accent1">
+                    <a:lumMod val="75000"/>
+                  </a:schemeClr>
+                </a:buClr>
+                <a:buSzPct val="145000"/>
+                <a:buFont typeface="Arial"/>
+                <a:buChar char="•"/>
+                <a:defRPr sz="1400" kern="1200" cap="none">
+                  <a:solidFill>
+                    <a:schemeClr val="tx1"/>
+                  </a:solidFill>
+                  <a:effectLst/>
+                  <a:latin typeface="+mn-lt"/>
+                  <a:ea typeface="+mn-ea"/>
+                  <a:cs typeface="+mn-cs"/>
+                </a:defRPr>
+              </a:lvl5pPr>
+              <a:lvl6pPr marL="2514600" indent="-228600" algn="l" defTabSz="457200" rtl="0" eaLnBrk="1" latinLnBrk="0" hangingPunct="1">
+                <a:spcBef>
+                  <a:spcPct val="20000"/>
+                </a:spcBef>
+                <a:spcAft>
+                  <a:spcPts val="600"/>
+                </a:spcAft>
+                <a:buClr>
+                  <a:schemeClr val="accent1">
+                    <a:lumMod val="75000"/>
+                  </a:schemeClr>
+                </a:buClr>
+                <a:buSzPct val="145000"/>
+                <a:buFont typeface="Arial"/>
+                <a:buChar char="•"/>
+                <a:defRPr sz="1400" kern="1200" cap="none">
+                  <a:solidFill>
+                    <a:schemeClr val="tx1"/>
+                  </a:solidFill>
+                  <a:effectLst/>
+                  <a:latin typeface="+mn-lt"/>
+                  <a:ea typeface="+mn-ea"/>
+                  <a:cs typeface="+mn-cs"/>
+                </a:defRPr>
+              </a:lvl6pPr>
+              <a:lvl7pPr marL="2971800" indent="-228600" algn="l" defTabSz="457200" rtl="0" eaLnBrk="1" latinLnBrk="0" hangingPunct="1">
+                <a:spcBef>
+                  <a:spcPct val="20000"/>
+                </a:spcBef>
+                <a:spcAft>
+                  <a:spcPts val="600"/>
+                </a:spcAft>
+                <a:buClr>
+                  <a:schemeClr val="accent1">
+                    <a:lumMod val="75000"/>
+                  </a:schemeClr>
+                </a:buClr>
+                <a:buSzPct val="145000"/>
+                <a:buFont typeface="Arial"/>
+                <a:buChar char="•"/>
+                <a:defRPr sz="1400" kern="1200" cap="none">
+                  <a:solidFill>
+                    <a:schemeClr val="tx1"/>
+                  </a:solidFill>
+                  <a:effectLst/>
+                  <a:latin typeface="+mn-lt"/>
+                  <a:ea typeface="+mn-ea"/>
+                  <a:cs typeface="+mn-cs"/>
+                </a:defRPr>
+              </a:lvl7pPr>
+              <a:lvl8pPr marL="3429000" indent="-228600" algn="l" defTabSz="457200" rtl="0" eaLnBrk="1" latinLnBrk="0" hangingPunct="1">
+                <a:spcBef>
+                  <a:spcPct val="20000"/>
+                </a:spcBef>
+                <a:spcAft>
+                  <a:spcPts val="600"/>
+                </a:spcAft>
+                <a:buClr>
+                  <a:schemeClr val="accent1">
+                    <a:lumMod val="75000"/>
+                  </a:schemeClr>
+                </a:buClr>
+                <a:buSzPct val="145000"/>
+                <a:buFont typeface="Arial"/>
+                <a:buChar char="•"/>
+                <a:defRPr sz="1400" kern="1200" cap="none">
+                  <a:solidFill>
+                    <a:schemeClr val="tx1"/>
+                  </a:solidFill>
+                  <a:effectLst/>
+                  <a:latin typeface="+mn-lt"/>
+                  <a:ea typeface="+mn-ea"/>
+                  <a:cs typeface="+mn-cs"/>
+                </a:defRPr>
+              </a:lvl8pPr>
+              <a:lvl9pPr marL="3886200" indent="-228600" algn="l" defTabSz="457200" rtl="0" eaLnBrk="1" latinLnBrk="0" hangingPunct="1">
+                <a:spcBef>
+                  <a:spcPct val="20000"/>
+                </a:spcBef>
+                <a:spcAft>
+                  <a:spcPts val="600"/>
+                </a:spcAft>
+                <a:buClr>
+                  <a:schemeClr val="accent1">
+                    <a:lumMod val="75000"/>
+                  </a:schemeClr>
+                </a:buClr>
+                <a:buSzPct val="145000"/>
+                <a:buFont typeface="Arial"/>
+                <a:buChar char="•"/>
+                <a:defRPr sz="1400" kern="1200" cap="none">
+                  <a:solidFill>
+                    <a:schemeClr val="tx1"/>
+                  </a:solidFill>
+                  <a:effectLst/>
+                  <a:latin typeface="+mn-lt"/>
+                  <a:ea typeface="+mn-ea"/>
+                  <a:cs typeface="+mn-cs"/>
+                </a:defRPr>
+              </a:lvl9pPr>
+            </a:lstStyle>
+            <a:p>
+              <a:pPr marL="0" indent="0" algn="ctr">
+                <a:buFont typeface="Arial"/>
+                <a:buNone/>
+              </a:pPr>
+              <a:r>
+                <a:rPr lang="en-GB" sz="1400" dirty="0"/>
+                <a:t>CSS stylesheets</a:t>
+              </a:r>
+              <a:endParaRPr lang="de-DE" sz="1400" dirty="0"/>
+            </a:p>
+          </p:txBody>
+        </p:sp>
+      </p:grpSp>
+      <p:grpSp>
+        <p:nvGrpSpPr>
+          <p:cNvPr id="54" name="Gruppieren 53"/>
+          <p:cNvGrpSpPr/>
+          <p:nvPr/>
+        </p:nvGrpSpPr>
+        <p:grpSpPr>
+          <a:xfrm>
+            <a:off x="7546185" y="4351166"/>
+            <a:ext cx="1901968" cy="1129422"/>
+            <a:chOff x="5772151" y="4611673"/>
+            <a:chExt cx="1901968" cy="1129422"/>
+          </a:xfrm>
+        </p:grpSpPr>
+        <p:grpSp>
+          <p:nvGrpSpPr>
+            <p:cNvPr id="55" name="Gruppieren 54"/>
+            <p:cNvGrpSpPr/>
+            <p:nvPr/>
+          </p:nvGrpSpPr>
+          <p:grpSpPr>
+            <a:xfrm>
+              <a:off x="5932289" y="4611673"/>
+              <a:ext cx="1684081" cy="897987"/>
+              <a:chOff x="5932289" y="4834081"/>
+              <a:chExt cx="1684081" cy="897987"/>
+            </a:xfrm>
+          </p:grpSpPr>
+          <p:pic>
+            <p:nvPicPr>
+              <p:cNvPr id="62" name="Grafik 61" descr="Netzwerk"/>
+              <p:cNvPicPr>
+                <a:picLocks noChangeAspect="1"/>
+              </p:cNvPicPr>
+              <p:nvPr/>
+            </p:nvPicPr>
+            <p:blipFill>
+              <a:blip r:embed="rId12" cstate="print">
+                <a:extLst>
+                  <a:ext uri="{28A0092B-C50C-407E-A947-70E740481C1C}">
+                    <a14:useLocalDpi xmlns:a14="http://schemas.microsoft.com/office/drawing/2010/main" val="0"/>
+                  </a:ext>
+                  <a:ext uri="{96DAC541-7B7A-43D3-8B79-37D633B846F1}">
+                    <asvg:svgBlip xmlns:asvg="http://schemas.microsoft.com/office/drawing/2016/SVG/main" r:embed="rId13"/>
+                  </a:ext>
+                </a:extLst>
+              </a:blip>
+              <a:stretch>
+                <a:fillRect/>
+              </a:stretch>
+            </p:blipFill>
+            <p:spPr>
+              <a:xfrm rot="20111766">
+                <a:off x="6274967" y="4985804"/>
+                <a:ext cx="746264" cy="746264"/>
+              </a:xfrm>
+              <a:prstGeom prst="rect">
+                <a:avLst/>
+              </a:prstGeom>
+            </p:spPr>
+          </p:pic>
+          <p:pic>
+            <p:nvPicPr>
+              <p:cNvPr id="63" name="Grafik 62" descr="Benutzer"/>
+              <p:cNvPicPr>
+                <a:picLocks noChangeAspect="1"/>
+              </p:cNvPicPr>
+              <p:nvPr/>
+            </p:nvPicPr>
+            <p:blipFill>
+              <a:blip r:embed="rId14" cstate="print">
+                <a:extLst>
+                  <a:ext uri="{28A0092B-C50C-407E-A947-70E740481C1C}">
+                    <a14:useLocalDpi xmlns:a14="http://schemas.microsoft.com/office/drawing/2010/main" val="0"/>
+                  </a:ext>
+                  <a:ext uri="{96DAC541-7B7A-43D3-8B79-37D633B846F1}">
+                    <asvg:svgBlip xmlns:asvg="http://schemas.microsoft.com/office/drawing/2016/SVG/main" r:embed="rId15"/>
+                  </a:ext>
+                </a:extLst>
+              </a:blip>
+              <a:stretch>
+                <a:fillRect/>
+              </a:stretch>
+            </p:blipFill>
+            <p:spPr>
+              <a:xfrm>
+                <a:off x="6662206" y="4862427"/>
+                <a:ext cx="505454" cy="505454"/>
+              </a:xfrm>
+              <a:prstGeom prst="rect">
+                <a:avLst/>
+              </a:prstGeom>
+            </p:spPr>
+          </p:pic>
+          <p:pic>
+            <p:nvPicPr>
+              <p:cNvPr id="64" name="Picture 4" descr="City hall building Free Icon"/>
+              <p:cNvPicPr>
+                <a:picLocks noChangeAspect="1" noChangeArrowheads="1"/>
+              </p:cNvPicPr>
+              <p:nvPr/>
+            </p:nvPicPr>
+            <p:blipFill>
+              <a:blip r:embed="rId16" cstate="print">
+                <a:extLst>
+                  <a:ext uri="{BEBA8EAE-BF5A-486C-A8C5-ECC9F3942E4B}">
+                    <a14:imgProps xmlns:a14="http://schemas.microsoft.com/office/drawing/2010/main">
+                      <a14:imgLayer r:embed="rId17">
+                        <a14:imgEffect>
+                          <a14:backgroundRemoval t="9425" b="94089" l="0" r="100000">
+                            <a14:foregroundMark x1="5272" y1="63419" x2="5272" y2="63419"/>
+                            <a14:foregroundMark x1="40096" y1="85144" x2="40096" y2="85144"/>
+                            <a14:foregroundMark x1="87700" y1="79233" x2="87700" y2="79233"/>
+                          </a14:backgroundRemoval>
+                        </a14:imgEffect>
+                      </a14:imgLayer>
+                    </a14:imgProps>
+                  </a:ext>
+                  <a:ext uri="{28A0092B-C50C-407E-A947-70E740481C1C}">
+                    <a14:useLocalDpi xmlns:a14="http://schemas.microsoft.com/office/drawing/2010/main" val="0"/>
+                  </a:ext>
+                </a:extLst>
+              </a:blip>
+              <a:srcRect/>
+              <a:stretch>
+                <a:fillRect/>
+              </a:stretch>
+            </p:blipFill>
+            <p:spPr bwMode="auto">
+              <a:xfrm>
+                <a:off x="5932289" y="4987924"/>
+                <a:ext cx="554235" cy="554235"/>
+              </a:xfrm>
+              <a:prstGeom prst="rect">
+                <a:avLst/>
+              </a:prstGeom>
+              <a:noFill/>
+            </p:spPr>
+          </p:pic>
+          <p:pic>
+            <p:nvPicPr>
+              <p:cNvPr id="65" name="Grafik 64"/>
+              <p:cNvPicPr>
+                <a:picLocks noChangeAspect="1"/>
+              </p:cNvPicPr>
+              <p:nvPr/>
+            </p:nvPicPr>
+            <p:blipFill rotWithShape="1">
+              <a:blip r:embed="rId18" cstate="print">
+                <a:extLst>
+                  <a:ext uri="{28A0092B-C50C-407E-A947-70E740481C1C}">
+                    <a14:useLocalDpi xmlns:a14="http://schemas.microsoft.com/office/drawing/2010/main" val="0"/>
+                  </a:ext>
+                </a:extLst>
+              </a:blip>
+              <a:srcRect l="20002" t="30011" r="18445" b="12840"/>
+              <a:stretch/>
+            </p:blipFill>
+            <p:spPr>
+              <a:xfrm>
+                <a:off x="7088465" y="4834081"/>
+                <a:ext cx="527905" cy="490126"/>
+              </a:xfrm>
+              <a:prstGeom prst="rect">
+                <a:avLst/>
+              </a:prstGeom>
+            </p:spPr>
+          </p:pic>
+        </p:grpSp>
+        <p:sp>
+          <p:nvSpPr>
+            <p:cNvPr id="59" name="TextBox 94"/>
+            <p:cNvSpPr txBox="1"/>
+            <p:nvPr/>
+          </p:nvSpPr>
+          <p:spPr>
+            <a:xfrm>
+              <a:off x="5772151" y="5433318"/>
+              <a:ext cx="1901968" cy="307777"/>
+            </a:xfrm>
+            <a:prstGeom prst="rect">
+              <a:avLst/>
+            </a:prstGeom>
+            <a:noFill/>
+          </p:spPr>
+          <p:txBody>
+            <a:bodyPr wrap="square" rtlCol="0">
+              <a:spAutoFit/>
+            </a:bodyPr>
+            <a:lstStyle/>
+            <a:p>
+              <a:pPr algn="ctr"/>
+              <a:r>
+                <a:rPr lang="en-GB" sz="1400" dirty="0"/>
+                <a:t>Context and Properties</a:t>
+              </a:r>
+              <a:endParaRPr lang="de-DE" sz="1400" dirty="0"/>
+            </a:p>
+          </p:txBody>
+        </p:sp>
+      </p:grpSp>
+    </p:spTree>
+    <p:extLst>
+      <p:ext uri="{BB962C8B-B14F-4D97-AF65-F5344CB8AC3E}">
+        <p14:creationId xmlns:p14="http://schemas.microsoft.com/office/powerpoint/2010/main" val="1302027525"/>
+      </p:ext>
+    </p:extLst>
+  </p:cSld>
+  <p:clrMapOvr>
+    <a:masterClrMapping/>
+  </p:clrMapOvr>
+  <p:timing>
+    <p:tnLst>
+      <p:par>
+        <p:cTn id="1" dur="indefinite" restart="never" nodeType="tmRoot">
+          <p:childTnLst>
+            <p:seq concurrent="1" nextAc="seek">
+              <p:cTn id="2" dur="indefinite" nodeType="mainSeq">
+                <p:childTnLst>
+                  <p:par>
+                    <p:cTn id="3" fill="hold">
+                      <p:stCondLst>
+                        <p:cond delay="indefinite"/>
+                        <p:cond evt="onBegin" delay="0">
+                          <p:tn val="2"/>
+                        </p:cond>
+                      </p:stCondLst>
+                      <p:childTnLst>
+                        <p:par>
+                          <p:cTn id="4" fill="hold">
+                            <p:stCondLst>
+                              <p:cond delay="0"/>
+                            </p:stCondLst>
+                            <p:childTnLst>
+                              <p:par>
+                                <p:cTn id="5" presetID="1" presetClass="entr" presetSubtype="0" fill="hold" grpId="0" nodeType="withEffect">
+                                  <p:stCondLst>
+                                    <p:cond delay="0"/>
+                                  </p:stCondLst>
+                                  <p:childTnLst>
+                                    <p:set>
+                                      <p:cBhvr>
+                                        <p:cTn id="6" dur="1" fill="hold">
+                                          <p:stCondLst>
+                                            <p:cond delay="0"/>
+                                          </p:stCondLst>
+                                        </p:cTn>
+                                        <p:tgtEl>
+                                          <p:spTgt spid="13"/>
+                                        </p:tgtEl>
+                                        <p:attrNameLst>
+                                          <p:attrName>style.visibility</p:attrName>
+                                        </p:attrNameLst>
+                                      </p:cBhvr>
+                                      <p:to>
+                                        <p:strVal val="visible"/>
+                                      </p:to>
+                                    </p:set>
+                                  </p:childTnLst>
+                                </p:cTn>
+                              </p:par>
+                              <p:par>
+                                <p:cTn id="7" presetID="1" presetClass="entr" presetSubtype="0" fill="hold" nodeType="withEffect">
+                                  <p:stCondLst>
+                                    <p:cond delay="0"/>
+                                  </p:stCondLst>
+                                  <p:childTnLst>
+                                    <p:set>
+                                      <p:cBhvr>
+                                        <p:cTn id="8" dur="1" fill="hold">
+                                          <p:stCondLst>
+                                            <p:cond delay="0"/>
+                                          </p:stCondLst>
+                                        </p:cTn>
+                                        <p:tgtEl>
+                                          <p:spTgt spid="54"/>
+                                        </p:tgtEl>
+                                        <p:attrNameLst>
+                                          <p:attrName>style.visibility</p:attrName>
+                                        </p:attrNameLst>
+                                      </p:cBhvr>
+                                      <p:to>
+                                        <p:strVal val="visible"/>
+                                      </p:to>
+                                    </p:set>
+                                  </p:childTnLst>
+                                </p:cTn>
+                              </p:par>
+                            </p:childTnLst>
+                          </p:cTn>
+                        </p:par>
+                      </p:childTnLst>
+                    </p:cTn>
+                  </p:par>
+                </p:childTnLst>
+              </p:cTn>
+              <p:prevCondLst>
+                <p:cond evt="onPrev" delay="0">
+                  <p:tgtEl>
+                    <p:sldTgt/>
+                  </p:tgtEl>
+                </p:cond>
+              </p:prevCondLst>
+              <p:nextCondLst>
+                <p:cond evt="onNext" delay="0">
+                  <p:tgtEl>
+                    <p:sldTgt/>
+                  </p:tgtEl>
+                </p:cond>
+              </p:nextCondLst>
+            </p:seq>
+          </p:childTnLst>
+        </p:cTn>
+      </p:par>
+    </p:tnLst>
+    <p:bldLst>
+      <p:bldP spid="13" grpId="0" animBg="1"/>
+    </p:bldLst>
+  </p:timing>
+</p:sld>
+</file>
+
+<file path=ppt/slides/slide8.xml><?xml version="1.0" encoding="utf-8"?>
+<p:sld xmlns:a="http://schemas.openxmlformats.org/drawingml/2006/main" xmlns:r="http://schemas.openxmlformats.org/officeDocument/2006/relationships" xmlns:p="http://schemas.openxmlformats.org/presentationml/2006/main">
+  <p:cSld>
+    <p:spTree>
+      <p:nvGrpSpPr>
+        <p:cNvPr id="1" name=""/>
+        <p:cNvGrpSpPr/>
+        <p:nvPr/>
+      </p:nvGrpSpPr>
+      <p:grpSpPr>
+        <a:xfrm>
+          <a:off x="0" y="0"/>
+          <a:ext cx="0" cy="0"/>
+          <a:chOff x="0" y="0"/>
+          <a:chExt cx="0" cy="0"/>
+        </a:xfrm>
+      </p:grpSpPr>
+      <p:sp>
+        <p:nvSpPr>
           <p:cNvPr id="5" name="Title 4"/>
           <p:cNvSpPr>
             <a:spLocks noGrp="1"/>
@@ -17046,7 +19842,7 @@
             <a:fld id="{2921BF44-F096-42DF-ADC3-B535522D2EE1}" type="slidenum">
               <a:rPr lang="en-GB" smtClean="0"/>
               <a:pPr/>
-              <a:t>7</a:t>
+              <a:t>8</a:t>
             </a:fld>
             <a:endParaRPr lang="en-GB" dirty="0"/>
           </a:p>
@@ -17065,7 +19861,7 @@
 </p:sld>
 </file>
 
-<file path=ppt/slides/slide8.xml><?xml version="1.0" encoding="utf-8"?>
+<file path=ppt/slides/slide9.xml><?xml version="1.0" encoding="utf-8"?>
 <p:sld xmlns:a="http://schemas.openxmlformats.org/drawingml/2006/main" xmlns:r="http://schemas.openxmlformats.org/officeDocument/2006/relationships" xmlns:p="http://schemas.openxmlformats.org/presentationml/2006/main">
   <p:cSld>
     <p:spTree>
@@ -17123,7 +19919,7 @@
             <a:fld id="{2921BF44-F096-42DF-ADC3-B535522D2EE1}" type="slidenum">
               <a:rPr lang="en-GB" smtClean="0"/>
               <a:pPr/>
-              <a:t>8</a:t>
+              <a:t>9</a:t>
             </a:fld>
             <a:endParaRPr lang="en-GB" dirty="0"/>
           </a:p>
@@ -17606,7 +20402,7 @@
                   <a14:useLocalDpi xmlns:a14="http://schemas.microsoft.com/office/drawing/2010/main" val="0"/>
                 </a:ext>
                 <a:ext uri="{96DAC541-7B7A-43D3-8B79-37D633B846F1}">
-                  <asvg:svgBlip xmlns:asvg="http://schemas.microsoft.com/office/drawing/2016/SVG/main" xmlns="" r:embed="rId7"/>
+                  <asvg:svgBlip xmlns:asvg="http://schemas.microsoft.com/office/drawing/2016/SVG/main" r:embed="rId7"/>
                 </a:ext>
               </a:extLst>
             </a:blip>
@@ -17639,7 +20435,7 @@
                   <a14:useLocalDpi xmlns:a14="http://schemas.microsoft.com/office/drawing/2010/main" val="0"/>
                 </a:ext>
                 <a:ext uri="{96DAC541-7B7A-43D3-8B79-37D633B846F1}">
-                  <asvg:svgBlip xmlns:asvg="http://schemas.microsoft.com/office/drawing/2016/SVG/main" xmlns="" r:embed="rId9"/>
+                  <asvg:svgBlip xmlns:asvg="http://schemas.microsoft.com/office/drawing/2016/SVG/main" r:embed="rId9"/>
                 </a:ext>
               </a:extLst>
             </a:blip>
@@ -17928,102 +20724,6 @@
     <p:extLst>
       <p:ext uri="{BB962C8B-B14F-4D97-AF65-F5344CB8AC3E}">
         <p14:creationId xmlns:p14="http://schemas.microsoft.com/office/powerpoint/2010/main" val="2861008330"/>
-      </p:ext>
-    </p:extLst>
-  </p:cSld>
-  <p:clrMapOvr>
-    <a:masterClrMapping/>
-  </p:clrMapOvr>
-</p:sld>
-</file>
-
-<file path=ppt/slides/slide9.xml><?xml version="1.0" encoding="utf-8"?>
-<p:sld xmlns:a="http://schemas.openxmlformats.org/drawingml/2006/main" xmlns:r="http://schemas.openxmlformats.org/officeDocument/2006/relationships" xmlns:p="http://schemas.openxmlformats.org/presentationml/2006/main">
-  <p:cSld>
-    <p:spTree>
-      <p:nvGrpSpPr>
-        <p:cNvPr id="1" name=""/>
-        <p:cNvGrpSpPr/>
-        <p:nvPr/>
-      </p:nvGrpSpPr>
-      <p:grpSpPr>
-        <a:xfrm>
-          <a:off x="0" y="0"/>
-          <a:ext cx="0" cy="0"/>
-          <a:chOff x="0" y="0"/>
-          <a:chExt cx="0" cy="0"/>
-        </a:xfrm>
-      </p:grpSpPr>
-      <p:sp>
-        <p:nvSpPr>
-          <p:cNvPr id="2" name="Title 1"/>
-          <p:cNvSpPr>
-            <a:spLocks noGrp="1"/>
-          </p:cNvSpPr>
-          <p:nvPr>
-            <p:ph type="title"/>
-          </p:nvPr>
-        </p:nvSpPr>
-        <p:spPr/>
-        <p:txBody>
-          <a:bodyPr/>
-          <a:lstStyle/>
-          <a:p>
-            <a:r>
-              <a:rPr lang="en-GB" dirty="0"/>
-              <a:t>Backup</a:t>
-            </a:r>
-            <a:endParaRPr lang="de-DE" dirty="0"/>
-          </a:p>
-        </p:txBody>
-      </p:sp>
-      <p:sp>
-        <p:nvSpPr>
-          <p:cNvPr id="3" name="Content Placeholder 2"/>
-          <p:cNvSpPr>
-            <a:spLocks noGrp="1"/>
-          </p:cNvSpPr>
-          <p:nvPr>
-            <p:ph idx="1"/>
-          </p:nvPr>
-        </p:nvSpPr>
-        <p:spPr/>
-        <p:txBody>
-          <a:bodyPr/>
-          <a:lstStyle/>
-          <a:p>
-            <a:endParaRPr lang="de-DE"/>
-          </a:p>
-        </p:txBody>
-      </p:sp>
-      <p:sp>
-        <p:nvSpPr>
-          <p:cNvPr id="4" name="Slide Number Placeholder 3"/>
-          <p:cNvSpPr>
-            <a:spLocks noGrp="1"/>
-          </p:cNvSpPr>
-          <p:nvPr>
-            <p:ph type="sldNum" sz="quarter" idx="12"/>
-          </p:nvPr>
-        </p:nvSpPr>
-        <p:spPr/>
-        <p:txBody>
-          <a:bodyPr/>
-          <a:lstStyle/>
-          <a:p>
-            <a:fld id="{2921BF44-F096-42DF-ADC3-B535522D2EE1}" type="slidenum">
-              <a:rPr lang="en-GB" smtClean="0"/>
-              <a:pPr/>
-              <a:t>9</a:t>
-            </a:fld>
-            <a:endParaRPr lang="en-GB" dirty="0"/>
-          </a:p>
-        </p:txBody>
-      </p:sp>
-    </p:spTree>
-    <p:extLst>
-      <p:ext uri="{BB962C8B-B14F-4D97-AF65-F5344CB8AC3E}">
-        <p14:creationId xmlns:p14="http://schemas.microsoft.com/office/powerpoint/2010/main" val="333537589"/>
       </p:ext>
     </p:extLst>
   </p:cSld>
@@ -18283,7 +20983,7 @@
   <a:extraClrSchemeLst/>
   <a:extLst>
     <a:ext uri="{05A4C25C-085E-4340-85A3-A5531E510DB2}">
-      <thm15:themeFamily xmlns:thm15="http://schemas.microsoft.com/office/thememl/2012/main" xmlns="" name="Parallax" id="{3388167B-A2EB-4685-9635-1831D9AEF8C4}" vid="{4F7A876A-7598-49CA-AFC8-8EDA2551E4A7}"/>
+      <thm15:themeFamily xmlns:thm15="http://schemas.microsoft.com/office/thememl/2012/main" name="Parallax" id="{3388167B-A2EB-4685-9635-1831D9AEF8C4}" vid="{4F7A876A-7598-49CA-AFC8-8EDA2551E4A7}"/>
     </a:ext>
   </a:extLst>
 </a:theme>
@@ -18544,7 +21244,7 @@
   <a:extraClrSchemeLst/>
   <a:extLst>
     <a:ext uri="{05A4C25C-085E-4340-85A3-A5531E510DB2}">
-      <thm15:themeFamily xmlns:thm15="http://schemas.microsoft.com/office/thememl/2012/main" xmlns="" name="Office Theme" id="{62F939B6-93AF-4DB8-9C6B-D6C7DFDC589F}" vid="{4A3C46E8-61CC-4603-A589-7422A47A8E4A}"/>
+      <thm15:themeFamily xmlns:thm15="http://schemas.microsoft.com/office/thememl/2012/main" name="Office Theme" id="{62F939B6-93AF-4DB8-9C6B-D6C7DFDC589F}" vid="{4A3C46E8-61CC-4603-A589-7422A47A8E4A}"/>
     </a:ext>
   </a:extLst>
 </a:theme>

--- a/ProjectPresentation/EntityAnnotation.pptx
+++ b/ProjectPresentation/EntityAnnotation.pptx
@@ -5,7 +5,7 @@
     <p:sldMasterId id="2147483660" r:id="rId1"/>
   </p:sldMasterIdLst>
   <p:notesMasterIdLst>
-    <p:notesMasterId r:id="rId16"/>
+    <p:notesMasterId r:id="rId15"/>
   </p:notesMasterIdLst>
   <p:sldIdLst>
     <p:sldId id="259" r:id="rId2"/>
@@ -13,15 +13,14 @@
     <p:sldId id="283" r:id="rId4"/>
     <p:sldId id="293" r:id="rId5"/>
     <p:sldId id="290" r:id="rId6"/>
-    <p:sldId id="286" r:id="rId7"/>
-    <p:sldId id="294" r:id="rId8"/>
-    <p:sldId id="291" r:id="rId9"/>
-    <p:sldId id="285" r:id="rId10"/>
-    <p:sldId id="289" r:id="rId11"/>
-    <p:sldId id="258" r:id="rId12"/>
-    <p:sldId id="292" r:id="rId13"/>
-    <p:sldId id="287" r:id="rId14"/>
-    <p:sldId id="288" r:id="rId15"/>
+    <p:sldId id="294" r:id="rId7"/>
+    <p:sldId id="291" r:id="rId8"/>
+    <p:sldId id="285" r:id="rId9"/>
+    <p:sldId id="289" r:id="rId10"/>
+    <p:sldId id="258" r:id="rId11"/>
+    <p:sldId id="292" r:id="rId12"/>
+    <p:sldId id="287" r:id="rId13"/>
+    <p:sldId id="288" r:id="rId14"/>
   </p:sldIdLst>
   <p:sldSz cx="12192000" cy="6858000"/>
   <p:notesSz cx="6858000" cy="9144000"/>
@@ -122,7 +121,7 @@
   </p:defaultTextStyle>
   <p:extLst>
     <p:ext uri="{EFAFB233-063F-42B5-8137-9DF3F51BA10A}">
-      <p15:sldGuideLst xmlns:p15="http://schemas.microsoft.com/office/powerpoint/2012/main">
+      <p15:sldGuideLst xmlns:p15="http://schemas.microsoft.com/office/powerpoint/2012/main" xmlns="">
         <p15:guide id="1" orient="horz" pos="2160">
           <p15:clr>
             <a:srgbClr val="A4A3A4"/>
@@ -380,7 +379,7 @@
           <a:p>
             <a:fld id="{6B56D088-27D1-433A-A9A9-E30AD3E13E16}" type="slidenum">
               <a:rPr lang="en-GB" smtClean="0"/>
-              <a:t>‹Nr.›</a:t>
+              <a:t>‹#›</a:t>
             </a:fld>
             <a:endParaRPr lang="en-GB"/>
           </a:p>
@@ -1592,7 +1591,7 @@
           <a:p>
             <a:fld id="{6B56D088-27D1-433A-A9A9-E30AD3E13E16}" type="slidenum">
               <a:rPr lang="en-GB" smtClean="0"/>
-              <a:t>8</a:t>
+              <a:t>7</a:t>
             </a:fld>
             <a:endParaRPr lang="en-GB"/>
           </a:p>
@@ -1768,7 +1767,7 @@
           <a:p>
             <a:fld id="{6B56D088-27D1-433A-A9A9-E30AD3E13E16}" type="slidenum">
               <a:rPr lang="en-GB" smtClean="0"/>
-              <a:t>9</a:t>
+              <a:t>8</a:t>
             </a:fld>
             <a:endParaRPr lang="en-GB"/>
           </a:p>
@@ -1852,7 +1851,7 @@
           <a:p>
             <a:fld id="{6B56D088-27D1-433A-A9A9-E30AD3E13E16}" type="slidenum">
               <a:rPr lang="en-GB" smtClean="0"/>
-              <a:t>11</a:t>
+              <a:t>10</a:t>
             </a:fld>
             <a:endParaRPr lang="en-GB"/>
           </a:p>
@@ -2110,7 +2109,7 @@
           <a:p>
             <a:fld id="{2921BF44-F096-42DF-ADC3-B535522D2EE1}" type="slidenum">
               <a:rPr lang="en-GB" smtClean="0"/>
-              <a:t>‹Nr.›</a:t>
+              <a:t>‹#›</a:t>
             </a:fld>
             <a:endParaRPr lang="en-GB"/>
           </a:p>
@@ -2404,7 +2403,7 @@
           <a:p>
             <a:fld id="{2921BF44-F096-42DF-ADC3-B535522D2EE1}" type="slidenum">
               <a:rPr lang="en-GB" smtClean="0"/>
-              <a:t>‹Nr.›</a:t>
+              <a:t>‹#›</a:t>
             </a:fld>
             <a:endParaRPr lang="en-GB"/>
           </a:p>
@@ -2655,7 +2654,7 @@
           <a:p>
             <a:fld id="{2921BF44-F096-42DF-ADC3-B535522D2EE1}" type="slidenum">
               <a:rPr lang="en-GB" smtClean="0"/>
-              <a:t>‹Nr.›</a:t>
+              <a:t>‹#›</a:t>
             </a:fld>
             <a:endParaRPr lang="en-GB"/>
           </a:p>
@@ -3198,7 +3197,7 @@
           <a:p>
             <a:fld id="{2921BF44-F096-42DF-ADC3-B535522D2EE1}" type="slidenum">
               <a:rPr lang="en-GB" smtClean="0"/>
-              <a:t>‹Nr.›</a:t>
+              <a:t>‹#›</a:t>
             </a:fld>
             <a:endParaRPr lang="en-GB"/>
           </a:p>
@@ -3449,7 +3448,7 @@
           <a:p>
             <a:fld id="{2921BF44-F096-42DF-ADC3-B535522D2EE1}" type="slidenum">
               <a:rPr lang="en-GB" smtClean="0"/>
-              <a:t>‹Nr.›</a:t>
+              <a:t>‹#›</a:t>
             </a:fld>
             <a:endParaRPr lang="en-GB"/>
           </a:p>
@@ -3984,7 +3983,7 @@
           <a:p>
             <a:fld id="{2921BF44-F096-42DF-ADC3-B535522D2EE1}" type="slidenum">
               <a:rPr lang="en-GB" smtClean="0"/>
-              <a:t>‹Nr.›</a:t>
+              <a:t>‹#›</a:t>
             </a:fld>
             <a:endParaRPr lang="en-GB"/>
           </a:p>
@@ -4284,7 +4283,7 @@
           <a:p>
             <a:fld id="{2921BF44-F096-42DF-ADC3-B535522D2EE1}" type="slidenum">
               <a:rPr lang="en-GB" smtClean="0"/>
-              <a:t>‹Nr.›</a:t>
+              <a:t>‹#›</a:t>
             </a:fld>
             <a:endParaRPr lang="en-GB"/>
           </a:p>
@@ -4461,7 +4460,7 @@
           <a:p>
             <a:fld id="{2921BF44-F096-42DF-ADC3-B535522D2EE1}" type="slidenum">
               <a:rPr lang="en-GB" smtClean="0"/>
-              <a:t>‹Nr.›</a:t>
+              <a:t>‹#›</a:t>
             </a:fld>
             <a:endParaRPr lang="en-GB"/>
           </a:p>
@@ -4644,7 +4643,7 @@
           <a:p>
             <a:fld id="{2921BF44-F096-42DF-ADC3-B535522D2EE1}" type="slidenum">
               <a:rPr lang="en-GB" smtClean="0"/>
-              <a:t>‹Nr.›</a:t>
+              <a:t>‹#›</a:t>
             </a:fld>
             <a:endParaRPr lang="en-GB"/>
           </a:p>
@@ -4851,7 +4850,7 @@
             <a:fld id="{2921BF44-F096-42DF-ADC3-B535522D2EE1}" type="slidenum">
               <a:rPr lang="en-GB" smtClean="0"/>
               <a:pPr/>
-              <a:t>‹Nr.›</a:t>
+              <a:t>‹#›</a:t>
             </a:fld>
             <a:endParaRPr lang="en-GB" dirty="0"/>
           </a:p>
@@ -5100,7 +5099,7 @@
           <a:p>
             <a:fld id="{2921BF44-F096-42DF-ADC3-B535522D2EE1}" type="slidenum">
               <a:rPr lang="en-GB" smtClean="0"/>
-              <a:t>‹Nr.›</a:t>
+              <a:t>‹#›</a:t>
             </a:fld>
             <a:endParaRPr lang="en-GB"/>
           </a:p>
@@ -5400,7 +5399,7 @@
           <a:p>
             <a:fld id="{2921BF44-F096-42DF-ADC3-B535522D2EE1}" type="slidenum">
               <a:rPr lang="en-GB" smtClean="0"/>
-              <a:t>‹Nr.›</a:t>
+              <a:t>‹#›</a:t>
             </a:fld>
             <a:endParaRPr lang="en-GB"/>
           </a:p>
@@ -5845,7 +5844,7 @@
           <a:p>
             <a:fld id="{2921BF44-F096-42DF-ADC3-B535522D2EE1}" type="slidenum">
               <a:rPr lang="en-GB" smtClean="0"/>
-              <a:t>‹Nr.›</a:t>
+              <a:t>‹#›</a:t>
             </a:fld>
             <a:endParaRPr lang="en-GB"/>
           </a:p>
@@ -5966,7 +5965,7 @@
           <a:p>
             <a:fld id="{2921BF44-F096-42DF-ADC3-B535522D2EE1}" type="slidenum">
               <a:rPr lang="en-GB" smtClean="0"/>
-              <a:t>‹Nr.›</a:t>
+              <a:t>‹#›</a:t>
             </a:fld>
             <a:endParaRPr lang="en-GB"/>
           </a:p>
@@ -6064,7 +6063,7 @@
           <a:p>
             <a:fld id="{2921BF44-F096-42DF-ADC3-B535522D2EE1}" type="slidenum">
               <a:rPr lang="en-GB" smtClean="0"/>
-              <a:t>‹Nr.›</a:t>
+              <a:t>‹#›</a:t>
             </a:fld>
             <a:endParaRPr lang="en-GB"/>
           </a:p>
@@ -6350,7 +6349,7 @@
           <a:p>
             <a:fld id="{2921BF44-F096-42DF-ADC3-B535522D2EE1}" type="slidenum">
               <a:rPr lang="en-GB" smtClean="0"/>
-              <a:t>‹Nr.›</a:t>
+              <a:t>‹#›</a:t>
             </a:fld>
             <a:endParaRPr lang="en-GB"/>
           </a:p>
@@ -6644,7 +6643,7 @@
           <a:p>
             <a:fld id="{2921BF44-F096-42DF-ADC3-B535522D2EE1}" type="slidenum">
               <a:rPr lang="en-GB" smtClean="0"/>
-              <a:t>‹Nr.›</a:t>
+              <a:t>‹#›</a:t>
             </a:fld>
             <a:endParaRPr lang="en-GB"/>
           </a:p>
@@ -6897,7 +6896,7 @@
           <a:p>
             <a:fld id="{2921BF44-F096-42DF-ADC3-B535522D2EE1}" type="slidenum">
               <a:rPr lang="en-GB" smtClean="0"/>
-              <a:t>‹Nr.›</a:t>
+              <a:t>‹#›</a:t>
             </a:fld>
             <a:endParaRPr lang="en-GB"/>
           </a:p>
@@ -7771,6 +7770,228 @@
 </file>
 
 <file path=ppt/slides/slide10.xml><?xml version="1.0" encoding="utf-8"?>
+<p:sld xmlns:a="http://schemas.openxmlformats.org/drawingml/2006/main" xmlns:r="http://schemas.openxmlformats.org/officeDocument/2006/relationships" xmlns:p="http://schemas.openxmlformats.org/presentationml/2006/main" show="0">
+  <p:cSld>
+    <p:spTree>
+      <p:nvGrpSpPr>
+        <p:cNvPr id="1" name=""/>
+        <p:cNvGrpSpPr/>
+        <p:nvPr/>
+      </p:nvGrpSpPr>
+      <p:grpSpPr>
+        <a:xfrm>
+          <a:off x="0" y="0"/>
+          <a:ext cx="0" cy="0"/>
+          <a:chOff x="0" y="0"/>
+          <a:chExt cx="0" cy="0"/>
+        </a:xfrm>
+      </p:grpSpPr>
+      <p:sp>
+        <p:nvSpPr>
+          <p:cNvPr id="4" name="Titel 3"/>
+          <p:cNvSpPr>
+            <a:spLocks noGrp="1"/>
+          </p:cNvSpPr>
+          <p:nvPr>
+            <p:ph type="title"/>
+          </p:nvPr>
+        </p:nvSpPr>
+        <p:spPr/>
+        <p:txBody>
+          <a:bodyPr/>
+          <a:lstStyle/>
+          <a:p>
+            <a:r>
+              <a:rPr lang="de-DE" dirty="0"/>
+              <a:t>Agenda</a:t>
+            </a:r>
+            <a:endParaRPr lang="en-GB" dirty="0"/>
+          </a:p>
+        </p:txBody>
+      </p:sp>
+      <p:sp>
+        <p:nvSpPr>
+          <p:cNvPr id="7" name="Foliennummernplatzhalter 6"/>
+          <p:cNvSpPr>
+            <a:spLocks noGrp="1"/>
+          </p:cNvSpPr>
+          <p:nvPr>
+            <p:ph type="sldNum" sz="quarter" idx="12"/>
+          </p:nvPr>
+        </p:nvSpPr>
+        <p:spPr/>
+        <p:txBody>
+          <a:bodyPr/>
+          <a:lstStyle/>
+          <a:p>
+            <a:fld id="{2921BF44-F096-42DF-ADC3-B535522D2EE1}" type="slidenum">
+              <a:rPr lang="en-GB" smtClean="0"/>
+              <a:t>10</a:t>
+            </a:fld>
+            <a:endParaRPr lang="en-GB"/>
+          </a:p>
+        </p:txBody>
+      </p:sp>
+      <p:sp>
+        <p:nvSpPr>
+          <p:cNvPr id="9" name="Inhaltsplatzhalter 4"/>
+          <p:cNvSpPr>
+            <a:spLocks noGrp="1"/>
+          </p:cNvSpPr>
+          <p:nvPr>
+            <p:ph idx="1"/>
+          </p:nvPr>
+        </p:nvSpPr>
+        <p:spPr>
+          <a:xfrm>
+            <a:off x="948906" y="1903562"/>
+            <a:ext cx="10127411" cy="3887638"/>
+          </a:xfrm>
+        </p:spPr>
+        <p:txBody>
+          <a:bodyPr>
+            <a:normAutofit/>
+          </a:bodyPr>
+          <a:lstStyle/>
+          <a:p>
+            <a:pPr marL="457200" indent="-457200">
+              <a:buClr>
+                <a:schemeClr val="accent1">
+                  <a:lumMod val="50000"/>
+                </a:schemeClr>
+              </a:buClr>
+              <a:buSzPct val="125000"/>
+              <a:buFont typeface="+mj-lt"/>
+              <a:buAutoNum type="arabicPeriod"/>
+            </a:pPr>
+            <a:r>
+              <a:rPr lang="en-US" dirty="0"/>
+              <a:t>Architecture</a:t>
+            </a:r>
+          </a:p>
+          <a:p>
+            <a:pPr marL="914400" lvl="1" indent="-457200">
+              <a:buClr>
+                <a:schemeClr val="accent1">
+                  <a:lumMod val="50000"/>
+                </a:schemeClr>
+              </a:buClr>
+              <a:buSzPct val="125000"/>
+              <a:buFont typeface="+mj-lt"/>
+              <a:buAutoNum type="arabicPeriod"/>
+            </a:pPr>
+            <a:r>
+              <a:rPr lang="en-US" dirty="0"/>
+              <a:t>Named Entity Recognition</a:t>
+            </a:r>
+          </a:p>
+          <a:p>
+            <a:pPr marL="914400" lvl="1" indent="-457200">
+              <a:buClr>
+                <a:schemeClr val="accent1">
+                  <a:lumMod val="50000"/>
+                </a:schemeClr>
+              </a:buClr>
+              <a:buSzPct val="125000"/>
+              <a:buFont typeface="+mj-lt"/>
+              <a:buAutoNum type="arabicPeriod"/>
+            </a:pPr>
+            <a:r>
+              <a:rPr lang="en-US" dirty="0"/>
+              <a:t>SPARQL Engine</a:t>
+            </a:r>
+          </a:p>
+          <a:p>
+            <a:pPr marL="914400" lvl="1" indent="-457200">
+              <a:buClr>
+                <a:schemeClr val="accent1">
+                  <a:lumMod val="50000"/>
+                </a:schemeClr>
+              </a:buClr>
+              <a:buSzPct val="125000"/>
+              <a:buFont typeface="+mj-lt"/>
+              <a:buAutoNum type="arabicPeriod"/>
+            </a:pPr>
+            <a:r>
+              <a:rPr lang="en-US" dirty="0"/>
+              <a:t>Server</a:t>
+            </a:r>
+          </a:p>
+          <a:p>
+            <a:pPr marL="914400" lvl="1" indent="-457200">
+              <a:buClr>
+                <a:schemeClr val="accent1">
+                  <a:lumMod val="50000"/>
+                </a:schemeClr>
+              </a:buClr>
+              <a:buSzPct val="125000"/>
+              <a:buFont typeface="+mj-lt"/>
+              <a:buAutoNum type="arabicPeriod"/>
+            </a:pPr>
+            <a:r>
+              <a:rPr lang="en-US" dirty="0"/>
+              <a:t>Chrome Extension</a:t>
+            </a:r>
+          </a:p>
+          <a:p>
+            <a:pPr marL="457200" indent="-457200">
+              <a:buClr>
+                <a:schemeClr val="accent1">
+                  <a:lumMod val="50000"/>
+                </a:schemeClr>
+              </a:buClr>
+              <a:buSzPct val="125000"/>
+              <a:buFont typeface="+mj-lt"/>
+              <a:buAutoNum type="arabicPeriod"/>
+            </a:pPr>
+            <a:r>
+              <a:rPr lang="en-US" dirty="0"/>
+              <a:t>Demo</a:t>
+            </a:r>
+          </a:p>
+          <a:p>
+            <a:pPr marL="457200" indent="-457200">
+              <a:buClr>
+                <a:schemeClr val="accent1">
+                  <a:lumMod val="50000"/>
+                </a:schemeClr>
+              </a:buClr>
+              <a:buSzPct val="125000"/>
+              <a:buFont typeface="+mj-lt"/>
+              <a:buAutoNum type="arabicPeriod"/>
+            </a:pPr>
+            <a:r>
+              <a:rPr lang="en-US" dirty="0"/>
+              <a:t>Conclusion</a:t>
+            </a:r>
+          </a:p>
+          <a:p>
+            <a:endParaRPr lang="en-GB" dirty="0"/>
+          </a:p>
+        </p:txBody>
+      </p:sp>
+    </p:spTree>
+    <p:extLst>
+      <p:ext uri="{BB962C8B-B14F-4D97-AF65-F5344CB8AC3E}">
+        <p14:creationId xmlns:p14="http://schemas.microsoft.com/office/powerpoint/2010/main" val="3397866905"/>
+      </p:ext>
+    </p:extLst>
+  </p:cSld>
+  <p:clrMapOvr>
+    <a:masterClrMapping/>
+  </p:clrMapOvr>
+  <mc:AlternateContent xmlns:mc="http://schemas.openxmlformats.org/markup-compatibility/2006">
+    <mc:Choice xmlns:p14="http://schemas.microsoft.com/office/powerpoint/2010/main" Requires="p14">
+      <p:transition spd="slow" p14:dur="2000"/>
+    </mc:Choice>
+    <mc:Fallback>
+      <p:transition spd="slow"/>
+    </mc:Fallback>
+  </mc:AlternateContent>
+</p:sld>
+</file>
+
+<file path=ppt/slides/slide11.xml><?xml version="1.0" encoding="utf-8"?>
 <p:sld xmlns:a="http://schemas.openxmlformats.org/drawingml/2006/main" xmlns:r="http://schemas.openxmlformats.org/officeDocument/2006/relationships" xmlns:p="http://schemas.openxmlformats.org/presentationml/2006/main">
   <p:cSld>
     <p:spTree>
@@ -7804,28 +8025,9 @@
           <a:p>
             <a:r>
               <a:rPr lang="en-GB" dirty="0"/>
-              <a:t>Backup</a:t>
+              <a:t>Architecture</a:t>
             </a:r>
             <a:endParaRPr lang="de-DE" dirty="0"/>
-          </a:p>
-        </p:txBody>
-      </p:sp>
-      <p:sp>
-        <p:nvSpPr>
-          <p:cNvPr id="3" name="Content Placeholder 2"/>
-          <p:cNvSpPr>
-            <a:spLocks noGrp="1"/>
-          </p:cNvSpPr>
-          <p:nvPr>
-            <p:ph idx="1"/>
-          </p:nvPr>
-        </p:nvSpPr>
-        <p:spPr/>
-        <p:txBody>
-          <a:bodyPr/>
-          <a:lstStyle/>
-          <a:p>
-            <a:endParaRPr lang="de-DE"/>
           </a:p>
         </p:txBody>
       </p:sp>
@@ -7847,298 +8049,7 @@
             <a:fld id="{2921BF44-F096-42DF-ADC3-B535522D2EE1}" type="slidenum">
               <a:rPr lang="en-GB" smtClean="0"/>
               <a:pPr/>
-              <a:t>10</a:t>
-            </a:fld>
-            <a:endParaRPr lang="en-GB" dirty="0"/>
-          </a:p>
-        </p:txBody>
-      </p:sp>
-    </p:spTree>
-    <p:extLst>
-      <p:ext uri="{BB962C8B-B14F-4D97-AF65-F5344CB8AC3E}">
-        <p14:creationId xmlns:p14="http://schemas.microsoft.com/office/powerpoint/2010/main" val="333537589"/>
-      </p:ext>
-    </p:extLst>
-  </p:cSld>
-  <p:clrMapOvr>
-    <a:masterClrMapping/>
-  </p:clrMapOvr>
-</p:sld>
-</file>
-
-<file path=ppt/slides/slide11.xml><?xml version="1.0" encoding="utf-8"?>
-<p:sld xmlns:a="http://schemas.openxmlformats.org/drawingml/2006/main" xmlns:r="http://schemas.openxmlformats.org/officeDocument/2006/relationships" xmlns:p="http://schemas.openxmlformats.org/presentationml/2006/main" show="0">
-  <p:cSld>
-    <p:spTree>
-      <p:nvGrpSpPr>
-        <p:cNvPr id="1" name=""/>
-        <p:cNvGrpSpPr/>
-        <p:nvPr/>
-      </p:nvGrpSpPr>
-      <p:grpSpPr>
-        <a:xfrm>
-          <a:off x="0" y="0"/>
-          <a:ext cx="0" cy="0"/>
-          <a:chOff x="0" y="0"/>
-          <a:chExt cx="0" cy="0"/>
-        </a:xfrm>
-      </p:grpSpPr>
-      <p:sp>
-        <p:nvSpPr>
-          <p:cNvPr id="4" name="Titel 3"/>
-          <p:cNvSpPr>
-            <a:spLocks noGrp="1"/>
-          </p:cNvSpPr>
-          <p:nvPr>
-            <p:ph type="title"/>
-          </p:nvPr>
-        </p:nvSpPr>
-        <p:spPr/>
-        <p:txBody>
-          <a:bodyPr/>
-          <a:lstStyle/>
-          <a:p>
-            <a:r>
-              <a:rPr lang="de-DE" dirty="0"/>
-              <a:t>Agenda</a:t>
-            </a:r>
-            <a:endParaRPr lang="en-GB" dirty="0"/>
-          </a:p>
-        </p:txBody>
-      </p:sp>
-      <p:sp>
-        <p:nvSpPr>
-          <p:cNvPr id="7" name="Foliennummernplatzhalter 6"/>
-          <p:cNvSpPr>
-            <a:spLocks noGrp="1"/>
-          </p:cNvSpPr>
-          <p:nvPr>
-            <p:ph type="sldNum" sz="quarter" idx="12"/>
-          </p:nvPr>
-        </p:nvSpPr>
-        <p:spPr/>
-        <p:txBody>
-          <a:bodyPr/>
-          <a:lstStyle/>
-          <a:p>
-            <a:fld id="{2921BF44-F096-42DF-ADC3-B535522D2EE1}" type="slidenum">
-              <a:rPr lang="en-GB" smtClean="0"/>
               <a:t>11</a:t>
-            </a:fld>
-            <a:endParaRPr lang="en-GB"/>
-          </a:p>
-        </p:txBody>
-      </p:sp>
-      <p:sp>
-        <p:nvSpPr>
-          <p:cNvPr id="9" name="Inhaltsplatzhalter 4"/>
-          <p:cNvSpPr>
-            <a:spLocks noGrp="1"/>
-          </p:cNvSpPr>
-          <p:nvPr>
-            <p:ph idx="1"/>
-          </p:nvPr>
-        </p:nvSpPr>
-        <p:spPr>
-          <a:xfrm>
-            <a:off x="948906" y="1903562"/>
-            <a:ext cx="10127411" cy="3887638"/>
-          </a:xfrm>
-        </p:spPr>
-        <p:txBody>
-          <a:bodyPr>
-            <a:normAutofit/>
-          </a:bodyPr>
-          <a:lstStyle/>
-          <a:p>
-            <a:pPr marL="457200" indent="-457200">
-              <a:buClr>
-                <a:schemeClr val="accent1">
-                  <a:lumMod val="50000"/>
-                </a:schemeClr>
-              </a:buClr>
-              <a:buSzPct val="125000"/>
-              <a:buFont typeface="+mj-lt"/>
-              <a:buAutoNum type="arabicPeriod"/>
-            </a:pPr>
-            <a:r>
-              <a:rPr lang="en-US" dirty="0"/>
-              <a:t>Architecture</a:t>
-            </a:r>
-          </a:p>
-          <a:p>
-            <a:pPr marL="914400" lvl="1" indent="-457200">
-              <a:buClr>
-                <a:schemeClr val="accent1">
-                  <a:lumMod val="50000"/>
-                </a:schemeClr>
-              </a:buClr>
-              <a:buSzPct val="125000"/>
-              <a:buFont typeface="+mj-lt"/>
-              <a:buAutoNum type="arabicPeriod"/>
-            </a:pPr>
-            <a:r>
-              <a:rPr lang="en-US" dirty="0"/>
-              <a:t>Named Entity Recognition</a:t>
-            </a:r>
-          </a:p>
-          <a:p>
-            <a:pPr marL="914400" lvl="1" indent="-457200">
-              <a:buClr>
-                <a:schemeClr val="accent1">
-                  <a:lumMod val="50000"/>
-                </a:schemeClr>
-              </a:buClr>
-              <a:buSzPct val="125000"/>
-              <a:buFont typeface="+mj-lt"/>
-              <a:buAutoNum type="arabicPeriod"/>
-            </a:pPr>
-            <a:r>
-              <a:rPr lang="en-US" dirty="0"/>
-              <a:t>SPARQL Engine</a:t>
-            </a:r>
-          </a:p>
-          <a:p>
-            <a:pPr marL="914400" lvl="1" indent="-457200">
-              <a:buClr>
-                <a:schemeClr val="accent1">
-                  <a:lumMod val="50000"/>
-                </a:schemeClr>
-              </a:buClr>
-              <a:buSzPct val="125000"/>
-              <a:buFont typeface="+mj-lt"/>
-              <a:buAutoNum type="arabicPeriod"/>
-            </a:pPr>
-            <a:r>
-              <a:rPr lang="en-US" dirty="0"/>
-              <a:t>Server</a:t>
-            </a:r>
-          </a:p>
-          <a:p>
-            <a:pPr marL="914400" lvl="1" indent="-457200">
-              <a:buClr>
-                <a:schemeClr val="accent1">
-                  <a:lumMod val="50000"/>
-                </a:schemeClr>
-              </a:buClr>
-              <a:buSzPct val="125000"/>
-              <a:buFont typeface="+mj-lt"/>
-              <a:buAutoNum type="arabicPeriod"/>
-            </a:pPr>
-            <a:r>
-              <a:rPr lang="en-US" dirty="0"/>
-              <a:t>Chrome Extension</a:t>
-            </a:r>
-          </a:p>
-          <a:p>
-            <a:pPr marL="457200" indent="-457200">
-              <a:buClr>
-                <a:schemeClr val="accent1">
-                  <a:lumMod val="50000"/>
-                </a:schemeClr>
-              </a:buClr>
-              <a:buSzPct val="125000"/>
-              <a:buFont typeface="+mj-lt"/>
-              <a:buAutoNum type="arabicPeriod"/>
-            </a:pPr>
-            <a:r>
-              <a:rPr lang="en-US" dirty="0"/>
-              <a:t>Demo</a:t>
-            </a:r>
-          </a:p>
-          <a:p>
-            <a:pPr marL="457200" indent="-457200">
-              <a:buClr>
-                <a:schemeClr val="accent1">
-                  <a:lumMod val="50000"/>
-                </a:schemeClr>
-              </a:buClr>
-              <a:buSzPct val="125000"/>
-              <a:buFont typeface="+mj-lt"/>
-              <a:buAutoNum type="arabicPeriod"/>
-            </a:pPr>
-            <a:r>
-              <a:rPr lang="en-US" dirty="0"/>
-              <a:t>Conclusion</a:t>
-            </a:r>
-          </a:p>
-          <a:p>
-            <a:endParaRPr lang="en-GB" dirty="0"/>
-          </a:p>
-        </p:txBody>
-      </p:sp>
-    </p:spTree>
-    <p:extLst>
-      <p:ext uri="{BB962C8B-B14F-4D97-AF65-F5344CB8AC3E}">
-        <p14:creationId xmlns:p14="http://schemas.microsoft.com/office/powerpoint/2010/main" val="3397866905"/>
-      </p:ext>
-    </p:extLst>
-  </p:cSld>
-  <p:clrMapOvr>
-    <a:masterClrMapping/>
-  </p:clrMapOvr>
-</p:sld>
-</file>
-
-<file path=ppt/slides/slide12.xml><?xml version="1.0" encoding="utf-8"?>
-<p:sld xmlns:a="http://schemas.openxmlformats.org/drawingml/2006/main" xmlns:r="http://schemas.openxmlformats.org/officeDocument/2006/relationships" xmlns:p="http://schemas.openxmlformats.org/presentationml/2006/main">
-  <p:cSld>
-    <p:spTree>
-      <p:nvGrpSpPr>
-        <p:cNvPr id="1" name=""/>
-        <p:cNvGrpSpPr/>
-        <p:nvPr/>
-      </p:nvGrpSpPr>
-      <p:grpSpPr>
-        <a:xfrm>
-          <a:off x="0" y="0"/>
-          <a:ext cx="0" cy="0"/>
-          <a:chOff x="0" y="0"/>
-          <a:chExt cx="0" cy="0"/>
-        </a:xfrm>
-      </p:grpSpPr>
-      <p:sp>
-        <p:nvSpPr>
-          <p:cNvPr id="2" name="Title 1"/>
-          <p:cNvSpPr>
-            <a:spLocks noGrp="1"/>
-          </p:cNvSpPr>
-          <p:nvPr>
-            <p:ph type="title"/>
-          </p:nvPr>
-        </p:nvSpPr>
-        <p:spPr/>
-        <p:txBody>
-          <a:bodyPr/>
-          <a:lstStyle/>
-          <a:p>
-            <a:r>
-              <a:rPr lang="en-GB" dirty="0"/>
-              <a:t>Architecture</a:t>
-            </a:r>
-            <a:endParaRPr lang="de-DE" dirty="0"/>
-          </a:p>
-        </p:txBody>
-      </p:sp>
-      <p:sp>
-        <p:nvSpPr>
-          <p:cNvPr id="4" name="Slide Number Placeholder 3"/>
-          <p:cNvSpPr>
-            <a:spLocks noGrp="1"/>
-          </p:cNvSpPr>
-          <p:nvPr>
-            <p:ph type="sldNum" sz="quarter" idx="12"/>
-          </p:nvPr>
-        </p:nvSpPr>
-        <p:spPr/>
-        <p:txBody>
-          <a:bodyPr/>
-          <a:lstStyle/>
-          <a:p>
-            <a:fld id="{2921BF44-F096-42DF-ADC3-B535522D2EE1}" type="slidenum">
-              <a:rPr lang="en-GB" smtClean="0"/>
-              <a:pPr/>
-              <a:t>12</a:t>
             </a:fld>
             <a:endParaRPr lang="en-GB" dirty="0"/>
           </a:p>
@@ -8198,7 +8109,7 @@
 </p:sld>
 </file>
 
-<file path=ppt/slides/slide13.xml><?xml version="1.0" encoding="utf-8"?>
+<file path=ppt/slides/slide12.xml><?xml version="1.0" encoding="utf-8"?>
 <p:sld xmlns:a="http://schemas.openxmlformats.org/drawingml/2006/main" xmlns:r="http://schemas.openxmlformats.org/officeDocument/2006/relationships" xmlns:p="http://schemas.openxmlformats.org/presentationml/2006/main">
   <p:cSld>
     <p:spTree>
@@ -8268,6 +8179,10 @@
               </a:rPr>
               <a:t>https://localhost:8443/RetrieveTriples</a:t>
             </a:r>
+            <a:r>
+              <a:rPr lang="de-DE" dirty="0"/>
+              <a:t/>
+            </a:r>
             <a:br>
               <a:rPr lang="de-DE" dirty="0"/>
             </a:br>
@@ -8310,6 +8225,10 @@
             <a:pPr marL="0" indent="0">
               <a:buNone/>
             </a:pPr>
+            <a:r>
+              <a:rPr lang="en-GB" dirty="0"/>
+              <a:t/>
+            </a:r>
             <a:br>
               <a:rPr lang="en-GB" dirty="0"/>
             </a:br>
@@ -8339,7 +8258,7 @@
             <a:fld id="{2921BF44-F096-42DF-ADC3-B535522D2EE1}" type="slidenum">
               <a:rPr lang="en-GB" smtClean="0"/>
               <a:pPr/>
-              <a:t>13</a:t>
+              <a:t>12</a:t>
             </a:fld>
             <a:endParaRPr lang="en-GB" dirty="0"/>
           </a:p>
@@ -8466,7 +8385,7 @@
 </p:sld>
 </file>
 
-<file path=ppt/slides/slide14.xml><?xml version="1.0" encoding="utf-8"?>
+<file path=ppt/slides/slide13.xml><?xml version="1.0" encoding="utf-8"?>
 <p:sld xmlns:a="http://schemas.openxmlformats.org/drawingml/2006/main" xmlns:r="http://schemas.openxmlformats.org/officeDocument/2006/relationships" xmlns:p="http://schemas.openxmlformats.org/presentationml/2006/main">
   <p:cSld>
     <p:spTree>
@@ -8570,7 +8489,7 @@
             <a:fld id="{2921BF44-F096-42DF-ADC3-B535522D2EE1}" type="slidenum">
               <a:rPr lang="en-GB" smtClean="0"/>
               <a:pPr/>
-              <a:t>14</a:t>
+              <a:t>13</a:t>
             </a:fld>
             <a:endParaRPr lang="en-GB" dirty="0"/>
           </a:p>
@@ -9039,7 +8958,7 @@
                 <a14:useLocalDpi xmlns:a14="http://schemas.microsoft.com/office/drawing/2010/main" val="0"/>
               </a:ext>
               <a:ext uri="{96DAC541-7B7A-43D3-8B79-37D633B846F1}">
-                <asvg:svgBlip xmlns:asvg="http://schemas.microsoft.com/office/drawing/2016/SVG/main" r:embed="rId7"/>
+                <asvg:svgBlip xmlns:asvg="http://schemas.microsoft.com/office/drawing/2016/SVG/main" xmlns="" r:embed="rId7"/>
               </a:ext>
             </a:extLst>
           </a:blip>
@@ -9072,7 +8991,7 @@
                 <a14:useLocalDpi xmlns:a14="http://schemas.microsoft.com/office/drawing/2010/main" val="0"/>
               </a:ext>
               <a:ext uri="{96DAC541-7B7A-43D3-8B79-37D633B846F1}">
-                <asvg:svgBlip xmlns:asvg="http://schemas.microsoft.com/office/drawing/2016/SVG/main" r:embed="rId9"/>
+                <asvg:svgBlip xmlns:asvg="http://schemas.microsoft.com/office/drawing/2016/SVG/main" xmlns="" r:embed="rId9"/>
               </a:ext>
             </a:extLst>
           </a:blip>
@@ -9693,7 +9612,7 @@
                   <a14:useLocalDpi xmlns:a14="http://schemas.microsoft.com/office/drawing/2010/main" val="0"/>
                 </a:ext>
                 <a:ext uri="{96DAC541-7B7A-43D3-8B79-37D633B846F1}">
-                  <asvg:svgBlip xmlns:asvg="http://schemas.microsoft.com/office/drawing/2016/SVG/main" r:embed="rId5"/>
+                  <asvg:svgBlip xmlns:asvg="http://schemas.microsoft.com/office/drawing/2016/SVG/main" xmlns="" r:embed="rId5"/>
                 </a:ext>
               </a:extLst>
             </a:blip>
@@ -9853,7 +9772,7 @@
                   <a14:useLocalDpi xmlns:a14="http://schemas.microsoft.com/office/drawing/2010/main" val="0"/>
                 </a:ext>
                 <a:ext uri="{96DAC541-7B7A-43D3-8B79-37D633B846F1}">
-                  <asvg:svgBlip xmlns:asvg="http://schemas.microsoft.com/office/drawing/2016/SVG/main" r:embed="rId9"/>
+                  <asvg:svgBlip xmlns:asvg="http://schemas.microsoft.com/office/drawing/2016/SVG/main" xmlns="" r:embed="rId9"/>
                 </a:ext>
               </a:extLst>
             </a:blip>
@@ -9946,7 +9865,7 @@
                     <a14:useLocalDpi xmlns:a14="http://schemas.microsoft.com/office/drawing/2010/main" val="0"/>
                   </a:ext>
                   <a:ext uri="{96DAC541-7B7A-43D3-8B79-37D633B846F1}">
-                    <asvg:svgBlip xmlns:asvg="http://schemas.microsoft.com/office/drawing/2016/SVG/main" r:embed="rId11"/>
+                    <asvg:svgBlip xmlns:asvg="http://schemas.microsoft.com/office/drawing/2016/SVG/main" xmlns="" r:embed="rId11"/>
                   </a:ext>
                 </a:extLst>
               </a:blip>
@@ -9979,7 +9898,7 @@
                     <a14:useLocalDpi xmlns:a14="http://schemas.microsoft.com/office/drawing/2010/main" val="0"/>
                   </a:ext>
                   <a:ext uri="{96DAC541-7B7A-43D3-8B79-37D633B846F1}">
-                    <asvg:svgBlip xmlns:asvg="http://schemas.microsoft.com/office/drawing/2016/SVG/main" r:embed="rId13"/>
+                    <asvg:svgBlip xmlns:asvg="http://schemas.microsoft.com/office/drawing/2016/SVG/main" xmlns="" r:embed="rId13"/>
                   </a:ext>
                 </a:extLst>
               </a:blip>
@@ -10161,7 +10080,7 @@
                 <a14:useLocalDpi xmlns:a14="http://schemas.microsoft.com/office/drawing/2010/main" val="0"/>
               </a:ext>
               <a:ext uri="{96DAC541-7B7A-43D3-8B79-37D633B846F1}">
-                <asvg:svgBlip xmlns:asvg="http://schemas.microsoft.com/office/drawing/2016/SVG/main" r:embed="rId18"/>
+                <asvg:svgBlip xmlns:asvg="http://schemas.microsoft.com/office/drawing/2016/SVG/main" xmlns="" r:embed="rId18"/>
               </a:ext>
             </a:extLst>
           </a:blip>
@@ -10194,7 +10113,7 @@
                 <a14:useLocalDpi xmlns:a14="http://schemas.microsoft.com/office/drawing/2010/main" val="0"/>
               </a:ext>
               <a:ext uri="{96DAC541-7B7A-43D3-8B79-37D633B846F1}">
-                <asvg:svgBlip xmlns:asvg="http://schemas.microsoft.com/office/drawing/2016/SVG/main" r:embed="rId20"/>
+                <asvg:svgBlip xmlns:asvg="http://schemas.microsoft.com/office/drawing/2016/SVG/main" xmlns="" r:embed="rId20"/>
               </a:ext>
             </a:extLst>
           </a:blip>
@@ -10573,13 +10492,13 @@
             <p:nvPr/>
           </p:nvPicPr>
           <p:blipFill>
-            <a:blip r:embed="rId12" cstate="print">
+            <a:blip r:embed="rId24" cstate="print">
               <a:extLst>
                 <a:ext uri="{28A0092B-C50C-407E-A947-70E740481C1C}">
                   <a14:useLocalDpi xmlns:a14="http://schemas.microsoft.com/office/drawing/2010/main" val="0"/>
                 </a:ext>
                 <a:ext uri="{96DAC541-7B7A-43D3-8B79-37D633B846F1}">
-                  <asvg:svgBlip xmlns:asvg="http://schemas.microsoft.com/office/drawing/2016/SVG/main" r:embed="rId13"/>
+                  <asvg:svgBlip xmlns:asvg="http://schemas.microsoft.com/office/drawing/2016/SVG/main" xmlns="" r:embed="rId13"/>
                 </a:ext>
               </a:extLst>
             </a:blip>
@@ -12150,7 +12069,7 @@
                   <a14:useLocalDpi xmlns:a14="http://schemas.microsoft.com/office/drawing/2010/main" val="0"/>
                 </a:ext>
                 <a:ext uri="{96DAC541-7B7A-43D3-8B79-37D633B846F1}">
-                  <asvg:svgBlip xmlns:asvg="http://schemas.microsoft.com/office/drawing/2016/SVG/main" r:embed="rId6"/>
+                  <asvg:svgBlip xmlns:asvg="http://schemas.microsoft.com/office/drawing/2016/SVG/main" xmlns="" r:embed="rId6"/>
                 </a:ext>
               </a:extLst>
             </a:blip>
@@ -12309,7 +12228,7 @@
                 <a14:useLocalDpi xmlns:a14="http://schemas.microsoft.com/office/drawing/2010/main" val="0"/>
               </a:ext>
               <a:ext uri="{96DAC541-7B7A-43D3-8B79-37D633B846F1}">
-                <asvg:svgBlip xmlns:asvg="http://schemas.microsoft.com/office/drawing/2016/SVG/main" r:embed="rId8"/>
+                <asvg:svgBlip xmlns:asvg="http://schemas.microsoft.com/office/drawing/2016/SVG/main" xmlns="" r:embed="rId8"/>
               </a:ext>
             </a:extLst>
           </a:blip>
@@ -12356,7 +12275,7 @@
                   <a14:useLocalDpi xmlns:a14="http://schemas.microsoft.com/office/drawing/2010/main" val="0"/>
                 </a:ext>
                 <a:ext uri="{96DAC541-7B7A-43D3-8B79-37D633B846F1}">
-                  <asvg:svgBlip xmlns:asvg="http://schemas.microsoft.com/office/drawing/2016/SVG/main" r:embed="rId10"/>
+                  <asvg:svgBlip xmlns:asvg="http://schemas.microsoft.com/office/drawing/2016/SVG/main" xmlns="" r:embed="rId10"/>
                 </a:ext>
               </a:extLst>
             </a:blip>
@@ -12449,7 +12368,7 @@
                     <a14:useLocalDpi xmlns:a14="http://schemas.microsoft.com/office/drawing/2010/main" val="0"/>
                   </a:ext>
                   <a:ext uri="{96DAC541-7B7A-43D3-8B79-37D633B846F1}">
-                    <asvg:svgBlip xmlns:asvg="http://schemas.microsoft.com/office/drawing/2016/SVG/main" r:embed="rId12"/>
+                    <asvg:svgBlip xmlns:asvg="http://schemas.microsoft.com/office/drawing/2016/SVG/main" xmlns="" r:embed="rId12"/>
                   </a:ext>
                 </a:extLst>
               </a:blip>
@@ -12603,7 +12522,7 @@
                   <a14:useLocalDpi xmlns:a14="http://schemas.microsoft.com/office/drawing/2010/main" val="0"/>
                 </a:ext>
                 <a:ext uri="{96DAC541-7B7A-43D3-8B79-37D633B846F1}">
-                  <asvg:svgBlip xmlns:asvg="http://schemas.microsoft.com/office/drawing/2016/SVG/main" r:embed="rId16"/>
+                  <asvg:svgBlip xmlns:asvg="http://schemas.microsoft.com/office/drawing/2016/SVG/main" xmlns="" r:embed="rId16"/>
                 </a:ext>
               </a:extLst>
             </a:blip>
@@ -12682,7 +12601,7 @@
                   <a14:useLocalDpi xmlns:a14="http://schemas.microsoft.com/office/drawing/2010/main" val="0"/>
                 </a:ext>
                 <a:ext uri="{96DAC541-7B7A-43D3-8B79-37D633B846F1}">
-                  <asvg:svgBlip xmlns:asvg="http://schemas.microsoft.com/office/drawing/2016/SVG/main" r:embed="rId18"/>
+                  <asvg:svgBlip xmlns:asvg="http://schemas.microsoft.com/office/drawing/2016/SVG/main" xmlns="" r:embed="rId18"/>
                 </a:ext>
               </a:extLst>
             </a:blip>
@@ -12927,7 +12846,7 @@
                     <a14:useLocalDpi xmlns:a14="http://schemas.microsoft.com/office/drawing/2010/main" val="0"/>
                   </a:ext>
                   <a:ext uri="{96DAC541-7B7A-43D3-8B79-37D633B846F1}">
-                    <asvg:svgBlip xmlns:asvg="http://schemas.microsoft.com/office/drawing/2016/SVG/main" r:embed="rId22"/>
+                    <asvg:svgBlip xmlns:asvg="http://schemas.microsoft.com/office/drawing/2016/SVG/main" xmlns="" r:embed="rId22"/>
                   </a:ext>
                 </a:extLst>
               </a:blip>
@@ -12954,13 +12873,13 @@
               <p:nvPr/>
             </p:nvPicPr>
             <p:blipFill>
-              <a:blip r:embed="rId15" cstate="print">
+              <a:blip r:embed="rId23" cstate="print">
                 <a:extLst>
                   <a:ext uri="{28A0092B-C50C-407E-A947-70E740481C1C}">
                     <a14:useLocalDpi xmlns:a14="http://schemas.microsoft.com/office/drawing/2010/main" val="0"/>
                   </a:ext>
                   <a:ext uri="{96DAC541-7B7A-43D3-8B79-37D633B846F1}">
-                    <asvg:svgBlip xmlns:asvg="http://schemas.microsoft.com/office/drawing/2016/SVG/main" r:embed="rId16"/>
+                    <asvg:svgBlip xmlns:asvg="http://schemas.microsoft.com/office/drawing/2016/SVG/main" xmlns="" r:embed="rId16"/>
                   </a:ext>
                 </a:extLst>
               </a:blip>
@@ -12987,11 +12906,11 @@
               <p:nvPr/>
             </p:nvPicPr>
             <p:blipFill>
-              <a:blip r:embed="rId23" cstate="print">
+              <a:blip r:embed="rId24" cstate="print">
                 <a:extLst>
                   <a:ext uri="{BEBA8EAE-BF5A-486C-A8C5-ECC9F3942E4B}">
                     <a14:imgProps xmlns:a14="http://schemas.microsoft.com/office/drawing/2010/main">
-                      <a14:imgLayer r:embed="rId24">
+                      <a14:imgLayer r:embed="rId25">
                         <a14:imgEffect>
                           <a14:backgroundRemoval t="9425" b="94089" l="0" r="100000">
                             <a14:foregroundMark x1="5272" y1="63419" x2="5272" y2="63419"/>
@@ -13032,7 +12951,7 @@
               <p:nvPr/>
             </p:nvPicPr>
             <p:blipFill rotWithShape="1">
-              <a:blip r:embed="rId25" cstate="print">
+              <a:blip r:embed="rId26" cstate="print">
                 <a:extLst>
                   <a:ext uri="{28A0092B-C50C-407E-A947-70E740481C1C}">
                     <a14:useLocalDpi xmlns:a14="http://schemas.microsoft.com/office/drawing/2010/main" val="0"/>
@@ -14174,7 +14093,7 @@
         </p:nvCxnSpPr>
         <p:spPr>
           <a:xfrm>
-            <a:off x="2638330" y="3019655"/>
+            <a:off x="2659596" y="3019655"/>
             <a:ext cx="6809823" cy="21265"/>
           </a:xfrm>
           <a:prstGeom prst="straightConnector1">
@@ -14212,7 +14131,7 @@
         </p:nvCxnSpPr>
         <p:spPr>
           <a:xfrm>
-            <a:off x="2638330" y="4277819"/>
+            <a:off x="2659596" y="4277819"/>
             <a:ext cx="6809823" cy="21265"/>
           </a:xfrm>
           <a:prstGeom prst="straightConnector1">
@@ -14352,9 +14271,6 @@
                     <p:cTn id="3" fill="hold">
                       <p:stCondLst>
                         <p:cond delay="indefinite"/>
-                        <p:cond evt="onBegin" delay="0">
-                          <p:tn val="2"/>
-                        </p:cond>
                       </p:stCondLst>
                       <p:childTnLst>
                         <p:par>
@@ -14364,7 +14280,7 @@
                             </p:stCondLst>
                             <p:childTnLst>
                               <p:par>
-                                <p:cTn id="5" presetID="1" presetClass="entr" presetSubtype="0" fill="hold" grpId="0" nodeType="withEffect">
+                                <p:cTn id="5" presetID="1" presetClass="entr" presetSubtype="0" fill="hold" grpId="0" nodeType="clickEffect">
                                   <p:stCondLst>
                                     <p:cond delay="0"/>
                                   </p:stCondLst>
@@ -14377,7 +14293,11 @@
                                           </p:stCondLst>
                                         </p:cTn>
                                         <p:tgtEl>
-                                          <p:spTgt spid="7"/>
+                                          <p:spTgt spid="6">
+                                            <p:txEl>
+                                              <p:pRg st="0" end="0"/>
+                                            </p:txEl>
+                                          </p:spTgt>
                                         </p:tgtEl>
                                         <p:attrNameLst>
                                           <p:attrName>style.visibility</p:attrName>
@@ -14404,7 +14324,292 @@
                                           </p:stCondLst>
                                         </p:cTn>
                                         <p:tgtEl>
-                                          <p:spTgt spid="8"/>
+                                          <p:spTgt spid="6">
+                                            <p:txEl>
+                                              <p:pRg st="1" end="1"/>
+                                            </p:txEl>
+                                          </p:spTgt>
+                                        </p:tgtEl>
+                                        <p:attrNameLst>
+                                          <p:attrName>style.visibility</p:attrName>
+                                        </p:attrNameLst>
+                                      </p:cBhvr>
+                                      <p:to>
+                                        <p:strVal val="visible"/>
+                                      </p:to>
+                                    </p:set>
+                                  </p:childTnLst>
+                                </p:cTn>
+                              </p:par>
+                              <p:par>
+                                <p:cTn id="9" presetID="1" presetClass="entr" presetSubtype="0" fill="hold" grpId="0" nodeType="withEffect">
+                                  <p:stCondLst>
+                                    <p:cond delay="0"/>
+                                  </p:stCondLst>
+                                  <p:childTnLst>
+                                    <p:set>
+                                      <p:cBhvr>
+                                        <p:cTn id="10" dur="1" fill="hold">
+                                          <p:stCondLst>
+                                            <p:cond delay="0"/>
+                                          </p:stCondLst>
+                                        </p:cTn>
+                                        <p:tgtEl>
+                                          <p:spTgt spid="6">
+                                            <p:txEl>
+                                              <p:pRg st="2" end="2"/>
+                                            </p:txEl>
+                                          </p:spTgt>
+                                        </p:tgtEl>
+                                        <p:attrNameLst>
+                                          <p:attrName>style.visibility</p:attrName>
+                                        </p:attrNameLst>
+                                      </p:cBhvr>
+                                      <p:to>
+                                        <p:strVal val="visible"/>
+                                      </p:to>
+                                    </p:set>
+                                  </p:childTnLst>
+                                </p:cTn>
+                              </p:par>
+                              <p:par>
+                                <p:cTn id="11" presetID="1" presetClass="entr" presetSubtype="0" fill="hold" grpId="0" nodeType="withEffect">
+                                  <p:stCondLst>
+                                    <p:cond delay="0"/>
+                                  </p:stCondLst>
+                                  <p:childTnLst>
+                                    <p:set>
+                                      <p:cBhvr>
+                                        <p:cTn id="12" dur="1" fill="hold">
+                                          <p:stCondLst>
+                                            <p:cond delay="0"/>
+                                          </p:stCondLst>
+                                        </p:cTn>
+                                        <p:tgtEl>
+                                          <p:spTgt spid="12"/>
+                                        </p:tgtEl>
+                                        <p:attrNameLst>
+                                          <p:attrName>style.visibility</p:attrName>
+                                        </p:attrNameLst>
+                                      </p:cBhvr>
+                                      <p:to>
+                                        <p:strVal val="visible"/>
+                                      </p:to>
+                                    </p:set>
+                                  </p:childTnLst>
+                                </p:cTn>
+                              </p:par>
+                              <p:par>
+                                <p:cTn id="13" presetID="1" presetClass="entr" presetSubtype="0" fill="hold" nodeType="withEffect">
+                                  <p:stCondLst>
+                                    <p:cond delay="0"/>
+                                  </p:stCondLst>
+                                  <p:childTnLst>
+                                    <p:set>
+                                      <p:cBhvr>
+                                        <p:cTn id="14" dur="1" fill="hold">
+                                          <p:stCondLst>
+                                            <p:cond delay="0"/>
+                                          </p:stCondLst>
+                                        </p:cTn>
+                                        <p:tgtEl>
+                                          <p:spTgt spid="9"/>
+                                        </p:tgtEl>
+                                        <p:attrNameLst>
+                                          <p:attrName>style.visibility</p:attrName>
+                                        </p:attrNameLst>
+                                      </p:cBhvr>
+                                      <p:to>
+                                        <p:strVal val="visible"/>
+                                      </p:to>
+                                    </p:set>
+                                  </p:childTnLst>
+                                </p:cTn>
+                              </p:par>
+                            </p:childTnLst>
+                          </p:cTn>
+                        </p:par>
+                      </p:childTnLst>
+                    </p:cTn>
+                  </p:par>
+                  <p:par>
+                    <p:cTn id="15" fill="hold">
+                      <p:stCondLst>
+                        <p:cond delay="indefinite"/>
+                      </p:stCondLst>
+                      <p:childTnLst>
+                        <p:par>
+                          <p:cTn id="16" fill="hold">
+                            <p:stCondLst>
+                              <p:cond delay="0"/>
+                            </p:stCondLst>
+                            <p:childTnLst>
+                              <p:par>
+                                <p:cTn id="17" presetID="1" presetClass="entr" presetSubtype="0" fill="hold" grpId="0" nodeType="clickEffect">
+                                  <p:stCondLst>
+                                    <p:cond delay="0"/>
+                                  </p:stCondLst>
+                                  <p:childTnLst>
+                                    <p:set>
+                                      <p:cBhvr>
+                                        <p:cTn id="18" dur="1" fill="hold">
+                                          <p:stCondLst>
+                                            <p:cond delay="0"/>
+                                          </p:stCondLst>
+                                        </p:cTn>
+                                        <p:tgtEl>
+                                          <p:spTgt spid="13"/>
+                                        </p:tgtEl>
+                                        <p:attrNameLst>
+                                          <p:attrName>style.visibility</p:attrName>
+                                        </p:attrNameLst>
+                                      </p:cBhvr>
+                                      <p:to>
+                                        <p:strVal val="visible"/>
+                                      </p:to>
+                                    </p:set>
+                                  </p:childTnLst>
+                                </p:cTn>
+                              </p:par>
+                              <p:par>
+                                <p:cTn id="19" presetID="1" presetClass="entr" presetSubtype="0" fill="hold" nodeType="withEffect">
+                                  <p:stCondLst>
+                                    <p:cond delay="0"/>
+                                  </p:stCondLst>
+                                  <p:childTnLst>
+                                    <p:set>
+                                      <p:cBhvr>
+                                        <p:cTn id="20" dur="1" fill="hold">
+                                          <p:stCondLst>
+                                            <p:cond delay="0"/>
+                                          </p:stCondLst>
+                                        </p:cTn>
+                                        <p:tgtEl>
+                                          <p:spTgt spid="11"/>
+                                        </p:tgtEl>
+                                        <p:attrNameLst>
+                                          <p:attrName>style.visibility</p:attrName>
+                                        </p:attrNameLst>
+                                      </p:cBhvr>
+                                      <p:to>
+                                        <p:strVal val="visible"/>
+                                      </p:to>
+                                    </p:set>
+                                  </p:childTnLst>
+                                </p:cTn>
+                              </p:par>
+                              <p:par>
+                                <p:cTn id="21" presetID="1" presetClass="entr" presetSubtype="0" fill="hold" grpId="0" nodeType="withEffect">
+                                  <p:stCondLst>
+                                    <p:cond delay="0"/>
+                                  </p:stCondLst>
+                                  <p:childTnLst>
+                                    <p:set>
+                                      <p:cBhvr>
+                                        <p:cTn id="22" dur="1" fill="hold">
+                                          <p:stCondLst>
+                                            <p:cond delay="0"/>
+                                          </p:stCondLst>
+                                        </p:cTn>
+                                        <p:tgtEl>
+                                          <p:spTgt spid="5">
+                                            <p:txEl>
+                                              <p:pRg st="0" end="0"/>
+                                            </p:txEl>
+                                          </p:spTgt>
+                                        </p:tgtEl>
+                                        <p:attrNameLst>
+                                          <p:attrName>style.visibility</p:attrName>
+                                        </p:attrNameLst>
+                                      </p:cBhvr>
+                                      <p:to>
+                                        <p:strVal val="visible"/>
+                                      </p:to>
+                                    </p:set>
+                                  </p:childTnLst>
+                                </p:cTn>
+                              </p:par>
+                              <p:par>
+                                <p:cTn id="23" presetID="1" presetClass="entr" presetSubtype="0" fill="hold" grpId="0" nodeType="withEffect">
+                                  <p:stCondLst>
+                                    <p:cond delay="0"/>
+                                  </p:stCondLst>
+                                  <p:childTnLst>
+                                    <p:set>
+                                      <p:cBhvr>
+                                        <p:cTn id="24" dur="1" fill="hold">
+                                          <p:stCondLst>
+                                            <p:cond delay="0"/>
+                                          </p:stCondLst>
+                                        </p:cTn>
+                                        <p:tgtEl>
+                                          <p:spTgt spid="5">
+                                            <p:txEl>
+                                              <p:pRg st="1" end="1"/>
+                                            </p:txEl>
+                                          </p:spTgt>
+                                        </p:tgtEl>
+                                        <p:attrNameLst>
+                                          <p:attrName>style.visibility</p:attrName>
+                                        </p:attrNameLst>
+                                      </p:cBhvr>
+                                      <p:to>
+                                        <p:strVal val="visible"/>
+                                      </p:to>
+                                    </p:set>
+                                  </p:childTnLst>
+                                </p:cTn>
+                              </p:par>
+                              <p:par>
+                                <p:cTn id="25" presetID="1" presetClass="entr" presetSubtype="0" fill="hold" grpId="0" nodeType="withEffect">
+                                  <p:stCondLst>
+                                    <p:cond delay="0"/>
+                                  </p:stCondLst>
+                                  <p:childTnLst>
+                                    <p:set>
+                                      <p:cBhvr>
+                                        <p:cTn id="26" dur="1" fill="hold">
+                                          <p:stCondLst>
+                                            <p:cond delay="0"/>
+                                          </p:stCondLst>
+                                        </p:cTn>
+                                        <p:tgtEl>
+                                          <p:spTgt spid="5">
+                                            <p:txEl>
+                                              <p:pRg st="2" end="2"/>
+                                            </p:txEl>
+                                          </p:spTgt>
+                                        </p:tgtEl>
+                                        <p:attrNameLst>
+                                          <p:attrName>style.visibility</p:attrName>
+                                        </p:attrNameLst>
+                                      </p:cBhvr>
+                                      <p:to>
+                                        <p:strVal val="visible"/>
+                                      </p:to>
+                                    </p:set>
+                                  </p:childTnLst>
+                                </p:cTn>
+                              </p:par>
+                              <p:par>
+                                <p:cTn id="27" presetID="1" presetClass="entr" presetSubtype="0" fill="hold" grpId="0" nodeType="withEffect">
+                                  <p:stCondLst>
+                                    <p:cond delay="0"/>
+                                  </p:stCondLst>
+                                  <p:childTnLst>
+                                    <p:set>
+                                      <p:cBhvr>
+                                        <p:cTn id="28" dur="1" fill="hold">
+                                          <p:stCondLst>
+                                            <p:cond delay="0"/>
+                                          </p:stCondLst>
+                                        </p:cTn>
+                                        <p:tgtEl>
+                                          <p:spTgt spid="5">
+                                            <p:txEl>
+                                              <p:pRg st="3" end="3"/>
+                                            </p:txEl>
+                                          </p:spTgt>
                                         </p:tgtEl>
                                         <p:attrNameLst>
                                           <p:attrName>style.visibility</p:attrName>
@@ -14445,8 +14650,10 @@
       </p:par>
     </p:tnLst>
     <p:bldLst>
-      <p:bldP spid="7" grpId="0" animBg="1"/>
-      <p:bldP spid="8" grpId="0" animBg="1"/>
+      <p:bldP spid="5" grpId="0" uiExpand="1" build="p"/>
+      <p:bldP spid="6" grpId="0" uiExpand="1" build="p"/>
+      <p:bldP spid="12" grpId="0" animBg="1"/>
+      <p:bldP spid="13" grpId="0" animBg="1"/>
     </p:bldLst>
   </p:timing>
 </p:sld>
@@ -14525,7 +14732,7 @@
         <p:spPr>
           <a:xfrm>
             <a:off x="5900049" y="2146225"/>
-            <a:ext cx="1624093" cy="3772030"/>
+            <a:ext cx="1624093" cy="4174224"/>
           </a:xfrm>
           <a:prstGeom prst="roundRect">
             <a:avLst/>
@@ -14597,7 +14804,7 @@
                   <a14:useLocalDpi xmlns:a14="http://schemas.microsoft.com/office/drawing/2010/main" val="0"/>
                 </a:ext>
                 <a:ext uri="{96DAC541-7B7A-43D3-8B79-37D633B846F1}">
-                  <asvg:svgBlip xmlns:asvg="http://schemas.microsoft.com/office/drawing/2016/SVG/main" r:embed="rId3"/>
+                  <asvg:svgBlip xmlns:asvg="http://schemas.microsoft.com/office/drawing/2016/SVG/main" xmlns="" r:embed="rId3"/>
                 </a:ext>
               </a:extLst>
             </a:blip>
@@ -14649,7 +14856,7 @@
         <p:spPr>
           <a:xfrm>
             <a:off x="844414" y="2109618"/>
-            <a:ext cx="1624093" cy="3772030"/>
+            <a:ext cx="1624093" cy="4174224"/>
           </a:xfrm>
           <a:prstGeom prst="roundRect">
             <a:avLst/>
@@ -14701,7 +14908,7 @@
         <p:spPr>
           <a:xfrm>
             <a:off x="9448153" y="2146225"/>
-            <a:ext cx="1599088" cy="3772030"/>
+            <a:ext cx="1599088" cy="4174224"/>
           </a:xfrm>
           <a:prstGeom prst="roundRect">
             <a:avLst/>
@@ -14746,120 +14953,6 @@
           </a:p>
         </p:txBody>
       </p:sp>
-      <p:cxnSp>
-        <p:nvCxnSpPr>
-          <p:cNvPr id="15" name="Straight Arrow Connector 14"/>
-          <p:cNvCxnSpPr/>
-          <p:nvPr/>
-        </p:nvCxnSpPr>
-        <p:spPr>
-          <a:xfrm>
-            <a:off x="7524141" y="4569061"/>
-            <a:ext cx="1924011" cy="0"/>
-          </a:xfrm>
-          <a:prstGeom prst="straightConnector1">
-            <a:avLst/>
-          </a:prstGeom>
-          <a:ln w="38100">
-            <a:solidFill>
-              <a:schemeClr val="accent1">
-                <a:lumMod val="50000"/>
-              </a:schemeClr>
-            </a:solidFill>
-            <a:tailEnd type="triangle"/>
-          </a:ln>
-        </p:spPr>
-        <p:style>
-          <a:lnRef idx="1">
-            <a:schemeClr val="accent1"/>
-          </a:lnRef>
-          <a:fillRef idx="0">
-            <a:schemeClr val="accent1"/>
-          </a:fillRef>
-          <a:effectRef idx="0">
-            <a:schemeClr val="accent1"/>
-          </a:effectRef>
-          <a:fontRef idx="minor">
-            <a:schemeClr val="tx1"/>
-          </a:fontRef>
-        </p:style>
-      </p:cxnSp>
-      <p:cxnSp>
-        <p:nvCxnSpPr>
-          <p:cNvPr id="20" name="Straight Arrow Connector 19"/>
-          <p:cNvCxnSpPr/>
-          <p:nvPr/>
-        </p:nvCxnSpPr>
-        <p:spPr>
-          <a:xfrm flipH="1">
-            <a:off x="2468509" y="2523657"/>
-            <a:ext cx="3420946" cy="14345"/>
-          </a:xfrm>
-          <a:prstGeom prst="straightConnector1">
-            <a:avLst/>
-          </a:prstGeom>
-          <a:ln w="38100">
-            <a:solidFill>
-              <a:schemeClr val="accent1">
-                <a:lumMod val="50000"/>
-              </a:schemeClr>
-            </a:solidFill>
-            <a:tailEnd type="triangle"/>
-          </a:ln>
-        </p:spPr>
-        <p:style>
-          <a:lnRef idx="1">
-            <a:schemeClr val="accent1"/>
-          </a:lnRef>
-          <a:fillRef idx="0">
-            <a:schemeClr val="accent1"/>
-          </a:fillRef>
-          <a:effectRef idx="0">
-            <a:schemeClr val="accent1"/>
-          </a:effectRef>
-          <a:fontRef idx="minor">
-            <a:schemeClr val="tx1"/>
-          </a:fontRef>
-        </p:style>
-      </p:cxnSp>
-      <p:cxnSp>
-        <p:nvCxnSpPr>
-          <p:cNvPr id="49" name="Straight Arrow Connector 48"/>
-          <p:cNvCxnSpPr/>
-          <p:nvPr/>
-        </p:nvCxnSpPr>
-        <p:spPr>
-          <a:xfrm flipH="1" flipV="1">
-            <a:off x="2468510" y="3371215"/>
-            <a:ext cx="3420945" cy="12560"/>
-          </a:xfrm>
-          <a:prstGeom prst="straightConnector1">
-            <a:avLst/>
-          </a:prstGeom>
-          <a:ln w="38100">
-            <a:solidFill>
-              <a:schemeClr val="accent1">
-                <a:lumMod val="50000"/>
-              </a:schemeClr>
-            </a:solidFill>
-            <a:tailEnd type="triangle"/>
-          </a:ln>
-        </p:spPr>
-        <p:style>
-          <a:lnRef idx="1">
-            <a:schemeClr val="accent1"/>
-          </a:lnRef>
-          <a:fillRef idx="0">
-            <a:schemeClr val="accent1"/>
-          </a:fillRef>
-          <a:effectRef idx="0">
-            <a:schemeClr val="accent1"/>
-          </a:effectRef>
-          <a:fontRef idx="minor">
-            <a:schemeClr val="tx1"/>
-          </a:fontRef>
-        </p:style>
-      </p:cxnSp>
       <p:sp>
         <p:nvSpPr>
           <p:cNvPr id="58" name="TextBox 57"/>
@@ -14893,3935 +14986,1475 @@
       </p:sp>
       <p:grpSp>
         <p:nvGrpSpPr>
-          <p:cNvPr id="61" name="Group 60"/>
+          <p:cNvPr id="16" name="Group 15"/>
           <p:cNvGrpSpPr/>
           <p:nvPr/>
         </p:nvGrpSpPr>
         <p:grpSpPr>
           <a:xfrm>
-            <a:off x="8452885" y="3597193"/>
-            <a:ext cx="809128" cy="994765"/>
-            <a:chOff x="7023909" y="3700176"/>
-            <a:chExt cx="809128" cy="994765"/>
+            <a:off x="7524141" y="3579763"/>
+            <a:ext cx="1924011" cy="1071320"/>
+            <a:chOff x="7524141" y="3579763"/>
+            <a:chExt cx="1924011" cy="1071320"/>
           </a:xfrm>
         </p:grpSpPr>
-        <p:pic>
-          <p:nvPicPr>
-            <p:cNvPr id="9" name="Picture 4" descr="http://westwoodcivicclub.com/wp-content/uploads/2015/11/news-icon.png"/>
-            <p:cNvPicPr>
-              <a:picLocks noChangeAspect="1" noChangeArrowheads="1"/>
-            </p:cNvPicPr>
+        <p:cxnSp>
+          <p:nvCxnSpPr>
+            <p:cNvPr id="15" name="Straight Arrow Connector 14"/>
+            <p:cNvCxnSpPr/>
             <p:nvPr/>
-          </p:nvPicPr>
-          <p:blipFill rotWithShape="1">
-            <a:blip r:embed="rId5" cstate="print">
+          </p:nvCxnSpPr>
+          <p:spPr>
+            <a:xfrm>
+              <a:off x="7524141" y="4618661"/>
+              <a:ext cx="1924011" cy="0"/>
+            </a:xfrm>
+            <a:prstGeom prst="straightConnector1">
+              <a:avLst/>
+            </a:prstGeom>
+            <a:ln w="38100">
+              <a:solidFill>
+                <a:schemeClr val="accent1">
+                  <a:lumMod val="50000"/>
+                </a:schemeClr>
+              </a:solidFill>
+              <a:tailEnd type="triangle"/>
+            </a:ln>
+          </p:spPr>
+          <p:style>
+            <a:lnRef idx="1">
+              <a:schemeClr val="accent1"/>
+            </a:lnRef>
+            <a:fillRef idx="0">
+              <a:schemeClr val="accent1"/>
+            </a:fillRef>
+            <a:effectRef idx="0">
+              <a:schemeClr val="accent1"/>
+            </a:effectRef>
+            <a:fontRef idx="minor">
+              <a:schemeClr val="tx1"/>
+            </a:fontRef>
+          </p:style>
+        </p:cxnSp>
+        <p:grpSp>
+          <p:nvGrpSpPr>
+            <p:cNvPr id="61" name="Group 60"/>
+            <p:cNvGrpSpPr/>
+            <p:nvPr/>
+          </p:nvGrpSpPr>
+          <p:grpSpPr>
+            <a:xfrm>
+              <a:off x="8452885" y="3646793"/>
+              <a:ext cx="809128" cy="994765"/>
+              <a:chOff x="7023909" y="3700176"/>
+              <a:chExt cx="809128" cy="994765"/>
+            </a:xfrm>
+          </p:grpSpPr>
+          <p:pic>
+            <p:nvPicPr>
+              <p:cNvPr id="9" name="Picture 4" descr="http://westwoodcivicclub.com/wp-content/uploads/2015/11/news-icon.png"/>
+              <p:cNvPicPr>
+                <a:picLocks noChangeAspect="1" noChangeArrowheads="1"/>
+              </p:cNvPicPr>
+              <p:nvPr/>
+            </p:nvPicPr>
+            <p:blipFill rotWithShape="1">
+              <a:blip r:embed="rId5" cstate="print">
+                <a:extLst>
+                  <a:ext uri="{28A0092B-C50C-407E-A947-70E740481C1C}">
+                    <a14:useLocalDpi xmlns:a14="http://schemas.microsoft.com/office/drawing/2010/main" val="0"/>
+                  </a:ext>
+                </a:extLst>
+              </a:blip>
+              <a:srcRect l="5276" t="6248" r="6322" b="6114"/>
+              <a:stretch/>
+            </p:blipFill>
+            <p:spPr bwMode="auto">
+              <a:xfrm>
+                <a:off x="7052236" y="3700176"/>
+                <a:ext cx="724042" cy="717781"/>
+              </a:xfrm>
+              <a:prstGeom prst="rect">
+                <a:avLst/>
+              </a:prstGeom>
+              <a:noFill/>
+              <a:effectLst>
+                <a:softEdge rad="63500"/>
+              </a:effectLst>
               <a:extLst>
-                <a:ext uri="{28A0092B-C50C-407E-A947-70E740481C1C}">
-                  <a14:useLocalDpi xmlns:a14="http://schemas.microsoft.com/office/drawing/2010/main" val="0"/>
+                <a:ext uri="{909E8E84-426E-40DD-AFC4-6F175D3DCCD1}">
+                  <a14:hiddenFill xmlns:a14="http://schemas.microsoft.com/office/drawing/2010/main">
+                    <a:solidFill>
+                      <a:srgbClr val="FFFFFF"/>
+                    </a:solidFill>
+                  </a14:hiddenFill>
                 </a:ext>
               </a:extLst>
-            </a:blip>
-            <a:srcRect l="5276" t="6248" r="6322" b="6114"/>
-            <a:stretch/>
-          </p:blipFill>
-          <p:spPr bwMode="auto">
+            </p:spPr>
+          </p:pic>
+          <p:sp>
+            <p:nvSpPr>
+              <p:cNvPr id="57" name="TextBox 56"/>
+              <p:cNvSpPr txBox="1"/>
+              <p:nvPr/>
+            </p:nvSpPr>
+            <p:spPr>
+              <a:xfrm>
+                <a:off x="7023909" y="4399596"/>
+                <a:ext cx="809128" cy="295345"/>
+              </a:xfrm>
+              <a:prstGeom prst="rect">
+                <a:avLst/>
+              </a:prstGeom>
+              <a:noFill/>
+            </p:spPr>
+            <p:txBody>
+              <a:bodyPr wrap="square" rtlCol="0">
+                <a:spAutoFit/>
+              </a:bodyPr>
+              <a:lstStyle/>
+              <a:p>
+                <a:pPr algn="ctr"/>
+                <a:r>
+                  <a:rPr lang="en-GB" sz="1400" dirty="0"/>
+                  <a:t>Content</a:t>
+                </a:r>
+                <a:endParaRPr lang="de-DE" sz="1400" dirty="0"/>
+              </a:p>
+            </p:txBody>
+          </p:sp>
+        </p:grpSp>
+        <p:grpSp>
+          <p:nvGrpSpPr>
+            <p:cNvPr id="60" name="Group 59"/>
+            <p:cNvGrpSpPr/>
+            <p:nvPr/>
+          </p:nvGrpSpPr>
+          <p:grpSpPr>
             <a:xfrm>
-              <a:off x="7052236" y="3700176"/>
-              <a:ext cx="724042" cy="717781"/>
+              <a:off x="7791990" y="3579763"/>
+              <a:ext cx="832361" cy="1071320"/>
+              <a:chOff x="6306726" y="3650506"/>
+              <a:chExt cx="832361" cy="1071320"/>
             </a:xfrm>
-            <a:prstGeom prst="rect">
-              <a:avLst/>
-            </a:prstGeom>
-            <a:noFill/>
-            <a:effectLst>
-              <a:softEdge rad="63500"/>
-            </a:effectLst>
-            <a:extLst>
-              <a:ext uri="{909E8E84-426E-40DD-AFC4-6F175D3DCCD1}">
-                <a14:hiddenFill xmlns:a14="http://schemas.microsoft.com/office/drawing/2010/main">
-                  <a:solidFill>
-                    <a:srgbClr val="FFFFFF"/>
-                  </a:solidFill>
-                </a14:hiddenFill>
-              </a:ext>
-            </a:extLst>
-          </p:spPr>
-        </p:pic>
-        <p:sp>
-          <p:nvSpPr>
-            <p:cNvPr id="57" name="TextBox 56"/>
-            <p:cNvSpPr txBox="1"/>
-            <p:nvPr/>
-          </p:nvSpPr>
-          <p:spPr>
-            <a:xfrm>
-              <a:off x="7023909" y="4399596"/>
-              <a:ext cx="809128" cy="295345"/>
-            </a:xfrm>
-            <a:prstGeom prst="rect">
-              <a:avLst/>
-            </a:prstGeom>
-            <a:noFill/>
-          </p:spPr>
-          <p:txBody>
-            <a:bodyPr wrap="square" rtlCol="0">
-              <a:spAutoFit/>
-            </a:bodyPr>
-            <a:lstStyle/>
-            <a:p>
-              <a:pPr algn="ctr"/>
-              <a:r>
-                <a:rPr lang="en-GB" sz="1400" dirty="0"/>
-                <a:t>Content</a:t>
-              </a:r>
-              <a:endParaRPr lang="de-DE" sz="1400" dirty="0"/>
-            </a:p>
-          </p:txBody>
-        </p:sp>
+          </p:grpSpPr>
+          <p:pic>
+            <p:nvPicPr>
+              <p:cNvPr id="7" name="Grafik 132" descr="Prüfliste"/>
+              <p:cNvPicPr>
+                <a:picLocks noChangeAspect="1"/>
+              </p:cNvPicPr>
+              <p:nvPr/>
+            </p:nvPicPr>
+            <p:blipFill>
+              <a:blip r:embed="rId6" cstate="print">
+                <a:extLst>
+                  <a:ext uri="{28A0092B-C50C-407E-A947-70E740481C1C}">
+                    <a14:useLocalDpi xmlns:a14="http://schemas.microsoft.com/office/drawing/2010/main" val="0"/>
+                  </a:ext>
+                  <a:ext uri="{96DAC541-7B7A-43D3-8B79-37D633B846F1}">
+                    <asvg:svgBlip xmlns:asvg="http://schemas.microsoft.com/office/drawing/2016/SVG/main" xmlns="" r:embed="rId7"/>
+                  </a:ext>
+                </a:extLst>
+              </a:blip>
+              <a:stretch>
+                <a:fillRect/>
+              </a:stretch>
+            </p:blipFill>
+            <p:spPr>
+              <a:xfrm>
+                <a:off x="6306726" y="3650506"/>
+                <a:ext cx="832361" cy="832361"/>
+              </a:xfrm>
+              <a:prstGeom prst="rect">
+                <a:avLst/>
+              </a:prstGeom>
+            </p:spPr>
+          </p:pic>
+          <p:sp>
+            <p:nvSpPr>
+              <p:cNvPr id="56" name="TextBox 55"/>
+              <p:cNvSpPr txBox="1"/>
+              <p:nvPr/>
+            </p:nvSpPr>
+            <p:spPr>
+              <a:xfrm>
+                <a:off x="6311800" y="4426481"/>
+                <a:ext cx="809128" cy="295345"/>
+              </a:xfrm>
+              <a:prstGeom prst="rect">
+                <a:avLst/>
+              </a:prstGeom>
+              <a:noFill/>
+            </p:spPr>
+            <p:txBody>
+              <a:bodyPr wrap="square" rtlCol="0">
+                <a:spAutoFit/>
+              </a:bodyPr>
+              <a:lstStyle/>
+              <a:p>
+                <a:pPr algn="ctr"/>
+                <a:r>
+                  <a:rPr lang="en-GB" sz="1400" dirty="0"/>
+                  <a:t>Options</a:t>
+                </a:r>
+                <a:endParaRPr lang="de-DE" sz="1400" dirty="0"/>
+              </a:p>
+            </p:txBody>
+          </p:sp>
+        </p:grpSp>
       </p:grpSp>
       <p:grpSp>
         <p:nvGrpSpPr>
-          <p:cNvPr id="60" name="Group 59"/>
+          <p:cNvPr id="14" name="Group 13"/>
           <p:cNvGrpSpPr/>
           <p:nvPr/>
         </p:nvGrpSpPr>
         <p:grpSpPr>
           <a:xfrm>
-            <a:off x="7791990" y="3530163"/>
-            <a:ext cx="832361" cy="1071320"/>
-            <a:chOff x="6306726" y="3650506"/>
-            <a:chExt cx="832361" cy="1071320"/>
+            <a:off x="2476128" y="3472533"/>
+            <a:ext cx="3431540" cy="939047"/>
+            <a:chOff x="2476128" y="3472533"/>
+            <a:chExt cx="3431540" cy="939047"/>
           </a:xfrm>
         </p:grpSpPr>
-        <p:pic>
-          <p:nvPicPr>
-            <p:cNvPr id="7" name="Grafik 132" descr="Prüfliste"/>
-            <p:cNvPicPr>
-              <a:picLocks noChangeAspect="1"/>
-            </p:cNvPicPr>
+        <p:cxnSp>
+          <p:nvCxnSpPr>
+            <p:cNvPr id="69" name="Straight Arrow Connector 68"/>
+            <p:cNvCxnSpPr/>
             <p:nvPr/>
-          </p:nvPicPr>
-          <p:blipFill>
-            <a:blip r:embed="rId6" cstate="print">
+          </p:nvCxnSpPr>
+          <p:spPr>
+            <a:xfrm flipV="1">
+              <a:off x="2476128" y="4339880"/>
+              <a:ext cx="3431540" cy="1"/>
+            </a:xfrm>
+            <a:prstGeom prst="straightConnector1">
+              <a:avLst/>
+            </a:prstGeom>
+            <a:ln w="38100">
+              <a:solidFill>
+                <a:schemeClr val="accent1">
+                  <a:lumMod val="50000"/>
+                </a:schemeClr>
+              </a:solidFill>
+              <a:tailEnd type="triangle"/>
+            </a:ln>
+          </p:spPr>
+          <p:style>
+            <a:lnRef idx="1">
+              <a:schemeClr val="accent1"/>
+            </a:lnRef>
+            <a:fillRef idx="0">
+              <a:schemeClr val="accent1"/>
+            </a:fillRef>
+            <a:effectRef idx="0">
+              <a:schemeClr val="accent1"/>
+            </a:effectRef>
+            <a:fontRef idx="minor">
+              <a:schemeClr val="tx1"/>
+            </a:fontRef>
+          </p:style>
+        </p:cxnSp>
+        <p:grpSp>
+          <p:nvGrpSpPr>
+            <p:cNvPr id="66" name="Group 65"/>
+            <p:cNvGrpSpPr/>
+            <p:nvPr/>
+          </p:nvGrpSpPr>
+          <p:grpSpPr>
+            <a:xfrm>
+              <a:off x="3777292" y="3472533"/>
+              <a:ext cx="809128" cy="939047"/>
+              <a:chOff x="7023909" y="3700176"/>
+              <a:chExt cx="809128" cy="939047"/>
+            </a:xfrm>
+          </p:grpSpPr>
+          <p:pic>
+            <p:nvPicPr>
+              <p:cNvPr id="67" name="Picture 4" descr="http://westwoodcivicclub.com/wp-content/uploads/2015/11/news-icon.png"/>
+              <p:cNvPicPr>
+                <a:picLocks noChangeAspect="1" noChangeArrowheads="1"/>
+              </p:cNvPicPr>
+              <p:nvPr/>
+            </p:nvPicPr>
+            <p:blipFill rotWithShape="1">
+              <a:blip r:embed="rId5" cstate="print">
+                <a:extLst>
+                  <a:ext uri="{28A0092B-C50C-407E-A947-70E740481C1C}">
+                    <a14:useLocalDpi xmlns:a14="http://schemas.microsoft.com/office/drawing/2010/main" val="0"/>
+                  </a:ext>
+                </a:extLst>
+              </a:blip>
+              <a:srcRect l="5276" t="6248" r="6322" b="6114"/>
+              <a:stretch/>
+            </p:blipFill>
+            <p:spPr bwMode="auto">
+              <a:xfrm>
+                <a:off x="7052236" y="3700176"/>
+                <a:ext cx="724042" cy="717781"/>
+              </a:xfrm>
+              <a:prstGeom prst="rect">
+                <a:avLst/>
+              </a:prstGeom>
+              <a:noFill/>
+              <a:effectLst>
+                <a:softEdge rad="63500"/>
+              </a:effectLst>
               <a:extLst>
-                <a:ext uri="{28A0092B-C50C-407E-A947-70E740481C1C}">
-                  <a14:useLocalDpi xmlns:a14="http://schemas.microsoft.com/office/drawing/2010/main" val="0"/>
-                </a:ext>
-                <a:ext uri="{96DAC541-7B7A-43D3-8B79-37D633B846F1}">
-                  <asvg:svgBlip xmlns:asvg="http://schemas.microsoft.com/office/drawing/2016/SVG/main" r:embed="rId7"/>
+                <a:ext uri="{909E8E84-426E-40DD-AFC4-6F175D3DCCD1}">
+                  <a14:hiddenFill xmlns:a14="http://schemas.microsoft.com/office/drawing/2010/main">
+                    <a:solidFill>
+                      <a:srgbClr val="FFFFFF"/>
+                    </a:solidFill>
+                  </a14:hiddenFill>
                 </a:ext>
               </a:extLst>
-            </a:blip>
-            <a:stretch>
-              <a:fillRect/>
-            </a:stretch>
-          </p:blipFill>
-          <p:spPr>
-            <a:xfrm>
-              <a:off x="6306726" y="3650506"/>
-              <a:ext cx="832361" cy="832361"/>
-            </a:xfrm>
-            <a:prstGeom prst="rect">
-              <a:avLst/>
-            </a:prstGeom>
-          </p:spPr>
-        </p:pic>
-        <p:sp>
-          <p:nvSpPr>
-            <p:cNvPr id="56" name="TextBox 55"/>
-            <p:cNvSpPr txBox="1"/>
-            <p:nvPr/>
-          </p:nvSpPr>
-          <p:spPr>
-            <a:xfrm>
-              <a:off x="6311800" y="4426481"/>
-              <a:ext cx="809128" cy="295345"/>
-            </a:xfrm>
-            <a:prstGeom prst="rect">
-              <a:avLst/>
-            </a:prstGeom>
-            <a:noFill/>
-          </p:spPr>
-          <p:txBody>
-            <a:bodyPr wrap="square" rtlCol="0">
-              <a:spAutoFit/>
-            </a:bodyPr>
-            <a:lstStyle/>
-            <a:p>
-              <a:pPr algn="ctr"/>
-              <a:r>
-                <a:rPr lang="en-GB" sz="1400" dirty="0"/>
-                <a:t>Options</a:t>
-              </a:r>
-              <a:endParaRPr lang="de-DE" sz="1400" dirty="0"/>
-            </a:p>
-          </p:txBody>
-        </p:sp>
+            </p:spPr>
+          </p:pic>
+          <p:sp>
+            <p:nvSpPr>
+              <p:cNvPr id="68" name="TextBox 67"/>
+              <p:cNvSpPr txBox="1"/>
+              <p:nvPr/>
+            </p:nvSpPr>
+            <p:spPr>
+              <a:xfrm>
+                <a:off x="7023909" y="4314344"/>
+                <a:ext cx="809128" cy="324879"/>
+              </a:xfrm>
+              <a:prstGeom prst="rect">
+                <a:avLst/>
+              </a:prstGeom>
+              <a:noFill/>
+            </p:spPr>
+            <p:txBody>
+              <a:bodyPr wrap="square" rtlCol="0">
+                <a:spAutoFit/>
+              </a:bodyPr>
+              <a:lstStyle/>
+              <a:p>
+                <a:pPr algn="ctr"/>
+                <a:r>
+                  <a:rPr lang="en-GB" sz="1400" dirty="0"/>
+                  <a:t>Content</a:t>
+                </a:r>
+                <a:endParaRPr lang="de-DE" sz="1400" dirty="0"/>
+              </a:p>
+            </p:txBody>
+          </p:sp>
+        </p:grpSp>
       </p:grpSp>
-      <p:cxnSp>
-        <p:nvCxnSpPr>
-          <p:cNvPr id="69" name="Straight Arrow Connector 68"/>
-          <p:cNvCxnSpPr/>
-          <p:nvPr/>
-        </p:nvCxnSpPr>
-        <p:spPr>
-          <a:xfrm flipV="1">
-            <a:off x="2476128" y="4339880"/>
-            <a:ext cx="3431540" cy="1"/>
-          </a:xfrm>
-          <a:prstGeom prst="straightConnector1">
-            <a:avLst/>
-          </a:prstGeom>
-          <a:ln w="38100">
-            <a:solidFill>
-              <a:schemeClr val="accent1">
-                <a:lumMod val="50000"/>
-              </a:schemeClr>
-            </a:solidFill>
-            <a:tailEnd type="triangle"/>
-          </a:ln>
-        </p:spPr>
-        <p:style>
-          <a:lnRef idx="1">
-            <a:schemeClr val="accent1"/>
-          </a:lnRef>
-          <a:fillRef idx="0">
-            <a:schemeClr val="accent1"/>
-          </a:fillRef>
-          <a:effectRef idx="0">
-            <a:schemeClr val="accent1"/>
-          </a:effectRef>
-          <a:fontRef idx="minor">
-            <a:schemeClr val="tx1"/>
-          </a:fontRef>
-        </p:style>
-      </p:cxnSp>
       <p:grpSp>
         <p:nvGrpSpPr>
-          <p:cNvPr id="66" name="Group 65"/>
+          <p:cNvPr id="12" name="Group 11"/>
           <p:cNvGrpSpPr/>
           <p:nvPr/>
         </p:nvGrpSpPr>
         <p:grpSpPr>
           <a:xfrm>
-            <a:off x="3777292" y="3472533"/>
-            <a:ext cx="809128" cy="939047"/>
-            <a:chOff x="7023909" y="3700176"/>
-            <a:chExt cx="809128" cy="939047"/>
+            <a:off x="2468510" y="2686347"/>
+            <a:ext cx="3420945" cy="697428"/>
+            <a:chOff x="2468510" y="2686347"/>
+            <a:chExt cx="3420945" cy="697428"/>
           </a:xfrm>
         </p:grpSpPr>
-        <p:pic>
-          <p:nvPicPr>
-            <p:cNvPr id="67" name="Picture 4" descr="http://westwoodcivicclub.com/wp-content/uploads/2015/11/news-icon.png"/>
-            <p:cNvPicPr>
-              <a:picLocks noChangeAspect="1" noChangeArrowheads="1"/>
-            </p:cNvPicPr>
+        <p:cxnSp>
+          <p:nvCxnSpPr>
+            <p:cNvPr id="49" name="Straight Arrow Connector 48"/>
+            <p:cNvCxnSpPr/>
             <p:nvPr/>
-          </p:nvPicPr>
-          <p:blipFill rotWithShape="1">
-            <a:blip r:embed="rId5" cstate="print">
+          </p:nvCxnSpPr>
+          <p:spPr>
+            <a:xfrm flipH="1" flipV="1">
+              <a:off x="2468510" y="3371215"/>
+              <a:ext cx="3420945" cy="12560"/>
+            </a:xfrm>
+            <a:prstGeom prst="straightConnector1">
+              <a:avLst/>
+            </a:prstGeom>
+            <a:ln w="38100">
+              <a:solidFill>
+                <a:schemeClr val="accent1">
+                  <a:lumMod val="50000"/>
+                </a:schemeClr>
+              </a:solidFill>
+              <a:tailEnd type="triangle"/>
+            </a:ln>
+          </p:spPr>
+          <p:style>
+            <a:lnRef idx="1">
+              <a:schemeClr val="accent1"/>
+            </a:lnRef>
+            <a:fillRef idx="0">
+              <a:schemeClr val="accent1"/>
+            </a:fillRef>
+            <a:effectRef idx="0">
+              <a:schemeClr val="accent1"/>
+            </a:effectRef>
+            <a:fontRef idx="minor">
+              <a:schemeClr val="tx1"/>
+            </a:fontRef>
+          </p:style>
+        </p:cxnSp>
+        <p:grpSp>
+          <p:nvGrpSpPr>
+            <p:cNvPr id="74" name="Group 73"/>
+            <p:cNvGrpSpPr/>
+            <p:nvPr/>
+          </p:nvGrpSpPr>
+          <p:grpSpPr>
+            <a:xfrm>
+              <a:off x="3473980" y="2686347"/>
+              <a:ext cx="1435837" cy="690205"/>
+              <a:chOff x="3473980" y="2686347"/>
+              <a:chExt cx="1435837" cy="690205"/>
+            </a:xfrm>
+          </p:grpSpPr>
+          <p:sp>
+            <p:nvSpPr>
+              <p:cNvPr id="53" name="Content Placeholder 5"/>
+              <p:cNvSpPr txBox="1">
+                <a:spLocks/>
+              </p:cNvSpPr>
+              <p:nvPr/>
+            </p:nvSpPr>
+            <p:spPr>
+              <a:xfrm>
+                <a:off x="3473980" y="3092547"/>
+                <a:ext cx="1435837" cy="284005"/>
+              </a:xfrm>
+              <a:prstGeom prst="rect">
+                <a:avLst/>
+              </a:prstGeom>
+            </p:spPr>
+            <p:txBody>
+              <a:bodyPr anchor="t">
+                <a:noAutofit/>
+              </a:bodyPr>
+              <a:lstStyle>
+                <a:lvl1pPr marL="285750" indent="-285750" algn="l" defTabSz="457200" rtl="0" eaLnBrk="1" latinLnBrk="0" hangingPunct="1">
+                  <a:spcBef>
+                    <a:spcPct val="20000"/>
+                  </a:spcBef>
+                  <a:spcAft>
+                    <a:spcPts val="600"/>
+                  </a:spcAft>
+                  <a:buClr>
+                    <a:schemeClr val="accent1">
+                      <a:lumMod val="75000"/>
+                    </a:schemeClr>
+                  </a:buClr>
+                  <a:buSzPct val="145000"/>
+                  <a:buFont typeface="Arial"/>
+                  <a:buChar char="•"/>
+                  <a:defRPr sz="2400" kern="1200" cap="none">
+                    <a:solidFill>
+                      <a:schemeClr val="tx1"/>
+                    </a:solidFill>
+                    <a:effectLst/>
+                    <a:latin typeface="+mn-lt"/>
+                    <a:ea typeface="+mn-ea"/>
+                    <a:cs typeface="+mn-cs"/>
+                  </a:defRPr>
+                </a:lvl1pPr>
+                <a:lvl2pPr marL="742950" indent="-285750" algn="l" defTabSz="457200" rtl="0" eaLnBrk="1" latinLnBrk="0" hangingPunct="1">
+                  <a:spcBef>
+                    <a:spcPct val="20000"/>
+                  </a:spcBef>
+                  <a:spcAft>
+                    <a:spcPts val="600"/>
+                  </a:spcAft>
+                  <a:buClr>
+                    <a:schemeClr val="accent1">
+                      <a:lumMod val="75000"/>
+                    </a:schemeClr>
+                  </a:buClr>
+                  <a:buSzPct val="145000"/>
+                  <a:buFont typeface="Arial"/>
+                  <a:buChar char="•"/>
+                  <a:defRPr sz="2000" kern="1200" cap="none">
+                    <a:solidFill>
+                      <a:schemeClr val="tx1"/>
+                    </a:solidFill>
+                    <a:effectLst/>
+                    <a:latin typeface="+mn-lt"/>
+                    <a:ea typeface="+mn-ea"/>
+                    <a:cs typeface="+mn-cs"/>
+                  </a:defRPr>
+                </a:lvl2pPr>
+                <a:lvl3pPr marL="1200150" indent="-285750" algn="l" defTabSz="457200" rtl="0" eaLnBrk="1" latinLnBrk="0" hangingPunct="1">
+                  <a:spcBef>
+                    <a:spcPct val="20000"/>
+                  </a:spcBef>
+                  <a:spcAft>
+                    <a:spcPts val="600"/>
+                  </a:spcAft>
+                  <a:buClr>
+                    <a:schemeClr val="accent1">
+                      <a:lumMod val="75000"/>
+                    </a:schemeClr>
+                  </a:buClr>
+                  <a:buSzPct val="145000"/>
+                  <a:buFont typeface="Arial"/>
+                  <a:buChar char="•"/>
+                  <a:defRPr sz="1800" kern="1200" cap="none">
+                    <a:solidFill>
+                      <a:schemeClr val="tx1"/>
+                    </a:solidFill>
+                    <a:effectLst/>
+                    <a:latin typeface="+mn-lt"/>
+                    <a:ea typeface="+mn-ea"/>
+                    <a:cs typeface="+mn-cs"/>
+                  </a:defRPr>
+                </a:lvl3pPr>
+                <a:lvl4pPr marL="1543050" indent="-171450" algn="l" defTabSz="457200" rtl="0" eaLnBrk="1" latinLnBrk="0" hangingPunct="1">
+                  <a:spcBef>
+                    <a:spcPct val="20000"/>
+                  </a:spcBef>
+                  <a:spcAft>
+                    <a:spcPts val="600"/>
+                  </a:spcAft>
+                  <a:buClr>
+                    <a:schemeClr val="accent1">
+                      <a:lumMod val="75000"/>
+                    </a:schemeClr>
+                  </a:buClr>
+                  <a:buSzPct val="145000"/>
+                  <a:buFont typeface="Arial"/>
+                  <a:buChar char="•"/>
+                  <a:defRPr sz="1600" kern="1200" cap="none">
+                    <a:solidFill>
+                      <a:schemeClr val="tx1"/>
+                    </a:solidFill>
+                    <a:effectLst/>
+                    <a:latin typeface="+mn-lt"/>
+                    <a:ea typeface="+mn-ea"/>
+                    <a:cs typeface="+mn-cs"/>
+                  </a:defRPr>
+                </a:lvl4pPr>
+                <a:lvl5pPr marL="2000250" indent="-171450" algn="l" defTabSz="457200" rtl="0" eaLnBrk="1" latinLnBrk="0" hangingPunct="1">
+                  <a:spcBef>
+                    <a:spcPct val="20000"/>
+                  </a:spcBef>
+                  <a:spcAft>
+                    <a:spcPts val="600"/>
+                  </a:spcAft>
+                  <a:buClr>
+                    <a:schemeClr val="accent1">
+                      <a:lumMod val="75000"/>
+                    </a:schemeClr>
+                  </a:buClr>
+                  <a:buSzPct val="145000"/>
+                  <a:buFont typeface="Arial"/>
+                  <a:buChar char="•"/>
+                  <a:defRPr sz="1400" kern="1200" cap="none">
+                    <a:solidFill>
+                      <a:schemeClr val="tx1"/>
+                    </a:solidFill>
+                    <a:effectLst/>
+                    <a:latin typeface="+mn-lt"/>
+                    <a:ea typeface="+mn-ea"/>
+                    <a:cs typeface="+mn-cs"/>
+                  </a:defRPr>
+                </a:lvl5pPr>
+                <a:lvl6pPr marL="2514600" indent="-228600" algn="l" defTabSz="457200" rtl="0" eaLnBrk="1" latinLnBrk="0" hangingPunct="1">
+                  <a:spcBef>
+                    <a:spcPct val="20000"/>
+                  </a:spcBef>
+                  <a:spcAft>
+                    <a:spcPts val="600"/>
+                  </a:spcAft>
+                  <a:buClr>
+                    <a:schemeClr val="accent1">
+                      <a:lumMod val="75000"/>
+                    </a:schemeClr>
+                  </a:buClr>
+                  <a:buSzPct val="145000"/>
+                  <a:buFont typeface="Arial"/>
+                  <a:buChar char="•"/>
+                  <a:defRPr sz="1400" kern="1200" cap="none">
+                    <a:solidFill>
+                      <a:schemeClr val="tx1"/>
+                    </a:solidFill>
+                    <a:effectLst/>
+                    <a:latin typeface="+mn-lt"/>
+                    <a:ea typeface="+mn-ea"/>
+                    <a:cs typeface="+mn-cs"/>
+                  </a:defRPr>
+                </a:lvl6pPr>
+                <a:lvl7pPr marL="2971800" indent="-228600" algn="l" defTabSz="457200" rtl="0" eaLnBrk="1" latinLnBrk="0" hangingPunct="1">
+                  <a:spcBef>
+                    <a:spcPct val="20000"/>
+                  </a:spcBef>
+                  <a:spcAft>
+                    <a:spcPts val="600"/>
+                  </a:spcAft>
+                  <a:buClr>
+                    <a:schemeClr val="accent1">
+                      <a:lumMod val="75000"/>
+                    </a:schemeClr>
+                  </a:buClr>
+                  <a:buSzPct val="145000"/>
+                  <a:buFont typeface="Arial"/>
+                  <a:buChar char="•"/>
+                  <a:defRPr sz="1400" kern="1200" cap="none">
+                    <a:solidFill>
+                      <a:schemeClr val="tx1"/>
+                    </a:solidFill>
+                    <a:effectLst/>
+                    <a:latin typeface="+mn-lt"/>
+                    <a:ea typeface="+mn-ea"/>
+                    <a:cs typeface="+mn-cs"/>
+                  </a:defRPr>
+                </a:lvl7pPr>
+                <a:lvl8pPr marL="3429000" indent="-228600" algn="l" defTabSz="457200" rtl="0" eaLnBrk="1" latinLnBrk="0" hangingPunct="1">
+                  <a:spcBef>
+                    <a:spcPct val="20000"/>
+                  </a:spcBef>
+                  <a:spcAft>
+                    <a:spcPts val="600"/>
+                  </a:spcAft>
+                  <a:buClr>
+                    <a:schemeClr val="accent1">
+                      <a:lumMod val="75000"/>
+                    </a:schemeClr>
+                  </a:buClr>
+                  <a:buSzPct val="145000"/>
+                  <a:buFont typeface="Arial"/>
+                  <a:buChar char="•"/>
+                  <a:defRPr sz="1400" kern="1200" cap="none">
+                    <a:solidFill>
+                      <a:schemeClr val="tx1"/>
+                    </a:solidFill>
+                    <a:effectLst/>
+                    <a:latin typeface="+mn-lt"/>
+                    <a:ea typeface="+mn-ea"/>
+                    <a:cs typeface="+mn-cs"/>
+                  </a:defRPr>
+                </a:lvl8pPr>
+                <a:lvl9pPr marL="3886200" indent="-228600" algn="l" defTabSz="457200" rtl="0" eaLnBrk="1" latinLnBrk="0" hangingPunct="1">
+                  <a:spcBef>
+                    <a:spcPct val="20000"/>
+                  </a:spcBef>
+                  <a:spcAft>
+                    <a:spcPts val="600"/>
+                  </a:spcAft>
+                  <a:buClr>
+                    <a:schemeClr val="accent1">
+                      <a:lumMod val="75000"/>
+                    </a:schemeClr>
+                  </a:buClr>
+                  <a:buSzPct val="145000"/>
+                  <a:buFont typeface="Arial"/>
+                  <a:buChar char="•"/>
+                  <a:defRPr sz="1400" kern="1200" cap="none">
+                    <a:solidFill>
+                      <a:schemeClr val="tx1"/>
+                    </a:solidFill>
+                    <a:effectLst/>
+                    <a:latin typeface="+mn-lt"/>
+                    <a:ea typeface="+mn-ea"/>
+                    <a:cs typeface="+mn-cs"/>
+                  </a:defRPr>
+                </a:lvl9pPr>
+              </a:lstStyle>
+              <a:p>
+                <a:pPr marL="0" indent="0" algn="ctr">
+                  <a:buFont typeface="Arial"/>
+                  <a:buNone/>
+                </a:pPr>
+                <a:r>
+                  <a:rPr lang="en-GB" sz="1400" dirty="0"/>
+                  <a:t>Generate button</a:t>
+                </a:r>
+                <a:endParaRPr lang="de-DE" sz="1400" dirty="0"/>
+              </a:p>
+            </p:txBody>
+          </p:sp>
+          <p:pic>
+            <p:nvPicPr>
+              <p:cNvPr id="1028" name="Picture 4" descr="https://cdn0.iconfinder.com/data/icons/HTML5/512/HTML_Logo.png"/>
+              <p:cNvPicPr>
+                <a:picLocks noChangeAspect="1" noChangeArrowheads="1"/>
+              </p:cNvPicPr>
+              <p:nvPr/>
+            </p:nvPicPr>
+            <p:blipFill>
+              <a:blip r:embed="rId8" cstate="print">
+                <a:extLst>
+                  <a:ext uri="{28A0092B-C50C-407E-A947-70E740481C1C}">
+                    <a14:useLocalDpi xmlns:a14="http://schemas.microsoft.com/office/drawing/2010/main" val="0"/>
+                  </a:ext>
+                </a:extLst>
+              </a:blip>
+              <a:srcRect/>
+              <a:stretch>
+                <a:fillRect/>
+              </a:stretch>
+            </p:blipFill>
+            <p:spPr bwMode="auto">
+              <a:xfrm>
+                <a:off x="3929051" y="2686347"/>
+                <a:ext cx="495120" cy="495120"/>
+              </a:xfrm>
+              <a:prstGeom prst="rect">
+                <a:avLst/>
+              </a:prstGeom>
+              <a:noFill/>
               <a:extLst>
-                <a:ext uri="{28A0092B-C50C-407E-A947-70E740481C1C}">
-                  <a14:useLocalDpi xmlns:a14="http://schemas.microsoft.com/office/drawing/2010/main" val="0"/>
+                <a:ext uri="{909E8E84-426E-40DD-AFC4-6F175D3DCCD1}">
+                  <a14:hiddenFill xmlns:a14="http://schemas.microsoft.com/office/drawing/2010/main">
+                    <a:solidFill>
+                      <a:srgbClr val="FFFFFF"/>
+                    </a:solidFill>
+                  </a14:hiddenFill>
                 </a:ext>
               </a:extLst>
-            </a:blip>
-            <a:srcRect l="5276" t="6248" r="6322" b="6114"/>
-            <a:stretch/>
-          </p:blipFill>
-          <p:spPr bwMode="auto">
-            <a:xfrm>
-              <a:off x="7052236" y="3700176"/>
-              <a:ext cx="724042" cy="717781"/>
-            </a:xfrm>
-            <a:prstGeom prst="rect">
-              <a:avLst/>
-            </a:prstGeom>
-            <a:noFill/>
-            <a:effectLst>
-              <a:softEdge rad="63500"/>
-            </a:effectLst>
-            <a:extLst>
-              <a:ext uri="{909E8E84-426E-40DD-AFC4-6F175D3DCCD1}">
-                <a14:hiddenFill xmlns:a14="http://schemas.microsoft.com/office/drawing/2010/main">
-                  <a:solidFill>
-                    <a:srgbClr val="FFFFFF"/>
-                  </a:solidFill>
-                </a14:hiddenFill>
-              </a:ext>
-            </a:extLst>
-          </p:spPr>
-        </p:pic>
-        <p:sp>
-          <p:nvSpPr>
-            <p:cNvPr id="68" name="TextBox 67"/>
-            <p:cNvSpPr txBox="1"/>
-            <p:nvPr/>
-          </p:nvSpPr>
-          <p:spPr>
-            <a:xfrm>
-              <a:off x="7023909" y="4314344"/>
-              <a:ext cx="809128" cy="324879"/>
-            </a:xfrm>
-            <a:prstGeom prst="rect">
-              <a:avLst/>
-            </a:prstGeom>
-            <a:noFill/>
-          </p:spPr>
-          <p:txBody>
-            <a:bodyPr wrap="square" rtlCol="0">
-              <a:spAutoFit/>
-            </a:bodyPr>
-            <a:lstStyle/>
-            <a:p>
-              <a:pPr algn="ctr"/>
-              <a:r>
-                <a:rPr lang="en-GB" sz="1400" dirty="0"/>
-                <a:t>Content</a:t>
-              </a:r>
-              <a:endParaRPr lang="de-DE" sz="1400" dirty="0"/>
-            </a:p>
-          </p:txBody>
-        </p:sp>
+            </p:spPr>
+          </p:pic>
+        </p:grpSp>
       </p:grpSp>
       <p:grpSp>
         <p:nvGrpSpPr>
-          <p:cNvPr id="74" name="Group 73"/>
+          <p:cNvPr id="3" name="Group 2"/>
           <p:cNvGrpSpPr/>
           <p:nvPr/>
         </p:nvGrpSpPr>
         <p:grpSpPr>
           <a:xfrm>
-            <a:off x="3473980" y="2686347"/>
-            <a:ext cx="1435837" cy="690205"/>
-            <a:chOff x="3473980" y="2686347"/>
-            <a:chExt cx="1435837" cy="690205"/>
+            <a:off x="2468509" y="1789542"/>
+            <a:ext cx="3420946" cy="748460"/>
+            <a:chOff x="2468509" y="1789542"/>
+            <a:chExt cx="3420946" cy="748460"/>
           </a:xfrm>
         </p:grpSpPr>
-        <p:sp>
-          <p:nvSpPr>
-            <p:cNvPr id="53" name="Content Placeholder 5"/>
-            <p:cNvSpPr txBox="1">
-              <a:spLocks/>
-            </p:cNvSpPr>
+        <p:cxnSp>
+          <p:nvCxnSpPr>
+            <p:cNvPr id="20" name="Straight Arrow Connector 19"/>
+            <p:cNvCxnSpPr/>
             <p:nvPr/>
-          </p:nvSpPr>
+          </p:nvCxnSpPr>
           <p:spPr>
-            <a:xfrm>
-              <a:off x="3473980" y="3092547"/>
-              <a:ext cx="1435837" cy="284005"/>
+            <a:xfrm flipH="1">
+              <a:off x="2468509" y="2523657"/>
+              <a:ext cx="3420946" cy="14345"/>
             </a:xfrm>
-            <a:prstGeom prst="rect">
+            <a:prstGeom prst="straightConnector1">
               <a:avLst/>
             </a:prstGeom>
+            <a:ln w="38100">
+              <a:solidFill>
+                <a:schemeClr val="accent1">
+                  <a:lumMod val="50000"/>
+                </a:schemeClr>
+              </a:solidFill>
+              <a:tailEnd type="triangle"/>
+            </a:ln>
           </p:spPr>
-          <p:txBody>
-            <a:bodyPr anchor="t">
-              <a:noAutofit/>
-            </a:bodyPr>
-            <a:lstStyle>
-              <a:lvl1pPr marL="285750" indent="-285750" algn="l" defTabSz="457200" rtl="0" eaLnBrk="1" latinLnBrk="0" hangingPunct="1">
-                <a:spcBef>
-                  <a:spcPct val="20000"/>
-                </a:spcBef>
-                <a:spcAft>
-                  <a:spcPts val="600"/>
-                </a:spcAft>
-                <a:buClr>
-                  <a:schemeClr val="accent1">
-                    <a:lumMod val="75000"/>
-                  </a:schemeClr>
-                </a:buClr>
-                <a:buSzPct val="145000"/>
-                <a:buFont typeface="Arial"/>
-                <a:buChar char="•"/>
-                <a:defRPr sz="2400" kern="1200" cap="none">
-                  <a:solidFill>
-                    <a:schemeClr val="tx1"/>
-                  </a:solidFill>
-                  <a:effectLst/>
-                  <a:latin typeface="+mn-lt"/>
-                  <a:ea typeface="+mn-ea"/>
-                  <a:cs typeface="+mn-cs"/>
-                </a:defRPr>
-              </a:lvl1pPr>
-              <a:lvl2pPr marL="742950" indent="-285750" algn="l" defTabSz="457200" rtl="0" eaLnBrk="1" latinLnBrk="0" hangingPunct="1">
-                <a:spcBef>
-                  <a:spcPct val="20000"/>
-                </a:spcBef>
-                <a:spcAft>
-                  <a:spcPts val="600"/>
-                </a:spcAft>
-                <a:buClr>
-                  <a:schemeClr val="accent1">
-                    <a:lumMod val="75000"/>
-                  </a:schemeClr>
-                </a:buClr>
-                <a:buSzPct val="145000"/>
-                <a:buFont typeface="Arial"/>
-                <a:buChar char="•"/>
-                <a:defRPr sz="2000" kern="1200" cap="none">
-                  <a:solidFill>
-                    <a:schemeClr val="tx1"/>
-                  </a:solidFill>
-                  <a:effectLst/>
-                  <a:latin typeface="+mn-lt"/>
-                  <a:ea typeface="+mn-ea"/>
-                  <a:cs typeface="+mn-cs"/>
-                </a:defRPr>
-              </a:lvl2pPr>
-              <a:lvl3pPr marL="1200150" indent="-285750" algn="l" defTabSz="457200" rtl="0" eaLnBrk="1" latinLnBrk="0" hangingPunct="1">
-                <a:spcBef>
-                  <a:spcPct val="20000"/>
-                </a:spcBef>
-                <a:spcAft>
-                  <a:spcPts val="600"/>
-                </a:spcAft>
-                <a:buClr>
-                  <a:schemeClr val="accent1">
-                    <a:lumMod val="75000"/>
-                  </a:schemeClr>
-                </a:buClr>
-                <a:buSzPct val="145000"/>
-                <a:buFont typeface="Arial"/>
-                <a:buChar char="•"/>
-                <a:defRPr sz="1800" kern="1200" cap="none">
-                  <a:solidFill>
-                    <a:schemeClr val="tx1"/>
-                  </a:solidFill>
-                  <a:effectLst/>
-                  <a:latin typeface="+mn-lt"/>
-                  <a:ea typeface="+mn-ea"/>
-                  <a:cs typeface="+mn-cs"/>
-                </a:defRPr>
-              </a:lvl3pPr>
-              <a:lvl4pPr marL="1543050" indent="-171450" algn="l" defTabSz="457200" rtl="0" eaLnBrk="1" latinLnBrk="0" hangingPunct="1">
-                <a:spcBef>
-                  <a:spcPct val="20000"/>
-                </a:spcBef>
-                <a:spcAft>
-                  <a:spcPts val="600"/>
-                </a:spcAft>
-                <a:buClr>
-                  <a:schemeClr val="accent1">
-                    <a:lumMod val="75000"/>
-                  </a:schemeClr>
-                </a:buClr>
-                <a:buSzPct val="145000"/>
-                <a:buFont typeface="Arial"/>
-                <a:buChar char="•"/>
-                <a:defRPr sz="1600" kern="1200" cap="none">
-                  <a:solidFill>
-                    <a:schemeClr val="tx1"/>
-                  </a:solidFill>
-                  <a:effectLst/>
-                  <a:latin typeface="+mn-lt"/>
-                  <a:ea typeface="+mn-ea"/>
-                  <a:cs typeface="+mn-cs"/>
-                </a:defRPr>
-              </a:lvl4pPr>
-              <a:lvl5pPr marL="2000250" indent="-171450" algn="l" defTabSz="457200" rtl="0" eaLnBrk="1" latinLnBrk="0" hangingPunct="1">
-                <a:spcBef>
-                  <a:spcPct val="20000"/>
-                </a:spcBef>
-                <a:spcAft>
-                  <a:spcPts val="600"/>
-                </a:spcAft>
-                <a:buClr>
-                  <a:schemeClr val="accent1">
-                    <a:lumMod val="75000"/>
-                  </a:schemeClr>
-                </a:buClr>
-                <a:buSzPct val="145000"/>
-                <a:buFont typeface="Arial"/>
-                <a:buChar char="•"/>
-                <a:defRPr sz="1400" kern="1200" cap="none">
-                  <a:solidFill>
-                    <a:schemeClr val="tx1"/>
-                  </a:solidFill>
-                  <a:effectLst/>
-                  <a:latin typeface="+mn-lt"/>
-                  <a:ea typeface="+mn-ea"/>
-                  <a:cs typeface="+mn-cs"/>
-                </a:defRPr>
-              </a:lvl5pPr>
-              <a:lvl6pPr marL="2514600" indent="-228600" algn="l" defTabSz="457200" rtl="0" eaLnBrk="1" latinLnBrk="0" hangingPunct="1">
-                <a:spcBef>
-                  <a:spcPct val="20000"/>
-                </a:spcBef>
-                <a:spcAft>
-                  <a:spcPts val="600"/>
-                </a:spcAft>
-                <a:buClr>
-                  <a:schemeClr val="accent1">
-                    <a:lumMod val="75000"/>
-                  </a:schemeClr>
-                </a:buClr>
-                <a:buSzPct val="145000"/>
-                <a:buFont typeface="Arial"/>
-                <a:buChar char="•"/>
-                <a:defRPr sz="1400" kern="1200" cap="none">
-                  <a:solidFill>
-                    <a:schemeClr val="tx1"/>
-                  </a:solidFill>
-                  <a:effectLst/>
-                  <a:latin typeface="+mn-lt"/>
-                  <a:ea typeface="+mn-ea"/>
-                  <a:cs typeface="+mn-cs"/>
-                </a:defRPr>
-              </a:lvl6pPr>
-              <a:lvl7pPr marL="2971800" indent="-228600" algn="l" defTabSz="457200" rtl="0" eaLnBrk="1" latinLnBrk="0" hangingPunct="1">
-                <a:spcBef>
-                  <a:spcPct val="20000"/>
-                </a:spcBef>
-                <a:spcAft>
-                  <a:spcPts val="600"/>
-                </a:spcAft>
-                <a:buClr>
-                  <a:schemeClr val="accent1">
-                    <a:lumMod val="75000"/>
-                  </a:schemeClr>
-                </a:buClr>
-                <a:buSzPct val="145000"/>
-                <a:buFont typeface="Arial"/>
-                <a:buChar char="•"/>
-                <a:defRPr sz="1400" kern="1200" cap="none">
-                  <a:solidFill>
-                    <a:schemeClr val="tx1"/>
-                  </a:solidFill>
-                  <a:effectLst/>
-                  <a:latin typeface="+mn-lt"/>
-                  <a:ea typeface="+mn-ea"/>
-                  <a:cs typeface="+mn-cs"/>
-                </a:defRPr>
-              </a:lvl7pPr>
-              <a:lvl8pPr marL="3429000" indent="-228600" algn="l" defTabSz="457200" rtl="0" eaLnBrk="1" latinLnBrk="0" hangingPunct="1">
-                <a:spcBef>
-                  <a:spcPct val="20000"/>
-                </a:spcBef>
-                <a:spcAft>
-                  <a:spcPts val="600"/>
-                </a:spcAft>
-                <a:buClr>
-                  <a:schemeClr val="accent1">
-                    <a:lumMod val="75000"/>
-                  </a:schemeClr>
-                </a:buClr>
-                <a:buSzPct val="145000"/>
-                <a:buFont typeface="Arial"/>
-                <a:buChar char="•"/>
-                <a:defRPr sz="1400" kern="1200" cap="none">
-                  <a:solidFill>
-                    <a:schemeClr val="tx1"/>
-                  </a:solidFill>
-                  <a:effectLst/>
-                  <a:latin typeface="+mn-lt"/>
-                  <a:ea typeface="+mn-ea"/>
-                  <a:cs typeface="+mn-cs"/>
-                </a:defRPr>
-              </a:lvl8pPr>
-              <a:lvl9pPr marL="3886200" indent="-228600" algn="l" defTabSz="457200" rtl="0" eaLnBrk="1" latinLnBrk="0" hangingPunct="1">
-                <a:spcBef>
-                  <a:spcPct val="20000"/>
-                </a:spcBef>
-                <a:spcAft>
-                  <a:spcPts val="600"/>
-                </a:spcAft>
-                <a:buClr>
-                  <a:schemeClr val="accent1">
-                    <a:lumMod val="75000"/>
-                  </a:schemeClr>
-                </a:buClr>
-                <a:buSzPct val="145000"/>
-                <a:buFont typeface="Arial"/>
-                <a:buChar char="•"/>
-                <a:defRPr sz="1400" kern="1200" cap="none">
-                  <a:solidFill>
-                    <a:schemeClr val="tx1"/>
-                  </a:solidFill>
-                  <a:effectLst/>
-                  <a:latin typeface="+mn-lt"/>
-                  <a:ea typeface="+mn-ea"/>
-                  <a:cs typeface="+mn-cs"/>
-                </a:defRPr>
-              </a:lvl9pPr>
-            </a:lstStyle>
-            <a:p>
-              <a:pPr marL="0" indent="0" algn="ctr">
-                <a:buFont typeface="Arial"/>
-                <a:buNone/>
-              </a:pPr>
-              <a:r>
-                <a:rPr lang="en-GB" sz="1400" dirty="0"/>
-                <a:t>Generate button</a:t>
-              </a:r>
-              <a:endParaRPr lang="de-DE" sz="1400" dirty="0"/>
-            </a:p>
-          </p:txBody>
-        </p:sp>
-        <p:pic>
-          <p:nvPicPr>
-            <p:cNvPr id="1028" name="Picture 4" descr="https://cdn0.iconfinder.com/data/icons/HTML5/512/HTML_Logo.png"/>
-            <p:cNvPicPr>
-              <a:picLocks noChangeAspect="1" noChangeArrowheads="1"/>
-            </p:cNvPicPr>
+          <p:style>
+            <a:lnRef idx="1">
+              <a:schemeClr val="accent1"/>
+            </a:lnRef>
+            <a:fillRef idx="0">
+              <a:schemeClr val="accent1"/>
+            </a:fillRef>
+            <a:effectRef idx="0">
+              <a:schemeClr val="accent1"/>
+            </a:effectRef>
+            <a:fontRef idx="minor">
+              <a:schemeClr val="tx1"/>
+            </a:fontRef>
+          </p:style>
+        </p:cxnSp>
+        <p:grpSp>
+          <p:nvGrpSpPr>
+            <p:cNvPr id="75" name="Group 74"/>
+            <p:cNvGrpSpPr/>
             <p:nvPr/>
-          </p:nvPicPr>
-          <p:blipFill>
-            <a:blip r:embed="rId8" cstate="print">
+          </p:nvGrpSpPr>
+          <p:grpSpPr>
+            <a:xfrm>
+              <a:off x="3404128" y="1789542"/>
+              <a:ext cx="1558157" cy="734114"/>
+              <a:chOff x="2946928" y="1789542"/>
+              <a:chExt cx="1558157" cy="734114"/>
+            </a:xfrm>
+          </p:grpSpPr>
+          <p:sp>
+            <p:nvSpPr>
+              <p:cNvPr id="23" name="Content Placeholder 5"/>
+              <p:cNvSpPr txBox="1">
+                <a:spLocks/>
+              </p:cNvSpPr>
+              <p:nvPr/>
+            </p:nvSpPr>
+            <p:spPr>
+              <a:xfrm>
+                <a:off x="2946928" y="2239651"/>
+                <a:ext cx="1558157" cy="284005"/>
+              </a:xfrm>
+              <a:prstGeom prst="rect">
+                <a:avLst/>
+              </a:prstGeom>
+            </p:spPr>
+            <p:txBody>
+              <a:bodyPr anchor="t">
+                <a:noAutofit/>
+              </a:bodyPr>
+              <a:lstStyle>
+                <a:lvl1pPr marL="285750" indent="-285750" algn="l" defTabSz="457200" rtl="0" eaLnBrk="1" latinLnBrk="0" hangingPunct="1">
+                  <a:spcBef>
+                    <a:spcPct val="20000"/>
+                  </a:spcBef>
+                  <a:spcAft>
+                    <a:spcPts val="600"/>
+                  </a:spcAft>
+                  <a:buClr>
+                    <a:schemeClr val="accent1">
+                      <a:lumMod val="75000"/>
+                    </a:schemeClr>
+                  </a:buClr>
+                  <a:buSzPct val="145000"/>
+                  <a:buFont typeface="Arial"/>
+                  <a:buChar char="•"/>
+                  <a:defRPr sz="2400" kern="1200" cap="none">
+                    <a:solidFill>
+                      <a:schemeClr val="tx1"/>
+                    </a:solidFill>
+                    <a:effectLst/>
+                    <a:latin typeface="+mn-lt"/>
+                    <a:ea typeface="+mn-ea"/>
+                    <a:cs typeface="+mn-cs"/>
+                  </a:defRPr>
+                </a:lvl1pPr>
+                <a:lvl2pPr marL="742950" indent="-285750" algn="l" defTabSz="457200" rtl="0" eaLnBrk="1" latinLnBrk="0" hangingPunct="1">
+                  <a:spcBef>
+                    <a:spcPct val="20000"/>
+                  </a:spcBef>
+                  <a:spcAft>
+                    <a:spcPts val="600"/>
+                  </a:spcAft>
+                  <a:buClr>
+                    <a:schemeClr val="accent1">
+                      <a:lumMod val="75000"/>
+                    </a:schemeClr>
+                  </a:buClr>
+                  <a:buSzPct val="145000"/>
+                  <a:buFont typeface="Arial"/>
+                  <a:buChar char="•"/>
+                  <a:defRPr sz="2000" kern="1200" cap="none">
+                    <a:solidFill>
+                      <a:schemeClr val="tx1"/>
+                    </a:solidFill>
+                    <a:effectLst/>
+                    <a:latin typeface="+mn-lt"/>
+                    <a:ea typeface="+mn-ea"/>
+                    <a:cs typeface="+mn-cs"/>
+                  </a:defRPr>
+                </a:lvl2pPr>
+                <a:lvl3pPr marL="1200150" indent="-285750" algn="l" defTabSz="457200" rtl="0" eaLnBrk="1" latinLnBrk="0" hangingPunct="1">
+                  <a:spcBef>
+                    <a:spcPct val="20000"/>
+                  </a:spcBef>
+                  <a:spcAft>
+                    <a:spcPts val="600"/>
+                  </a:spcAft>
+                  <a:buClr>
+                    <a:schemeClr val="accent1">
+                      <a:lumMod val="75000"/>
+                    </a:schemeClr>
+                  </a:buClr>
+                  <a:buSzPct val="145000"/>
+                  <a:buFont typeface="Arial"/>
+                  <a:buChar char="•"/>
+                  <a:defRPr sz="1800" kern="1200" cap="none">
+                    <a:solidFill>
+                      <a:schemeClr val="tx1"/>
+                    </a:solidFill>
+                    <a:effectLst/>
+                    <a:latin typeface="+mn-lt"/>
+                    <a:ea typeface="+mn-ea"/>
+                    <a:cs typeface="+mn-cs"/>
+                  </a:defRPr>
+                </a:lvl3pPr>
+                <a:lvl4pPr marL="1543050" indent="-171450" algn="l" defTabSz="457200" rtl="0" eaLnBrk="1" latinLnBrk="0" hangingPunct="1">
+                  <a:spcBef>
+                    <a:spcPct val="20000"/>
+                  </a:spcBef>
+                  <a:spcAft>
+                    <a:spcPts val="600"/>
+                  </a:spcAft>
+                  <a:buClr>
+                    <a:schemeClr val="accent1">
+                      <a:lumMod val="75000"/>
+                    </a:schemeClr>
+                  </a:buClr>
+                  <a:buSzPct val="145000"/>
+                  <a:buFont typeface="Arial"/>
+                  <a:buChar char="•"/>
+                  <a:defRPr sz="1600" kern="1200" cap="none">
+                    <a:solidFill>
+                      <a:schemeClr val="tx1"/>
+                    </a:solidFill>
+                    <a:effectLst/>
+                    <a:latin typeface="+mn-lt"/>
+                    <a:ea typeface="+mn-ea"/>
+                    <a:cs typeface="+mn-cs"/>
+                  </a:defRPr>
+                </a:lvl4pPr>
+                <a:lvl5pPr marL="2000250" indent="-171450" algn="l" defTabSz="457200" rtl="0" eaLnBrk="1" latinLnBrk="0" hangingPunct="1">
+                  <a:spcBef>
+                    <a:spcPct val="20000"/>
+                  </a:spcBef>
+                  <a:spcAft>
+                    <a:spcPts val="600"/>
+                  </a:spcAft>
+                  <a:buClr>
+                    <a:schemeClr val="accent1">
+                      <a:lumMod val="75000"/>
+                    </a:schemeClr>
+                  </a:buClr>
+                  <a:buSzPct val="145000"/>
+                  <a:buFont typeface="Arial"/>
+                  <a:buChar char="•"/>
+                  <a:defRPr sz="1400" kern="1200" cap="none">
+                    <a:solidFill>
+                      <a:schemeClr val="tx1"/>
+                    </a:solidFill>
+                    <a:effectLst/>
+                    <a:latin typeface="+mn-lt"/>
+                    <a:ea typeface="+mn-ea"/>
+                    <a:cs typeface="+mn-cs"/>
+                  </a:defRPr>
+                </a:lvl5pPr>
+                <a:lvl6pPr marL="2514600" indent="-228600" algn="l" defTabSz="457200" rtl="0" eaLnBrk="1" latinLnBrk="0" hangingPunct="1">
+                  <a:spcBef>
+                    <a:spcPct val="20000"/>
+                  </a:spcBef>
+                  <a:spcAft>
+                    <a:spcPts val="600"/>
+                  </a:spcAft>
+                  <a:buClr>
+                    <a:schemeClr val="accent1">
+                      <a:lumMod val="75000"/>
+                    </a:schemeClr>
+                  </a:buClr>
+                  <a:buSzPct val="145000"/>
+                  <a:buFont typeface="Arial"/>
+                  <a:buChar char="•"/>
+                  <a:defRPr sz="1400" kern="1200" cap="none">
+                    <a:solidFill>
+                      <a:schemeClr val="tx1"/>
+                    </a:solidFill>
+                    <a:effectLst/>
+                    <a:latin typeface="+mn-lt"/>
+                    <a:ea typeface="+mn-ea"/>
+                    <a:cs typeface="+mn-cs"/>
+                  </a:defRPr>
+                </a:lvl6pPr>
+                <a:lvl7pPr marL="2971800" indent="-228600" algn="l" defTabSz="457200" rtl="0" eaLnBrk="1" latinLnBrk="0" hangingPunct="1">
+                  <a:spcBef>
+                    <a:spcPct val="20000"/>
+                  </a:spcBef>
+                  <a:spcAft>
+                    <a:spcPts val="600"/>
+                  </a:spcAft>
+                  <a:buClr>
+                    <a:schemeClr val="accent1">
+                      <a:lumMod val="75000"/>
+                    </a:schemeClr>
+                  </a:buClr>
+                  <a:buSzPct val="145000"/>
+                  <a:buFont typeface="Arial"/>
+                  <a:buChar char="•"/>
+                  <a:defRPr sz="1400" kern="1200" cap="none">
+                    <a:solidFill>
+                      <a:schemeClr val="tx1"/>
+                    </a:solidFill>
+                    <a:effectLst/>
+                    <a:latin typeface="+mn-lt"/>
+                    <a:ea typeface="+mn-ea"/>
+                    <a:cs typeface="+mn-cs"/>
+                  </a:defRPr>
+                </a:lvl7pPr>
+                <a:lvl8pPr marL="3429000" indent="-228600" algn="l" defTabSz="457200" rtl="0" eaLnBrk="1" latinLnBrk="0" hangingPunct="1">
+                  <a:spcBef>
+                    <a:spcPct val="20000"/>
+                  </a:spcBef>
+                  <a:spcAft>
+                    <a:spcPts val="600"/>
+                  </a:spcAft>
+                  <a:buClr>
+                    <a:schemeClr val="accent1">
+                      <a:lumMod val="75000"/>
+                    </a:schemeClr>
+                  </a:buClr>
+                  <a:buSzPct val="145000"/>
+                  <a:buFont typeface="Arial"/>
+                  <a:buChar char="•"/>
+                  <a:defRPr sz="1400" kern="1200" cap="none">
+                    <a:solidFill>
+                      <a:schemeClr val="tx1"/>
+                    </a:solidFill>
+                    <a:effectLst/>
+                    <a:latin typeface="+mn-lt"/>
+                    <a:ea typeface="+mn-ea"/>
+                    <a:cs typeface="+mn-cs"/>
+                  </a:defRPr>
+                </a:lvl8pPr>
+                <a:lvl9pPr marL="3886200" indent="-228600" algn="l" defTabSz="457200" rtl="0" eaLnBrk="1" latinLnBrk="0" hangingPunct="1">
+                  <a:spcBef>
+                    <a:spcPct val="20000"/>
+                  </a:spcBef>
+                  <a:spcAft>
+                    <a:spcPts val="600"/>
+                  </a:spcAft>
+                  <a:buClr>
+                    <a:schemeClr val="accent1">
+                      <a:lumMod val="75000"/>
+                    </a:schemeClr>
+                  </a:buClr>
+                  <a:buSzPct val="145000"/>
+                  <a:buFont typeface="Arial"/>
+                  <a:buChar char="•"/>
+                  <a:defRPr sz="1400" kern="1200" cap="none">
+                    <a:solidFill>
+                      <a:schemeClr val="tx1"/>
+                    </a:solidFill>
+                    <a:effectLst/>
+                    <a:latin typeface="+mn-lt"/>
+                    <a:ea typeface="+mn-ea"/>
+                    <a:cs typeface="+mn-cs"/>
+                  </a:defRPr>
+                </a:lvl9pPr>
+              </a:lstStyle>
+              <a:p>
+                <a:pPr marL="0" indent="0" algn="ctr">
+                  <a:buFont typeface="Arial"/>
+                  <a:buNone/>
+                </a:pPr>
+                <a:r>
+                  <a:rPr lang="en-GB" sz="1400" dirty="0"/>
+                  <a:t>Background script</a:t>
+                </a:r>
+                <a:endParaRPr lang="de-DE" sz="1400" dirty="0"/>
+              </a:p>
+            </p:txBody>
+          </p:sp>
+          <p:pic>
+            <p:nvPicPr>
+              <p:cNvPr id="1030" name="Picture 6" descr="http://dev.bowdenweb.com/a/i/js/icons/javascript-icon-512-04.png"/>
+              <p:cNvPicPr>
+                <a:picLocks noChangeAspect="1" noChangeArrowheads="1"/>
+              </p:cNvPicPr>
+              <p:nvPr/>
+            </p:nvPicPr>
+            <p:blipFill>
+              <a:blip r:embed="rId9" cstate="print">
+                <a:extLst>
+                  <a:ext uri="{28A0092B-C50C-407E-A947-70E740481C1C}">
+                    <a14:useLocalDpi xmlns:a14="http://schemas.microsoft.com/office/drawing/2010/main" val="0"/>
+                  </a:ext>
+                </a:extLst>
+              </a:blip>
+              <a:srcRect/>
+              <a:stretch>
+                <a:fillRect/>
+              </a:stretch>
+            </p:blipFill>
+            <p:spPr bwMode="auto">
+              <a:xfrm>
+                <a:off x="3479472" y="1789542"/>
+                <a:ext cx="450109" cy="450109"/>
+              </a:xfrm>
+              <a:prstGeom prst="rect">
+                <a:avLst/>
+              </a:prstGeom>
+              <a:noFill/>
               <a:extLst>
-                <a:ext uri="{28A0092B-C50C-407E-A947-70E740481C1C}">
-                  <a14:useLocalDpi xmlns:a14="http://schemas.microsoft.com/office/drawing/2010/main" val="0"/>
+                <a:ext uri="{909E8E84-426E-40DD-AFC4-6F175D3DCCD1}">
+                  <a14:hiddenFill xmlns:a14="http://schemas.microsoft.com/office/drawing/2010/main">
+                    <a:solidFill>
+                      <a:srgbClr val="FFFFFF"/>
+                    </a:solidFill>
+                  </a14:hiddenFill>
                 </a:ext>
               </a:extLst>
-            </a:blip>
-            <a:srcRect/>
-            <a:stretch>
-              <a:fillRect/>
-            </a:stretch>
-          </p:blipFill>
-          <p:spPr bwMode="auto">
-            <a:xfrm>
-              <a:off x="3929051" y="2686347"/>
-              <a:ext cx="495120" cy="495120"/>
-            </a:xfrm>
-            <a:prstGeom prst="rect">
-              <a:avLst/>
-            </a:prstGeom>
-            <a:noFill/>
-            <a:extLst>
-              <a:ext uri="{909E8E84-426E-40DD-AFC4-6F175D3DCCD1}">
-                <a14:hiddenFill xmlns:a14="http://schemas.microsoft.com/office/drawing/2010/main">
-                  <a:solidFill>
-                    <a:srgbClr val="FFFFFF"/>
-                  </a:solidFill>
-                </a14:hiddenFill>
-              </a:ext>
-            </a:extLst>
-          </p:spPr>
-        </p:pic>
+            </p:spPr>
+          </p:pic>
+        </p:grpSp>
       </p:grpSp>
       <p:grpSp>
         <p:nvGrpSpPr>
-          <p:cNvPr id="75" name="Group 74"/>
+          <p:cNvPr id="18" name="Group 17"/>
           <p:cNvGrpSpPr/>
           <p:nvPr/>
         </p:nvGrpSpPr>
         <p:grpSpPr>
           <a:xfrm>
-            <a:off x="3404128" y="1789542"/>
-            <a:ext cx="1558157" cy="734114"/>
-            <a:chOff x="2946928" y="1789542"/>
-            <a:chExt cx="1558157" cy="734114"/>
+            <a:off x="2468510" y="5337824"/>
+            <a:ext cx="3439159" cy="697825"/>
+            <a:chOff x="2468510" y="5337824"/>
+            <a:chExt cx="3439159" cy="697825"/>
           </a:xfrm>
         </p:grpSpPr>
-        <p:sp>
-          <p:nvSpPr>
-            <p:cNvPr id="23" name="Content Placeholder 5"/>
-            <p:cNvSpPr txBox="1">
-              <a:spLocks/>
-            </p:cNvSpPr>
+        <p:grpSp>
+          <p:nvGrpSpPr>
+            <p:cNvPr id="84" name="Group 83"/>
+            <p:cNvGrpSpPr/>
             <p:nvPr/>
-          </p:nvSpPr>
+          </p:nvGrpSpPr>
+          <p:grpSpPr>
+            <a:xfrm>
+              <a:off x="3503575" y="5337824"/>
+              <a:ext cx="1435837" cy="690205"/>
+              <a:chOff x="3473980" y="2686347"/>
+              <a:chExt cx="1435837" cy="690205"/>
+            </a:xfrm>
+          </p:grpSpPr>
+          <p:sp>
+            <p:nvSpPr>
+              <p:cNvPr id="85" name="Content Placeholder 5"/>
+              <p:cNvSpPr txBox="1">
+                <a:spLocks/>
+              </p:cNvSpPr>
+              <p:nvPr/>
+            </p:nvSpPr>
+            <p:spPr>
+              <a:xfrm>
+                <a:off x="3473980" y="3092547"/>
+                <a:ext cx="1435837" cy="284005"/>
+              </a:xfrm>
+              <a:prstGeom prst="rect">
+                <a:avLst/>
+              </a:prstGeom>
+            </p:spPr>
+            <p:txBody>
+              <a:bodyPr anchor="t">
+                <a:noAutofit/>
+              </a:bodyPr>
+              <a:lstStyle>
+                <a:lvl1pPr marL="285750" indent="-285750" algn="l" defTabSz="457200" rtl="0" eaLnBrk="1" latinLnBrk="0" hangingPunct="1">
+                  <a:spcBef>
+                    <a:spcPct val="20000"/>
+                  </a:spcBef>
+                  <a:spcAft>
+                    <a:spcPts val="600"/>
+                  </a:spcAft>
+                  <a:buClr>
+                    <a:schemeClr val="accent1">
+                      <a:lumMod val="75000"/>
+                    </a:schemeClr>
+                  </a:buClr>
+                  <a:buSzPct val="145000"/>
+                  <a:buFont typeface="Arial"/>
+                  <a:buChar char="•"/>
+                  <a:defRPr sz="2400" kern="1200" cap="none">
+                    <a:solidFill>
+                      <a:schemeClr val="tx1"/>
+                    </a:solidFill>
+                    <a:effectLst/>
+                    <a:latin typeface="+mn-lt"/>
+                    <a:ea typeface="+mn-ea"/>
+                    <a:cs typeface="+mn-cs"/>
+                  </a:defRPr>
+                </a:lvl1pPr>
+                <a:lvl2pPr marL="742950" indent="-285750" algn="l" defTabSz="457200" rtl="0" eaLnBrk="1" latinLnBrk="0" hangingPunct="1">
+                  <a:spcBef>
+                    <a:spcPct val="20000"/>
+                  </a:spcBef>
+                  <a:spcAft>
+                    <a:spcPts val="600"/>
+                  </a:spcAft>
+                  <a:buClr>
+                    <a:schemeClr val="accent1">
+                      <a:lumMod val="75000"/>
+                    </a:schemeClr>
+                  </a:buClr>
+                  <a:buSzPct val="145000"/>
+                  <a:buFont typeface="Arial"/>
+                  <a:buChar char="•"/>
+                  <a:defRPr sz="2000" kern="1200" cap="none">
+                    <a:solidFill>
+                      <a:schemeClr val="tx1"/>
+                    </a:solidFill>
+                    <a:effectLst/>
+                    <a:latin typeface="+mn-lt"/>
+                    <a:ea typeface="+mn-ea"/>
+                    <a:cs typeface="+mn-cs"/>
+                  </a:defRPr>
+                </a:lvl2pPr>
+                <a:lvl3pPr marL="1200150" indent="-285750" algn="l" defTabSz="457200" rtl="0" eaLnBrk="1" latinLnBrk="0" hangingPunct="1">
+                  <a:spcBef>
+                    <a:spcPct val="20000"/>
+                  </a:spcBef>
+                  <a:spcAft>
+                    <a:spcPts val="600"/>
+                  </a:spcAft>
+                  <a:buClr>
+                    <a:schemeClr val="accent1">
+                      <a:lumMod val="75000"/>
+                    </a:schemeClr>
+                  </a:buClr>
+                  <a:buSzPct val="145000"/>
+                  <a:buFont typeface="Arial"/>
+                  <a:buChar char="•"/>
+                  <a:defRPr sz="1800" kern="1200" cap="none">
+                    <a:solidFill>
+                      <a:schemeClr val="tx1"/>
+                    </a:solidFill>
+                    <a:effectLst/>
+                    <a:latin typeface="+mn-lt"/>
+                    <a:ea typeface="+mn-ea"/>
+                    <a:cs typeface="+mn-cs"/>
+                  </a:defRPr>
+                </a:lvl3pPr>
+                <a:lvl4pPr marL="1543050" indent="-171450" algn="l" defTabSz="457200" rtl="0" eaLnBrk="1" latinLnBrk="0" hangingPunct="1">
+                  <a:spcBef>
+                    <a:spcPct val="20000"/>
+                  </a:spcBef>
+                  <a:spcAft>
+                    <a:spcPts val="600"/>
+                  </a:spcAft>
+                  <a:buClr>
+                    <a:schemeClr val="accent1">
+                      <a:lumMod val="75000"/>
+                    </a:schemeClr>
+                  </a:buClr>
+                  <a:buSzPct val="145000"/>
+                  <a:buFont typeface="Arial"/>
+                  <a:buChar char="•"/>
+                  <a:defRPr sz="1600" kern="1200" cap="none">
+                    <a:solidFill>
+                      <a:schemeClr val="tx1"/>
+                    </a:solidFill>
+                    <a:effectLst/>
+                    <a:latin typeface="+mn-lt"/>
+                    <a:ea typeface="+mn-ea"/>
+                    <a:cs typeface="+mn-cs"/>
+                  </a:defRPr>
+                </a:lvl4pPr>
+                <a:lvl5pPr marL="2000250" indent="-171450" algn="l" defTabSz="457200" rtl="0" eaLnBrk="1" latinLnBrk="0" hangingPunct="1">
+                  <a:spcBef>
+                    <a:spcPct val="20000"/>
+                  </a:spcBef>
+                  <a:spcAft>
+                    <a:spcPts val="600"/>
+                  </a:spcAft>
+                  <a:buClr>
+                    <a:schemeClr val="accent1">
+                      <a:lumMod val="75000"/>
+                    </a:schemeClr>
+                  </a:buClr>
+                  <a:buSzPct val="145000"/>
+                  <a:buFont typeface="Arial"/>
+                  <a:buChar char="•"/>
+                  <a:defRPr sz="1400" kern="1200" cap="none">
+                    <a:solidFill>
+                      <a:schemeClr val="tx1"/>
+                    </a:solidFill>
+                    <a:effectLst/>
+                    <a:latin typeface="+mn-lt"/>
+                    <a:ea typeface="+mn-ea"/>
+                    <a:cs typeface="+mn-cs"/>
+                  </a:defRPr>
+                </a:lvl5pPr>
+                <a:lvl6pPr marL="2514600" indent="-228600" algn="l" defTabSz="457200" rtl="0" eaLnBrk="1" latinLnBrk="0" hangingPunct="1">
+                  <a:spcBef>
+                    <a:spcPct val="20000"/>
+                  </a:spcBef>
+                  <a:spcAft>
+                    <a:spcPts val="600"/>
+                  </a:spcAft>
+                  <a:buClr>
+                    <a:schemeClr val="accent1">
+                      <a:lumMod val="75000"/>
+                    </a:schemeClr>
+                  </a:buClr>
+                  <a:buSzPct val="145000"/>
+                  <a:buFont typeface="Arial"/>
+                  <a:buChar char="•"/>
+                  <a:defRPr sz="1400" kern="1200" cap="none">
+                    <a:solidFill>
+                      <a:schemeClr val="tx1"/>
+                    </a:solidFill>
+                    <a:effectLst/>
+                    <a:latin typeface="+mn-lt"/>
+                    <a:ea typeface="+mn-ea"/>
+                    <a:cs typeface="+mn-cs"/>
+                  </a:defRPr>
+                </a:lvl6pPr>
+                <a:lvl7pPr marL="2971800" indent="-228600" algn="l" defTabSz="457200" rtl="0" eaLnBrk="1" latinLnBrk="0" hangingPunct="1">
+                  <a:spcBef>
+                    <a:spcPct val="20000"/>
+                  </a:spcBef>
+                  <a:spcAft>
+                    <a:spcPts val="600"/>
+                  </a:spcAft>
+                  <a:buClr>
+                    <a:schemeClr val="accent1">
+                      <a:lumMod val="75000"/>
+                    </a:schemeClr>
+                  </a:buClr>
+                  <a:buSzPct val="145000"/>
+                  <a:buFont typeface="Arial"/>
+                  <a:buChar char="•"/>
+                  <a:defRPr sz="1400" kern="1200" cap="none">
+                    <a:solidFill>
+                      <a:schemeClr val="tx1"/>
+                    </a:solidFill>
+                    <a:effectLst/>
+                    <a:latin typeface="+mn-lt"/>
+                    <a:ea typeface="+mn-ea"/>
+                    <a:cs typeface="+mn-cs"/>
+                  </a:defRPr>
+                </a:lvl7pPr>
+                <a:lvl8pPr marL="3429000" indent="-228600" algn="l" defTabSz="457200" rtl="0" eaLnBrk="1" latinLnBrk="0" hangingPunct="1">
+                  <a:spcBef>
+                    <a:spcPct val="20000"/>
+                  </a:spcBef>
+                  <a:spcAft>
+                    <a:spcPts val="600"/>
+                  </a:spcAft>
+                  <a:buClr>
+                    <a:schemeClr val="accent1">
+                      <a:lumMod val="75000"/>
+                    </a:schemeClr>
+                  </a:buClr>
+                  <a:buSzPct val="145000"/>
+                  <a:buFont typeface="Arial"/>
+                  <a:buChar char="•"/>
+                  <a:defRPr sz="1400" kern="1200" cap="none">
+                    <a:solidFill>
+                      <a:schemeClr val="tx1"/>
+                    </a:solidFill>
+                    <a:effectLst/>
+                    <a:latin typeface="+mn-lt"/>
+                    <a:ea typeface="+mn-ea"/>
+                    <a:cs typeface="+mn-cs"/>
+                  </a:defRPr>
+                </a:lvl8pPr>
+                <a:lvl9pPr marL="3886200" indent="-228600" algn="l" defTabSz="457200" rtl="0" eaLnBrk="1" latinLnBrk="0" hangingPunct="1">
+                  <a:spcBef>
+                    <a:spcPct val="20000"/>
+                  </a:spcBef>
+                  <a:spcAft>
+                    <a:spcPts val="600"/>
+                  </a:spcAft>
+                  <a:buClr>
+                    <a:schemeClr val="accent1">
+                      <a:lumMod val="75000"/>
+                    </a:schemeClr>
+                  </a:buClr>
+                  <a:buSzPct val="145000"/>
+                  <a:buFont typeface="Arial"/>
+                  <a:buChar char="•"/>
+                  <a:defRPr sz="1400" kern="1200" cap="none">
+                    <a:solidFill>
+                      <a:schemeClr val="tx1"/>
+                    </a:solidFill>
+                    <a:effectLst/>
+                    <a:latin typeface="+mn-lt"/>
+                    <a:ea typeface="+mn-ea"/>
+                    <a:cs typeface="+mn-cs"/>
+                  </a:defRPr>
+                </a:lvl9pPr>
+              </a:lstStyle>
+              <a:p>
+                <a:pPr marL="0" indent="0" algn="ctr">
+                  <a:buFont typeface="Arial"/>
+                  <a:buNone/>
+                </a:pPr>
+                <a:r>
+                  <a:rPr lang="en-GB" sz="1400" dirty="0"/>
+                  <a:t>Generate Popup</a:t>
+                </a:r>
+                <a:endParaRPr lang="de-DE" sz="1400" dirty="0"/>
+              </a:p>
+            </p:txBody>
+          </p:sp>
+          <p:pic>
+            <p:nvPicPr>
+              <p:cNvPr id="86" name="Picture 4" descr="https://cdn0.iconfinder.com/data/icons/HTML5/512/HTML_Logo.png"/>
+              <p:cNvPicPr>
+                <a:picLocks noChangeAspect="1" noChangeArrowheads="1"/>
+              </p:cNvPicPr>
+              <p:nvPr/>
+            </p:nvPicPr>
+            <p:blipFill>
+              <a:blip r:embed="rId8" cstate="print">
+                <a:extLst>
+                  <a:ext uri="{28A0092B-C50C-407E-A947-70E740481C1C}">
+                    <a14:useLocalDpi xmlns:a14="http://schemas.microsoft.com/office/drawing/2010/main" val="0"/>
+                  </a:ext>
+                </a:extLst>
+              </a:blip>
+              <a:srcRect/>
+              <a:stretch>
+                <a:fillRect/>
+              </a:stretch>
+            </p:blipFill>
+            <p:spPr bwMode="auto">
+              <a:xfrm>
+                <a:off x="3929051" y="2686347"/>
+                <a:ext cx="495120" cy="495120"/>
+              </a:xfrm>
+              <a:prstGeom prst="rect">
+                <a:avLst/>
+              </a:prstGeom>
+              <a:noFill/>
+              <a:extLst>
+                <a:ext uri="{909E8E84-426E-40DD-AFC4-6F175D3DCCD1}">
+                  <a14:hiddenFill xmlns:a14="http://schemas.microsoft.com/office/drawing/2010/main">
+                    <a:solidFill>
+                      <a:srgbClr val="FFFFFF"/>
+                    </a:solidFill>
+                  </a14:hiddenFill>
+                </a:ext>
+              </a:extLst>
+            </p:spPr>
+          </p:pic>
+        </p:grpSp>
+        <p:cxnSp>
+          <p:nvCxnSpPr>
+            <p:cNvPr id="87" name="Straight Arrow Connector 86"/>
+            <p:cNvCxnSpPr/>
+            <p:nvPr/>
+          </p:nvCxnSpPr>
           <p:spPr>
-            <a:xfrm>
-              <a:off x="2946928" y="2239651"/>
-              <a:ext cx="1558157" cy="284005"/>
+            <a:xfrm flipH="1">
+              <a:off x="2468510" y="6009269"/>
+              <a:ext cx="3439159" cy="26380"/>
             </a:xfrm>
-            <a:prstGeom prst="rect">
+            <a:prstGeom prst="straightConnector1">
               <a:avLst/>
             </a:prstGeom>
+            <a:ln w="38100">
+              <a:solidFill>
+                <a:schemeClr val="accent1">
+                  <a:lumMod val="50000"/>
+                </a:schemeClr>
+              </a:solidFill>
+              <a:tailEnd type="triangle"/>
+            </a:ln>
           </p:spPr>
-          <p:txBody>
-            <a:bodyPr anchor="t">
-              <a:noAutofit/>
-            </a:bodyPr>
-            <a:lstStyle>
-              <a:lvl1pPr marL="285750" indent="-285750" algn="l" defTabSz="457200" rtl="0" eaLnBrk="1" latinLnBrk="0" hangingPunct="1">
-                <a:spcBef>
-                  <a:spcPct val="20000"/>
-                </a:spcBef>
-                <a:spcAft>
-                  <a:spcPts val="600"/>
-                </a:spcAft>
-                <a:buClr>
-                  <a:schemeClr val="accent1">
-                    <a:lumMod val="75000"/>
-                  </a:schemeClr>
-                </a:buClr>
-                <a:buSzPct val="145000"/>
-                <a:buFont typeface="Arial"/>
-                <a:buChar char="•"/>
-                <a:defRPr sz="2400" kern="1200" cap="none">
-                  <a:solidFill>
-                    <a:schemeClr val="tx1"/>
-                  </a:solidFill>
-                  <a:effectLst/>
-                  <a:latin typeface="+mn-lt"/>
-                  <a:ea typeface="+mn-ea"/>
-                  <a:cs typeface="+mn-cs"/>
-                </a:defRPr>
-              </a:lvl1pPr>
-              <a:lvl2pPr marL="742950" indent="-285750" algn="l" defTabSz="457200" rtl="0" eaLnBrk="1" latinLnBrk="0" hangingPunct="1">
-                <a:spcBef>
-                  <a:spcPct val="20000"/>
-                </a:spcBef>
-                <a:spcAft>
-                  <a:spcPts val="600"/>
-                </a:spcAft>
-                <a:buClr>
-                  <a:schemeClr val="accent1">
-                    <a:lumMod val="75000"/>
-                  </a:schemeClr>
-                </a:buClr>
-                <a:buSzPct val="145000"/>
-                <a:buFont typeface="Arial"/>
-                <a:buChar char="•"/>
-                <a:defRPr sz="2000" kern="1200" cap="none">
-                  <a:solidFill>
-                    <a:schemeClr val="tx1"/>
-                  </a:solidFill>
-                  <a:effectLst/>
-                  <a:latin typeface="+mn-lt"/>
-                  <a:ea typeface="+mn-ea"/>
-                  <a:cs typeface="+mn-cs"/>
-                </a:defRPr>
-              </a:lvl2pPr>
-              <a:lvl3pPr marL="1200150" indent="-285750" algn="l" defTabSz="457200" rtl="0" eaLnBrk="1" latinLnBrk="0" hangingPunct="1">
-                <a:spcBef>
-                  <a:spcPct val="20000"/>
-                </a:spcBef>
-                <a:spcAft>
-                  <a:spcPts val="600"/>
-                </a:spcAft>
-                <a:buClr>
-                  <a:schemeClr val="accent1">
-                    <a:lumMod val="75000"/>
-                  </a:schemeClr>
-                </a:buClr>
-                <a:buSzPct val="145000"/>
-                <a:buFont typeface="Arial"/>
-                <a:buChar char="•"/>
-                <a:defRPr sz="1800" kern="1200" cap="none">
-                  <a:solidFill>
-                    <a:schemeClr val="tx1"/>
-                  </a:solidFill>
-                  <a:effectLst/>
-                  <a:latin typeface="+mn-lt"/>
-                  <a:ea typeface="+mn-ea"/>
-                  <a:cs typeface="+mn-cs"/>
-                </a:defRPr>
-              </a:lvl3pPr>
-              <a:lvl4pPr marL="1543050" indent="-171450" algn="l" defTabSz="457200" rtl="0" eaLnBrk="1" latinLnBrk="0" hangingPunct="1">
-                <a:spcBef>
-                  <a:spcPct val="20000"/>
-                </a:spcBef>
-                <a:spcAft>
-                  <a:spcPts val="600"/>
-                </a:spcAft>
-                <a:buClr>
-                  <a:schemeClr val="accent1">
-                    <a:lumMod val="75000"/>
-                  </a:schemeClr>
-                </a:buClr>
-                <a:buSzPct val="145000"/>
-                <a:buFont typeface="Arial"/>
-                <a:buChar char="•"/>
-                <a:defRPr sz="1600" kern="1200" cap="none">
-                  <a:solidFill>
-                    <a:schemeClr val="tx1"/>
-                  </a:solidFill>
-                  <a:effectLst/>
-                  <a:latin typeface="+mn-lt"/>
-                  <a:ea typeface="+mn-ea"/>
-                  <a:cs typeface="+mn-cs"/>
-                </a:defRPr>
-              </a:lvl4pPr>
-              <a:lvl5pPr marL="2000250" indent="-171450" algn="l" defTabSz="457200" rtl="0" eaLnBrk="1" latinLnBrk="0" hangingPunct="1">
-                <a:spcBef>
-                  <a:spcPct val="20000"/>
-                </a:spcBef>
-                <a:spcAft>
-                  <a:spcPts val="600"/>
-                </a:spcAft>
-                <a:buClr>
-                  <a:schemeClr val="accent1">
-                    <a:lumMod val="75000"/>
-                  </a:schemeClr>
-                </a:buClr>
-                <a:buSzPct val="145000"/>
-                <a:buFont typeface="Arial"/>
-                <a:buChar char="•"/>
-                <a:defRPr sz="1400" kern="1200" cap="none">
-                  <a:solidFill>
-                    <a:schemeClr val="tx1"/>
-                  </a:solidFill>
-                  <a:effectLst/>
-                  <a:latin typeface="+mn-lt"/>
-                  <a:ea typeface="+mn-ea"/>
-                  <a:cs typeface="+mn-cs"/>
-                </a:defRPr>
-              </a:lvl5pPr>
-              <a:lvl6pPr marL="2514600" indent="-228600" algn="l" defTabSz="457200" rtl="0" eaLnBrk="1" latinLnBrk="0" hangingPunct="1">
-                <a:spcBef>
-                  <a:spcPct val="20000"/>
-                </a:spcBef>
-                <a:spcAft>
-                  <a:spcPts val="600"/>
-                </a:spcAft>
-                <a:buClr>
-                  <a:schemeClr val="accent1">
-                    <a:lumMod val="75000"/>
-                  </a:schemeClr>
-                </a:buClr>
-                <a:buSzPct val="145000"/>
-                <a:buFont typeface="Arial"/>
-                <a:buChar char="•"/>
-                <a:defRPr sz="1400" kern="1200" cap="none">
-                  <a:solidFill>
-                    <a:schemeClr val="tx1"/>
-                  </a:solidFill>
-                  <a:effectLst/>
-                  <a:latin typeface="+mn-lt"/>
-                  <a:ea typeface="+mn-ea"/>
-                  <a:cs typeface="+mn-cs"/>
-                </a:defRPr>
-              </a:lvl6pPr>
-              <a:lvl7pPr marL="2971800" indent="-228600" algn="l" defTabSz="457200" rtl="0" eaLnBrk="1" latinLnBrk="0" hangingPunct="1">
-                <a:spcBef>
-                  <a:spcPct val="20000"/>
-                </a:spcBef>
-                <a:spcAft>
-                  <a:spcPts val="600"/>
-                </a:spcAft>
-                <a:buClr>
-                  <a:schemeClr val="accent1">
-                    <a:lumMod val="75000"/>
-                  </a:schemeClr>
-                </a:buClr>
-                <a:buSzPct val="145000"/>
-                <a:buFont typeface="Arial"/>
-                <a:buChar char="•"/>
-                <a:defRPr sz="1400" kern="1200" cap="none">
-                  <a:solidFill>
-                    <a:schemeClr val="tx1"/>
-                  </a:solidFill>
-                  <a:effectLst/>
-                  <a:latin typeface="+mn-lt"/>
-                  <a:ea typeface="+mn-ea"/>
-                  <a:cs typeface="+mn-cs"/>
-                </a:defRPr>
-              </a:lvl7pPr>
-              <a:lvl8pPr marL="3429000" indent="-228600" algn="l" defTabSz="457200" rtl="0" eaLnBrk="1" latinLnBrk="0" hangingPunct="1">
-                <a:spcBef>
-                  <a:spcPct val="20000"/>
-                </a:spcBef>
-                <a:spcAft>
-                  <a:spcPts val="600"/>
-                </a:spcAft>
-                <a:buClr>
-                  <a:schemeClr val="accent1">
-                    <a:lumMod val="75000"/>
-                  </a:schemeClr>
-                </a:buClr>
-                <a:buSzPct val="145000"/>
-                <a:buFont typeface="Arial"/>
-                <a:buChar char="•"/>
-                <a:defRPr sz="1400" kern="1200" cap="none">
-                  <a:solidFill>
-                    <a:schemeClr val="tx1"/>
-                  </a:solidFill>
-                  <a:effectLst/>
-                  <a:latin typeface="+mn-lt"/>
-                  <a:ea typeface="+mn-ea"/>
-                  <a:cs typeface="+mn-cs"/>
-                </a:defRPr>
-              </a:lvl8pPr>
-              <a:lvl9pPr marL="3886200" indent="-228600" algn="l" defTabSz="457200" rtl="0" eaLnBrk="1" latinLnBrk="0" hangingPunct="1">
-                <a:spcBef>
-                  <a:spcPct val="20000"/>
-                </a:spcBef>
-                <a:spcAft>
-                  <a:spcPts val="600"/>
-                </a:spcAft>
-                <a:buClr>
-                  <a:schemeClr val="accent1">
-                    <a:lumMod val="75000"/>
-                  </a:schemeClr>
-                </a:buClr>
-                <a:buSzPct val="145000"/>
-                <a:buFont typeface="Arial"/>
-                <a:buChar char="•"/>
-                <a:defRPr sz="1400" kern="1200" cap="none">
-                  <a:solidFill>
-                    <a:schemeClr val="tx1"/>
-                  </a:solidFill>
-                  <a:effectLst/>
-                  <a:latin typeface="+mn-lt"/>
-                  <a:ea typeface="+mn-ea"/>
-                  <a:cs typeface="+mn-cs"/>
-                </a:defRPr>
-              </a:lvl9pPr>
-            </a:lstStyle>
-            <a:p>
-              <a:pPr marL="0" indent="0" algn="ctr">
-                <a:buFont typeface="Arial"/>
-                <a:buNone/>
-              </a:pPr>
-              <a:r>
-                <a:rPr lang="en-GB" sz="1400" dirty="0"/>
-                <a:t>Background script</a:t>
-              </a:r>
-              <a:endParaRPr lang="de-DE" sz="1400" dirty="0"/>
-            </a:p>
-          </p:txBody>
-        </p:sp>
-        <p:pic>
-          <p:nvPicPr>
-            <p:cNvPr id="1030" name="Picture 6" descr="http://dev.bowdenweb.com/a/i/js/icons/javascript-icon-512-04.png"/>
-            <p:cNvPicPr>
-              <a:picLocks noChangeAspect="1" noChangeArrowheads="1"/>
-            </p:cNvPicPr>
-            <p:nvPr/>
-          </p:nvPicPr>
-          <p:blipFill>
-            <a:blip r:embed="rId9" cstate="print">
-              <a:extLst>
-                <a:ext uri="{28A0092B-C50C-407E-A947-70E740481C1C}">
-                  <a14:useLocalDpi xmlns:a14="http://schemas.microsoft.com/office/drawing/2010/main" val="0"/>
-                </a:ext>
-              </a:extLst>
-            </a:blip>
-            <a:srcRect/>
-            <a:stretch>
-              <a:fillRect/>
-            </a:stretch>
-          </p:blipFill>
-          <p:spPr bwMode="auto">
-            <a:xfrm>
-              <a:off x="3479472" y="1789542"/>
-              <a:ext cx="450109" cy="450109"/>
-            </a:xfrm>
-            <a:prstGeom prst="rect">
-              <a:avLst/>
-            </a:prstGeom>
-            <a:noFill/>
-            <a:extLst>
-              <a:ext uri="{909E8E84-426E-40DD-AFC4-6F175D3DCCD1}">
-                <a14:hiddenFill xmlns:a14="http://schemas.microsoft.com/office/drawing/2010/main">
-                  <a:solidFill>
-                    <a:srgbClr val="FFFFFF"/>
-                  </a:solidFill>
-                </a14:hiddenFill>
-              </a:ext>
-            </a:extLst>
-          </p:spPr>
-        </p:pic>
+          <p:style>
+            <a:lnRef idx="1">
+              <a:schemeClr val="accent1"/>
+            </a:lnRef>
+            <a:fillRef idx="0">
+              <a:schemeClr val="accent1"/>
+            </a:fillRef>
+            <a:effectRef idx="0">
+              <a:schemeClr val="accent1"/>
+            </a:effectRef>
+            <a:fontRef idx="minor">
+              <a:schemeClr val="tx1"/>
+            </a:fontRef>
+          </p:style>
+        </p:cxnSp>
       </p:grpSp>
-      <p:grpSp>
-        <p:nvGrpSpPr>
-          <p:cNvPr id="84" name="Group 83"/>
-          <p:cNvGrpSpPr/>
-          <p:nvPr/>
-        </p:nvGrpSpPr>
-        <p:grpSpPr>
-          <a:xfrm>
-            <a:off x="3503575" y="4976302"/>
-            <a:ext cx="1435837" cy="690205"/>
-            <a:chOff x="3473980" y="2686347"/>
-            <a:chExt cx="1435837" cy="690205"/>
-          </a:xfrm>
-        </p:grpSpPr>
-        <p:sp>
-          <p:nvSpPr>
-            <p:cNvPr id="85" name="Content Placeholder 5"/>
-            <p:cNvSpPr txBox="1">
-              <a:spLocks/>
-            </p:cNvSpPr>
-            <p:nvPr/>
-          </p:nvSpPr>
-          <p:spPr>
-            <a:xfrm>
-              <a:off x="3473980" y="3092547"/>
-              <a:ext cx="1435837" cy="284005"/>
-            </a:xfrm>
-            <a:prstGeom prst="rect">
-              <a:avLst/>
-            </a:prstGeom>
-          </p:spPr>
-          <p:txBody>
-            <a:bodyPr anchor="t">
-              <a:noAutofit/>
-            </a:bodyPr>
-            <a:lstStyle>
-              <a:lvl1pPr marL="285750" indent="-285750" algn="l" defTabSz="457200" rtl="0" eaLnBrk="1" latinLnBrk="0" hangingPunct="1">
-                <a:spcBef>
-                  <a:spcPct val="20000"/>
-                </a:spcBef>
-                <a:spcAft>
-                  <a:spcPts val="600"/>
-                </a:spcAft>
-                <a:buClr>
-                  <a:schemeClr val="accent1">
-                    <a:lumMod val="75000"/>
-                  </a:schemeClr>
-                </a:buClr>
-                <a:buSzPct val="145000"/>
-                <a:buFont typeface="Arial"/>
-                <a:buChar char="•"/>
-                <a:defRPr sz="2400" kern="1200" cap="none">
-                  <a:solidFill>
-                    <a:schemeClr val="tx1"/>
-                  </a:solidFill>
-                  <a:effectLst/>
-                  <a:latin typeface="+mn-lt"/>
-                  <a:ea typeface="+mn-ea"/>
-                  <a:cs typeface="+mn-cs"/>
-                </a:defRPr>
-              </a:lvl1pPr>
-              <a:lvl2pPr marL="742950" indent="-285750" algn="l" defTabSz="457200" rtl="0" eaLnBrk="1" latinLnBrk="0" hangingPunct="1">
-                <a:spcBef>
-                  <a:spcPct val="20000"/>
-                </a:spcBef>
-                <a:spcAft>
-                  <a:spcPts val="600"/>
-                </a:spcAft>
-                <a:buClr>
-                  <a:schemeClr val="accent1">
-                    <a:lumMod val="75000"/>
-                  </a:schemeClr>
-                </a:buClr>
-                <a:buSzPct val="145000"/>
-                <a:buFont typeface="Arial"/>
-                <a:buChar char="•"/>
-                <a:defRPr sz="2000" kern="1200" cap="none">
-                  <a:solidFill>
-                    <a:schemeClr val="tx1"/>
-                  </a:solidFill>
-                  <a:effectLst/>
-                  <a:latin typeface="+mn-lt"/>
-                  <a:ea typeface="+mn-ea"/>
-                  <a:cs typeface="+mn-cs"/>
-                </a:defRPr>
-              </a:lvl2pPr>
-              <a:lvl3pPr marL="1200150" indent="-285750" algn="l" defTabSz="457200" rtl="0" eaLnBrk="1" latinLnBrk="0" hangingPunct="1">
-                <a:spcBef>
-                  <a:spcPct val="20000"/>
-                </a:spcBef>
-                <a:spcAft>
-                  <a:spcPts val="600"/>
-                </a:spcAft>
-                <a:buClr>
-                  <a:schemeClr val="accent1">
-                    <a:lumMod val="75000"/>
-                  </a:schemeClr>
-                </a:buClr>
-                <a:buSzPct val="145000"/>
-                <a:buFont typeface="Arial"/>
-                <a:buChar char="•"/>
-                <a:defRPr sz="1800" kern="1200" cap="none">
-                  <a:solidFill>
-                    <a:schemeClr val="tx1"/>
-                  </a:solidFill>
-                  <a:effectLst/>
-                  <a:latin typeface="+mn-lt"/>
-                  <a:ea typeface="+mn-ea"/>
-                  <a:cs typeface="+mn-cs"/>
-                </a:defRPr>
-              </a:lvl3pPr>
-              <a:lvl4pPr marL="1543050" indent="-171450" algn="l" defTabSz="457200" rtl="0" eaLnBrk="1" latinLnBrk="0" hangingPunct="1">
-                <a:spcBef>
-                  <a:spcPct val="20000"/>
-                </a:spcBef>
-                <a:spcAft>
-                  <a:spcPts val="600"/>
-                </a:spcAft>
-                <a:buClr>
-                  <a:schemeClr val="accent1">
-                    <a:lumMod val="75000"/>
-                  </a:schemeClr>
-                </a:buClr>
-                <a:buSzPct val="145000"/>
-                <a:buFont typeface="Arial"/>
-                <a:buChar char="•"/>
-                <a:defRPr sz="1600" kern="1200" cap="none">
-                  <a:solidFill>
-                    <a:schemeClr val="tx1"/>
-                  </a:solidFill>
-                  <a:effectLst/>
-                  <a:latin typeface="+mn-lt"/>
-                  <a:ea typeface="+mn-ea"/>
-                  <a:cs typeface="+mn-cs"/>
-                </a:defRPr>
-              </a:lvl4pPr>
-              <a:lvl5pPr marL="2000250" indent="-171450" algn="l" defTabSz="457200" rtl="0" eaLnBrk="1" latinLnBrk="0" hangingPunct="1">
-                <a:spcBef>
-                  <a:spcPct val="20000"/>
-                </a:spcBef>
-                <a:spcAft>
-                  <a:spcPts val="600"/>
-                </a:spcAft>
-                <a:buClr>
-                  <a:schemeClr val="accent1">
-                    <a:lumMod val="75000"/>
-                  </a:schemeClr>
-                </a:buClr>
-                <a:buSzPct val="145000"/>
-                <a:buFont typeface="Arial"/>
-                <a:buChar char="•"/>
-                <a:defRPr sz="1400" kern="1200" cap="none">
-                  <a:solidFill>
-                    <a:schemeClr val="tx1"/>
-                  </a:solidFill>
-                  <a:effectLst/>
-                  <a:latin typeface="+mn-lt"/>
-                  <a:ea typeface="+mn-ea"/>
-                  <a:cs typeface="+mn-cs"/>
-                </a:defRPr>
-              </a:lvl5pPr>
-              <a:lvl6pPr marL="2514600" indent="-228600" algn="l" defTabSz="457200" rtl="0" eaLnBrk="1" latinLnBrk="0" hangingPunct="1">
-                <a:spcBef>
-                  <a:spcPct val="20000"/>
-                </a:spcBef>
-                <a:spcAft>
-                  <a:spcPts val="600"/>
-                </a:spcAft>
-                <a:buClr>
-                  <a:schemeClr val="accent1">
-                    <a:lumMod val="75000"/>
-                  </a:schemeClr>
-                </a:buClr>
-                <a:buSzPct val="145000"/>
-                <a:buFont typeface="Arial"/>
-                <a:buChar char="•"/>
-                <a:defRPr sz="1400" kern="1200" cap="none">
-                  <a:solidFill>
-                    <a:schemeClr val="tx1"/>
-                  </a:solidFill>
-                  <a:effectLst/>
-                  <a:latin typeface="+mn-lt"/>
-                  <a:ea typeface="+mn-ea"/>
-                  <a:cs typeface="+mn-cs"/>
-                </a:defRPr>
-              </a:lvl6pPr>
-              <a:lvl7pPr marL="2971800" indent="-228600" algn="l" defTabSz="457200" rtl="0" eaLnBrk="1" latinLnBrk="0" hangingPunct="1">
-                <a:spcBef>
-                  <a:spcPct val="20000"/>
-                </a:spcBef>
-                <a:spcAft>
-                  <a:spcPts val="600"/>
-                </a:spcAft>
-                <a:buClr>
-                  <a:schemeClr val="accent1">
-                    <a:lumMod val="75000"/>
-                  </a:schemeClr>
-                </a:buClr>
-                <a:buSzPct val="145000"/>
-                <a:buFont typeface="Arial"/>
-                <a:buChar char="•"/>
-                <a:defRPr sz="1400" kern="1200" cap="none">
-                  <a:solidFill>
-                    <a:schemeClr val="tx1"/>
-                  </a:solidFill>
-                  <a:effectLst/>
-                  <a:latin typeface="+mn-lt"/>
-                  <a:ea typeface="+mn-ea"/>
-                  <a:cs typeface="+mn-cs"/>
-                </a:defRPr>
-              </a:lvl7pPr>
-              <a:lvl8pPr marL="3429000" indent="-228600" algn="l" defTabSz="457200" rtl="0" eaLnBrk="1" latinLnBrk="0" hangingPunct="1">
-                <a:spcBef>
-                  <a:spcPct val="20000"/>
-                </a:spcBef>
-                <a:spcAft>
-                  <a:spcPts val="600"/>
-                </a:spcAft>
-                <a:buClr>
-                  <a:schemeClr val="accent1">
-                    <a:lumMod val="75000"/>
-                  </a:schemeClr>
-                </a:buClr>
-                <a:buSzPct val="145000"/>
-                <a:buFont typeface="Arial"/>
-                <a:buChar char="•"/>
-                <a:defRPr sz="1400" kern="1200" cap="none">
-                  <a:solidFill>
-                    <a:schemeClr val="tx1"/>
-                  </a:solidFill>
-                  <a:effectLst/>
-                  <a:latin typeface="+mn-lt"/>
-                  <a:ea typeface="+mn-ea"/>
-                  <a:cs typeface="+mn-cs"/>
-                </a:defRPr>
-              </a:lvl8pPr>
-              <a:lvl9pPr marL="3886200" indent="-228600" algn="l" defTabSz="457200" rtl="0" eaLnBrk="1" latinLnBrk="0" hangingPunct="1">
-                <a:spcBef>
-                  <a:spcPct val="20000"/>
-                </a:spcBef>
-                <a:spcAft>
-                  <a:spcPts val="600"/>
-                </a:spcAft>
-                <a:buClr>
-                  <a:schemeClr val="accent1">
-                    <a:lumMod val="75000"/>
-                  </a:schemeClr>
-                </a:buClr>
-                <a:buSzPct val="145000"/>
-                <a:buFont typeface="Arial"/>
-                <a:buChar char="•"/>
-                <a:defRPr sz="1400" kern="1200" cap="none">
-                  <a:solidFill>
-                    <a:schemeClr val="tx1"/>
-                  </a:solidFill>
-                  <a:effectLst/>
-                  <a:latin typeface="+mn-lt"/>
-                  <a:ea typeface="+mn-ea"/>
-                  <a:cs typeface="+mn-cs"/>
-                </a:defRPr>
-              </a:lvl9pPr>
-            </a:lstStyle>
-            <a:p>
-              <a:pPr marL="0" indent="0" algn="ctr">
-                <a:buFont typeface="Arial"/>
-                <a:buNone/>
-              </a:pPr>
-              <a:r>
-                <a:rPr lang="en-GB" sz="1400" dirty="0"/>
-                <a:t>Generate Popup</a:t>
-              </a:r>
-              <a:endParaRPr lang="de-DE" sz="1400" dirty="0"/>
-            </a:p>
-          </p:txBody>
-        </p:sp>
-        <p:pic>
-          <p:nvPicPr>
-            <p:cNvPr id="86" name="Picture 4" descr="https://cdn0.iconfinder.com/data/icons/HTML5/512/HTML_Logo.png"/>
-            <p:cNvPicPr>
-              <a:picLocks noChangeAspect="1" noChangeArrowheads="1"/>
-            </p:cNvPicPr>
-            <p:nvPr/>
-          </p:nvPicPr>
-          <p:blipFill>
-            <a:blip r:embed="rId8" cstate="print">
-              <a:extLst>
-                <a:ext uri="{28A0092B-C50C-407E-A947-70E740481C1C}">
-                  <a14:useLocalDpi xmlns:a14="http://schemas.microsoft.com/office/drawing/2010/main" val="0"/>
-                </a:ext>
-              </a:extLst>
-            </a:blip>
-            <a:srcRect/>
-            <a:stretch>
-              <a:fillRect/>
-            </a:stretch>
-          </p:blipFill>
-          <p:spPr bwMode="auto">
-            <a:xfrm>
-              <a:off x="3929051" y="2686347"/>
-              <a:ext cx="495120" cy="495120"/>
-            </a:xfrm>
-            <a:prstGeom prst="rect">
-              <a:avLst/>
-            </a:prstGeom>
-            <a:noFill/>
-            <a:extLst>
-              <a:ext uri="{909E8E84-426E-40DD-AFC4-6F175D3DCCD1}">
-                <a14:hiddenFill xmlns:a14="http://schemas.microsoft.com/office/drawing/2010/main">
-                  <a:solidFill>
-                    <a:srgbClr val="FFFFFF"/>
-                  </a:solidFill>
-                </a14:hiddenFill>
-              </a:ext>
-            </a:extLst>
-          </p:spPr>
-        </p:pic>
-      </p:grpSp>
-      <p:cxnSp>
-        <p:nvCxnSpPr>
-          <p:cNvPr id="87" name="Straight Arrow Connector 86"/>
-          <p:cNvCxnSpPr/>
-          <p:nvPr/>
-        </p:nvCxnSpPr>
-        <p:spPr>
-          <a:xfrm flipH="1">
-            <a:off x="2468510" y="5647747"/>
-            <a:ext cx="3439159" cy="26380"/>
-          </a:xfrm>
-          <a:prstGeom prst="straightConnector1">
-            <a:avLst/>
-          </a:prstGeom>
-          <a:ln w="38100">
-            <a:solidFill>
-              <a:schemeClr val="accent1">
-                <a:lumMod val="50000"/>
-              </a:schemeClr>
-            </a:solidFill>
-            <a:tailEnd type="triangle"/>
-          </a:ln>
-        </p:spPr>
-        <p:style>
-          <a:lnRef idx="1">
-            <a:schemeClr val="accent1"/>
-          </a:lnRef>
-          <a:fillRef idx="0">
-            <a:schemeClr val="accent1"/>
-          </a:fillRef>
-          <a:effectRef idx="0">
-            <a:schemeClr val="accent1"/>
-          </a:effectRef>
-          <a:fontRef idx="minor">
-            <a:schemeClr val="tx1"/>
-          </a:fontRef>
-        </p:style>
-      </p:cxnSp>
-      <p:cxnSp>
-        <p:nvCxnSpPr>
-          <p:cNvPr id="91" name="Straight Arrow Connector 90"/>
-          <p:cNvCxnSpPr/>
-          <p:nvPr/>
-        </p:nvCxnSpPr>
-        <p:spPr>
-          <a:xfrm flipH="1" flipV="1">
-            <a:off x="7524141" y="5467706"/>
-            <a:ext cx="1924012" cy="1"/>
-          </a:xfrm>
-          <a:prstGeom prst="straightConnector1">
-            <a:avLst/>
-          </a:prstGeom>
-          <a:ln w="38100">
-            <a:solidFill>
-              <a:schemeClr val="accent1">
-                <a:lumMod val="50000"/>
-              </a:schemeClr>
-            </a:solidFill>
-            <a:tailEnd type="triangle"/>
-          </a:ln>
-        </p:spPr>
-        <p:style>
-          <a:lnRef idx="1">
-            <a:schemeClr val="accent1"/>
-          </a:lnRef>
-          <a:fillRef idx="0">
-            <a:schemeClr val="accent1"/>
-          </a:fillRef>
-          <a:effectRef idx="0">
-            <a:schemeClr val="accent1"/>
-          </a:effectRef>
-          <a:fontRef idx="minor">
-            <a:schemeClr val="tx1"/>
-          </a:fontRef>
-        </p:style>
-      </p:cxnSp>
-      <p:grpSp>
-        <p:nvGrpSpPr>
-          <p:cNvPr id="92" name="Group 91"/>
-          <p:cNvGrpSpPr/>
-          <p:nvPr/>
-        </p:nvGrpSpPr>
-        <p:grpSpPr>
-          <a:xfrm>
-            <a:off x="7758109" y="4667024"/>
-            <a:ext cx="1433421" cy="800686"/>
-            <a:chOff x="7758109" y="4667024"/>
-            <a:chExt cx="1433421" cy="800686"/>
-          </a:xfrm>
-        </p:grpSpPr>
-        <p:pic>
-          <p:nvPicPr>
-            <p:cNvPr id="82" name="Picture 4" descr="City hall building Free Icon"/>
-            <p:cNvPicPr>
-              <a:picLocks noChangeAspect="1" noChangeArrowheads="1"/>
-            </p:cNvPicPr>
-            <p:nvPr/>
-          </p:nvPicPr>
-          <p:blipFill>
-            <a:blip r:embed="rId10" cstate="print">
-              <a:extLst>
-                <a:ext uri="{BEBA8EAE-BF5A-486C-A8C5-ECC9F3942E4B}">
-                  <a14:imgProps xmlns:a14="http://schemas.microsoft.com/office/drawing/2010/main">
-                    <a14:imgLayer r:embed="rId11">
-                      <a14:imgEffect>
-                        <a14:backgroundRemoval t="9425" b="94089" l="0" r="100000">
-                          <a14:foregroundMark x1="5272" y1="63419" x2="5272" y2="63419"/>
-                          <a14:foregroundMark x1="40096" y1="85144" x2="40096" y2="85144"/>
-                          <a14:foregroundMark x1="87700" y1="79233" x2="87700" y2="79233"/>
-                        </a14:backgroundRemoval>
-                      </a14:imgEffect>
-                    </a14:imgLayer>
-                  </a14:imgProps>
-                </a:ext>
-                <a:ext uri="{28A0092B-C50C-407E-A947-70E740481C1C}">
-                  <a14:useLocalDpi xmlns:a14="http://schemas.microsoft.com/office/drawing/2010/main" val="0"/>
-                </a:ext>
-              </a:extLst>
-            </a:blip>
-            <a:srcRect/>
-            <a:stretch>
-              <a:fillRect/>
-            </a:stretch>
-          </p:blipFill>
-          <p:spPr bwMode="auto">
-            <a:xfrm>
-              <a:off x="7899596" y="4667024"/>
-              <a:ext cx="670936" cy="670936"/>
-            </a:xfrm>
-            <a:prstGeom prst="rect">
-              <a:avLst/>
-            </a:prstGeom>
-            <a:noFill/>
-          </p:spPr>
-        </p:pic>
-        <p:pic>
-          <p:nvPicPr>
-            <p:cNvPr id="83" name="Grafik 52" descr="Benutzer"/>
-            <p:cNvPicPr>
-              <a:picLocks noChangeAspect="1"/>
-            </p:cNvPicPr>
-            <p:nvPr/>
-          </p:nvPicPr>
-          <p:blipFill>
-            <a:blip r:embed="rId12" cstate="print">
-              <a:extLst>
-                <a:ext uri="{28A0092B-C50C-407E-A947-70E740481C1C}">
-                  <a14:useLocalDpi xmlns:a14="http://schemas.microsoft.com/office/drawing/2010/main" val="0"/>
-                </a:ext>
-                <a:ext uri="{96DAC541-7B7A-43D3-8B79-37D633B846F1}">
-                  <asvg:svgBlip xmlns:asvg="http://schemas.microsoft.com/office/drawing/2016/SVG/main" r:embed="rId13"/>
-                </a:ext>
-              </a:extLst>
-            </a:blip>
-            <a:stretch>
-              <a:fillRect/>
-            </a:stretch>
-          </p:blipFill>
-          <p:spPr>
-            <a:xfrm>
-              <a:off x="8497799" y="4742591"/>
-              <a:ext cx="610815" cy="610815"/>
-            </a:xfrm>
-            <a:prstGeom prst="rect">
-              <a:avLst/>
-            </a:prstGeom>
-          </p:spPr>
-        </p:pic>
-        <p:sp>
-          <p:nvSpPr>
-            <p:cNvPr id="95" name="TextBox 94"/>
-            <p:cNvSpPr txBox="1"/>
-            <p:nvPr/>
-          </p:nvSpPr>
-          <p:spPr>
-            <a:xfrm>
-              <a:off x="7758109" y="5199215"/>
-              <a:ext cx="1433421" cy="268495"/>
-            </a:xfrm>
-            <a:prstGeom prst="rect">
-              <a:avLst/>
-            </a:prstGeom>
-            <a:noFill/>
-          </p:spPr>
-          <p:txBody>
-            <a:bodyPr wrap="square" rtlCol="0">
-              <a:spAutoFit/>
-            </a:bodyPr>
-            <a:lstStyle/>
-            <a:p>
-              <a:pPr algn="ctr"/>
-              <a:r>
-                <a:rPr lang="en-GB" sz="1400" dirty="0"/>
-                <a:t>Named entities</a:t>
-              </a:r>
-              <a:endParaRPr lang="de-DE" sz="1400" dirty="0"/>
-            </a:p>
-          </p:txBody>
-        </p:sp>
-      </p:grpSp>
-      <p:grpSp>
-        <p:nvGrpSpPr>
-          <p:cNvPr id="97" name="Group 96"/>
-          <p:cNvGrpSpPr/>
-          <p:nvPr/>
-        </p:nvGrpSpPr>
-        <p:grpSpPr>
-          <a:xfrm>
-            <a:off x="5900049" y="3190992"/>
-            <a:ext cx="1558157" cy="969753"/>
-            <a:chOff x="2946928" y="1582478"/>
-            <a:chExt cx="1558157" cy="969753"/>
-          </a:xfrm>
-        </p:grpSpPr>
-        <p:sp>
-          <p:nvSpPr>
-            <p:cNvPr id="98" name="Content Placeholder 5"/>
-            <p:cNvSpPr txBox="1">
-              <a:spLocks/>
-            </p:cNvSpPr>
-            <p:nvPr/>
-          </p:nvSpPr>
-          <p:spPr>
-            <a:xfrm>
-              <a:off x="2946928" y="2268226"/>
-              <a:ext cx="1558157" cy="284005"/>
-            </a:xfrm>
-            <a:prstGeom prst="rect">
-              <a:avLst/>
-            </a:prstGeom>
-          </p:spPr>
-          <p:txBody>
-            <a:bodyPr anchor="t">
-              <a:noAutofit/>
-            </a:bodyPr>
-            <a:lstStyle>
-              <a:lvl1pPr marL="285750" indent="-285750" algn="l" defTabSz="457200" rtl="0" eaLnBrk="1" latinLnBrk="0" hangingPunct="1">
-                <a:spcBef>
-                  <a:spcPct val="20000"/>
-                </a:spcBef>
-                <a:spcAft>
-                  <a:spcPts val="600"/>
-                </a:spcAft>
-                <a:buClr>
-                  <a:schemeClr val="accent1">
-                    <a:lumMod val="75000"/>
-                  </a:schemeClr>
-                </a:buClr>
-                <a:buSzPct val="145000"/>
-                <a:buFont typeface="Arial"/>
-                <a:buChar char="•"/>
-                <a:defRPr sz="2400" kern="1200" cap="none">
-                  <a:solidFill>
-                    <a:schemeClr val="tx1"/>
-                  </a:solidFill>
-                  <a:effectLst/>
-                  <a:latin typeface="+mn-lt"/>
-                  <a:ea typeface="+mn-ea"/>
-                  <a:cs typeface="+mn-cs"/>
-                </a:defRPr>
-              </a:lvl1pPr>
-              <a:lvl2pPr marL="742950" indent="-285750" algn="l" defTabSz="457200" rtl="0" eaLnBrk="1" latinLnBrk="0" hangingPunct="1">
-                <a:spcBef>
-                  <a:spcPct val="20000"/>
-                </a:spcBef>
-                <a:spcAft>
-                  <a:spcPts val="600"/>
-                </a:spcAft>
-                <a:buClr>
-                  <a:schemeClr val="accent1">
-                    <a:lumMod val="75000"/>
-                  </a:schemeClr>
-                </a:buClr>
-                <a:buSzPct val="145000"/>
-                <a:buFont typeface="Arial"/>
-                <a:buChar char="•"/>
-                <a:defRPr sz="2000" kern="1200" cap="none">
-                  <a:solidFill>
-                    <a:schemeClr val="tx1"/>
-                  </a:solidFill>
-                  <a:effectLst/>
-                  <a:latin typeface="+mn-lt"/>
-                  <a:ea typeface="+mn-ea"/>
-                  <a:cs typeface="+mn-cs"/>
-                </a:defRPr>
-              </a:lvl2pPr>
-              <a:lvl3pPr marL="1200150" indent="-285750" algn="l" defTabSz="457200" rtl="0" eaLnBrk="1" latinLnBrk="0" hangingPunct="1">
-                <a:spcBef>
-                  <a:spcPct val="20000"/>
-                </a:spcBef>
-                <a:spcAft>
-                  <a:spcPts val="600"/>
-                </a:spcAft>
-                <a:buClr>
-                  <a:schemeClr val="accent1">
-                    <a:lumMod val="75000"/>
-                  </a:schemeClr>
-                </a:buClr>
-                <a:buSzPct val="145000"/>
-                <a:buFont typeface="Arial"/>
-                <a:buChar char="•"/>
-                <a:defRPr sz="1800" kern="1200" cap="none">
-                  <a:solidFill>
-                    <a:schemeClr val="tx1"/>
-                  </a:solidFill>
-                  <a:effectLst/>
-                  <a:latin typeface="+mn-lt"/>
-                  <a:ea typeface="+mn-ea"/>
-                  <a:cs typeface="+mn-cs"/>
-                </a:defRPr>
-              </a:lvl3pPr>
-              <a:lvl4pPr marL="1543050" indent="-171450" algn="l" defTabSz="457200" rtl="0" eaLnBrk="1" latinLnBrk="0" hangingPunct="1">
-                <a:spcBef>
-                  <a:spcPct val="20000"/>
-                </a:spcBef>
-                <a:spcAft>
-                  <a:spcPts val="600"/>
-                </a:spcAft>
-                <a:buClr>
-                  <a:schemeClr val="accent1">
-                    <a:lumMod val="75000"/>
-                  </a:schemeClr>
-                </a:buClr>
-                <a:buSzPct val="145000"/>
-                <a:buFont typeface="Arial"/>
-                <a:buChar char="•"/>
-                <a:defRPr sz="1600" kern="1200" cap="none">
-                  <a:solidFill>
-                    <a:schemeClr val="tx1"/>
-                  </a:solidFill>
-                  <a:effectLst/>
-                  <a:latin typeface="+mn-lt"/>
-                  <a:ea typeface="+mn-ea"/>
-                  <a:cs typeface="+mn-cs"/>
-                </a:defRPr>
-              </a:lvl4pPr>
-              <a:lvl5pPr marL="2000250" indent="-171450" algn="l" defTabSz="457200" rtl="0" eaLnBrk="1" latinLnBrk="0" hangingPunct="1">
-                <a:spcBef>
-                  <a:spcPct val="20000"/>
-                </a:spcBef>
-                <a:spcAft>
-                  <a:spcPts val="600"/>
-                </a:spcAft>
-                <a:buClr>
-                  <a:schemeClr val="accent1">
-                    <a:lumMod val="75000"/>
-                  </a:schemeClr>
-                </a:buClr>
-                <a:buSzPct val="145000"/>
-                <a:buFont typeface="Arial"/>
-                <a:buChar char="•"/>
-                <a:defRPr sz="1400" kern="1200" cap="none">
-                  <a:solidFill>
-                    <a:schemeClr val="tx1"/>
-                  </a:solidFill>
-                  <a:effectLst/>
-                  <a:latin typeface="+mn-lt"/>
-                  <a:ea typeface="+mn-ea"/>
-                  <a:cs typeface="+mn-cs"/>
-                </a:defRPr>
-              </a:lvl5pPr>
-              <a:lvl6pPr marL="2514600" indent="-228600" algn="l" defTabSz="457200" rtl="0" eaLnBrk="1" latinLnBrk="0" hangingPunct="1">
-                <a:spcBef>
-                  <a:spcPct val="20000"/>
-                </a:spcBef>
-                <a:spcAft>
-                  <a:spcPts val="600"/>
-                </a:spcAft>
-                <a:buClr>
-                  <a:schemeClr val="accent1">
-                    <a:lumMod val="75000"/>
-                  </a:schemeClr>
-                </a:buClr>
-                <a:buSzPct val="145000"/>
-                <a:buFont typeface="Arial"/>
-                <a:buChar char="•"/>
-                <a:defRPr sz="1400" kern="1200" cap="none">
-                  <a:solidFill>
-                    <a:schemeClr val="tx1"/>
-                  </a:solidFill>
-                  <a:effectLst/>
-                  <a:latin typeface="+mn-lt"/>
-                  <a:ea typeface="+mn-ea"/>
-                  <a:cs typeface="+mn-cs"/>
-                </a:defRPr>
-              </a:lvl6pPr>
-              <a:lvl7pPr marL="2971800" indent="-228600" algn="l" defTabSz="457200" rtl="0" eaLnBrk="1" latinLnBrk="0" hangingPunct="1">
-                <a:spcBef>
-                  <a:spcPct val="20000"/>
-                </a:spcBef>
-                <a:spcAft>
-                  <a:spcPts val="600"/>
-                </a:spcAft>
-                <a:buClr>
-                  <a:schemeClr val="accent1">
-                    <a:lumMod val="75000"/>
-                  </a:schemeClr>
-                </a:buClr>
-                <a:buSzPct val="145000"/>
-                <a:buFont typeface="Arial"/>
-                <a:buChar char="•"/>
-                <a:defRPr sz="1400" kern="1200" cap="none">
-                  <a:solidFill>
-                    <a:schemeClr val="tx1"/>
-                  </a:solidFill>
-                  <a:effectLst/>
-                  <a:latin typeface="+mn-lt"/>
-                  <a:ea typeface="+mn-ea"/>
-                  <a:cs typeface="+mn-cs"/>
-                </a:defRPr>
-              </a:lvl7pPr>
-              <a:lvl8pPr marL="3429000" indent="-228600" algn="l" defTabSz="457200" rtl="0" eaLnBrk="1" latinLnBrk="0" hangingPunct="1">
-                <a:spcBef>
-                  <a:spcPct val="20000"/>
-                </a:spcBef>
-                <a:spcAft>
-                  <a:spcPts val="600"/>
-                </a:spcAft>
-                <a:buClr>
-                  <a:schemeClr val="accent1">
-                    <a:lumMod val="75000"/>
-                  </a:schemeClr>
-                </a:buClr>
-                <a:buSzPct val="145000"/>
-                <a:buFont typeface="Arial"/>
-                <a:buChar char="•"/>
-                <a:defRPr sz="1400" kern="1200" cap="none">
-                  <a:solidFill>
-                    <a:schemeClr val="tx1"/>
-                  </a:solidFill>
-                  <a:effectLst/>
-                  <a:latin typeface="+mn-lt"/>
-                  <a:ea typeface="+mn-ea"/>
-                  <a:cs typeface="+mn-cs"/>
-                </a:defRPr>
-              </a:lvl8pPr>
-              <a:lvl9pPr marL="3886200" indent="-228600" algn="l" defTabSz="457200" rtl="0" eaLnBrk="1" latinLnBrk="0" hangingPunct="1">
-                <a:spcBef>
-                  <a:spcPct val="20000"/>
-                </a:spcBef>
-                <a:spcAft>
-                  <a:spcPts val="600"/>
-                </a:spcAft>
-                <a:buClr>
-                  <a:schemeClr val="accent1">
-                    <a:lumMod val="75000"/>
-                  </a:schemeClr>
-                </a:buClr>
-                <a:buSzPct val="145000"/>
-                <a:buFont typeface="Arial"/>
-                <a:buChar char="•"/>
-                <a:defRPr sz="1400" kern="1200" cap="none">
-                  <a:solidFill>
-                    <a:schemeClr val="tx1"/>
-                  </a:solidFill>
-                  <a:effectLst/>
-                  <a:latin typeface="+mn-lt"/>
-                  <a:ea typeface="+mn-ea"/>
-                  <a:cs typeface="+mn-cs"/>
-                </a:defRPr>
-              </a:lvl9pPr>
-            </a:lstStyle>
-            <a:p>
-              <a:pPr marL="0" indent="0" algn="ctr">
-                <a:buFont typeface="Arial"/>
-                <a:buNone/>
-              </a:pPr>
-              <a:r>
-                <a:rPr lang="en-GB" sz="1200" dirty="0"/>
-                <a:t>JavaScript</a:t>
-              </a:r>
-              <a:endParaRPr lang="de-DE" sz="1200" dirty="0"/>
-            </a:p>
-          </p:txBody>
-        </p:sp>
-        <p:pic>
-          <p:nvPicPr>
-            <p:cNvPr id="99" name="Picture 6" descr="http://dev.bowdenweb.com/a/i/js/icons/javascript-icon-512-04.png"/>
-            <p:cNvPicPr>
-              <a:picLocks noChangeAspect="1" noChangeArrowheads="1"/>
-            </p:cNvPicPr>
-            <p:nvPr/>
-          </p:nvPicPr>
-          <p:blipFill>
-            <a:blip r:embed="rId14" cstate="print">
-              <a:extLst>
-                <a:ext uri="{28A0092B-C50C-407E-A947-70E740481C1C}">
-                  <a14:useLocalDpi xmlns:a14="http://schemas.microsoft.com/office/drawing/2010/main" val="0"/>
-                </a:ext>
-              </a:extLst>
-            </a:blip>
-            <a:srcRect/>
-            <a:stretch>
-              <a:fillRect/>
-            </a:stretch>
-          </p:blipFill>
-          <p:spPr bwMode="auto">
-            <a:xfrm>
-              <a:off x="3358133" y="1582478"/>
-              <a:ext cx="676223" cy="676223"/>
-            </a:xfrm>
-            <a:prstGeom prst="rect">
-              <a:avLst/>
-            </a:prstGeom>
-            <a:noFill/>
-            <a:extLst>
-              <a:ext uri="{909E8E84-426E-40DD-AFC4-6F175D3DCCD1}">
-                <a14:hiddenFill xmlns:a14="http://schemas.microsoft.com/office/drawing/2010/main">
-                  <a:solidFill>
-                    <a:srgbClr val="FFFFFF"/>
-                  </a:solidFill>
-                </a14:hiddenFill>
-              </a:ext>
-            </a:extLst>
-          </p:spPr>
-        </p:pic>
-      </p:grpSp>
-      <p:grpSp>
-        <p:nvGrpSpPr>
-          <p:cNvPr id="93" name="Group 92"/>
-          <p:cNvGrpSpPr/>
-          <p:nvPr/>
-        </p:nvGrpSpPr>
-        <p:grpSpPr>
-          <a:xfrm>
-            <a:off x="5889455" y="4407517"/>
-            <a:ext cx="1558157" cy="1181045"/>
-            <a:chOff x="5889455" y="4864717"/>
-            <a:chExt cx="1558157" cy="1181045"/>
-          </a:xfrm>
-        </p:grpSpPr>
-        <p:pic>
-          <p:nvPicPr>
-            <p:cNvPr id="1032" name="Picture 8" descr="Free Icons: Css Icon | Web"/>
-            <p:cNvPicPr>
-              <a:picLocks noChangeAspect="1" noChangeArrowheads="1"/>
-            </p:cNvPicPr>
-            <p:nvPr/>
-          </p:nvPicPr>
-          <p:blipFill>
-            <a:blip r:embed="rId15" cstate="print">
-              <a:extLst>
-                <a:ext uri="{28A0092B-C50C-407E-A947-70E740481C1C}">
-                  <a14:useLocalDpi xmlns:a14="http://schemas.microsoft.com/office/drawing/2010/main" val="0"/>
-                </a:ext>
-              </a:extLst>
-            </a:blip>
-            <a:srcRect/>
-            <a:stretch>
-              <a:fillRect/>
-            </a:stretch>
-          </p:blipFill>
-          <p:spPr bwMode="auto">
-            <a:xfrm>
-              <a:off x="6201139" y="4864717"/>
-              <a:ext cx="955974" cy="955974"/>
-            </a:xfrm>
-            <a:prstGeom prst="rect">
-              <a:avLst/>
-            </a:prstGeom>
-            <a:noFill/>
-            <a:extLst>
-              <a:ext uri="{909E8E84-426E-40DD-AFC4-6F175D3DCCD1}">
-                <a14:hiddenFill xmlns:a14="http://schemas.microsoft.com/office/drawing/2010/main">
-                  <a:solidFill>
-                    <a:srgbClr val="FFFFFF"/>
-                  </a:solidFill>
-                </a14:hiddenFill>
-              </a:ext>
-            </a:extLst>
-          </p:spPr>
-        </p:pic>
-        <p:sp>
-          <p:nvSpPr>
-            <p:cNvPr id="101" name="Content Placeholder 5"/>
-            <p:cNvSpPr txBox="1">
-              <a:spLocks/>
-            </p:cNvSpPr>
-            <p:nvPr/>
-          </p:nvSpPr>
-          <p:spPr>
-            <a:xfrm>
-              <a:off x="5889455" y="5761757"/>
-              <a:ext cx="1558157" cy="284005"/>
-            </a:xfrm>
-            <a:prstGeom prst="rect">
-              <a:avLst/>
-            </a:prstGeom>
-          </p:spPr>
-          <p:txBody>
-            <a:bodyPr anchor="t">
-              <a:noAutofit/>
-            </a:bodyPr>
-            <a:lstStyle>
-              <a:lvl1pPr marL="285750" indent="-285750" algn="l" defTabSz="457200" rtl="0" eaLnBrk="1" latinLnBrk="0" hangingPunct="1">
-                <a:spcBef>
-                  <a:spcPct val="20000"/>
-                </a:spcBef>
-                <a:spcAft>
-                  <a:spcPts val="600"/>
-                </a:spcAft>
-                <a:buClr>
-                  <a:schemeClr val="accent1">
-                    <a:lumMod val="75000"/>
-                  </a:schemeClr>
-                </a:buClr>
-                <a:buSzPct val="145000"/>
-                <a:buFont typeface="Arial"/>
-                <a:buChar char="•"/>
-                <a:defRPr sz="2400" kern="1200" cap="none">
-                  <a:solidFill>
-                    <a:schemeClr val="tx1"/>
-                  </a:solidFill>
-                  <a:effectLst/>
-                  <a:latin typeface="+mn-lt"/>
-                  <a:ea typeface="+mn-ea"/>
-                  <a:cs typeface="+mn-cs"/>
-                </a:defRPr>
-              </a:lvl1pPr>
-              <a:lvl2pPr marL="742950" indent="-285750" algn="l" defTabSz="457200" rtl="0" eaLnBrk="1" latinLnBrk="0" hangingPunct="1">
-                <a:spcBef>
-                  <a:spcPct val="20000"/>
-                </a:spcBef>
-                <a:spcAft>
-                  <a:spcPts val="600"/>
-                </a:spcAft>
-                <a:buClr>
-                  <a:schemeClr val="accent1">
-                    <a:lumMod val="75000"/>
-                  </a:schemeClr>
-                </a:buClr>
-                <a:buSzPct val="145000"/>
-                <a:buFont typeface="Arial"/>
-                <a:buChar char="•"/>
-                <a:defRPr sz="2000" kern="1200" cap="none">
-                  <a:solidFill>
-                    <a:schemeClr val="tx1"/>
-                  </a:solidFill>
-                  <a:effectLst/>
-                  <a:latin typeface="+mn-lt"/>
-                  <a:ea typeface="+mn-ea"/>
-                  <a:cs typeface="+mn-cs"/>
-                </a:defRPr>
-              </a:lvl2pPr>
-              <a:lvl3pPr marL="1200150" indent="-285750" algn="l" defTabSz="457200" rtl="0" eaLnBrk="1" latinLnBrk="0" hangingPunct="1">
-                <a:spcBef>
-                  <a:spcPct val="20000"/>
-                </a:spcBef>
-                <a:spcAft>
-                  <a:spcPts val="600"/>
-                </a:spcAft>
-                <a:buClr>
-                  <a:schemeClr val="accent1">
-                    <a:lumMod val="75000"/>
-                  </a:schemeClr>
-                </a:buClr>
-                <a:buSzPct val="145000"/>
-                <a:buFont typeface="Arial"/>
-                <a:buChar char="•"/>
-                <a:defRPr sz="1800" kern="1200" cap="none">
-                  <a:solidFill>
-                    <a:schemeClr val="tx1"/>
-                  </a:solidFill>
-                  <a:effectLst/>
-                  <a:latin typeface="+mn-lt"/>
-                  <a:ea typeface="+mn-ea"/>
-                  <a:cs typeface="+mn-cs"/>
-                </a:defRPr>
-              </a:lvl3pPr>
-              <a:lvl4pPr marL="1543050" indent="-171450" algn="l" defTabSz="457200" rtl="0" eaLnBrk="1" latinLnBrk="0" hangingPunct="1">
-                <a:spcBef>
-                  <a:spcPct val="20000"/>
-                </a:spcBef>
-                <a:spcAft>
-                  <a:spcPts val="600"/>
-                </a:spcAft>
-                <a:buClr>
-                  <a:schemeClr val="accent1">
-                    <a:lumMod val="75000"/>
-                  </a:schemeClr>
-                </a:buClr>
-                <a:buSzPct val="145000"/>
-                <a:buFont typeface="Arial"/>
-                <a:buChar char="•"/>
-                <a:defRPr sz="1600" kern="1200" cap="none">
-                  <a:solidFill>
-                    <a:schemeClr val="tx1"/>
-                  </a:solidFill>
-                  <a:effectLst/>
-                  <a:latin typeface="+mn-lt"/>
-                  <a:ea typeface="+mn-ea"/>
-                  <a:cs typeface="+mn-cs"/>
-                </a:defRPr>
-              </a:lvl4pPr>
-              <a:lvl5pPr marL="2000250" indent="-171450" algn="l" defTabSz="457200" rtl="0" eaLnBrk="1" latinLnBrk="0" hangingPunct="1">
-                <a:spcBef>
-                  <a:spcPct val="20000"/>
-                </a:spcBef>
-                <a:spcAft>
-                  <a:spcPts val="600"/>
-                </a:spcAft>
-                <a:buClr>
-                  <a:schemeClr val="accent1">
-                    <a:lumMod val="75000"/>
-                  </a:schemeClr>
-                </a:buClr>
-                <a:buSzPct val="145000"/>
-                <a:buFont typeface="Arial"/>
-                <a:buChar char="•"/>
-                <a:defRPr sz="1400" kern="1200" cap="none">
-                  <a:solidFill>
-                    <a:schemeClr val="tx1"/>
-                  </a:solidFill>
-                  <a:effectLst/>
-                  <a:latin typeface="+mn-lt"/>
-                  <a:ea typeface="+mn-ea"/>
-                  <a:cs typeface="+mn-cs"/>
-                </a:defRPr>
-              </a:lvl5pPr>
-              <a:lvl6pPr marL="2514600" indent="-228600" algn="l" defTabSz="457200" rtl="0" eaLnBrk="1" latinLnBrk="0" hangingPunct="1">
-                <a:spcBef>
-                  <a:spcPct val="20000"/>
-                </a:spcBef>
-                <a:spcAft>
-                  <a:spcPts val="600"/>
-                </a:spcAft>
-                <a:buClr>
-                  <a:schemeClr val="accent1">
-                    <a:lumMod val="75000"/>
-                  </a:schemeClr>
-                </a:buClr>
-                <a:buSzPct val="145000"/>
-                <a:buFont typeface="Arial"/>
-                <a:buChar char="•"/>
-                <a:defRPr sz="1400" kern="1200" cap="none">
-                  <a:solidFill>
-                    <a:schemeClr val="tx1"/>
-                  </a:solidFill>
-                  <a:effectLst/>
-                  <a:latin typeface="+mn-lt"/>
-                  <a:ea typeface="+mn-ea"/>
-                  <a:cs typeface="+mn-cs"/>
-                </a:defRPr>
-              </a:lvl6pPr>
-              <a:lvl7pPr marL="2971800" indent="-228600" algn="l" defTabSz="457200" rtl="0" eaLnBrk="1" latinLnBrk="0" hangingPunct="1">
-                <a:spcBef>
-                  <a:spcPct val="20000"/>
-                </a:spcBef>
-                <a:spcAft>
-                  <a:spcPts val="600"/>
-                </a:spcAft>
-                <a:buClr>
-                  <a:schemeClr val="accent1">
-                    <a:lumMod val="75000"/>
-                  </a:schemeClr>
-                </a:buClr>
-                <a:buSzPct val="145000"/>
-                <a:buFont typeface="Arial"/>
-                <a:buChar char="•"/>
-                <a:defRPr sz="1400" kern="1200" cap="none">
-                  <a:solidFill>
-                    <a:schemeClr val="tx1"/>
-                  </a:solidFill>
-                  <a:effectLst/>
-                  <a:latin typeface="+mn-lt"/>
-                  <a:ea typeface="+mn-ea"/>
-                  <a:cs typeface="+mn-cs"/>
-                </a:defRPr>
-              </a:lvl7pPr>
-              <a:lvl8pPr marL="3429000" indent="-228600" algn="l" defTabSz="457200" rtl="0" eaLnBrk="1" latinLnBrk="0" hangingPunct="1">
-                <a:spcBef>
-                  <a:spcPct val="20000"/>
-                </a:spcBef>
-                <a:spcAft>
-                  <a:spcPts val="600"/>
-                </a:spcAft>
-                <a:buClr>
-                  <a:schemeClr val="accent1">
-                    <a:lumMod val="75000"/>
-                  </a:schemeClr>
-                </a:buClr>
-                <a:buSzPct val="145000"/>
-                <a:buFont typeface="Arial"/>
-                <a:buChar char="•"/>
-                <a:defRPr sz="1400" kern="1200" cap="none">
-                  <a:solidFill>
-                    <a:schemeClr val="tx1"/>
-                  </a:solidFill>
-                  <a:effectLst/>
-                  <a:latin typeface="+mn-lt"/>
-                  <a:ea typeface="+mn-ea"/>
-                  <a:cs typeface="+mn-cs"/>
-                </a:defRPr>
-              </a:lvl8pPr>
-              <a:lvl9pPr marL="3886200" indent="-228600" algn="l" defTabSz="457200" rtl="0" eaLnBrk="1" latinLnBrk="0" hangingPunct="1">
-                <a:spcBef>
-                  <a:spcPct val="20000"/>
-                </a:spcBef>
-                <a:spcAft>
-                  <a:spcPts val="600"/>
-                </a:spcAft>
-                <a:buClr>
-                  <a:schemeClr val="accent1">
-                    <a:lumMod val="75000"/>
-                  </a:schemeClr>
-                </a:buClr>
-                <a:buSzPct val="145000"/>
-                <a:buFont typeface="Arial"/>
-                <a:buChar char="•"/>
-                <a:defRPr sz="1400" kern="1200" cap="none">
-                  <a:solidFill>
-                    <a:schemeClr val="tx1"/>
-                  </a:solidFill>
-                  <a:effectLst/>
-                  <a:latin typeface="+mn-lt"/>
-                  <a:ea typeface="+mn-ea"/>
-                  <a:cs typeface="+mn-cs"/>
-                </a:defRPr>
-              </a:lvl9pPr>
-            </a:lstStyle>
-            <a:p>
-              <a:pPr marL="0" indent="0" algn="ctr">
-                <a:buFont typeface="Arial"/>
-                <a:buNone/>
-              </a:pPr>
-              <a:r>
-                <a:rPr lang="en-GB" sz="1200" dirty="0"/>
-                <a:t>CSS stylesheets</a:t>
-              </a:r>
-              <a:endParaRPr lang="de-DE" sz="1200" dirty="0"/>
-            </a:p>
-          </p:txBody>
-        </p:sp>
-      </p:grpSp>
-    </p:spTree>
-    <p:extLst>
-      <p:ext uri="{BB962C8B-B14F-4D97-AF65-F5344CB8AC3E}">
-        <p14:creationId xmlns:p14="http://schemas.microsoft.com/office/powerpoint/2010/main" val="1563711952"/>
-      </p:ext>
-    </p:extLst>
-  </p:cSld>
-  <p:clrMapOvr>
-    <a:masterClrMapping/>
-  </p:clrMapOvr>
-  <p:timing>
-    <p:tnLst>
-      <p:par>
-        <p:cTn id="1" dur="indefinite" restart="never" nodeType="tmRoot">
-          <p:childTnLst>
-            <p:seq concurrent="1" nextAc="seek">
-              <p:cTn id="2" dur="indefinite" nodeType="mainSeq">
-                <p:childTnLst>
-                  <p:par>
-                    <p:cTn id="3" fill="hold">
-                      <p:stCondLst>
-                        <p:cond delay="indefinite"/>
-                        <p:cond evt="onBegin" delay="0">
-                          <p:tn val="2"/>
-                        </p:cond>
-                      </p:stCondLst>
-                      <p:childTnLst>
-                        <p:par>
-                          <p:cTn id="4" fill="hold">
-                            <p:stCondLst>
-                              <p:cond delay="0"/>
-                            </p:stCondLst>
-                            <p:childTnLst>
-                              <p:par>
-                                <p:cTn id="5" presetID="1" presetClass="entr" presetSubtype="0" fill="hold" grpId="0" nodeType="withEffect">
-                                  <p:stCondLst>
-                                    <p:cond delay="0"/>
-                                  </p:stCondLst>
-                                  <p:childTnLst>
-                                    <p:set>
-                                      <p:cBhvr>
-                                        <p:cTn id="6" dur="1" fill="hold">
-                                          <p:stCondLst>
-                                            <p:cond delay="0"/>
-                                          </p:stCondLst>
-                                        </p:cTn>
-                                        <p:tgtEl>
-                                          <p:spTgt spid="13"/>
-                                        </p:tgtEl>
-                                        <p:attrNameLst>
-                                          <p:attrName>style.visibility</p:attrName>
-                                        </p:attrNameLst>
-                                      </p:cBhvr>
-                                      <p:to>
-                                        <p:strVal val="visible"/>
-                                      </p:to>
-                                    </p:set>
-                                  </p:childTnLst>
-                                </p:cTn>
-                              </p:par>
-                            </p:childTnLst>
-                          </p:cTn>
-                        </p:par>
-                      </p:childTnLst>
-                    </p:cTn>
-                  </p:par>
-                </p:childTnLst>
-              </p:cTn>
-              <p:prevCondLst>
-                <p:cond evt="onPrev" delay="0">
-                  <p:tgtEl>
-                    <p:sldTgt/>
-                  </p:tgtEl>
-                </p:cond>
-              </p:prevCondLst>
-              <p:nextCondLst>
-                <p:cond evt="onNext" delay="0">
-                  <p:tgtEl>
-                    <p:sldTgt/>
-                  </p:tgtEl>
-                </p:cond>
-              </p:nextCondLst>
-            </p:seq>
-          </p:childTnLst>
-        </p:cTn>
-      </p:par>
-    </p:tnLst>
-    <p:bldLst>
-      <p:bldP spid="13" grpId="0" animBg="1"/>
-    </p:bldLst>
-  </p:timing>
-</p:sld>
-</file>
-
-<file path=ppt/slides/slide7.xml><?xml version="1.0" encoding="utf-8"?>
-<p:sld xmlns:a="http://schemas.openxmlformats.org/drawingml/2006/main" xmlns:r="http://schemas.openxmlformats.org/officeDocument/2006/relationships" xmlns:p="http://schemas.openxmlformats.org/presentationml/2006/main">
-  <p:cSld>
-    <p:spTree>
-      <p:nvGrpSpPr>
-        <p:cNvPr id="1" name=""/>
-        <p:cNvGrpSpPr/>
-        <p:nvPr/>
-      </p:nvGrpSpPr>
-      <p:grpSpPr>
-        <a:xfrm>
-          <a:off x="0" y="0"/>
-          <a:ext cx="0" cy="0"/>
-          <a:chOff x="0" y="0"/>
-          <a:chExt cx="0" cy="0"/>
-        </a:xfrm>
-      </p:grpSpPr>
-      <p:sp>
-        <p:nvSpPr>
-          <p:cNvPr id="2" name="Title 1"/>
-          <p:cNvSpPr>
-            <a:spLocks noGrp="1"/>
-          </p:cNvSpPr>
-          <p:nvPr>
-            <p:ph type="title"/>
-          </p:nvPr>
-        </p:nvSpPr>
-        <p:spPr/>
-        <p:txBody>
-          <a:bodyPr/>
-          <a:lstStyle/>
-          <a:p>
-            <a:r>
-              <a:rPr lang="en-GB" dirty="0"/>
-              <a:t>Chrome extension</a:t>
-            </a:r>
-            <a:endParaRPr lang="de-DE" dirty="0"/>
-          </a:p>
-        </p:txBody>
-      </p:sp>
-      <p:sp>
-        <p:nvSpPr>
-          <p:cNvPr id="4" name="Slide Number Placeholder 3"/>
-          <p:cNvSpPr>
-            <a:spLocks noGrp="1"/>
-          </p:cNvSpPr>
-          <p:nvPr>
-            <p:ph type="sldNum" sz="quarter" idx="12"/>
-          </p:nvPr>
-        </p:nvSpPr>
-        <p:spPr/>
-        <p:txBody>
-          <a:bodyPr/>
-          <a:lstStyle/>
-          <a:p>
-            <a:fld id="{2921BF44-F096-42DF-ADC3-B535522D2EE1}" type="slidenum">
-              <a:rPr lang="en-GB" smtClean="0"/>
-              <a:pPr/>
-              <a:t>7</a:t>
-            </a:fld>
-            <a:endParaRPr lang="en-GB" dirty="0"/>
-          </a:p>
-        </p:txBody>
-      </p:sp>
-      <p:sp>
-        <p:nvSpPr>
-          <p:cNvPr id="5" name="Rechteck: abgerundete Ecken 2"/>
-          <p:cNvSpPr/>
-          <p:nvPr/>
-        </p:nvSpPr>
-        <p:spPr>
-          <a:xfrm>
-            <a:off x="5900049" y="2146225"/>
-            <a:ext cx="1624093" cy="3772030"/>
-          </a:xfrm>
-          <a:prstGeom prst="roundRect">
-            <a:avLst/>
-          </a:prstGeom>
-          <a:noFill/>
-          <a:ln>
-            <a:solidFill>
-              <a:schemeClr val="accent1"/>
-            </a:solidFill>
-          </a:ln>
-        </p:spPr>
-        <p:style>
-          <a:lnRef idx="2">
-            <a:schemeClr val="accent1">
-              <a:shade val="50000"/>
-            </a:schemeClr>
-          </a:lnRef>
-          <a:fillRef idx="1">
-            <a:schemeClr val="accent1"/>
-          </a:fillRef>
-          <a:effectRef idx="0">
-            <a:schemeClr val="accent1"/>
-          </a:effectRef>
-          <a:fontRef idx="minor">
-            <a:schemeClr val="lt1"/>
-          </a:fontRef>
-        </p:style>
-        <p:txBody>
-          <a:bodyPr rtlCol="0" anchor="t"/>
-          <a:lstStyle/>
-          <a:p>
-            <a:r>
-              <a:rPr lang="de-DE" dirty="0">
-                <a:solidFill>
-                  <a:schemeClr val="tx1"/>
-                </a:solidFill>
-              </a:rPr>
-              <a:t>Chrome Extension</a:t>
-            </a:r>
-          </a:p>
-        </p:txBody>
-      </p:sp>
-      <p:grpSp>
-        <p:nvGrpSpPr>
-          <p:cNvPr id="10" name="Group 9"/>
-          <p:cNvGrpSpPr/>
-          <p:nvPr/>
-        </p:nvGrpSpPr>
-        <p:grpSpPr>
-          <a:xfrm>
-            <a:off x="830747" y="3322815"/>
-            <a:ext cx="1637760" cy="1637760"/>
-            <a:chOff x="998955" y="4243888"/>
-            <a:chExt cx="1637760" cy="1637760"/>
-          </a:xfrm>
-        </p:grpSpPr>
-        <p:pic>
-          <p:nvPicPr>
-            <p:cNvPr id="6" name="Grafik 131" descr="Monitor"/>
-            <p:cNvPicPr>
-              <a:picLocks noChangeAspect="1"/>
-            </p:cNvPicPr>
-            <p:nvPr/>
-          </p:nvPicPr>
-          <p:blipFill>
-            <a:blip r:embed="rId2">
-              <a:extLst>
-                <a:ext uri="{28A0092B-C50C-407E-A947-70E740481C1C}">
-                  <a14:useLocalDpi xmlns:a14="http://schemas.microsoft.com/office/drawing/2010/main" val="0"/>
-                </a:ext>
-                <a:ext uri="{96DAC541-7B7A-43D3-8B79-37D633B846F1}">
-                  <asvg:svgBlip xmlns:asvg="http://schemas.microsoft.com/office/drawing/2016/SVG/main" r:embed="rId3"/>
-                </a:ext>
-              </a:extLst>
-            </a:blip>
-            <a:stretch>
-              <a:fillRect/>
-            </a:stretch>
-          </p:blipFill>
-          <p:spPr>
-            <a:xfrm>
-              <a:off x="998955" y="4243888"/>
-              <a:ext cx="1637760" cy="1637760"/>
-            </a:xfrm>
-            <a:prstGeom prst="rect">
-              <a:avLst/>
-            </a:prstGeom>
-          </p:spPr>
-        </p:pic>
-        <p:pic>
-          <p:nvPicPr>
-            <p:cNvPr id="8" name="Grafik 6"/>
-            <p:cNvPicPr>
-              <a:picLocks noChangeAspect="1"/>
-            </p:cNvPicPr>
-            <p:nvPr/>
-          </p:nvPicPr>
-          <p:blipFill>
-            <a:blip r:embed="rId4"/>
-            <a:stretch>
-              <a:fillRect/>
-            </a:stretch>
-          </p:blipFill>
-          <p:spPr>
-            <a:xfrm>
-              <a:off x="1238251" y="4585594"/>
-              <a:ext cx="1159408" cy="735437"/>
-            </a:xfrm>
-            <a:prstGeom prst="rect">
-              <a:avLst/>
-            </a:prstGeom>
-          </p:spPr>
-        </p:pic>
-      </p:grpSp>
-      <p:sp>
-        <p:nvSpPr>
-          <p:cNvPr id="11" name="Rechteck: abgerundete Ecken 2"/>
-          <p:cNvSpPr/>
-          <p:nvPr/>
-        </p:nvSpPr>
-        <p:spPr>
-          <a:xfrm>
-            <a:off x="844414" y="2109618"/>
-            <a:ext cx="1624093" cy="3772030"/>
-          </a:xfrm>
-          <a:prstGeom prst="roundRect">
-            <a:avLst/>
-          </a:prstGeom>
-          <a:noFill/>
-          <a:ln>
-            <a:solidFill>
-              <a:schemeClr val="accent1"/>
-            </a:solidFill>
-          </a:ln>
-        </p:spPr>
-        <p:style>
-          <a:lnRef idx="2">
-            <a:schemeClr val="accent1">
-              <a:shade val="50000"/>
-            </a:schemeClr>
-          </a:lnRef>
-          <a:fillRef idx="1">
-            <a:schemeClr val="accent1"/>
-          </a:fillRef>
-          <a:effectRef idx="0">
-            <a:schemeClr val="accent1"/>
-          </a:effectRef>
-          <a:fontRef idx="minor">
-            <a:schemeClr val="lt1"/>
-          </a:fontRef>
-        </p:style>
-        <p:txBody>
-          <a:bodyPr rtlCol="0" anchor="t"/>
-          <a:lstStyle/>
-          <a:p>
-            <a:r>
-              <a:rPr lang="de-DE" dirty="0">
-                <a:solidFill>
-                  <a:schemeClr val="tx1"/>
-                </a:solidFill>
-              </a:rPr>
-              <a:t>Browser</a:t>
-            </a:r>
-          </a:p>
-        </p:txBody>
-      </p:sp>
-      <p:sp>
-        <p:nvSpPr>
-          <p:cNvPr id="13" name="Rechteck: abgerundete Ecken 206"/>
-          <p:cNvSpPr/>
-          <p:nvPr/>
-        </p:nvSpPr>
-        <p:spPr>
-          <a:xfrm>
-            <a:off x="9448153" y="2146225"/>
-            <a:ext cx="1599088" cy="3772030"/>
-          </a:xfrm>
-          <a:prstGeom prst="roundRect">
-            <a:avLst/>
-          </a:prstGeom>
-          <a:solidFill>
-            <a:schemeClr val="bg2"/>
-          </a:solidFill>
-          <a:ln>
-            <a:solidFill>
-              <a:schemeClr val="accent1"/>
-            </a:solidFill>
-          </a:ln>
-        </p:spPr>
-        <p:style>
-          <a:lnRef idx="2">
-            <a:schemeClr val="accent1">
-              <a:shade val="50000"/>
-            </a:schemeClr>
-          </a:lnRef>
-          <a:fillRef idx="1">
-            <a:schemeClr val="accent1"/>
-          </a:fillRef>
-          <a:effectRef idx="0">
-            <a:schemeClr val="accent1"/>
-          </a:effectRef>
-          <a:fontRef idx="minor">
-            <a:schemeClr val="lt1"/>
-          </a:fontRef>
-        </p:style>
-        <p:txBody>
-          <a:bodyPr rtlCol="0" anchor="t"/>
-          <a:lstStyle/>
-          <a:p>
-            <a:r>
-              <a:rPr lang="de-DE" dirty="0">
-                <a:solidFill>
-                  <a:schemeClr val="tx1"/>
-                </a:solidFill>
-              </a:rPr>
-              <a:t>Server</a:t>
-            </a:r>
-          </a:p>
-        </p:txBody>
-      </p:sp>
-      <p:cxnSp>
-        <p:nvCxnSpPr>
-          <p:cNvPr id="15" name="Straight Arrow Connector 14"/>
-          <p:cNvCxnSpPr/>
-          <p:nvPr/>
-        </p:nvCxnSpPr>
-        <p:spPr>
-          <a:xfrm>
-            <a:off x="7524141" y="3895617"/>
-            <a:ext cx="1924011" cy="0"/>
-          </a:xfrm>
-          <a:prstGeom prst="straightConnector1">
-            <a:avLst/>
-          </a:prstGeom>
-          <a:ln w="38100">
-            <a:solidFill>
-              <a:schemeClr val="accent1">
-                <a:lumMod val="50000"/>
-              </a:schemeClr>
-            </a:solidFill>
-            <a:tailEnd type="triangle"/>
-          </a:ln>
-        </p:spPr>
-        <p:style>
-          <a:lnRef idx="1">
-            <a:schemeClr val="accent1"/>
-          </a:lnRef>
-          <a:fillRef idx="0">
-            <a:schemeClr val="accent1"/>
-          </a:fillRef>
-          <a:effectRef idx="0">
-            <a:schemeClr val="accent1"/>
-          </a:effectRef>
-          <a:fontRef idx="minor">
-            <a:schemeClr val="tx1"/>
-          </a:fontRef>
-        </p:style>
-      </p:cxnSp>
-      <p:cxnSp>
-        <p:nvCxnSpPr>
-          <p:cNvPr id="20" name="Straight Arrow Connector 19"/>
-          <p:cNvCxnSpPr/>
-          <p:nvPr/>
-        </p:nvCxnSpPr>
-        <p:spPr>
-          <a:xfrm flipH="1">
-            <a:off x="2468509" y="2523657"/>
-            <a:ext cx="3420946" cy="14345"/>
-          </a:xfrm>
-          <a:prstGeom prst="straightConnector1">
-            <a:avLst/>
-          </a:prstGeom>
-          <a:ln w="38100">
-            <a:solidFill>
-              <a:schemeClr val="accent1">
-                <a:lumMod val="50000"/>
-              </a:schemeClr>
-            </a:solidFill>
-            <a:tailEnd type="triangle"/>
-          </a:ln>
-        </p:spPr>
-        <p:style>
-          <a:lnRef idx="1">
-            <a:schemeClr val="accent1"/>
-          </a:lnRef>
-          <a:fillRef idx="0">
-            <a:schemeClr val="accent1"/>
-          </a:fillRef>
-          <a:effectRef idx="0">
-            <a:schemeClr val="accent1"/>
-          </a:effectRef>
-          <a:fontRef idx="minor">
-            <a:schemeClr val="tx1"/>
-          </a:fontRef>
-        </p:style>
-      </p:cxnSp>
-      <p:cxnSp>
-        <p:nvCxnSpPr>
-          <p:cNvPr id="49" name="Straight Arrow Connector 48"/>
-          <p:cNvCxnSpPr/>
-          <p:nvPr/>
-        </p:nvCxnSpPr>
-        <p:spPr>
-          <a:xfrm flipH="1" flipV="1">
-            <a:off x="2468510" y="3371215"/>
-            <a:ext cx="3420945" cy="12560"/>
-          </a:xfrm>
-          <a:prstGeom prst="straightConnector1">
-            <a:avLst/>
-          </a:prstGeom>
-          <a:ln w="38100">
-            <a:solidFill>
-              <a:schemeClr val="accent1">
-                <a:lumMod val="50000"/>
-              </a:schemeClr>
-            </a:solidFill>
-            <a:tailEnd type="triangle"/>
-          </a:ln>
-        </p:spPr>
-        <p:style>
-          <a:lnRef idx="1">
-            <a:schemeClr val="accent1"/>
-          </a:lnRef>
-          <a:fillRef idx="0">
-            <a:schemeClr val="accent1"/>
-          </a:fillRef>
-          <a:effectRef idx="0">
-            <a:schemeClr val="accent1"/>
-          </a:effectRef>
-          <a:fontRef idx="minor">
-            <a:schemeClr val="tx1"/>
-          </a:fontRef>
-        </p:style>
-      </p:cxnSp>
-      <p:sp>
-        <p:nvSpPr>
-          <p:cNvPr id="58" name="TextBox 57"/>
-          <p:cNvSpPr txBox="1"/>
-          <p:nvPr/>
-        </p:nvSpPr>
-        <p:spPr>
-          <a:xfrm>
-            <a:off x="1235677" y="4754334"/>
-            <a:ext cx="781736" cy="307777"/>
-          </a:xfrm>
-          <a:prstGeom prst="rect">
-            <a:avLst/>
-          </a:prstGeom>
-          <a:noFill/>
-        </p:spPr>
-        <p:txBody>
-          <a:bodyPr wrap="square" rtlCol="0">
-            <a:spAutoFit/>
-          </a:bodyPr>
-          <a:lstStyle/>
-          <a:p>
-            <a:pPr algn="ctr"/>
-            <a:r>
-              <a:rPr lang="en-GB" sz="1400" dirty="0"/>
-              <a:t>Website</a:t>
-            </a:r>
-            <a:endParaRPr lang="de-DE" sz="1400" dirty="0"/>
-          </a:p>
-        </p:txBody>
-      </p:sp>
-      <p:grpSp>
-        <p:nvGrpSpPr>
-          <p:cNvPr id="61" name="Group 60"/>
-          <p:cNvGrpSpPr/>
-          <p:nvPr/>
-        </p:nvGrpSpPr>
-        <p:grpSpPr>
-          <a:xfrm>
-            <a:off x="8452885" y="2923749"/>
-            <a:ext cx="809128" cy="994765"/>
-            <a:chOff x="7023909" y="3700176"/>
-            <a:chExt cx="809128" cy="994765"/>
-          </a:xfrm>
-        </p:grpSpPr>
-        <p:pic>
-          <p:nvPicPr>
-            <p:cNvPr id="9" name="Picture 4" descr="http://westwoodcivicclub.com/wp-content/uploads/2015/11/news-icon.png"/>
-            <p:cNvPicPr>
-              <a:picLocks noChangeAspect="1" noChangeArrowheads="1"/>
-            </p:cNvPicPr>
-            <p:nvPr/>
-          </p:nvPicPr>
-          <p:blipFill rotWithShape="1">
-            <a:blip r:embed="rId5" cstate="print">
-              <a:extLst>
-                <a:ext uri="{28A0092B-C50C-407E-A947-70E740481C1C}">
-                  <a14:useLocalDpi xmlns:a14="http://schemas.microsoft.com/office/drawing/2010/main" val="0"/>
-                </a:ext>
-              </a:extLst>
-            </a:blip>
-            <a:srcRect l="5276" t="6248" r="6322" b="6114"/>
-            <a:stretch/>
-          </p:blipFill>
-          <p:spPr bwMode="auto">
-            <a:xfrm>
-              <a:off x="7052236" y="3700176"/>
-              <a:ext cx="724042" cy="717781"/>
-            </a:xfrm>
-            <a:prstGeom prst="rect">
-              <a:avLst/>
-            </a:prstGeom>
-            <a:noFill/>
-            <a:effectLst>
-              <a:softEdge rad="63500"/>
-            </a:effectLst>
-            <a:extLst>
-              <a:ext uri="{909E8E84-426E-40DD-AFC4-6F175D3DCCD1}">
-                <a14:hiddenFill xmlns:a14="http://schemas.microsoft.com/office/drawing/2010/main">
-                  <a:solidFill>
-                    <a:srgbClr val="FFFFFF"/>
-                  </a:solidFill>
-                </a14:hiddenFill>
-              </a:ext>
-            </a:extLst>
-          </p:spPr>
-        </p:pic>
-        <p:sp>
-          <p:nvSpPr>
-            <p:cNvPr id="57" name="TextBox 56"/>
-            <p:cNvSpPr txBox="1"/>
-            <p:nvPr/>
-          </p:nvSpPr>
-          <p:spPr>
-            <a:xfrm>
-              <a:off x="7023909" y="4399596"/>
-              <a:ext cx="809128" cy="295345"/>
-            </a:xfrm>
-            <a:prstGeom prst="rect">
-              <a:avLst/>
-            </a:prstGeom>
-            <a:noFill/>
-          </p:spPr>
-          <p:txBody>
-            <a:bodyPr wrap="square" rtlCol="0">
-              <a:spAutoFit/>
-            </a:bodyPr>
-            <a:lstStyle/>
-            <a:p>
-              <a:pPr algn="ctr"/>
-              <a:r>
-                <a:rPr lang="en-GB" sz="1400" dirty="0"/>
-                <a:t>Content</a:t>
-              </a:r>
-              <a:endParaRPr lang="de-DE" sz="1400" dirty="0"/>
-            </a:p>
-          </p:txBody>
-        </p:sp>
-      </p:grpSp>
-      <p:grpSp>
-        <p:nvGrpSpPr>
-          <p:cNvPr id="60" name="Group 59"/>
-          <p:cNvGrpSpPr/>
-          <p:nvPr/>
-        </p:nvGrpSpPr>
-        <p:grpSpPr>
-          <a:xfrm>
-            <a:off x="7791990" y="2856719"/>
-            <a:ext cx="832361" cy="1071320"/>
-            <a:chOff x="6306726" y="3650506"/>
-            <a:chExt cx="832361" cy="1071320"/>
-          </a:xfrm>
-        </p:grpSpPr>
-        <p:pic>
-          <p:nvPicPr>
-            <p:cNvPr id="7" name="Grafik 132" descr="Prüfliste"/>
-            <p:cNvPicPr>
-              <a:picLocks noChangeAspect="1"/>
-            </p:cNvPicPr>
-            <p:nvPr/>
-          </p:nvPicPr>
-          <p:blipFill>
-            <a:blip r:embed="rId6" cstate="print">
-              <a:extLst>
-                <a:ext uri="{28A0092B-C50C-407E-A947-70E740481C1C}">
-                  <a14:useLocalDpi xmlns:a14="http://schemas.microsoft.com/office/drawing/2010/main" val="0"/>
-                </a:ext>
-                <a:ext uri="{96DAC541-7B7A-43D3-8B79-37D633B846F1}">
-                  <asvg:svgBlip xmlns:asvg="http://schemas.microsoft.com/office/drawing/2016/SVG/main" r:embed="rId7"/>
-                </a:ext>
-              </a:extLst>
-            </a:blip>
-            <a:stretch>
-              <a:fillRect/>
-            </a:stretch>
-          </p:blipFill>
-          <p:spPr>
-            <a:xfrm>
-              <a:off x="6306726" y="3650506"/>
-              <a:ext cx="832361" cy="832361"/>
-            </a:xfrm>
-            <a:prstGeom prst="rect">
-              <a:avLst/>
-            </a:prstGeom>
-          </p:spPr>
-        </p:pic>
-        <p:sp>
-          <p:nvSpPr>
-            <p:cNvPr id="56" name="TextBox 55"/>
-            <p:cNvSpPr txBox="1"/>
-            <p:nvPr/>
-          </p:nvSpPr>
-          <p:spPr>
-            <a:xfrm>
-              <a:off x="6311800" y="4426481"/>
-              <a:ext cx="809128" cy="295345"/>
-            </a:xfrm>
-            <a:prstGeom prst="rect">
-              <a:avLst/>
-            </a:prstGeom>
-            <a:noFill/>
-          </p:spPr>
-          <p:txBody>
-            <a:bodyPr wrap="square" rtlCol="0">
-              <a:spAutoFit/>
-            </a:bodyPr>
-            <a:lstStyle/>
-            <a:p>
-              <a:pPr algn="ctr"/>
-              <a:r>
-                <a:rPr lang="en-GB" sz="1400" dirty="0"/>
-                <a:t>Options</a:t>
-              </a:r>
-              <a:endParaRPr lang="de-DE" sz="1400" dirty="0"/>
-            </a:p>
-          </p:txBody>
-        </p:sp>
-      </p:grpSp>
-      <p:cxnSp>
-        <p:nvCxnSpPr>
-          <p:cNvPr id="69" name="Straight Arrow Connector 68"/>
-          <p:cNvCxnSpPr/>
-          <p:nvPr/>
-        </p:nvCxnSpPr>
-        <p:spPr>
-          <a:xfrm flipV="1">
-            <a:off x="2476128" y="4339880"/>
-            <a:ext cx="3431540" cy="1"/>
-          </a:xfrm>
-          <a:prstGeom prst="straightConnector1">
-            <a:avLst/>
-          </a:prstGeom>
-          <a:ln w="38100">
-            <a:solidFill>
-              <a:schemeClr val="accent1">
-                <a:lumMod val="50000"/>
-              </a:schemeClr>
-            </a:solidFill>
-            <a:tailEnd type="triangle"/>
-          </a:ln>
-        </p:spPr>
-        <p:style>
-          <a:lnRef idx="1">
-            <a:schemeClr val="accent1"/>
-          </a:lnRef>
-          <a:fillRef idx="0">
-            <a:schemeClr val="accent1"/>
-          </a:fillRef>
-          <a:effectRef idx="0">
-            <a:schemeClr val="accent1"/>
-          </a:effectRef>
-          <a:fontRef idx="minor">
-            <a:schemeClr val="tx1"/>
-          </a:fontRef>
-        </p:style>
-      </p:cxnSp>
-      <p:grpSp>
-        <p:nvGrpSpPr>
-          <p:cNvPr id="66" name="Group 65"/>
-          <p:cNvGrpSpPr/>
-          <p:nvPr/>
-        </p:nvGrpSpPr>
-        <p:grpSpPr>
-          <a:xfrm>
-            <a:off x="3777292" y="3472533"/>
-            <a:ext cx="809128" cy="939047"/>
-            <a:chOff x="7023909" y="3700176"/>
-            <a:chExt cx="809128" cy="939047"/>
-          </a:xfrm>
-        </p:grpSpPr>
-        <p:pic>
-          <p:nvPicPr>
-            <p:cNvPr id="67" name="Picture 4" descr="http://westwoodcivicclub.com/wp-content/uploads/2015/11/news-icon.png"/>
-            <p:cNvPicPr>
-              <a:picLocks noChangeAspect="1" noChangeArrowheads="1"/>
-            </p:cNvPicPr>
-            <p:nvPr/>
-          </p:nvPicPr>
-          <p:blipFill rotWithShape="1">
-            <a:blip r:embed="rId5" cstate="print">
-              <a:extLst>
-                <a:ext uri="{28A0092B-C50C-407E-A947-70E740481C1C}">
-                  <a14:useLocalDpi xmlns:a14="http://schemas.microsoft.com/office/drawing/2010/main" val="0"/>
-                </a:ext>
-              </a:extLst>
-            </a:blip>
-            <a:srcRect l="5276" t="6248" r="6322" b="6114"/>
-            <a:stretch/>
-          </p:blipFill>
-          <p:spPr bwMode="auto">
-            <a:xfrm>
-              <a:off x="7052236" y="3700176"/>
-              <a:ext cx="724042" cy="717781"/>
-            </a:xfrm>
-            <a:prstGeom prst="rect">
-              <a:avLst/>
-            </a:prstGeom>
-            <a:noFill/>
-            <a:effectLst>
-              <a:softEdge rad="63500"/>
-            </a:effectLst>
-            <a:extLst>
-              <a:ext uri="{909E8E84-426E-40DD-AFC4-6F175D3DCCD1}">
-                <a14:hiddenFill xmlns:a14="http://schemas.microsoft.com/office/drawing/2010/main">
-                  <a:solidFill>
-                    <a:srgbClr val="FFFFFF"/>
-                  </a:solidFill>
-                </a14:hiddenFill>
-              </a:ext>
-            </a:extLst>
-          </p:spPr>
-        </p:pic>
-        <p:sp>
-          <p:nvSpPr>
-            <p:cNvPr id="68" name="TextBox 67"/>
-            <p:cNvSpPr txBox="1"/>
-            <p:nvPr/>
-          </p:nvSpPr>
-          <p:spPr>
-            <a:xfrm>
-              <a:off x="7023909" y="4314344"/>
-              <a:ext cx="809128" cy="324879"/>
-            </a:xfrm>
-            <a:prstGeom prst="rect">
-              <a:avLst/>
-            </a:prstGeom>
-            <a:noFill/>
-          </p:spPr>
-          <p:txBody>
-            <a:bodyPr wrap="square" rtlCol="0">
-              <a:spAutoFit/>
-            </a:bodyPr>
-            <a:lstStyle/>
-            <a:p>
-              <a:pPr algn="ctr"/>
-              <a:r>
-                <a:rPr lang="en-GB" sz="1400" dirty="0"/>
-                <a:t>Content</a:t>
-              </a:r>
-              <a:endParaRPr lang="de-DE" sz="1400" dirty="0"/>
-            </a:p>
-          </p:txBody>
-        </p:sp>
-      </p:grpSp>
-      <p:grpSp>
-        <p:nvGrpSpPr>
-          <p:cNvPr id="74" name="Group 73"/>
-          <p:cNvGrpSpPr/>
-          <p:nvPr/>
-        </p:nvGrpSpPr>
-        <p:grpSpPr>
-          <a:xfrm>
-            <a:off x="3473980" y="2686347"/>
-            <a:ext cx="1435837" cy="690205"/>
-            <a:chOff x="3473980" y="2686347"/>
-            <a:chExt cx="1435837" cy="690205"/>
-          </a:xfrm>
-        </p:grpSpPr>
-        <p:sp>
-          <p:nvSpPr>
-            <p:cNvPr id="53" name="Content Placeholder 5"/>
-            <p:cNvSpPr txBox="1">
-              <a:spLocks/>
-            </p:cNvSpPr>
-            <p:nvPr/>
-          </p:nvSpPr>
-          <p:spPr>
-            <a:xfrm>
-              <a:off x="3473980" y="3092547"/>
-              <a:ext cx="1435837" cy="284005"/>
-            </a:xfrm>
-            <a:prstGeom prst="rect">
-              <a:avLst/>
-            </a:prstGeom>
-          </p:spPr>
-          <p:txBody>
-            <a:bodyPr anchor="t">
-              <a:noAutofit/>
-            </a:bodyPr>
-            <a:lstStyle>
-              <a:lvl1pPr marL="285750" indent="-285750" algn="l" defTabSz="457200" rtl="0" eaLnBrk="1" latinLnBrk="0" hangingPunct="1">
-                <a:spcBef>
-                  <a:spcPct val="20000"/>
-                </a:spcBef>
-                <a:spcAft>
-                  <a:spcPts val="600"/>
-                </a:spcAft>
-                <a:buClr>
-                  <a:schemeClr val="accent1">
-                    <a:lumMod val="75000"/>
-                  </a:schemeClr>
-                </a:buClr>
-                <a:buSzPct val="145000"/>
-                <a:buFont typeface="Arial"/>
-                <a:buChar char="•"/>
-                <a:defRPr sz="2400" kern="1200" cap="none">
-                  <a:solidFill>
-                    <a:schemeClr val="tx1"/>
-                  </a:solidFill>
-                  <a:effectLst/>
-                  <a:latin typeface="+mn-lt"/>
-                  <a:ea typeface="+mn-ea"/>
-                  <a:cs typeface="+mn-cs"/>
-                </a:defRPr>
-              </a:lvl1pPr>
-              <a:lvl2pPr marL="742950" indent="-285750" algn="l" defTabSz="457200" rtl="0" eaLnBrk="1" latinLnBrk="0" hangingPunct="1">
-                <a:spcBef>
-                  <a:spcPct val="20000"/>
-                </a:spcBef>
-                <a:spcAft>
-                  <a:spcPts val="600"/>
-                </a:spcAft>
-                <a:buClr>
-                  <a:schemeClr val="accent1">
-                    <a:lumMod val="75000"/>
-                  </a:schemeClr>
-                </a:buClr>
-                <a:buSzPct val="145000"/>
-                <a:buFont typeface="Arial"/>
-                <a:buChar char="•"/>
-                <a:defRPr sz="2000" kern="1200" cap="none">
-                  <a:solidFill>
-                    <a:schemeClr val="tx1"/>
-                  </a:solidFill>
-                  <a:effectLst/>
-                  <a:latin typeface="+mn-lt"/>
-                  <a:ea typeface="+mn-ea"/>
-                  <a:cs typeface="+mn-cs"/>
-                </a:defRPr>
-              </a:lvl2pPr>
-              <a:lvl3pPr marL="1200150" indent="-285750" algn="l" defTabSz="457200" rtl="0" eaLnBrk="1" latinLnBrk="0" hangingPunct="1">
-                <a:spcBef>
-                  <a:spcPct val="20000"/>
-                </a:spcBef>
-                <a:spcAft>
-                  <a:spcPts val="600"/>
-                </a:spcAft>
-                <a:buClr>
-                  <a:schemeClr val="accent1">
-                    <a:lumMod val="75000"/>
-                  </a:schemeClr>
-                </a:buClr>
-                <a:buSzPct val="145000"/>
-                <a:buFont typeface="Arial"/>
-                <a:buChar char="•"/>
-                <a:defRPr sz="1800" kern="1200" cap="none">
-                  <a:solidFill>
-                    <a:schemeClr val="tx1"/>
-                  </a:solidFill>
-                  <a:effectLst/>
-                  <a:latin typeface="+mn-lt"/>
-                  <a:ea typeface="+mn-ea"/>
-                  <a:cs typeface="+mn-cs"/>
-                </a:defRPr>
-              </a:lvl3pPr>
-              <a:lvl4pPr marL="1543050" indent="-171450" algn="l" defTabSz="457200" rtl="0" eaLnBrk="1" latinLnBrk="0" hangingPunct="1">
-                <a:spcBef>
-                  <a:spcPct val="20000"/>
-                </a:spcBef>
-                <a:spcAft>
-                  <a:spcPts val="600"/>
-                </a:spcAft>
-                <a:buClr>
-                  <a:schemeClr val="accent1">
-                    <a:lumMod val="75000"/>
-                  </a:schemeClr>
-                </a:buClr>
-                <a:buSzPct val="145000"/>
-                <a:buFont typeface="Arial"/>
-                <a:buChar char="•"/>
-                <a:defRPr sz="1600" kern="1200" cap="none">
-                  <a:solidFill>
-                    <a:schemeClr val="tx1"/>
-                  </a:solidFill>
-                  <a:effectLst/>
-                  <a:latin typeface="+mn-lt"/>
-                  <a:ea typeface="+mn-ea"/>
-                  <a:cs typeface="+mn-cs"/>
-                </a:defRPr>
-              </a:lvl4pPr>
-              <a:lvl5pPr marL="2000250" indent="-171450" algn="l" defTabSz="457200" rtl="0" eaLnBrk="1" latinLnBrk="0" hangingPunct="1">
-                <a:spcBef>
-                  <a:spcPct val="20000"/>
-                </a:spcBef>
-                <a:spcAft>
-                  <a:spcPts val="600"/>
-                </a:spcAft>
-                <a:buClr>
-                  <a:schemeClr val="accent1">
-                    <a:lumMod val="75000"/>
-                  </a:schemeClr>
-                </a:buClr>
-                <a:buSzPct val="145000"/>
-                <a:buFont typeface="Arial"/>
-                <a:buChar char="•"/>
-                <a:defRPr sz="1400" kern="1200" cap="none">
-                  <a:solidFill>
-                    <a:schemeClr val="tx1"/>
-                  </a:solidFill>
-                  <a:effectLst/>
-                  <a:latin typeface="+mn-lt"/>
-                  <a:ea typeface="+mn-ea"/>
-                  <a:cs typeface="+mn-cs"/>
-                </a:defRPr>
-              </a:lvl5pPr>
-              <a:lvl6pPr marL="2514600" indent="-228600" algn="l" defTabSz="457200" rtl="0" eaLnBrk="1" latinLnBrk="0" hangingPunct="1">
-                <a:spcBef>
-                  <a:spcPct val="20000"/>
-                </a:spcBef>
-                <a:spcAft>
-                  <a:spcPts val="600"/>
-                </a:spcAft>
-                <a:buClr>
-                  <a:schemeClr val="accent1">
-                    <a:lumMod val="75000"/>
-                  </a:schemeClr>
-                </a:buClr>
-                <a:buSzPct val="145000"/>
-                <a:buFont typeface="Arial"/>
-                <a:buChar char="•"/>
-                <a:defRPr sz="1400" kern="1200" cap="none">
-                  <a:solidFill>
-                    <a:schemeClr val="tx1"/>
-                  </a:solidFill>
-                  <a:effectLst/>
-                  <a:latin typeface="+mn-lt"/>
-                  <a:ea typeface="+mn-ea"/>
-                  <a:cs typeface="+mn-cs"/>
-                </a:defRPr>
-              </a:lvl6pPr>
-              <a:lvl7pPr marL="2971800" indent="-228600" algn="l" defTabSz="457200" rtl="0" eaLnBrk="1" latinLnBrk="0" hangingPunct="1">
-                <a:spcBef>
-                  <a:spcPct val="20000"/>
-                </a:spcBef>
-                <a:spcAft>
-                  <a:spcPts val="600"/>
-                </a:spcAft>
-                <a:buClr>
-                  <a:schemeClr val="accent1">
-                    <a:lumMod val="75000"/>
-                  </a:schemeClr>
-                </a:buClr>
-                <a:buSzPct val="145000"/>
-                <a:buFont typeface="Arial"/>
-                <a:buChar char="•"/>
-                <a:defRPr sz="1400" kern="1200" cap="none">
-                  <a:solidFill>
-                    <a:schemeClr val="tx1"/>
-                  </a:solidFill>
-                  <a:effectLst/>
-                  <a:latin typeface="+mn-lt"/>
-                  <a:ea typeface="+mn-ea"/>
-                  <a:cs typeface="+mn-cs"/>
-                </a:defRPr>
-              </a:lvl7pPr>
-              <a:lvl8pPr marL="3429000" indent="-228600" algn="l" defTabSz="457200" rtl="0" eaLnBrk="1" latinLnBrk="0" hangingPunct="1">
-                <a:spcBef>
-                  <a:spcPct val="20000"/>
-                </a:spcBef>
-                <a:spcAft>
-                  <a:spcPts val="600"/>
-                </a:spcAft>
-                <a:buClr>
-                  <a:schemeClr val="accent1">
-                    <a:lumMod val="75000"/>
-                  </a:schemeClr>
-                </a:buClr>
-                <a:buSzPct val="145000"/>
-                <a:buFont typeface="Arial"/>
-                <a:buChar char="•"/>
-                <a:defRPr sz="1400" kern="1200" cap="none">
-                  <a:solidFill>
-                    <a:schemeClr val="tx1"/>
-                  </a:solidFill>
-                  <a:effectLst/>
-                  <a:latin typeface="+mn-lt"/>
-                  <a:ea typeface="+mn-ea"/>
-                  <a:cs typeface="+mn-cs"/>
-                </a:defRPr>
-              </a:lvl8pPr>
-              <a:lvl9pPr marL="3886200" indent="-228600" algn="l" defTabSz="457200" rtl="0" eaLnBrk="1" latinLnBrk="0" hangingPunct="1">
-                <a:spcBef>
-                  <a:spcPct val="20000"/>
-                </a:spcBef>
-                <a:spcAft>
-                  <a:spcPts val="600"/>
-                </a:spcAft>
-                <a:buClr>
-                  <a:schemeClr val="accent1">
-                    <a:lumMod val="75000"/>
-                  </a:schemeClr>
-                </a:buClr>
-                <a:buSzPct val="145000"/>
-                <a:buFont typeface="Arial"/>
-                <a:buChar char="•"/>
-                <a:defRPr sz="1400" kern="1200" cap="none">
-                  <a:solidFill>
-                    <a:schemeClr val="tx1"/>
-                  </a:solidFill>
-                  <a:effectLst/>
-                  <a:latin typeface="+mn-lt"/>
-                  <a:ea typeface="+mn-ea"/>
-                  <a:cs typeface="+mn-cs"/>
-                </a:defRPr>
-              </a:lvl9pPr>
-            </a:lstStyle>
-            <a:p>
-              <a:pPr marL="0" indent="0" algn="ctr">
-                <a:buFont typeface="Arial"/>
-                <a:buNone/>
-              </a:pPr>
-              <a:r>
-                <a:rPr lang="en-GB" sz="1400" dirty="0"/>
-                <a:t>Generate button</a:t>
-              </a:r>
-              <a:endParaRPr lang="de-DE" sz="1400" dirty="0"/>
-            </a:p>
-          </p:txBody>
-        </p:sp>
-        <p:pic>
-          <p:nvPicPr>
-            <p:cNvPr id="1028" name="Picture 4" descr="https://cdn0.iconfinder.com/data/icons/HTML5/512/HTML_Logo.png"/>
-            <p:cNvPicPr>
-              <a:picLocks noChangeAspect="1" noChangeArrowheads="1"/>
-            </p:cNvPicPr>
-            <p:nvPr/>
-          </p:nvPicPr>
-          <p:blipFill>
-            <a:blip r:embed="rId8" cstate="print">
-              <a:extLst>
-                <a:ext uri="{28A0092B-C50C-407E-A947-70E740481C1C}">
-                  <a14:useLocalDpi xmlns:a14="http://schemas.microsoft.com/office/drawing/2010/main" val="0"/>
-                </a:ext>
-              </a:extLst>
-            </a:blip>
-            <a:srcRect/>
-            <a:stretch>
-              <a:fillRect/>
-            </a:stretch>
-          </p:blipFill>
-          <p:spPr bwMode="auto">
-            <a:xfrm>
-              <a:off x="3929051" y="2686347"/>
-              <a:ext cx="495120" cy="495120"/>
-            </a:xfrm>
-            <a:prstGeom prst="rect">
-              <a:avLst/>
-            </a:prstGeom>
-            <a:noFill/>
-            <a:extLst>
-              <a:ext uri="{909E8E84-426E-40DD-AFC4-6F175D3DCCD1}">
-                <a14:hiddenFill xmlns:a14="http://schemas.microsoft.com/office/drawing/2010/main">
-                  <a:solidFill>
-                    <a:srgbClr val="FFFFFF"/>
-                  </a:solidFill>
-                </a14:hiddenFill>
-              </a:ext>
-            </a:extLst>
-          </p:spPr>
-        </p:pic>
-      </p:grpSp>
-      <p:grpSp>
-        <p:nvGrpSpPr>
-          <p:cNvPr id="75" name="Group 74"/>
-          <p:cNvGrpSpPr/>
-          <p:nvPr/>
-        </p:nvGrpSpPr>
-        <p:grpSpPr>
-          <a:xfrm>
-            <a:off x="3404128" y="1789542"/>
-            <a:ext cx="1558157" cy="734114"/>
-            <a:chOff x="2946928" y="1789542"/>
-            <a:chExt cx="1558157" cy="734114"/>
-          </a:xfrm>
-        </p:grpSpPr>
-        <p:sp>
-          <p:nvSpPr>
-            <p:cNvPr id="23" name="Content Placeholder 5"/>
-            <p:cNvSpPr txBox="1">
-              <a:spLocks/>
-            </p:cNvSpPr>
-            <p:nvPr/>
-          </p:nvSpPr>
-          <p:spPr>
-            <a:xfrm>
-              <a:off x="2946928" y="2239651"/>
-              <a:ext cx="1558157" cy="284005"/>
-            </a:xfrm>
-            <a:prstGeom prst="rect">
-              <a:avLst/>
-            </a:prstGeom>
-          </p:spPr>
-          <p:txBody>
-            <a:bodyPr anchor="t">
-              <a:noAutofit/>
-            </a:bodyPr>
-            <a:lstStyle>
-              <a:lvl1pPr marL="285750" indent="-285750" algn="l" defTabSz="457200" rtl="0" eaLnBrk="1" latinLnBrk="0" hangingPunct="1">
-                <a:spcBef>
-                  <a:spcPct val="20000"/>
-                </a:spcBef>
-                <a:spcAft>
-                  <a:spcPts val="600"/>
-                </a:spcAft>
-                <a:buClr>
-                  <a:schemeClr val="accent1">
-                    <a:lumMod val="75000"/>
-                  </a:schemeClr>
-                </a:buClr>
-                <a:buSzPct val="145000"/>
-                <a:buFont typeface="Arial"/>
-                <a:buChar char="•"/>
-                <a:defRPr sz="2400" kern="1200" cap="none">
-                  <a:solidFill>
-                    <a:schemeClr val="tx1"/>
-                  </a:solidFill>
-                  <a:effectLst/>
-                  <a:latin typeface="+mn-lt"/>
-                  <a:ea typeface="+mn-ea"/>
-                  <a:cs typeface="+mn-cs"/>
-                </a:defRPr>
-              </a:lvl1pPr>
-              <a:lvl2pPr marL="742950" indent="-285750" algn="l" defTabSz="457200" rtl="0" eaLnBrk="1" latinLnBrk="0" hangingPunct="1">
-                <a:spcBef>
-                  <a:spcPct val="20000"/>
-                </a:spcBef>
-                <a:spcAft>
-                  <a:spcPts val="600"/>
-                </a:spcAft>
-                <a:buClr>
-                  <a:schemeClr val="accent1">
-                    <a:lumMod val="75000"/>
-                  </a:schemeClr>
-                </a:buClr>
-                <a:buSzPct val="145000"/>
-                <a:buFont typeface="Arial"/>
-                <a:buChar char="•"/>
-                <a:defRPr sz="2000" kern="1200" cap="none">
-                  <a:solidFill>
-                    <a:schemeClr val="tx1"/>
-                  </a:solidFill>
-                  <a:effectLst/>
-                  <a:latin typeface="+mn-lt"/>
-                  <a:ea typeface="+mn-ea"/>
-                  <a:cs typeface="+mn-cs"/>
-                </a:defRPr>
-              </a:lvl2pPr>
-              <a:lvl3pPr marL="1200150" indent="-285750" algn="l" defTabSz="457200" rtl="0" eaLnBrk="1" latinLnBrk="0" hangingPunct="1">
-                <a:spcBef>
-                  <a:spcPct val="20000"/>
-                </a:spcBef>
-                <a:spcAft>
-                  <a:spcPts val="600"/>
-                </a:spcAft>
-                <a:buClr>
-                  <a:schemeClr val="accent1">
-                    <a:lumMod val="75000"/>
-                  </a:schemeClr>
-                </a:buClr>
-                <a:buSzPct val="145000"/>
-                <a:buFont typeface="Arial"/>
-                <a:buChar char="•"/>
-                <a:defRPr sz="1800" kern="1200" cap="none">
-                  <a:solidFill>
-                    <a:schemeClr val="tx1"/>
-                  </a:solidFill>
-                  <a:effectLst/>
-                  <a:latin typeface="+mn-lt"/>
-                  <a:ea typeface="+mn-ea"/>
-                  <a:cs typeface="+mn-cs"/>
-                </a:defRPr>
-              </a:lvl3pPr>
-              <a:lvl4pPr marL="1543050" indent="-171450" algn="l" defTabSz="457200" rtl="0" eaLnBrk="1" latinLnBrk="0" hangingPunct="1">
-                <a:spcBef>
-                  <a:spcPct val="20000"/>
-                </a:spcBef>
-                <a:spcAft>
-                  <a:spcPts val="600"/>
-                </a:spcAft>
-                <a:buClr>
-                  <a:schemeClr val="accent1">
-                    <a:lumMod val="75000"/>
-                  </a:schemeClr>
-                </a:buClr>
-                <a:buSzPct val="145000"/>
-                <a:buFont typeface="Arial"/>
-                <a:buChar char="•"/>
-                <a:defRPr sz="1600" kern="1200" cap="none">
-                  <a:solidFill>
-                    <a:schemeClr val="tx1"/>
-                  </a:solidFill>
-                  <a:effectLst/>
-                  <a:latin typeface="+mn-lt"/>
-                  <a:ea typeface="+mn-ea"/>
-                  <a:cs typeface="+mn-cs"/>
-                </a:defRPr>
-              </a:lvl4pPr>
-              <a:lvl5pPr marL="2000250" indent="-171450" algn="l" defTabSz="457200" rtl="0" eaLnBrk="1" latinLnBrk="0" hangingPunct="1">
-                <a:spcBef>
-                  <a:spcPct val="20000"/>
-                </a:spcBef>
-                <a:spcAft>
-                  <a:spcPts val="600"/>
-                </a:spcAft>
-                <a:buClr>
-                  <a:schemeClr val="accent1">
-                    <a:lumMod val="75000"/>
-                  </a:schemeClr>
-                </a:buClr>
-                <a:buSzPct val="145000"/>
-                <a:buFont typeface="Arial"/>
-                <a:buChar char="•"/>
-                <a:defRPr sz="1400" kern="1200" cap="none">
-                  <a:solidFill>
-                    <a:schemeClr val="tx1"/>
-                  </a:solidFill>
-                  <a:effectLst/>
-                  <a:latin typeface="+mn-lt"/>
-                  <a:ea typeface="+mn-ea"/>
-                  <a:cs typeface="+mn-cs"/>
-                </a:defRPr>
-              </a:lvl5pPr>
-              <a:lvl6pPr marL="2514600" indent="-228600" algn="l" defTabSz="457200" rtl="0" eaLnBrk="1" latinLnBrk="0" hangingPunct="1">
-                <a:spcBef>
-                  <a:spcPct val="20000"/>
-                </a:spcBef>
-                <a:spcAft>
-                  <a:spcPts val="600"/>
-                </a:spcAft>
-                <a:buClr>
-                  <a:schemeClr val="accent1">
-                    <a:lumMod val="75000"/>
-                  </a:schemeClr>
-                </a:buClr>
-                <a:buSzPct val="145000"/>
-                <a:buFont typeface="Arial"/>
-                <a:buChar char="•"/>
-                <a:defRPr sz="1400" kern="1200" cap="none">
-                  <a:solidFill>
-                    <a:schemeClr val="tx1"/>
-                  </a:solidFill>
-                  <a:effectLst/>
-                  <a:latin typeface="+mn-lt"/>
-                  <a:ea typeface="+mn-ea"/>
-                  <a:cs typeface="+mn-cs"/>
-                </a:defRPr>
-              </a:lvl6pPr>
-              <a:lvl7pPr marL="2971800" indent="-228600" algn="l" defTabSz="457200" rtl="0" eaLnBrk="1" latinLnBrk="0" hangingPunct="1">
-                <a:spcBef>
-                  <a:spcPct val="20000"/>
-                </a:spcBef>
-                <a:spcAft>
-                  <a:spcPts val="600"/>
-                </a:spcAft>
-                <a:buClr>
-                  <a:schemeClr val="accent1">
-                    <a:lumMod val="75000"/>
-                  </a:schemeClr>
-                </a:buClr>
-                <a:buSzPct val="145000"/>
-                <a:buFont typeface="Arial"/>
-                <a:buChar char="•"/>
-                <a:defRPr sz="1400" kern="1200" cap="none">
-                  <a:solidFill>
-                    <a:schemeClr val="tx1"/>
-                  </a:solidFill>
-                  <a:effectLst/>
-                  <a:latin typeface="+mn-lt"/>
-                  <a:ea typeface="+mn-ea"/>
-                  <a:cs typeface="+mn-cs"/>
-                </a:defRPr>
-              </a:lvl7pPr>
-              <a:lvl8pPr marL="3429000" indent="-228600" algn="l" defTabSz="457200" rtl="0" eaLnBrk="1" latinLnBrk="0" hangingPunct="1">
-                <a:spcBef>
-                  <a:spcPct val="20000"/>
-                </a:spcBef>
-                <a:spcAft>
-                  <a:spcPts val="600"/>
-                </a:spcAft>
-                <a:buClr>
-                  <a:schemeClr val="accent1">
-                    <a:lumMod val="75000"/>
-                  </a:schemeClr>
-                </a:buClr>
-                <a:buSzPct val="145000"/>
-                <a:buFont typeface="Arial"/>
-                <a:buChar char="•"/>
-                <a:defRPr sz="1400" kern="1200" cap="none">
-                  <a:solidFill>
-                    <a:schemeClr val="tx1"/>
-                  </a:solidFill>
-                  <a:effectLst/>
-                  <a:latin typeface="+mn-lt"/>
-                  <a:ea typeface="+mn-ea"/>
-                  <a:cs typeface="+mn-cs"/>
-                </a:defRPr>
-              </a:lvl8pPr>
-              <a:lvl9pPr marL="3886200" indent="-228600" algn="l" defTabSz="457200" rtl="0" eaLnBrk="1" latinLnBrk="0" hangingPunct="1">
-                <a:spcBef>
-                  <a:spcPct val="20000"/>
-                </a:spcBef>
-                <a:spcAft>
-                  <a:spcPts val="600"/>
-                </a:spcAft>
-                <a:buClr>
-                  <a:schemeClr val="accent1">
-                    <a:lumMod val="75000"/>
-                  </a:schemeClr>
-                </a:buClr>
-                <a:buSzPct val="145000"/>
-                <a:buFont typeface="Arial"/>
-                <a:buChar char="•"/>
-                <a:defRPr sz="1400" kern="1200" cap="none">
-                  <a:solidFill>
-                    <a:schemeClr val="tx1"/>
-                  </a:solidFill>
-                  <a:effectLst/>
-                  <a:latin typeface="+mn-lt"/>
-                  <a:ea typeface="+mn-ea"/>
-                  <a:cs typeface="+mn-cs"/>
-                </a:defRPr>
-              </a:lvl9pPr>
-            </a:lstStyle>
-            <a:p>
-              <a:pPr marL="0" indent="0" algn="ctr">
-                <a:buFont typeface="Arial"/>
-                <a:buNone/>
-              </a:pPr>
-              <a:r>
-                <a:rPr lang="en-GB" sz="1400" dirty="0"/>
-                <a:t>Background script</a:t>
-              </a:r>
-              <a:endParaRPr lang="de-DE" sz="1400" dirty="0"/>
-            </a:p>
-          </p:txBody>
-        </p:sp>
-        <p:pic>
-          <p:nvPicPr>
-            <p:cNvPr id="1030" name="Picture 6" descr="http://dev.bowdenweb.com/a/i/js/icons/javascript-icon-512-04.png"/>
-            <p:cNvPicPr>
-              <a:picLocks noChangeAspect="1" noChangeArrowheads="1"/>
-            </p:cNvPicPr>
-            <p:nvPr/>
-          </p:nvPicPr>
-          <p:blipFill>
-            <a:blip r:embed="rId9" cstate="print">
-              <a:extLst>
-                <a:ext uri="{28A0092B-C50C-407E-A947-70E740481C1C}">
-                  <a14:useLocalDpi xmlns:a14="http://schemas.microsoft.com/office/drawing/2010/main" val="0"/>
-                </a:ext>
-              </a:extLst>
-            </a:blip>
-            <a:srcRect/>
-            <a:stretch>
-              <a:fillRect/>
-            </a:stretch>
-          </p:blipFill>
-          <p:spPr bwMode="auto">
-            <a:xfrm>
-              <a:off x="3479472" y="1789542"/>
-              <a:ext cx="450109" cy="450109"/>
-            </a:xfrm>
-            <a:prstGeom prst="rect">
-              <a:avLst/>
-            </a:prstGeom>
-            <a:noFill/>
-            <a:extLst>
-              <a:ext uri="{909E8E84-426E-40DD-AFC4-6F175D3DCCD1}">
-                <a14:hiddenFill xmlns:a14="http://schemas.microsoft.com/office/drawing/2010/main">
-                  <a:solidFill>
-                    <a:srgbClr val="FFFFFF"/>
-                  </a:solidFill>
-                </a14:hiddenFill>
-              </a:ext>
-            </a:extLst>
-          </p:spPr>
-        </p:pic>
-      </p:grpSp>
-      <p:grpSp>
-        <p:nvGrpSpPr>
-          <p:cNvPr id="84" name="Group 83"/>
-          <p:cNvGrpSpPr/>
-          <p:nvPr/>
-        </p:nvGrpSpPr>
-        <p:grpSpPr>
-          <a:xfrm>
-            <a:off x="3503575" y="4976302"/>
-            <a:ext cx="1435837" cy="690205"/>
-            <a:chOff x="3473980" y="2686347"/>
-            <a:chExt cx="1435837" cy="690205"/>
-          </a:xfrm>
-        </p:grpSpPr>
-        <p:sp>
-          <p:nvSpPr>
-            <p:cNvPr id="85" name="Content Placeholder 5"/>
-            <p:cNvSpPr txBox="1">
-              <a:spLocks/>
-            </p:cNvSpPr>
-            <p:nvPr/>
-          </p:nvSpPr>
-          <p:spPr>
-            <a:xfrm>
-              <a:off x="3473980" y="3092547"/>
-              <a:ext cx="1435837" cy="284005"/>
-            </a:xfrm>
-            <a:prstGeom prst="rect">
-              <a:avLst/>
-            </a:prstGeom>
-          </p:spPr>
-          <p:txBody>
-            <a:bodyPr anchor="t">
-              <a:noAutofit/>
-            </a:bodyPr>
-            <a:lstStyle>
-              <a:lvl1pPr marL="285750" indent="-285750" algn="l" defTabSz="457200" rtl="0" eaLnBrk="1" latinLnBrk="0" hangingPunct="1">
-                <a:spcBef>
-                  <a:spcPct val="20000"/>
-                </a:spcBef>
-                <a:spcAft>
-                  <a:spcPts val="600"/>
-                </a:spcAft>
-                <a:buClr>
-                  <a:schemeClr val="accent1">
-                    <a:lumMod val="75000"/>
-                  </a:schemeClr>
-                </a:buClr>
-                <a:buSzPct val="145000"/>
-                <a:buFont typeface="Arial"/>
-                <a:buChar char="•"/>
-                <a:defRPr sz="2400" kern="1200" cap="none">
-                  <a:solidFill>
-                    <a:schemeClr val="tx1"/>
-                  </a:solidFill>
-                  <a:effectLst/>
-                  <a:latin typeface="+mn-lt"/>
-                  <a:ea typeface="+mn-ea"/>
-                  <a:cs typeface="+mn-cs"/>
-                </a:defRPr>
-              </a:lvl1pPr>
-              <a:lvl2pPr marL="742950" indent="-285750" algn="l" defTabSz="457200" rtl="0" eaLnBrk="1" latinLnBrk="0" hangingPunct="1">
-                <a:spcBef>
-                  <a:spcPct val="20000"/>
-                </a:spcBef>
-                <a:spcAft>
-                  <a:spcPts val="600"/>
-                </a:spcAft>
-                <a:buClr>
-                  <a:schemeClr val="accent1">
-                    <a:lumMod val="75000"/>
-                  </a:schemeClr>
-                </a:buClr>
-                <a:buSzPct val="145000"/>
-                <a:buFont typeface="Arial"/>
-                <a:buChar char="•"/>
-                <a:defRPr sz="2000" kern="1200" cap="none">
-                  <a:solidFill>
-                    <a:schemeClr val="tx1"/>
-                  </a:solidFill>
-                  <a:effectLst/>
-                  <a:latin typeface="+mn-lt"/>
-                  <a:ea typeface="+mn-ea"/>
-                  <a:cs typeface="+mn-cs"/>
-                </a:defRPr>
-              </a:lvl2pPr>
-              <a:lvl3pPr marL="1200150" indent="-285750" algn="l" defTabSz="457200" rtl="0" eaLnBrk="1" latinLnBrk="0" hangingPunct="1">
-                <a:spcBef>
-                  <a:spcPct val="20000"/>
-                </a:spcBef>
-                <a:spcAft>
-                  <a:spcPts val="600"/>
-                </a:spcAft>
-                <a:buClr>
-                  <a:schemeClr val="accent1">
-                    <a:lumMod val="75000"/>
-                  </a:schemeClr>
-                </a:buClr>
-                <a:buSzPct val="145000"/>
-                <a:buFont typeface="Arial"/>
-                <a:buChar char="•"/>
-                <a:defRPr sz="1800" kern="1200" cap="none">
-                  <a:solidFill>
-                    <a:schemeClr val="tx1"/>
-                  </a:solidFill>
-                  <a:effectLst/>
-                  <a:latin typeface="+mn-lt"/>
-                  <a:ea typeface="+mn-ea"/>
-                  <a:cs typeface="+mn-cs"/>
-                </a:defRPr>
-              </a:lvl3pPr>
-              <a:lvl4pPr marL="1543050" indent="-171450" algn="l" defTabSz="457200" rtl="0" eaLnBrk="1" latinLnBrk="0" hangingPunct="1">
-                <a:spcBef>
-                  <a:spcPct val="20000"/>
-                </a:spcBef>
-                <a:spcAft>
-                  <a:spcPts val="600"/>
-                </a:spcAft>
-                <a:buClr>
-                  <a:schemeClr val="accent1">
-                    <a:lumMod val="75000"/>
-                  </a:schemeClr>
-                </a:buClr>
-                <a:buSzPct val="145000"/>
-                <a:buFont typeface="Arial"/>
-                <a:buChar char="•"/>
-                <a:defRPr sz="1600" kern="1200" cap="none">
-                  <a:solidFill>
-                    <a:schemeClr val="tx1"/>
-                  </a:solidFill>
-                  <a:effectLst/>
-                  <a:latin typeface="+mn-lt"/>
-                  <a:ea typeface="+mn-ea"/>
-                  <a:cs typeface="+mn-cs"/>
-                </a:defRPr>
-              </a:lvl4pPr>
-              <a:lvl5pPr marL="2000250" indent="-171450" algn="l" defTabSz="457200" rtl="0" eaLnBrk="1" latinLnBrk="0" hangingPunct="1">
-                <a:spcBef>
-                  <a:spcPct val="20000"/>
-                </a:spcBef>
-                <a:spcAft>
-                  <a:spcPts val="600"/>
-                </a:spcAft>
-                <a:buClr>
-                  <a:schemeClr val="accent1">
-                    <a:lumMod val="75000"/>
-                  </a:schemeClr>
-                </a:buClr>
-                <a:buSzPct val="145000"/>
-                <a:buFont typeface="Arial"/>
-                <a:buChar char="•"/>
-                <a:defRPr sz="1400" kern="1200" cap="none">
-                  <a:solidFill>
-                    <a:schemeClr val="tx1"/>
-                  </a:solidFill>
-                  <a:effectLst/>
-                  <a:latin typeface="+mn-lt"/>
-                  <a:ea typeface="+mn-ea"/>
-                  <a:cs typeface="+mn-cs"/>
-                </a:defRPr>
-              </a:lvl5pPr>
-              <a:lvl6pPr marL="2514600" indent="-228600" algn="l" defTabSz="457200" rtl="0" eaLnBrk="1" latinLnBrk="0" hangingPunct="1">
-                <a:spcBef>
-                  <a:spcPct val="20000"/>
-                </a:spcBef>
-                <a:spcAft>
-                  <a:spcPts val="600"/>
-                </a:spcAft>
-                <a:buClr>
-                  <a:schemeClr val="accent1">
-                    <a:lumMod val="75000"/>
-                  </a:schemeClr>
-                </a:buClr>
-                <a:buSzPct val="145000"/>
-                <a:buFont typeface="Arial"/>
-                <a:buChar char="•"/>
-                <a:defRPr sz="1400" kern="1200" cap="none">
-                  <a:solidFill>
-                    <a:schemeClr val="tx1"/>
-                  </a:solidFill>
-                  <a:effectLst/>
-                  <a:latin typeface="+mn-lt"/>
-                  <a:ea typeface="+mn-ea"/>
-                  <a:cs typeface="+mn-cs"/>
-                </a:defRPr>
-              </a:lvl6pPr>
-              <a:lvl7pPr marL="2971800" indent="-228600" algn="l" defTabSz="457200" rtl="0" eaLnBrk="1" latinLnBrk="0" hangingPunct="1">
-                <a:spcBef>
-                  <a:spcPct val="20000"/>
-                </a:spcBef>
-                <a:spcAft>
-                  <a:spcPts val="600"/>
-                </a:spcAft>
-                <a:buClr>
-                  <a:schemeClr val="accent1">
-                    <a:lumMod val="75000"/>
-                  </a:schemeClr>
-                </a:buClr>
-                <a:buSzPct val="145000"/>
-                <a:buFont typeface="Arial"/>
-                <a:buChar char="•"/>
-                <a:defRPr sz="1400" kern="1200" cap="none">
-                  <a:solidFill>
-                    <a:schemeClr val="tx1"/>
-                  </a:solidFill>
-                  <a:effectLst/>
-                  <a:latin typeface="+mn-lt"/>
-                  <a:ea typeface="+mn-ea"/>
-                  <a:cs typeface="+mn-cs"/>
-                </a:defRPr>
-              </a:lvl7pPr>
-              <a:lvl8pPr marL="3429000" indent="-228600" algn="l" defTabSz="457200" rtl="0" eaLnBrk="1" latinLnBrk="0" hangingPunct="1">
-                <a:spcBef>
-                  <a:spcPct val="20000"/>
-                </a:spcBef>
-                <a:spcAft>
-                  <a:spcPts val="600"/>
-                </a:spcAft>
-                <a:buClr>
-                  <a:schemeClr val="accent1">
-                    <a:lumMod val="75000"/>
-                  </a:schemeClr>
-                </a:buClr>
-                <a:buSzPct val="145000"/>
-                <a:buFont typeface="Arial"/>
-                <a:buChar char="•"/>
-                <a:defRPr sz="1400" kern="1200" cap="none">
-                  <a:solidFill>
-                    <a:schemeClr val="tx1"/>
-                  </a:solidFill>
-                  <a:effectLst/>
-                  <a:latin typeface="+mn-lt"/>
-                  <a:ea typeface="+mn-ea"/>
-                  <a:cs typeface="+mn-cs"/>
-                </a:defRPr>
-              </a:lvl8pPr>
-              <a:lvl9pPr marL="3886200" indent="-228600" algn="l" defTabSz="457200" rtl="0" eaLnBrk="1" latinLnBrk="0" hangingPunct="1">
-                <a:spcBef>
-                  <a:spcPct val="20000"/>
-                </a:spcBef>
-                <a:spcAft>
-                  <a:spcPts val="600"/>
-                </a:spcAft>
-                <a:buClr>
-                  <a:schemeClr val="accent1">
-                    <a:lumMod val="75000"/>
-                  </a:schemeClr>
-                </a:buClr>
-                <a:buSzPct val="145000"/>
-                <a:buFont typeface="Arial"/>
-                <a:buChar char="•"/>
-                <a:defRPr sz="1400" kern="1200" cap="none">
-                  <a:solidFill>
-                    <a:schemeClr val="tx1"/>
-                  </a:solidFill>
-                  <a:effectLst/>
-                  <a:latin typeface="+mn-lt"/>
-                  <a:ea typeface="+mn-ea"/>
-                  <a:cs typeface="+mn-cs"/>
-                </a:defRPr>
-              </a:lvl9pPr>
-            </a:lstStyle>
-            <a:p>
-              <a:pPr marL="0" indent="0" algn="ctr">
-                <a:buFont typeface="Arial"/>
-                <a:buNone/>
-              </a:pPr>
-              <a:r>
-                <a:rPr lang="en-GB" sz="1400" dirty="0"/>
-                <a:t>Generate Popup</a:t>
-              </a:r>
-              <a:endParaRPr lang="de-DE" sz="1400" dirty="0"/>
-            </a:p>
-          </p:txBody>
-        </p:sp>
-        <p:pic>
-          <p:nvPicPr>
-            <p:cNvPr id="86" name="Picture 4" descr="https://cdn0.iconfinder.com/data/icons/HTML5/512/HTML_Logo.png"/>
-            <p:cNvPicPr>
-              <a:picLocks noChangeAspect="1" noChangeArrowheads="1"/>
-            </p:cNvPicPr>
-            <p:nvPr/>
-          </p:nvPicPr>
-          <p:blipFill>
-            <a:blip r:embed="rId8" cstate="print">
-              <a:extLst>
-                <a:ext uri="{28A0092B-C50C-407E-A947-70E740481C1C}">
-                  <a14:useLocalDpi xmlns:a14="http://schemas.microsoft.com/office/drawing/2010/main" val="0"/>
-                </a:ext>
-              </a:extLst>
-            </a:blip>
-            <a:srcRect/>
-            <a:stretch>
-              <a:fillRect/>
-            </a:stretch>
-          </p:blipFill>
-          <p:spPr bwMode="auto">
-            <a:xfrm>
-              <a:off x="3929051" y="2686347"/>
-              <a:ext cx="495120" cy="495120"/>
-            </a:xfrm>
-            <a:prstGeom prst="rect">
-              <a:avLst/>
-            </a:prstGeom>
-            <a:noFill/>
-            <a:extLst>
-              <a:ext uri="{909E8E84-426E-40DD-AFC4-6F175D3DCCD1}">
-                <a14:hiddenFill xmlns:a14="http://schemas.microsoft.com/office/drawing/2010/main">
-                  <a:solidFill>
-                    <a:srgbClr val="FFFFFF"/>
-                  </a:solidFill>
-                </a14:hiddenFill>
-              </a:ext>
-            </a:extLst>
-          </p:spPr>
-        </p:pic>
-      </p:grpSp>
-      <p:cxnSp>
-        <p:nvCxnSpPr>
-          <p:cNvPr id="87" name="Straight Arrow Connector 86"/>
-          <p:cNvCxnSpPr/>
-          <p:nvPr/>
-        </p:nvCxnSpPr>
-        <p:spPr>
-          <a:xfrm flipH="1">
-            <a:off x="2468510" y="5647747"/>
-            <a:ext cx="3439159" cy="26380"/>
-          </a:xfrm>
-          <a:prstGeom prst="straightConnector1">
-            <a:avLst/>
-          </a:prstGeom>
-          <a:ln w="38100">
-            <a:solidFill>
-              <a:schemeClr val="accent1">
-                <a:lumMod val="50000"/>
-              </a:schemeClr>
-            </a:solidFill>
-            <a:tailEnd type="triangle"/>
-          </a:ln>
-        </p:spPr>
-        <p:style>
-          <a:lnRef idx="1">
-            <a:schemeClr val="accent1"/>
-          </a:lnRef>
-          <a:fillRef idx="0">
-            <a:schemeClr val="accent1"/>
-          </a:fillRef>
-          <a:effectRef idx="0">
-            <a:schemeClr val="accent1"/>
-          </a:effectRef>
-          <a:fontRef idx="minor">
-            <a:schemeClr val="tx1"/>
-          </a:fontRef>
-        </p:style>
-      </p:cxnSp>
-      <p:cxnSp>
-        <p:nvCxnSpPr>
-          <p:cNvPr id="91" name="Straight Arrow Connector 90"/>
-          <p:cNvCxnSpPr/>
-          <p:nvPr/>
-        </p:nvCxnSpPr>
-        <p:spPr>
-          <a:xfrm flipH="1" flipV="1">
-            <a:off x="7524141" y="5467706"/>
-            <a:ext cx="1924012" cy="1"/>
-          </a:xfrm>
-          <a:prstGeom prst="straightConnector1">
-            <a:avLst/>
-          </a:prstGeom>
-          <a:ln w="38100">
-            <a:solidFill>
-              <a:schemeClr val="accent1">
-                <a:lumMod val="50000"/>
-              </a:schemeClr>
-            </a:solidFill>
-            <a:tailEnd type="triangle"/>
-          </a:ln>
-        </p:spPr>
-        <p:style>
-          <a:lnRef idx="1">
-            <a:schemeClr val="accent1"/>
-          </a:lnRef>
-          <a:fillRef idx="0">
-            <a:schemeClr val="accent1"/>
-          </a:fillRef>
-          <a:effectRef idx="0">
-            <a:schemeClr val="accent1"/>
-          </a:effectRef>
-          <a:fontRef idx="minor">
-            <a:schemeClr val="tx1"/>
-          </a:fontRef>
-        </p:style>
-      </p:cxnSp>
       <p:grpSp>
         <p:nvGrpSpPr>
           <p:cNvPr id="97" name="Group 96"/>
@@ -19458,204 +17091,257 @@
       </p:grpSp>
       <p:grpSp>
         <p:nvGrpSpPr>
-          <p:cNvPr id="54" name="Gruppieren 53"/>
+          <p:cNvPr id="17" name="Group 16"/>
           <p:cNvGrpSpPr/>
           <p:nvPr/>
         </p:nvGrpSpPr>
         <p:grpSpPr>
           <a:xfrm>
-            <a:off x="7546185" y="4351166"/>
-            <a:ext cx="1901968" cy="1129422"/>
-            <a:chOff x="5772151" y="4611673"/>
-            <a:chExt cx="1901968" cy="1129422"/>
+            <a:off x="7524141" y="4926741"/>
+            <a:ext cx="1924012" cy="849323"/>
+            <a:chOff x="7524141" y="4926741"/>
+            <a:chExt cx="1924012" cy="849323"/>
           </a:xfrm>
         </p:grpSpPr>
+        <p:cxnSp>
+          <p:nvCxnSpPr>
+            <p:cNvPr id="91" name="Straight Arrow Connector 90"/>
+            <p:cNvCxnSpPr/>
+            <p:nvPr/>
+          </p:nvCxnSpPr>
+          <p:spPr>
+            <a:xfrm flipH="1" flipV="1">
+              <a:off x="7524141" y="5776063"/>
+              <a:ext cx="1924012" cy="1"/>
+            </a:xfrm>
+            <a:prstGeom prst="straightConnector1">
+              <a:avLst/>
+            </a:prstGeom>
+            <a:ln w="38100">
+              <a:solidFill>
+                <a:schemeClr val="accent1">
+                  <a:lumMod val="50000"/>
+                </a:schemeClr>
+              </a:solidFill>
+              <a:tailEnd type="triangle"/>
+            </a:ln>
+          </p:spPr>
+          <p:style>
+            <a:lnRef idx="1">
+              <a:schemeClr val="accent1"/>
+            </a:lnRef>
+            <a:fillRef idx="0">
+              <a:schemeClr val="accent1"/>
+            </a:fillRef>
+            <a:effectRef idx="0">
+              <a:schemeClr val="accent1"/>
+            </a:effectRef>
+            <a:fontRef idx="minor">
+              <a:schemeClr val="tx1"/>
+            </a:fontRef>
+          </p:style>
+        </p:cxnSp>
         <p:grpSp>
           <p:nvGrpSpPr>
-            <p:cNvPr id="55" name="Gruppieren 54"/>
+            <p:cNvPr id="54" name="Gruppieren 53"/>
             <p:cNvGrpSpPr/>
             <p:nvPr/>
           </p:nvGrpSpPr>
           <p:grpSpPr>
             <a:xfrm>
-              <a:off x="5932289" y="4611673"/>
-              <a:ext cx="1684081" cy="897987"/>
-              <a:chOff x="5932289" y="4834081"/>
-              <a:chExt cx="1684081" cy="897987"/>
+              <a:off x="7546183" y="4926741"/>
+              <a:ext cx="1901969" cy="826271"/>
+              <a:chOff x="5038409" y="4611673"/>
+              <a:chExt cx="3369455" cy="1463788"/>
             </a:xfrm>
           </p:grpSpPr>
-          <p:pic>
-            <p:nvPicPr>
-              <p:cNvPr id="62" name="Grafik 61" descr="Netzwerk"/>
-              <p:cNvPicPr>
-                <a:picLocks noChangeAspect="1"/>
-              </p:cNvPicPr>
+          <p:grpSp>
+            <p:nvGrpSpPr>
+              <p:cNvPr id="55" name="Gruppieren 54"/>
+              <p:cNvGrpSpPr/>
               <p:nvPr/>
-            </p:nvPicPr>
-            <p:blipFill>
-              <a:blip r:embed="rId12" cstate="print">
-                <a:extLst>
-                  <a:ext uri="{28A0092B-C50C-407E-A947-70E740481C1C}">
-                    <a14:useLocalDpi xmlns:a14="http://schemas.microsoft.com/office/drawing/2010/main" val="0"/>
-                  </a:ext>
-                  <a:ext uri="{96DAC541-7B7A-43D3-8B79-37D633B846F1}">
-                    <asvg:svgBlip xmlns:asvg="http://schemas.microsoft.com/office/drawing/2016/SVG/main" r:embed="rId13"/>
-                  </a:ext>
-                </a:extLst>
-              </a:blip>
-              <a:stretch>
-                <a:fillRect/>
-              </a:stretch>
-            </p:blipFill>
-            <p:spPr>
-              <a:xfrm rot="20111766">
-                <a:off x="6274967" y="4985804"/>
-                <a:ext cx="746264" cy="746264"/>
+            </p:nvGrpSpPr>
+            <p:grpSpPr>
+              <a:xfrm>
+                <a:off x="5932289" y="4611673"/>
+                <a:ext cx="1684081" cy="897987"/>
+                <a:chOff x="5932289" y="4834081"/>
+                <a:chExt cx="1684081" cy="897987"/>
               </a:xfrm>
-              <a:prstGeom prst="rect">
-                <a:avLst/>
-              </a:prstGeom>
-            </p:spPr>
-          </p:pic>
-          <p:pic>
-            <p:nvPicPr>
-              <p:cNvPr id="63" name="Grafik 62" descr="Benutzer"/>
-              <p:cNvPicPr>
-                <a:picLocks noChangeAspect="1"/>
-              </p:cNvPicPr>
+            </p:grpSpPr>
+            <p:pic>
+              <p:nvPicPr>
+                <p:cNvPr id="62" name="Grafik 61" descr="Netzwerk"/>
+                <p:cNvPicPr>
+                  <a:picLocks noChangeAspect="1"/>
+                </p:cNvPicPr>
+                <p:nvPr/>
+              </p:nvPicPr>
+              <p:blipFill>
+                <a:blip r:embed="rId12" cstate="print">
+                  <a:extLst>
+                    <a:ext uri="{28A0092B-C50C-407E-A947-70E740481C1C}">
+                      <a14:useLocalDpi xmlns:a14="http://schemas.microsoft.com/office/drawing/2010/main" val="0"/>
+                    </a:ext>
+                    <a:ext uri="{96DAC541-7B7A-43D3-8B79-37D633B846F1}">
+                      <asvg:svgBlip xmlns:asvg="http://schemas.microsoft.com/office/drawing/2016/SVG/main" xmlns="" r:embed="rId13"/>
+                    </a:ext>
+                  </a:extLst>
+                </a:blip>
+                <a:stretch>
+                  <a:fillRect/>
+                </a:stretch>
+              </p:blipFill>
+              <p:spPr>
+                <a:xfrm rot="20111766">
+                  <a:off x="6274967" y="4985804"/>
+                  <a:ext cx="746264" cy="746264"/>
+                </a:xfrm>
+                <a:prstGeom prst="rect">
+                  <a:avLst/>
+                </a:prstGeom>
+              </p:spPr>
+            </p:pic>
+            <p:pic>
+              <p:nvPicPr>
+                <p:cNvPr id="63" name="Grafik 62" descr="Benutzer"/>
+                <p:cNvPicPr>
+                  <a:picLocks noChangeAspect="1"/>
+                </p:cNvPicPr>
+                <p:nvPr/>
+              </p:nvPicPr>
+              <p:blipFill>
+                <a:blip r:embed="rId14" cstate="print">
+                  <a:extLst>
+                    <a:ext uri="{28A0092B-C50C-407E-A947-70E740481C1C}">
+                      <a14:useLocalDpi xmlns:a14="http://schemas.microsoft.com/office/drawing/2010/main" val="0"/>
+                    </a:ext>
+                    <a:ext uri="{96DAC541-7B7A-43D3-8B79-37D633B846F1}">
+                      <asvg:svgBlip xmlns:asvg="http://schemas.microsoft.com/office/drawing/2016/SVG/main" xmlns="" r:embed="rId15"/>
+                    </a:ext>
+                  </a:extLst>
+                </a:blip>
+                <a:stretch>
+                  <a:fillRect/>
+                </a:stretch>
+              </p:blipFill>
+              <p:spPr>
+                <a:xfrm>
+                  <a:off x="6662206" y="4862427"/>
+                  <a:ext cx="505454" cy="505454"/>
+                </a:xfrm>
+                <a:prstGeom prst="rect">
+                  <a:avLst/>
+                </a:prstGeom>
+              </p:spPr>
+            </p:pic>
+            <p:pic>
+              <p:nvPicPr>
+                <p:cNvPr id="64" name="Picture 4" descr="City hall building Free Icon"/>
+                <p:cNvPicPr>
+                  <a:picLocks noChangeAspect="1" noChangeArrowheads="1"/>
+                </p:cNvPicPr>
+                <p:nvPr/>
+              </p:nvPicPr>
+              <p:blipFill>
+                <a:blip r:embed="rId16" cstate="print">
+                  <a:extLst>
+                    <a:ext uri="{BEBA8EAE-BF5A-486C-A8C5-ECC9F3942E4B}">
+                      <a14:imgProps xmlns:a14="http://schemas.microsoft.com/office/drawing/2010/main">
+                        <a14:imgLayer r:embed="rId17">
+                          <a14:imgEffect>
+                            <a14:backgroundRemoval t="9425" b="94089" l="0" r="100000">
+                              <a14:foregroundMark x1="5272" y1="63419" x2="5272" y2="63419"/>
+                              <a14:foregroundMark x1="40096" y1="85144" x2="40096" y2="85144"/>
+                              <a14:foregroundMark x1="87700" y1="79233" x2="87700" y2="79233"/>
+                            </a14:backgroundRemoval>
+                          </a14:imgEffect>
+                        </a14:imgLayer>
+                      </a14:imgProps>
+                    </a:ext>
+                    <a:ext uri="{28A0092B-C50C-407E-A947-70E740481C1C}">
+                      <a14:useLocalDpi xmlns:a14="http://schemas.microsoft.com/office/drawing/2010/main" val="0"/>
+                    </a:ext>
+                  </a:extLst>
+                </a:blip>
+                <a:srcRect/>
+                <a:stretch>
+                  <a:fillRect/>
+                </a:stretch>
+              </p:blipFill>
+              <p:spPr bwMode="auto">
+                <a:xfrm>
+                  <a:off x="5932289" y="4987924"/>
+                  <a:ext cx="554235" cy="554235"/>
+                </a:xfrm>
+                <a:prstGeom prst="rect">
+                  <a:avLst/>
+                </a:prstGeom>
+                <a:noFill/>
+              </p:spPr>
+            </p:pic>
+            <p:pic>
+              <p:nvPicPr>
+                <p:cNvPr id="65" name="Grafik 64"/>
+                <p:cNvPicPr>
+                  <a:picLocks noChangeAspect="1"/>
+                </p:cNvPicPr>
+                <p:nvPr/>
+              </p:nvPicPr>
+              <p:blipFill rotWithShape="1">
+                <a:blip r:embed="rId18" cstate="print">
+                  <a:extLst>
+                    <a:ext uri="{28A0092B-C50C-407E-A947-70E740481C1C}">
+                      <a14:useLocalDpi xmlns:a14="http://schemas.microsoft.com/office/drawing/2010/main" val="0"/>
+                    </a:ext>
+                  </a:extLst>
+                </a:blip>
+                <a:srcRect l="20002" t="30011" r="18445" b="12840"/>
+                <a:stretch/>
+              </p:blipFill>
+              <p:spPr>
+                <a:xfrm>
+                  <a:off x="7088465" y="4834081"/>
+                  <a:ext cx="527905" cy="490126"/>
+                </a:xfrm>
+                <a:prstGeom prst="rect">
+                  <a:avLst/>
+                </a:prstGeom>
+              </p:spPr>
+            </p:pic>
+          </p:grpSp>
+          <p:sp>
+            <p:nvSpPr>
+              <p:cNvPr id="59" name="TextBox 94"/>
+              <p:cNvSpPr txBox="1"/>
               <p:nvPr/>
-            </p:nvPicPr>
-            <p:blipFill>
-              <a:blip r:embed="rId14" cstate="print">
-                <a:extLst>
-                  <a:ext uri="{28A0092B-C50C-407E-A947-70E740481C1C}">
-                    <a14:useLocalDpi xmlns:a14="http://schemas.microsoft.com/office/drawing/2010/main" val="0"/>
-                  </a:ext>
-                  <a:ext uri="{96DAC541-7B7A-43D3-8B79-37D633B846F1}">
-                    <asvg:svgBlip xmlns:asvg="http://schemas.microsoft.com/office/drawing/2016/SVG/main" r:embed="rId15"/>
-                  </a:ext>
-                </a:extLst>
-              </a:blip>
-              <a:stretch>
-                <a:fillRect/>
-              </a:stretch>
-            </p:blipFill>
+            </p:nvSpPr>
             <p:spPr>
               <a:xfrm>
-                <a:off x="6662206" y="4862427"/>
-                <a:ext cx="505454" cy="505454"/>
-              </a:xfrm>
-              <a:prstGeom prst="rect">
-                <a:avLst/>
-              </a:prstGeom>
-            </p:spPr>
-          </p:pic>
-          <p:pic>
-            <p:nvPicPr>
-              <p:cNvPr id="64" name="Picture 4" descr="City hall building Free Icon"/>
-              <p:cNvPicPr>
-                <a:picLocks noChangeAspect="1" noChangeArrowheads="1"/>
-              </p:cNvPicPr>
-              <p:nvPr/>
-            </p:nvPicPr>
-            <p:blipFill>
-              <a:blip r:embed="rId16" cstate="print">
-                <a:extLst>
-                  <a:ext uri="{BEBA8EAE-BF5A-486C-A8C5-ECC9F3942E4B}">
-                    <a14:imgProps xmlns:a14="http://schemas.microsoft.com/office/drawing/2010/main">
-                      <a14:imgLayer r:embed="rId17">
-                        <a14:imgEffect>
-                          <a14:backgroundRemoval t="9425" b="94089" l="0" r="100000">
-                            <a14:foregroundMark x1="5272" y1="63419" x2="5272" y2="63419"/>
-                            <a14:foregroundMark x1="40096" y1="85144" x2="40096" y2="85144"/>
-                            <a14:foregroundMark x1="87700" y1="79233" x2="87700" y2="79233"/>
-                          </a14:backgroundRemoval>
-                        </a14:imgEffect>
-                      </a14:imgLayer>
-                    </a14:imgProps>
-                  </a:ext>
-                  <a:ext uri="{28A0092B-C50C-407E-A947-70E740481C1C}">
-                    <a14:useLocalDpi xmlns:a14="http://schemas.microsoft.com/office/drawing/2010/main" val="0"/>
-                  </a:ext>
-                </a:extLst>
-              </a:blip>
-              <a:srcRect/>
-              <a:stretch>
-                <a:fillRect/>
-              </a:stretch>
-            </p:blipFill>
-            <p:spPr bwMode="auto">
-              <a:xfrm>
-                <a:off x="5932289" y="4987924"/>
-                <a:ext cx="554235" cy="554235"/>
+                <a:off x="5038409" y="5475689"/>
+                <a:ext cx="3369455" cy="599772"/>
               </a:xfrm>
               <a:prstGeom prst="rect">
                 <a:avLst/>
               </a:prstGeom>
               <a:noFill/>
             </p:spPr>
-          </p:pic>
-          <p:pic>
-            <p:nvPicPr>
-              <p:cNvPr id="65" name="Grafik 64"/>
-              <p:cNvPicPr>
-                <a:picLocks noChangeAspect="1"/>
-              </p:cNvPicPr>
-              <p:nvPr/>
-            </p:nvPicPr>
-            <p:blipFill rotWithShape="1">
-              <a:blip r:embed="rId18" cstate="print">
-                <a:extLst>
-                  <a:ext uri="{28A0092B-C50C-407E-A947-70E740481C1C}">
-                    <a14:useLocalDpi xmlns:a14="http://schemas.microsoft.com/office/drawing/2010/main" val="0"/>
-                  </a:ext>
-                </a:extLst>
-              </a:blip>
-              <a:srcRect l="20002" t="30011" r="18445" b="12840"/>
-              <a:stretch/>
-            </p:blipFill>
-            <p:spPr>
-              <a:xfrm>
-                <a:off x="7088465" y="4834081"/>
-                <a:ext cx="527905" cy="490126"/>
-              </a:xfrm>
-              <a:prstGeom prst="rect">
-                <a:avLst/>
-              </a:prstGeom>
-            </p:spPr>
-          </p:pic>
+            <p:txBody>
+              <a:bodyPr wrap="square" rtlCol="0">
+                <a:spAutoFit/>
+              </a:bodyPr>
+              <a:lstStyle/>
+              <a:p>
+                <a:pPr algn="ctr"/>
+                <a:r>
+                  <a:rPr lang="en-GB" sz="1400" dirty="0"/>
+                  <a:t>Context and Properties</a:t>
+                </a:r>
+                <a:endParaRPr lang="de-DE" sz="1400" dirty="0"/>
+              </a:p>
+            </p:txBody>
+          </p:sp>
         </p:grpSp>
-        <p:sp>
-          <p:nvSpPr>
-            <p:cNvPr id="59" name="TextBox 94"/>
-            <p:cNvSpPr txBox="1"/>
-            <p:nvPr/>
-          </p:nvSpPr>
-          <p:spPr>
-            <a:xfrm>
-              <a:off x="5772151" y="5433318"/>
-              <a:ext cx="1901968" cy="307777"/>
-            </a:xfrm>
-            <a:prstGeom prst="rect">
-              <a:avLst/>
-            </a:prstGeom>
-            <a:noFill/>
-          </p:spPr>
-          <p:txBody>
-            <a:bodyPr wrap="square" rtlCol="0">
-              <a:spAutoFit/>
-            </a:bodyPr>
-            <a:lstStyle/>
-            <a:p>
-              <a:pPr algn="ctr"/>
-              <a:r>
-                <a:rPr lang="en-GB" sz="1400" dirty="0"/>
-                <a:t>Context and Properties</a:t>
-              </a:r>
-              <a:endParaRPr lang="de-DE" sz="1400" dirty="0"/>
-            </a:p>
-          </p:txBody>
-        </p:sp>
       </p:grpSp>
     </p:spTree>
     <p:extLst>
@@ -19679,9 +17365,6 @@
                     <p:cTn id="3" fill="hold">
                       <p:stCondLst>
                         <p:cond delay="indefinite"/>
-                        <p:cond evt="onBegin" delay="0">
-                          <p:tn val="2"/>
-                        </p:cond>
                       </p:stCondLst>
                       <p:childTnLst>
                         <p:par>
@@ -19691,7 +17374,7 @@
                             </p:stCondLst>
                             <p:childTnLst>
                               <p:par>
-                                <p:cTn id="5" presetID="1" presetClass="entr" presetSubtype="0" fill="hold" grpId="0" nodeType="withEffect">
+                                <p:cTn id="5" presetID="1" presetClass="entr" presetSubtype="0" fill="hold" nodeType="clickEffect">
                                   <p:stCondLst>
                                     <p:cond delay="0"/>
                                   </p:stCondLst>
@@ -19704,7 +17387,7 @@
                                           </p:stCondLst>
                                         </p:cTn>
                                         <p:tgtEl>
-                                          <p:spTgt spid="13"/>
+                                          <p:spTgt spid="3"/>
                                         </p:tgtEl>
                                         <p:attrNameLst>
                                           <p:attrName>style.visibility</p:attrName>
@@ -19717,21 +17400,219 @@
                                   </p:childTnLst>
                                 </p:cTn>
                               </p:par>
+                            </p:childTnLst>
+                          </p:cTn>
+                        </p:par>
+                      </p:childTnLst>
+                    </p:cTn>
+                  </p:par>
+                  <p:par>
+                    <p:cTn id="7" fill="hold">
+                      <p:stCondLst>
+                        <p:cond delay="indefinite"/>
+                      </p:stCondLst>
+                      <p:childTnLst>
+                        <p:par>
+                          <p:cTn id="8" fill="hold">
+                            <p:stCondLst>
+                              <p:cond delay="0"/>
+                            </p:stCondLst>
+                            <p:childTnLst>
                               <p:par>
-                                <p:cTn id="7" presetID="1" presetClass="entr" presetSubtype="0" fill="hold" nodeType="withEffect">
+                                <p:cTn id="9" presetID="1" presetClass="entr" presetSubtype="0" fill="hold" nodeType="clickEffect">
                                   <p:stCondLst>
                                     <p:cond delay="0"/>
                                   </p:stCondLst>
                                   <p:childTnLst>
                                     <p:set>
                                       <p:cBhvr>
-                                        <p:cTn id="8" dur="1" fill="hold">
+                                        <p:cTn id="10" dur="1" fill="hold">
                                           <p:stCondLst>
                                             <p:cond delay="0"/>
                                           </p:stCondLst>
                                         </p:cTn>
                                         <p:tgtEl>
-                                          <p:spTgt spid="54"/>
+                                          <p:spTgt spid="12"/>
+                                        </p:tgtEl>
+                                        <p:attrNameLst>
+                                          <p:attrName>style.visibility</p:attrName>
+                                        </p:attrNameLst>
+                                      </p:cBhvr>
+                                      <p:to>
+                                        <p:strVal val="visible"/>
+                                      </p:to>
+                                    </p:set>
+                                  </p:childTnLst>
+                                </p:cTn>
+                              </p:par>
+                            </p:childTnLst>
+                          </p:cTn>
+                        </p:par>
+                      </p:childTnLst>
+                    </p:cTn>
+                  </p:par>
+                  <p:par>
+                    <p:cTn id="11" fill="hold">
+                      <p:stCondLst>
+                        <p:cond delay="indefinite"/>
+                      </p:stCondLst>
+                      <p:childTnLst>
+                        <p:par>
+                          <p:cTn id="12" fill="hold">
+                            <p:stCondLst>
+                              <p:cond delay="0"/>
+                            </p:stCondLst>
+                            <p:childTnLst>
+                              <p:par>
+                                <p:cTn id="13" presetID="1" presetClass="entr" presetSubtype="0" fill="hold" nodeType="clickEffect">
+                                  <p:stCondLst>
+                                    <p:cond delay="0"/>
+                                  </p:stCondLst>
+                                  <p:childTnLst>
+                                    <p:set>
+                                      <p:cBhvr>
+                                        <p:cTn id="14" dur="1" fill="hold">
+                                          <p:stCondLst>
+                                            <p:cond delay="0"/>
+                                          </p:stCondLst>
+                                        </p:cTn>
+                                        <p:tgtEl>
+                                          <p:spTgt spid="14"/>
+                                        </p:tgtEl>
+                                        <p:attrNameLst>
+                                          <p:attrName>style.visibility</p:attrName>
+                                        </p:attrNameLst>
+                                      </p:cBhvr>
+                                      <p:to>
+                                        <p:strVal val="visible"/>
+                                      </p:to>
+                                    </p:set>
+                                  </p:childTnLst>
+                                </p:cTn>
+                              </p:par>
+                            </p:childTnLst>
+                          </p:cTn>
+                        </p:par>
+                      </p:childTnLst>
+                    </p:cTn>
+                  </p:par>
+                  <p:par>
+                    <p:cTn id="15" fill="hold">
+                      <p:stCondLst>
+                        <p:cond delay="indefinite"/>
+                      </p:stCondLst>
+                      <p:childTnLst>
+                        <p:par>
+                          <p:cTn id="16" fill="hold">
+                            <p:stCondLst>
+                              <p:cond delay="0"/>
+                            </p:stCondLst>
+                            <p:childTnLst>
+                              <p:par>
+                                <p:cTn id="17" presetID="1" presetClass="entr" presetSubtype="0" fill="hold" nodeType="clickEffect">
+                                  <p:stCondLst>
+                                    <p:cond delay="0"/>
+                                  </p:stCondLst>
+                                  <p:childTnLst>
+                                    <p:set>
+                                      <p:cBhvr>
+                                        <p:cTn id="18" dur="1" fill="hold">
+                                          <p:stCondLst>
+                                            <p:cond delay="0"/>
+                                          </p:stCondLst>
+                                        </p:cTn>
+                                        <p:tgtEl>
+                                          <p:spTgt spid="16"/>
+                                        </p:tgtEl>
+                                        <p:attrNameLst>
+                                          <p:attrName>style.visibility</p:attrName>
+                                        </p:attrNameLst>
+                                      </p:cBhvr>
+                                      <p:to>
+                                        <p:strVal val="visible"/>
+                                      </p:to>
+                                    </p:set>
+                                  </p:childTnLst>
+                                </p:cTn>
+                              </p:par>
+                            </p:childTnLst>
+                          </p:cTn>
+                        </p:par>
+                      </p:childTnLst>
+                    </p:cTn>
+                  </p:par>
+                  <p:par>
+                    <p:cTn id="19" fill="hold">
+                      <p:stCondLst>
+                        <p:cond delay="indefinite"/>
+                      </p:stCondLst>
+                      <p:childTnLst>
+                        <p:par>
+                          <p:cTn id="20" fill="hold">
+                            <p:stCondLst>
+                              <p:cond delay="0"/>
+                            </p:stCondLst>
+                            <p:childTnLst>
+                              <p:par>
+                                <p:cTn id="21" presetID="1" presetClass="entr" presetSubtype="0" fill="hold" nodeType="clickEffect">
+                                  <p:stCondLst>
+                                    <p:cond delay="0"/>
+                                  </p:stCondLst>
+                                  <p:childTnLst>
+                                    <p:set>
+                                      <p:cBhvr>
+                                        <p:cTn id="22" dur="1" fill="hold">
+                                          <p:stCondLst>
+                                            <p:cond delay="0"/>
+                                          </p:stCondLst>
+                                        </p:cTn>
+                                        <p:tgtEl>
+                                          <p:spTgt spid="17"/>
+                                        </p:tgtEl>
+                                        <p:attrNameLst>
+                                          <p:attrName>style.visibility</p:attrName>
+                                        </p:attrNameLst>
+                                      </p:cBhvr>
+                                      <p:to>
+                                        <p:strVal val="visible"/>
+                                      </p:to>
+                                    </p:set>
+                                  </p:childTnLst>
+                                </p:cTn>
+                              </p:par>
+                            </p:childTnLst>
+                          </p:cTn>
+                        </p:par>
+                      </p:childTnLst>
+                    </p:cTn>
+                  </p:par>
+                  <p:par>
+                    <p:cTn id="23" fill="hold">
+                      <p:stCondLst>
+                        <p:cond delay="indefinite"/>
+                      </p:stCondLst>
+                      <p:childTnLst>
+                        <p:par>
+                          <p:cTn id="24" fill="hold">
+                            <p:stCondLst>
+                              <p:cond delay="0"/>
+                            </p:stCondLst>
+                            <p:childTnLst>
+                              <p:par>
+                                <p:cTn id="25" presetID="1" presetClass="entr" presetSubtype="0" fill="hold" nodeType="clickEffect">
+                                  <p:stCondLst>
+                                    <p:cond delay="0"/>
+                                  </p:stCondLst>
+                                  <p:childTnLst>
+                                    <p:set>
+                                      <p:cBhvr>
+                                        <p:cTn id="26" dur="1" fill="hold">
+                                          <p:stCondLst>
+                                            <p:cond delay="0"/>
+                                          </p:stCondLst>
+                                        </p:cTn>
+                                        <p:tgtEl>
+                                          <p:spTgt spid="18"/>
                                         </p:tgtEl>
                                         <p:attrNameLst>
                                           <p:attrName>style.visibility</p:attrName>
@@ -19771,14 +17652,11 @@
         </p:cTn>
       </p:par>
     </p:tnLst>
-    <p:bldLst>
-      <p:bldP spid="13" grpId="0" animBg="1"/>
-    </p:bldLst>
   </p:timing>
 </p:sld>
 </file>
 
-<file path=ppt/slides/slide8.xml><?xml version="1.0" encoding="utf-8"?>
+<file path=ppt/slides/slide7.xml><?xml version="1.0" encoding="utf-8"?>
 <p:sld xmlns:a="http://schemas.openxmlformats.org/drawingml/2006/main" xmlns:r="http://schemas.openxmlformats.org/officeDocument/2006/relationships" xmlns:p="http://schemas.openxmlformats.org/presentationml/2006/main">
   <p:cSld>
     <p:spTree>
@@ -19842,7 +17720,7 @@
             <a:fld id="{2921BF44-F096-42DF-ADC3-B535522D2EE1}" type="slidenum">
               <a:rPr lang="en-GB" smtClean="0"/>
               <a:pPr/>
-              <a:t>8</a:t>
+              <a:t>7</a:t>
             </a:fld>
             <a:endParaRPr lang="en-GB" dirty="0"/>
           </a:p>
@@ -19858,10 +17736,17 @@
   <p:clrMapOvr>
     <a:masterClrMapping/>
   </p:clrMapOvr>
+  <p:timing>
+    <p:tnLst>
+      <p:par>
+        <p:cTn id="1" dur="indefinite" restart="never" nodeType="tmRoot"/>
+      </p:par>
+    </p:tnLst>
+  </p:timing>
 </p:sld>
 </file>
 
-<file path=ppt/slides/slide9.xml><?xml version="1.0" encoding="utf-8"?>
+<file path=ppt/slides/slide8.xml><?xml version="1.0" encoding="utf-8"?>
 <p:sld xmlns:a="http://schemas.openxmlformats.org/drawingml/2006/main" xmlns:r="http://schemas.openxmlformats.org/officeDocument/2006/relationships" xmlns:p="http://schemas.openxmlformats.org/presentationml/2006/main">
   <p:cSld>
     <p:spTree>
@@ -19919,7 +17804,7 @@
             <a:fld id="{2921BF44-F096-42DF-ADC3-B535522D2EE1}" type="slidenum">
               <a:rPr lang="en-GB" smtClean="0"/>
               <a:pPr/>
-              <a:t>9</a:t>
+              <a:t>8</a:t>
             </a:fld>
             <a:endParaRPr lang="en-GB" dirty="0"/>
           </a:p>
@@ -20373,132 +18258,6 @@
           </a:p>
         </p:txBody>
       </p:sp>
-      <p:grpSp>
-        <p:nvGrpSpPr>
-          <p:cNvPr id="2051" name="Group 2050"/>
-          <p:cNvGrpSpPr/>
-          <p:nvPr/>
-        </p:nvGrpSpPr>
-        <p:grpSpPr>
-          <a:xfrm>
-            <a:off x="6291684" y="2913431"/>
-            <a:ext cx="1839441" cy="1148731"/>
-            <a:chOff x="6291684" y="3152727"/>
-            <a:chExt cx="1839441" cy="1148731"/>
-          </a:xfrm>
-        </p:grpSpPr>
-        <p:pic>
-          <p:nvPicPr>
-            <p:cNvPr id="36" name="Grafik 133" descr="Netzwerk"/>
-            <p:cNvPicPr>
-              <a:picLocks noChangeAspect="1"/>
-            </p:cNvPicPr>
-            <p:nvPr/>
-          </p:nvPicPr>
-          <p:blipFill>
-            <a:blip r:embed="rId6" cstate="print">
-              <a:extLst>
-                <a:ext uri="{28A0092B-C50C-407E-A947-70E740481C1C}">
-                  <a14:useLocalDpi xmlns:a14="http://schemas.microsoft.com/office/drawing/2010/main" val="0"/>
-                </a:ext>
-                <a:ext uri="{96DAC541-7B7A-43D3-8B79-37D633B846F1}">
-                  <asvg:svgBlip xmlns:asvg="http://schemas.microsoft.com/office/drawing/2016/SVG/main" r:embed="rId7"/>
-                </a:ext>
-              </a:extLst>
-            </a:blip>
-            <a:stretch>
-              <a:fillRect/>
-            </a:stretch>
-          </p:blipFill>
-          <p:spPr>
-            <a:xfrm>
-              <a:off x="6665512" y="3152727"/>
-              <a:ext cx="1043325" cy="1043325"/>
-            </a:xfrm>
-            <a:prstGeom prst="rect">
-              <a:avLst/>
-            </a:prstGeom>
-          </p:spPr>
-        </p:pic>
-        <p:pic>
-          <p:nvPicPr>
-            <p:cNvPr id="37" name="Grafik 134" descr="Benutzer"/>
-            <p:cNvPicPr>
-              <a:picLocks noChangeAspect="1"/>
-            </p:cNvPicPr>
-            <p:nvPr/>
-          </p:nvPicPr>
-          <p:blipFill>
-            <a:blip r:embed="rId8" cstate="print">
-              <a:extLst>
-                <a:ext uri="{28A0092B-C50C-407E-A947-70E740481C1C}">
-                  <a14:useLocalDpi xmlns:a14="http://schemas.microsoft.com/office/drawing/2010/main" val="0"/>
-                </a:ext>
-                <a:ext uri="{96DAC541-7B7A-43D3-8B79-37D633B846F1}">
-                  <asvg:svgBlip xmlns:asvg="http://schemas.microsoft.com/office/drawing/2016/SVG/main" r:embed="rId9"/>
-                </a:ext>
-              </a:extLst>
-            </a:blip>
-            <a:stretch>
-              <a:fillRect/>
-            </a:stretch>
-          </p:blipFill>
-          <p:spPr>
-            <a:xfrm>
-              <a:off x="7547111" y="3196875"/>
-              <a:ext cx="584014" cy="584014"/>
-            </a:xfrm>
-            <a:prstGeom prst="rect">
-              <a:avLst/>
-            </a:prstGeom>
-          </p:spPr>
-        </p:pic>
-        <p:pic>
-          <p:nvPicPr>
-            <p:cNvPr id="38" name="Picture 4" descr="City hall building Free Icon"/>
-            <p:cNvPicPr>
-              <a:picLocks noChangeAspect="1" noChangeArrowheads="1"/>
-            </p:cNvPicPr>
-            <p:nvPr/>
-          </p:nvPicPr>
-          <p:blipFill>
-            <a:blip r:embed="rId10" cstate="print">
-              <a:extLst>
-                <a:ext uri="{BEBA8EAE-BF5A-486C-A8C5-ECC9F3942E4B}">
-                  <a14:imgProps xmlns:a14="http://schemas.microsoft.com/office/drawing/2010/main">
-                    <a14:imgLayer r:embed="rId11">
-                      <a14:imgEffect>
-                        <a14:backgroundRemoval t="9425" b="94089" l="0" r="100000">
-                          <a14:foregroundMark x1="5272" y1="63419" x2="5272" y2="63419"/>
-                          <a14:foregroundMark x1="40096" y1="85144" x2="40096" y2="85144"/>
-                          <a14:foregroundMark x1="87700" y1="79233" x2="87700" y2="79233"/>
-                        </a14:backgroundRemoval>
-                      </a14:imgEffect>
-                    </a14:imgLayer>
-                  </a14:imgProps>
-                </a:ext>
-                <a:ext uri="{28A0092B-C50C-407E-A947-70E740481C1C}">
-                  <a14:useLocalDpi xmlns:a14="http://schemas.microsoft.com/office/drawing/2010/main" val="0"/>
-                </a:ext>
-              </a:extLst>
-            </a:blip>
-            <a:srcRect/>
-            <a:stretch>
-              <a:fillRect/>
-            </a:stretch>
-          </p:blipFill>
-          <p:spPr bwMode="auto">
-            <a:xfrm>
-              <a:off x="6291684" y="3780889"/>
-              <a:ext cx="520569" cy="520569"/>
-            </a:xfrm>
-            <a:prstGeom prst="rect">
-              <a:avLst/>
-            </a:prstGeom>
-            <a:noFill/>
-          </p:spPr>
-        </p:pic>
-      </p:grpSp>
       <p:sp>
         <p:nvSpPr>
           <p:cNvPr id="2048" name="AutoShape 20" descr="Image result for wikipedia log"/>
@@ -20547,7 +18306,7 @@
         <p:spPr>
           <a:xfrm>
             <a:off x="5881623" y="4531251"/>
-            <a:ext cx="2611099" cy="1200329"/>
+            <a:ext cx="2611099" cy="1569660"/>
           </a:xfrm>
           <a:prstGeom prst="rect">
             <a:avLst/>
@@ -20581,7 +18340,17 @@
               <a:buAutoNum type="arabicPeriod"/>
             </a:pPr>
             <a:r>
-              <a:rPr lang="en-GB" sz="2400" dirty="0"/>
+              <a:rPr lang="en-GB" sz="2400" dirty="0" smtClean="0"/>
+              <a:t>Properties</a:t>
+            </a:r>
+          </a:p>
+          <a:p>
+            <a:pPr marL="457200" indent="-457200">
+              <a:buFont typeface="+mj-lt"/>
+              <a:buAutoNum type="arabicPeriod"/>
+            </a:pPr>
+            <a:r>
+              <a:rPr lang="en-GB" sz="2400" dirty="0" smtClean="0"/>
               <a:t>Connections</a:t>
             </a:r>
             <a:endParaRPr lang="de-DE" sz="2400" dirty="0"/>
@@ -20642,7 +18411,7 @@
             <p:nvPr/>
           </p:nvPicPr>
           <p:blipFill>
-            <a:blip r:embed="rId12">
+            <a:blip r:embed="rId6">
               <a:extLst>
                 <a:ext uri="{28A0092B-C50C-407E-A947-70E740481C1C}">
                   <a14:useLocalDpi xmlns:a14="http://schemas.microsoft.com/office/drawing/2010/main" val="0"/>
@@ -20720,10 +18489,268 @@
           </p:txBody>
         </p:sp>
       </p:grpSp>
+      <p:grpSp>
+        <p:nvGrpSpPr>
+          <p:cNvPr id="29" name="Gruppieren 54"/>
+          <p:cNvGrpSpPr/>
+          <p:nvPr/>
+        </p:nvGrpSpPr>
+        <p:grpSpPr>
+          <a:xfrm>
+            <a:off x="6168303" y="2990159"/>
+            <a:ext cx="2037738" cy="1086565"/>
+            <a:chOff x="5932289" y="4834081"/>
+            <a:chExt cx="1684081" cy="897987"/>
+          </a:xfrm>
+        </p:grpSpPr>
+        <p:pic>
+          <p:nvPicPr>
+            <p:cNvPr id="33" name="Grafik 61" descr="Netzwerk"/>
+            <p:cNvPicPr>
+              <a:picLocks noChangeAspect="1"/>
+            </p:cNvPicPr>
+            <p:nvPr/>
+          </p:nvPicPr>
+          <p:blipFill>
+            <a:blip r:embed="rId7" cstate="print">
+              <a:extLst>
+                <a:ext uri="{28A0092B-C50C-407E-A947-70E740481C1C}">
+                  <a14:useLocalDpi xmlns:a14="http://schemas.microsoft.com/office/drawing/2010/main" val="0"/>
+                </a:ext>
+                <a:ext uri="{96DAC541-7B7A-43D3-8B79-37D633B846F1}">
+                  <asvg:svgBlip xmlns:asvg="http://schemas.microsoft.com/office/drawing/2016/SVG/main" xmlns="" r:embed="rId13"/>
+                </a:ext>
+              </a:extLst>
+            </a:blip>
+            <a:stretch>
+              <a:fillRect/>
+            </a:stretch>
+          </p:blipFill>
+          <p:spPr>
+            <a:xfrm rot="20111766">
+              <a:off x="6274967" y="4985804"/>
+              <a:ext cx="746264" cy="746264"/>
+            </a:xfrm>
+            <a:prstGeom prst="rect">
+              <a:avLst/>
+            </a:prstGeom>
+          </p:spPr>
+        </p:pic>
+        <p:pic>
+          <p:nvPicPr>
+            <p:cNvPr id="34" name="Grafik 62" descr="Benutzer"/>
+            <p:cNvPicPr>
+              <a:picLocks noChangeAspect="1"/>
+            </p:cNvPicPr>
+            <p:nvPr/>
+          </p:nvPicPr>
+          <p:blipFill>
+            <a:blip r:embed="rId14" cstate="print">
+              <a:extLst>
+                <a:ext uri="{28A0092B-C50C-407E-A947-70E740481C1C}">
+                  <a14:useLocalDpi xmlns:a14="http://schemas.microsoft.com/office/drawing/2010/main" val="0"/>
+                </a:ext>
+                <a:ext uri="{96DAC541-7B7A-43D3-8B79-37D633B846F1}">
+                  <asvg:svgBlip xmlns:asvg="http://schemas.microsoft.com/office/drawing/2016/SVG/main" xmlns="" r:embed="rId15"/>
+                </a:ext>
+              </a:extLst>
+            </a:blip>
+            <a:stretch>
+              <a:fillRect/>
+            </a:stretch>
+          </p:blipFill>
+          <p:spPr>
+            <a:xfrm>
+              <a:off x="6662206" y="4862427"/>
+              <a:ext cx="505454" cy="505454"/>
+            </a:xfrm>
+            <a:prstGeom prst="rect">
+              <a:avLst/>
+            </a:prstGeom>
+          </p:spPr>
+        </p:pic>
+        <p:pic>
+          <p:nvPicPr>
+            <p:cNvPr id="39" name="Picture 4" descr="City hall building Free Icon"/>
+            <p:cNvPicPr>
+              <a:picLocks noChangeAspect="1" noChangeArrowheads="1"/>
+            </p:cNvPicPr>
+            <p:nvPr/>
+          </p:nvPicPr>
+          <p:blipFill>
+            <a:blip r:embed="rId16" cstate="print">
+              <a:extLst>
+                <a:ext uri="{BEBA8EAE-BF5A-486C-A8C5-ECC9F3942E4B}">
+                  <a14:imgProps xmlns:a14="http://schemas.microsoft.com/office/drawing/2010/main">
+                    <a14:imgLayer r:embed="rId17">
+                      <a14:imgEffect>
+                        <a14:backgroundRemoval t="9425" b="94089" l="0" r="100000">
+                          <a14:foregroundMark x1="5272" y1="63419" x2="5272" y2="63419"/>
+                          <a14:foregroundMark x1="40096" y1="85144" x2="40096" y2="85144"/>
+                          <a14:foregroundMark x1="87700" y1="79233" x2="87700" y2="79233"/>
+                        </a14:backgroundRemoval>
+                      </a14:imgEffect>
+                    </a14:imgLayer>
+                  </a14:imgProps>
+                </a:ext>
+                <a:ext uri="{28A0092B-C50C-407E-A947-70E740481C1C}">
+                  <a14:useLocalDpi xmlns:a14="http://schemas.microsoft.com/office/drawing/2010/main" val="0"/>
+                </a:ext>
+              </a:extLst>
+            </a:blip>
+            <a:srcRect/>
+            <a:stretch>
+              <a:fillRect/>
+            </a:stretch>
+          </p:blipFill>
+          <p:spPr bwMode="auto">
+            <a:xfrm>
+              <a:off x="5932289" y="4987924"/>
+              <a:ext cx="554235" cy="554235"/>
+            </a:xfrm>
+            <a:prstGeom prst="rect">
+              <a:avLst/>
+            </a:prstGeom>
+            <a:noFill/>
+          </p:spPr>
+        </p:pic>
+        <p:pic>
+          <p:nvPicPr>
+            <p:cNvPr id="40" name="Grafik 64"/>
+            <p:cNvPicPr>
+              <a:picLocks noChangeAspect="1"/>
+            </p:cNvPicPr>
+            <p:nvPr/>
+          </p:nvPicPr>
+          <p:blipFill rotWithShape="1">
+            <a:blip r:embed="rId18" cstate="print">
+              <a:extLst>
+                <a:ext uri="{28A0092B-C50C-407E-A947-70E740481C1C}">
+                  <a14:useLocalDpi xmlns:a14="http://schemas.microsoft.com/office/drawing/2010/main" val="0"/>
+                </a:ext>
+              </a:extLst>
+            </a:blip>
+            <a:srcRect l="20002" t="30011" r="18445" b="12840"/>
+            <a:stretch/>
+          </p:blipFill>
+          <p:spPr>
+            <a:xfrm>
+              <a:off x="7088465" y="4834081"/>
+              <a:ext cx="527905" cy="490126"/>
+            </a:xfrm>
+            <a:prstGeom prst="rect">
+              <a:avLst/>
+            </a:prstGeom>
+          </p:spPr>
+        </p:pic>
+      </p:grpSp>
     </p:spTree>
     <p:extLst>
       <p:ext uri="{BB962C8B-B14F-4D97-AF65-F5344CB8AC3E}">
         <p14:creationId xmlns:p14="http://schemas.microsoft.com/office/powerpoint/2010/main" val="2861008330"/>
+      </p:ext>
+    </p:extLst>
+  </p:cSld>
+  <p:clrMapOvr>
+    <a:masterClrMapping/>
+  </p:clrMapOvr>
+  <p:timing>
+    <p:tnLst>
+      <p:par>
+        <p:cTn id="1" dur="indefinite" restart="never" nodeType="tmRoot"/>
+      </p:par>
+    </p:tnLst>
+  </p:timing>
+</p:sld>
+</file>
+
+<file path=ppt/slides/slide9.xml><?xml version="1.0" encoding="utf-8"?>
+<p:sld xmlns:a="http://schemas.openxmlformats.org/drawingml/2006/main" xmlns:r="http://schemas.openxmlformats.org/officeDocument/2006/relationships" xmlns:p="http://schemas.openxmlformats.org/presentationml/2006/main">
+  <p:cSld>
+    <p:spTree>
+      <p:nvGrpSpPr>
+        <p:cNvPr id="1" name=""/>
+        <p:cNvGrpSpPr/>
+        <p:nvPr/>
+      </p:nvGrpSpPr>
+      <p:grpSpPr>
+        <a:xfrm>
+          <a:off x="0" y="0"/>
+          <a:ext cx="0" cy="0"/>
+          <a:chOff x="0" y="0"/>
+          <a:chExt cx="0" cy="0"/>
+        </a:xfrm>
+      </p:grpSpPr>
+      <p:sp>
+        <p:nvSpPr>
+          <p:cNvPr id="2" name="Title 1"/>
+          <p:cNvSpPr>
+            <a:spLocks noGrp="1"/>
+          </p:cNvSpPr>
+          <p:nvPr>
+            <p:ph type="title"/>
+          </p:nvPr>
+        </p:nvSpPr>
+        <p:spPr/>
+        <p:txBody>
+          <a:bodyPr/>
+          <a:lstStyle/>
+          <a:p>
+            <a:r>
+              <a:rPr lang="en-GB" dirty="0"/>
+              <a:t>Backup</a:t>
+            </a:r>
+            <a:endParaRPr lang="de-DE" dirty="0"/>
+          </a:p>
+        </p:txBody>
+      </p:sp>
+      <p:sp>
+        <p:nvSpPr>
+          <p:cNvPr id="3" name="Content Placeholder 2"/>
+          <p:cNvSpPr>
+            <a:spLocks noGrp="1"/>
+          </p:cNvSpPr>
+          <p:nvPr>
+            <p:ph idx="1"/>
+          </p:nvPr>
+        </p:nvSpPr>
+        <p:spPr/>
+        <p:txBody>
+          <a:bodyPr/>
+          <a:lstStyle/>
+          <a:p>
+            <a:endParaRPr lang="de-DE"/>
+          </a:p>
+        </p:txBody>
+      </p:sp>
+      <p:sp>
+        <p:nvSpPr>
+          <p:cNvPr id="4" name="Slide Number Placeholder 3"/>
+          <p:cNvSpPr>
+            <a:spLocks noGrp="1"/>
+          </p:cNvSpPr>
+          <p:nvPr>
+            <p:ph type="sldNum" sz="quarter" idx="12"/>
+          </p:nvPr>
+        </p:nvSpPr>
+        <p:spPr/>
+        <p:txBody>
+          <a:bodyPr/>
+          <a:lstStyle/>
+          <a:p>
+            <a:fld id="{2921BF44-F096-42DF-ADC3-B535522D2EE1}" type="slidenum">
+              <a:rPr lang="en-GB" smtClean="0"/>
+              <a:pPr/>
+              <a:t>9</a:t>
+            </a:fld>
+            <a:endParaRPr lang="en-GB" dirty="0"/>
+          </a:p>
+        </p:txBody>
+      </p:sp>
+    </p:spTree>
+    <p:extLst>
+      <p:ext uri="{BB962C8B-B14F-4D97-AF65-F5344CB8AC3E}">
+        <p14:creationId xmlns:p14="http://schemas.microsoft.com/office/powerpoint/2010/main" val="333537589"/>
       </p:ext>
     </p:extLst>
   </p:cSld>
@@ -20983,7 +19010,7 @@
   <a:extraClrSchemeLst/>
   <a:extLst>
     <a:ext uri="{05A4C25C-085E-4340-85A3-A5531E510DB2}">
-      <thm15:themeFamily xmlns:thm15="http://schemas.microsoft.com/office/thememl/2012/main" name="Parallax" id="{3388167B-A2EB-4685-9635-1831D9AEF8C4}" vid="{4F7A876A-7598-49CA-AFC8-8EDA2551E4A7}"/>
+      <thm15:themeFamily xmlns:thm15="http://schemas.microsoft.com/office/thememl/2012/main" xmlns="" name="Parallax" id="{3388167B-A2EB-4685-9635-1831D9AEF8C4}" vid="{4F7A876A-7598-49CA-AFC8-8EDA2551E4A7}"/>
     </a:ext>
   </a:extLst>
 </a:theme>
@@ -21244,7 +19271,7 @@
   <a:extraClrSchemeLst/>
   <a:extLst>
     <a:ext uri="{05A4C25C-085E-4340-85A3-A5531E510DB2}">
-      <thm15:themeFamily xmlns:thm15="http://schemas.microsoft.com/office/thememl/2012/main" name="Office Theme" id="{62F939B6-93AF-4DB8-9C6B-D6C7DFDC589F}" vid="{4A3C46E8-61CC-4603-A589-7422A47A8E4A}"/>
+      <thm15:themeFamily xmlns:thm15="http://schemas.microsoft.com/office/thememl/2012/main" xmlns="" name="Office Theme" id="{62F939B6-93AF-4DB8-9C6B-D6C7DFDC589F}" vid="{4A3C46E8-61CC-4603-A589-7422A47A8E4A}"/>
     </a:ext>
   </a:extLst>
 </a:theme>

--- a/ProjectPresentation/EntityAnnotation.pptx
+++ b/ProjectPresentation/EntityAnnotation.pptx
@@ -5,7 +5,7 @@
     <p:sldMasterId id="2147483660" r:id="rId1"/>
   </p:sldMasterIdLst>
   <p:notesMasterIdLst>
-    <p:notesMasterId r:id="rId15"/>
+    <p:notesMasterId r:id="rId16"/>
   </p:notesMasterIdLst>
   <p:sldIdLst>
     <p:sldId id="259" r:id="rId2"/>
@@ -16,11 +16,12 @@
     <p:sldId id="294" r:id="rId7"/>
     <p:sldId id="291" r:id="rId8"/>
     <p:sldId id="285" r:id="rId9"/>
-    <p:sldId id="289" r:id="rId10"/>
-    <p:sldId id="258" r:id="rId11"/>
-    <p:sldId id="292" r:id="rId12"/>
-    <p:sldId id="287" r:id="rId13"/>
-    <p:sldId id="288" r:id="rId14"/>
+    <p:sldId id="296" r:id="rId10"/>
+    <p:sldId id="289" r:id="rId11"/>
+    <p:sldId id="258" r:id="rId12"/>
+    <p:sldId id="292" r:id="rId13"/>
+    <p:sldId id="287" r:id="rId14"/>
+    <p:sldId id="288" r:id="rId15"/>
   </p:sldIdLst>
   <p:sldSz cx="12192000" cy="6858000"/>
   <p:notesSz cx="6858000" cy="9144000"/>
@@ -121,7 +122,7 @@
   </p:defaultTextStyle>
   <p:extLst>
     <p:ext uri="{EFAFB233-063F-42B5-8137-9DF3F51BA10A}">
-      <p15:sldGuideLst xmlns:p15="http://schemas.microsoft.com/office/powerpoint/2012/main" xmlns="">
+      <p15:sldGuideLst xmlns:p15="http://schemas.microsoft.com/office/powerpoint/2012/main">
         <p15:guide id="1" orient="horz" pos="2160">
           <p15:clr>
             <a:srgbClr val="A4A3A4"/>
@@ -1478,98 +1479,109 @@
           <a:lstStyle/>
           <a:p>
             <a:r>
-              <a:rPr lang="en-GB" dirty="0"/>
-              <a:t>Demo script:</a:t>
-            </a:r>
-          </a:p>
-          <a:p>
-            <a:r>
-              <a:rPr lang="en-GB" dirty="0"/>
-              <a:t>User</a:t>
-            </a:r>
-            <a:r>
-              <a:rPr lang="en-GB" baseline="0" dirty="0"/>
-              <a:t> visits his favourite website (Spiegel, </a:t>
-            </a:r>
-            <a:r>
-              <a:rPr lang="en-GB" baseline="0" dirty="0" err="1"/>
-              <a:t>bbc</a:t>
-            </a:r>
-            <a:r>
-              <a:rPr lang="en-GB" baseline="0" dirty="0"/>
-              <a:t>, CNN)</a:t>
-            </a:r>
-          </a:p>
-          <a:p>
-            <a:r>
-              <a:rPr lang="en-GB" baseline="0" dirty="0"/>
-              <a:t>Reads an article about foreign politics: Trump is filling </a:t>
-            </a:r>
-            <a:r>
-              <a:rPr lang="en-GB" baseline="0"/>
-              <a:t>his cabinet (example: http://www.bbc.com/news/world-us-canada-38168382) </a:t>
-            </a:r>
-            <a:endParaRPr lang="en-GB" baseline="0" dirty="0"/>
-          </a:p>
-          <a:p>
-            <a:r>
-              <a:rPr lang="en-GB" baseline="0" dirty="0"/>
-              <a:t>Now Trump obviously he knows, but who is this other person that is mentioned here? </a:t>
-            </a:r>
-          </a:p>
-          <a:p>
-            <a:pPr marL="171450" indent="-171450">
-              <a:buFont typeface="Wingdings" pitchFamily="2" charset="2"/>
-              <a:buChar char="è"/>
-            </a:pPr>
-            <a:r>
-              <a:rPr lang="en-GB" baseline="0" dirty="0">
-                <a:sym typeface="Wingdings" panose="05000000000000000000" pitchFamily="2" charset="2"/>
-              </a:rPr>
-              <a:t>Select the text and click the button!</a:t>
-            </a:r>
-          </a:p>
-          <a:p>
-            <a:pPr marL="0" indent="0">
-              <a:buFont typeface="Wingdings" pitchFamily="2" charset="2"/>
-              <a:buNone/>
-            </a:pPr>
-            <a:r>
-              <a:rPr lang="en-GB" baseline="0" dirty="0">
-                <a:sym typeface="Wingdings" panose="05000000000000000000" pitchFamily="2" charset="2"/>
-              </a:rPr>
-              <a:t>View information about the named entities that were found:</a:t>
-            </a:r>
-          </a:p>
-          <a:p>
-            <a:pPr marL="171450" indent="-171450">
-              <a:buFont typeface="Wingdings" pitchFamily="2" charset="2"/>
-              <a:buChar char="è"/>
-            </a:pPr>
-            <a:r>
-              <a:rPr lang="en-GB" baseline="0" dirty="0">
-                <a:sym typeface="Wingdings" panose="05000000000000000000" pitchFamily="2" charset="2"/>
-              </a:rPr>
-              <a:t>Information about Trump (there seems to be a lot) and the other person</a:t>
-            </a:r>
-          </a:p>
-          <a:p>
-            <a:pPr marL="171450" indent="-171450">
-              <a:buFont typeface="Wingdings" pitchFamily="2" charset="2"/>
-              <a:buChar char="è"/>
-            </a:pPr>
-            <a:r>
-              <a:rPr lang="en-GB" baseline="0" dirty="0">
-                <a:sym typeface="Wingdings" panose="05000000000000000000" pitchFamily="2" charset="2"/>
-              </a:rPr>
-              <a:t>Now this is useful, but what connects Trump to this person? View visualization</a:t>
-            </a:r>
-          </a:p>
-          <a:p>
-            <a:pPr marL="171450" indent="-171450">
-              <a:buFont typeface="Wingdings" pitchFamily="2" charset="2"/>
-              <a:buChar char="è"/>
-            </a:pPr>
+              <a:rPr lang="de-DE" dirty="0" smtClean="0"/>
+              <a:t>Last </a:t>
+            </a:r>
+            <a:r>
+              <a:rPr lang="de-DE" dirty="0" err="1" smtClean="0"/>
+              <a:t>step</a:t>
+            </a:r>
+            <a:r>
+              <a:rPr lang="de-DE" dirty="0" smtClean="0"/>
+              <a:t>: </a:t>
+            </a:r>
+            <a:r>
+              <a:rPr lang="de-DE" dirty="0" err="1" smtClean="0"/>
+              <a:t>context</a:t>
+            </a:r>
+            <a:r>
+              <a:rPr lang="de-DE" dirty="0" smtClean="0"/>
+              <a:t> </a:t>
+            </a:r>
+            <a:r>
+              <a:rPr lang="de-DE" dirty="0" err="1" smtClean="0"/>
+              <a:t>and</a:t>
+            </a:r>
+            <a:r>
+              <a:rPr lang="de-DE" dirty="0" smtClean="0"/>
+              <a:t> </a:t>
+            </a:r>
+            <a:r>
+              <a:rPr lang="de-DE" dirty="0" err="1" smtClean="0"/>
+              <a:t>properties</a:t>
+            </a:r>
+            <a:r>
+              <a:rPr lang="de-DE" baseline="0" dirty="0" smtClean="0"/>
+              <a:t> </a:t>
+            </a:r>
+            <a:r>
+              <a:rPr lang="de-DE" baseline="0" dirty="0" err="1" smtClean="0"/>
+              <a:t>for</a:t>
+            </a:r>
+            <a:r>
+              <a:rPr lang="de-DE" baseline="0" dirty="0" smtClean="0"/>
+              <a:t> a </a:t>
+            </a:r>
+            <a:r>
+              <a:rPr lang="de-DE" baseline="0" dirty="0" err="1" smtClean="0"/>
+              <a:t>given</a:t>
+            </a:r>
+            <a:r>
+              <a:rPr lang="de-DE" baseline="0" dirty="0" smtClean="0"/>
+              <a:t> </a:t>
+            </a:r>
+            <a:r>
+              <a:rPr lang="de-DE" baseline="0" dirty="0" err="1" smtClean="0"/>
+              <a:t>set</a:t>
+            </a:r>
+            <a:r>
+              <a:rPr lang="de-DE" baseline="0" dirty="0" smtClean="0"/>
+              <a:t> </a:t>
+            </a:r>
+            <a:r>
+              <a:rPr lang="de-DE" baseline="0" dirty="0" err="1" smtClean="0"/>
+              <a:t>of</a:t>
+            </a:r>
+            <a:r>
+              <a:rPr lang="de-DE" baseline="0" dirty="0" smtClean="0"/>
+              <a:t> </a:t>
+            </a:r>
+            <a:r>
+              <a:rPr lang="de-DE" baseline="0" dirty="0" err="1" smtClean="0"/>
+              <a:t>named</a:t>
+            </a:r>
+            <a:r>
+              <a:rPr lang="de-DE" baseline="0" dirty="0" smtClean="0"/>
+              <a:t> </a:t>
+            </a:r>
+            <a:r>
+              <a:rPr lang="de-DE" baseline="0" dirty="0" err="1" smtClean="0"/>
+              <a:t>entities</a:t>
+            </a:r>
+            <a:r>
+              <a:rPr lang="de-DE" baseline="0" dirty="0" smtClean="0"/>
+              <a:t> </a:t>
+            </a:r>
+            <a:r>
+              <a:rPr lang="de-DE" baseline="0" dirty="0" err="1" smtClean="0"/>
+              <a:t>that</a:t>
+            </a:r>
+            <a:r>
+              <a:rPr lang="de-DE" baseline="0" dirty="0" smtClean="0"/>
+              <a:t> </a:t>
+            </a:r>
+            <a:r>
+              <a:rPr lang="de-DE" baseline="0" dirty="0" err="1" smtClean="0"/>
+              <a:t>were</a:t>
+            </a:r>
+            <a:r>
+              <a:rPr lang="de-DE" baseline="0" dirty="0" smtClean="0"/>
+              <a:t> </a:t>
+            </a:r>
+            <a:r>
+              <a:rPr lang="de-DE" baseline="0" dirty="0" err="1" smtClean="0"/>
+              <a:t>retrieved</a:t>
+            </a:r>
             <a:endParaRPr lang="de-DE" dirty="0"/>
           </a:p>
         </p:txBody>
@@ -1591,7 +1603,7 @@
           <a:p>
             <a:fld id="{6B56D088-27D1-433A-A9A9-E30AD3E13E16}" type="slidenum">
               <a:rPr lang="en-GB" smtClean="0"/>
-              <a:t>7</a:t>
+              <a:t>6</a:t>
             </a:fld>
             <a:endParaRPr lang="en-GB"/>
           </a:p>
@@ -1600,7 +1612,7 @@
     </p:spTree>
     <p:extLst>
       <p:ext uri="{BB962C8B-B14F-4D97-AF65-F5344CB8AC3E}">
-        <p14:creationId xmlns:p14="http://schemas.microsoft.com/office/powerpoint/2010/main" val="2749297725"/>
+        <p14:creationId xmlns:p14="http://schemas.microsoft.com/office/powerpoint/2010/main" val="4067828839"/>
       </p:ext>
     </p:extLst>
   </p:cSld>
@@ -1656,6 +1668,183 @@
           <a:p>
             <a:r>
               <a:rPr lang="en-GB" dirty="0"/>
+              <a:t>Demo script:</a:t>
+            </a:r>
+          </a:p>
+          <a:p>
+            <a:r>
+              <a:rPr lang="en-GB" dirty="0"/>
+              <a:t>User</a:t>
+            </a:r>
+            <a:r>
+              <a:rPr lang="en-GB" baseline="0" dirty="0"/>
+              <a:t> visits his favourite website (Spiegel, </a:t>
+            </a:r>
+            <a:r>
+              <a:rPr lang="en-GB" baseline="0" dirty="0" err="1"/>
+              <a:t>bbc</a:t>
+            </a:r>
+            <a:r>
+              <a:rPr lang="en-GB" baseline="0" dirty="0"/>
+              <a:t>, CNN)</a:t>
+            </a:r>
+          </a:p>
+          <a:p>
+            <a:r>
+              <a:rPr lang="en-GB" baseline="0" dirty="0"/>
+              <a:t>Reads an article about foreign politics: Trump is filling </a:t>
+            </a:r>
+            <a:r>
+              <a:rPr lang="en-GB" baseline="0"/>
+              <a:t>his cabinet (example: http://www.bbc.com/news/world-us-canada-38168382) </a:t>
+            </a:r>
+            <a:endParaRPr lang="en-GB" baseline="0" dirty="0"/>
+          </a:p>
+          <a:p>
+            <a:r>
+              <a:rPr lang="en-GB" baseline="0" dirty="0"/>
+              <a:t>Now Trump obviously he knows, but who is this other person that is mentioned here? </a:t>
+            </a:r>
+          </a:p>
+          <a:p>
+            <a:pPr marL="171450" indent="-171450">
+              <a:buFont typeface="Wingdings" pitchFamily="2" charset="2"/>
+              <a:buChar char="è"/>
+            </a:pPr>
+            <a:r>
+              <a:rPr lang="en-GB" baseline="0" dirty="0">
+                <a:sym typeface="Wingdings" panose="05000000000000000000" pitchFamily="2" charset="2"/>
+              </a:rPr>
+              <a:t>Select the text and click the button!</a:t>
+            </a:r>
+          </a:p>
+          <a:p>
+            <a:pPr marL="0" indent="0">
+              <a:buFont typeface="Wingdings" pitchFamily="2" charset="2"/>
+              <a:buNone/>
+            </a:pPr>
+            <a:r>
+              <a:rPr lang="en-GB" baseline="0" dirty="0">
+                <a:sym typeface="Wingdings" panose="05000000000000000000" pitchFamily="2" charset="2"/>
+              </a:rPr>
+              <a:t>View information about the named entities that were found:</a:t>
+            </a:r>
+          </a:p>
+          <a:p>
+            <a:pPr marL="171450" indent="-171450">
+              <a:buFont typeface="Wingdings" pitchFamily="2" charset="2"/>
+              <a:buChar char="è"/>
+            </a:pPr>
+            <a:r>
+              <a:rPr lang="en-GB" baseline="0" dirty="0">
+                <a:sym typeface="Wingdings" panose="05000000000000000000" pitchFamily="2" charset="2"/>
+              </a:rPr>
+              <a:t>Information about Trump (there seems to be a lot) and the other person</a:t>
+            </a:r>
+          </a:p>
+          <a:p>
+            <a:pPr marL="171450" indent="-171450">
+              <a:buFont typeface="Wingdings" pitchFamily="2" charset="2"/>
+              <a:buChar char="è"/>
+            </a:pPr>
+            <a:r>
+              <a:rPr lang="en-GB" baseline="0" dirty="0">
+                <a:sym typeface="Wingdings" panose="05000000000000000000" pitchFamily="2" charset="2"/>
+              </a:rPr>
+              <a:t>Now this is useful, but what connects Trump to this person? View visualization</a:t>
+            </a:r>
+          </a:p>
+          <a:p>
+            <a:pPr marL="171450" indent="-171450">
+              <a:buFont typeface="Wingdings" pitchFamily="2" charset="2"/>
+              <a:buChar char="è"/>
+            </a:pPr>
+            <a:endParaRPr lang="de-DE" dirty="0"/>
+          </a:p>
+        </p:txBody>
+      </p:sp>
+      <p:sp>
+        <p:nvSpPr>
+          <p:cNvPr id="4" name="Slide Number Placeholder 3"/>
+          <p:cNvSpPr>
+            <a:spLocks noGrp="1"/>
+          </p:cNvSpPr>
+          <p:nvPr>
+            <p:ph type="sldNum" sz="quarter" idx="10"/>
+          </p:nvPr>
+        </p:nvSpPr>
+        <p:spPr/>
+        <p:txBody>
+          <a:bodyPr/>
+          <a:lstStyle/>
+          <a:p>
+            <a:fld id="{6B56D088-27D1-433A-A9A9-E30AD3E13E16}" type="slidenum">
+              <a:rPr lang="en-GB" smtClean="0"/>
+              <a:t>7</a:t>
+            </a:fld>
+            <a:endParaRPr lang="en-GB"/>
+          </a:p>
+        </p:txBody>
+      </p:sp>
+    </p:spTree>
+    <p:extLst>
+      <p:ext uri="{BB962C8B-B14F-4D97-AF65-F5344CB8AC3E}">
+        <p14:creationId xmlns:p14="http://schemas.microsoft.com/office/powerpoint/2010/main" val="2749297725"/>
+      </p:ext>
+    </p:extLst>
+  </p:cSld>
+  <p:clrMapOvr>
+    <a:masterClrMapping/>
+  </p:clrMapOvr>
+</p:notes>
+</file>
+
+<file path=ppt/notesSlides/notesSlide7.xml><?xml version="1.0" encoding="utf-8"?>
+<p:notes xmlns:a="http://schemas.openxmlformats.org/drawingml/2006/main" xmlns:r="http://schemas.openxmlformats.org/officeDocument/2006/relationships" xmlns:p="http://schemas.openxmlformats.org/presentationml/2006/main">
+  <p:cSld>
+    <p:spTree>
+      <p:nvGrpSpPr>
+        <p:cNvPr id="1" name=""/>
+        <p:cNvGrpSpPr/>
+        <p:nvPr/>
+      </p:nvGrpSpPr>
+      <p:grpSpPr>
+        <a:xfrm>
+          <a:off x="0" y="0"/>
+          <a:ext cx="0" cy="0"/>
+          <a:chOff x="0" y="0"/>
+          <a:chExt cx="0" cy="0"/>
+        </a:xfrm>
+      </p:grpSpPr>
+      <p:sp>
+        <p:nvSpPr>
+          <p:cNvPr id="2" name="Slide Image Placeholder 1"/>
+          <p:cNvSpPr>
+            <a:spLocks noGrp="1" noRot="1" noChangeAspect="1"/>
+          </p:cNvSpPr>
+          <p:nvPr>
+            <p:ph type="sldImg"/>
+          </p:nvPr>
+        </p:nvSpPr>
+        <p:spPr/>
+      </p:sp>
+      <p:sp>
+        <p:nvSpPr>
+          <p:cNvPr id="3" name="Notes Placeholder 2"/>
+          <p:cNvSpPr>
+            <a:spLocks noGrp="1"/>
+          </p:cNvSpPr>
+          <p:nvPr>
+            <p:ph type="body" idx="1"/>
+          </p:nvPr>
+        </p:nvSpPr>
+        <p:spPr/>
+        <p:txBody>
+          <a:bodyPr/>
+          <a:lstStyle/>
+          <a:p>
+            <a:r>
+              <a:rPr lang="en-GB" dirty="0"/>
               <a:t>On the technical side: architecture is extensible, as in new sources can</a:t>
             </a:r>
             <a:r>
@@ -1786,7 +1975,179 @@
 </p:notes>
 </file>
 
-<file path=ppt/notesSlides/notesSlide7.xml><?xml version="1.0" encoding="utf-8"?>
+<file path=ppt/notesSlides/notesSlide8.xml><?xml version="1.0" encoding="utf-8"?>
+<p:notes xmlns:a="http://schemas.openxmlformats.org/drawingml/2006/main" xmlns:r="http://schemas.openxmlformats.org/officeDocument/2006/relationships" xmlns:p="http://schemas.openxmlformats.org/presentationml/2006/main">
+  <p:cSld>
+    <p:spTree>
+      <p:nvGrpSpPr>
+        <p:cNvPr id="1" name=""/>
+        <p:cNvGrpSpPr/>
+        <p:nvPr/>
+      </p:nvGrpSpPr>
+      <p:grpSpPr>
+        <a:xfrm>
+          <a:off x="0" y="0"/>
+          <a:ext cx="0" cy="0"/>
+          <a:chOff x="0" y="0"/>
+          <a:chExt cx="0" cy="0"/>
+        </a:xfrm>
+      </p:grpSpPr>
+      <p:sp>
+        <p:nvSpPr>
+          <p:cNvPr id="2" name="Slide Image Placeholder 1"/>
+          <p:cNvSpPr>
+            <a:spLocks noGrp="1" noRot="1" noChangeAspect="1"/>
+          </p:cNvSpPr>
+          <p:nvPr>
+            <p:ph type="sldImg"/>
+          </p:nvPr>
+        </p:nvSpPr>
+        <p:spPr/>
+      </p:sp>
+      <p:sp>
+        <p:nvSpPr>
+          <p:cNvPr id="3" name="Notes Placeholder 2"/>
+          <p:cNvSpPr>
+            <a:spLocks noGrp="1"/>
+          </p:cNvSpPr>
+          <p:nvPr>
+            <p:ph type="body" idx="1"/>
+          </p:nvPr>
+        </p:nvSpPr>
+        <p:spPr/>
+        <p:txBody>
+          <a:bodyPr/>
+          <a:lstStyle/>
+          <a:p>
+            <a:r>
+              <a:rPr lang="en-GB" dirty="0"/>
+              <a:t>Demo script:</a:t>
+            </a:r>
+          </a:p>
+          <a:p>
+            <a:r>
+              <a:rPr lang="en-GB" dirty="0"/>
+              <a:t>User</a:t>
+            </a:r>
+            <a:r>
+              <a:rPr lang="en-GB" baseline="0" dirty="0"/>
+              <a:t> visits his favourite website (Spiegel, </a:t>
+            </a:r>
+            <a:r>
+              <a:rPr lang="en-GB" baseline="0" dirty="0" err="1"/>
+              <a:t>bbc</a:t>
+            </a:r>
+            <a:r>
+              <a:rPr lang="en-GB" baseline="0" dirty="0"/>
+              <a:t>, CNN)</a:t>
+            </a:r>
+          </a:p>
+          <a:p>
+            <a:r>
+              <a:rPr lang="en-GB" baseline="0" dirty="0"/>
+              <a:t>Reads an article about foreign politics: Trump is filling his cabinet (example: http://www.bbc.com/news/world-us-canada-38168382) </a:t>
+            </a:r>
+          </a:p>
+          <a:p>
+            <a:r>
+              <a:rPr lang="en-GB" baseline="0" dirty="0"/>
+              <a:t>Now Trump obviously he knows, but who is this other person that is mentioned here? </a:t>
+            </a:r>
+          </a:p>
+          <a:p>
+            <a:pPr marL="171450" indent="-171450">
+              <a:buFont typeface="Wingdings" pitchFamily="2" charset="2"/>
+              <a:buChar char="è"/>
+            </a:pPr>
+            <a:r>
+              <a:rPr lang="en-GB" baseline="0" dirty="0">
+                <a:sym typeface="Wingdings" panose="05000000000000000000" pitchFamily="2" charset="2"/>
+              </a:rPr>
+              <a:t>Select the text and click the button!</a:t>
+            </a:r>
+          </a:p>
+          <a:p>
+            <a:pPr marL="0" indent="0">
+              <a:buFont typeface="Wingdings" pitchFamily="2" charset="2"/>
+              <a:buNone/>
+            </a:pPr>
+            <a:r>
+              <a:rPr lang="en-GB" baseline="0" dirty="0">
+                <a:sym typeface="Wingdings" panose="05000000000000000000" pitchFamily="2" charset="2"/>
+              </a:rPr>
+              <a:t>View information about the named entities that were found:</a:t>
+            </a:r>
+          </a:p>
+          <a:p>
+            <a:pPr marL="171450" indent="-171450">
+              <a:buFont typeface="Wingdings" pitchFamily="2" charset="2"/>
+              <a:buChar char="è"/>
+            </a:pPr>
+            <a:r>
+              <a:rPr lang="en-GB" baseline="0" dirty="0">
+                <a:sym typeface="Wingdings" panose="05000000000000000000" pitchFamily="2" charset="2"/>
+              </a:rPr>
+              <a:t>Information about Trump (there seems to be a lot) and the other person</a:t>
+            </a:r>
+          </a:p>
+          <a:p>
+            <a:pPr marL="171450" indent="-171450">
+              <a:buFont typeface="Wingdings" pitchFamily="2" charset="2"/>
+              <a:buChar char="è"/>
+            </a:pPr>
+            <a:r>
+              <a:rPr lang="en-GB" baseline="0" dirty="0">
+                <a:sym typeface="Wingdings" panose="05000000000000000000" pitchFamily="2" charset="2"/>
+              </a:rPr>
+              <a:t>Now this is useful, but what connects Trump to this person? View visualization</a:t>
+            </a:r>
+          </a:p>
+          <a:p>
+            <a:pPr marL="171450" indent="-171450">
+              <a:buFont typeface="Wingdings" pitchFamily="2" charset="2"/>
+              <a:buChar char="è"/>
+            </a:pPr>
+            <a:endParaRPr lang="de-DE" dirty="0"/>
+          </a:p>
+        </p:txBody>
+      </p:sp>
+      <p:sp>
+        <p:nvSpPr>
+          <p:cNvPr id="4" name="Slide Number Placeholder 3"/>
+          <p:cNvSpPr>
+            <a:spLocks noGrp="1"/>
+          </p:cNvSpPr>
+          <p:nvPr>
+            <p:ph type="sldNum" sz="quarter" idx="10"/>
+          </p:nvPr>
+        </p:nvSpPr>
+        <p:spPr/>
+        <p:txBody>
+          <a:bodyPr/>
+          <a:lstStyle/>
+          <a:p>
+            <a:fld id="{6B56D088-27D1-433A-A9A9-E30AD3E13E16}" type="slidenum">
+              <a:rPr lang="en-GB" smtClean="0"/>
+              <a:t>9</a:t>
+            </a:fld>
+            <a:endParaRPr lang="en-GB"/>
+          </a:p>
+        </p:txBody>
+      </p:sp>
+    </p:spTree>
+    <p:extLst>
+      <p:ext uri="{BB962C8B-B14F-4D97-AF65-F5344CB8AC3E}">
+        <p14:creationId xmlns:p14="http://schemas.microsoft.com/office/powerpoint/2010/main" val="2316174046"/>
+      </p:ext>
+    </p:extLst>
+  </p:cSld>
+  <p:clrMapOvr>
+    <a:masterClrMapping/>
+  </p:clrMapOvr>
+</p:notes>
+</file>
+
+<file path=ppt/notesSlides/notesSlide9.xml><?xml version="1.0" encoding="utf-8"?>
 <p:notes xmlns:a="http://schemas.openxmlformats.org/drawingml/2006/main" xmlns:r="http://schemas.openxmlformats.org/officeDocument/2006/relationships" xmlns:p="http://schemas.openxmlformats.org/presentationml/2006/main">
   <p:cSld>
     <p:spTree>
@@ -1851,7 +2212,7 @@
           <a:p>
             <a:fld id="{6B56D088-27D1-433A-A9A9-E30AD3E13E16}" type="slidenum">
               <a:rPr lang="en-GB" smtClean="0"/>
-              <a:t>10</a:t>
+              <a:t>11</a:t>
             </a:fld>
             <a:endParaRPr lang="en-GB"/>
           </a:p>
@@ -7770,6 +8131,102 @@
 </file>
 
 <file path=ppt/slides/slide10.xml><?xml version="1.0" encoding="utf-8"?>
+<p:sld xmlns:a="http://schemas.openxmlformats.org/drawingml/2006/main" xmlns:r="http://schemas.openxmlformats.org/officeDocument/2006/relationships" xmlns:p="http://schemas.openxmlformats.org/presentationml/2006/main">
+  <p:cSld>
+    <p:spTree>
+      <p:nvGrpSpPr>
+        <p:cNvPr id="1" name=""/>
+        <p:cNvGrpSpPr/>
+        <p:nvPr/>
+      </p:nvGrpSpPr>
+      <p:grpSpPr>
+        <a:xfrm>
+          <a:off x="0" y="0"/>
+          <a:ext cx="0" cy="0"/>
+          <a:chOff x="0" y="0"/>
+          <a:chExt cx="0" cy="0"/>
+        </a:xfrm>
+      </p:grpSpPr>
+      <p:sp>
+        <p:nvSpPr>
+          <p:cNvPr id="2" name="Title 1"/>
+          <p:cNvSpPr>
+            <a:spLocks noGrp="1"/>
+          </p:cNvSpPr>
+          <p:nvPr>
+            <p:ph type="title"/>
+          </p:nvPr>
+        </p:nvSpPr>
+        <p:spPr/>
+        <p:txBody>
+          <a:bodyPr/>
+          <a:lstStyle/>
+          <a:p>
+            <a:r>
+              <a:rPr lang="en-GB" dirty="0"/>
+              <a:t>Backup</a:t>
+            </a:r>
+            <a:endParaRPr lang="de-DE" dirty="0"/>
+          </a:p>
+        </p:txBody>
+      </p:sp>
+      <p:sp>
+        <p:nvSpPr>
+          <p:cNvPr id="3" name="Content Placeholder 2"/>
+          <p:cNvSpPr>
+            <a:spLocks noGrp="1"/>
+          </p:cNvSpPr>
+          <p:nvPr>
+            <p:ph idx="1"/>
+          </p:nvPr>
+        </p:nvSpPr>
+        <p:spPr/>
+        <p:txBody>
+          <a:bodyPr/>
+          <a:lstStyle/>
+          <a:p>
+            <a:endParaRPr lang="de-DE"/>
+          </a:p>
+        </p:txBody>
+      </p:sp>
+      <p:sp>
+        <p:nvSpPr>
+          <p:cNvPr id="4" name="Slide Number Placeholder 3"/>
+          <p:cNvSpPr>
+            <a:spLocks noGrp="1"/>
+          </p:cNvSpPr>
+          <p:nvPr>
+            <p:ph type="sldNum" sz="quarter" idx="12"/>
+          </p:nvPr>
+        </p:nvSpPr>
+        <p:spPr/>
+        <p:txBody>
+          <a:bodyPr/>
+          <a:lstStyle/>
+          <a:p>
+            <a:fld id="{2921BF44-F096-42DF-ADC3-B535522D2EE1}" type="slidenum">
+              <a:rPr lang="en-GB" smtClean="0"/>
+              <a:pPr/>
+              <a:t>10</a:t>
+            </a:fld>
+            <a:endParaRPr lang="en-GB" dirty="0"/>
+          </a:p>
+        </p:txBody>
+      </p:sp>
+    </p:spTree>
+    <p:extLst>
+      <p:ext uri="{BB962C8B-B14F-4D97-AF65-F5344CB8AC3E}">
+        <p14:creationId xmlns:p14="http://schemas.microsoft.com/office/powerpoint/2010/main" val="333537589"/>
+      </p:ext>
+    </p:extLst>
+  </p:cSld>
+  <p:clrMapOvr>
+    <a:masterClrMapping/>
+  </p:clrMapOvr>
+</p:sld>
+</file>
+
+<file path=ppt/slides/slide11.xml><?xml version="1.0" encoding="utf-8"?>
 <p:sld xmlns:a="http://schemas.openxmlformats.org/drawingml/2006/main" xmlns:r="http://schemas.openxmlformats.org/officeDocument/2006/relationships" xmlns:p="http://schemas.openxmlformats.org/presentationml/2006/main" show="0">
   <p:cSld>
     <p:spTree>
@@ -7826,7 +8283,7 @@
           <a:p>
             <a:fld id="{2921BF44-F096-42DF-ADC3-B535522D2EE1}" type="slidenum">
               <a:rPr lang="en-GB" smtClean="0"/>
-              <a:t>10</a:t>
+              <a:t>11</a:t>
             </a:fld>
             <a:endParaRPr lang="en-GB"/>
           </a:p>
@@ -7980,18 +8437,18 @@
   <p:clrMapOvr>
     <a:masterClrMapping/>
   </p:clrMapOvr>
-  <mc:AlternateContent xmlns:mc="http://schemas.openxmlformats.org/markup-compatibility/2006">
-    <mc:Choice xmlns:p14="http://schemas.microsoft.com/office/powerpoint/2010/main" Requires="p14">
+  <mc:AlternateContent xmlns:mc="http://schemas.openxmlformats.org/markup-compatibility/2006" xmlns:p14="http://schemas.microsoft.com/office/powerpoint/2010/main">
+    <mc:Choice Requires="p14">
       <p:transition spd="slow" p14:dur="2000"/>
     </mc:Choice>
-    <mc:Fallback>
+    <mc:Fallback xmlns="">
       <p:transition spd="slow"/>
     </mc:Fallback>
   </mc:AlternateContent>
 </p:sld>
 </file>
 
-<file path=ppt/slides/slide11.xml><?xml version="1.0" encoding="utf-8"?>
+<file path=ppt/slides/slide12.xml><?xml version="1.0" encoding="utf-8"?>
 <p:sld xmlns:a="http://schemas.openxmlformats.org/drawingml/2006/main" xmlns:r="http://schemas.openxmlformats.org/officeDocument/2006/relationships" xmlns:p="http://schemas.openxmlformats.org/presentationml/2006/main">
   <p:cSld>
     <p:spTree>
@@ -8049,7 +8506,7 @@
             <a:fld id="{2921BF44-F096-42DF-ADC3-B535522D2EE1}" type="slidenum">
               <a:rPr lang="en-GB" smtClean="0"/>
               <a:pPr/>
-              <a:t>11</a:t>
+              <a:t>12</a:t>
             </a:fld>
             <a:endParaRPr lang="en-GB" dirty="0"/>
           </a:p>
@@ -8109,7 +8566,7 @@
 </p:sld>
 </file>
 
-<file path=ppt/slides/slide12.xml><?xml version="1.0" encoding="utf-8"?>
+<file path=ppt/slides/slide13.xml><?xml version="1.0" encoding="utf-8"?>
 <p:sld xmlns:a="http://schemas.openxmlformats.org/drawingml/2006/main" xmlns:r="http://schemas.openxmlformats.org/officeDocument/2006/relationships" xmlns:p="http://schemas.openxmlformats.org/presentationml/2006/main">
   <p:cSld>
     <p:spTree>
@@ -8258,7 +8715,7 @@
             <a:fld id="{2921BF44-F096-42DF-ADC3-B535522D2EE1}" type="slidenum">
               <a:rPr lang="en-GB" smtClean="0"/>
               <a:pPr/>
-              <a:t>12</a:t>
+              <a:t>13</a:t>
             </a:fld>
             <a:endParaRPr lang="en-GB" dirty="0"/>
           </a:p>
@@ -8385,7 +8842,7 @@
 </p:sld>
 </file>
 
-<file path=ppt/slides/slide13.xml><?xml version="1.0" encoding="utf-8"?>
+<file path=ppt/slides/slide14.xml><?xml version="1.0" encoding="utf-8"?>
 <p:sld xmlns:a="http://schemas.openxmlformats.org/drawingml/2006/main" xmlns:r="http://schemas.openxmlformats.org/officeDocument/2006/relationships" xmlns:p="http://schemas.openxmlformats.org/presentationml/2006/main">
   <p:cSld>
     <p:spTree>
@@ -8489,7 +8946,7 @@
             <a:fld id="{2921BF44-F096-42DF-ADC3-B535522D2EE1}" type="slidenum">
               <a:rPr lang="en-GB" smtClean="0"/>
               <a:pPr/>
-              <a:t>13</a:t>
+              <a:t>14</a:t>
             </a:fld>
             <a:endParaRPr lang="en-GB" dirty="0"/>
           </a:p>
@@ -8958,7 +9415,7 @@
                 <a14:useLocalDpi xmlns:a14="http://schemas.microsoft.com/office/drawing/2010/main" val="0"/>
               </a:ext>
               <a:ext uri="{96DAC541-7B7A-43D3-8B79-37D633B846F1}">
-                <asvg:svgBlip xmlns:asvg="http://schemas.microsoft.com/office/drawing/2016/SVG/main" xmlns="" r:embed="rId7"/>
+                <asvg:svgBlip xmlns="" xmlns:asvg="http://schemas.microsoft.com/office/drawing/2016/SVG/main" r:embed="rId7"/>
               </a:ext>
             </a:extLst>
           </a:blip>
@@ -8991,7 +9448,7 @@
                 <a14:useLocalDpi xmlns:a14="http://schemas.microsoft.com/office/drawing/2010/main" val="0"/>
               </a:ext>
               <a:ext uri="{96DAC541-7B7A-43D3-8B79-37D633B846F1}">
-                <asvg:svgBlip xmlns:asvg="http://schemas.microsoft.com/office/drawing/2016/SVG/main" xmlns="" r:embed="rId9"/>
+                <asvg:svgBlip xmlns="" xmlns:asvg="http://schemas.microsoft.com/office/drawing/2016/SVG/main" r:embed="rId9"/>
               </a:ext>
             </a:extLst>
           </a:blip>
@@ -9019,6 +9476,13 @@
   <p:clrMapOvr>
     <a:masterClrMapping/>
   </p:clrMapOvr>
+  <p:timing>
+    <p:tnLst>
+      <p:par>
+        <p:cTn id="1" dur="indefinite" restart="never" nodeType="tmRoot"/>
+      </p:par>
+    </p:tnLst>
+  </p:timing>
 </p:sld>
 </file>
 
@@ -9612,7 +10076,7 @@
                   <a14:useLocalDpi xmlns:a14="http://schemas.microsoft.com/office/drawing/2010/main" val="0"/>
                 </a:ext>
                 <a:ext uri="{96DAC541-7B7A-43D3-8B79-37D633B846F1}">
-                  <asvg:svgBlip xmlns:asvg="http://schemas.microsoft.com/office/drawing/2016/SVG/main" xmlns="" r:embed="rId5"/>
+                  <asvg:svgBlip xmlns="" xmlns:asvg="http://schemas.microsoft.com/office/drawing/2016/SVG/main" r:embed="rId5"/>
                 </a:ext>
               </a:extLst>
             </a:blip>
@@ -9772,7 +10236,7 @@
                   <a14:useLocalDpi xmlns:a14="http://schemas.microsoft.com/office/drawing/2010/main" val="0"/>
                 </a:ext>
                 <a:ext uri="{96DAC541-7B7A-43D3-8B79-37D633B846F1}">
-                  <asvg:svgBlip xmlns:asvg="http://schemas.microsoft.com/office/drawing/2016/SVG/main" xmlns="" r:embed="rId9"/>
+                  <asvg:svgBlip xmlns="" xmlns:asvg="http://schemas.microsoft.com/office/drawing/2016/SVG/main" r:embed="rId9"/>
                 </a:ext>
               </a:extLst>
             </a:blip>
@@ -9865,7 +10329,7 @@
                     <a14:useLocalDpi xmlns:a14="http://schemas.microsoft.com/office/drawing/2010/main" val="0"/>
                   </a:ext>
                   <a:ext uri="{96DAC541-7B7A-43D3-8B79-37D633B846F1}">
-                    <asvg:svgBlip xmlns:asvg="http://schemas.microsoft.com/office/drawing/2016/SVG/main" xmlns="" r:embed="rId11"/>
+                    <asvg:svgBlip xmlns="" xmlns:asvg="http://schemas.microsoft.com/office/drawing/2016/SVG/main" r:embed="rId11"/>
                   </a:ext>
                 </a:extLst>
               </a:blip>
@@ -9898,7 +10362,7 @@
                     <a14:useLocalDpi xmlns:a14="http://schemas.microsoft.com/office/drawing/2010/main" val="0"/>
                   </a:ext>
                   <a:ext uri="{96DAC541-7B7A-43D3-8B79-37D633B846F1}">
-                    <asvg:svgBlip xmlns:asvg="http://schemas.microsoft.com/office/drawing/2016/SVG/main" xmlns="" r:embed="rId13"/>
+                    <asvg:svgBlip xmlns="" xmlns:asvg="http://schemas.microsoft.com/office/drawing/2016/SVG/main" r:embed="rId13"/>
                   </a:ext>
                 </a:extLst>
               </a:blip>
@@ -10080,7 +10544,7 @@
                 <a14:useLocalDpi xmlns:a14="http://schemas.microsoft.com/office/drawing/2010/main" val="0"/>
               </a:ext>
               <a:ext uri="{96DAC541-7B7A-43D3-8B79-37D633B846F1}">
-                <asvg:svgBlip xmlns:asvg="http://schemas.microsoft.com/office/drawing/2016/SVG/main" xmlns="" r:embed="rId18"/>
+                <asvg:svgBlip xmlns="" xmlns:asvg="http://schemas.microsoft.com/office/drawing/2016/SVG/main" r:embed="rId18"/>
               </a:ext>
             </a:extLst>
           </a:blip>
@@ -10113,7 +10577,7 @@
                 <a14:useLocalDpi xmlns:a14="http://schemas.microsoft.com/office/drawing/2010/main" val="0"/>
               </a:ext>
               <a:ext uri="{96DAC541-7B7A-43D3-8B79-37D633B846F1}">
-                <asvg:svgBlip xmlns:asvg="http://schemas.microsoft.com/office/drawing/2016/SVG/main" xmlns="" r:embed="rId20"/>
+                <asvg:svgBlip xmlns="" xmlns:asvg="http://schemas.microsoft.com/office/drawing/2016/SVG/main" r:embed="rId20"/>
               </a:ext>
             </a:extLst>
           </a:blip>
@@ -10498,7 +10962,7 @@
                   <a14:useLocalDpi xmlns:a14="http://schemas.microsoft.com/office/drawing/2010/main" val="0"/>
                 </a:ext>
                 <a:ext uri="{96DAC541-7B7A-43D3-8B79-37D633B846F1}">
-                  <asvg:svgBlip xmlns:asvg="http://schemas.microsoft.com/office/drawing/2016/SVG/main" xmlns="" r:embed="rId13"/>
+                  <asvg:svgBlip xmlns="" xmlns:asvg="http://schemas.microsoft.com/office/drawing/2016/SVG/main" r:embed="rId13"/>
                 </a:ext>
               </a:extLst>
             </a:blip>
@@ -12069,7 +12533,7 @@
                   <a14:useLocalDpi xmlns:a14="http://schemas.microsoft.com/office/drawing/2010/main" val="0"/>
                 </a:ext>
                 <a:ext uri="{96DAC541-7B7A-43D3-8B79-37D633B846F1}">
-                  <asvg:svgBlip xmlns:asvg="http://schemas.microsoft.com/office/drawing/2016/SVG/main" xmlns="" r:embed="rId6"/>
+                  <asvg:svgBlip xmlns="" xmlns:asvg="http://schemas.microsoft.com/office/drawing/2016/SVG/main" r:embed="rId6"/>
                 </a:ext>
               </a:extLst>
             </a:blip>
@@ -12228,7 +12692,7 @@
                 <a14:useLocalDpi xmlns:a14="http://schemas.microsoft.com/office/drawing/2010/main" val="0"/>
               </a:ext>
               <a:ext uri="{96DAC541-7B7A-43D3-8B79-37D633B846F1}">
-                <asvg:svgBlip xmlns:asvg="http://schemas.microsoft.com/office/drawing/2016/SVG/main" xmlns="" r:embed="rId8"/>
+                <asvg:svgBlip xmlns="" xmlns:asvg="http://schemas.microsoft.com/office/drawing/2016/SVG/main" r:embed="rId8"/>
               </a:ext>
             </a:extLst>
           </a:blip>
@@ -12275,7 +12739,7 @@
                   <a14:useLocalDpi xmlns:a14="http://schemas.microsoft.com/office/drawing/2010/main" val="0"/>
                 </a:ext>
                 <a:ext uri="{96DAC541-7B7A-43D3-8B79-37D633B846F1}">
-                  <asvg:svgBlip xmlns:asvg="http://schemas.microsoft.com/office/drawing/2016/SVG/main" xmlns="" r:embed="rId10"/>
+                  <asvg:svgBlip xmlns="" xmlns:asvg="http://schemas.microsoft.com/office/drawing/2016/SVG/main" r:embed="rId10"/>
                 </a:ext>
               </a:extLst>
             </a:blip>
@@ -12368,7 +12832,7 @@
                     <a14:useLocalDpi xmlns:a14="http://schemas.microsoft.com/office/drawing/2010/main" val="0"/>
                   </a:ext>
                   <a:ext uri="{96DAC541-7B7A-43D3-8B79-37D633B846F1}">
-                    <asvg:svgBlip xmlns:asvg="http://schemas.microsoft.com/office/drawing/2016/SVG/main" xmlns="" r:embed="rId12"/>
+                    <asvg:svgBlip xmlns="" xmlns:asvg="http://schemas.microsoft.com/office/drawing/2016/SVG/main" r:embed="rId12"/>
                   </a:ext>
                 </a:extLst>
               </a:blip>
@@ -12522,7 +12986,7 @@
                   <a14:useLocalDpi xmlns:a14="http://schemas.microsoft.com/office/drawing/2010/main" val="0"/>
                 </a:ext>
                 <a:ext uri="{96DAC541-7B7A-43D3-8B79-37D633B846F1}">
-                  <asvg:svgBlip xmlns:asvg="http://schemas.microsoft.com/office/drawing/2016/SVG/main" xmlns="" r:embed="rId16"/>
+                  <asvg:svgBlip xmlns="" xmlns:asvg="http://schemas.microsoft.com/office/drawing/2016/SVG/main" r:embed="rId16"/>
                 </a:ext>
               </a:extLst>
             </a:blip>
@@ -12601,7 +13065,7 @@
                   <a14:useLocalDpi xmlns:a14="http://schemas.microsoft.com/office/drawing/2010/main" val="0"/>
                 </a:ext>
                 <a:ext uri="{96DAC541-7B7A-43D3-8B79-37D633B846F1}">
-                  <asvg:svgBlip xmlns:asvg="http://schemas.microsoft.com/office/drawing/2016/SVG/main" xmlns="" r:embed="rId18"/>
+                  <asvg:svgBlip xmlns="" xmlns:asvg="http://schemas.microsoft.com/office/drawing/2016/SVG/main" r:embed="rId18"/>
                 </a:ext>
               </a:extLst>
             </a:blip>
@@ -12846,7 +13310,7 @@
                     <a14:useLocalDpi xmlns:a14="http://schemas.microsoft.com/office/drawing/2010/main" val="0"/>
                   </a:ext>
                   <a:ext uri="{96DAC541-7B7A-43D3-8B79-37D633B846F1}">
-                    <asvg:svgBlip xmlns:asvg="http://schemas.microsoft.com/office/drawing/2016/SVG/main" xmlns="" r:embed="rId22"/>
+                    <asvg:svgBlip xmlns="" xmlns:asvg="http://schemas.microsoft.com/office/drawing/2016/SVG/main" r:embed="rId22"/>
                   </a:ext>
                 </a:extLst>
               </a:blip>
@@ -12879,7 +13343,7 @@
                     <a14:useLocalDpi xmlns:a14="http://schemas.microsoft.com/office/drawing/2010/main" val="0"/>
                   </a:ext>
                   <a:ext uri="{96DAC541-7B7A-43D3-8B79-37D633B846F1}">
-                    <asvg:svgBlip xmlns:asvg="http://schemas.microsoft.com/office/drawing/2016/SVG/main" xmlns="" r:embed="rId16"/>
+                    <asvg:svgBlip xmlns="" xmlns:asvg="http://schemas.microsoft.com/office/drawing/2016/SVG/main" r:embed="rId16"/>
                   </a:ext>
                 </a:extLst>
               </a:blip>
@@ -14798,13 +15262,13 @@
             <p:nvPr/>
           </p:nvPicPr>
           <p:blipFill>
-            <a:blip r:embed="rId2">
+            <a:blip r:embed="rId3">
               <a:extLst>
                 <a:ext uri="{28A0092B-C50C-407E-A947-70E740481C1C}">
                   <a14:useLocalDpi xmlns:a14="http://schemas.microsoft.com/office/drawing/2010/main" val="0"/>
                 </a:ext>
                 <a:ext uri="{96DAC541-7B7A-43D3-8B79-37D633B846F1}">
-                  <asvg:svgBlip xmlns:asvg="http://schemas.microsoft.com/office/drawing/2016/SVG/main" xmlns="" r:embed="rId3"/>
+                  <asvg:svgBlip xmlns="" xmlns:asvg="http://schemas.microsoft.com/office/drawing/2016/SVG/main" r:embed="rId4"/>
                 </a:ext>
               </a:extLst>
             </a:blip>
@@ -14831,7 +15295,7 @@
             <p:nvPr/>
           </p:nvPicPr>
           <p:blipFill>
-            <a:blip r:embed="rId4"/>
+            <a:blip r:embed="rId5"/>
             <a:stretch>
               <a:fillRect/>
             </a:stretch>
@@ -15059,7 +15523,7 @@
               <p:nvPr/>
             </p:nvPicPr>
             <p:blipFill rotWithShape="1">
-              <a:blip r:embed="rId5" cstate="print">
+              <a:blip r:embed="rId6" cstate="print">
                 <a:extLst>
                   <a:ext uri="{28A0092B-C50C-407E-A947-70E740481C1C}">
                     <a14:useLocalDpi xmlns:a14="http://schemas.microsoft.com/office/drawing/2010/main" val="0"/>
@@ -15147,13 +15611,13 @@
               <p:nvPr/>
             </p:nvPicPr>
             <p:blipFill>
-              <a:blip r:embed="rId6" cstate="print">
+              <a:blip r:embed="rId7" cstate="print">
                 <a:extLst>
                   <a:ext uri="{28A0092B-C50C-407E-A947-70E740481C1C}">
                     <a14:useLocalDpi xmlns:a14="http://schemas.microsoft.com/office/drawing/2010/main" val="0"/>
                   </a:ext>
                   <a:ext uri="{96DAC541-7B7A-43D3-8B79-37D633B846F1}">
-                    <asvg:svgBlip xmlns:asvg="http://schemas.microsoft.com/office/drawing/2016/SVG/main" xmlns="" r:embed="rId7"/>
+                    <asvg:svgBlip xmlns="" xmlns:asvg="http://schemas.microsoft.com/office/drawing/2016/SVG/main" r:embed="rId8"/>
                   </a:ext>
                 </a:extLst>
               </a:blip>
@@ -15279,7 +15743,7 @@
               <p:nvPr/>
             </p:nvPicPr>
             <p:blipFill rotWithShape="1">
-              <a:blip r:embed="rId5" cstate="print">
+              <a:blip r:embed="rId6" cstate="print">
                 <a:extLst>
                   <a:ext uri="{28A0092B-C50C-407E-A947-70E740481C1C}">
                     <a14:useLocalDpi xmlns:a14="http://schemas.microsoft.com/office/drawing/2010/main" val="0"/>
@@ -15681,7 +16145,7 @@
               <p:nvPr/>
             </p:nvPicPr>
             <p:blipFill>
-              <a:blip r:embed="rId8" cstate="print">
+              <a:blip r:embed="rId9" cstate="print">
                 <a:extLst>
                   <a:ext uri="{28A0092B-C50C-407E-A947-70E740481C1C}">
                     <a14:useLocalDpi xmlns:a14="http://schemas.microsoft.com/office/drawing/2010/main" val="0"/>
@@ -16051,7 +16515,7 @@
               <p:nvPr/>
             </p:nvPicPr>
             <p:blipFill>
-              <a:blip r:embed="rId9" cstate="print">
+              <a:blip r:embed="rId10" cstate="print">
                 <a:extLst>
                   <a:ext uri="{28A0092B-C50C-407E-A947-70E740481C1C}">
                     <a14:useLocalDpi xmlns:a14="http://schemas.microsoft.com/office/drawing/2010/main" val="0"/>
@@ -16383,7 +16847,7 @@
               <p:nvPr/>
             </p:nvPicPr>
             <p:blipFill>
-              <a:blip r:embed="rId8" cstate="print">
+              <a:blip r:embed="rId9" cstate="print">
                 <a:extLst>
                   <a:ext uri="{28A0092B-C50C-407E-A947-70E740481C1C}">
                     <a14:useLocalDpi xmlns:a14="http://schemas.microsoft.com/office/drawing/2010/main" val="0"/>
@@ -16739,7 +17203,7 @@
             <p:nvPr/>
           </p:nvPicPr>
           <p:blipFill>
-            <a:blip r:embed="rId10" cstate="print">
+            <a:blip r:embed="rId11" cstate="print">
               <a:extLst>
                 <a:ext uri="{28A0092B-C50C-407E-A947-70E740481C1C}">
                   <a14:useLocalDpi xmlns:a14="http://schemas.microsoft.com/office/drawing/2010/main" val="0"/>
@@ -16795,7 +17259,7 @@
             <p:nvPr/>
           </p:nvPicPr>
           <p:blipFill>
-            <a:blip r:embed="rId11" cstate="print">
+            <a:blip r:embed="rId12" cstate="print">
               <a:extLst>
                 <a:ext uri="{28A0092B-C50C-407E-A947-70E740481C1C}">
                   <a14:useLocalDpi xmlns:a14="http://schemas.microsoft.com/office/drawing/2010/main" val="0"/>
@@ -17178,13 +17642,13 @@
                 <p:nvPr/>
               </p:nvPicPr>
               <p:blipFill>
-                <a:blip r:embed="rId12" cstate="print">
+                <a:blip r:embed="rId13" cstate="print">
                   <a:extLst>
                     <a:ext uri="{28A0092B-C50C-407E-A947-70E740481C1C}">
                       <a14:useLocalDpi xmlns:a14="http://schemas.microsoft.com/office/drawing/2010/main" val="0"/>
                     </a:ext>
                     <a:ext uri="{96DAC541-7B7A-43D3-8B79-37D633B846F1}">
-                      <asvg:svgBlip xmlns:asvg="http://schemas.microsoft.com/office/drawing/2016/SVG/main" xmlns="" r:embed="rId13"/>
+                      <asvg:svgBlip xmlns="" xmlns:asvg="http://schemas.microsoft.com/office/drawing/2016/SVG/main" r:embed="rId14"/>
                     </a:ext>
                   </a:extLst>
                 </a:blip>
@@ -17211,13 +17675,13 @@
                 <p:nvPr/>
               </p:nvPicPr>
               <p:blipFill>
-                <a:blip r:embed="rId14" cstate="print">
+                <a:blip r:embed="rId15" cstate="print">
                   <a:extLst>
                     <a:ext uri="{28A0092B-C50C-407E-A947-70E740481C1C}">
                       <a14:useLocalDpi xmlns:a14="http://schemas.microsoft.com/office/drawing/2010/main" val="0"/>
                     </a:ext>
                     <a:ext uri="{96DAC541-7B7A-43D3-8B79-37D633B846F1}">
-                      <asvg:svgBlip xmlns:asvg="http://schemas.microsoft.com/office/drawing/2016/SVG/main" xmlns="" r:embed="rId15"/>
+                      <asvg:svgBlip xmlns="" xmlns:asvg="http://schemas.microsoft.com/office/drawing/2016/SVG/main" r:embed="rId16"/>
                     </a:ext>
                   </a:extLst>
                 </a:blip>
@@ -17244,11 +17708,11 @@
                 <p:nvPr/>
               </p:nvPicPr>
               <p:blipFill>
-                <a:blip r:embed="rId16" cstate="print">
+                <a:blip r:embed="rId17" cstate="print">
                   <a:extLst>
                     <a:ext uri="{BEBA8EAE-BF5A-486C-A8C5-ECC9F3942E4B}">
                       <a14:imgProps xmlns:a14="http://schemas.microsoft.com/office/drawing/2010/main">
-                        <a14:imgLayer r:embed="rId17">
+                        <a14:imgLayer r:embed="rId18">
                           <a14:imgEffect>
                             <a14:backgroundRemoval t="9425" b="94089" l="0" r="100000">
                               <a14:foregroundMark x1="5272" y1="63419" x2="5272" y2="63419"/>
@@ -17289,7 +17753,7 @@
                 <p:nvPr/>
               </p:nvPicPr>
               <p:blipFill rotWithShape="1">
-                <a:blip r:embed="rId18" cstate="print">
+                <a:blip r:embed="rId19" cstate="print">
                   <a:extLst>
                     <a:ext uri="{28A0092B-C50C-407E-A947-70E740481C1C}">
                       <a14:useLocalDpi xmlns:a14="http://schemas.microsoft.com/office/drawing/2010/main" val="0"/>
@@ -17888,78 +18352,93 @@
           </a:p>
         </p:txBody>
       </p:sp>
-      <p:pic>
-        <p:nvPicPr>
-          <p:cNvPr id="2066" name="Picture 18" descr="https://www.total-toolbar.com/wp-content/uploads/2014/12/Custom-Google-Chrome-Extension-Development3.png"/>
-          <p:cNvPicPr>
-            <a:picLocks noChangeAspect="1" noChangeArrowheads="1"/>
-          </p:cNvPicPr>
+      <p:grpSp>
+        <p:nvGrpSpPr>
+          <p:cNvPr id="3" name="Group 2"/>
+          <p:cNvGrpSpPr/>
           <p:nvPr/>
-        </p:nvPicPr>
-        <p:blipFill>
-          <a:blip r:embed="rId3">
+        </p:nvGrpSpPr>
+        <p:grpSpPr>
+          <a:xfrm>
+            <a:off x="3357975" y="2589719"/>
+            <a:ext cx="2282000" cy="2403197"/>
+            <a:chOff x="3357975" y="2589719"/>
+            <a:chExt cx="2282000" cy="2403197"/>
+          </a:xfrm>
+        </p:grpSpPr>
+        <p:pic>
+          <p:nvPicPr>
+            <p:cNvPr id="2066" name="Picture 18" descr="https://www.total-toolbar.com/wp-content/uploads/2014/12/Custom-Google-Chrome-Extension-Development3.png"/>
+            <p:cNvPicPr>
+              <a:picLocks noChangeAspect="1" noChangeArrowheads="1"/>
+            </p:cNvPicPr>
+            <p:nvPr/>
+          </p:nvPicPr>
+          <p:blipFill>
+            <a:blip r:embed="rId3">
+              <a:extLst>
+                <a:ext uri="{28A0092B-C50C-407E-A947-70E740481C1C}">
+                  <a14:useLocalDpi xmlns:a14="http://schemas.microsoft.com/office/drawing/2010/main" val="0"/>
+                </a:ext>
+              </a:extLst>
+            </a:blip>
+            <a:srcRect/>
+            <a:stretch>
+              <a:fillRect/>
+            </a:stretch>
+          </p:blipFill>
+          <p:spPr bwMode="auto">
+            <a:xfrm>
+              <a:off x="3611834" y="2589719"/>
+              <a:ext cx="1774283" cy="1774283"/>
+            </a:xfrm>
+            <a:prstGeom prst="rect">
+              <a:avLst/>
+            </a:prstGeom>
+            <a:noFill/>
             <a:extLst>
-              <a:ext uri="{28A0092B-C50C-407E-A947-70E740481C1C}">
-                <a14:useLocalDpi xmlns:a14="http://schemas.microsoft.com/office/drawing/2010/main" val="0"/>
+              <a:ext uri="{909E8E84-426E-40DD-AFC4-6F175D3DCCD1}">
+                <a14:hiddenFill xmlns:a14="http://schemas.microsoft.com/office/drawing/2010/main">
+                  <a:solidFill>
+                    <a:srgbClr val="FFFFFF"/>
+                  </a:solidFill>
+                </a14:hiddenFill>
               </a:ext>
             </a:extLst>
-          </a:blip>
-          <a:srcRect/>
-          <a:stretch>
-            <a:fillRect/>
-          </a:stretch>
-        </p:blipFill>
-        <p:spPr bwMode="auto">
-          <a:xfrm>
-            <a:off x="3611834" y="2589719"/>
-            <a:ext cx="1774283" cy="1774283"/>
-          </a:xfrm>
-          <a:prstGeom prst="rect">
-            <a:avLst/>
-          </a:prstGeom>
-          <a:noFill/>
-          <a:extLst>
-            <a:ext uri="{909E8E84-426E-40DD-AFC4-6F175D3DCCD1}">
-              <a14:hiddenFill xmlns:a14="http://schemas.microsoft.com/office/drawing/2010/main">
-                <a:solidFill>
-                  <a:srgbClr val="FFFFFF"/>
-                </a:solidFill>
-              </a14:hiddenFill>
-            </a:ext>
-          </a:extLst>
-        </p:spPr>
-      </p:pic>
-      <p:sp>
-        <p:nvSpPr>
-          <p:cNvPr id="11" name="TextBox 10"/>
-          <p:cNvSpPr txBox="1"/>
-          <p:nvPr/>
-        </p:nvSpPr>
-        <p:spPr>
-          <a:xfrm>
-            <a:off x="3357975" y="4531251"/>
-            <a:ext cx="2282000" cy="461665"/>
-          </a:xfrm>
-          <a:prstGeom prst="rect">
-            <a:avLst/>
-          </a:prstGeom>
-          <a:noFill/>
-        </p:spPr>
-        <p:txBody>
-          <a:bodyPr wrap="square" rtlCol="0">
-            <a:spAutoFit/>
-          </a:bodyPr>
-          <a:lstStyle/>
-          <a:p>
-            <a:pPr algn="ctr"/>
-            <a:r>
-              <a:rPr lang="en-GB" sz="2400" dirty="0"/>
-              <a:t>Easy installation </a:t>
-            </a:r>
-            <a:endParaRPr lang="de-DE" sz="2400" dirty="0"/>
-          </a:p>
-        </p:txBody>
-      </p:sp>
+          </p:spPr>
+        </p:pic>
+        <p:sp>
+          <p:nvSpPr>
+            <p:cNvPr id="11" name="TextBox 10"/>
+            <p:cNvSpPr txBox="1"/>
+            <p:nvPr/>
+          </p:nvSpPr>
+          <p:spPr>
+            <a:xfrm>
+              <a:off x="3357975" y="4531251"/>
+              <a:ext cx="2282000" cy="461665"/>
+            </a:xfrm>
+            <a:prstGeom prst="rect">
+              <a:avLst/>
+            </a:prstGeom>
+            <a:noFill/>
+          </p:spPr>
+          <p:txBody>
+            <a:bodyPr wrap="square" rtlCol="0">
+              <a:spAutoFit/>
+            </a:bodyPr>
+            <a:lstStyle/>
+            <a:p>
+              <a:pPr algn="ctr"/>
+              <a:r>
+                <a:rPr lang="en-GB" sz="2400" dirty="0"/>
+                <a:t>Easy installation </a:t>
+              </a:r>
+              <a:endParaRPr lang="de-DE" sz="2400" dirty="0"/>
+            </a:p>
+          </p:txBody>
+        </p:sp>
+      </p:grpSp>
       <p:grpSp>
         <p:nvGrpSpPr>
           <p:cNvPr id="30" name="Group 29"/>
@@ -18297,352 +18776,382 @@
           </a:p>
         </p:txBody>
       </p:sp>
-      <p:sp>
-        <p:nvSpPr>
-          <p:cNvPr id="43" name="TextBox 42"/>
-          <p:cNvSpPr txBox="1"/>
-          <p:nvPr/>
-        </p:nvSpPr>
-        <p:spPr>
-          <a:xfrm>
-            <a:off x="5881623" y="4531251"/>
-            <a:ext cx="2611099" cy="1569660"/>
-          </a:xfrm>
-          <a:prstGeom prst="rect">
-            <a:avLst/>
-          </a:prstGeom>
-          <a:noFill/>
-        </p:spPr>
-        <p:txBody>
-          <a:bodyPr wrap="square" rtlCol="0">
-            <a:spAutoFit/>
-          </a:bodyPr>
-          <a:lstStyle/>
-          <a:p>
-            <a:r>
-              <a:rPr lang="en-GB" sz="2400" dirty="0"/>
-              <a:t>Shows</a:t>
-            </a:r>
-          </a:p>
-          <a:p>
-            <a:pPr marL="457200" indent="-457200">
-              <a:buFont typeface="+mj-lt"/>
-              <a:buAutoNum type="arabicPeriod"/>
-            </a:pPr>
-            <a:r>
-              <a:rPr lang="en-GB" sz="2400" dirty="0"/>
-              <a:t>Named entities</a:t>
-            </a:r>
-          </a:p>
-          <a:p>
-            <a:pPr marL="457200" indent="-457200">
-              <a:buFont typeface="+mj-lt"/>
-              <a:buAutoNum type="arabicPeriod"/>
-            </a:pPr>
-            <a:r>
-              <a:rPr lang="en-GB" sz="2400" dirty="0" smtClean="0"/>
-              <a:t>Properties</a:t>
-            </a:r>
-          </a:p>
-          <a:p>
-            <a:pPr marL="457200" indent="-457200">
-              <a:buFont typeface="+mj-lt"/>
-              <a:buAutoNum type="arabicPeriod"/>
-            </a:pPr>
-            <a:r>
-              <a:rPr lang="en-GB" sz="2400" dirty="0" smtClean="0"/>
-              <a:t>Connections</a:t>
-            </a:r>
-            <a:endParaRPr lang="de-DE" sz="2400" dirty="0"/>
-          </a:p>
-        </p:txBody>
-      </p:sp>
-      <p:sp>
-        <p:nvSpPr>
-          <p:cNvPr id="44" name="TextBox 43"/>
-          <p:cNvSpPr txBox="1"/>
-          <p:nvPr/>
-        </p:nvSpPr>
-        <p:spPr>
-          <a:xfrm>
-            <a:off x="8663400" y="4580692"/>
-            <a:ext cx="2282000" cy="830997"/>
-          </a:xfrm>
-          <a:prstGeom prst="rect">
-            <a:avLst/>
-          </a:prstGeom>
-          <a:noFill/>
-        </p:spPr>
-        <p:txBody>
-          <a:bodyPr wrap="square" rtlCol="0">
-            <a:spAutoFit/>
-          </a:bodyPr>
-          <a:lstStyle/>
-          <a:p>
-            <a:pPr algn="ctr"/>
-            <a:r>
-              <a:rPr lang="en-GB" sz="2400" dirty="0"/>
-              <a:t>No Wikipedia lookups!</a:t>
-            </a:r>
-            <a:endParaRPr lang="de-DE" sz="2400" dirty="0"/>
-          </a:p>
-        </p:txBody>
-      </p:sp>
       <p:grpSp>
         <p:nvGrpSpPr>
-          <p:cNvPr id="2053" name="Group 2052"/>
+          <p:cNvPr id="6" name="Group 5"/>
           <p:cNvGrpSpPr/>
           <p:nvPr/>
         </p:nvGrpSpPr>
         <p:grpSpPr>
           <a:xfrm>
             <a:off x="8534427" y="2356896"/>
-            <a:ext cx="2539945" cy="2239927"/>
-            <a:chOff x="8534427" y="2509296"/>
-            <a:chExt cx="2539945" cy="2239927"/>
+            <a:ext cx="2539945" cy="3054793"/>
+            <a:chOff x="8534427" y="2356896"/>
+            <a:chExt cx="2539945" cy="3054793"/>
           </a:xfrm>
         </p:grpSpPr>
-        <p:pic>
-          <p:nvPicPr>
-            <p:cNvPr id="2070" name="Picture 22" descr="https://upload.wikimedia.org/wikipedia/commons/thumb/d/de/Wikipedia_Logo_1.0.png/220px-Wikipedia_Logo_1.0.png"/>
-            <p:cNvPicPr>
-              <a:picLocks noChangeAspect="1" noChangeArrowheads="1"/>
-            </p:cNvPicPr>
-            <p:nvPr/>
-          </p:nvPicPr>
-          <p:blipFill>
-            <a:blip r:embed="rId6">
-              <a:extLst>
-                <a:ext uri="{28A0092B-C50C-407E-A947-70E740481C1C}">
-                  <a14:useLocalDpi xmlns:a14="http://schemas.microsoft.com/office/drawing/2010/main" val="0"/>
-                </a:ext>
-              </a:extLst>
-            </a:blip>
-            <a:srcRect/>
-            <a:stretch>
-              <a:fillRect/>
-            </a:stretch>
-          </p:blipFill>
-          <p:spPr bwMode="auto">
-            <a:xfrm>
-              <a:off x="9017210" y="2887198"/>
-              <a:ext cx="1574380" cy="1574381"/>
-            </a:xfrm>
-            <a:prstGeom prst="rect">
-              <a:avLst/>
-            </a:prstGeom>
-            <a:noFill/>
-            <a:extLst>
-              <a:ext uri="{909E8E84-426E-40DD-AFC4-6F175D3DCCD1}">
-                <a14:hiddenFill xmlns:a14="http://schemas.microsoft.com/office/drawing/2010/main">
-                  <a:solidFill>
-                    <a:srgbClr val="FFFFFF"/>
-                  </a:solidFill>
-                </a14:hiddenFill>
-              </a:ext>
-            </a:extLst>
-          </p:spPr>
-        </p:pic>
         <p:sp>
           <p:nvSpPr>
-            <p:cNvPr id="2052" name="Multiply 2051"/>
-            <p:cNvSpPr/>
+            <p:cNvPr id="44" name="TextBox 43"/>
+            <p:cNvSpPr txBox="1"/>
             <p:nvPr/>
           </p:nvSpPr>
           <p:spPr>
             <a:xfrm>
-              <a:off x="8534427" y="2509296"/>
-              <a:ext cx="2539945" cy="2239927"/>
-            </a:xfrm>
-            <a:prstGeom prst="mathMultiply">
-              <a:avLst>
-                <a:gd name="adj1" fmla="val 8349"/>
-              </a:avLst>
-            </a:prstGeom>
-            <a:solidFill>
-              <a:srgbClr val="FF0000"/>
-            </a:solidFill>
-          </p:spPr>
-          <p:style>
-            <a:lnRef idx="2">
-              <a:schemeClr val="accent1">
-                <a:shade val="50000"/>
-              </a:schemeClr>
-            </a:lnRef>
-            <a:fillRef idx="1">
-              <a:schemeClr val="accent1"/>
-            </a:fillRef>
-            <a:effectRef idx="0">
-              <a:schemeClr val="accent1"/>
-            </a:effectRef>
-            <a:fontRef idx="minor">
-              <a:schemeClr val="lt1"/>
-            </a:fontRef>
-          </p:style>
-          <p:txBody>
-            <a:bodyPr rtlCol="0" anchor="ctr"/>
-            <a:lstStyle/>
-            <a:p>
-              <a:pPr algn="ctr"/>
-              <a:endParaRPr lang="de-DE"/>
-            </a:p>
-          </p:txBody>
-        </p:sp>
-      </p:grpSp>
-      <p:grpSp>
-        <p:nvGrpSpPr>
-          <p:cNvPr id="29" name="Gruppieren 54"/>
-          <p:cNvGrpSpPr/>
-          <p:nvPr/>
-        </p:nvGrpSpPr>
-        <p:grpSpPr>
-          <a:xfrm>
-            <a:off x="6168303" y="2990159"/>
-            <a:ext cx="2037738" cy="1086565"/>
-            <a:chOff x="5932289" y="4834081"/>
-            <a:chExt cx="1684081" cy="897987"/>
-          </a:xfrm>
-        </p:grpSpPr>
-        <p:pic>
-          <p:nvPicPr>
-            <p:cNvPr id="33" name="Grafik 61" descr="Netzwerk"/>
-            <p:cNvPicPr>
-              <a:picLocks noChangeAspect="1"/>
-            </p:cNvPicPr>
-            <p:nvPr/>
-          </p:nvPicPr>
-          <p:blipFill>
-            <a:blip r:embed="rId7" cstate="print">
-              <a:extLst>
-                <a:ext uri="{28A0092B-C50C-407E-A947-70E740481C1C}">
-                  <a14:useLocalDpi xmlns:a14="http://schemas.microsoft.com/office/drawing/2010/main" val="0"/>
-                </a:ext>
-                <a:ext uri="{96DAC541-7B7A-43D3-8B79-37D633B846F1}">
-                  <asvg:svgBlip xmlns:asvg="http://schemas.microsoft.com/office/drawing/2016/SVG/main" xmlns="" r:embed="rId13"/>
-                </a:ext>
-              </a:extLst>
-            </a:blip>
-            <a:stretch>
-              <a:fillRect/>
-            </a:stretch>
-          </p:blipFill>
-          <p:spPr>
-            <a:xfrm rot="20111766">
-              <a:off x="6274967" y="4985804"/>
-              <a:ext cx="746264" cy="746264"/>
-            </a:xfrm>
-            <a:prstGeom prst="rect">
-              <a:avLst/>
-            </a:prstGeom>
-          </p:spPr>
-        </p:pic>
-        <p:pic>
-          <p:nvPicPr>
-            <p:cNvPr id="34" name="Grafik 62" descr="Benutzer"/>
-            <p:cNvPicPr>
-              <a:picLocks noChangeAspect="1"/>
-            </p:cNvPicPr>
-            <p:nvPr/>
-          </p:nvPicPr>
-          <p:blipFill>
-            <a:blip r:embed="rId14" cstate="print">
-              <a:extLst>
-                <a:ext uri="{28A0092B-C50C-407E-A947-70E740481C1C}">
-                  <a14:useLocalDpi xmlns:a14="http://schemas.microsoft.com/office/drawing/2010/main" val="0"/>
-                </a:ext>
-                <a:ext uri="{96DAC541-7B7A-43D3-8B79-37D633B846F1}">
-                  <asvg:svgBlip xmlns:asvg="http://schemas.microsoft.com/office/drawing/2016/SVG/main" xmlns="" r:embed="rId15"/>
-                </a:ext>
-              </a:extLst>
-            </a:blip>
-            <a:stretch>
-              <a:fillRect/>
-            </a:stretch>
-          </p:blipFill>
-          <p:spPr>
-            <a:xfrm>
-              <a:off x="6662206" y="4862427"/>
-              <a:ext cx="505454" cy="505454"/>
-            </a:xfrm>
-            <a:prstGeom prst="rect">
-              <a:avLst/>
-            </a:prstGeom>
-          </p:spPr>
-        </p:pic>
-        <p:pic>
-          <p:nvPicPr>
-            <p:cNvPr id="39" name="Picture 4" descr="City hall building Free Icon"/>
-            <p:cNvPicPr>
-              <a:picLocks noChangeAspect="1" noChangeArrowheads="1"/>
-            </p:cNvPicPr>
-            <p:nvPr/>
-          </p:nvPicPr>
-          <p:blipFill>
-            <a:blip r:embed="rId16" cstate="print">
-              <a:extLst>
-                <a:ext uri="{BEBA8EAE-BF5A-486C-A8C5-ECC9F3942E4B}">
-                  <a14:imgProps xmlns:a14="http://schemas.microsoft.com/office/drawing/2010/main">
-                    <a14:imgLayer r:embed="rId17">
-                      <a14:imgEffect>
-                        <a14:backgroundRemoval t="9425" b="94089" l="0" r="100000">
-                          <a14:foregroundMark x1="5272" y1="63419" x2="5272" y2="63419"/>
-                          <a14:foregroundMark x1="40096" y1="85144" x2="40096" y2="85144"/>
-                          <a14:foregroundMark x1="87700" y1="79233" x2="87700" y2="79233"/>
-                        </a14:backgroundRemoval>
-                      </a14:imgEffect>
-                    </a14:imgLayer>
-                  </a14:imgProps>
-                </a:ext>
-                <a:ext uri="{28A0092B-C50C-407E-A947-70E740481C1C}">
-                  <a14:useLocalDpi xmlns:a14="http://schemas.microsoft.com/office/drawing/2010/main" val="0"/>
-                </a:ext>
-              </a:extLst>
-            </a:blip>
-            <a:srcRect/>
-            <a:stretch>
-              <a:fillRect/>
-            </a:stretch>
-          </p:blipFill>
-          <p:spPr bwMode="auto">
-            <a:xfrm>
-              <a:off x="5932289" y="4987924"/>
-              <a:ext cx="554235" cy="554235"/>
+              <a:off x="8663400" y="4580692"/>
+              <a:ext cx="2282000" cy="830997"/>
             </a:xfrm>
             <a:prstGeom prst="rect">
               <a:avLst/>
             </a:prstGeom>
             <a:noFill/>
           </p:spPr>
-        </p:pic>
-        <p:pic>
-          <p:nvPicPr>
-            <p:cNvPr id="40" name="Grafik 64"/>
-            <p:cNvPicPr>
-              <a:picLocks noChangeAspect="1"/>
-            </p:cNvPicPr>
+          <p:txBody>
+            <a:bodyPr wrap="square" rtlCol="0">
+              <a:spAutoFit/>
+            </a:bodyPr>
+            <a:lstStyle/>
+            <a:p>
+              <a:pPr algn="ctr"/>
+              <a:r>
+                <a:rPr lang="en-GB" sz="2400" dirty="0"/>
+                <a:t>No Wikipedia lookups!</a:t>
+              </a:r>
+              <a:endParaRPr lang="de-DE" sz="2400" dirty="0"/>
+            </a:p>
+          </p:txBody>
+        </p:sp>
+        <p:grpSp>
+          <p:nvGrpSpPr>
+            <p:cNvPr id="2053" name="Group 2052"/>
+            <p:cNvGrpSpPr/>
             <p:nvPr/>
-          </p:nvPicPr>
-          <p:blipFill rotWithShape="1">
-            <a:blip r:embed="rId18" cstate="print">
+          </p:nvGrpSpPr>
+          <p:grpSpPr>
+            <a:xfrm>
+              <a:off x="8534427" y="2356896"/>
+              <a:ext cx="2539945" cy="2239927"/>
+              <a:chOff x="8534427" y="2509296"/>
+              <a:chExt cx="2539945" cy="2239927"/>
+            </a:xfrm>
+          </p:grpSpPr>
+          <p:pic>
+            <p:nvPicPr>
+              <p:cNvPr id="2070" name="Picture 22" descr="https://upload.wikimedia.org/wikipedia/commons/thumb/d/de/Wikipedia_Logo_1.0.png/220px-Wikipedia_Logo_1.0.png"/>
+              <p:cNvPicPr>
+                <a:picLocks noChangeAspect="1" noChangeArrowheads="1"/>
+              </p:cNvPicPr>
+              <p:nvPr/>
+            </p:nvPicPr>
+            <p:blipFill>
+              <a:blip r:embed="rId6">
+                <a:extLst>
+                  <a:ext uri="{28A0092B-C50C-407E-A947-70E740481C1C}">
+                    <a14:useLocalDpi xmlns:a14="http://schemas.microsoft.com/office/drawing/2010/main" val="0"/>
+                  </a:ext>
+                </a:extLst>
+              </a:blip>
+              <a:srcRect/>
+              <a:stretch>
+                <a:fillRect/>
+              </a:stretch>
+            </p:blipFill>
+            <p:spPr bwMode="auto">
+              <a:xfrm>
+                <a:off x="9017210" y="2887198"/>
+                <a:ext cx="1574380" cy="1574381"/>
+              </a:xfrm>
+              <a:prstGeom prst="rect">
+                <a:avLst/>
+              </a:prstGeom>
+              <a:noFill/>
               <a:extLst>
-                <a:ext uri="{28A0092B-C50C-407E-A947-70E740481C1C}">
-                  <a14:useLocalDpi xmlns:a14="http://schemas.microsoft.com/office/drawing/2010/main" val="0"/>
+                <a:ext uri="{909E8E84-426E-40DD-AFC4-6F175D3DCCD1}">
+                  <a14:hiddenFill xmlns:a14="http://schemas.microsoft.com/office/drawing/2010/main">
+                    <a:solidFill>
+                      <a:srgbClr val="FFFFFF"/>
+                    </a:solidFill>
+                  </a14:hiddenFill>
                 </a:ext>
               </a:extLst>
-            </a:blip>
-            <a:srcRect l="20002" t="30011" r="18445" b="12840"/>
-            <a:stretch/>
-          </p:blipFill>
+            </p:spPr>
+          </p:pic>
+          <p:sp>
+            <p:nvSpPr>
+              <p:cNvPr id="2052" name="Multiply 2051"/>
+              <p:cNvSpPr/>
+              <p:nvPr/>
+            </p:nvSpPr>
+            <p:spPr>
+              <a:xfrm>
+                <a:off x="8534427" y="2509296"/>
+                <a:ext cx="2539945" cy="2239927"/>
+              </a:xfrm>
+              <a:prstGeom prst="mathMultiply">
+                <a:avLst>
+                  <a:gd name="adj1" fmla="val 8349"/>
+                </a:avLst>
+              </a:prstGeom>
+              <a:solidFill>
+                <a:srgbClr val="FF0000"/>
+              </a:solidFill>
+            </p:spPr>
+            <p:style>
+              <a:lnRef idx="2">
+                <a:schemeClr val="accent1">
+                  <a:shade val="50000"/>
+                </a:schemeClr>
+              </a:lnRef>
+              <a:fillRef idx="1">
+                <a:schemeClr val="accent1"/>
+              </a:fillRef>
+              <a:effectRef idx="0">
+                <a:schemeClr val="accent1"/>
+              </a:effectRef>
+              <a:fontRef idx="minor">
+                <a:schemeClr val="lt1"/>
+              </a:fontRef>
+            </p:style>
+            <p:txBody>
+              <a:bodyPr rtlCol="0" anchor="ctr"/>
+              <a:lstStyle/>
+              <a:p>
+                <a:pPr algn="ctr"/>
+                <a:endParaRPr lang="de-DE"/>
+              </a:p>
+            </p:txBody>
+          </p:sp>
+        </p:grpSp>
+      </p:grpSp>
+      <p:grpSp>
+        <p:nvGrpSpPr>
+          <p:cNvPr id="5" name="Group 4"/>
+          <p:cNvGrpSpPr/>
+          <p:nvPr/>
+        </p:nvGrpSpPr>
+        <p:grpSpPr>
+          <a:xfrm>
+            <a:off x="5881623" y="2990159"/>
+            <a:ext cx="2611099" cy="3110752"/>
+            <a:chOff x="5881623" y="2990159"/>
+            <a:chExt cx="2611099" cy="3110752"/>
+          </a:xfrm>
+        </p:grpSpPr>
+        <p:sp>
+          <p:nvSpPr>
+            <p:cNvPr id="43" name="TextBox 42"/>
+            <p:cNvSpPr txBox="1"/>
+            <p:nvPr/>
+          </p:nvSpPr>
           <p:spPr>
             <a:xfrm>
-              <a:off x="7088465" y="4834081"/>
-              <a:ext cx="527905" cy="490126"/>
+              <a:off x="5881623" y="4531251"/>
+              <a:ext cx="2611099" cy="1569660"/>
             </a:xfrm>
             <a:prstGeom prst="rect">
               <a:avLst/>
             </a:prstGeom>
+            <a:noFill/>
           </p:spPr>
-        </p:pic>
+          <p:txBody>
+            <a:bodyPr wrap="square" rtlCol="0">
+              <a:spAutoFit/>
+            </a:bodyPr>
+            <a:lstStyle/>
+            <a:p>
+              <a:r>
+                <a:rPr lang="en-GB" sz="2400" dirty="0"/>
+                <a:t>Shows</a:t>
+              </a:r>
+            </a:p>
+            <a:p>
+              <a:pPr marL="457200" indent="-457200">
+                <a:buFont typeface="+mj-lt"/>
+                <a:buAutoNum type="arabicPeriod"/>
+              </a:pPr>
+              <a:r>
+                <a:rPr lang="en-GB" sz="2400" dirty="0"/>
+                <a:t>Named entities</a:t>
+              </a:r>
+            </a:p>
+            <a:p>
+              <a:pPr marL="457200" indent="-457200">
+                <a:buFont typeface="+mj-lt"/>
+                <a:buAutoNum type="arabicPeriod"/>
+              </a:pPr>
+              <a:r>
+                <a:rPr lang="en-GB" sz="2400" dirty="0" smtClean="0"/>
+                <a:t>Properties</a:t>
+              </a:r>
+            </a:p>
+            <a:p>
+              <a:pPr marL="457200" indent="-457200">
+                <a:buFont typeface="+mj-lt"/>
+                <a:buAutoNum type="arabicPeriod"/>
+              </a:pPr>
+              <a:r>
+                <a:rPr lang="en-GB" sz="2400" dirty="0" smtClean="0"/>
+                <a:t>Connections</a:t>
+              </a:r>
+              <a:endParaRPr lang="de-DE" sz="2400" dirty="0"/>
+            </a:p>
+          </p:txBody>
+        </p:sp>
+        <p:grpSp>
+          <p:nvGrpSpPr>
+            <p:cNvPr id="29" name="Gruppieren 54"/>
+            <p:cNvGrpSpPr/>
+            <p:nvPr/>
+          </p:nvGrpSpPr>
+          <p:grpSpPr>
+            <a:xfrm>
+              <a:off x="6168303" y="2990159"/>
+              <a:ext cx="2037738" cy="1086565"/>
+              <a:chOff x="5932289" y="4834081"/>
+              <a:chExt cx="1684081" cy="897987"/>
+            </a:xfrm>
+          </p:grpSpPr>
+          <p:pic>
+            <p:nvPicPr>
+              <p:cNvPr id="33" name="Grafik 61" descr="Netzwerk"/>
+              <p:cNvPicPr>
+                <a:picLocks noChangeAspect="1"/>
+              </p:cNvPicPr>
+              <p:nvPr/>
+            </p:nvPicPr>
+            <p:blipFill>
+              <a:blip r:embed="rId7" cstate="print">
+                <a:extLst>
+                  <a:ext uri="{28A0092B-C50C-407E-A947-70E740481C1C}">
+                    <a14:useLocalDpi xmlns:a14="http://schemas.microsoft.com/office/drawing/2010/main" val="0"/>
+                  </a:ext>
+                  <a:ext uri="{96DAC541-7B7A-43D3-8B79-37D633B846F1}">
+                    <asvg:svgBlip xmlns="" xmlns:asvg="http://schemas.microsoft.com/office/drawing/2016/SVG/main" r:embed="rId13"/>
+                  </a:ext>
+                </a:extLst>
+              </a:blip>
+              <a:stretch>
+                <a:fillRect/>
+              </a:stretch>
+            </p:blipFill>
+            <p:spPr>
+              <a:xfrm rot="20111766">
+                <a:off x="6274967" y="4985804"/>
+                <a:ext cx="746264" cy="746264"/>
+              </a:xfrm>
+              <a:prstGeom prst="rect">
+                <a:avLst/>
+              </a:prstGeom>
+            </p:spPr>
+          </p:pic>
+          <p:pic>
+            <p:nvPicPr>
+              <p:cNvPr id="34" name="Grafik 62" descr="Benutzer"/>
+              <p:cNvPicPr>
+                <a:picLocks noChangeAspect="1"/>
+              </p:cNvPicPr>
+              <p:nvPr/>
+            </p:nvPicPr>
+            <p:blipFill>
+              <a:blip r:embed="rId14" cstate="print">
+                <a:extLst>
+                  <a:ext uri="{28A0092B-C50C-407E-A947-70E740481C1C}">
+                    <a14:useLocalDpi xmlns:a14="http://schemas.microsoft.com/office/drawing/2010/main" val="0"/>
+                  </a:ext>
+                  <a:ext uri="{96DAC541-7B7A-43D3-8B79-37D633B846F1}">
+                    <asvg:svgBlip xmlns="" xmlns:asvg="http://schemas.microsoft.com/office/drawing/2016/SVG/main" r:embed="rId15"/>
+                  </a:ext>
+                </a:extLst>
+              </a:blip>
+              <a:stretch>
+                <a:fillRect/>
+              </a:stretch>
+            </p:blipFill>
+            <p:spPr>
+              <a:xfrm>
+                <a:off x="6662206" y="4862427"/>
+                <a:ext cx="505454" cy="505454"/>
+              </a:xfrm>
+              <a:prstGeom prst="rect">
+                <a:avLst/>
+              </a:prstGeom>
+            </p:spPr>
+          </p:pic>
+          <p:pic>
+            <p:nvPicPr>
+              <p:cNvPr id="39" name="Picture 4" descr="City hall building Free Icon"/>
+              <p:cNvPicPr>
+                <a:picLocks noChangeAspect="1" noChangeArrowheads="1"/>
+              </p:cNvPicPr>
+              <p:nvPr/>
+            </p:nvPicPr>
+            <p:blipFill>
+              <a:blip r:embed="rId16" cstate="print">
+                <a:extLst>
+                  <a:ext uri="{BEBA8EAE-BF5A-486C-A8C5-ECC9F3942E4B}">
+                    <a14:imgProps xmlns:a14="http://schemas.microsoft.com/office/drawing/2010/main">
+                      <a14:imgLayer r:embed="rId17">
+                        <a14:imgEffect>
+                          <a14:backgroundRemoval t="9425" b="94089" l="0" r="100000">
+                            <a14:foregroundMark x1="5272" y1="63419" x2="5272" y2="63419"/>
+                            <a14:foregroundMark x1="40096" y1="85144" x2="40096" y2="85144"/>
+                            <a14:foregroundMark x1="87700" y1="79233" x2="87700" y2="79233"/>
+                          </a14:backgroundRemoval>
+                        </a14:imgEffect>
+                      </a14:imgLayer>
+                    </a14:imgProps>
+                  </a:ext>
+                  <a:ext uri="{28A0092B-C50C-407E-A947-70E740481C1C}">
+                    <a14:useLocalDpi xmlns:a14="http://schemas.microsoft.com/office/drawing/2010/main" val="0"/>
+                  </a:ext>
+                </a:extLst>
+              </a:blip>
+              <a:srcRect/>
+              <a:stretch>
+                <a:fillRect/>
+              </a:stretch>
+            </p:blipFill>
+            <p:spPr bwMode="auto">
+              <a:xfrm>
+                <a:off x="5932289" y="4987924"/>
+                <a:ext cx="554235" cy="554235"/>
+              </a:xfrm>
+              <a:prstGeom prst="rect">
+                <a:avLst/>
+              </a:prstGeom>
+              <a:noFill/>
+            </p:spPr>
+          </p:pic>
+          <p:pic>
+            <p:nvPicPr>
+              <p:cNvPr id="40" name="Grafik 64"/>
+              <p:cNvPicPr>
+                <a:picLocks noChangeAspect="1"/>
+              </p:cNvPicPr>
+              <p:nvPr/>
+            </p:nvPicPr>
+            <p:blipFill rotWithShape="1">
+              <a:blip r:embed="rId18" cstate="print">
+                <a:extLst>
+                  <a:ext uri="{28A0092B-C50C-407E-A947-70E740481C1C}">
+                    <a14:useLocalDpi xmlns:a14="http://schemas.microsoft.com/office/drawing/2010/main" val="0"/>
+                  </a:ext>
+                </a:extLst>
+              </a:blip>
+              <a:srcRect l="20002" t="30011" r="18445" b="12840"/>
+              <a:stretch/>
+            </p:blipFill>
+            <p:spPr>
+              <a:xfrm>
+                <a:off x="7088465" y="4834081"/>
+                <a:ext cx="527905" cy="490126"/>
+              </a:xfrm>
+              <a:prstGeom prst="rect">
+                <a:avLst/>
+              </a:prstGeom>
+            </p:spPr>
+          </p:pic>
+        </p:grpSp>
       </p:grpSp>
     </p:spTree>
     <p:extLst>
@@ -18657,7 +19166,165 @@
   <p:timing>
     <p:tnLst>
       <p:par>
-        <p:cTn id="1" dur="indefinite" restart="never" nodeType="tmRoot"/>
+        <p:cTn id="1" dur="indefinite" restart="never" nodeType="tmRoot">
+          <p:childTnLst>
+            <p:seq concurrent="1" nextAc="seek">
+              <p:cTn id="2" dur="indefinite" nodeType="mainSeq">
+                <p:childTnLst>
+                  <p:par>
+                    <p:cTn id="3" fill="hold">
+                      <p:stCondLst>
+                        <p:cond delay="indefinite"/>
+                      </p:stCondLst>
+                      <p:childTnLst>
+                        <p:par>
+                          <p:cTn id="4" fill="hold">
+                            <p:stCondLst>
+                              <p:cond delay="0"/>
+                            </p:stCondLst>
+                            <p:childTnLst>
+                              <p:par>
+                                <p:cTn id="5" presetID="1" presetClass="entr" presetSubtype="0" fill="hold" nodeType="clickEffect">
+                                  <p:stCondLst>
+                                    <p:cond delay="0"/>
+                                  </p:stCondLst>
+                                  <p:childTnLst>
+                                    <p:set>
+                                      <p:cBhvr>
+                                        <p:cTn id="6" dur="1" fill="hold">
+                                          <p:stCondLst>
+                                            <p:cond delay="0"/>
+                                          </p:stCondLst>
+                                        </p:cTn>
+                                        <p:tgtEl>
+                                          <p:spTgt spid="3"/>
+                                        </p:tgtEl>
+                                        <p:attrNameLst>
+                                          <p:attrName>style.visibility</p:attrName>
+                                        </p:attrNameLst>
+                                      </p:cBhvr>
+                                      <p:to>
+                                        <p:strVal val="visible"/>
+                                      </p:to>
+                                    </p:set>
+                                  </p:childTnLst>
+                                </p:cTn>
+                              </p:par>
+                            </p:childTnLst>
+                          </p:cTn>
+                        </p:par>
+                      </p:childTnLst>
+                    </p:cTn>
+                  </p:par>
+                  <p:par>
+                    <p:cTn id="7" fill="hold">
+                      <p:stCondLst>
+                        <p:cond delay="indefinite"/>
+                      </p:stCondLst>
+                      <p:childTnLst>
+                        <p:par>
+                          <p:cTn id="8" fill="hold">
+                            <p:stCondLst>
+                              <p:cond delay="0"/>
+                            </p:stCondLst>
+                            <p:childTnLst>
+                              <p:par>
+                                <p:cTn id="9" presetID="1" presetClass="entr" presetSubtype="0" fill="hold" nodeType="clickEffect">
+                                  <p:stCondLst>
+                                    <p:cond delay="0"/>
+                                  </p:stCondLst>
+                                  <p:childTnLst>
+                                    <p:set>
+                                      <p:cBhvr>
+                                        <p:cTn id="10" dur="1" fill="hold">
+                                          <p:stCondLst>
+                                            <p:cond delay="0"/>
+                                          </p:stCondLst>
+                                        </p:cTn>
+                                        <p:tgtEl>
+                                          <p:spTgt spid="5"/>
+                                        </p:tgtEl>
+                                        <p:attrNameLst>
+                                          <p:attrName>style.visibility</p:attrName>
+                                        </p:attrNameLst>
+                                      </p:cBhvr>
+                                      <p:to>
+                                        <p:strVal val="visible"/>
+                                      </p:to>
+                                    </p:set>
+                                  </p:childTnLst>
+                                </p:cTn>
+                              </p:par>
+                            </p:childTnLst>
+                          </p:cTn>
+                        </p:par>
+                      </p:childTnLst>
+                    </p:cTn>
+                  </p:par>
+                  <p:par>
+                    <p:cTn id="11" fill="hold">
+                      <p:stCondLst>
+                        <p:cond delay="indefinite"/>
+                      </p:stCondLst>
+                      <p:childTnLst>
+                        <p:par>
+                          <p:cTn id="12" fill="hold">
+                            <p:stCondLst>
+                              <p:cond delay="0"/>
+                            </p:stCondLst>
+                            <p:childTnLst>
+                              <p:par>
+                                <p:cTn id="13" presetID="1" presetClass="entr" presetSubtype="0" fill="hold" nodeType="clickEffect">
+                                  <p:stCondLst>
+                                    <p:cond delay="0"/>
+                                  </p:stCondLst>
+                                  <p:childTnLst>
+                                    <p:set>
+                                      <p:cBhvr>
+                                        <p:cTn id="14" dur="1" fill="hold">
+                                          <p:stCondLst>
+                                            <p:cond delay="0"/>
+                                          </p:stCondLst>
+                                        </p:cTn>
+                                        <p:tgtEl>
+                                          <p:spTgt spid="6"/>
+                                        </p:tgtEl>
+                                        <p:attrNameLst>
+                                          <p:attrName>style.visibility</p:attrName>
+                                        </p:attrNameLst>
+                                      </p:cBhvr>
+                                      <p:to>
+                                        <p:strVal val="visible"/>
+                                      </p:to>
+                                    </p:set>
+                                  </p:childTnLst>
+                                </p:cTn>
+                              </p:par>
+                            </p:childTnLst>
+                          </p:cTn>
+                        </p:par>
+                      </p:childTnLst>
+                    </p:cTn>
+                  </p:par>
+                </p:childTnLst>
+              </p:cTn>
+              <p:prevCondLst>
+                <p:cond evt="onPrev" delay="0">
+                  <p:tgtEl>
+                    <p:sldTgt/>
+                  </p:tgtEl>
+                </p:cond>
+              </p:prevCondLst>
+              <p:nextCondLst>
+                <p:cond evt="onNext" delay="0">
+                  <p:tgtEl>
+                    <p:sldTgt/>
+                  </p:tgtEl>
+                </p:cond>
+              </p:nextCondLst>
+            </p:seq>
+          </p:childTnLst>
+        </p:cTn>
       </p:par>
     </p:tnLst>
   </p:timing>
@@ -18683,43 +19350,30 @@
       </p:grpSpPr>
       <p:sp>
         <p:nvSpPr>
-          <p:cNvPr id="2" name="Title 1"/>
+          <p:cNvPr id="5" name="Title 4"/>
           <p:cNvSpPr>
             <a:spLocks noGrp="1"/>
           </p:cNvSpPr>
           <p:nvPr>
-            <p:ph type="title"/>
+            <p:ph type="ctrTitle"/>
           </p:nvPr>
         </p:nvSpPr>
-        <p:spPr/>
+        <p:spPr>
+          <a:xfrm>
+            <a:off x="1687430" y="2098525"/>
+            <a:ext cx="8574622" cy="2616199"/>
+          </a:xfrm>
+        </p:spPr>
         <p:txBody>
-          <a:bodyPr/>
+          <a:bodyPr anchor="ctr"/>
           <a:lstStyle/>
           <a:p>
-            <a:r>
-              <a:rPr lang="en-GB" dirty="0"/>
-              <a:t>Backup</a:t>
+            <a:pPr algn="ctr"/>
+            <a:r>
+              <a:rPr lang="en-GB" dirty="0" smtClean="0"/>
+              <a:t>Thanks!</a:t>
             </a:r>
             <a:endParaRPr lang="de-DE" dirty="0"/>
-          </a:p>
-        </p:txBody>
-      </p:sp>
-      <p:sp>
-        <p:nvSpPr>
-          <p:cNvPr id="3" name="Content Placeholder 2"/>
-          <p:cNvSpPr>
-            <a:spLocks noGrp="1"/>
-          </p:cNvSpPr>
-          <p:nvPr>
-            <p:ph idx="1"/>
-          </p:nvPr>
-        </p:nvSpPr>
-        <p:spPr/>
-        <p:txBody>
-          <a:bodyPr/>
-          <a:lstStyle/>
-          <a:p>
-            <a:endParaRPr lang="de-DE"/>
           </a:p>
         </p:txBody>
       </p:sp>
@@ -18750,13 +19404,20 @@
     </p:spTree>
     <p:extLst>
       <p:ext uri="{BB962C8B-B14F-4D97-AF65-F5344CB8AC3E}">
-        <p14:creationId xmlns:p14="http://schemas.microsoft.com/office/powerpoint/2010/main" val="333537589"/>
+        <p14:creationId xmlns:p14="http://schemas.microsoft.com/office/powerpoint/2010/main" val="4227077605"/>
       </p:ext>
     </p:extLst>
   </p:cSld>
   <p:clrMapOvr>
     <a:masterClrMapping/>
   </p:clrMapOvr>
+  <p:timing>
+    <p:tnLst>
+      <p:par>
+        <p:cTn id="1" dur="indefinite" restart="never" nodeType="tmRoot"/>
+      </p:par>
+    </p:tnLst>
+  </p:timing>
 </p:sld>
 </file>
 
@@ -19010,7 +19671,7 @@
   <a:extraClrSchemeLst/>
   <a:extLst>
     <a:ext uri="{05A4C25C-085E-4340-85A3-A5531E510DB2}">
-      <thm15:themeFamily xmlns:thm15="http://schemas.microsoft.com/office/thememl/2012/main" xmlns="" name="Parallax" id="{3388167B-A2EB-4685-9635-1831D9AEF8C4}" vid="{4F7A876A-7598-49CA-AFC8-8EDA2551E4A7}"/>
+      <thm15:themeFamily xmlns:thm15="http://schemas.microsoft.com/office/thememl/2012/main" name="Parallax" id="{3388167B-A2EB-4685-9635-1831D9AEF8C4}" vid="{4F7A876A-7598-49CA-AFC8-8EDA2551E4A7}"/>
     </a:ext>
   </a:extLst>
 </a:theme>
@@ -19271,7 +19932,7 @@
   <a:extraClrSchemeLst/>
   <a:extLst>
     <a:ext uri="{05A4C25C-085E-4340-85A3-A5531E510DB2}">
-      <thm15:themeFamily xmlns:thm15="http://schemas.microsoft.com/office/thememl/2012/main" xmlns="" name="Office Theme" id="{62F939B6-93AF-4DB8-9C6B-D6C7DFDC589F}" vid="{4A3C46E8-61CC-4603-A589-7422A47A8E4A}"/>
+      <thm15:themeFamily xmlns:thm15="http://schemas.microsoft.com/office/thememl/2012/main" name="Office Theme" id="{62F939B6-93AF-4DB8-9C6B-D6C7DFDC589F}" vid="{4A3C46E8-61CC-4603-A589-7422A47A8E4A}"/>
     </a:ext>
   </a:extLst>
 </a:theme>

--- a/ProjectPresentation/EntityAnnotation.pptx
+++ b/ProjectPresentation/EntityAnnotation.pptx
@@ -1692,12 +1692,60 @@
           <a:p>
             <a:r>
               <a:rPr lang="en-GB" baseline="0" dirty="0"/>
-              <a:t>Reads an article about foreign politics: Trump is filling </a:t>
-            </a:r>
-            <a:r>
-              <a:rPr lang="en-GB" baseline="0"/>
-              <a:t>his cabinet (example: http://www.bbc.com/news/world-us-canada-38168382) </a:t>
-            </a:r>
+              <a:t>Reads an article about foreign politics: Trump is filling his </a:t>
+            </a:r>
+            <a:r>
+              <a:rPr lang="en-GB" baseline="0" dirty="0" smtClean="0"/>
+              <a:t>cabinet</a:t>
+            </a:r>
+          </a:p>
+          <a:p>
+            <a:pPr marL="171450" indent="-171450">
+              <a:buFontTx/>
+              <a:buChar char="-"/>
+            </a:pPr>
+            <a:r>
+              <a:rPr lang="en-GB" baseline="0" dirty="0" smtClean="0"/>
+              <a:t>http</a:t>
+            </a:r>
+            <a:r>
+              <a:rPr lang="en-GB" baseline="0" dirty="0"/>
+              <a:t>://</a:t>
+            </a:r>
+            <a:r>
+              <a:rPr lang="en-GB" baseline="0" dirty="0" smtClean="0"/>
+              <a:t>www.bbc.com/news/world-us-canada-38168382 (cabinet)</a:t>
+            </a:r>
+          </a:p>
+          <a:p>
+            <a:pPr marL="171450" indent="-171450">
+              <a:buFontTx/>
+              <a:buChar char="-"/>
+            </a:pPr>
+            <a:r>
+              <a:rPr lang="en-GB" baseline="0" dirty="0" smtClean="0"/>
+              <a:t>http://www.bbc.com/news/world-us-canada-38179002 (trump vs Clinton)</a:t>
+            </a:r>
+          </a:p>
+          <a:p>
+            <a:pPr marL="171450" indent="-171450">
+              <a:buFontTx/>
+              <a:buChar char="-"/>
+            </a:pPr>
+            <a:r>
+              <a:rPr lang="en-GB" baseline="0" dirty="0" smtClean="0"/>
+              <a:t>http://www.nytimes.com/interactive/2016/us/politics/donald-trump-administration.html?_r=0 (trump + ben </a:t>
+            </a:r>
+            <a:r>
+              <a:rPr lang="en-GB" baseline="0" dirty="0" err="1" smtClean="0"/>
+              <a:t>carson</a:t>
+            </a:r>
+            <a:r>
+              <a:rPr lang="en-GB" baseline="0" dirty="0" smtClean="0"/>
+              <a:t>)</a:t>
+            </a:r>
+          </a:p>
+          <a:p>
             <a:endParaRPr lang="en-GB" baseline="0" dirty="0"/>
           </a:p>
           <a:p>
@@ -9415,7 +9463,7 @@
                 <a14:useLocalDpi xmlns:a14="http://schemas.microsoft.com/office/drawing/2010/main" val="0"/>
               </a:ext>
               <a:ext uri="{96DAC541-7B7A-43D3-8B79-37D633B846F1}">
-                <asvg:svgBlip xmlns="" xmlns:asvg="http://schemas.microsoft.com/office/drawing/2016/SVG/main" r:embed="rId7"/>
+                <asvg:svgBlip xmlns:asvg="http://schemas.microsoft.com/office/drawing/2016/SVG/main" xmlns="" r:embed="rId7"/>
               </a:ext>
             </a:extLst>
           </a:blip>
@@ -9448,7 +9496,7 @@
                 <a14:useLocalDpi xmlns:a14="http://schemas.microsoft.com/office/drawing/2010/main" val="0"/>
               </a:ext>
               <a:ext uri="{96DAC541-7B7A-43D3-8B79-37D633B846F1}">
-                <asvg:svgBlip xmlns="" xmlns:asvg="http://schemas.microsoft.com/office/drawing/2016/SVG/main" r:embed="rId9"/>
+                <asvg:svgBlip xmlns:asvg="http://schemas.microsoft.com/office/drawing/2016/SVG/main" xmlns="" r:embed="rId9"/>
               </a:ext>
             </a:extLst>
           </a:blip>
@@ -10076,7 +10124,7 @@
                   <a14:useLocalDpi xmlns:a14="http://schemas.microsoft.com/office/drawing/2010/main" val="0"/>
                 </a:ext>
                 <a:ext uri="{96DAC541-7B7A-43D3-8B79-37D633B846F1}">
-                  <asvg:svgBlip xmlns="" xmlns:asvg="http://schemas.microsoft.com/office/drawing/2016/SVG/main" r:embed="rId5"/>
+                  <asvg:svgBlip xmlns:asvg="http://schemas.microsoft.com/office/drawing/2016/SVG/main" xmlns="" r:embed="rId5"/>
                 </a:ext>
               </a:extLst>
             </a:blip>
@@ -10236,7 +10284,7 @@
                   <a14:useLocalDpi xmlns:a14="http://schemas.microsoft.com/office/drawing/2010/main" val="0"/>
                 </a:ext>
                 <a:ext uri="{96DAC541-7B7A-43D3-8B79-37D633B846F1}">
-                  <asvg:svgBlip xmlns="" xmlns:asvg="http://schemas.microsoft.com/office/drawing/2016/SVG/main" r:embed="rId9"/>
+                  <asvg:svgBlip xmlns:asvg="http://schemas.microsoft.com/office/drawing/2016/SVG/main" xmlns="" r:embed="rId9"/>
                 </a:ext>
               </a:extLst>
             </a:blip>
@@ -10329,7 +10377,7 @@
                     <a14:useLocalDpi xmlns:a14="http://schemas.microsoft.com/office/drawing/2010/main" val="0"/>
                   </a:ext>
                   <a:ext uri="{96DAC541-7B7A-43D3-8B79-37D633B846F1}">
-                    <asvg:svgBlip xmlns="" xmlns:asvg="http://schemas.microsoft.com/office/drawing/2016/SVG/main" r:embed="rId11"/>
+                    <asvg:svgBlip xmlns:asvg="http://schemas.microsoft.com/office/drawing/2016/SVG/main" xmlns="" r:embed="rId11"/>
                   </a:ext>
                 </a:extLst>
               </a:blip>
@@ -10362,7 +10410,7 @@
                     <a14:useLocalDpi xmlns:a14="http://schemas.microsoft.com/office/drawing/2010/main" val="0"/>
                   </a:ext>
                   <a:ext uri="{96DAC541-7B7A-43D3-8B79-37D633B846F1}">
-                    <asvg:svgBlip xmlns="" xmlns:asvg="http://schemas.microsoft.com/office/drawing/2016/SVG/main" r:embed="rId13"/>
+                    <asvg:svgBlip xmlns:asvg="http://schemas.microsoft.com/office/drawing/2016/SVG/main" xmlns="" r:embed="rId13"/>
                   </a:ext>
                 </a:extLst>
               </a:blip>
@@ -10544,7 +10592,7 @@
                 <a14:useLocalDpi xmlns:a14="http://schemas.microsoft.com/office/drawing/2010/main" val="0"/>
               </a:ext>
               <a:ext uri="{96DAC541-7B7A-43D3-8B79-37D633B846F1}">
-                <asvg:svgBlip xmlns="" xmlns:asvg="http://schemas.microsoft.com/office/drawing/2016/SVG/main" r:embed="rId18"/>
+                <asvg:svgBlip xmlns:asvg="http://schemas.microsoft.com/office/drawing/2016/SVG/main" xmlns="" r:embed="rId18"/>
               </a:ext>
             </a:extLst>
           </a:blip>
@@ -10577,7 +10625,7 @@
                 <a14:useLocalDpi xmlns:a14="http://schemas.microsoft.com/office/drawing/2010/main" val="0"/>
               </a:ext>
               <a:ext uri="{96DAC541-7B7A-43D3-8B79-37D633B846F1}">
-                <asvg:svgBlip xmlns="" xmlns:asvg="http://schemas.microsoft.com/office/drawing/2016/SVG/main" r:embed="rId20"/>
+                <asvg:svgBlip xmlns:asvg="http://schemas.microsoft.com/office/drawing/2016/SVG/main" xmlns="" r:embed="rId20"/>
               </a:ext>
             </a:extLst>
           </a:blip>
@@ -10962,7 +11010,7 @@
                   <a14:useLocalDpi xmlns:a14="http://schemas.microsoft.com/office/drawing/2010/main" val="0"/>
                 </a:ext>
                 <a:ext uri="{96DAC541-7B7A-43D3-8B79-37D633B846F1}">
-                  <asvg:svgBlip xmlns="" xmlns:asvg="http://schemas.microsoft.com/office/drawing/2016/SVG/main" r:embed="rId13"/>
+                  <asvg:svgBlip xmlns:asvg="http://schemas.microsoft.com/office/drawing/2016/SVG/main" xmlns="" r:embed="rId13"/>
                 </a:ext>
               </a:extLst>
             </a:blip>
@@ -12533,7 +12581,7 @@
                   <a14:useLocalDpi xmlns:a14="http://schemas.microsoft.com/office/drawing/2010/main" val="0"/>
                 </a:ext>
                 <a:ext uri="{96DAC541-7B7A-43D3-8B79-37D633B846F1}">
-                  <asvg:svgBlip xmlns="" xmlns:asvg="http://schemas.microsoft.com/office/drawing/2016/SVG/main" r:embed="rId6"/>
+                  <asvg:svgBlip xmlns:asvg="http://schemas.microsoft.com/office/drawing/2016/SVG/main" xmlns="" r:embed="rId6"/>
                 </a:ext>
               </a:extLst>
             </a:blip>
@@ -12692,7 +12740,7 @@
                 <a14:useLocalDpi xmlns:a14="http://schemas.microsoft.com/office/drawing/2010/main" val="0"/>
               </a:ext>
               <a:ext uri="{96DAC541-7B7A-43D3-8B79-37D633B846F1}">
-                <asvg:svgBlip xmlns="" xmlns:asvg="http://schemas.microsoft.com/office/drawing/2016/SVG/main" r:embed="rId8"/>
+                <asvg:svgBlip xmlns:asvg="http://schemas.microsoft.com/office/drawing/2016/SVG/main" xmlns="" r:embed="rId8"/>
               </a:ext>
             </a:extLst>
           </a:blip>
@@ -12739,7 +12787,7 @@
                   <a14:useLocalDpi xmlns:a14="http://schemas.microsoft.com/office/drawing/2010/main" val="0"/>
                 </a:ext>
                 <a:ext uri="{96DAC541-7B7A-43D3-8B79-37D633B846F1}">
-                  <asvg:svgBlip xmlns="" xmlns:asvg="http://schemas.microsoft.com/office/drawing/2016/SVG/main" r:embed="rId10"/>
+                  <asvg:svgBlip xmlns:asvg="http://schemas.microsoft.com/office/drawing/2016/SVG/main" xmlns="" r:embed="rId10"/>
                 </a:ext>
               </a:extLst>
             </a:blip>
@@ -12832,7 +12880,7 @@
                     <a14:useLocalDpi xmlns:a14="http://schemas.microsoft.com/office/drawing/2010/main" val="0"/>
                   </a:ext>
                   <a:ext uri="{96DAC541-7B7A-43D3-8B79-37D633B846F1}">
-                    <asvg:svgBlip xmlns="" xmlns:asvg="http://schemas.microsoft.com/office/drawing/2016/SVG/main" r:embed="rId12"/>
+                    <asvg:svgBlip xmlns:asvg="http://schemas.microsoft.com/office/drawing/2016/SVG/main" xmlns="" r:embed="rId12"/>
                   </a:ext>
                 </a:extLst>
               </a:blip>
@@ -12986,7 +13034,7 @@
                   <a14:useLocalDpi xmlns:a14="http://schemas.microsoft.com/office/drawing/2010/main" val="0"/>
                 </a:ext>
                 <a:ext uri="{96DAC541-7B7A-43D3-8B79-37D633B846F1}">
-                  <asvg:svgBlip xmlns="" xmlns:asvg="http://schemas.microsoft.com/office/drawing/2016/SVG/main" r:embed="rId16"/>
+                  <asvg:svgBlip xmlns:asvg="http://schemas.microsoft.com/office/drawing/2016/SVG/main" xmlns="" r:embed="rId16"/>
                 </a:ext>
               </a:extLst>
             </a:blip>
@@ -13065,7 +13113,7 @@
                   <a14:useLocalDpi xmlns:a14="http://schemas.microsoft.com/office/drawing/2010/main" val="0"/>
                 </a:ext>
                 <a:ext uri="{96DAC541-7B7A-43D3-8B79-37D633B846F1}">
-                  <asvg:svgBlip xmlns="" xmlns:asvg="http://schemas.microsoft.com/office/drawing/2016/SVG/main" r:embed="rId18"/>
+                  <asvg:svgBlip xmlns:asvg="http://schemas.microsoft.com/office/drawing/2016/SVG/main" xmlns="" r:embed="rId18"/>
                 </a:ext>
               </a:extLst>
             </a:blip>
@@ -13310,7 +13358,7 @@
                     <a14:useLocalDpi xmlns:a14="http://schemas.microsoft.com/office/drawing/2010/main" val="0"/>
                   </a:ext>
                   <a:ext uri="{96DAC541-7B7A-43D3-8B79-37D633B846F1}">
-                    <asvg:svgBlip xmlns="" xmlns:asvg="http://schemas.microsoft.com/office/drawing/2016/SVG/main" r:embed="rId22"/>
+                    <asvg:svgBlip xmlns:asvg="http://schemas.microsoft.com/office/drawing/2016/SVG/main" xmlns="" r:embed="rId22"/>
                   </a:ext>
                 </a:extLst>
               </a:blip>
@@ -13343,7 +13391,7 @@
                     <a14:useLocalDpi xmlns:a14="http://schemas.microsoft.com/office/drawing/2010/main" val="0"/>
                   </a:ext>
                   <a:ext uri="{96DAC541-7B7A-43D3-8B79-37D633B846F1}">
-                    <asvg:svgBlip xmlns="" xmlns:asvg="http://schemas.microsoft.com/office/drawing/2016/SVG/main" r:embed="rId16"/>
+                    <asvg:svgBlip xmlns:asvg="http://schemas.microsoft.com/office/drawing/2016/SVG/main" xmlns="" r:embed="rId16"/>
                   </a:ext>
                 </a:extLst>
               </a:blip>
@@ -15268,7 +15316,7 @@
                   <a14:useLocalDpi xmlns:a14="http://schemas.microsoft.com/office/drawing/2010/main" val="0"/>
                 </a:ext>
                 <a:ext uri="{96DAC541-7B7A-43D3-8B79-37D633B846F1}">
-                  <asvg:svgBlip xmlns="" xmlns:asvg="http://schemas.microsoft.com/office/drawing/2016/SVG/main" r:embed="rId4"/>
+                  <asvg:svgBlip xmlns:asvg="http://schemas.microsoft.com/office/drawing/2016/SVG/main" xmlns="" r:embed="rId4"/>
                 </a:ext>
               </a:extLst>
             </a:blip>
@@ -15617,7 +15665,7 @@
                     <a14:useLocalDpi xmlns:a14="http://schemas.microsoft.com/office/drawing/2010/main" val="0"/>
                   </a:ext>
                   <a:ext uri="{96DAC541-7B7A-43D3-8B79-37D633B846F1}">
-                    <asvg:svgBlip xmlns="" xmlns:asvg="http://schemas.microsoft.com/office/drawing/2016/SVG/main" r:embed="rId8"/>
+                    <asvg:svgBlip xmlns:asvg="http://schemas.microsoft.com/office/drawing/2016/SVG/main" xmlns="" r:embed="rId8"/>
                   </a:ext>
                 </a:extLst>
               </a:blip>
@@ -17648,7 +17696,7 @@
                       <a14:useLocalDpi xmlns:a14="http://schemas.microsoft.com/office/drawing/2010/main" val="0"/>
                     </a:ext>
                     <a:ext uri="{96DAC541-7B7A-43D3-8B79-37D633B846F1}">
-                      <asvg:svgBlip xmlns="" xmlns:asvg="http://schemas.microsoft.com/office/drawing/2016/SVG/main" r:embed="rId14"/>
+                      <asvg:svgBlip xmlns:asvg="http://schemas.microsoft.com/office/drawing/2016/SVG/main" xmlns="" r:embed="rId14"/>
                     </a:ext>
                   </a:extLst>
                 </a:blip>
@@ -17681,7 +17729,7 @@
                       <a14:useLocalDpi xmlns:a14="http://schemas.microsoft.com/office/drawing/2010/main" val="0"/>
                     </a:ext>
                     <a:ext uri="{96DAC541-7B7A-43D3-8B79-37D633B846F1}">
-                      <asvg:svgBlip xmlns="" xmlns:asvg="http://schemas.microsoft.com/office/drawing/2016/SVG/main" r:embed="rId16"/>
+                      <asvg:svgBlip xmlns:asvg="http://schemas.microsoft.com/office/drawing/2016/SVG/main" xmlns="" r:embed="rId16"/>
                     </a:ext>
                   </a:extLst>
                 </a:blip>
@@ -19026,7 +19074,7 @@
                     <a14:useLocalDpi xmlns:a14="http://schemas.microsoft.com/office/drawing/2010/main" val="0"/>
                   </a:ext>
                   <a:ext uri="{96DAC541-7B7A-43D3-8B79-37D633B846F1}">
-                    <asvg:svgBlip xmlns="" xmlns:asvg="http://schemas.microsoft.com/office/drawing/2016/SVG/main" r:embed="rId13"/>
+                    <asvg:svgBlip xmlns:asvg="http://schemas.microsoft.com/office/drawing/2016/SVG/main" xmlns="" r:embed="rId13"/>
                   </a:ext>
                 </a:extLst>
               </a:blip>
@@ -19059,7 +19107,7 @@
                     <a14:useLocalDpi xmlns:a14="http://schemas.microsoft.com/office/drawing/2010/main" val="0"/>
                   </a:ext>
                   <a:ext uri="{96DAC541-7B7A-43D3-8B79-37D633B846F1}">
-                    <asvg:svgBlip xmlns="" xmlns:asvg="http://schemas.microsoft.com/office/drawing/2016/SVG/main" r:embed="rId15"/>
+                    <asvg:svgBlip xmlns:asvg="http://schemas.microsoft.com/office/drawing/2016/SVG/main" xmlns="" r:embed="rId15"/>
                   </a:ext>
                 </a:extLst>
               </a:blip>

--- a/ProjectPresentation/EntityAnnotation.pptx
+++ b/ProjectPresentation/EntityAnnotation.pptx
@@ -816,6 +816,90 @@
 </p:notes>
 </file>
 
+<file path=ppt/notesSlides/notesSlide10.xml><?xml version="1.0" encoding="utf-8"?>
+<p:notes xmlns:a="http://schemas.openxmlformats.org/drawingml/2006/main" xmlns:r="http://schemas.openxmlformats.org/officeDocument/2006/relationships" xmlns:p="http://schemas.openxmlformats.org/presentationml/2006/main">
+  <p:cSld>
+    <p:spTree>
+      <p:nvGrpSpPr>
+        <p:cNvPr id="1" name=""/>
+        <p:cNvGrpSpPr/>
+        <p:nvPr/>
+      </p:nvGrpSpPr>
+      <p:grpSpPr>
+        <a:xfrm>
+          <a:off x="0" y="0"/>
+          <a:ext cx="0" cy="0"/>
+          <a:chOff x="0" y="0"/>
+          <a:chExt cx="0" cy="0"/>
+        </a:xfrm>
+      </p:grpSpPr>
+      <p:sp>
+        <p:nvSpPr>
+          <p:cNvPr id="2" name="Folienbildplatzhalter 1"/>
+          <p:cNvSpPr>
+            <a:spLocks noGrp="1" noRot="1" noChangeAspect="1"/>
+          </p:cNvSpPr>
+          <p:nvPr>
+            <p:ph type="sldImg"/>
+          </p:nvPr>
+        </p:nvSpPr>
+        <p:spPr/>
+      </p:sp>
+      <p:sp>
+        <p:nvSpPr>
+          <p:cNvPr id="3" name="Notizenplatzhalter 2"/>
+          <p:cNvSpPr>
+            <a:spLocks noGrp="1"/>
+          </p:cNvSpPr>
+          <p:nvPr>
+            <p:ph type="body" idx="1"/>
+          </p:nvPr>
+        </p:nvSpPr>
+        <p:spPr/>
+        <p:txBody>
+          <a:bodyPr/>
+          <a:lstStyle/>
+          <a:p>
+            <a:endParaRPr lang="en-GB" dirty="0"/>
+          </a:p>
+        </p:txBody>
+      </p:sp>
+      <p:sp>
+        <p:nvSpPr>
+          <p:cNvPr id="4" name="Foliennummernplatzhalter 3"/>
+          <p:cNvSpPr>
+            <a:spLocks noGrp="1"/>
+          </p:cNvSpPr>
+          <p:nvPr>
+            <p:ph type="sldNum" sz="quarter" idx="10"/>
+          </p:nvPr>
+        </p:nvSpPr>
+        <p:spPr/>
+        <p:txBody>
+          <a:bodyPr/>
+          <a:lstStyle/>
+          <a:p>
+            <a:fld id="{6B56D088-27D1-433A-A9A9-E30AD3E13E16}" type="slidenum">
+              <a:rPr lang="en-GB" smtClean="0"/>
+              <a:t>11</a:t>
+            </a:fld>
+            <a:endParaRPr lang="en-GB"/>
+          </a:p>
+        </p:txBody>
+      </p:sp>
+    </p:spTree>
+    <p:extLst>
+      <p:ext uri="{BB962C8B-B14F-4D97-AF65-F5344CB8AC3E}">
+        <p14:creationId xmlns:p14="http://schemas.microsoft.com/office/powerpoint/2010/main" val="1496811619"/>
+      </p:ext>
+    </p:extLst>
+  </p:cSld>
+  <p:clrMapOvr>
+    <a:masterClrMapping/>
+  </p:clrMapOvr>
+</p:notes>
+</file>
+
 <file path=ppt/notesSlides/notesSlide2.xml><?xml version="1.0" encoding="utf-8"?>
 <p:notes xmlns:a="http://schemas.openxmlformats.org/drawingml/2006/main" xmlns:r="http://schemas.openxmlformats.org/officeDocument/2006/relationships" xmlns:p="http://schemas.openxmlformats.org/presentationml/2006/main">
   <p:cSld>
@@ -1478,37 +1562,13 @@
           <a:bodyPr/>
           <a:lstStyle/>
           <a:p>
+            <a:pPr marL="171450" indent="-171450">
+              <a:buFontTx/>
+              <a:buChar char="-"/>
+            </a:pPr>
             <a:r>
               <a:rPr lang="de-DE" dirty="0" smtClean="0"/>
-              <a:t>Last </a:t>
-            </a:r>
-            <a:r>
-              <a:rPr lang="de-DE" dirty="0" err="1" smtClean="0"/>
-              <a:t>step</a:t>
-            </a:r>
-            <a:r>
-              <a:rPr lang="de-DE" dirty="0" smtClean="0"/>
-              <a:t>: </a:t>
-            </a:r>
-            <a:r>
-              <a:rPr lang="de-DE" dirty="0" err="1" smtClean="0"/>
-              <a:t>context</a:t>
-            </a:r>
-            <a:r>
-              <a:rPr lang="de-DE" dirty="0" smtClean="0"/>
-              <a:t> </a:t>
-            </a:r>
-            <a:r>
-              <a:rPr lang="de-DE" dirty="0" err="1" smtClean="0"/>
-              <a:t>and</a:t>
-            </a:r>
-            <a:r>
-              <a:rPr lang="de-DE" dirty="0" smtClean="0"/>
-              <a:t> </a:t>
-            </a:r>
-            <a:r>
-              <a:rPr lang="de-DE" dirty="0" err="1" smtClean="0"/>
-              <a:t>properties</a:t>
+              <a:t>Just</a:t>
             </a:r>
             <a:r>
               <a:rPr lang="de-DE" baseline="0" dirty="0" smtClean="0"/>
@@ -1516,15 +1576,7 @@
             </a:r>
             <a:r>
               <a:rPr lang="de-DE" baseline="0" dirty="0" err="1" smtClean="0"/>
-              <a:t>for</a:t>
-            </a:r>
-            <a:r>
-              <a:rPr lang="de-DE" baseline="0" dirty="0" smtClean="0"/>
-              <a:t> a </a:t>
-            </a:r>
-            <a:r>
-              <a:rPr lang="de-DE" baseline="0" dirty="0" err="1" smtClean="0"/>
-              <a:t>given</a:t>
+              <a:t>saw</a:t>
             </a:r>
             <a:r>
               <a:rPr lang="de-DE" baseline="0" dirty="0" smtClean="0"/>
@@ -1532,7 +1584,7 @@
             </a:r>
             <a:r>
               <a:rPr lang="de-DE" baseline="0" dirty="0" err="1" smtClean="0"/>
-              <a:t>set</a:t>
+              <a:t>the</a:t>
             </a:r>
             <a:r>
               <a:rPr lang="de-DE" baseline="0" dirty="0" smtClean="0"/>
@@ -1540,7 +1592,7 @@
             </a:r>
             <a:r>
               <a:rPr lang="de-DE" baseline="0" dirty="0" err="1" smtClean="0"/>
-              <a:t>of</a:t>
+              <a:t>server</a:t>
             </a:r>
             <a:r>
               <a:rPr lang="de-DE" baseline="0" dirty="0" smtClean="0"/>
@@ -1548,7 +1600,15 @@
             </a:r>
             <a:r>
               <a:rPr lang="de-DE" baseline="0" dirty="0" err="1" smtClean="0"/>
-              <a:t>named</a:t>
+              <a:t>part</a:t>
+            </a:r>
+            <a:r>
+              <a:rPr lang="de-DE" baseline="0" dirty="0" smtClean="0"/>
+              <a:t>, </a:t>
+            </a:r>
+            <a:r>
+              <a:rPr lang="de-DE" baseline="0" dirty="0" err="1" smtClean="0"/>
+              <a:t>the</a:t>
             </a:r>
             <a:r>
               <a:rPr lang="de-DE" baseline="0" dirty="0" smtClean="0"/>
@@ -1556,7 +1616,7 @@
             </a:r>
             <a:r>
               <a:rPr lang="de-DE" baseline="0" dirty="0" err="1" smtClean="0"/>
-              <a:t>entities</a:t>
+              <a:t>other</a:t>
             </a:r>
             <a:r>
               <a:rPr lang="de-DE" baseline="0" dirty="0" smtClean="0"/>
@@ -1564,7 +1624,7 @@
             </a:r>
             <a:r>
               <a:rPr lang="de-DE" baseline="0" dirty="0" err="1" smtClean="0"/>
-              <a:t>that</a:t>
+              <a:t>component</a:t>
             </a:r>
             <a:r>
               <a:rPr lang="de-DE" baseline="0" dirty="0" smtClean="0"/>
@@ -1572,7 +1632,7 @@
             </a:r>
             <a:r>
               <a:rPr lang="de-DE" baseline="0" dirty="0" err="1" smtClean="0"/>
-              <a:t>were</a:t>
+              <a:t>is</a:t>
             </a:r>
             <a:r>
               <a:rPr lang="de-DE" baseline="0" dirty="0" smtClean="0"/>
@@ -1580,7 +1640,100 @@
             </a:r>
             <a:r>
               <a:rPr lang="de-DE" baseline="0" dirty="0" err="1" smtClean="0"/>
-              <a:t>retrieved</a:t>
+              <a:t>the</a:t>
+            </a:r>
+            <a:r>
+              <a:rPr lang="de-DE" baseline="0" dirty="0" smtClean="0"/>
+              <a:t> Chrome </a:t>
+            </a:r>
+            <a:r>
+              <a:rPr lang="de-DE" baseline="0" dirty="0" err="1" smtClean="0"/>
+              <a:t>extension</a:t>
+            </a:r>
+            <a:endParaRPr lang="de-DE" baseline="0" dirty="0" smtClean="0"/>
+          </a:p>
+          <a:p>
+            <a:pPr marL="171450" indent="-171450">
+              <a:buFontTx/>
+              <a:buChar char="-"/>
+            </a:pPr>
+            <a:r>
+              <a:rPr lang="de-DE" baseline="0" dirty="0" err="1" smtClean="0"/>
+              <a:t>For</a:t>
+            </a:r>
+            <a:r>
+              <a:rPr lang="de-DE" baseline="0" dirty="0" smtClean="0"/>
+              <a:t> </a:t>
+            </a:r>
+            <a:r>
+              <a:rPr lang="de-DE" baseline="0" dirty="0" err="1" smtClean="0"/>
+              <a:t>communication</a:t>
+            </a:r>
+            <a:r>
+              <a:rPr lang="de-DE" baseline="0" dirty="0" smtClean="0"/>
+              <a:t> </a:t>
+            </a:r>
+            <a:r>
+              <a:rPr lang="de-DE" baseline="0" dirty="0" err="1" smtClean="0"/>
+              <a:t>the</a:t>
+            </a:r>
+            <a:r>
+              <a:rPr lang="de-DE" baseline="0" dirty="0" smtClean="0"/>
+              <a:t> </a:t>
+            </a:r>
+            <a:r>
+              <a:rPr lang="de-DE" baseline="0" dirty="0" err="1" smtClean="0"/>
+              <a:t>server</a:t>
+            </a:r>
+            <a:r>
+              <a:rPr lang="de-DE" baseline="0" dirty="0" smtClean="0"/>
+              <a:t> </a:t>
+            </a:r>
+            <a:r>
+              <a:rPr lang="de-DE" baseline="0" dirty="0" err="1" smtClean="0"/>
+              <a:t>offers</a:t>
+            </a:r>
+            <a:r>
+              <a:rPr lang="de-DE" baseline="0" dirty="0" smtClean="0"/>
+              <a:t> a REST API</a:t>
+            </a:r>
+          </a:p>
+          <a:p>
+            <a:pPr marL="171450" indent="-171450">
+              <a:buFontTx/>
+              <a:buChar char="-"/>
+            </a:pPr>
+            <a:r>
+              <a:rPr lang="de-DE" baseline="0" dirty="0" err="1" smtClean="0"/>
+              <a:t>Consists</a:t>
+            </a:r>
+            <a:r>
+              <a:rPr lang="de-DE" baseline="0" dirty="0" smtClean="0"/>
+              <a:t> </a:t>
+            </a:r>
+            <a:r>
+              <a:rPr lang="de-DE" baseline="0" dirty="0" err="1" smtClean="0"/>
+              <a:t>of</a:t>
+            </a:r>
+            <a:r>
+              <a:rPr lang="de-DE" baseline="0" dirty="0" smtClean="0"/>
+              <a:t> </a:t>
+            </a:r>
+            <a:r>
+              <a:rPr lang="de-DE" baseline="0" dirty="0" err="1" smtClean="0"/>
+              <a:t>two</a:t>
+            </a:r>
+            <a:r>
+              <a:rPr lang="de-DE" baseline="0" dirty="0" smtClean="0"/>
+              <a:t> </a:t>
+            </a:r>
+            <a:r>
+              <a:rPr lang="de-DE" baseline="0" dirty="0" err="1" smtClean="0"/>
+              <a:t>calls</a:t>
+            </a:r>
+            <a:r>
+              <a:rPr lang="de-DE" baseline="0" dirty="0" smtClean="0"/>
+              <a:t>:</a:t>
             </a:r>
             <a:endParaRPr lang="de-DE" dirty="0"/>
           </a:p>
@@ -1603,7 +1756,7 @@
           <a:p>
             <a:fld id="{6B56D088-27D1-433A-A9A9-E30AD3E13E16}" type="slidenum">
               <a:rPr lang="en-GB" smtClean="0"/>
-              <a:t>6</a:t>
+              <a:t>5</a:t>
             </a:fld>
             <a:endParaRPr lang="en-GB"/>
           </a:p>
@@ -1612,7 +1765,7 @@
     </p:spTree>
     <p:extLst>
       <p:ext uri="{BB962C8B-B14F-4D97-AF65-F5344CB8AC3E}">
-        <p14:creationId xmlns:p14="http://schemas.microsoft.com/office/powerpoint/2010/main" val="4067828839"/>
+        <p14:creationId xmlns:p14="http://schemas.microsoft.com/office/powerpoint/2010/main" val="1761261484"/>
       </p:ext>
     </p:extLst>
   </p:cSld>
@@ -1667,146 +1820,109 @@
           <a:lstStyle/>
           <a:p>
             <a:r>
-              <a:rPr lang="en-GB" dirty="0"/>
-              <a:t>Demo script:</a:t>
-            </a:r>
-          </a:p>
-          <a:p>
-            <a:r>
-              <a:rPr lang="en-GB" dirty="0"/>
-              <a:t>User</a:t>
-            </a:r>
-            <a:r>
-              <a:rPr lang="en-GB" baseline="0" dirty="0"/>
-              <a:t> visits his favourite website (Spiegel, </a:t>
-            </a:r>
-            <a:r>
-              <a:rPr lang="en-GB" baseline="0" dirty="0" err="1"/>
-              <a:t>bbc</a:t>
-            </a:r>
-            <a:r>
-              <a:rPr lang="en-GB" baseline="0" dirty="0"/>
-              <a:t>, CNN)</a:t>
-            </a:r>
-          </a:p>
-          <a:p>
-            <a:r>
-              <a:rPr lang="en-GB" baseline="0" dirty="0"/>
-              <a:t>Reads an article about foreign politics: Trump is filling his </a:t>
-            </a:r>
-            <a:r>
-              <a:rPr lang="en-GB" baseline="0" dirty="0" smtClean="0"/>
-              <a:t>cabinet</a:t>
-            </a:r>
-          </a:p>
-          <a:p>
-            <a:pPr marL="171450" indent="-171450">
-              <a:buFontTx/>
-              <a:buChar char="-"/>
-            </a:pPr>
-            <a:r>
-              <a:rPr lang="en-GB" baseline="0" dirty="0" smtClean="0"/>
-              <a:t>http</a:t>
-            </a:r>
-            <a:r>
-              <a:rPr lang="en-GB" baseline="0" dirty="0"/>
-              <a:t>://</a:t>
-            </a:r>
-            <a:r>
-              <a:rPr lang="en-GB" baseline="0" dirty="0" smtClean="0"/>
-              <a:t>www.bbc.com/news/world-us-canada-38168382 (cabinet)</a:t>
-            </a:r>
-          </a:p>
-          <a:p>
-            <a:pPr marL="171450" indent="-171450">
-              <a:buFontTx/>
-              <a:buChar char="-"/>
-            </a:pPr>
-            <a:r>
-              <a:rPr lang="en-GB" baseline="0" dirty="0" smtClean="0"/>
-              <a:t>http://www.bbc.com/news/world-us-canada-38179002 (trump vs Clinton)</a:t>
-            </a:r>
-          </a:p>
-          <a:p>
-            <a:pPr marL="171450" indent="-171450">
-              <a:buFontTx/>
-              <a:buChar char="-"/>
-            </a:pPr>
-            <a:r>
-              <a:rPr lang="en-GB" baseline="0" dirty="0" smtClean="0"/>
-              <a:t>http://www.nytimes.com/interactive/2016/us/politics/donald-trump-administration.html?_r=0 (trump + ben </a:t>
-            </a:r>
-            <a:r>
-              <a:rPr lang="en-GB" baseline="0" dirty="0" err="1" smtClean="0"/>
-              <a:t>carson</a:t>
-            </a:r>
-            <a:r>
-              <a:rPr lang="en-GB" baseline="0" dirty="0" smtClean="0"/>
-              <a:t>)</a:t>
-            </a:r>
-          </a:p>
-          <a:p>
-            <a:endParaRPr lang="en-GB" baseline="0" dirty="0"/>
-          </a:p>
-          <a:p>
-            <a:r>
-              <a:rPr lang="en-GB" baseline="0" dirty="0"/>
-              <a:t>Now Trump obviously he knows, but who is this other person that is mentioned here? </a:t>
-            </a:r>
-          </a:p>
-          <a:p>
-            <a:pPr marL="171450" indent="-171450">
-              <a:buFont typeface="Wingdings" pitchFamily="2" charset="2"/>
-              <a:buChar char="è"/>
-            </a:pPr>
-            <a:r>
-              <a:rPr lang="en-GB" baseline="0" dirty="0">
-                <a:sym typeface="Wingdings" panose="05000000000000000000" pitchFamily="2" charset="2"/>
-              </a:rPr>
-              <a:t>Select the text and click the button!</a:t>
-            </a:r>
-          </a:p>
-          <a:p>
-            <a:pPr marL="0" indent="0">
-              <a:buFont typeface="Wingdings" pitchFamily="2" charset="2"/>
-              <a:buNone/>
-            </a:pPr>
-            <a:r>
-              <a:rPr lang="en-GB" baseline="0" dirty="0">
-                <a:sym typeface="Wingdings" panose="05000000000000000000" pitchFamily="2" charset="2"/>
-              </a:rPr>
-              <a:t>View information about the named entities that were found:</a:t>
-            </a:r>
-          </a:p>
-          <a:p>
-            <a:pPr marL="171450" indent="-171450">
-              <a:buFont typeface="Wingdings" pitchFamily="2" charset="2"/>
-              <a:buChar char="è"/>
-            </a:pPr>
-            <a:r>
-              <a:rPr lang="en-GB" baseline="0" dirty="0">
-                <a:sym typeface="Wingdings" panose="05000000000000000000" pitchFamily="2" charset="2"/>
-              </a:rPr>
-              <a:t>Information about Trump (there seems to be a lot) and the other person</a:t>
-            </a:r>
-          </a:p>
-          <a:p>
-            <a:pPr marL="171450" indent="-171450">
-              <a:buFont typeface="Wingdings" pitchFamily="2" charset="2"/>
-              <a:buChar char="è"/>
-            </a:pPr>
-            <a:r>
-              <a:rPr lang="en-GB" baseline="0" dirty="0">
-                <a:sym typeface="Wingdings" panose="05000000000000000000" pitchFamily="2" charset="2"/>
-              </a:rPr>
-              <a:t>Now this is useful, but what connects Trump to this person? View visualization</a:t>
-            </a:r>
-          </a:p>
-          <a:p>
-            <a:pPr marL="171450" indent="-171450">
-              <a:buFont typeface="Wingdings" pitchFamily="2" charset="2"/>
-              <a:buChar char="è"/>
-            </a:pPr>
+              <a:rPr lang="de-DE" dirty="0" smtClean="0"/>
+              <a:t>Last </a:t>
+            </a:r>
+            <a:r>
+              <a:rPr lang="de-DE" dirty="0" err="1" smtClean="0"/>
+              <a:t>step</a:t>
+            </a:r>
+            <a:r>
+              <a:rPr lang="de-DE" dirty="0" smtClean="0"/>
+              <a:t>: </a:t>
+            </a:r>
+            <a:r>
+              <a:rPr lang="de-DE" dirty="0" err="1" smtClean="0"/>
+              <a:t>context</a:t>
+            </a:r>
+            <a:r>
+              <a:rPr lang="de-DE" dirty="0" smtClean="0"/>
+              <a:t> </a:t>
+            </a:r>
+            <a:r>
+              <a:rPr lang="de-DE" dirty="0" err="1" smtClean="0"/>
+              <a:t>and</a:t>
+            </a:r>
+            <a:r>
+              <a:rPr lang="de-DE" dirty="0" smtClean="0"/>
+              <a:t> </a:t>
+            </a:r>
+            <a:r>
+              <a:rPr lang="de-DE" dirty="0" err="1" smtClean="0"/>
+              <a:t>properties</a:t>
+            </a:r>
+            <a:r>
+              <a:rPr lang="de-DE" baseline="0" dirty="0" smtClean="0"/>
+              <a:t> </a:t>
+            </a:r>
+            <a:r>
+              <a:rPr lang="de-DE" baseline="0" dirty="0" err="1" smtClean="0"/>
+              <a:t>for</a:t>
+            </a:r>
+            <a:r>
+              <a:rPr lang="de-DE" baseline="0" dirty="0" smtClean="0"/>
+              <a:t> a </a:t>
+            </a:r>
+            <a:r>
+              <a:rPr lang="de-DE" baseline="0" dirty="0" err="1" smtClean="0"/>
+              <a:t>given</a:t>
+            </a:r>
+            <a:r>
+              <a:rPr lang="de-DE" baseline="0" dirty="0" smtClean="0"/>
+              <a:t> </a:t>
+            </a:r>
+            <a:r>
+              <a:rPr lang="de-DE" baseline="0" dirty="0" err="1" smtClean="0"/>
+              <a:t>set</a:t>
+            </a:r>
+            <a:r>
+              <a:rPr lang="de-DE" baseline="0" dirty="0" smtClean="0"/>
+              <a:t> </a:t>
+            </a:r>
+            <a:r>
+              <a:rPr lang="de-DE" baseline="0" dirty="0" err="1" smtClean="0"/>
+              <a:t>of</a:t>
+            </a:r>
+            <a:r>
+              <a:rPr lang="de-DE" baseline="0" dirty="0" smtClean="0"/>
+              <a:t> </a:t>
+            </a:r>
+            <a:r>
+              <a:rPr lang="de-DE" baseline="0" dirty="0" err="1" smtClean="0"/>
+              <a:t>named</a:t>
+            </a:r>
+            <a:r>
+              <a:rPr lang="de-DE" baseline="0" dirty="0" smtClean="0"/>
+              <a:t> </a:t>
+            </a:r>
+            <a:r>
+              <a:rPr lang="de-DE" baseline="0" dirty="0" err="1" smtClean="0"/>
+              <a:t>entities</a:t>
+            </a:r>
+            <a:r>
+              <a:rPr lang="de-DE" baseline="0" dirty="0" smtClean="0"/>
+              <a:t> </a:t>
+            </a:r>
+            <a:r>
+              <a:rPr lang="de-DE" baseline="0" dirty="0" err="1" smtClean="0"/>
+              <a:t>that</a:t>
+            </a:r>
+            <a:r>
+              <a:rPr lang="de-DE" baseline="0" dirty="0" smtClean="0"/>
+              <a:t> </a:t>
+            </a:r>
+            <a:r>
+              <a:rPr lang="de-DE" baseline="0" dirty="0" err="1" smtClean="0"/>
+              <a:t>were</a:t>
+            </a:r>
+            <a:r>
+              <a:rPr lang="de-DE" baseline="0" dirty="0" smtClean="0"/>
+              <a:t> </a:t>
+            </a:r>
+            <a:r>
+              <a:rPr lang="de-DE" baseline="0" dirty="0" err="1" smtClean="0"/>
+              <a:t>retrieved</a:t>
+            </a:r>
             <a:endParaRPr lang="de-DE" dirty="0"/>
           </a:p>
         </p:txBody>
@@ -1828,7 +1944,7 @@
           <a:p>
             <a:fld id="{6B56D088-27D1-433A-A9A9-E30AD3E13E16}" type="slidenum">
               <a:rPr lang="en-GB" smtClean="0"/>
-              <a:t>7</a:t>
+              <a:t>6</a:t>
             </a:fld>
             <a:endParaRPr lang="en-GB"/>
           </a:p>
@@ -1837,7 +1953,7 @@
     </p:spTree>
     <p:extLst>
       <p:ext uri="{BB962C8B-B14F-4D97-AF65-F5344CB8AC3E}">
-        <p14:creationId xmlns:p14="http://schemas.microsoft.com/office/powerpoint/2010/main" val="2749297725"/>
+        <p14:creationId xmlns:p14="http://schemas.microsoft.com/office/powerpoint/2010/main" val="4067828839"/>
       </p:ext>
     </p:extLst>
   </p:cSld>
@@ -1893,96 +2009,186 @@
           <a:p>
             <a:r>
               <a:rPr lang="en-GB" dirty="0"/>
-              <a:t>On the technical side: architecture is extensible, as in new sources can</a:t>
+              <a:t>Demo script:</a:t>
+            </a:r>
+          </a:p>
+          <a:p>
+            <a:r>
+              <a:rPr lang="en-GB" dirty="0"/>
+              <a:t>User</a:t>
             </a:r>
             <a:r>
               <a:rPr lang="en-GB" baseline="0" dirty="0"/>
-              <a:t> easily be added</a:t>
-            </a:r>
-          </a:p>
-          <a:p>
-            <a:r>
-              <a:rPr lang="en-GB" dirty="0"/>
-              <a:t>Chrome</a:t>
+              <a:t> visits his favourite website (Spiegel, </a:t>
+            </a:r>
+            <a:r>
+              <a:rPr lang="en-GB" baseline="0" dirty="0" smtClean="0"/>
+              <a:t>BBC or </a:t>
             </a:r>
             <a:r>
               <a:rPr lang="en-GB" baseline="0" dirty="0"/>
-              <a:t> extension gets pretty much everything from the server, so this would not need any updates</a:t>
+              <a:t>CNN)</a:t>
             </a:r>
           </a:p>
           <a:p>
             <a:r>
               <a:rPr lang="en-GB" baseline="0" dirty="0"/>
-              <a:t>Chrome extension shows a customizable popup</a:t>
-            </a:r>
-          </a:p>
-          <a:p>
-            <a:pPr lvl="1"/>
-            <a:r>
-              <a:rPr lang="en-GB" dirty="0"/>
-              <a:t>Retrieves additional information about entities</a:t>
-            </a:r>
-          </a:p>
-          <a:p>
-            <a:pPr marL="457200" marR="0" lvl="1" indent="0" algn="l" defTabSz="914400" rtl="0" eaLnBrk="1" fontAlgn="auto" latinLnBrk="0" hangingPunct="1">
-              <a:lnSpc>
-                <a:spcPct val="100000"/>
-              </a:lnSpc>
-              <a:spcBef>
-                <a:spcPts val="0"/>
-              </a:spcBef>
-              <a:spcAft>
-                <a:spcPts val="0"/>
-              </a:spcAft>
-              <a:buClrTx/>
-              <a:buSzTx/>
+              <a:t>Reads an article about foreign </a:t>
+            </a:r>
+            <a:r>
+              <a:rPr lang="en-GB" baseline="0" dirty="0" smtClean="0"/>
+              <a:t>politics in England, namely </a:t>
+            </a:r>
+            <a:r>
+              <a:rPr lang="en-GB" baseline="0" dirty="0" err="1" smtClean="0"/>
+              <a:t>Brexit</a:t>
+            </a:r>
+            <a:endParaRPr lang="en-GB" baseline="0" dirty="0" smtClean="0"/>
+          </a:p>
+          <a:p>
+            <a:pPr marL="171450" indent="-171450">
               <a:buFontTx/>
-              <a:buNone/>
-              <a:tabLst/>
-              <a:defRPr/>
+              <a:buChar char="-"/>
             </a:pPr>
             <a:r>
-              <a:rPr lang="en-GB" dirty="0"/>
-              <a:t>Visualizes connections between entities</a:t>
-            </a:r>
-          </a:p>
-          <a:p>
-            <a:pPr marL="457200" marR="0" lvl="1" indent="0" algn="l" defTabSz="914400" rtl="0" eaLnBrk="1" fontAlgn="auto" latinLnBrk="0" hangingPunct="1">
-              <a:lnSpc>
-                <a:spcPct val="100000"/>
-              </a:lnSpc>
-              <a:spcBef>
-                <a:spcPts val="0"/>
-              </a:spcBef>
-              <a:spcAft>
-                <a:spcPts val="0"/>
-              </a:spcAft>
-              <a:buClrTx/>
-              <a:buSzTx/>
+              <a:rPr lang="en-GB" baseline="0" dirty="0" smtClean="0"/>
+              <a:t>http://www.spiegel.de/international/europe/ (Theresa May vs David Cameron)</a:t>
+            </a:r>
+            <a:endParaRPr lang="en-GB" baseline="0" dirty="0" smtClean="0"/>
+          </a:p>
+          <a:p>
+            <a:pPr marL="171450" indent="-171450">
               <a:buFontTx/>
-              <a:buNone/>
-              <a:tabLst/>
-              <a:defRPr/>
+              <a:buChar char="-"/>
             </a:pPr>
             <a:r>
-              <a:rPr lang="en-GB" dirty="0">
+              <a:rPr lang="en-GB" baseline="0" dirty="0" smtClean="0"/>
+              <a:t>http</a:t>
+            </a:r>
+            <a:r>
+              <a:rPr lang="en-GB" baseline="0" dirty="0"/>
+              <a:t>://</a:t>
+            </a:r>
+            <a:r>
+              <a:rPr lang="en-GB" baseline="0" dirty="0" smtClean="0"/>
+              <a:t>www.bbc.com/news/world-us-canada-38168382 (</a:t>
+            </a:r>
+            <a:r>
+              <a:rPr lang="en-GB" baseline="0" dirty="0" smtClean="0"/>
+              <a:t>cabinet: “Ben Carson”…)</a:t>
+            </a:r>
+          </a:p>
+          <a:p>
+            <a:pPr marL="171450" indent="-171450">
+              <a:buFontTx/>
+              <a:buChar char="-"/>
+            </a:pPr>
+            <a:r>
+              <a:rPr lang="en-GB" baseline="0" dirty="0" smtClean="0"/>
+              <a:t>http://www.bbc.com/news/world-us-canada-38209969 (cabinet: “Ben Carson” + Trump)</a:t>
+            </a:r>
+            <a:endParaRPr lang="en-GB" baseline="0" dirty="0" smtClean="0"/>
+          </a:p>
+          <a:p>
+            <a:pPr marL="171450" indent="-171450">
+              <a:buFontTx/>
+              <a:buChar char="-"/>
+            </a:pPr>
+            <a:r>
+              <a:rPr lang="en-GB" baseline="0" dirty="0" smtClean="0"/>
+              <a:t>http://www.bbc.com/news/world-us-canada-38179002 (trump vs Clinton)</a:t>
+            </a:r>
+          </a:p>
+          <a:p>
+            <a:pPr marL="171450" indent="-171450">
+              <a:buFontTx/>
+              <a:buChar char="-"/>
+            </a:pPr>
+            <a:r>
+              <a:rPr lang="en-GB" baseline="0" dirty="0" smtClean="0"/>
+              <a:t>http://www.nytimes.com/interactive/2016/us/politics/donald-trump-administration.html?_r=0 (trump + ben </a:t>
+            </a:r>
+            <a:r>
+              <a:rPr lang="en-GB" baseline="0" dirty="0" err="1" smtClean="0"/>
+              <a:t>carson</a:t>
+            </a:r>
+            <a:r>
+              <a:rPr lang="en-GB" baseline="0" dirty="0" smtClean="0"/>
+              <a:t>)</a:t>
+            </a:r>
+          </a:p>
+          <a:p>
+            <a:endParaRPr lang="en-GB" baseline="0" dirty="0"/>
+          </a:p>
+          <a:p>
+            <a:endParaRPr lang="en-GB" baseline="0" dirty="0" smtClean="0"/>
+          </a:p>
+          <a:p>
+            <a:endParaRPr lang="en-GB" baseline="0" dirty="0" smtClean="0"/>
+          </a:p>
+          <a:p>
+            <a:r>
+              <a:rPr lang="en-GB" baseline="0" dirty="0" smtClean="0"/>
+              <a:t>Now </a:t>
+            </a:r>
+            <a:r>
+              <a:rPr lang="en-GB" baseline="0" dirty="0"/>
+              <a:t>Trump obviously he knows, but who is this other person that is mentioned here? </a:t>
+            </a:r>
+          </a:p>
+          <a:p>
+            <a:pPr marL="171450" indent="-171450">
+              <a:buFont typeface="Wingdings" pitchFamily="2" charset="2"/>
+              <a:buChar char="è"/>
+            </a:pPr>
+            <a:r>
+              <a:rPr lang="en-GB" baseline="0" dirty="0">
                 <a:sym typeface="Wingdings" panose="05000000000000000000" pitchFamily="2" charset="2"/>
               </a:rPr>
-              <a:t> </a:t>
-            </a:r>
-            <a:r>
-              <a:rPr lang="en-GB" dirty="0"/>
-              <a:t>User saves time: No Wikipedia lookups necessary</a:t>
-            </a:r>
-          </a:p>
-          <a:p>
-            <a:pPr lvl="1"/>
-            <a:endParaRPr lang="en-GB" i="0" dirty="0"/>
-          </a:p>
-          <a:p>
-            <a:endParaRPr lang="en-GB" baseline="0" dirty="0"/>
-          </a:p>
-          <a:p>
+              <a:t>Select the text and click the button!</a:t>
+            </a:r>
+          </a:p>
+          <a:p>
+            <a:pPr marL="0" indent="0">
+              <a:buFont typeface="Wingdings" pitchFamily="2" charset="2"/>
+              <a:buNone/>
+            </a:pPr>
+            <a:r>
+              <a:rPr lang="en-GB" baseline="0" dirty="0">
+                <a:sym typeface="Wingdings" panose="05000000000000000000" pitchFamily="2" charset="2"/>
+              </a:rPr>
+              <a:t>View information about the named entities that were found:</a:t>
+            </a:r>
+          </a:p>
+          <a:p>
+            <a:pPr marL="171450" indent="-171450">
+              <a:buFont typeface="Wingdings" pitchFamily="2" charset="2"/>
+              <a:buChar char="è"/>
+            </a:pPr>
+            <a:r>
+              <a:rPr lang="en-GB" baseline="0" dirty="0">
+                <a:sym typeface="Wingdings" panose="05000000000000000000" pitchFamily="2" charset="2"/>
+              </a:rPr>
+              <a:t>Information about Trump (there seems to be a lot) and the other person</a:t>
+            </a:r>
+          </a:p>
+          <a:p>
+            <a:pPr marL="171450" indent="-171450">
+              <a:buFont typeface="Wingdings" pitchFamily="2" charset="2"/>
+              <a:buChar char="è"/>
+            </a:pPr>
+            <a:r>
+              <a:rPr lang="en-GB" baseline="0" dirty="0">
+                <a:sym typeface="Wingdings" panose="05000000000000000000" pitchFamily="2" charset="2"/>
+              </a:rPr>
+              <a:t>Now this is useful, but what connects Trump to this person? View visualization</a:t>
+            </a:r>
+          </a:p>
+          <a:p>
+            <a:pPr marL="171450" indent="-171450">
+              <a:buFont typeface="Wingdings" pitchFamily="2" charset="2"/>
+              <a:buChar char="è"/>
+            </a:pPr>
             <a:endParaRPr lang="de-DE" dirty="0"/>
           </a:p>
         </p:txBody>
@@ -2004,7 +2210,7 @@
           <a:p>
             <a:fld id="{6B56D088-27D1-433A-A9A9-E30AD3E13E16}" type="slidenum">
               <a:rPr lang="en-GB" smtClean="0"/>
-              <a:t>8</a:t>
+              <a:t>7</a:t>
             </a:fld>
             <a:endParaRPr lang="en-GB"/>
           </a:p>
@@ -2013,7 +2219,7 @@
     </p:spTree>
     <p:extLst>
       <p:ext uri="{BB962C8B-B14F-4D97-AF65-F5344CB8AC3E}">
-        <p14:creationId xmlns:p14="http://schemas.microsoft.com/office/powerpoint/2010/main" val="3473345627"/>
+        <p14:creationId xmlns:p14="http://schemas.microsoft.com/office/powerpoint/2010/main" val="2749297725"/>
       </p:ext>
     </p:extLst>
   </p:cSld>
@@ -2068,93 +2274,133 @@
           <a:lstStyle/>
           <a:p>
             <a:r>
+              <a:rPr lang="en-GB" dirty="0" smtClean="0"/>
+              <a:t>So,</a:t>
+            </a:r>
+            <a:r>
+              <a:rPr lang="en-GB" baseline="0" dirty="0" smtClean="0"/>
+              <a:t> in conclusion:</a:t>
+            </a:r>
+            <a:endParaRPr lang="en-GB" dirty="0" smtClean="0"/>
+          </a:p>
+          <a:p>
+            <a:r>
+              <a:rPr lang="en-GB" dirty="0" smtClean="0"/>
+              <a:t>On </a:t>
+            </a:r>
+            <a:r>
               <a:rPr lang="en-GB" dirty="0"/>
-              <a:t>Demo script:</a:t>
-            </a:r>
-          </a:p>
-          <a:p>
+              <a:t>the technical side: architecture is </a:t>
+            </a:r>
+            <a:r>
+              <a:rPr lang="en-GB" dirty="0" smtClean="0"/>
+              <a:t>extensible,</a:t>
+            </a:r>
+            <a:r>
+              <a:rPr lang="en-GB" baseline="0" dirty="0" smtClean="0"/>
+              <a:t> especially </a:t>
+            </a:r>
+            <a:r>
+              <a:rPr lang="en-GB" dirty="0" smtClean="0"/>
+              <a:t>new </a:t>
+            </a:r>
             <a:r>
               <a:rPr lang="en-GB" dirty="0"/>
-              <a:t>User</a:t>
+              <a:t>sources can</a:t>
             </a:r>
             <a:r>
               <a:rPr lang="en-GB" baseline="0" dirty="0"/>
-              <a:t> visits his favourite website (Spiegel, </a:t>
-            </a:r>
-            <a:r>
-              <a:rPr lang="en-GB" baseline="0" dirty="0" err="1"/>
-              <a:t>bbc</a:t>
+              <a:t> </a:t>
+            </a:r>
+            <a:r>
+              <a:rPr lang="en-GB" baseline="0" dirty="0" smtClean="0"/>
+              <a:t>be added easily </a:t>
+            </a:r>
+            <a:endParaRPr lang="en-GB" baseline="0" dirty="0"/>
+          </a:p>
+          <a:p>
+            <a:r>
+              <a:rPr lang="en-GB" dirty="0"/>
+              <a:t>Chrome</a:t>
             </a:r>
             <a:r>
               <a:rPr lang="en-GB" baseline="0" dirty="0"/>
-              <a:t>, CNN)</a:t>
+              <a:t> extension gets pretty much everything from the server, so this would not need any updates</a:t>
             </a:r>
           </a:p>
           <a:p>
             <a:r>
               <a:rPr lang="en-GB" baseline="0" dirty="0"/>
-              <a:t>Reads an article about foreign politics: Trump is filling his cabinet (example: http://www.bbc.com/news/world-us-canada-38168382) </a:t>
-            </a:r>
-          </a:p>
-          <a:p>
-            <a:r>
-              <a:rPr lang="en-GB" baseline="0" dirty="0"/>
-              <a:t>Now Trump obviously he knows, but who is this other person that is mentioned here? </a:t>
-            </a:r>
-          </a:p>
-          <a:p>
-            <a:pPr marL="171450" indent="-171450">
-              <a:buFont typeface="Wingdings" pitchFamily="2" charset="2"/>
-              <a:buChar char="è"/>
+              <a:t>Chrome extension shows a customizable popup</a:t>
+            </a:r>
+          </a:p>
+          <a:p>
+            <a:pPr lvl="1"/>
+            <a:r>
+              <a:rPr lang="en-GB" dirty="0"/>
+              <a:t>Retrieves additional information about entities</a:t>
+            </a:r>
+          </a:p>
+          <a:p>
+            <a:pPr marL="457200" marR="0" lvl="1" indent="0" algn="l" defTabSz="914400" rtl="0" eaLnBrk="1" fontAlgn="auto" latinLnBrk="0" hangingPunct="1">
+              <a:lnSpc>
+                <a:spcPct val="100000"/>
+              </a:lnSpc>
+              <a:spcBef>
+                <a:spcPts val="0"/>
+              </a:spcBef>
+              <a:spcAft>
+                <a:spcPts val="0"/>
+              </a:spcAft>
+              <a:buClrTx/>
+              <a:buSzTx/>
+              <a:buFontTx/>
+              <a:buNone/>
+              <a:tabLst/>
+              <a:defRPr/>
             </a:pPr>
             <a:r>
-              <a:rPr lang="en-GB" baseline="0" dirty="0">
+              <a:rPr lang="en-GB" dirty="0"/>
+              <a:t>Visualizes connections between entities</a:t>
+            </a:r>
+          </a:p>
+          <a:p>
+            <a:pPr marL="457200" marR="0" lvl="1" indent="0" algn="l" defTabSz="914400" rtl="0" eaLnBrk="1" fontAlgn="auto" latinLnBrk="0" hangingPunct="1">
+              <a:lnSpc>
+                <a:spcPct val="100000"/>
+              </a:lnSpc>
+              <a:spcBef>
+                <a:spcPts val="0"/>
+              </a:spcBef>
+              <a:spcAft>
+                <a:spcPts val="0"/>
+              </a:spcAft>
+              <a:buClrTx/>
+              <a:buSzTx/>
+              <a:buFontTx/>
+              <a:buNone/>
+              <a:tabLst/>
+              <a:defRPr/>
+            </a:pPr>
+            <a:r>
+              <a:rPr lang="en-GB" dirty="0">
                 <a:sym typeface="Wingdings" panose="05000000000000000000" pitchFamily="2" charset="2"/>
               </a:rPr>
-              <a:t>Select the text and click the button!</a:t>
-            </a:r>
-          </a:p>
-          <a:p>
-            <a:pPr marL="0" indent="0">
-              <a:buFont typeface="Wingdings" pitchFamily="2" charset="2"/>
-              <a:buNone/>
-            </a:pPr>
-            <a:r>
-              <a:rPr lang="en-GB" baseline="0" dirty="0">
-                <a:sym typeface="Wingdings" panose="05000000000000000000" pitchFamily="2" charset="2"/>
-              </a:rPr>
-              <a:t>View information about the named entities that were found:</a:t>
-            </a:r>
-          </a:p>
-          <a:p>
-            <a:pPr marL="171450" indent="-171450">
-              <a:buFont typeface="Wingdings" pitchFamily="2" charset="2"/>
-              <a:buChar char="è"/>
-            </a:pPr>
-            <a:r>
-              <a:rPr lang="en-GB" baseline="0" dirty="0">
-                <a:sym typeface="Wingdings" panose="05000000000000000000" pitchFamily="2" charset="2"/>
-              </a:rPr>
-              <a:t>Information about Trump (there seems to be a lot) and the other person</a:t>
-            </a:r>
-          </a:p>
-          <a:p>
-            <a:pPr marL="171450" indent="-171450">
-              <a:buFont typeface="Wingdings" pitchFamily="2" charset="2"/>
-              <a:buChar char="è"/>
-            </a:pPr>
-            <a:r>
-              <a:rPr lang="en-GB" baseline="0" dirty="0">
-                <a:sym typeface="Wingdings" panose="05000000000000000000" pitchFamily="2" charset="2"/>
-              </a:rPr>
-              <a:t>Now this is useful, but what connects Trump to this person? View visualization</a:t>
-            </a:r>
-          </a:p>
-          <a:p>
-            <a:pPr marL="171450" indent="-171450">
-              <a:buFont typeface="Wingdings" pitchFamily="2" charset="2"/>
-              <a:buChar char="è"/>
-            </a:pPr>
+              <a:t> </a:t>
+            </a:r>
+            <a:r>
+              <a:rPr lang="en-GB" dirty="0"/>
+              <a:t>User saves time: No Wikipedia lookups necessary</a:t>
+            </a:r>
+          </a:p>
+          <a:p>
+            <a:pPr lvl="1"/>
+            <a:endParaRPr lang="en-GB" i="0" dirty="0"/>
+          </a:p>
+          <a:p>
+            <a:endParaRPr lang="en-GB" baseline="0" dirty="0"/>
+          </a:p>
+          <a:p>
             <a:endParaRPr lang="de-DE" dirty="0"/>
           </a:p>
         </p:txBody>
@@ -2176,7 +2422,7 @@
           <a:p>
             <a:fld id="{6B56D088-27D1-433A-A9A9-E30AD3E13E16}" type="slidenum">
               <a:rPr lang="en-GB" smtClean="0"/>
-              <a:t>9</a:t>
+              <a:t>8</a:t>
             </a:fld>
             <a:endParaRPr lang="en-GB"/>
           </a:p>
@@ -2185,7 +2431,7 @@
     </p:spTree>
     <p:extLst>
       <p:ext uri="{BB962C8B-B14F-4D97-AF65-F5344CB8AC3E}">
-        <p14:creationId xmlns:p14="http://schemas.microsoft.com/office/powerpoint/2010/main" val="2316174046"/>
+        <p14:creationId xmlns:p14="http://schemas.microsoft.com/office/powerpoint/2010/main" val="3473345627"/>
       </p:ext>
     </p:extLst>
   </p:cSld>
@@ -2214,7 +2460,7 @@
       </p:grpSpPr>
       <p:sp>
         <p:nvSpPr>
-          <p:cNvPr id="2" name="Folienbildplatzhalter 1"/>
+          <p:cNvPr id="2" name="Slide Image Placeholder 1"/>
           <p:cNvSpPr>
             <a:spLocks noGrp="1" noRot="1" noChangeAspect="1"/>
           </p:cNvSpPr>
@@ -2226,7 +2472,7 @@
       </p:sp>
       <p:sp>
         <p:nvSpPr>
-          <p:cNvPr id="3" name="Notizenplatzhalter 2"/>
+          <p:cNvPr id="3" name="Notes Placeholder 2"/>
           <p:cNvSpPr>
             <a:spLocks noGrp="1"/>
           </p:cNvSpPr>
@@ -2239,13 +2485,17 @@
           <a:bodyPr/>
           <a:lstStyle/>
           <a:p>
-            <a:endParaRPr lang="en-GB" dirty="0"/>
+            <a:pPr marL="171450" indent="-171450">
+              <a:buFont typeface="Wingdings" pitchFamily="2" charset="2"/>
+              <a:buChar char="è"/>
+            </a:pPr>
+            <a:endParaRPr lang="de-DE" dirty="0"/>
           </a:p>
         </p:txBody>
       </p:sp>
       <p:sp>
         <p:nvSpPr>
-          <p:cNvPr id="4" name="Foliennummernplatzhalter 3"/>
+          <p:cNvPr id="4" name="Slide Number Placeholder 3"/>
           <p:cNvSpPr>
             <a:spLocks noGrp="1"/>
           </p:cNvSpPr>
@@ -2260,7 +2510,7 @@
           <a:p>
             <a:fld id="{6B56D088-27D1-433A-A9A9-E30AD3E13E16}" type="slidenum">
               <a:rPr lang="en-GB" smtClean="0"/>
-              <a:t>11</a:t>
+              <a:t>9</a:t>
             </a:fld>
             <a:endParaRPr lang="en-GB"/>
           </a:p>
@@ -2269,7 +2519,7 @@
     </p:spTree>
     <p:extLst>
       <p:ext uri="{BB962C8B-B14F-4D97-AF65-F5344CB8AC3E}">
-        <p14:creationId xmlns:p14="http://schemas.microsoft.com/office/powerpoint/2010/main" val="1496811619"/>
+        <p14:creationId xmlns:p14="http://schemas.microsoft.com/office/powerpoint/2010/main" val="2316174046"/>
       </p:ext>
     </p:extLst>
   </p:cSld>
@@ -8271,6 +8521,13 @@
   <p:clrMapOvr>
     <a:masterClrMapping/>
   </p:clrMapOvr>
+  <p:timing>
+    <p:tnLst>
+      <p:par>
+        <p:cTn id="1" dur="indefinite" restart="never" nodeType="tmRoot"/>
+      </p:par>
+    </p:tnLst>
+  </p:timing>
 </p:sld>
 </file>
 
@@ -9463,7 +9720,7 @@
                 <a14:useLocalDpi xmlns:a14="http://schemas.microsoft.com/office/drawing/2010/main" val="0"/>
               </a:ext>
               <a:ext uri="{96DAC541-7B7A-43D3-8B79-37D633B846F1}">
-                <asvg:svgBlip xmlns:asvg="http://schemas.microsoft.com/office/drawing/2016/SVG/main" xmlns="" r:embed="rId7"/>
+                <asvg:svgBlip xmlns="" xmlns:asvg="http://schemas.microsoft.com/office/drawing/2016/SVG/main" r:embed="rId7"/>
               </a:ext>
             </a:extLst>
           </a:blip>
@@ -9496,7 +9753,7 @@
                 <a14:useLocalDpi xmlns:a14="http://schemas.microsoft.com/office/drawing/2010/main" val="0"/>
               </a:ext>
               <a:ext uri="{96DAC541-7B7A-43D3-8B79-37D633B846F1}">
-                <asvg:svgBlip xmlns:asvg="http://schemas.microsoft.com/office/drawing/2016/SVG/main" xmlns="" r:embed="rId9"/>
+                <asvg:svgBlip xmlns="" xmlns:asvg="http://schemas.microsoft.com/office/drawing/2016/SVG/main" r:embed="rId9"/>
               </a:ext>
             </a:extLst>
           </a:blip>
@@ -10124,7 +10381,7 @@
                   <a14:useLocalDpi xmlns:a14="http://schemas.microsoft.com/office/drawing/2010/main" val="0"/>
                 </a:ext>
                 <a:ext uri="{96DAC541-7B7A-43D3-8B79-37D633B846F1}">
-                  <asvg:svgBlip xmlns:asvg="http://schemas.microsoft.com/office/drawing/2016/SVG/main" xmlns="" r:embed="rId5"/>
+                  <asvg:svgBlip xmlns="" xmlns:asvg="http://schemas.microsoft.com/office/drawing/2016/SVG/main" r:embed="rId5"/>
                 </a:ext>
               </a:extLst>
             </a:blip>
@@ -10284,7 +10541,7 @@
                   <a14:useLocalDpi xmlns:a14="http://schemas.microsoft.com/office/drawing/2010/main" val="0"/>
                 </a:ext>
                 <a:ext uri="{96DAC541-7B7A-43D3-8B79-37D633B846F1}">
-                  <asvg:svgBlip xmlns:asvg="http://schemas.microsoft.com/office/drawing/2016/SVG/main" xmlns="" r:embed="rId9"/>
+                  <asvg:svgBlip xmlns="" xmlns:asvg="http://schemas.microsoft.com/office/drawing/2016/SVG/main" r:embed="rId9"/>
                 </a:ext>
               </a:extLst>
             </a:blip>
@@ -10377,7 +10634,7 @@
                     <a14:useLocalDpi xmlns:a14="http://schemas.microsoft.com/office/drawing/2010/main" val="0"/>
                   </a:ext>
                   <a:ext uri="{96DAC541-7B7A-43D3-8B79-37D633B846F1}">
-                    <asvg:svgBlip xmlns:asvg="http://schemas.microsoft.com/office/drawing/2016/SVG/main" xmlns="" r:embed="rId11"/>
+                    <asvg:svgBlip xmlns="" xmlns:asvg="http://schemas.microsoft.com/office/drawing/2016/SVG/main" r:embed="rId11"/>
                   </a:ext>
                 </a:extLst>
               </a:blip>
@@ -10410,7 +10667,7 @@
                     <a14:useLocalDpi xmlns:a14="http://schemas.microsoft.com/office/drawing/2010/main" val="0"/>
                   </a:ext>
                   <a:ext uri="{96DAC541-7B7A-43D3-8B79-37D633B846F1}">
-                    <asvg:svgBlip xmlns:asvg="http://schemas.microsoft.com/office/drawing/2016/SVG/main" xmlns="" r:embed="rId13"/>
+                    <asvg:svgBlip xmlns="" xmlns:asvg="http://schemas.microsoft.com/office/drawing/2016/SVG/main" r:embed="rId13"/>
                   </a:ext>
                 </a:extLst>
               </a:blip>
@@ -10592,7 +10849,7 @@
                 <a14:useLocalDpi xmlns:a14="http://schemas.microsoft.com/office/drawing/2010/main" val="0"/>
               </a:ext>
               <a:ext uri="{96DAC541-7B7A-43D3-8B79-37D633B846F1}">
-                <asvg:svgBlip xmlns:asvg="http://schemas.microsoft.com/office/drawing/2016/SVG/main" xmlns="" r:embed="rId18"/>
+                <asvg:svgBlip xmlns="" xmlns:asvg="http://schemas.microsoft.com/office/drawing/2016/SVG/main" r:embed="rId18"/>
               </a:ext>
             </a:extLst>
           </a:blip>
@@ -10625,7 +10882,7 @@
                 <a14:useLocalDpi xmlns:a14="http://schemas.microsoft.com/office/drawing/2010/main" val="0"/>
               </a:ext>
               <a:ext uri="{96DAC541-7B7A-43D3-8B79-37D633B846F1}">
-                <asvg:svgBlip xmlns:asvg="http://schemas.microsoft.com/office/drawing/2016/SVG/main" xmlns="" r:embed="rId20"/>
+                <asvg:svgBlip xmlns="" xmlns:asvg="http://schemas.microsoft.com/office/drawing/2016/SVG/main" r:embed="rId20"/>
               </a:ext>
             </a:extLst>
           </a:blip>
@@ -11010,7 +11267,7 @@
                   <a14:useLocalDpi xmlns:a14="http://schemas.microsoft.com/office/drawing/2010/main" val="0"/>
                 </a:ext>
                 <a:ext uri="{96DAC541-7B7A-43D3-8B79-37D633B846F1}">
-                  <asvg:svgBlip xmlns:asvg="http://schemas.microsoft.com/office/drawing/2016/SVG/main" xmlns="" r:embed="rId13"/>
+                  <asvg:svgBlip xmlns="" xmlns:asvg="http://schemas.microsoft.com/office/drawing/2016/SVG/main" r:embed="rId13"/>
                 </a:ext>
               </a:extLst>
             </a:blip>
@@ -12581,7 +12838,7 @@
                   <a14:useLocalDpi xmlns:a14="http://schemas.microsoft.com/office/drawing/2010/main" val="0"/>
                 </a:ext>
                 <a:ext uri="{96DAC541-7B7A-43D3-8B79-37D633B846F1}">
-                  <asvg:svgBlip xmlns:asvg="http://schemas.microsoft.com/office/drawing/2016/SVG/main" xmlns="" r:embed="rId6"/>
+                  <asvg:svgBlip xmlns="" xmlns:asvg="http://schemas.microsoft.com/office/drawing/2016/SVG/main" r:embed="rId6"/>
                 </a:ext>
               </a:extLst>
             </a:blip>
@@ -12740,7 +12997,7 @@
                 <a14:useLocalDpi xmlns:a14="http://schemas.microsoft.com/office/drawing/2010/main" val="0"/>
               </a:ext>
               <a:ext uri="{96DAC541-7B7A-43D3-8B79-37D633B846F1}">
-                <asvg:svgBlip xmlns:asvg="http://schemas.microsoft.com/office/drawing/2016/SVG/main" xmlns="" r:embed="rId8"/>
+                <asvg:svgBlip xmlns="" xmlns:asvg="http://schemas.microsoft.com/office/drawing/2016/SVG/main" r:embed="rId8"/>
               </a:ext>
             </a:extLst>
           </a:blip>
@@ -12787,7 +13044,7 @@
                   <a14:useLocalDpi xmlns:a14="http://schemas.microsoft.com/office/drawing/2010/main" val="0"/>
                 </a:ext>
                 <a:ext uri="{96DAC541-7B7A-43D3-8B79-37D633B846F1}">
-                  <asvg:svgBlip xmlns:asvg="http://schemas.microsoft.com/office/drawing/2016/SVG/main" xmlns="" r:embed="rId10"/>
+                  <asvg:svgBlip xmlns="" xmlns:asvg="http://schemas.microsoft.com/office/drawing/2016/SVG/main" r:embed="rId10"/>
                 </a:ext>
               </a:extLst>
             </a:blip>
@@ -12880,7 +13137,7 @@
                     <a14:useLocalDpi xmlns:a14="http://schemas.microsoft.com/office/drawing/2010/main" val="0"/>
                   </a:ext>
                   <a:ext uri="{96DAC541-7B7A-43D3-8B79-37D633B846F1}">
-                    <asvg:svgBlip xmlns:asvg="http://schemas.microsoft.com/office/drawing/2016/SVG/main" xmlns="" r:embed="rId12"/>
+                    <asvg:svgBlip xmlns="" xmlns:asvg="http://schemas.microsoft.com/office/drawing/2016/SVG/main" r:embed="rId12"/>
                   </a:ext>
                 </a:extLst>
               </a:blip>
@@ -13034,7 +13291,7 @@
                   <a14:useLocalDpi xmlns:a14="http://schemas.microsoft.com/office/drawing/2010/main" val="0"/>
                 </a:ext>
                 <a:ext uri="{96DAC541-7B7A-43D3-8B79-37D633B846F1}">
-                  <asvg:svgBlip xmlns:asvg="http://schemas.microsoft.com/office/drawing/2016/SVG/main" xmlns="" r:embed="rId16"/>
+                  <asvg:svgBlip xmlns="" xmlns:asvg="http://schemas.microsoft.com/office/drawing/2016/SVG/main" r:embed="rId16"/>
                 </a:ext>
               </a:extLst>
             </a:blip>
@@ -13113,7 +13370,7 @@
                   <a14:useLocalDpi xmlns:a14="http://schemas.microsoft.com/office/drawing/2010/main" val="0"/>
                 </a:ext>
                 <a:ext uri="{96DAC541-7B7A-43D3-8B79-37D633B846F1}">
-                  <asvg:svgBlip xmlns:asvg="http://schemas.microsoft.com/office/drawing/2016/SVG/main" xmlns="" r:embed="rId18"/>
+                  <asvg:svgBlip xmlns="" xmlns:asvg="http://schemas.microsoft.com/office/drawing/2016/SVG/main" r:embed="rId18"/>
                 </a:ext>
               </a:extLst>
             </a:blip>
@@ -13358,7 +13615,7 @@
                     <a14:useLocalDpi xmlns:a14="http://schemas.microsoft.com/office/drawing/2010/main" val="0"/>
                   </a:ext>
                   <a:ext uri="{96DAC541-7B7A-43D3-8B79-37D633B846F1}">
-                    <asvg:svgBlip xmlns:asvg="http://schemas.microsoft.com/office/drawing/2016/SVG/main" xmlns="" r:embed="rId22"/>
+                    <asvg:svgBlip xmlns="" xmlns:asvg="http://schemas.microsoft.com/office/drawing/2016/SVG/main" r:embed="rId22"/>
                   </a:ext>
                 </a:extLst>
               </a:blip>
@@ -13391,7 +13648,7 @@
                     <a14:useLocalDpi xmlns:a14="http://schemas.microsoft.com/office/drawing/2010/main" val="0"/>
                   </a:ext>
                   <a:ext uri="{96DAC541-7B7A-43D3-8B79-37D633B846F1}">
-                    <asvg:svgBlip xmlns:asvg="http://schemas.microsoft.com/office/drawing/2016/SVG/main" xmlns="" r:embed="rId16"/>
+                    <asvg:svgBlip xmlns="" xmlns:asvg="http://schemas.microsoft.com/office/drawing/2016/SVG/main" r:embed="rId16"/>
                   </a:ext>
                 </a:extLst>
               </a:blip>
@@ -14375,7 +14632,7 @@
             </a:r>
             <a:r>
               <a:rPr lang="de-DE" sz="1400" dirty="0">
-                <a:hlinkClick r:id="rId2"/>
+                <a:hlinkClick r:id="rId3"/>
               </a:rPr>
               <a:t>https://localhost:8443/RetrieveTriples</a:t>
             </a:r>
@@ -14440,7 +14697,7 @@
             </a:r>
             <a:r>
               <a:rPr lang="de-DE" sz="1400" dirty="0">
-                <a:hlinkClick r:id="rId3"/>
+                <a:hlinkClick r:id="rId4"/>
               </a:rPr>
               <a:t>https://localhost:8443/RetrieveAvailableProperties</a:t>
             </a:r>
@@ -15316,7 +15573,7 @@
                   <a14:useLocalDpi xmlns:a14="http://schemas.microsoft.com/office/drawing/2010/main" val="0"/>
                 </a:ext>
                 <a:ext uri="{96DAC541-7B7A-43D3-8B79-37D633B846F1}">
-                  <asvg:svgBlip xmlns:asvg="http://schemas.microsoft.com/office/drawing/2016/SVG/main" xmlns="" r:embed="rId4"/>
+                  <asvg:svgBlip xmlns="" xmlns:asvg="http://schemas.microsoft.com/office/drawing/2016/SVG/main" r:embed="rId4"/>
                 </a:ext>
               </a:extLst>
             </a:blip>
@@ -15665,7 +15922,7 @@
                     <a14:useLocalDpi xmlns:a14="http://schemas.microsoft.com/office/drawing/2010/main" val="0"/>
                   </a:ext>
                   <a:ext uri="{96DAC541-7B7A-43D3-8B79-37D633B846F1}">
-                    <asvg:svgBlip xmlns:asvg="http://schemas.microsoft.com/office/drawing/2016/SVG/main" xmlns="" r:embed="rId8"/>
+                    <asvg:svgBlip xmlns="" xmlns:asvg="http://schemas.microsoft.com/office/drawing/2016/SVG/main" r:embed="rId8"/>
                   </a:ext>
                 </a:extLst>
               </a:blip>
@@ -17696,7 +17953,7 @@
                       <a14:useLocalDpi xmlns:a14="http://schemas.microsoft.com/office/drawing/2010/main" val="0"/>
                     </a:ext>
                     <a:ext uri="{96DAC541-7B7A-43D3-8B79-37D633B846F1}">
-                      <asvg:svgBlip xmlns:asvg="http://schemas.microsoft.com/office/drawing/2016/SVG/main" xmlns="" r:embed="rId14"/>
+                      <asvg:svgBlip xmlns="" xmlns:asvg="http://schemas.microsoft.com/office/drawing/2016/SVG/main" r:embed="rId14"/>
                     </a:ext>
                   </a:extLst>
                 </a:blip>
@@ -17729,7 +17986,7 @@
                       <a14:useLocalDpi xmlns:a14="http://schemas.microsoft.com/office/drawing/2010/main" val="0"/>
                     </a:ext>
                     <a:ext uri="{96DAC541-7B7A-43D3-8B79-37D633B846F1}">
-                      <asvg:svgBlip xmlns:asvg="http://schemas.microsoft.com/office/drawing/2016/SVG/main" xmlns="" r:embed="rId16"/>
+                      <asvg:svgBlip xmlns="" xmlns:asvg="http://schemas.microsoft.com/office/drawing/2016/SVG/main" r:embed="rId16"/>
                     </a:ext>
                   </a:extLst>
                 </a:blip>
@@ -19074,7 +19331,7 @@
                     <a14:useLocalDpi xmlns:a14="http://schemas.microsoft.com/office/drawing/2010/main" val="0"/>
                   </a:ext>
                   <a:ext uri="{96DAC541-7B7A-43D3-8B79-37D633B846F1}">
-                    <asvg:svgBlip xmlns:asvg="http://schemas.microsoft.com/office/drawing/2016/SVG/main" xmlns="" r:embed="rId13"/>
+                    <asvg:svgBlip xmlns="" xmlns:asvg="http://schemas.microsoft.com/office/drawing/2016/SVG/main" r:embed="rId13"/>
                   </a:ext>
                 </a:extLst>
               </a:blip>
@@ -19107,7 +19364,7 @@
                     <a14:useLocalDpi xmlns:a14="http://schemas.microsoft.com/office/drawing/2010/main" val="0"/>
                   </a:ext>
                   <a:ext uri="{96DAC541-7B7A-43D3-8B79-37D633B846F1}">
-                    <asvg:svgBlip xmlns:asvg="http://schemas.microsoft.com/office/drawing/2016/SVG/main" xmlns="" r:embed="rId15"/>
+                    <asvg:svgBlip xmlns="" xmlns:asvg="http://schemas.microsoft.com/office/drawing/2016/SVG/main" r:embed="rId15"/>
                   </a:ext>
                 </a:extLst>
               </a:blip>
@@ -19446,6 +19703,37 @@
               <a:t>9</a:t>
             </a:fld>
             <a:endParaRPr lang="en-GB" dirty="0"/>
+          </a:p>
+        </p:txBody>
+      </p:sp>
+      <p:sp>
+        <p:nvSpPr>
+          <p:cNvPr id="2" name="TextBox 1"/>
+          <p:cNvSpPr txBox="1"/>
+          <p:nvPr/>
+        </p:nvSpPr>
+        <p:spPr>
+          <a:xfrm>
+            <a:off x="4569474" y="5938837"/>
+            <a:ext cx="2810534" cy="276999"/>
+          </a:xfrm>
+          <a:prstGeom prst="rect">
+            <a:avLst/>
+          </a:prstGeom>
+          <a:noFill/>
+        </p:spPr>
+        <p:txBody>
+          <a:bodyPr wrap="square" rtlCol="0">
+            <a:spAutoFit/>
+          </a:bodyPr>
+          <a:lstStyle/>
+          <a:p>
+            <a:pPr algn="ctr"/>
+            <a:r>
+              <a:rPr lang="de-DE" sz="1200" dirty="0" smtClean="0"/>
+              <a:t>Sascha Ulbrich, Oliver Frendo</a:t>
+            </a:r>
+            <a:endParaRPr lang="de-DE" sz="1200" dirty="0"/>
           </a:p>
         </p:txBody>
       </p:sp>
